--- a/Presentation/conference-presentation.pptx
+++ b/Presentation/conference-presentation.pptx
@@ -1,6 +1,6 @@
 
 <file path=ppt/presentation.xml><?xml version="1.0" encoding="utf-8"?>
-<p:presentation xmlns:a="http://schemas.openxmlformats.org/drawingml/2006/main" xmlns:r="http://schemas.openxmlformats.org/officeDocument/2006/relationships" xmlns:p="http://schemas.openxmlformats.org/presentationml/2006/main" autoCompressPictures="0">
+<p:presentation xmlns:a="http://schemas.openxmlformats.org/drawingml/2006/main" xmlns:r="http://schemas.openxmlformats.org/officeDocument/2006/relationships" xmlns:p="http://schemas.openxmlformats.org/presentationml/2006/main" saveSubsetFonts="1" autoCompressPictures="0">
   <p:sldMasterIdLst>
     <p:sldMasterId id="2147483648" r:id="rId1"/>
   </p:sldMasterIdLst>
@@ -9,7 +9,11 @@
     <p:sldId id="260" r:id="rId3"/>
     <p:sldId id="257" r:id="rId4"/>
     <p:sldId id="258" r:id="rId5"/>
-    <p:sldId id="259" r:id="rId6"/>
+    <p:sldId id="264" r:id="rId6"/>
+    <p:sldId id="259" r:id="rId7"/>
+    <p:sldId id="261" r:id="rId8"/>
+    <p:sldId id="262" r:id="rId9"/>
+    <p:sldId id="263" r:id="rId10"/>
   </p:sldIdLst>
   <p:sldSz cx="12192000" cy="6858000"/>
   <p:notesSz cx="6858000" cy="9144000"/>
@@ -108,6 +112,11 @@
       </a:defRPr>
     </a:lvl9pPr>
   </p:defaultTextStyle>
+  <p:extLst>
+    <p:ext uri="{EFAFB233-063F-42B5-8137-9DF3F51BA10A}">
+      <p15:sldGuideLst xmlns:p15="http://schemas.microsoft.com/office/powerpoint/2012/main"/>
+    </p:ext>
+  </p:extLst>
 </p:presentation>
 </file>
 
@@ -443,7 +452,7 @@
             <a:fld id="{B61BEF0D-F0BB-DE4B-95CE-6DB70DBA9567}" type="datetimeFigureOut">
               <a:rPr lang="en-US" dirty="0"/>
               <a:pPr/>
-              <a:t>4/4/2017</a:t>
+              <a:t>4/6/17</a:t>
             </a:fld>
             <a:endParaRPr lang="en-US" dirty="0"/>
           </a:p>
@@ -764,7 +773,7 @@
             <a:fld id="{B61BEF0D-F0BB-DE4B-95CE-6DB70DBA9567}" type="datetimeFigureOut">
               <a:rPr lang="en-US" dirty="0"/>
               <a:pPr/>
-              <a:t>4/4/2017</a:t>
+              <a:t>4/6/17</a:t>
             </a:fld>
             <a:endParaRPr lang="en-US" dirty="0"/>
           </a:p>
@@ -1009,7 +1018,7 @@
             <a:fld id="{B61BEF0D-F0BB-DE4B-95CE-6DB70DBA9567}" type="datetimeFigureOut">
               <a:rPr lang="en-US" dirty="0"/>
               <a:pPr/>
-              <a:t>4/4/2017</a:t>
+              <a:t>4/6/17</a:t>
             </a:fld>
             <a:endParaRPr lang="en-US" dirty="0"/>
           </a:p>
@@ -1345,7 +1354,7 @@
             <a:fld id="{B61BEF0D-F0BB-DE4B-95CE-6DB70DBA9567}" type="datetimeFigureOut">
               <a:rPr lang="en-US" dirty="0"/>
               <a:pPr/>
-              <a:t>4/4/2017</a:t>
+              <a:t>4/6/17</a:t>
             </a:fld>
             <a:endParaRPr lang="en-US" dirty="0"/>
           </a:p>
@@ -1689,7 +1698,7 @@
             <a:fld id="{B61BEF0D-F0BB-DE4B-95CE-6DB70DBA9567}" type="datetimeFigureOut">
               <a:rPr lang="en-US" dirty="0"/>
               <a:pPr/>
-              <a:t>4/4/2017</a:t>
+              <a:t>4/6/17</a:t>
             </a:fld>
             <a:endParaRPr lang="en-US" dirty="0"/>
           </a:p>
@@ -2060,7 +2069,7 @@
             <a:fld id="{B61BEF0D-F0BB-DE4B-95CE-6DB70DBA9567}" type="datetimeFigureOut">
               <a:rPr lang="en-US" dirty="0"/>
               <a:pPr/>
-              <a:t>4/4/2017</a:t>
+              <a:t>4/6/17</a:t>
             </a:fld>
             <a:endParaRPr lang="en-US" dirty="0"/>
           </a:p>
@@ -2527,7 +2536,7 @@
             <a:fld id="{B61BEF0D-F0BB-DE4B-95CE-6DB70DBA9567}" type="datetimeFigureOut">
               <a:rPr lang="en-US" dirty="0"/>
               <a:pPr/>
-              <a:t>4/4/2017</a:t>
+              <a:t>4/6/17</a:t>
             </a:fld>
             <a:endParaRPr lang="en-US" dirty="0"/>
           </a:p>
@@ -2729,7 +2738,7 @@
             <a:fld id="{B61BEF0D-F0BB-DE4B-95CE-6DB70DBA9567}" type="datetimeFigureOut">
               <a:rPr lang="en-US" dirty="0"/>
               <a:pPr/>
-              <a:t>4/4/2017</a:t>
+              <a:t>4/6/17</a:t>
             </a:fld>
             <a:endParaRPr lang="en-US" dirty="0"/>
           </a:p>
@@ -2937,7 +2946,7 @@
             <a:fld id="{B61BEF0D-F0BB-DE4B-95CE-6DB70DBA9567}" type="datetimeFigureOut">
               <a:rPr lang="en-US" dirty="0"/>
               <a:pPr/>
-              <a:t>4/4/2017</a:t>
+              <a:t>4/6/17</a:t>
             </a:fld>
             <a:endParaRPr lang="en-US" dirty="0"/>
           </a:p>
@@ -3165,7 +3174,7 @@
           <a:p>
             <a:fld id="{52647F38-B617-4D2F-AE0A-013F0C4D2C57}" type="datetimeFigureOut">
               <a:rPr lang="en-US" dirty="0"/>
-              <a:t>4/4/2017</a:t>
+              <a:t>4/6/17</a:t>
             </a:fld>
             <a:endParaRPr lang="en-US" dirty="0"/>
           </a:p>
@@ -3409,7 +3418,7 @@
             <a:fld id="{B61BEF0D-F0BB-DE4B-95CE-6DB70DBA9567}" type="datetimeFigureOut">
               <a:rPr lang="en-US" dirty="0"/>
               <a:pPr/>
-              <a:t>4/4/2017</a:t>
+              <a:t>4/6/17</a:t>
             </a:fld>
             <a:endParaRPr lang="en-US" dirty="0"/>
           </a:p>
@@ -3703,7 +3712,7 @@
           <a:p>
             <a:fld id="{05BFA754-D5C3-4E66-96A6-867B257F58DC}" type="datetimeFigureOut">
               <a:rPr lang="en-US" dirty="0"/>
-              <a:t>4/4/2017</a:t>
+              <a:t>4/6/17</a:t>
             </a:fld>
             <a:endParaRPr lang="en-US" dirty="0"/>
           </a:p>
@@ -4093,7 +4102,7 @@
             <a:fld id="{B61BEF0D-F0BB-DE4B-95CE-6DB70DBA9567}" type="datetimeFigureOut">
               <a:rPr lang="en-US" dirty="0"/>
               <a:pPr/>
-              <a:t>4/4/2017</a:t>
+              <a:t>4/6/17</a:t>
             </a:fld>
             <a:endParaRPr lang="en-US" dirty="0"/>
           </a:p>
@@ -4239,7 +4248,7 @@
             <a:fld id="{B61BEF0D-F0BB-DE4B-95CE-6DB70DBA9567}" type="datetimeFigureOut">
               <a:rPr lang="en-US" dirty="0"/>
               <a:pPr/>
-              <a:t>4/4/2017</a:t>
+              <a:t>4/6/17</a:t>
             </a:fld>
             <a:endParaRPr lang="en-US" dirty="0"/>
           </a:p>
@@ -4362,7 +4371,7 @@
             <a:fld id="{B61BEF0D-F0BB-DE4B-95CE-6DB70DBA9567}" type="datetimeFigureOut">
               <a:rPr lang="en-US" dirty="0"/>
               <a:pPr/>
-              <a:t>4/4/2017</a:t>
+              <a:t>4/6/17</a:t>
             </a:fld>
             <a:endParaRPr lang="en-US" dirty="0"/>
           </a:p>
@@ -4614,7 +4623,7 @@
             <a:fld id="{B61BEF0D-F0BB-DE4B-95CE-6DB70DBA9567}" type="datetimeFigureOut">
               <a:rPr lang="en-US" dirty="0"/>
               <a:pPr/>
-              <a:t>4/4/2017</a:t>
+              <a:t>4/6/17</a:t>
             </a:fld>
             <a:endParaRPr lang="en-US" dirty="0"/>
           </a:p>
@@ -4926,7 +4935,7 @@
             <a:fld id="{B61BEF0D-F0BB-DE4B-95CE-6DB70DBA9567}" type="datetimeFigureOut">
               <a:rPr lang="en-US" dirty="0"/>
               <a:pPr/>
-              <a:t>4/4/2017</a:t>
+              <a:t>4/6/17</a:t>
             </a:fld>
             <a:endParaRPr lang="en-US" dirty="0"/>
           </a:p>
@@ -5274,7 +5283,7 @@
             <a:fld id="{B61BEF0D-F0BB-DE4B-95CE-6DB70DBA9567}" type="datetimeFigureOut">
               <a:rPr lang="en-US" dirty="0"/>
               <a:pPr/>
-              <a:t>4/4/2017</a:t>
+              <a:t>4/6/17</a:t>
             </a:fld>
             <a:endParaRPr lang="en-US" dirty="0"/>
           </a:p>
@@ -5941,12 +5950,6 @@
           <a:bodyPr/>
           <a:lstStyle/>
           <a:p>
-            <a:r>
-              <a:rPr lang="en-US" dirty="0" smtClean="0"/>
-              <a:t>“Extra(X) Fancy(F) Mobile(M) Vending Machine”</a:t>
-            </a:r>
-          </a:p>
-          <a:p>
             <a:endParaRPr lang="en-US" dirty="0" smtClean="0"/>
           </a:p>
           <a:p>
@@ -6168,20 +6171,13 @@
             <a:pPr lvl="1"/>
             <a:r>
               <a:rPr lang="en-US" dirty="0"/>
-              <a:t>Team meetings held twice a week to discuss and work on the robotic system</a:t>
-            </a:r>
-          </a:p>
-          <a:p>
-            <a:pPr marL="0" indent="0">
-              <a:buNone/>
-            </a:pPr>
+              <a:t>Team meetings held twice a week to discuss and work on the robotic </a:t>
+            </a:r>
+            <a:r>
+              <a:rPr lang="en-US" dirty="0" smtClean="0"/>
+              <a:t>system</a:t>
+            </a:r>
             <a:endParaRPr lang="en-US" dirty="0" smtClean="0"/>
-          </a:p>
-          <a:p>
-            <a:r>
-              <a:rPr lang="en-US" dirty="0" smtClean="0"/>
-              <a:t>W</a:t>
-            </a:r>
           </a:p>
           <a:p>
             <a:pPr lvl="1"/>
@@ -6235,8 +6231,120 @@
           <a:lstStyle/>
           <a:p>
             <a:r>
+              <a:rPr lang="en-US" smtClean="0"/>
+              <a:t>Components (consider replacing with pics)</a:t>
+            </a:r>
+            <a:endParaRPr lang="en-US" dirty="0"/>
+          </a:p>
+        </p:txBody>
+      </p:sp>
+      <p:sp>
+        <p:nvSpPr>
+          <p:cNvPr id="3" name="Content Placeholder 2"/>
+          <p:cNvSpPr>
+            <a:spLocks noGrp="1"/>
+          </p:cNvSpPr>
+          <p:nvPr>
+            <p:ph idx="1"/>
+          </p:nvPr>
+        </p:nvSpPr>
+        <p:spPr/>
+        <p:txBody>
+          <a:bodyPr>
+            <a:normAutofit/>
+          </a:bodyPr>
+          <a:lstStyle/>
+          <a:p>
+            <a:r>
               <a:rPr lang="en-US" dirty="0" smtClean="0"/>
-              <a:t>Introduction</a:t>
+              <a:t>Arm</a:t>
+            </a:r>
+          </a:p>
+          <a:p>
+            <a:r>
+              <a:rPr lang="en-US" dirty="0" smtClean="0"/>
+              <a:t>Rover chassis</a:t>
+            </a:r>
+          </a:p>
+          <a:p>
+            <a:r>
+              <a:rPr lang="en-US" dirty="0" smtClean="0"/>
+              <a:t>Arduino microcontroller</a:t>
+            </a:r>
+          </a:p>
+          <a:p>
+            <a:r>
+              <a:rPr lang="en-US" dirty="0" smtClean="0"/>
+              <a:t>RGB color sensor</a:t>
+            </a:r>
+          </a:p>
+          <a:p>
+            <a:r>
+              <a:rPr lang="en-US" dirty="0" smtClean="0"/>
+              <a:t>Line follower sensor</a:t>
+            </a:r>
+          </a:p>
+          <a:p>
+            <a:r>
+              <a:rPr lang="en-US" dirty="0" smtClean="0"/>
+              <a:t>A bag of mints</a:t>
+            </a:r>
+            <a:endParaRPr lang="en-US" dirty="0" smtClean="0"/>
+          </a:p>
+          <a:p>
+            <a:pPr lvl="1"/>
+            <a:endParaRPr lang="en-US" dirty="0" smtClean="0"/>
+          </a:p>
+        </p:txBody>
+      </p:sp>
+    </p:spTree>
+    <p:extLst>
+      <p:ext uri="{BB962C8B-B14F-4D97-AF65-F5344CB8AC3E}">
+        <p14:creationId xmlns:p14="http://schemas.microsoft.com/office/powerpoint/2010/main" val="1804044402"/>
+      </p:ext>
+    </p:extLst>
+  </p:cSld>
+  <p:clrMapOvr>
+    <a:masterClrMapping/>
+  </p:clrMapOvr>
+</p:sld>
+</file>
+
+<file path=ppt/slides/slide6.xml><?xml version="1.0" encoding="utf-8"?>
+<p:sld xmlns:a="http://schemas.openxmlformats.org/drawingml/2006/main" xmlns:r="http://schemas.openxmlformats.org/officeDocument/2006/relationships" xmlns:p="http://schemas.openxmlformats.org/presentationml/2006/main">
+  <p:cSld>
+    <p:spTree>
+      <p:nvGrpSpPr>
+        <p:cNvPr id="1" name=""/>
+        <p:cNvGrpSpPr/>
+        <p:nvPr/>
+      </p:nvGrpSpPr>
+      <p:grpSpPr>
+        <a:xfrm>
+          <a:off x="0" y="0"/>
+          <a:ext cx="0" cy="0"/>
+          <a:chOff x="0" y="0"/>
+          <a:chExt cx="0" cy="0"/>
+        </a:xfrm>
+      </p:grpSpPr>
+      <p:sp>
+        <p:nvSpPr>
+          <p:cNvPr id="2" name="Title 1"/>
+          <p:cNvSpPr>
+            <a:spLocks noGrp="1"/>
+          </p:cNvSpPr>
+          <p:nvPr>
+            <p:ph type="title"/>
+          </p:nvPr>
+        </p:nvSpPr>
+        <p:spPr/>
+        <p:txBody>
+          <a:bodyPr/>
+          <a:lstStyle/>
+          <a:p>
+            <a:r>
+              <a:rPr lang="en-US" dirty="0" smtClean="0"/>
+              <a:t>Order of Completion</a:t>
             </a:r>
             <a:endParaRPr lang="en-US" dirty="0"/>
           </a:p>
@@ -6254,10 +6362,49 @@
         </p:nvSpPr>
         <p:spPr/>
         <p:txBody>
-          <a:bodyPr/>
-          <a:lstStyle/>
-          <a:p>
-            <a:endParaRPr lang="en-US" dirty="0"/>
+          <a:bodyPr>
+            <a:normAutofit/>
+          </a:bodyPr>
+          <a:lstStyle/>
+          <a:p>
+            <a:r>
+              <a:rPr lang="en-US" sz="2000" dirty="0" smtClean="0"/>
+              <a:t>Tested navigation of the robot via the four wheels</a:t>
+            </a:r>
+            <a:endParaRPr lang="en-US" sz="2000" dirty="0" smtClean="0"/>
+          </a:p>
+          <a:p>
+            <a:r>
+              <a:rPr lang="en-US" sz="2000" dirty="0" smtClean="0"/>
+              <a:t>Assembled and tested the robotic arm</a:t>
+            </a:r>
+          </a:p>
+          <a:p>
+            <a:r>
+              <a:rPr lang="en-US" sz="2000" dirty="0" smtClean="0"/>
+              <a:t>Prepared and mounted a sturdier platform on top of the chassis</a:t>
+            </a:r>
+          </a:p>
+          <a:p>
+            <a:r>
+              <a:rPr lang="en-US" sz="2000" dirty="0" smtClean="0"/>
+              <a:t>Mounted and tuned the RGB color sensor</a:t>
+            </a:r>
+          </a:p>
+          <a:p>
+            <a:r>
+              <a:rPr lang="en-US" sz="2000" dirty="0" smtClean="0"/>
+              <a:t>Mounted and tuned the line follower sensor</a:t>
+            </a:r>
+          </a:p>
+          <a:p>
+            <a:r>
+              <a:rPr lang="en-US" sz="2000" dirty="0" smtClean="0"/>
+              <a:t>Integrated all the different parts together to form the robotic system in its entirety</a:t>
+            </a:r>
+          </a:p>
+          <a:p>
+            <a:endParaRPr lang="en-US" sz="2000" dirty="0"/>
           </a:p>
         </p:txBody>
       </p:sp>
@@ -6265,6 +6412,352 @@
     <p:extLst>
       <p:ext uri="{BB962C8B-B14F-4D97-AF65-F5344CB8AC3E}">
         <p14:creationId xmlns:p14="http://schemas.microsoft.com/office/powerpoint/2010/main" val="391493129"/>
+      </p:ext>
+    </p:extLst>
+  </p:cSld>
+  <p:clrMapOvr>
+    <a:masterClrMapping/>
+  </p:clrMapOvr>
+</p:sld>
+</file>
+
+<file path=ppt/slides/slide7.xml><?xml version="1.0" encoding="utf-8"?>
+<p:sld xmlns:a="http://schemas.openxmlformats.org/drawingml/2006/main" xmlns:r="http://schemas.openxmlformats.org/officeDocument/2006/relationships" xmlns:p="http://schemas.openxmlformats.org/presentationml/2006/main">
+  <p:cSld>
+    <p:spTree>
+      <p:nvGrpSpPr>
+        <p:cNvPr id="1" name=""/>
+        <p:cNvGrpSpPr/>
+        <p:nvPr/>
+      </p:nvGrpSpPr>
+      <p:grpSpPr>
+        <a:xfrm>
+          <a:off x="0" y="0"/>
+          <a:ext cx="0" cy="0"/>
+          <a:chOff x="0" y="0"/>
+          <a:chExt cx="0" cy="0"/>
+        </a:xfrm>
+      </p:grpSpPr>
+      <p:sp>
+        <p:nvSpPr>
+          <p:cNvPr id="2" name="Title 1"/>
+          <p:cNvSpPr>
+            <a:spLocks noGrp="1"/>
+          </p:cNvSpPr>
+          <p:nvPr>
+            <p:ph type="title"/>
+          </p:nvPr>
+        </p:nvSpPr>
+        <p:spPr/>
+        <p:txBody>
+          <a:bodyPr/>
+          <a:lstStyle/>
+          <a:p>
+            <a:r>
+              <a:rPr lang="en-US" dirty="0" smtClean="0"/>
+              <a:t>How It Works</a:t>
+            </a:r>
+            <a:endParaRPr lang="en-US" dirty="0"/>
+          </a:p>
+        </p:txBody>
+      </p:sp>
+      <p:sp>
+        <p:nvSpPr>
+          <p:cNvPr id="3" name="Content Placeholder 2"/>
+          <p:cNvSpPr>
+            <a:spLocks noGrp="1"/>
+          </p:cNvSpPr>
+          <p:nvPr>
+            <p:ph idx="1"/>
+          </p:nvPr>
+        </p:nvSpPr>
+        <p:spPr/>
+        <p:txBody>
+          <a:bodyPr>
+            <a:normAutofit/>
+          </a:bodyPr>
+          <a:lstStyle/>
+          <a:p>
+            <a:endParaRPr lang="en-US" sz="1600" dirty="0" smtClean="0"/>
+          </a:p>
+          <a:p>
+            <a:r>
+              <a:rPr lang="en-US" sz="2000" dirty="0" smtClean="0"/>
+              <a:t>Line follower finds the path</a:t>
+            </a:r>
+            <a:endParaRPr lang="en-US" sz="2000" dirty="0" smtClean="0"/>
+          </a:p>
+          <a:p>
+            <a:r>
+              <a:rPr lang="en-US" sz="2000" dirty="0" smtClean="0"/>
+              <a:t>Rover moves forwards, then backwards</a:t>
+            </a:r>
+          </a:p>
+          <a:p>
+            <a:r>
+              <a:rPr lang="en-US" sz="2000" dirty="0" smtClean="0"/>
+              <a:t>RBG sensor detects order and arm activates</a:t>
+            </a:r>
+          </a:p>
+          <a:p>
+            <a:r>
+              <a:rPr lang="en-US" sz="2000" dirty="0" smtClean="0"/>
+              <a:t>Arm moves to grab mints on a predetermined path</a:t>
+            </a:r>
+          </a:p>
+          <a:p>
+            <a:r>
+              <a:rPr lang="en-US" sz="2000" dirty="0" smtClean="0"/>
+              <a:t>Robot Continues on path and reverses at the end of the table</a:t>
+            </a:r>
+          </a:p>
+          <a:p>
+            <a:endParaRPr lang="en-US" sz="2000" dirty="0"/>
+          </a:p>
+        </p:txBody>
+      </p:sp>
+    </p:spTree>
+    <p:extLst>
+      <p:ext uri="{BB962C8B-B14F-4D97-AF65-F5344CB8AC3E}">
+        <p14:creationId xmlns:p14="http://schemas.microsoft.com/office/powerpoint/2010/main" val="1511831870"/>
+      </p:ext>
+    </p:extLst>
+  </p:cSld>
+  <p:clrMapOvr>
+    <a:masterClrMapping/>
+  </p:clrMapOvr>
+</p:sld>
+</file>
+
+<file path=ppt/slides/slide8.xml><?xml version="1.0" encoding="utf-8"?>
+<p:sld xmlns:a="http://schemas.openxmlformats.org/drawingml/2006/main" xmlns:r="http://schemas.openxmlformats.org/officeDocument/2006/relationships" xmlns:p="http://schemas.openxmlformats.org/presentationml/2006/main">
+  <p:cSld>
+    <p:spTree>
+      <p:nvGrpSpPr>
+        <p:cNvPr id="1" name=""/>
+        <p:cNvGrpSpPr/>
+        <p:nvPr/>
+      </p:nvGrpSpPr>
+      <p:grpSpPr>
+        <a:xfrm>
+          <a:off x="0" y="0"/>
+          <a:ext cx="0" cy="0"/>
+          <a:chOff x="0" y="0"/>
+          <a:chExt cx="0" cy="0"/>
+        </a:xfrm>
+      </p:grpSpPr>
+      <p:sp>
+        <p:nvSpPr>
+          <p:cNvPr id="2" name="Title 1"/>
+          <p:cNvSpPr>
+            <a:spLocks noGrp="1"/>
+          </p:cNvSpPr>
+          <p:nvPr>
+            <p:ph type="title"/>
+          </p:nvPr>
+        </p:nvSpPr>
+        <p:spPr/>
+        <p:txBody>
+          <a:bodyPr/>
+          <a:lstStyle/>
+          <a:p>
+            <a:r>
+              <a:rPr lang="en-US" dirty="0" smtClean="0"/>
+              <a:t>Demo</a:t>
+            </a:r>
+            <a:endParaRPr lang="en-US" dirty="0"/>
+          </a:p>
+        </p:txBody>
+      </p:sp>
+      <p:sp>
+        <p:nvSpPr>
+          <p:cNvPr id="3" name="Content Placeholder 2"/>
+          <p:cNvSpPr>
+            <a:spLocks noGrp="1"/>
+          </p:cNvSpPr>
+          <p:nvPr>
+            <p:ph idx="1"/>
+          </p:nvPr>
+        </p:nvSpPr>
+        <p:spPr/>
+        <p:txBody>
+          <a:bodyPr>
+            <a:normAutofit/>
+          </a:bodyPr>
+          <a:lstStyle/>
+          <a:p>
+            <a:r>
+              <a:rPr lang="en-US" sz="2000" dirty="0" smtClean="0"/>
+              <a:t>Tested navigation of the robot via the four wheels</a:t>
+            </a:r>
+            <a:endParaRPr lang="en-US" sz="2000" dirty="0" smtClean="0"/>
+          </a:p>
+          <a:p>
+            <a:r>
+              <a:rPr lang="en-US" sz="2000" dirty="0" smtClean="0"/>
+              <a:t>Assembled and tested the robotic arm</a:t>
+            </a:r>
+          </a:p>
+          <a:p>
+            <a:r>
+              <a:rPr lang="en-US" sz="2000" dirty="0" smtClean="0"/>
+              <a:t>Prepared and mounted a sturdier platform on top of the chassis</a:t>
+            </a:r>
+          </a:p>
+          <a:p>
+            <a:r>
+              <a:rPr lang="en-US" sz="2000" dirty="0" smtClean="0"/>
+              <a:t>Mounted and tuned the RGB color sensor</a:t>
+            </a:r>
+          </a:p>
+          <a:p>
+            <a:r>
+              <a:rPr lang="en-US" sz="2000" dirty="0" smtClean="0"/>
+              <a:t>Mounted and tuned the line follower sensor</a:t>
+            </a:r>
+          </a:p>
+          <a:p>
+            <a:r>
+              <a:rPr lang="en-US" sz="2000" dirty="0" smtClean="0"/>
+              <a:t>Integrated all the different parts together to form the robotic system in its entirety</a:t>
+            </a:r>
+          </a:p>
+          <a:p>
+            <a:r>
+              <a:rPr lang="en-US" sz="2000" dirty="0" smtClean="0"/>
+              <a:t>Video link</a:t>
+            </a:r>
+          </a:p>
+          <a:p>
+            <a:endParaRPr lang="en-US" sz="2000" dirty="0"/>
+          </a:p>
+        </p:txBody>
+      </p:sp>
+    </p:spTree>
+    <p:extLst>
+      <p:ext uri="{BB962C8B-B14F-4D97-AF65-F5344CB8AC3E}">
+        <p14:creationId xmlns:p14="http://schemas.microsoft.com/office/powerpoint/2010/main" val="331727786"/>
+      </p:ext>
+    </p:extLst>
+  </p:cSld>
+  <p:clrMapOvr>
+    <a:masterClrMapping/>
+  </p:clrMapOvr>
+</p:sld>
+</file>
+
+<file path=ppt/slides/slide9.xml><?xml version="1.0" encoding="utf-8"?>
+<p:sld xmlns:a="http://schemas.openxmlformats.org/drawingml/2006/main" xmlns:r="http://schemas.openxmlformats.org/officeDocument/2006/relationships" xmlns:p="http://schemas.openxmlformats.org/presentationml/2006/main">
+  <p:cSld>
+    <p:spTree>
+      <p:nvGrpSpPr>
+        <p:cNvPr id="1" name=""/>
+        <p:cNvGrpSpPr/>
+        <p:nvPr/>
+      </p:nvGrpSpPr>
+      <p:grpSpPr>
+        <a:xfrm>
+          <a:off x="0" y="0"/>
+          <a:ext cx="0" cy="0"/>
+          <a:chOff x="0" y="0"/>
+          <a:chExt cx="0" cy="0"/>
+        </a:xfrm>
+      </p:grpSpPr>
+      <p:sp>
+        <p:nvSpPr>
+          <p:cNvPr id="2" name="Title 1"/>
+          <p:cNvSpPr>
+            <a:spLocks noGrp="1"/>
+          </p:cNvSpPr>
+          <p:nvPr>
+            <p:ph type="title"/>
+          </p:nvPr>
+        </p:nvSpPr>
+        <p:spPr/>
+        <p:txBody>
+          <a:bodyPr/>
+          <a:lstStyle/>
+          <a:p>
+            <a:r>
+              <a:rPr lang="en-US" dirty="0" smtClean="0"/>
+              <a:t>What We Learned</a:t>
+            </a:r>
+            <a:endParaRPr lang="en-US" dirty="0"/>
+          </a:p>
+        </p:txBody>
+      </p:sp>
+      <p:sp>
+        <p:nvSpPr>
+          <p:cNvPr id="3" name="Content Placeholder 2"/>
+          <p:cNvSpPr>
+            <a:spLocks noGrp="1"/>
+          </p:cNvSpPr>
+          <p:nvPr>
+            <p:ph idx="1"/>
+          </p:nvPr>
+        </p:nvSpPr>
+        <p:spPr/>
+        <p:txBody>
+          <a:bodyPr>
+            <a:normAutofit/>
+          </a:bodyPr>
+          <a:lstStyle/>
+          <a:p>
+            <a:r>
+              <a:rPr lang="en-US" sz="2000" dirty="0" smtClean="0"/>
+              <a:t>One challenge of amateur robot design is finding reliable sources of integrated circuits and batteries</a:t>
+            </a:r>
+          </a:p>
+          <a:p>
+            <a:r>
+              <a:rPr lang="en-US" sz="2000" dirty="0" smtClean="0"/>
+              <a:t>Using standard libraries </a:t>
+            </a:r>
+            <a:r>
+              <a:rPr lang="en-US" sz="2000" dirty="0" smtClean="0"/>
+              <a:t>A</a:t>
+            </a:r>
+            <a:r>
+              <a:rPr lang="en-US" sz="2000" dirty="0" smtClean="0"/>
+              <a:t>rduino means the code does not have to be complicated</a:t>
+            </a:r>
+          </a:p>
+          <a:p>
+            <a:pPr lvl="1"/>
+            <a:r>
+              <a:rPr lang="en-US" sz="1600" dirty="0" smtClean="0"/>
+              <a:t>However documentation of some functions is not thorough in English language</a:t>
+            </a:r>
+          </a:p>
+          <a:p>
+            <a:pPr lvl="1"/>
+            <a:r>
+              <a:rPr lang="en-US" sz="1600" dirty="0" smtClean="0"/>
+              <a:t>IDE could be improved</a:t>
+            </a:r>
+            <a:endParaRPr lang="en-US" sz="1600" dirty="0" smtClean="0"/>
+          </a:p>
+          <a:p>
+            <a:r>
+              <a:rPr lang="en-US" sz="2000" dirty="0" smtClean="0"/>
+              <a:t>RGB sensors need carefully controlled environments and algorithms</a:t>
+            </a:r>
+          </a:p>
+          <a:p>
+            <a:r>
+              <a:rPr lang="en-US" sz="2000" dirty="0" smtClean="0"/>
+              <a:t>General purpose robots are becoming more affordable, if not easily available</a:t>
+            </a:r>
+          </a:p>
+          <a:p>
+            <a:endParaRPr lang="en-US" sz="2000" dirty="0"/>
+          </a:p>
+        </p:txBody>
+      </p:sp>
+    </p:spTree>
+    <p:extLst>
+      <p:ext uri="{BB962C8B-B14F-4D97-AF65-F5344CB8AC3E}">
+        <p14:creationId xmlns:p14="http://schemas.microsoft.com/office/powerpoint/2010/main" val="481351690"/>
       </p:ext>
     </p:extLst>
   </p:cSld>

--- a/Presentation/conference-presentation.pptx
+++ b/Presentation/conference-presentation.pptx
@@ -5,19 +5,18 @@
     <p:sldMasterId id="2147483782" r:id="rId1"/>
   </p:sldMasterIdLst>
   <p:notesMasterIdLst>
-    <p:notesMasterId r:id="rId12"/>
+    <p:notesMasterId r:id="rId11"/>
   </p:notesMasterIdLst>
   <p:sldIdLst>
     <p:sldId id="256" r:id="rId2"/>
-    <p:sldId id="260" r:id="rId3"/>
-    <p:sldId id="257" r:id="rId4"/>
-    <p:sldId id="261" r:id="rId5"/>
-    <p:sldId id="258" r:id="rId6"/>
+    <p:sldId id="257" r:id="rId3"/>
+    <p:sldId id="260" r:id="rId4"/>
+    <p:sldId id="266" r:id="rId5"/>
+    <p:sldId id="262" r:id="rId6"/>
     <p:sldId id="264" r:id="rId7"/>
     <p:sldId id="265" r:id="rId8"/>
-    <p:sldId id="259" r:id="rId9"/>
-    <p:sldId id="262" r:id="rId10"/>
-    <p:sldId id="263" r:id="rId11"/>
+    <p:sldId id="263" r:id="rId9"/>
+    <p:sldId id="267" r:id="rId10"/>
   </p:sldIdLst>
   <p:sldSz cx="12192000" cy="6858000"/>
   <p:notesSz cx="6858000" cy="9144000"/>
@@ -518,14 +517,29 @@
           <a:bodyPr/>
           <a:lstStyle/>
           <a:p>
+            <a:pPr marL="0" marR="0" indent="0" algn="l" defTabSz="914400" rtl="0" eaLnBrk="1" fontAlgn="auto" latinLnBrk="0" hangingPunct="1">
+              <a:lnSpc>
+                <a:spcPct val="100000"/>
+              </a:lnSpc>
+              <a:spcBef>
+                <a:spcPts val="0"/>
+              </a:spcBef>
+              <a:spcAft>
+                <a:spcPts val="0"/>
+              </a:spcAft>
+              <a:buClrTx/>
+              <a:buSzTx/>
+              <a:buFontTx/>
+              <a:buNone/>
+              <a:tabLst/>
+              <a:defRPr/>
+            </a:pPr>
             <a:r>
-              <a:rPr lang="en-US" dirty="0" smtClean="0"/>
-              <a:t>This could be a numbered list with for</a:t>
+              <a:rPr lang="en-US" sz="1200" dirty="0" smtClean="0"/>
+              <a:t>A robot that delivers mint patties to customers sitting at a counter</a:t>
             </a:r>
-            <a:r>
-              <a:rPr lang="en-US" baseline="0" dirty="0" smtClean="0"/>
-              <a:t> a diagram on another slide.</a:t>
-            </a:r>
+          </a:p>
+          <a:p>
             <a:endParaRPr lang="en-US" dirty="0"/>
           </a:p>
         </p:txBody>
@@ -547,6 +561,98 @@
           <a:p>
             <a:fld id="{4DF559D7-D7EC-4DDD-8B47-9EE4CD397A1F}" type="slidenum">
               <a:rPr lang="en-US" smtClean="0"/>
+              <a:t>3</a:t>
+            </a:fld>
+            <a:endParaRPr lang="en-US"/>
+          </a:p>
+        </p:txBody>
+      </p:sp>
+    </p:spTree>
+    <p:extLst>
+      <p:ext uri="{BB962C8B-B14F-4D97-AF65-F5344CB8AC3E}">
+        <p14:creationId xmlns:p14="http://schemas.microsoft.com/office/powerpoint/2010/main" val="277013519"/>
+      </p:ext>
+    </p:extLst>
+  </p:cSld>
+  <p:clrMapOvr>
+    <a:masterClrMapping/>
+  </p:clrMapOvr>
+</p:notes>
+</file>
+
+<file path=ppt/notesSlides/notesSlide2.xml><?xml version="1.0" encoding="utf-8"?>
+<p:notes xmlns:a="http://schemas.openxmlformats.org/drawingml/2006/main" xmlns:r="http://schemas.openxmlformats.org/officeDocument/2006/relationships" xmlns:p="http://schemas.openxmlformats.org/presentationml/2006/main">
+  <p:cSld>
+    <p:spTree>
+      <p:nvGrpSpPr>
+        <p:cNvPr id="1" name=""/>
+        <p:cNvGrpSpPr/>
+        <p:nvPr/>
+      </p:nvGrpSpPr>
+      <p:grpSpPr>
+        <a:xfrm>
+          <a:off x="0" y="0"/>
+          <a:ext cx="0" cy="0"/>
+          <a:chOff x="0" y="0"/>
+          <a:chExt cx="0" cy="0"/>
+        </a:xfrm>
+      </p:grpSpPr>
+      <p:sp>
+        <p:nvSpPr>
+          <p:cNvPr id="2" name="Slide Image Placeholder 1"/>
+          <p:cNvSpPr>
+            <a:spLocks noGrp="1" noRot="1" noChangeAspect="1"/>
+          </p:cNvSpPr>
+          <p:nvPr>
+            <p:ph type="sldImg"/>
+          </p:nvPr>
+        </p:nvSpPr>
+        <p:spPr/>
+      </p:sp>
+      <p:sp>
+        <p:nvSpPr>
+          <p:cNvPr id="3" name="Notes Placeholder 2"/>
+          <p:cNvSpPr>
+            <a:spLocks noGrp="1"/>
+          </p:cNvSpPr>
+          <p:nvPr>
+            <p:ph type="body" idx="1"/>
+          </p:nvPr>
+        </p:nvSpPr>
+        <p:spPr/>
+        <p:txBody>
+          <a:bodyPr/>
+          <a:lstStyle/>
+          <a:p>
+            <a:r>
+              <a:rPr lang="en-US" dirty="0" smtClean="0"/>
+              <a:t>This could be a numbered list with for</a:t>
+            </a:r>
+            <a:r>
+              <a:rPr lang="en-US" baseline="0" dirty="0" smtClean="0"/>
+              <a:t> a diagram on another slide.</a:t>
+            </a:r>
+            <a:endParaRPr lang="en-US" dirty="0"/>
+          </a:p>
+        </p:txBody>
+      </p:sp>
+      <p:sp>
+        <p:nvSpPr>
+          <p:cNvPr id="4" name="Slide Number Placeholder 3"/>
+          <p:cNvSpPr>
+            <a:spLocks noGrp="1"/>
+          </p:cNvSpPr>
+          <p:nvPr>
+            <p:ph type="sldNum" sz="quarter" idx="10"/>
+          </p:nvPr>
+        </p:nvSpPr>
+        <p:spPr/>
+        <p:txBody>
+          <a:bodyPr/>
+          <a:lstStyle/>
+          <a:p>
+            <a:fld id="{4DF559D7-D7EC-4DDD-8B47-9EE4CD397A1F}" type="slidenum">
+              <a:rPr lang="en-US" smtClean="0"/>
               <a:t>6</a:t>
             </a:fld>
             <a:endParaRPr lang="en-US"/>
@@ -566,7 +672,7 @@
 </p:notes>
 </file>
 
-<file path=ppt/notesSlides/notesSlide2.xml><?xml version="1.0" encoding="utf-8"?>
+<file path=ppt/notesSlides/notesSlide3.xml><?xml version="1.0" encoding="utf-8"?>
 <p:notes xmlns:a="http://schemas.openxmlformats.org/drawingml/2006/main" xmlns:r="http://schemas.openxmlformats.org/officeDocument/2006/relationships" xmlns:p="http://schemas.openxmlformats.org/presentationml/2006/main">
   <p:cSld>
     <p:spTree>
@@ -13170,292 +13276,7 @@
 </p:sld>
 </file>
 
-<file path=ppt/slides/slide10.xml><?xml version="1.0" encoding="utf-8"?>
-<p:sld xmlns:a="http://schemas.openxmlformats.org/drawingml/2006/main" xmlns:r="http://schemas.openxmlformats.org/officeDocument/2006/relationships" xmlns:p="http://schemas.openxmlformats.org/presentationml/2006/main">
-  <p:cSld>
-    <p:spTree>
-      <p:nvGrpSpPr>
-        <p:cNvPr id="1" name=""/>
-        <p:cNvGrpSpPr/>
-        <p:nvPr/>
-      </p:nvGrpSpPr>
-      <p:grpSpPr>
-        <a:xfrm>
-          <a:off x="0" y="0"/>
-          <a:ext cx="0" cy="0"/>
-          <a:chOff x="0" y="0"/>
-          <a:chExt cx="0" cy="0"/>
-        </a:xfrm>
-      </p:grpSpPr>
-      <p:sp>
-        <p:nvSpPr>
-          <p:cNvPr id="2" name="Title 1"/>
-          <p:cNvSpPr>
-            <a:spLocks noGrp="1"/>
-          </p:cNvSpPr>
-          <p:nvPr>
-            <p:ph type="title"/>
-          </p:nvPr>
-        </p:nvSpPr>
-        <p:spPr/>
-        <p:txBody>
-          <a:bodyPr/>
-          <a:lstStyle/>
-          <a:p>
-            <a:r>
-              <a:rPr lang="en-US" dirty="0" smtClean="0"/>
-              <a:t>Moving forward</a:t>
-            </a:r>
-            <a:endParaRPr lang="en-US" dirty="0"/>
-          </a:p>
-        </p:txBody>
-      </p:sp>
-      <p:sp>
-        <p:nvSpPr>
-          <p:cNvPr id="3" name="Content Placeholder 2"/>
-          <p:cNvSpPr>
-            <a:spLocks noGrp="1"/>
-          </p:cNvSpPr>
-          <p:nvPr>
-            <p:ph idx="1"/>
-          </p:nvPr>
-        </p:nvSpPr>
-        <p:spPr>
-          <a:xfrm>
-            <a:off x="1141412" y="1840089"/>
-            <a:ext cx="9905999" cy="3951112"/>
-          </a:xfrm>
-        </p:spPr>
-        <p:txBody>
-          <a:bodyPr>
-            <a:normAutofit/>
-          </a:bodyPr>
-          <a:lstStyle/>
-          <a:p>
-            <a:r>
-              <a:rPr lang="en-US" sz="2000" dirty="0" smtClean="0"/>
-              <a:t>One challenge of amateur robot design is finding reliable sources of integrated circuits and batteries</a:t>
-            </a:r>
-          </a:p>
-          <a:p>
-            <a:r>
-              <a:rPr lang="en-US" sz="2000" dirty="0" smtClean="0"/>
-              <a:t>Using standard libraries Arduino means the code does not have to be complicated</a:t>
-            </a:r>
-          </a:p>
-          <a:p>
-            <a:pPr lvl="1"/>
-            <a:r>
-              <a:rPr lang="en-US" dirty="0" smtClean="0"/>
-              <a:t>However documentation of some functions is not thorough in English language</a:t>
-            </a:r>
-          </a:p>
-          <a:p>
-            <a:pPr lvl="1"/>
-            <a:r>
-              <a:rPr lang="en-US" dirty="0" smtClean="0"/>
-              <a:t>IDE could be improved</a:t>
-            </a:r>
-          </a:p>
-          <a:p>
-            <a:r>
-              <a:rPr lang="en-US" sz="2000" dirty="0" smtClean="0"/>
-              <a:t>RGB sensors need carefully controlled environments and algorithms</a:t>
-            </a:r>
-          </a:p>
-          <a:p>
-            <a:r>
-              <a:rPr lang="en-US" sz="2000" dirty="0" smtClean="0"/>
-              <a:t>Custom-made robots are becoming more affordable and easily available</a:t>
-            </a:r>
-          </a:p>
-          <a:p>
-            <a:endParaRPr lang="en-US" sz="2000" dirty="0"/>
-          </a:p>
-        </p:txBody>
-      </p:sp>
-    </p:spTree>
-    <p:extLst>
-      <p:ext uri="{BB962C8B-B14F-4D97-AF65-F5344CB8AC3E}">
-        <p14:creationId xmlns:p14="http://schemas.microsoft.com/office/powerpoint/2010/main" val="481351690"/>
-      </p:ext>
-    </p:extLst>
-  </p:cSld>
-  <p:clrMapOvr>
-    <a:masterClrMapping/>
-  </p:clrMapOvr>
-  <p:timing>
-    <p:tnLst>
-      <p:par>
-        <p:cTn id="1" dur="indefinite" restart="never" nodeType="tmRoot"/>
-      </p:par>
-    </p:tnLst>
-  </p:timing>
-</p:sld>
-</file>
-
 <file path=ppt/slides/slide2.xml><?xml version="1.0" encoding="utf-8"?>
-<p:sld xmlns:a="http://schemas.openxmlformats.org/drawingml/2006/main" xmlns:r="http://schemas.openxmlformats.org/officeDocument/2006/relationships" xmlns:p="http://schemas.openxmlformats.org/presentationml/2006/main">
-  <p:cSld>
-    <p:spTree>
-      <p:nvGrpSpPr>
-        <p:cNvPr id="1" name=""/>
-        <p:cNvGrpSpPr/>
-        <p:nvPr/>
-      </p:nvGrpSpPr>
-      <p:grpSpPr>
-        <a:xfrm>
-          <a:off x="0" y="0"/>
-          <a:ext cx="0" cy="0"/>
-          <a:chOff x="0" y="0"/>
-          <a:chExt cx="0" cy="0"/>
-        </a:xfrm>
-      </p:grpSpPr>
-      <p:sp>
-        <p:nvSpPr>
-          <p:cNvPr id="2" name="Title 1"/>
-          <p:cNvSpPr>
-            <a:spLocks noGrp="1"/>
-          </p:cNvSpPr>
-          <p:nvPr>
-            <p:ph type="title"/>
-          </p:nvPr>
-        </p:nvSpPr>
-        <p:spPr/>
-        <p:txBody>
-          <a:bodyPr/>
-          <a:lstStyle/>
-          <a:p>
-            <a:pPr algn="ctr"/>
-            <a:r>
-              <a:rPr lang="en-US" dirty="0" smtClean="0"/>
-              <a:t>What is XFM Vending Machine?</a:t>
-            </a:r>
-            <a:endParaRPr lang="en-US" dirty="0"/>
-          </a:p>
-        </p:txBody>
-      </p:sp>
-      <p:sp>
-        <p:nvSpPr>
-          <p:cNvPr id="3" name="Content Placeholder 2"/>
-          <p:cNvSpPr>
-            <a:spLocks noGrp="1"/>
-          </p:cNvSpPr>
-          <p:nvPr>
-            <p:ph sz="half" idx="1"/>
-          </p:nvPr>
-        </p:nvSpPr>
-        <p:spPr>
-          <a:xfrm>
-            <a:off x="1000736" y="2097088"/>
-            <a:ext cx="4626341" cy="4138592"/>
-          </a:xfrm>
-        </p:spPr>
-        <p:txBody>
-          <a:bodyPr>
-            <a:normAutofit fontScale="92500" lnSpcReduction="10000"/>
-          </a:bodyPr>
-          <a:lstStyle/>
-          <a:p>
-            <a:r>
-              <a:rPr lang="en-US" sz="2800" dirty="0"/>
-              <a:t>A robot that delivers mint patties to customers sitting at a counter</a:t>
-            </a:r>
-          </a:p>
-          <a:p>
-            <a:r>
-              <a:rPr lang="en-US" sz="2800" dirty="0"/>
-              <a:t>The robot has</a:t>
-            </a:r>
-          </a:p>
-          <a:p>
-            <a:pPr lvl="1"/>
-            <a:r>
-              <a:rPr lang="en-US" sz="2400" dirty="0"/>
-              <a:t>Wheeled navigation</a:t>
-            </a:r>
-          </a:p>
-          <a:p>
-            <a:pPr lvl="1"/>
-            <a:r>
-              <a:rPr lang="en-US" sz="2400" dirty="0"/>
-              <a:t>Ability to pick up and drop objects</a:t>
-            </a:r>
-          </a:p>
-          <a:p>
-            <a:pPr lvl="1"/>
-            <a:r>
-              <a:rPr lang="en-US" sz="2400" dirty="0"/>
-              <a:t>Color reading</a:t>
-            </a:r>
-          </a:p>
-          <a:p>
-            <a:pPr lvl="1"/>
-            <a:r>
-              <a:rPr lang="en-US" sz="2400" dirty="0"/>
-              <a:t>Path following </a:t>
-            </a:r>
-            <a:r>
-              <a:rPr lang="en-US" sz="2400" dirty="0" smtClean="0"/>
-              <a:t>abilities</a:t>
-            </a:r>
-            <a:endParaRPr lang="en-US" dirty="0" smtClean="0"/>
-          </a:p>
-          <a:p>
-            <a:endParaRPr lang="en-US" dirty="0"/>
-          </a:p>
-        </p:txBody>
-      </p:sp>
-      <p:pic>
-        <p:nvPicPr>
-          <p:cNvPr id="5" name="Content Placeholder 4"/>
-          <p:cNvPicPr>
-            <a:picLocks noGrp="1" noChangeAspect="1"/>
-          </p:cNvPicPr>
-          <p:nvPr>
-            <p:ph sz="half" idx="2"/>
-          </p:nvPr>
-        </p:nvPicPr>
-        <p:blipFill>
-          <a:blip r:embed="rId2">
-            <a:extLst>
-              <a:ext uri="{28A0092B-C50C-407E-A947-70E740481C1C}">
-                <a14:useLocalDpi xmlns:a14="http://schemas.microsoft.com/office/drawing/2010/main" val="0"/>
-              </a:ext>
-            </a:extLst>
-          </a:blip>
-          <a:stretch>
-            <a:fillRect/>
-          </a:stretch>
-        </p:blipFill>
-        <p:spPr>
-          <a:xfrm>
-            <a:off x="6019799" y="2097088"/>
-            <a:ext cx="5879170" cy="4138592"/>
-          </a:xfrm>
-        </p:spPr>
-      </p:pic>
-    </p:spTree>
-    <p:extLst>
-      <p:ext uri="{BB962C8B-B14F-4D97-AF65-F5344CB8AC3E}">
-        <p14:creationId xmlns:p14="http://schemas.microsoft.com/office/powerpoint/2010/main" val="2959500634"/>
-      </p:ext>
-    </p:extLst>
-  </p:cSld>
-  <p:clrMapOvr>
-    <a:masterClrMapping/>
-  </p:clrMapOvr>
-  <p:timing>
-    <p:tnLst>
-      <p:par>
-        <p:cTn id="1" dur="indefinite" restart="never" nodeType="tmRoot"/>
-      </p:par>
-    </p:tnLst>
-  </p:timing>
-</p:sld>
-</file>
-
-<file path=ppt/slides/slide3.xml><?xml version="1.0" encoding="utf-8"?>
 <p:sld xmlns:a="http://schemas.openxmlformats.org/drawingml/2006/main" xmlns:r="http://schemas.openxmlformats.org/officeDocument/2006/relationships" xmlns:p="http://schemas.openxmlformats.org/presentationml/2006/main">
   <p:cSld>
     <p:spTree>
@@ -13709,6 +13530,183 @@
 </p:sld>
 </file>
 
+<file path=ppt/slides/slide3.xml><?xml version="1.0" encoding="utf-8"?>
+<p:sld xmlns:a="http://schemas.openxmlformats.org/drawingml/2006/main" xmlns:r="http://schemas.openxmlformats.org/officeDocument/2006/relationships" xmlns:p="http://schemas.openxmlformats.org/presentationml/2006/main">
+  <p:cSld>
+    <p:spTree>
+      <p:nvGrpSpPr>
+        <p:cNvPr id="1" name=""/>
+        <p:cNvGrpSpPr/>
+        <p:nvPr/>
+      </p:nvGrpSpPr>
+      <p:grpSpPr>
+        <a:xfrm>
+          <a:off x="0" y="0"/>
+          <a:ext cx="0" cy="0"/>
+          <a:chOff x="0" y="0"/>
+          <a:chExt cx="0" cy="0"/>
+        </a:xfrm>
+      </p:grpSpPr>
+      <p:sp>
+        <p:nvSpPr>
+          <p:cNvPr id="2" name="Title 1"/>
+          <p:cNvSpPr>
+            <a:spLocks noGrp="1"/>
+          </p:cNvSpPr>
+          <p:nvPr>
+            <p:ph type="title"/>
+          </p:nvPr>
+        </p:nvSpPr>
+        <p:spPr/>
+        <p:txBody>
+          <a:bodyPr/>
+          <a:lstStyle/>
+          <a:p>
+            <a:pPr algn="ctr"/>
+            <a:r>
+              <a:rPr lang="en-US" dirty="0" smtClean="0"/>
+              <a:t>What is XFM Vending Machine?</a:t>
+            </a:r>
+            <a:endParaRPr lang="en-US" dirty="0"/>
+          </a:p>
+        </p:txBody>
+      </p:sp>
+      <p:sp>
+        <p:nvSpPr>
+          <p:cNvPr id="3" name="Content Placeholder 2"/>
+          <p:cNvSpPr>
+            <a:spLocks noGrp="1"/>
+          </p:cNvSpPr>
+          <p:nvPr>
+            <p:ph sz="half" idx="1"/>
+          </p:nvPr>
+        </p:nvSpPr>
+        <p:spPr>
+          <a:xfrm>
+            <a:off x="1141413" y="2753082"/>
+            <a:ext cx="4626341" cy="2826604"/>
+          </a:xfrm>
+        </p:spPr>
+        <p:txBody>
+          <a:bodyPr>
+            <a:normAutofit/>
+          </a:bodyPr>
+          <a:lstStyle/>
+          <a:p>
+            <a:pPr marL="0" marR="0" lvl="0" indent="0" defTabSz="914400" eaLnBrk="1" fontAlgn="auto" latinLnBrk="0" hangingPunct="1">
+              <a:lnSpc>
+                <a:spcPct val="100000"/>
+              </a:lnSpc>
+              <a:spcBef>
+                <a:spcPts val="0"/>
+              </a:spcBef>
+              <a:spcAft>
+                <a:spcPts val="0"/>
+              </a:spcAft>
+              <a:buClrTx/>
+              <a:buSzTx/>
+              <a:buFontTx/>
+              <a:buNone/>
+              <a:tabLst/>
+              <a:defRPr/>
+            </a:pPr>
+            <a:endParaRPr lang="en-US" dirty="0" smtClean="0"/>
+          </a:p>
+          <a:p>
+            <a:pPr marL="0" indent="0">
+              <a:lnSpc>
+                <a:spcPct val="100000"/>
+              </a:lnSpc>
+              <a:spcBef>
+                <a:spcPts val="0"/>
+              </a:spcBef>
+              <a:buSzTx/>
+              <a:buNone/>
+            </a:pPr>
+            <a:r>
+              <a:rPr lang="en-US" sz="2800" dirty="0"/>
+              <a:t>A robot that delivers </a:t>
+            </a:r>
+            <a:r>
+              <a:rPr lang="en-US" sz="2800" dirty="0" smtClean="0"/>
+              <a:t>food items to </a:t>
+            </a:r>
+            <a:r>
+              <a:rPr lang="en-US" sz="2800" dirty="0"/>
+              <a:t>customers sitting at a counter</a:t>
+            </a:r>
+          </a:p>
+          <a:p>
+            <a:pPr marL="0" marR="0" lvl="0" indent="0" defTabSz="914400" eaLnBrk="1" fontAlgn="auto" latinLnBrk="0" hangingPunct="1">
+              <a:lnSpc>
+                <a:spcPct val="100000"/>
+              </a:lnSpc>
+              <a:spcBef>
+                <a:spcPts val="0"/>
+              </a:spcBef>
+              <a:spcAft>
+                <a:spcPts val="0"/>
+              </a:spcAft>
+              <a:buClrTx/>
+              <a:buSzTx/>
+              <a:buFontTx/>
+              <a:buNone/>
+              <a:tabLst/>
+              <a:defRPr/>
+            </a:pPr>
+            <a:endParaRPr lang="en-US" dirty="0"/>
+          </a:p>
+        </p:txBody>
+      </p:sp>
+      <p:pic>
+        <p:nvPicPr>
+          <p:cNvPr id="5" name="Content Placeholder 4"/>
+          <p:cNvPicPr>
+            <a:picLocks noGrp="1" noChangeAspect="1"/>
+          </p:cNvPicPr>
+          <p:nvPr>
+            <p:ph sz="half" idx="2"/>
+          </p:nvPr>
+        </p:nvPicPr>
+        <p:blipFill>
+          <a:blip r:embed="rId3">
+            <a:extLst>
+              <a:ext uri="{28A0092B-C50C-407E-A947-70E740481C1C}">
+                <a14:useLocalDpi xmlns:a14="http://schemas.microsoft.com/office/drawing/2010/main" val="0"/>
+              </a:ext>
+            </a:extLst>
+          </a:blip>
+          <a:stretch>
+            <a:fillRect/>
+          </a:stretch>
+        </p:blipFill>
+        <p:spPr>
+          <a:xfrm>
+            <a:off x="6019799" y="2097088"/>
+            <a:ext cx="5879170" cy="4138592"/>
+          </a:xfrm>
+        </p:spPr>
+      </p:pic>
+    </p:spTree>
+    <p:extLst>
+      <p:ext uri="{BB962C8B-B14F-4D97-AF65-F5344CB8AC3E}">
+        <p14:creationId xmlns:p14="http://schemas.microsoft.com/office/powerpoint/2010/main" val="2959500634"/>
+      </p:ext>
+    </p:extLst>
+  </p:cSld>
+  <p:clrMapOvr>
+    <a:masterClrMapping/>
+  </p:clrMapOvr>
+  <p:timing>
+    <p:tnLst>
+      <p:par>
+        <p:cTn id="1" dur="indefinite" restart="never" nodeType="tmRoot"/>
+      </p:par>
+    </p:tnLst>
+  </p:timing>
+</p:sld>
+</file>
+
 <file path=ppt/slides/slide4.xml><?xml version="1.0" encoding="utf-8"?>
 <p:sld xmlns:a="http://schemas.openxmlformats.org/drawingml/2006/main" xmlns:r="http://schemas.openxmlformats.org/officeDocument/2006/relationships" xmlns:p="http://schemas.openxmlformats.org/presentationml/2006/main">
   <p:cSld>
@@ -13743,7 +13741,7 @@
           <a:p>
             <a:r>
               <a:rPr lang="en-US" dirty="0" smtClean="0"/>
-              <a:t>How it works</a:t>
+              <a:t>How?</a:t>
             </a:r>
             <a:endParaRPr lang="en-US" dirty="0"/>
           </a:p>
@@ -13756,13 +13754,13 @@
             <a:spLocks noGrp="1"/>
           </p:cNvSpPr>
           <p:nvPr>
-            <p:ph idx="1"/>
+            <p:ph sz="half" idx="1"/>
           </p:nvPr>
         </p:nvSpPr>
         <p:spPr>
           <a:xfrm>
-            <a:off x="1141412" y="1840089"/>
-            <a:ext cx="9905999" cy="3951112"/>
+            <a:off x="1000736" y="2097088"/>
+            <a:ext cx="4626341" cy="4138592"/>
           </a:xfrm>
         </p:spPr>
         <p:txBody>
@@ -13771,78 +13769,98 @@
           </a:bodyPr>
           <a:lstStyle/>
           <a:p>
+            <a:pPr marL="0" indent="0">
+              <a:buNone/>
+            </a:pPr>
             <a:r>
-              <a:rPr lang="en-US" dirty="0" smtClean="0"/>
-              <a:t>Line follower </a:t>
-            </a:r>
-            <a:r>
-              <a:rPr lang="en-US" dirty="0" smtClean="0"/>
-              <a:t>directs rover over</a:t>
-            </a:r>
-            <a:r>
-              <a:rPr lang="en-US" dirty="0" smtClean="0"/>
-              <a:t> the taped route</a:t>
-            </a:r>
-            <a:endParaRPr lang="en-US" dirty="0" smtClean="0"/>
-          </a:p>
-          <a:p>
-            <a:r>
-              <a:rPr lang="en-US" dirty="0" smtClean="0"/>
-              <a:t>Rover moves </a:t>
-            </a:r>
-            <a:r>
-              <a:rPr lang="en-US" dirty="0" smtClean="0"/>
-              <a:t>forward along route</a:t>
-            </a:r>
-            <a:endParaRPr lang="en-US" dirty="0" smtClean="0"/>
-          </a:p>
-          <a:p>
-            <a:r>
-              <a:rPr lang="en-US" dirty="0" smtClean="0"/>
-              <a:t>RBG sensor detects order and arm activates</a:t>
+              <a:rPr lang="en-US" sz="2800" dirty="0" smtClean="0"/>
+              <a:t>The robot uses</a:t>
             </a:r>
           </a:p>
           <a:p>
             <a:pPr lvl="1"/>
             <a:r>
               <a:rPr lang="en-US" sz="2400" dirty="0" smtClean="0"/>
-              <a:t>Green is for a single mint</a:t>
+              <a:t>Wheeled navigation</a:t>
             </a:r>
           </a:p>
           <a:p>
+            <a:pPr lvl="1"/>
             <a:r>
-              <a:rPr lang="en-US" dirty="0" smtClean="0"/>
-              <a:t>Arm moves to grab mints on a predetermined </a:t>
+              <a:rPr lang="en-US" sz="2400" dirty="0" smtClean="0"/>
+              <a:t>Ability to pick up and drop objects</a:t>
             </a:r>
+          </a:p>
+          <a:p>
+            <a:pPr lvl="1"/>
             <a:r>
-              <a:rPr lang="en-US" dirty="0" smtClean="0"/>
-              <a:t>path</a:t>
+              <a:rPr lang="en-US" sz="2400" dirty="0" smtClean="0"/>
+              <a:t>Color reading</a:t>
+            </a:r>
+          </a:p>
+          <a:p>
+            <a:pPr lvl="1"/>
+            <a:r>
+              <a:rPr lang="en-US" sz="2400" dirty="0" smtClean="0"/>
+              <a:t>Path following abilities</a:t>
             </a:r>
             <a:endParaRPr lang="en-US" dirty="0" smtClean="0"/>
           </a:p>
           <a:p>
-            <a:r>
-              <a:rPr lang="en-US" dirty="0" smtClean="0"/>
-              <a:t>Robot </a:t>
-            </a:r>
-            <a:r>
-              <a:rPr lang="en-US" dirty="0" smtClean="0"/>
-              <a:t>continues </a:t>
-            </a:r>
-            <a:r>
-              <a:rPr lang="en-US" dirty="0" smtClean="0"/>
-              <a:t>on path and reverses at the end of the table</a:t>
-            </a:r>
-          </a:p>
-          <a:p>
-            <a:endParaRPr lang="en-US" sz="2000" dirty="0"/>
+            <a:pPr marL="0" marR="0" lvl="0" indent="0" defTabSz="914400" eaLnBrk="1" fontAlgn="auto" latinLnBrk="0" hangingPunct="1">
+              <a:lnSpc>
+                <a:spcPct val="100000"/>
+              </a:lnSpc>
+              <a:spcBef>
+                <a:spcPts val="0"/>
+              </a:spcBef>
+              <a:spcAft>
+                <a:spcPts val="0"/>
+              </a:spcAft>
+              <a:buClrTx/>
+              <a:buSzTx/>
+              <a:buFontTx/>
+              <a:buNone/>
+              <a:tabLst/>
+              <a:defRPr/>
+            </a:pPr>
+            <a:endParaRPr lang="en-US" dirty="0"/>
           </a:p>
         </p:txBody>
       </p:sp>
+      <p:pic>
+        <p:nvPicPr>
+          <p:cNvPr id="6" name="Content Placeholder 5"/>
+          <p:cNvPicPr>
+            <a:picLocks noGrp="1" noChangeAspect="1"/>
+          </p:cNvPicPr>
+          <p:nvPr>
+            <p:ph sz="half" idx="2"/>
+          </p:nvPr>
+        </p:nvPicPr>
+        <p:blipFill>
+          <a:blip r:embed="rId2">
+            <a:extLst>
+              <a:ext uri="{28A0092B-C50C-407E-A947-70E740481C1C}">
+                <a14:useLocalDpi xmlns:a14="http://schemas.microsoft.com/office/drawing/2010/main" val="0"/>
+              </a:ext>
+            </a:extLst>
+          </a:blip>
+          <a:stretch>
+            <a:fillRect/>
+          </a:stretch>
+        </p:blipFill>
+        <p:spPr>
+          <a:xfrm>
+            <a:off x="6292035" y="618518"/>
+            <a:ext cx="4090418" cy="5349287"/>
+          </a:xfrm>
+        </p:spPr>
+      </p:pic>
     </p:spTree>
     <p:extLst>
       <p:ext uri="{BB962C8B-B14F-4D97-AF65-F5344CB8AC3E}">
-        <p14:creationId xmlns:p14="http://schemas.microsoft.com/office/powerpoint/2010/main" val="1511831870"/>
+        <p14:creationId xmlns:p14="http://schemas.microsoft.com/office/powerpoint/2010/main" val="164442001"/>
       </p:ext>
     </p:extLst>
   </p:cSld>
@@ -13888,17 +13906,14 @@
         </p:nvSpPr>
         <p:spPr/>
         <p:txBody>
-          <a:bodyPr>
-            <a:normAutofit/>
-          </a:bodyPr>
+          <a:bodyPr/>
           <a:lstStyle/>
           <a:p>
-            <a:pPr algn="ctr"/>
             <a:r>
-              <a:rPr lang="en-US" sz="4000" dirty="0" smtClean="0"/>
-              <a:t>Development cycle</a:t>
+              <a:rPr lang="en-US" dirty="0" smtClean="0"/>
+              <a:t>Demo</a:t>
             </a:r>
-            <a:endParaRPr lang="en-US" sz="4000" dirty="0"/>
+            <a:endParaRPr lang="en-US" dirty="0"/>
           </a:p>
         </p:txBody>
       </p:sp>
@@ -13920,38 +13935,19 @@
           <a:lstStyle/>
           <a:p>
             <a:r>
-              <a:rPr lang="en-US" sz="3200" dirty="0" smtClean="0"/>
-              <a:t>Implemented </a:t>
+              <a:rPr lang="en-US" sz="2000" dirty="0" smtClean="0"/>
+              <a:t>Video link</a:t>
             </a:r>
-            <a:r>
-              <a:rPr lang="en-US" sz="3200" dirty="0"/>
-              <a:t>the Agile development cycle</a:t>
-            </a:r>
-          </a:p>
-          <a:p>
-            <a:pPr lvl="1"/>
-            <a:r>
-              <a:rPr lang="en-US" sz="2800" dirty="0"/>
-              <a:t>A list of tasks and items was created each week</a:t>
-            </a:r>
-          </a:p>
-          <a:p>
-            <a:pPr lvl="1"/>
-            <a:r>
-              <a:rPr lang="en-US" sz="2800" dirty="0"/>
-              <a:t>Team meetings held twice a week to discuss and work on the robotic system</a:t>
-            </a:r>
-          </a:p>
-          <a:p>
-            <a:pPr lvl="1"/>
-            <a:endParaRPr lang="en-US" dirty="0" smtClean="0"/>
+          </a:p>
+          <a:p>
+            <a:endParaRPr lang="en-US" sz="2000" dirty="0"/>
           </a:p>
         </p:txBody>
       </p:sp>
     </p:spTree>
     <p:extLst>
       <p:ext uri="{BB962C8B-B14F-4D97-AF65-F5344CB8AC3E}">
-        <p14:creationId xmlns:p14="http://schemas.microsoft.com/office/powerpoint/2010/main" val="2913795485"/>
+        <p14:creationId xmlns:p14="http://schemas.microsoft.com/office/powerpoint/2010/main" val="331727786"/>
       </p:ext>
     </p:extLst>
   </p:cSld>
@@ -14002,6 +13998,7 @@
           </a:bodyPr>
           <a:lstStyle/>
           <a:p>
+            <a:pPr algn="ctr"/>
             <a:r>
               <a:rPr lang="en-US" dirty="0" smtClean="0"/>
               <a:t>Components List</a:t>
@@ -14017,18 +14014,13 @@
             <a:spLocks noGrp="1"/>
           </p:cNvSpPr>
           <p:nvPr>
-            <p:ph idx="1"/>
+            <p:ph sz="half" idx="1"/>
           </p:nvPr>
         </p:nvSpPr>
-        <p:spPr>
-          <a:xfrm>
-            <a:off x="1295400" y="1648178"/>
-            <a:ext cx="4789311" cy="4526844"/>
-          </a:xfrm>
-        </p:spPr>
+        <p:spPr/>
         <p:txBody>
           <a:bodyPr>
-            <a:normAutofit lnSpcReduction="10000"/>
+            <a:normAutofit/>
           </a:bodyPr>
           <a:lstStyle/>
           <a:p>
@@ -14072,44 +14064,53 @@
             </a:r>
           </a:p>
           <a:p>
+            <a:pPr lvl="1"/>
+            <a:endParaRPr lang="en-US" dirty="0" smtClean="0"/>
+          </a:p>
+        </p:txBody>
+      </p:sp>
+      <p:sp>
+        <p:nvSpPr>
+          <p:cNvPr id="4" name="Content Placeholder 3"/>
+          <p:cNvSpPr>
+            <a:spLocks noGrp="1"/>
+          </p:cNvSpPr>
+          <p:nvPr>
+            <p:ph sz="half" idx="2"/>
+          </p:nvPr>
+        </p:nvSpPr>
+        <p:spPr/>
+        <p:txBody>
+          <a:bodyPr>
+            <a:normAutofit/>
+          </a:bodyPr>
+          <a:lstStyle/>
+          <a:p>
             <a:r>
-              <a:rPr lang="en-US" dirty="0" smtClean="0"/>
+              <a:rPr lang="en-US" dirty="0"/>
               <a:t>Line follower sensor</a:t>
             </a:r>
           </a:p>
           <a:p>
             <a:r>
-              <a:rPr lang="en-US" dirty="0" smtClean="0"/>
+              <a:rPr lang="en-US" dirty="0"/>
               <a:t>A bag of mints</a:t>
             </a:r>
           </a:p>
           <a:p>
-            <a:pPr>
-              <a:buFont typeface="Arial" panose="020B0604020202020204" pitchFamily="34" charset="0"/>
-              <a:buChar char="•"/>
-            </a:pPr>
             <a:r>
               <a:rPr lang="en-US" dirty="0"/>
               <a:t>12V DC battery power supply</a:t>
             </a:r>
           </a:p>
           <a:p>
-            <a:pPr>
-              <a:buFont typeface="Arial" panose="020B0604020202020204" pitchFamily="34" charset="0"/>
-              <a:buChar char="•"/>
-            </a:pPr>
             <a:r>
               <a:rPr lang="en-US" dirty="0"/>
-              <a:t>5V DC power supplied from </a:t>
+              <a:t>5V DC power supplied from wall</a:t>
             </a:r>
-            <a:r>
-              <a:rPr lang="en-US" dirty="0" smtClean="0"/>
-              <a:t>wall</a:t>
-            </a:r>
-          </a:p>
-          <a:p>
-            <a:pPr lvl="1"/>
-            <a:endParaRPr lang="en-US" dirty="0" smtClean="0"/>
+          </a:p>
+          <a:p>
+            <a:endParaRPr lang="en-US" dirty="0"/>
           </a:p>
         </p:txBody>
       </p:sp>
@@ -14152,7 +14153,7 @@
       </p:grpSpPr>
       <p:sp>
         <p:nvSpPr>
-          <p:cNvPr id="2" name="Title 1"/>
+          <p:cNvPr id="12" name="Title 11"/>
           <p:cNvSpPr>
             <a:spLocks noGrp="1"/>
           </p:cNvSpPr>
@@ -14160,28 +14161,65 @@
             <p:ph type="title"/>
           </p:nvPr>
         </p:nvSpPr>
-        <p:spPr/>
+        <p:spPr>
+          <a:xfrm>
+            <a:off x="1141410" y="464382"/>
+            <a:ext cx="9906000" cy="815779"/>
+          </a:xfrm>
+        </p:spPr>
+        <p:txBody>
+          <a:bodyPr/>
+          <a:lstStyle/>
+          <a:p>
+            <a:pPr algn="ctr"/>
+            <a:r>
+              <a:rPr lang="en-US" smtClean="0"/>
+              <a:t>Development</a:t>
+            </a:r>
+            <a:endParaRPr lang="en-US"/>
+          </a:p>
+        </p:txBody>
+      </p:sp>
+      <p:sp>
+        <p:nvSpPr>
+          <p:cNvPr id="8" name="Text Placeholder 7"/>
+          <p:cNvSpPr>
+            <a:spLocks noGrp="1"/>
+          </p:cNvSpPr>
+          <p:nvPr>
+            <p:ph type="body" idx="1"/>
+          </p:nvPr>
+        </p:nvSpPr>
+        <p:spPr>
+          <a:xfrm>
+            <a:off x="1255714" y="1026942"/>
+            <a:ext cx="4649783" cy="737882"/>
+          </a:xfrm>
+        </p:spPr>
         <p:txBody>
           <a:bodyPr>
             <a:normAutofit/>
           </a:bodyPr>
           <a:lstStyle/>
           <a:p>
+            <a:pPr algn="ctr"/>
             <a:r>
-              <a:rPr lang="en-US" dirty="0" smtClean="0"/>
-              <a:t>Diagram of the System (example pics)</a:t>
+              <a:rPr lang="en-US" sz="2800" dirty="0" smtClean="0"/>
+              <a:t>Physical</a:t>
             </a:r>
-            <a:endParaRPr lang="en-US" dirty="0"/>
+            <a:endParaRPr lang="en-US" sz="2800" dirty="0"/>
           </a:p>
         </p:txBody>
       </p:sp>
       <p:pic>
         <p:nvPicPr>
-          <p:cNvPr id="5" name="Picture 4"/>
+          <p:cNvPr id="6" name="Content Placeholder 5"/>
           <p:cNvPicPr>
-            <a:picLocks noChangeAspect="1"/>
+            <a:picLocks noGrp="1" noChangeAspect="1"/>
           </p:cNvPicPr>
-          <p:nvPr/>
+          <p:nvPr>
+            <p:ph sz="half" idx="2"/>
+          </p:nvPr>
         </p:nvPicPr>
         <p:blipFill>
           <a:blip r:embed="rId3">
@@ -14197,12 +14235,69 @@
         </p:blipFill>
         <p:spPr>
           <a:xfrm>
-            <a:off x="2472267" y="2097088"/>
-            <a:ext cx="6355644" cy="4055356"/>
+            <a:off x="2180494" y="1974037"/>
+            <a:ext cx="2809904" cy="4272018"/>
           </a:xfrm>
-          <a:prstGeom prst="rect">
-            <a:avLst/>
-          </a:prstGeom>
+        </p:spPr>
+      </p:pic>
+      <p:sp>
+        <p:nvSpPr>
+          <p:cNvPr id="9" name="Text Placeholder 8"/>
+          <p:cNvSpPr>
+            <a:spLocks noGrp="1"/>
+          </p:cNvSpPr>
+          <p:nvPr>
+            <p:ph type="body" sz="quarter" idx="3"/>
+          </p:nvPr>
+        </p:nvSpPr>
+        <p:spPr>
+          <a:xfrm>
+            <a:off x="6234772" y="1195349"/>
+            <a:ext cx="4483360" cy="654288"/>
+          </a:xfrm>
+        </p:spPr>
+        <p:txBody>
+          <a:bodyPr>
+            <a:normAutofit/>
+          </a:bodyPr>
+          <a:lstStyle/>
+          <a:p>
+            <a:pPr algn="ctr"/>
+            <a:r>
+              <a:rPr lang="en-US" sz="2800" dirty="0" smtClean="0"/>
+              <a:t>Software</a:t>
+            </a:r>
+            <a:endParaRPr lang="en-US" sz="2800" dirty="0"/>
+          </a:p>
+        </p:txBody>
+      </p:sp>
+      <p:pic>
+        <p:nvPicPr>
+          <p:cNvPr id="7" name="Content Placeholder 6"/>
+          <p:cNvPicPr>
+            <a:picLocks noGrp="1" noChangeAspect="1"/>
+          </p:cNvPicPr>
+          <p:nvPr>
+            <p:ph sz="quarter" idx="4"/>
+          </p:nvPr>
+        </p:nvPicPr>
+        <p:blipFill>
+          <a:blip r:embed="rId4">
+            <a:extLst>
+              <a:ext uri="{28A0092B-C50C-407E-A947-70E740481C1C}">
+                <a14:useLocalDpi xmlns:a14="http://schemas.microsoft.com/office/drawing/2010/main" val="0"/>
+              </a:ext>
+            </a:extLst>
+          </a:blip>
+          <a:stretch>
+            <a:fillRect/>
+          </a:stretch>
+        </p:blipFill>
+        <p:spPr>
+          <a:xfrm>
+            <a:off x="6517626" y="1972418"/>
+            <a:ext cx="3906533" cy="4273637"/>
+          </a:xfrm>
         </p:spPr>
       </p:pic>
     </p:spTree>
@@ -14257,9 +14352,10 @@
           <a:bodyPr/>
           <a:lstStyle/>
           <a:p>
+            <a:pPr algn="ctr"/>
             <a:r>
               <a:rPr lang="en-US" dirty="0" smtClean="0"/>
-              <a:t>Order of Completion</a:t>
+              <a:t>What’s left?</a:t>
             </a:r>
             <a:endParaRPr lang="en-US" dirty="0"/>
           </a:p>
@@ -14277,8 +14373,8 @@
         </p:nvSpPr>
         <p:spPr>
           <a:xfrm>
-            <a:off x="1141412" y="1693333"/>
-            <a:ext cx="9905999" cy="4097868"/>
+            <a:off x="1141412" y="1840089"/>
+            <a:ext cx="9905999" cy="3951112"/>
           </a:xfrm>
         </p:spPr>
         <p:txBody>
@@ -14289,52 +14385,38 @@
           <a:p>
             <a:r>
               <a:rPr lang="en-US" dirty="0" smtClean="0"/>
-              <a:t>Tested navigation of the robot via the four wheels</a:t>
+              <a:t>Further development of the line follower sensor</a:t>
             </a:r>
+          </a:p>
+          <a:p>
+            <a:endParaRPr lang="en-US" dirty="0"/>
           </a:p>
           <a:p>
             <a:r>
               <a:rPr lang="en-US" dirty="0" smtClean="0"/>
-              <a:t>Assembled and tested the robotic arm</a:t>
+              <a:t>Optimize the performance of the robotic system based upon discrete performance measures</a:t>
             </a:r>
           </a:p>
           <a:p>
+            <a:pPr lvl="1"/>
             <a:r>
               <a:rPr lang="en-US" dirty="0" smtClean="0"/>
-              <a:t>Prepared and mounted a sturdier platform on top of the chassis</a:t>
+              <a:t>Measure delivery speed</a:t>
             </a:r>
           </a:p>
           <a:p>
+            <a:pPr lvl="1"/>
             <a:r>
               <a:rPr lang="en-US" dirty="0" smtClean="0"/>
-              <a:t>Mounted and tuned the RGB color sensor</a:t>
+              <a:t>Measure percentage of successful deliveries</a:t>
             </a:r>
-          </a:p>
-          <a:p>
-            <a:r>
-              <a:rPr lang="en-US" dirty="0" smtClean="0"/>
-              <a:t>Mounted and tuned the line follower sensor</a:t>
-            </a:r>
-          </a:p>
-          <a:p>
-            <a:r>
-              <a:rPr lang="en-US" dirty="0" smtClean="0"/>
-              <a:t>Integrated parts to form the robotic system</a:t>
-            </a:r>
-          </a:p>
-          <a:p>
-            <a:r>
-              <a:rPr lang="en-US" dirty="0" smtClean="0"/>
-              <a:t>Magazine design</a:t>
-            </a:r>
-            <a:endParaRPr lang="en-US" dirty="0"/>
           </a:p>
         </p:txBody>
       </p:sp>
     </p:spTree>
     <p:extLst>
       <p:ext uri="{BB962C8B-B14F-4D97-AF65-F5344CB8AC3E}">
-        <p14:creationId xmlns:p14="http://schemas.microsoft.com/office/powerpoint/2010/main" val="391493129"/>
+        <p14:creationId xmlns:p14="http://schemas.microsoft.com/office/powerpoint/2010/main" val="481351690"/>
       </p:ext>
     </p:extLst>
   </p:cSld>
@@ -14385,7 +14467,7 @@
           <a:p>
             <a:r>
               <a:rPr lang="en-US" dirty="0" smtClean="0"/>
-              <a:t>Demo</a:t>
+              <a:t>References</a:t>
             </a:r>
             <a:endParaRPr lang="en-US" dirty="0"/>
           </a:p>
@@ -14403,25 +14485,17 @@
         </p:nvSpPr>
         <p:spPr/>
         <p:txBody>
-          <a:bodyPr>
-            <a:normAutofit/>
-          </a:bodyPr>
+          <a:bodyPr/>
           <a:lstStyle/>
           <a:p>
-            <a:r>
-              <a:rPr lang="en-US" sz="2000" dirty="0" smtClean="0"/>
-              <a:t>Video link</a:t>
-            </a:r>
-          </a:p>
-          <a:p>
-            <a:endParaRPr lang="en-US" sz="2000" dirty="0"/>
+            <a:endParaRPr lang="en-US"/>
           </a:p>
         </p:txBody>
       </p:sp>
     </p:spTree>
     <p:extLst>
       <p:ext uri="{BB962C8B-B14F-4D97-AF65-F5344CB8AC3E}">
-        <p14:creationId xmlns:p14="http://schemas.microsoft.com/office/powerpoint/2010/main" val="331727786"/>
+        <p14:creationId xmlns:p14="http://schemas.microsoft.com/office/powerpoint/2010/main" val="1091630041"/>
       </p:ext>
     </p:extLst>
   </p:cSld>

--- a/Presentation/conference-presentation.pptx
+++ b/Presentation/conference-presentation.pptx
@@ -12,9 +12,9 @@
     <p:sldId id="257" r:id="rId3"/>
     <p:sldId id="260" r:id="rId4"/>
     <p:sldId id="266" r:id="rId5"/>
-    <p:sldId id="268" r:id="rId6"/>
-    <p:sldId id="262" r:id="rId7"/>
-    <p:sldId id="264" r:id="rId8"/>
+    <p:sldId id="269" r:id="rId6"/>
+    <p:sldId id="268" r:id="rId7"/>
+    <p:sldId id="262" r:id="rId8"/>
     <p:sldId id="265" r:id="rId9"/>
     <p:sldId id="263" r:id="rId10"/>
     <p:sldId id="267" r:id="rId11"/>
@@ -125,6 +125,1500 @@
 </file>
 
 <file path=ppt/diagrams/colors1.xml><?xml version="1.0" encoding="utf-8"?>
+<dgm:colorsDef xmlns:dgm="http://schemas.openxmlformats.org/drawingml/2006/diagram" xmlns:a="http://schemas.openxmlformats.org/drawingml/2006/main" uniqueId="urn:microsoft.com/office/officeart/2005/8/colors/accent1_2">
+  <dgm:title val=""/>
+  <dgm:desc val=""/>
+  <dgm:catLst>
+    <dgm:cat type="accent1" pri="11200"/>
+  </dgm:catLst>
+  <dgm:styleLbl name="node0">
+    <dgm:fillClrLst meth="repeat">
+      <a:schemeClr val="accent1"/>
+    </dgm:fillClrLst>
+    <dgm:linClrLst meth="repeat">
+      <a:schemeClr val="lt1"/>
+    </dgm:linClrLst>
+    <dgm:effectClrLst/>
+    <dgm:txLinClrLst/>
+    <dgm:txFillClrLst/>
+    <dgm:txEffectClrLst/>
+  </dgm:styleLbl>
+  <dgm:styleLbl name="alignNode1">
+    <dgm:fillClrLst meth="repeat">
+      <a:schemeClr val="accent1"/>
+    </dgm:fillClrLst>
+    <dgm:linClrLst meth="repeat">
+      <a:schemeClr val="accent1"/>
+    </dgm:linClrLst>
+    <dgm:effectClrLst/>
+    <dgm:txLinClrLst/>
+    <dgm:txFillClrLst/>
+    <dgm:txEffectClrLst/>
+  </dgm:styleLbl>
+  <dgm:styleLbl name="node1">
+    <dgm:fillClrLst meth="repeat">
+      <a:schemeClr val="accent1"/>
+    </dgm:fillClrLst>
+    <dgm:linClrLst meth="repeat">
+      <a:schemeClr val="lt1"/>
+    </dgm:linClrLst>
+    <dgm:effectClrLst/>
+    <dgm:txLinClrLst/>
+    <dgm:txFillClrLst/>
+    <dgm:txEffectClrLst/>
+  </dgm:styleLbl>
+  <dgm:styleLbl name="lnNode1">
+    <dgm:fillClrLst meth="repeat">
+      <a:schemeClr val="accent1"/>
+    </dgm:fillClrLst>
+    <dgm:linClrLst meth="repeat">
+      <a:schemeClr val="lt1"/>
+    </dgm:linClrLst>
+    <dgm:effectClrLst/>
+    <dgm:txLinClrLst/>
+    <dgm:txFillClrLst/>
+    <dgm:txEffectClrLst/>
+  </dgm:styleLbl>
+  <dgm:styleLbl name="vennNode1">
+    <dgm:fillClrLst meth="repeat">
+      <a:schemeClr val="accent1">
+        <a:alpha val="50000"/>
+      </a:schemeClr>
+    </dgm:fillClrLst>
+    <dgm:linClrLst meth="repeat">
+      <a:schemeClr val="lt1"/>
+    </dgm:linClrLst>
+    <dgm:effectClrLst/>
+    <dgm:txLinClrLst/>
+    <dgm:txFillClrLst/>
+    <dgm:txEffectClrLst/>
+  </dgm:styleLbl>
+  <dgm:styleLbl name="node2">
+    <dgm:fillClrLst meth="repeat">
+      <a:schemeClr val="accent1"/>
+    </dgm:fillClrLst>
+    <dgm:linClrLst meth="repeat">
+      <a:schemeClr val="lt1"/>
+    </dgm:linClrLst>
+    <dgm:effectClrLst/>
+    <dgm:txLinClrLst/>
+    <dgm:txFillClrLst/>
+    <dgm:txEffectClrLst/>
+  </dgm:styleLbl>
+  <dgm:styleLbl name="node3">
+    <dgm:fillClrLst meth="repeat">
+      <a:schemeClr val="accent1"/>
+    </dgm:fillClrLst>
+    <dgm:linClrLst meth="repeat">
+      <a:schemeClr val="lt1"/>
+    </dgm:linClrLst>
+    <dgm:effectClrLst/>
+    <dgm:txLinClrLst/>
+    <dgm:txFillClrLst/>
+    <dgm:txEffectClrLst/>
+  </dgm:styleLbl>
+  <dgm:styleLbl name="node4">
+    <dgm:fillClrLst meth="repeat">
+      <a:schemeClr val="accent1"/>
+    </dgm:fillClrLst>
+    <dgm:linClrLst meth="repeat">
+      <a:schemeClr val="lt1"/>
+    </dgm:linClrLst>
+    <dgm:effectClrLst/>
+    <dgm:txLinClrLst/>
+    <dgm:txFillClrLst/>
+    <dgm:txEffectClrLst/>
+  </dgm:styleLbl>
+  <dgm:styleLbl name="fgImgPlace1">
+    <dgm:fillClrLst meth="repeat">
+      <a:schemeClr val="accent1">
+        <a:tint val="50000"/>
+      </a:schemeClr>
+    </dgm:fillClrLst>
+    <dgm:linClrLst meth="repeat">
+      <a:schemeClr val="lt1"/>
+    </dgm:linClrLst>
+    <dgm:effectClrLst/>
+    <dgm:txLinClrLst/>
+    <dgm:txFillClrLst meth="repeat">
+      <a:schemeClr val="lt1"/>
+    </dgm:txFillClrLst>
+    <dgm:txEffectClrLst/>
+  </dgm:styleLbl>
+  <dgm:styleLbl name="alignImgPlace1">
+    <dgm:fillClrLst meth="repeat">
+      <a:schemeClr val="accent1">
+        <a:tint val="50000"/>
+      </a:schemeClr>
+    </dgm:fillClrLst>
+    <dgm:linClrLst meth="repeat">
+      <a:schemeClr val="lt1"/>
+    </dgm:linClrLst>
+    <dgm:effectClrLst/>
+    <dgm:txLinClrLst/>
+    <dgm:txFillClrLst meth="repeat">
+      <a:schemeClr val="lt1"/>
+    </dgm:txFillClrLst>
+    <dgm:txEffectClrLst/>
+  </dgm:styleLbl>
+  <dgm:styleLbl name="bgImgPlace1">
+    <dgm:fillClrLst meth="repeat">
+      <a:schemeClr val="accent1">
+        <a:tint val="50000"/>
+      </a:schemeClr>
+    </dgm:fillClrLst>
+    <dgm:linClrLst meth="repeat">
+      <a:schemeClr val="lt1"/>
+    </dgm:linClrLst>
+    <dgm:effectClrLst/>
+    <dgm:txLinClrLst/>
+    <dgm:txFillClrLst meth="repeat">
+      <a:schemeClr val="lt1"/>
+    </dgm:txFillClrLst>
+    <dgm:txEffectClrLst/>
+  </dgm:styleLbl>
+  <dgm:styleLbl name="sibTrans2D1">
+    <dgm:fillClrLst meth="repeat">
+      <a:schemeClr val="accent1">
+        <a:tint val="60000"/>
+      </a:schemeClr>
+    </dgm:fillClrLst>
+    <dgm:linClrLst meth="repeat">
+      <a:schemeClr val="accent1">
+        <a:tint val="60000"/>
+      </a:schemeClr>
+    </dgm:linClrLst>
+    <dgm:effectClrLst/>
+    <dgm:txLinClrLst/>
+    <dgm:txFillClrLst/>
+    <dgm:txEffectClrLst/>
+  </dgm:styleLbl>
+  <dgm:styleLbl name="fgSibTrans2D1">
+    <dgm:fillClrLst meth="repeat">
+      <a:schemeClr val="accent1">
+        <a:tint val="60000"/>
+      </a:schemeClr>
+    </dgm:fillClrLst>
+    <dgm:linClrLst meth="repeat">
+      <a:schemeClr val="accent1">
+        <a:tint val="60000"/>
+      </a:schemeClr>
+    </dgm:linClrLst>
+    <dgm:effectClrLst/>
+    <dgm:txLinClrLst/>
+    <dgm:txFillClrLst/>
+    <dgm:txEffectClrLst/>
+  </dgm:styleLbl>
+  <dgm:styleLbl name="bgSibTrans2D1">
+    <dgm:fillClrLst meth="repeat">
+      <a:schemeClr val="accent1">
+        <a:tint val="60000"/>
+      </a:schemeClr>
+    </dgm:fillClrLst>
+    <dgm:linClrLst meth="repeat">
+      <a:schemeClr val="accent1">
+        <a:tint val="60000"/>
+      </a:schemeClr>
+    </dgm:linClrLst>
+    <dgm:effectClrLst/>
+    <dgm:txLinClrLst/>
+    <dgm:txFillClrLst/>
+    <dgm:txEffectClrLst/>
+  </dgm:styleLbl>
+  <dgm:styleLbl name="sibTrans1D1">
+    <dgm:fillClrLst meth="repeat">
+      <a:schemeClr val="accent1"/>
+    </dgm:fillClrLst>
+    <dgm:linClrLst meth="repeat">
+      <a:schemeClr val="accent1"/>
+    </dgm:linClrLst>
+    <dgm:effectClrLst/>
+    <dgm:txLinClrLst/>
+    <dgm:txFillClrLst meth="repeat">
+      <a:schemeClr val="tx1"/>
+    </dgm:txFillClrLst>
+    <dgm:txEffectClrLst/>
+  </dgm:styleLbl>
+  <dgm:styleLbl name="callout">
+    <dgm:fillClrLst meth="repeat">
+      <a:schemeClr val="accent1"/>
+    </dgm:fillClrLst>
+    <dgm:linClrLst meth="repeat">
+      <a:schemeClr val="accent1">
+        <a:tint val="50000"/>
+      </a:schemeClr>
+    </dgm:linClrLst>
+    <dgm:effectClrLst/>
+    <dgm:txLinClrLst/>
+    <dgm:txFillClrLst meth="repeat">
+      <a:schemeClr val="tx1"/>
+    </dgm:txFillClrLst>
+    <dgm:txEffectClrLst/>
+  </dgm:styleLbl>
+  <dgm:styleLbl name="asst0">
+    <dgm:fillClrLst meth="repeat">
+      <a:schemeClr val="accent1"/>
+    </dgm:fillClrLst>
+    <dgm:linClrLst meth="repeat">
+      <a:schemeClr val="lt1"/>
+    </dgm:linClrLst>
+    <dgm:effectClrLst/>
+    <dgm:txLinClrLst/>
+    <dgm:txFillClrLst/>
+    <dgm:txEffectClrLst/>
+  </dgm:styleLbl>
+  <dgm:styleLbl name="asst1">
+    <dgm:fillClrLst meth="repeat">
+      <a:schemeClr val="accent1"/>
+    </dgm:fillClrLst>
+    <dgm:linClrLst meth="repeat">
+      <a:schemeClr val="lt1"/>
+    </dgm:linClrLst>
+    <dgm:effectClrLst/>
+    <dgm:txLinClrLst/>
+    <dgm:txFillClrLst/>
+    <dgm:txEffectClrLst/>
+  </dgm:styleLbl>
+  <dgm:styleLbl name="asst2">
+    <dgm:fillClrLst meth="repeat">
+      <a:schemeClr val="accent1"/>
+    </dgm:fillClrLst>
+    <dgm:linClrLst meth="repeat">
+      <a:schemeClr val="lt1"/>
+    </dgm:linClrLst>
+    <dgm:effectClrLst/>
+    <dgm:txLinClrLst/>
+    <dgm:txFillClrLst/>
+    <dgm:txEffectClrLst/>
+  </dgm:styleLbl>
+  <dgm:styleLbl name="asst3">
+    <dgm:fillClrLst meth="repeat">
+      <a:schemeClr val="accent1"/>
+    </dgm:fillClrLst>
+    <dgm:linClrLst meth="repeat">
+      <a:schemeClr val="lt1"/>
+    </dgm:linClrLst>
+    <dgm:effectClrLst/>
+    <dgm:txLinClrLst/>
+    <dgm:txFillClrLst/>
+    <dgm:txEffectClrLst/>
+  </dgm:styleLbl>
+  <dgm:styleLbl name="asst4">
+    <dgm:fillClrLst meth="repeat">
+      <a:schemeClr val="accent1"/>
+    </dgm:fillClrLst>
+    <dgm:linClrLst meth="repeat">
+      <a:schemeClr val="lt1"/>
+    </dgm:linClrLst>
+    <dgm:effectClrLst/>
+    <dgm:txLinClrLst/>
+    <dgm:txFillClrLst/>
+    <dgm:txEffectClrLst/>
+  </dgm:styleLbl>
+  <dgm:styleLbl name="parChTrans2D1">
+    <dgm:fillClrLst meth="repeat">
+      <a:schemeClr val="accent1">
+        <a:tint val="60000"/>
+      </a:schemeClr>
+    </dgm:fillClrLst>
+    <dgm:linClrLst meth="repeat">
+      <a:schemeClr val="accent1">
+        <a:tint val="60000"/>
+      </a:schemeClr>
+    </dgm:linClrLst>
+    <dgm:effectClrLst/>
+    <dgm:txLinClrLst/>
+    <dgm:txFillClrLst meth="repeat">
+      <a:schemeClr val="lt1"/>
+    </dgm:txFillClrLst>
+    <dgm:txEffectClrLst/>
+  </dgm:styleLbl>
+  <dgm:styleLbl name="parChTrans2D2">
+    <dgm:fillClrLst meth="repeat">
+      <a:schemeClr val="accent1"/>
+    </dgm:fillClrLst>
+    <dgm:linClrLst meth="repeat">
+      <a:schemeClr val="accent1"/>
+    </dgm:linClrLst>
+    <dgm:effectClrLst/>
+    <dgm:txLinClrLst/>
+    <dgm:txFillClrLst meth="repeat">
+      <a:schemeClr val="lt1"/>
+    </dgm:txFillClrLst>
+    <dgm:txEffectClrLst/>
+  </dgm:styleLbl>
+  <dgm:styleLbl name="parChTrans2D3">
+    <dgm:fillClrLst meth="repeat">
+      <a:schemeClr val="accent1"/>
+    </dgm:fillClrLst>
+    <dgm:linClrLst meth="repeat">
+      <a:schemeClr val="accent1"/>
+    </dgm:linClrLst>
+    <dgm:effectClrLst/>
+    <dgm:txLinClrLst/>
+    <dgm:txFillClrLst meth="repeat">
+      <a:schemeClr val="lt1"/>
+    </dgm:txFillClrLst>
+    <dgm:txEffectClrLst/>
+  </dgm:styleLbl>
+  <dgm:styleLbl name="parChTrans2D4">
+    <dgm:fillClrLst meth="repeat">
+      <a:schemeClr val="accent1"/>
+    </dgm:fillClrLst>
+    <dgm:linClrLst meth="repeat">
+      <a:schemeClr val="accent1"/>
+    </dgm:linClrLst>
+    <dgm:effectClrLst/>
+    <dgm:txLinClrLst/>
+    <dgm:txFillClrLst meth="repeat">
+      <a:schemeClr val="lt1"/>
+    </dgm:txFillClrLst>
+    <dgm:txEffectClrLst/>
+  </dgm:styleLbl>
+  <dgm:styleLbl name="parChTrans1D1">
+    <dgm:fillClrLst meth="repeat">
+      <a:schemeClr val="accent1"/>
+    </dgm:fillClrLst>
+    <dgm:linClrLst meth="repeat">
+      <a:schemeClr val="accent1">
+        <a:shade val="60000"/>
+      </a:schemeClr>
+    </dgm:linClrLst>
+    <dgm:effectClrLst/>
+    <dgm:txLinClrLst/>
+    <dgm:txFillClrLst meth="repeat">
+      <a:schemeClr val="tx1"/>
+    </dgm:txFillClrLst>
+    <dgm:txEffectClrLst/>
+  </dgm:styleLbl>
+  <dgm:styleLbl name="parChTrans1D2">
+    <dgm:fillClrLst meth="repeat">
+      <a:schemeClr val="accent1"/>
+    </dgm:fillClrLst>
+    <dgm:linClrLst meth="repeat">
+      <a:schemeClr val="accent1">
+        <a:shade val="60000"/>
+      </a:schemeClr>
+    </dgm:linClrLst>
+    <dgm:effectClrLst/>
+    <dgm:txLinClrLst/>
+    <dgm:txFillClrLst meth="repeat">
+      <a:schemeClr val="tx1"/>
+    </dgm:txFillClrLst>
+    <dgm:txEffectClrLst/>
+  </dgm:styleLbl>
+  <dgm:styleLbl name="parChTrans1D3">
+    <dgm:fillClrLst meth="repeat">
+      <a:schemeClr val="accent1"/>
+    </dgm:fillClrLst>
+    <dgm:linClrLst meth="repeat">
+      <a:schemeClr val="accent1">
+        <a:shade val="80000"/>
+      </a:schemeClr>
+    </dgm:linClrLst>
+    <dgm:effectClrLst/>
+    <dgm:txLinClrLst/>
+    <dgm:txFillClrLst meth="repeat">
+      <a:schemeClr val="tx1"/>
+    </dgm:txFillClrLst>
+    <dgm:txEffectClrLst/>
+  </dgm:styleLbl>
+  <dgm:styleLbl name="parChTrans1D4">
+    <dgm:fillClrLst meth="repeat">
+      <a:schemeClr val="accent1"/>
+    </dgm:fillClrLst>
+    <dgm:linClrLst meth="repeat">
+      <a:schemeClr val="accent1">
+        <a:shade val="80000"/>
+      </a:schemeClr>
+    </dgm:linClrLst>
+    <dgm:effectClrLst/>
+    <dgm:txLinClrLst/>
+    <dgm:txFillClrLst meth="repeat">
+      <a:schemeClr val="tx1"/>
+    </dgm:txFillClrLst>
+    <dgm:txEffectClrLst/>
+  </dgm:styleLbl>
+  <dgm:styleLbl name="fgAcc1">
+    <dgm:fillClrLst meth="repeat">
+      <a:schemeClr val="lt1">
+        <a:alpha val="90000"/>
+      </a:schemeClr>
+    </dgm:fillClrLst>
+    <dgm:linClrLst meth="repeat">
+      <a:schemeClr val="accent1"/>
+    </dgm:linClrLst>
+    <dgm:effectClrLst/>
+    <dgm:txLinClrLst/>
+    <dgm:txFillClrLst meth="repeat">
+      <a:schemeClr val="dk1"/>
+    </dgm:txFillClrLst>
+    <dgm:txEffectClrLst/>
+  </dgm:styleLbl>
+  <dgm:styleLbl name="conFgAcc1">
+    <dgm:fillClrLst meth="repeat">
+      <a:schemeClr val="lt1">
+        <a:alpha val="90000"/>
+      </a:schemeClr>
+    </dgm:fillClrLst>
+    <dgm:linClrLst meth="repeat">
+      <a:schemeClr val="accent1"/>
+    </dgm:linClrLst>
+    <dgm:effectClrLst/>
+    <dgm:txLinClrLst/>
+    <dgm:txFillClrLst meth="repeat">
+      <a:schemeClr val="dk1"/>
+    </dgm:txFillClrLst>
+    <dgm:txEffectClrLst/>
+  </dgm:styleLbl>
+  <dgm:styleLbl name="alignAcc1">
+    <dgm:fillClrLst meth="repeat">
+      <a:schemeClr val="lt1">
+        <a:alpha val="90000"/>
+      </a:schemeClr>
+    </dgm:fillClrLst>
+    <dgm:linClrLst meth="repeat">
+      <a:schemeClr val="accent1"/>
+    </dgm:linClrLst>
+    <dgm:effectClrLst/>
+    <dgm:txLinClrLst/>
+    <dgm:txFillClrLst meth="repeat">
+      <a:schemeClr val="dk1"/>
+    </dgm:txFillClrLst>
+    <dgm:txEffectClrLst/>
+  </dgm:styleLbl>
+  <dgm:styleLbl name="trAlignAcc1">
+    <dgm:fillClrLst meth="repeat">
+      <a:schemeClr val="lt1">
+        <a:alpha val="40000"/>
+      </a:schemeClr>
+    </dgm:fillClrLst>
+    <dgm:linClrLst meth="repeat">
+      <a:schemeClr val="accent1"/>
+    </dgm:linClrLst>
+    <dgm:effectClrLst/>
+    <dgm:txLinClrLst/>
+    <dgm:txFillClrLst meth="repeat">
+      <a:schemeClr val="dk1"/>
+    </dgm:txFillClrLst>
+    <dgm:txEffectClrLst/>
+  </dgm:styleLbl>
+  <dgm:styleLbl name="bgAcc1">
+    <dgm:fillClrLst meth="repeat">
+      <a:schemeClr val="lt1">
+        <a:alpha val="90000"/>
+      </a:schemeClr>
+    </dgm:fillClrLst>
+    <dgm:linClrLst meth="repeat">
+      <a:schemeClr val="accent1"/>
+    </dgm:linClrLst>
+    <dgm:effectClrLst/>
+    <dgm:txLinClrLst/>
+    <dgm:txFillClrLst meth="repeat">
+      <a:schemeClr val="dk1"/>
+    </dgm:txFillClrLst>
+    <dgm:txEffectClrLst/>
+  </dgm:styleLbl>
+  <dgm:styleLbl name="solidFgAcc1">
+    <dgm:fillClrLst meth="repeat">
+      <a:schemeClr val="lt1"/>
+    </dgm:fillClrLst>
+    <dgm:linClrLst meth="repeat">
+      <a:schemeClr val="accent1"/>
+    </dgm:linClrLst>
+    <dgm:effectClrLst/>
+    <dgm:txLinClrLst/>
+    <dgm:txFillClrLst meth="repeat">
+      <a:schemeClr val="dk1"/>
+    </dgm:txFillClrLst>
+    <dgm:txEffectClrLst/>
+  </dgm:styleLbl>
+  <dgm:styleLbl name="solidAlignAcc1">
+    <dgm:fillClrLst meth="repeat">
+      <a:schemeClr val="lt1"/>
+    </dgm:fillClrLst>
+    <dgm:linClrLst meth="repeat">
+      <a:schemeClr val="accent1"/>
+    </dgm:linClrLst>
+    <dgm:effectClrLst/>
+    <dgm:txLinClrLst/>
+    <dgm:txFillClrLst meth="repeat">
+      <a:schemeClr val="dk1"/>
+    </dgm:txFillClrLst>
+    <dgm:txEffectClrLst/>
+  </dgm:styleLbl>
+  <dgm:styleLbl name="solidBgAcc1">
+    <dgm:fillClrLst meth="repeat">
+      <a:schemeClr val="lt1"/>
+    </dgm:fillClrLst>
+    <dgm:linClrLst meth="repeat">
+      <a:schemeClr val="accent1"/>
+    </dgm:linClrLst>
+    <dgm:effectClrLst/>
+    <dgm:txLinClrLst/>
+    <dgm:txFillClrLst meth="repeat">
+      <a:schemeClr val="dk1"/>
+    </dgm:txFillClrLst>
+    <dgm:txEffectClrLst/>
+  </dgm:styleLbl>
+  <dgm:styleLbl name="fgAccFollowNode1">
+    <dgm:fillClrLst meth="repeat">
+      <a:schemeClr val="accent1">
+        <a:alpha val="90000"/>
+        <a:tint val="40000"/>
+      </a:schemeClr>
+    </dgm:fillClrLst>
+    <dgm:linClrLst meth="repeat">
+      <a:schemeClr val="accent1">
+        <a:alpha val="90000"/>
+        <a:tint val="40000"/>
+      </a:schemeClr>
+    </dgm:linClrLst>
+    <dgm:effectClrLst/>
+    <dgm:txLinClrLst/>
+    <dgm:txFillClrLst meth="repeat">
+      <a:schemeClr val="dk1"/>
+    </dgm:txFillClrLst>
+    <dgm:txEffectClrLst/>
+  </dgm:styleLbl>
+  <dgm:styleLbl name="alignAccFollowNode1">
+    <dgm:fillClrLst meth="repeat">
+      <a:schemeClr val="accent1">
+        <a:alpha val="90000"/>
+        <a:tint val="40000"/>
+      </a:schemeClr>
+    </dgm:fillClrLst>
+    <dgm:linClrLst meth="repeat">
+      <a:schemeClr val="accent1">
+        <a:alpha val="90000"/>
+        <a:tint val="40000"/>
+      </a:schemeClr>
+    </dgm:linClrLst>
+    <dgm:effectClrLst/>
+    <dgm:txLinClrLst/>
+    <dgm:txFillClrLst meth="repeat">
+      <a:schemeClr val="dk1"/>
+    </dgm:txFillClrLst>
+    <dgm:txEffectClrLst/>
+  </dgm:styleLbl>
+  <dgm:styleLbl name="bgAccFollowNode1">
+    <dgm:fillClrLst meth="repeat">
+      <a:schemeClr val="accent1">
+        <a:alpha val="90000"/>
+        <a:tint val="40000"/>
+      </a:schemeClr>
+    </dgm:fillClrLst>
+    <dgm:linClrLst meth="repeat">
+      <a:schemeClr val="accent1">
+        <a:alpha val="90000"/>
+        <a:tint val="40000"/>
+      </a:schemeClr>
+    </dgm:linClrLst>
+    <dgm:effectClrLst/>
+    <dgm:txLinClrLst/>
+    <dgm:txFillClrLst meth="repeat">
+      <a:schemeClr val="dk1"/>
+    </dgm:txFillClrLst>
+    <dgm:txEffectClrLst/>
+  </dgm:styleLbl>
+  <dgm:styleLbl name="fgAcc0">
+    <dgm:fillClrLst meth="repeat">
+      <a:schemeClr val="lt1">
+        <a:alpha val="90000"/>
+      </a:schemeClr>
+    </dgm:fillClrLst>
+    <dgm:linClrLst meth="repeat">
+      <a:schemeClr val="accent1"/>
+    </dgm:linClrLst>
+    <dgm:effectClrLst/>
+    <dgm:txLinClrLst/>
+    <dgm:txFillClrLst meth="repeat">
+      <a:schemeClr val="dk1"/>
+    </dgm:txFillClrLst>
+    <dgm:txEffectClrLst/>
+  </dgm:styleLbl>
+  <dgm:styleLbl name="fgAcc2">
+    <dgm:fillClrLst meth="repeat">
+      <a:schemeClr val="lt1">
+        <a:alpha val="90000"/>
+      </a:schemeClr>
+    </dgm:fillClrLst>
+    <dgm:linClrLst meth="repeat">
+      <a:schemeClr val="accent1"/>
+    </dgm:linClrLst>
+    <dgm:effectClrLst/>
+    <dgm:txLinClrLst/>
+    <dgm:txFillClrLst meth="repeat">
+      <a:schemeClr val="dk1"/>
+    </dgm:txFillClrLst>
+    <dgm:txEffectClrLst/>
+  </dgm:styleLbl>
+  <dgm:styleLbl name="fgAcc3">
+    <dgm:fillClrLst meth="repeat">
+      <a:schemeClr val="lt1">
+        <a:alpha val="90000"/>
+      </a:schemeClr>
+    </dgm:fillClrLst>
+    <dgm:linClrLst meth="repeat">
+      <a:schemeClr val="accent1"/>
+    </dgm:linClrLst>
+    <dgm:effectClrLst/>
+    <dgm:txLinClrLst/>
+    <dgm:txFillClrLst meth="repeat">
+      <a:schemeClr val="dk1"/>
+    </dgm:txFillClrLst>
+    <dgm:txEffectClrLst/>
+  </dgm:styleLbl>
+  <dgm:styleLbl name="fgAcc4">
+    <dgm:fillClrLst meth="repeat">
+      <a:schemeClr val="lt1">
+        <a:alpha val="90000"/>
+      </a:schemeClr>
+    </dgm:fillClrLst>
+    <dgm:linClrLst meth="repeat">
+      <a:schemeClr val="accent1"/>
+    </dgm:linClrLst>
+    <dgm:effectClrLst/>
+    <dgm:txLinClrLst/>
+    <dgm:txFillClrLst meth="repeat">
+      <a:schemeClr val="dk1"/>
+    </dgm:txFillClrLst>
+    <dgm:txEffectClrLst/>
+  </dgm:styleLbl>
+  <dgm:styleLbl name="bgShp">
+    <dgm:fillClrLst meth="repeat">
+      <a:schemeClr val="accent1">
+        <a:tint val="40000"/>
+      </a:schemeClr>
+    </dgm:fillClrLst>
+    <dgm:linClrLst meth="repeat">
+      <a:schemeClr val="accent1"/>
+    </dgm:linClrLst>
+    <dgm:effectClrLst/>
+    <dgm:txLinClrLst/>
+    <dgm:txFillClrLst meth="repeat">
+      <a:schemeClr val="dk1"/>
+    </dgm:txFillClrLst>
+    <dgm:txEffectClrLst/>
+  </dgm:styleLbl>
+  <dgm:styleLbl name="dkBgShp">
+    <dgm:fillClrLst meth="repeat">
+      <a:schemeClr val="accent1">
+        <a:shade val="80000"/>
+      </a:schemeClr>
+    </dgm:fillClrLst>
+    <dgm:linClrLst meth="repeat">
+      <a:schemeClr val="accent1"/>
+    </dgm:linClrLst>
+    <dgm:effectClrLst/>
+    <dgm:txLinClrLst/>
+    <dgm:txFillClrLst meth="repeat">
+      <a:schemeClr val="lt1"/>
+    </dgm:txFillClrLst>
+    <dgm:txEffectClrLst/>
+  </dgm:styleLbl>
+  <dgm:styleLbl name="trBgShp">
+    <dgm:fillClrLst meth="repeat">
+      <a:schemeClr val="accent1">
+        <a:tint val="50000"/>
+        <a:alpha val="40000"/>
+      </a:schemeClr>
+    </dgm:fillClrLst>
+    <dgm:linClrLst meth="repeat">
+      <a:schemeClr val="accent1"/>
+    </dgm:linClrLst>
+    <dgm:effectClrLst/>
+    <dgm:txLinClrLst/>
+    <dgm:txFillClrLst meth="repeat">
+      <a:schemeClr val="lt1"/>
+    </dgm:txFillClrLst>
+    <dgm:txEffectClrLst/>
+  </dgm:styleLbl>
+  <dgm:styleLbl name="fgShp">
+    <dgm:fillClrLst meth="repeat">
+      <a:schemeClr val="accent1">
+        <a:tint val="60000"/>
+      </a:schemeClr>
+    </dgm:fillClrLst>
+    <dgm:linClrLst meth="repeat">
+      <a:schemeClr val="lt1"/>
+    </dgm:linClrLst>
+    <dgm:effectClrLst/>
+    <dgm:txLinClrLst/>
+    <dgm:txFillClrLst meth="repeat">
+      <a:schemeClr val="dk1"/>
+    </dgm:txFillClrLst>
+    <dgm:txEffectClrLst/>
+  </dgm:styleLbl>
+  <dgm:styleLbl name="revTx">
+    <dgm:fillClrLst meth="repeat">
+      <a:schemeClr val="lt1">
+        <a:alpha val="0"/>
+      </a:schemeClr>
+    </dgm:fillClrLst>
+    <dgm:linClrLst meth="repeat">
+      <a:schemeClr val="dk1">
+        <a:alpha val="0"/>
+      </a:schemeClr>
+    </dgm:linClrLst>
+    <dgm:effectClrLst/>
+    <dgm:txLinClrLst/>
+    <dgm:txFillClrLst meth="repeat">
+      <a:schemeClr val="tx1"/>
+    </dgm:txFillClrLst>
+    <dgm:txEffectClrLst/>
+  </dgm:styleLbl>
+</dgm:colorsDef>
+</file>
+
+<file path=ppt/diagrams/colors2.xml><?xml version="1.0" encoding="utf-8"?>
+<dgm:colorsDef xmlns:dgm="http://schemas.openxmlformats.org/drawingml/2006/diagram" xmlns:a="http://schemas.openxmlformats.org/drawingml/2006/main" uniqueId="urn:microsoft.com/office/officeart/2005/8/colors/accent1_2">
+  <dgm:title val=""/>
+  <dgm:desc val=""/>
+  <dgm:catLst>
+    <dgm:cat type="accent1" pri="11200"/>
+  </dgm:catLst>
+  <dgm:styleLbl name="node0">
+    <dgm:fillClrLst meth="repeat">
+      <a:schemeClr val="accent1"/>
+    </dgm:fillClrLst>
+    <dgm:linClrLst meth="repeat">
+      <a:schemeClr val="lt1"/>
+    </dgm:linClrLst>
+    <dgm:effectClrLst/>
+    <dgm:txLinClrLst/>
+    <dgm:txFillClrLst/>
+    <dgm:txEffectClrLst/>
+  </dgm:styleLbl>
+  <dgm:styleLbl name="alignNode1">
+    <dgm:fillClrLst meth="repeat">
+      <a:schemeClr val="accent1"/>
+    </dgm:fillClrLst>
+    <dgm:linClrLst meth="repeat">
+      <a:schemeClr val="accent1"/>
+    </dgm:linClrLst>
+    <dgm:effectClrLst/>
+    <dgm:txLinClrLst/>
+    <dgm:txFillClrLst/>
+    <dgm:txEffectClrLst/>
+  </dgm:styleLbl>
+  <dgm:styleLbl name="node1">
+    <dgm:fillClrLst meth="repeat">
+      <a:schemeClr val="accent1"/>
+    </dgm:fillClrLst>
+    <dgm:linClrLst meth="repeat">
+      <a:schemeClr val="lt1"/>
+    </dgm:linClrLst>
+    <dgm:effectClrLst/>
+    <dgm:txLinClrLst/>
+    <dgm:txFillClrLst/>
+    <dgm:txEffectClrLst/>
+  </dgm:styleLbl>
+  <dgm:styleLbl name="lnNode1">
+    <dgm:fillClrLst meth="repeat">
+      <a:schemeClr val="accent1"/>
+    </dgm:fillClrLst>
+    <dgm:linClrLst meth="repeat">
+      <a:schemeClr val="lt1"/>
+    </dgm:linClrLst>
+    <dgm:effectClrLst/>
+    <dgm:txLinClrLst/>
+    <dgm:txFillClrLst/>
+    <dgm:txEffectClrLst/>
+  </dgm:styleLbl>
+  <dgm:styleLbl name="vennNode1">
+    <dgm:fillClrLst meth="repeat">
+      <a:schemeClr val="accent1">
+        <a:alpha val="50000"/>
+      </a:schemeClr>
+    </dgm:fillClrLst>
+    <dgm:linClrLst meth="repeat">
+      <a:schemeClr val="lt1"/>
+    </dgm:linClrLst>
+    <dgm:effectClrLst/>
+    <dgm:txLinClrLst/>
+    <dgm:txFillClrLst/>
+    <dgm:txEffectClrLst/>
+  </dgm:styleLbl>
+  <dgm:styleLbl name="node2">
+    <dgm:fillClrLst meth="repeat">
+      <a:schemeClr val="accent1"/>
+    </dgm:fillClrLst>
+    <dgm:linClrLst meth="repeat">
+      <a:schemeClr val="lt1"/>
+    </dgm:linClrLst>
+    <dgm:effectClrLst/>
+    <dgm:txLinClrLst/>
+    <dgm:txFillClrLst/>
+    <dgm:txEffectClrLst/>
+  </dgm:styleLbl>
+  <dgm:styleLbl name="node3">
+    <dgm:fillClrLst meth="repeat">
+      <a:schemeClr val="accent1"/>
+    </dgm:fillClrLst>
+    <dgm:linClrLst meth="repeat">
+      <a:schemeClr val="lt1"/>
+    </dgm:linClrLst>
+    <dgm:effectClrLst/>
+    <dgm:txLinClrLst/>
+    <dgm:txFillClrLst/>
+    <dgm:txEffectClrLst/>
+  </dgm:styleLbl>
+  <dgm:styleLbl name="node4">
+    <dgm:fillClrLst meth="repeat">
+      <a:schemeClr val="accent1"/>
+    </dgm:fillClrLst>
+    <dgm:linClrLst meth="repeat">
+      <a:schemeClr val="lt1"/>
+    </dgm:linClrLst>
+    <dgm:effectClrLst/>
+    <dgm:txLinClrLst/>
+    <dgm:txFillClrLst/>
+    <dgm:txEffectClrLst/>
+  </dgm:styleLbl>
+  <dgm:styleLbl name="fgImgPlace1">
+    <dgm:fillClrLst meth="repeat">
+      <a:schemeClr val="accent1">
+        <a:tint val="50000"/>
+      </a:schemeClr>
+    </dgm:fillClrLst>
+    <dgm:linClrLst meth="repeat">
+      <a:schemeClr val="lt1"/>
+    </dgm:linClrLst>
+    <dgm:effectClrLst/>
+    <dgm:txLinClrLst/>
+    <dgm:txFillClrLst meth="repeat">
+      <a:schemeClr val="lt1"/>
+    </dgm:txFillClrLst>
+    <dgm:txEffectClrLst/>
+  </dgm:styleLbl>
+  <dgm:styleLbl name="alignImgPlace1">
+    <dgm:fillClrLst meth="repeat">
+      <a:schemeClr val="accent1">
+        <a:tint val="50000"/>
+      </a:schemeClr>
+    </dgm:fillClrLst>
+    <dgm:linClrLst meth="repeat">
+      <a:schemeClr val="lt1"/>
+    </dgm:linClrLst>
+    <dgm:effectClrLst/>
+    <dgm:txLinClrLst/>
+    <dgm:txFillClrLst meth="repeat">
+      <a:schemeClr val="lt1"/>
+    </dgm:txFillClrLst>
+    <dgm:txEffectClrLst/>
+  </dgm:styleLbl>
+  <dgm:styleLbl name="bgImgPlace1">
+    <dgm:fillClrLst meth="repeat">
+      <a:schemeClr val="accent1">
+        <a:tint val="50000"/>
+      </a:schemeClr>
+    </dgm:fillClrLst>
+    <dgm:linClrLst meth="repeat">
+      <a:schemeClr val="lt1"/>
+    </dgm:linClrLst>
+    <dgm:effectClrLst/>
+    <dgm:txLinClrLst/>
+    <dgm:txFillClrLst meth="repeat">
+      <a:schemeClr val="lt1"/>
+    </dgm:txFillClrLst>
+    <dgm:txEffectClrLst/>
+  </dgm:styleLbl>
+  <dgm:styleLbl name="sibTrans2D1">
+    <dgm:fillClrLst meth="repeat">
+      <a:schemeClr val="accent1">
+        <a:tint val="60000"/>
+      </a:schemeClr>
+    </dgm:fillClrLst>
+    <dgm:linClrLst meth="repeat">
+      <a:schemeClr val="accent1">
+        <a:tint val="60000"/>
+      </a:schemeClr>
+    </dgm:linClrLst>
+    <dgm:effectClrLst/>
+    <dgm:txLinClrLst/>
+    <dgm:txFillClrLst/>
+    <dgm:txEffectClrLst/>
+  </dgm:styleLbl>
+  <dgm:styleLbl name="fgSibTrans2D1">
+    <dgm:fillClrLst meth="repeat">
+      <a:schemeClr val="accent1">
+        <a:tint val="60000"/>
+      </a:schemeClr>
+    </dgm:fillClrLst>
+    <dgm:linClrLst meth="repeat">
+      <a:schemeClr val="accent1">
+        <a:tint val="60000"/>
+      </a:schemeClr>
+    </dgm:linClrLst>
+    <dgm:effectClrLst/>
+    <dgm:txLinClrLst/>
+    <dgm:txFillClrLst/>
+    <dgm:txEffectClrLst/>
+  </dgm:styleLbl>
+  <dgm:styleLbl name="bgSibTrans2D1">
+    <dgm:fillClrLst meth="repeat">
+      <a:schemeClr val="accent1">
+        <a:tint val="60000"/>
+      </a:schemeClr>
+    </dgm:fillClrLst>
+    <dgm:linClrLst meth="repeat">
+      <a:schemeClr val="accent1">
+        <a:tint val="60000"/>
+      </a:schemeClr>
+    </dgm:linClrLst>
+    <dgm:effectClrLst/>
+    <dgm:txLinClrLst/>
+    <dgm:txFillClrLst/>
+    <dgm:txEffectClrLst/>
+  </dgm:styleLbl>
+  <dgm:styleLbl name="sibTrans1D1">
+    <dgm:fillClrLst meth="repeat">
+      <a:schemeClr val="accent1"/>
+    </dgm:fillClrLst>
+    <dgm:linClrLst meth="repeat">
+      <a:schemeClr val="accent1"/>
+    </dgm:linClrLst>
+    <dgm:effectClrLst/>
+    <dgm:txLinClrLst/>
+    <dgm:txFillClrLst meth="repeat">
+      <a:schemeClr val="tx1"/>
+    </dgm:txFillClrLst>
+    <dgm:txEffectClrLst/>
+  </dgm:styleLbl>
+  <dgm:styleLbl name="callout">
+    <dgm:fillClrLst meth="repeat">
+      <a:schemeClr val="accent1"/>
+    </dgm:fillClrLst>
+    <dgm:linClrLst meth="repeat">
+      <a:schemeClr val="accent1">
+        <a:tint val="50000"/>
+      </a:schemeClr>
+    </dgm:linClrLst>
+    <dgm:effectClrLst/>
+    <dgm:txLinClrLst/>
+    <dgm:txFillClrLst meth="repeat">
+      <a:schemeClr val="tx1"/>
+    </dgm:txFillClrLst>
+    <dgm:txEffectClrLst/>
+  </dgm:styleLbl>
+  <dgm:styleLbl name="asst0">
+    <dgm:fillClrLst meth="repeat">
+      <a:schemeClr val="accent1"/>
+    </dgm:fillClrLst>
+    <dgm:linClrLst meth="repeat">
+      <a:schemeClr val="lt1"/>
+    </dgm:linClrLst>
+    <dgm:effectClrLst/>
+    <dgm:txLinClrLst/>
+    <dgm:txFillClrLst/>
+    <dgm:txEffectClrLst/>
+  </dgm:styleLbl>
+  <dgm:styleLbl name="asst1">
+    <dgm:fillClrLst meth="repeat">
+      <a:schemeClr val="accent1"/>
+    </dgm:fillClrLst>
+    <dgm:linClrLst meth="repeat">
+      <a:schemeClr val="lt1"/>
+    </dgm:linClrLst>
+    <dgm:effectClrLst/>
+    <dgm:txLinClrLst/>
+    <dgm:txFillClrLst/>
+    <dgm:txEffectClrLst/>
+  </dgm:styleLbl>
+  <dgm:styleLbl name="asst2">
+    <dgm:fillClrLst meth="repeat">
+      <a:schemeClr val="accent1"/>
+    </dgm:fillClrLst>
+    <dgm:linClrLst meth="repeat">
+      <a:schemeClr val="lt1"/>
+    </dgm:linClrLst>
+    <dgm:effectClrLst/>
+    <dgm:txLinClrLst/>
+    <dgm:txFillClrLst/>
+    <dgm:txEffectClrLst/>
+  </dgm:styleLbl>
+  <dgm:styleLbl name="asst3">
+    <dgm:fillClrLst meth="repeat">
+      <a:schemeClr val="accent1"/>
+    </dgm:fillClrLst>
+    <dgm:linClrLst meth="repeat">
+      <a:schemeClr val="lt1"/>
+    </dgm:linClrLst>
+    <dgm:effectClrLst/>
+    <dgm:txLinClrLst/>
+    <dgm:txFillClrLst/>
+    <dgm:txEffectClrLst/>
+  </dgm:styleLbl>
+  <dgm:styleLbl name="asst4">
+    <dgm:fillClrLst meth="repeat">
+      <a:schemeClr val="accent1"/>
+    </dgm:fillClrLst>
+    <dgm:linClrLst meth="repeat">
+      <a:schemeClr val="lt1"/>
+    </dgm:linClrLst>
+    <dgm:effectClrLst/>
+    <dgm:txLinClrLst/>
+    <dgm:txFillClrLst/>
+    <dgm:txEffectClrLst/>
+  </dgm:styleLbl>
+  <dgm:styleLbl name="parChTrans2D1">
+    <dgm:fillClrLst meth="repeat">
+      <a:schemeClr val="accent1">
+        <a:tint val="60000"/>
+      </a:schemeClr>
+    </dgm:fillClrLst>
+    <dgm:linClrLst meth="repeat">
+      <a:schemeClr val="accent1">
+        <a:tint val="60000"/>
+      </a:schemeClr>
+    </dgm:linClrLst>
+    <dgm:effectClrLst/>
+    <dgm:txLinClrLst/>
+    <dgm:txFillClrLst meth="repeat">
+      <a:schemeClr val="lt1"/>
+    </dgm:txFillClrLst>
+    <dgm:txEffectClrLst/>
+  </dgm:styleLbl>
+  <dgm:styleLbl name="parChTrans2D2">
+    <dgm:fillClrLst meth="repeat">
+      <a:schemeClr val="accent1"/>
+    </dgm:fillClrLst>
+    <dgm:linClrLst meth="repeat">
+      <a:schemeClr val="accent1"/>
+    </dgm:linClrLst>
+    <dgm:effectClrLst/>
+    <dgm:txLinClrLst/>
+    <dgm:txFillClrLst meth="repeat">
+      <a:schemeClr val="lt1"/>
+    </dgm:txFillClrLst>
+    <dgm:txEffectClrLst/>
+  </dgm:styleLbl>
+  <dgm:styleLbl name="parChTrans2D3">
+    <dgm:fillClrLst meth="repeat">
+      <a:schemeClr val="accent1"/>
+    </dgm:fillClrLst>
+    <dgm:linClrLst meth="repeat">
+      <a:schemeClr val="accent1"/>
+    </dgm:linClrLst>
+    <dgm:effectClrLst/>
+    <dgm:txLinClrLst/>
+    <dgm:txFillClrLst meth="repeat">
+      <a:schemeClr val="lt1"/>
+    </dgm:txFillClrLst>
+    <dgm:txEffectClrLst/>
+  </dgm:styleLbl>
+  <dgm:styleLbl name="parChTrans2D4">
+    <dgm:fillClrLst meth="repeat">
+      <a:schemeClr val="accent1"/>
+    </dgm:fillClrLst>
+    <dgm:linClrLst meth="repeat">
+      <a:schemeClr val="accent1"/>
+    </dgm:linClrLst>
+    <dgm:effectClrLst/>
+    <dgm:txLinClrLst/>
+    <dgm:txFillClrLst meth="repeat">
+      <a:schemeClr val="lt1"/>
+    </dgm:txFillClrLst>
+    <dgm:txEffectClrLst/>
+  </dgm:styleLbl>
+  <dgm:styleLbl name="parChTrans1D1">
+    <dgm:fillClrLst meth="repeat">
+      <a:schemeClr val="accent1"/>
+    </dgm:fillClrLst>
+    <dgm:linClrLst meth="repeat">
+      <a:schemeClr val="accent1">
+        <a:shade val="60000"/>
+      </a:schemeClr>
+    </dgm:linClrLst>
+    <dgm:effectClrLst/>
+    <dgm:txLinClrLst/>
+    <dgm:txFillClrLst meth="repeat">
+      <a:schemeClr val="tx1"/>
+    </dgm:txFillClrLst>
+    <dgm:txEffectClrLst/>
+  </dgm:styleLbl>
+  <dgm:styleLbl name="parChTrans1D2">
+    <dgm:fillClrLst meth="repeat">
+      <a:schemeClr val="accent1"/>
+    </dgm:fillClrLst>
+    <dgm:linClrLst meth="repeat">
+      <a:schemeClr val="accent1">
+        <a:shade val="60000"/>
+      </a:schemeClr>
+    </dgm:linClrLst>
+    <dgm:effectClrLst/>
+    <dgm:txLinClrLst/>
+    <dgm:txFillClrLst meth="repeat">
+      <a:schemeClr val="tx1"/>
+    </dgm:txFillClrLst>
+    <dgm:txEffectClrLst/>
+  </dgm:styleLbl>
+  <dgm:styleLbl name="parChTrans1D3">
+    <dgm:fillClrLst meth="repeat">
+      <a:schemeClr val="accent1"/>
+    </dgm:fillClrLst>
+    <dgm:linClrLst meth="repeat">
+      <a:schemeClr val="accent1">
+        <a:shade val="80000"/>
+      </a:schemeClr>
+    </dgm:linClrLst>
+    <dgm:effectClrLst/>
+    <dgm:txLinClrLst/>
+    <dgm:txFillClrLst meth="repeat">
+      <a:schemeClr val="tx1"/>
+    </dgm:txFillClrLst>
+    <dgm:txEffectClrLst/>
+  </dgm:styleLbl>
+  <dgm:styleLbl name="parChTrans1D4">
+    <dgm:fillClrLst meth="repeat">
+      <a:schemeClr val="accent1"/>
+    </dgm:fillClrLst>
+    <dgm:linClrLst meth="repeat">
+      <a:schemeClr val="accent1">
+        <a:shade val="80000"/>
+      </a:schemeClr>
+    </dgm:linClrLst>
+    <dgm:effectClrLst/>
+    <dgm:txLinClrLst/>
+    <dgm:txFillClrLst meth="repeat">
+      <a:schemeClr val="tx1"/>
+    </dgm:txFillClrLst>
+    <dgm:txEffectClrLst/>
+  </dgm:styleLbl>
+  <dgm:styleLbl name="fgAcc1">
+    <dgm:fillClrLst meth="repeat">
+      <a:schemeClr val="lt1">
+        <a:alpha val="90000"/>
+      </a:schemeClr>
+    </dgm:fillClrLst>
+    <dgm:linClrLst meth="repeat">
+      <a:schemeClr val="accent1"/>
+    </dgm:linClrLst>
+    <dgm:effectClrLst/>
+    <dgm:txLinClrLst/>
+    <dgm:txFillClrLst meth="repeat">
+      <a:schemeClr val="dk1"/>
+    </dgm:txFillClrLst>
+    <dgm:txEffectClrLst/>
+  </dgm:styleLbl>
+  <dgm:styleLbl name="conFgAcc1">
+    <dgm:fillClrLst meth="repeat">
+      <a:schemeClr val="lt1">
+        <a:alpha val="90000"/>
+      </a:schemeClr>
+    </dgm:fillClrLst>
+    <dgm:linClrLst meth="repeat">
+      <a:schemeClr val="accent1"/>
+    </dgm:linClrLst>
+    <dgm:effectClrLst/>
+    <dgm:txLinClrLst/>
+    <dgm:txFillClrLst meth="repeat">
+      <a:schemeClr val="dk1"/>
+    </dgm:txFillClrLst>
+    <dgm:txEffectClrLst/>
+  </dgm:styleLbl>
+  <dgm:styleLbl name="alignAcc1">
+    <dgm:fillClrLst meth="repeat">
+      <a:schemeClr val="lt1">
+        <a:alpha val="90000"/>
+      </a:schemeClr>
+    </dgm:fillClrLst>
+    <dgm:linClrLst meth="repeat">
+      <a:schemeClr val="accent1"/>
+    </dgm:linClrLst>
+    <dgm:effectClrLst/>
+    <dgm:txLinClrLst/>
+    <dgm:txFillClrLst meth="repeat">
+      <a:schemeClr val="dk1"/>
+    </dgm:txFillClrLst>
+    <dgm:txEffectClrLst/>
+  </dgm:styleLbl>
+  <dgm:styleLbl name="trAlignAcc1">
+    <dgm:fillClrLst meth="repeat">
+      <a:schemeClr val="lt1">
+        <a:alpha val="40000"/>
+      </a:schemeClr>
+    </dgm:fillClrLst>
+    <dgm:linClrLst meth="repeat">
+      <a:schemeClr val="accent1"/>
+    </dgm:linClrLst>
+    <dgm:effectClrLst/>
+    <dgm:txLinClrLst/>
+    <dgm:txFillClrLst meth="repeat">
+      <a:schemeClr val="dk1"/>
+    </dgm:txFillClrLst>
+    <dgm:txEffectClrLst/>
+  </dgm:styleLbl>
+  <dgm:styleLbl name="bgAcc1">
+    <dgm:fillClrLst meth="repeat">
+      <a:schemeClr val="lt1">
+        <a:alpha val="90000"/>
+      </a:schemeClr>
+    </dgm:fillClrLst>
+    <dgm:linClrLst meth="repeat">
+      <a:schemeClr val="accent1"/>
+    </dgm:linClrLst>
+    <dgm:effectClrLst/>
+    <dgm:txLinClrLst/>
+    <dgm:txFillClrLst meth="repeat">
+      <a:schemeClr val="dk1"/>
+    </dgm:txFillClrLst>
+    <dgm:txEffectClrLst/>
+  </dgm:styleLbl>
+  <dgm:styleLbl name="solidFgAcc1">
+    <dgm:fillClrLst meth="repeat">
+      <a:schemeClr val="lt1"/>
+    </dgm:fillClrLst>
+    <dgm:linClrLst meth="repeat">
+      <a:schemeClr val="accent1"/>
+    </dgm:linClrLst>
+    <dgm:effectClrLst/>
+    <dgm:txLinClrLst/>
+    <dgm:txFillClrLst meth="repeat">
+      <a:schemeClr val="dk1"/>
+    </dgm:txFillClrLst>
+    <dgm:txEffectClrLst/>
+  </dgm:styleLbl>
+  <dgm:styleLbl name="solidAlignAcc1">
+    <dgm:fillClrLst meth="repeat">
+      <a:schemeClr val="lt1"/>
+    </dgm:fillClrLst>
+    <dgm:linClrLst meth="repeat">
+      <a:schemeClr val="accent1"/>
+    </dgm:linClrLst>
+    <dgm:effectClrLst/>
+    <dgm:txLinClrLst/>
+    <dgm:txFillClrLst meth="repeat">
+      <a:schemeClr val="dk1"/>
+    </dgm:txFillClrLst>
+    <dgm:txEffectClrLst/>
+  </dgm:styleLbl>
+  <dgm:styleLbl name="solidBgAcc1">
+    <dgm:fillClrLst meth="repeat">
+      <a:schemeClr val="lt1"/>
+    </dgm:fillClrLst>
+    <dgm:linClrLst meth="repeat">
+      <a:schemeClr val="accent1"/>
+    </dgm:linClrLst>
+    <dgm:effectClrLst/>
+    <dgm:txLinClrLst/>
+    <dgm:txFillClrLst meth="repeat">
+      <a:schemeClr val="dk1"/>
+    </dgm:txFillClrLst>
+    <dgm:txEffectClrLst/>
+  </dgm:styleLbl>
+  <dgm:styleLbl name="fgAccFollowNode1">
+    <dgm:fillClrLst meth="repeat">
+      <a:schemeClr val="accent1">
+        <a:alpha val="90000"/>
+        <a:tint val="40000"/>
+      </a:schemeClr>
+    </dgm:fillClrLst>
+    <dgm:linClrLst meth="repeat">
+      <a:schemeClr val="accent1">
+        <a:alpha val="90000"/>
+        <a:tint val="40000"/>
+      </a:schemeClr>
+    </dgm:linClrLst>
+    <dgm:effectClrLst/>
+    <dgm:txLinClrLst/>
+    <dgm:txFillClrLst meth="repeat">
+      <a:schemeClr val="dk1"/>
+    </dgm:txFillClrLst>
+    <dgm:txEffectClrLst/>
+  </dgm:styleLbl>
+  <dgm:styleLbl name="alignAccFollowNode1">
+    <dgm:fillClrLst meth="repeat">
+      <a:schemeClr val="accent1">
+        <a:alpha val="90000"/>
+        <a:tint val="40000"/>
+      </a:schemeClr>
+    </dgm:fillClrLst>
+    <dgm:linClrLst meth="repeat">
+      <a:schemeClr val="accent1">
+        <a:alpha val="90000"/>
+        <a:tint val="40000"/>
+      </a:schemeClr>
+    </dgm:linClrLst>
+    <dgm:effectClrLst/>
+    <dgm:txLinClrLst/>
+    <dgm:txFillClrLst meth="repeat">
+      <a:schemeClr val="dk1"/>
+    </dgm:txFillClrLst>
+    <dgm:txEffectClrLst/>
+  </dgm:styleLbl>
+  <dgm:styleLbl name="bgAccFollowNode1">
+    <dgm:fillClrLst meth="repeat">
+      <a:schemeClr val="accent1">
+        <a:alpha val="90000"/>
+        <a:tint val="40000"/>
+      </a:schemeClr>
+    </dgm:fillClrLst>
+    <dgm:linClrLst meth="repeat">
+      <a:schemeClr val="accent1">
+        <a:alpha val="90000"/>
+        <a:tint val="40000"/>
+      </a:schemeClr>
+    </dgm:linClrLst>
+    <dgm:effectClrLst/>
+    <dgm:txLinClrLst/>
+    <dgm:txFillClrLst meth="repeat">
+      <a:schemeClr val="dk1"/>
+    </dgm:txFillClrLst>
+    <dgm:txEffectClrLst/>
+  </dgm:styleLbl>
+  <dgm:styleLbl name="fgAcc0">
+    <dgm:fillClrLst meth="repeat">
+      <a:schemeClr val="lt1">
+        <a:alpha val="90000"/>
+      </a:schemeClr>
+    </dgm:fillClrLst>
+    <dgm:linClrLst meth="repeat">
+      <a:schemeClr val="accent1"/>
+    </dgm:linClrLst>
+    <dgm:effectClrLst/>
+    <dgm:txLinClrLst/>
+    <dgm:txFillClrLst meth="repeat">
+      <a:schemeClr val="dk1"/>
+    </dgm:txFillClrLst>
+    <dgm:txEffectClrLst/>
+  </dgm:styleLbl>
+  <dgm:styleLbl name="fgAcc2">
+    <dgm:fillClrLst meth="repeat">
+      <a:schemeClr val="lt1">
+        <a:alpha val="90000"/>
+      </a:schemeClr>
+    </dgm:fillClrLst>
+    <dgm:linClrLst meth="repeat">
+      <a:schemeClr val="accent1"/>
+    </dgm:linClrLst>
+    <dgm:effectClrLst/>
+    <dgm:txLinClrLst/>
+    <dgm:txFillClrLst meth="repeat">
+      <a:schemeClr val="dk1"/>
+    </dgm:txFillClrLst>
+    <dgm:txEffectClrLst/>
+  </dgm:styleLbl>
+  <dgm:styleLbl name="fgAcc3">
+    <dgm:fillClrLst meth="repeat">
+      <a:schemeClr val="lt1">
+        <a:alpha val="90000"/>
+      </a:schemeClr>
+    </dgm:fillClrLst>
+    <dgm:linClrLst meth="repeat">
+      <a:schemeClr val="accent1"/>
+    </dgm:linClrLst>
+    <dgm:effectClrLst/>
+    <dgm:txLinClrLst/>
+    <dgm:txFillClrLst meth="repeat">
+      <a:schemeClr val="dk1"/>
+    </dgm:txFillClrLst>
+    <dgm:txEffectClrLst/>
+  </dgm:styleLbl>
+  <dgm:styleLbl name="fgAcc4">
+    <dgm:fillClrLst meth="repeat">
+      <a:schemeClr val="lt1">
+        <a:alpha val="90000"/>
+      </a:schemeClr>
+    </dgm:fillClrLst>
+    <dgm:linClrLst meth="repeat">
+      <a:schemeClr val="accent1"/>
+    </dgm:linClrLst>
+    <dgm:effectClrLst/>
+    <dgm:txLinClrLst/>
+    <dgm:txFillClrLst meth="repeat">
+      <a:schemeClr val="dk1"/>
+    </dgm:txFillClrLst>
+    <dgm:txEffectClrLst/>
+  </dgm:styleLbl>
+  <dgm:styleLbl name="bgShp">
+    <dgm:fillClrLst meth="repeat">
+      <a:schemeClr val="accent1">
+        <a:tint val="40000"/>
+      </a:schemeClr>
+    </dgm:fillClrLst>
+    <dgm:linClrLst meth="repeat">
+      <a:schemeClr val="accent1"/>
+    </dgm:linClrLst>
+    <dgm:effectClrLst/>
+    <dgm:txLinClrLst/>
+    <dgm:txFillClrLst meth="repeat">
+      <a:schemeClr val="dk1"/>
+    </dgm:txFillClrLst>
+    <dgm:txEffectClrLst/>
+  </dgm:styleLbl>
+  <dgm:styleLbl name="dkBgShp">
+    <dgm:fillClrLst meth="repeat">
+      <a:schemeClr val="accent1">
+        <a:shade val="80000"/>
+      </a:schemeClr>
+    </dgm:fillClrLst>
+    <dgm:linClrLst meth="repeat">
+      <a:schemeClr val="accent1"/>
+    </dgm:linClrLst>
+    <dgm:effectClrLst/>
+    <dgm:txLinClrLst/>
+    <dgm:txFillClrLst meth="repeat">
+      <a:schemeClr val="lt1"/>
+    </dgm:txFillClrLst>
+    <dgm:txEffectClrLst/>
+  </dgm:styleLbl>
+  <dgm:styleLbl name="trBgShp">
+    <dgm:fillClrLst meth="repeat">
+      <a:schemeClr val="accent1">
+        <a:tint val="50000"/>
+        <a:alpha val="40000"/>
+      </a:schemeClr>
+    </dgm:fillClrLst>
+    <dgm:linClrLst meth="repeat">
+      <a:schemeClr val="accent1"/>
+    </dgm:linClrLst>
+    <dgm:effectClrLst/>
+    <dgm:txLinClrLst/>
+    <dgm:txFillClrLst meth="repeat">
+      <a:schemeClr val="lt1"/>
+    </dgm:txFillClrLst>
+    <dgm:txEffectClrLst/>
+  </dgm:styleLbl>
+  <dgm:styleLbl name="fgShp">
+    <dgm:fillClrLst meth="repeat">
+      <a:schemeClr val="accent1">
+        <a:tint val="60000"/>
+      </a:schemeClr>
+    </dgm:fillClrLst>
+    <dgm:linClrLst meth="repeat">
+      <a:schemeClr val="lt1"/>
+    </dgm:linClrLst>
+    <dgm:effectClrLst/>
+    <dgm:txLinClrLst/>
+    <dgm:txFillClrLst meth="repeat">
+      <a:schemeClr val="dk1"/>
+    </dgm:txFillClrLst>
+    <dgm:txEffectClrLst/>
+  </dgm:styleLbl>
+  <dgm:styleLbl name="revTx">
+    <dgm:fillClrLst meth="repeat">
+      <a:schemeClr val="lt1">
+        <a:alpha val="0"/>
+      </a:schemeClr>
+    </dgm:fillClrLst>
+    <dgm:linClrLst meth="repeat">
+      <a:schemeClr val="dk1">
+        <a:alpha val="0"/>
+      </a:schemeClr>
+    </dgm:linClrLst>
+    <dgm:effectClrLst/>
+    <dgm:txLinClrLst/>
+    <dgm:txFillClrLst meth="repeat">
+      <a:schemeClr val="tx1"/>
+    </dgm:txFillClrLst>
+    <dgm:txEffectClrLst/>
+  </dgm:styleLbl>
+</dgm:colorsDef>
+</file>
+
+<file path=ppt/diagrams/colors3.xml><?xml version="1.0" encoding="utf-8"?>
 <dgm:colorsDef xmlns:dgm="http://schemas.openxmlformats.org/drawingml/2006/diagram" xmlns:a="http://schemas.openxmlformats.org/drawingml/2006/main" uniqueId="urn:microsoft.com/office/officeart/2005/8/colors/accent0_1">
   <dgm:title val=""/>
   <dgm:desc val=""/>
@@ -932,6 +2426,544 @@
 </file>
 
 <file path=ppt/diagrams/data1.xml><?xml version="1.0" encoding="utf-8"?>
+<dgm:dataModel xmlns:dgm="http://schemas.openxmlformats.org/drawingml/2006/diagram" xmlns:a="http://schemas.openxmlformats.org/drawingml/2006/main">
+  <dgm:ptLst>
+    <dgm:pt modelId="{DAE43568-D36C-468A-B4FF-A60552348F4A}" type="doc">
+      <dgm:prSet loTypeId="urn:microsoft.com/office/officeart/2005/8/layout/vList2" loCatId="list" qsTypeId="urn:microsoft.com/office/officeart/2005/8/quickstyle/simple4" qsCatId="simple" csTypeId="urn:microsoft.com/office/officeart/2005/8/colors/accent1_2" csCatId="accent1" phldr="1"/>
+      <dgm:spPr/>
+      <dgm:t>
+        <a:bodyPr/>
+        <a:lstStyle/>
+        <a:p>
+          <a:endParaRPr lang="en-US"/>
+        </a:p>
+      </dgm:t>
+    </dgm:pt>
+    <dgm:pt modelId="{B644AC27-534E-4B54-AC21-B1DACE184BD4}">
+      <dgm:prSet/>
+      <dgm:spPr/>
+      <dgm:t>
+        <a:bodyPr/>
+        <a:lstStyle/>
+        <a:p>
+          <a:pPr rtl="0"/>
+          <a:r>
+            <a:rPr lang="en-US" dirty="0" smtClean="0"/>
+            <a:t>Arduino </a:t>
+          </a:r>
+          <a:r>
+            <a:rPr lang="en-US" dirty="0" err="1" smtClean="0"/>
+            <a:t>Braccio</a:t>
+          </a:r>
+          <a:r>
+            <a:rPr lang="en-US" dirty="0" smtClean="0"/>
+            <a:t> Arm</a:t>
+          </a:r>
+          <a:endParaRPr lang="en-US" dirty="0"/>
+        </a:p>
+      </dgm:t>
+    </dgm:pt>
+    <dgm:pt modelId="{EA969E9B-FF04-4C78-9626-9C004114477A}" type="parTrans" cxnId="{6BF8E204-89A1-41B5-8907-DA5D6A02AD5F}">
+      <dgm:prSet/>
+      <dgm:spPr/>
+      <dgm:t>
+        <a:bodyPr/>
+        <a:lstStyle/>
+        <a:p>
+          <a:endParaRPr lang="en-US"/>
+        </a:p>
+      </dgm:t>
+    </dgm:pt>
+    <dgm:pt modelId="{9ABB0889-E2DD-457C-B4DB-4887607813A7}" type="sibTrans" cxnId="{6BF8E204-89A1-41B5-8907-DA5D6A02AD5F}">
+      <dgm:prSet/>
+      <dgm:spPr/>
+      <dgm:t>
+        <a:bodyPr/>
+        <a:lstStyle/>
+        <a:p>
+          <a:endParaRPr lang="en-US"/>
+        </a:p>
+      </dgm:t>
+    </dgm:pt>
+    <dgm:pt modelId="{85290ADF-5B31-4260-9333-6F30E1EB120F}">
+      <dgm:prSet/>
+      <dgm:spPr/>
+      <dgm:t>
+        <a:bodyPr/>
+        <a:lstStyle/>
+        <a:p>
+          <a:pPr rtl="0"/>
+          <a:r>
+            <a:rPr lang="en-US" dirty="0" smtClean="0"/>
+            <a:t>RC-7 Rover chassis</a:t>
+          </a:r>
+          <a:endParaRPr lang="en-US" dirty="0"/>
+        </a:p>
+      </dgm:t>
+    </dgm:pt>
+    <dgm:pt modelId="{210CC0E1-C9E3-48C8-A6BA-6AD52F7666F3}" type="parTrans" cxnId="{43106309-FEF4-46E1-B853-8DFEE60A92BF}">
+      <dgm:prSet/>
+      <dgm:spPr/>
+      <dgm:t>
+        <a:bodyPr/>
+        <a:lstStyle/>
+        <a:p>
+          <a:endParaRPr lang="en-US"/>
+        </a:p>
+      </dgm:t>
+    </dgm:pt>
+    <dgm:pt modelId="{81E2D618-1171-4B8F-A877-3752CF291BBE}" type="sibTrans" cxnId="{43106309-FEF4-46E1-B853-8DFEE60A92BF}">
+      <dgm:prSet/>
+      <dgm:spPr/>
+      <dgm:t>
+        <a:bodyPr/>
+        <a:lstStyle/>
+        <a:p>
+          <a:endParaRPr lang="en-US"/>
+        </a:p>
+      </dgm:t>
+    </dgm:pt>
+    <dgm:pt modelId="{27FD289F-1ACD-4E54-8DE7-6BEE232EE455}">
+      <dgm:prSet custT="1"/>
+      <dgm:spPr/>
+      <dgm:t>
+        <a:bodyPr/>
+        <a:lstStyle/>
+        <a:p>
+          <a:pPr rtl="0"/>
+          <a:r>
+            <a:rPr lang="en-US" sz="2800" dirty="0" smtClean="0"/>
+            <a:t>Arduino </a:t>
+          </a:r>
+          <a:r>
+            <a:rPr lang="en-US" sz="2800" dirty="0" err="1" smtClean="0"/>
+            <a:t>Adafruit</a:t>
+          </a:r>
+          <a:r>
+            <a:rPr lang="en-US" sz="2800" dirty="0" smtClean="0"/>
+            <a:t> </a:t>
+          </a:r>
+          <a:r>
+            <a:rPr lang="en-US" sz="2700" dirty="0" smtClean="0"/>
+            <a:t>microcontroller</a:t>
+          </a:r>
+          <a:endParaRPr lang="en-US" sz="2700" dirty="0"/>
+        </a:p>
+      </dgm:t>
+    </dgm:pt>
+    <dgm:pt modelId="{49306449-351E-4039-9AFA-EAAAD124C17C}" type="parTrans" cxnId="{3F46ACA0-FCC5-421A-92D9-15E12AC04852}">
+      <dgm:prSet/>
+      <dgm:spPr/>
+      <dgm:t>
+        <a:bodyPr/>
+        <a:lstStyle/>
+        <a:p>
+          <a:endParaRPr lang="en-US"/>
+        </a:p>
+      </dgm:t>
+    </dgm:pt>
+    <dgm:pt modelId="{4D45F12F-D3B9-4594-A7DB-5ED8C63095A4}" type="sibTrans" cxnId="{3F46ACA0-FCC5-421A-92D9-15E12AC04852}">
+      <dgm:prSet/>
+      <dgm:spPr/>
+      <dgm:t>
+        <a:bodyPr/>
+        <a:lstStyle/>
+        <a:p>
+          <a:endParaRPr lang="en-US"/>
+        </a:p>
+      </dgm:t>
+    </dgm:pt>
+    <dgm:pt modelId="{379A90B6-AAC4-4910-AC11-ACD23A654B2C}">
+      <dgm:prSet/>
+      <dgm:spPr/>
+      <dgm:t>
+        <a:bodyPr/>
+        <a:lstStyle/>
+        <a:p>
+          <a:pPr rtl="0"/>
+          <a:r>
+            <a:rPr lang="en-US" dirty="0" smtClean="0"/>
+            <a:t>RGB color sensor</a:t>
+          </a:r>
+          <a:endParaRPr lang="en-US" dirty="0"/>
+        </a:p>
+      </dgm:t>
+    </dgm:pt>
+    <dgm:pt modelId="{C4D9C0F7-7ED7-4C88-A53A-8A78BA4BCA04}" type="parTrans" cxnId="{12AEBF58-1B86-4B6F-AC4A-885C838940F7}">
+      <dgm:prSet/>
+      <dgm:spPr/>
+      <dgm:t>
+        <a:bodyPr/>
+        <a:lstStyle/>
+        <a:p>
+          <a:endParaRPr lang="en-US"/>
+        </a:p>
+      </dgm:t>
+    </dgm:pt>
+    <dgm:pt modelId="{13979438-5165-4AAF-8690-5EF3E60AB358}" type="sibTrans" cxnId="{12AEBF58-1B86-4B6F-AC4A-885C838940F7}">
+      <dgm:prSet/>
+      <dgm:spPr/>
+      <dgm:t>
+        <a:bodyPr/>
+        <a:lstStyle/>
+        <a:p>
+          <a:endParaRPr lang="en-US"/>
+        </a:p>
+      </dgm:t>
+    </dgm:pt>
+    <dgm:pt modelId="{40615BB6-69CD-4EFD-83AD-AE921EFED9A7}" type="pres">
+      <dgm:prSet presAssocID="{DAE43568-D36C-468A-B4FF-A60552348F4A}" presName="linear" presStyleCnt="0">
+        <dgm:presLayoutVars>
+          <dgm:animLvl val="lvl"/>
+          <dgm:resizeHandles val="exact"/>
+        </dgm:presLayoutVars>
+      </dgm:prSet>
+      <dgm:spPr/>
+    </dgm:pt>
+    <dgm:pt modelId="{1C5DD78D-E71E-4D6C-AC14-B71BB76333F8}" type="pres">
+      <dgm:prSet presAssocID="{B644AC27-534E-4B54-AC21-B1DACE184BD4}" presName="parentText" presStyleLbl="node1" presStyleIdx="0" presStyleCnt="4">
+        <dgm:presLayoutVars>
+          <dgm:chMax val="0"/>
+          <dgm:bulletEnabled val="1"/>
+        </dgm:presLayoutVars>
+      </dgm:prSet>
+      <dgm:spPr/>
+    </dgm:pt>
+    <dgm:pt modelId="{F45D6A4B-2D65-431F-8823-7CBF4AA2CE32}" type="pres">
+      <dgm:prSet presAssocID="{9ABB0889-E2DD-457C-B4DB-4887607813A7}" presName="spacer" presStyleCnt="0"/>
+      <dgm:spPr/>
+    </dgm:pt>
+    <dgm:pt modelId="{412F2CDB-C45C-4648-AB97-305593D00736}" type="pres">
+      <dgm:prSet presAssocID="{85290ADF-5B31-4260-9333-6F30E1EB120F}" presName="parentText" presStyleLbl="node1" presStyleIdx="1" presStyleCnt="4">
+        <dgm:presLayoutVars>
+          <dgm:chMax val="0"/>
+          <dgm:bulletEnabled val="1"/>
+        </dgm:presLayoutVars>
+      </dgm:prSet>
+      <dgm:spPr/>
+    </dgm:pt>
+    <dgm:pt modelId="{3080AFB1-4966-4320-8836-C69B7DBD7A45}" type="pres">
+      <dgm:prSet presAssocID="{81E2D618-1171-4B8F-A877-3752CF291BBE}" presName="spacer" presStyleCnt="0"/>
+      <dgm:spPr/>
+    </dgm:pt>
+    <dgm:pt modelId="{82797EA8-78E3-4AE1-9784-04F689B98B2D}" type="pres">
+      <dgm:prSet presAssocID="{27FD289F-1ACD-4E54-8DE7-6BEE232EE455}" presName="parentText" presStyleLbl="node1" presStyleIdx="2" presStyleCnt="4">
+        <dgm:presLayoutVars>
+          <dgm:chMax val="0"/>
+          <dgm:bulletEnabled val="1"/>
+        </dgm:presLayoutVars>
+      </dgm:prSet>
+      <dgm:spPr/>
+      <dgm:t>
+        <a:bodyPr/>
+        <a:lstStyle/>
+        <a:p>
+          <a:endParaRPr lang="en-US"/>
+        </a:p>
+      </dgm:t>
+    </dgm:pt>
+    <dgm:pt modelId="{63B03D83-72E1-4FFB-B3BB-006B5C81D49F}" type="pres">
+      <dgm:prSet presAssocID="{4D45F12F-D3B9-4594-A7DB-5ED8C63095A4}" presName="spacer" presStyleCnt="0"/>
+      <dgm:spPr/>
+    </dgm:pt>
+    <dgm:pt modelId="{9D790607-2C9D-49C0-A55D-932080FE24B4}" type="pres">
+      <dgm:prSet presAssocID="{379A90B6-AAC4-4910-AC11-ACD23A654B2C}" presName="parentText" presStyleLbl="node1" presStyleIdx="3" presStyleCnt="4">
+        <dgm:presLayoutVars>
+          <dgm:chMax val="0"/>
+          <dgm:bulletEnabled val="1"/>
+        </dgm:presLayoutVars>
+      </dgm:prSet>
+      <dgm:spPr/>
+    </dgm:pt>
+  </dgm:ptLst>
+  <dgm:cxnLst>
+    <dgm:cxn modelId="{5B24A619-C305-40D8-A455-B28F05686482}" type="presOf" srcId="{B644AC27-534E-4B54-AC21-B1DACE184BD4}" destId="{1C5DD78D-E71E-4D6C-AC14-B71BB76333F8}" srcOrd="0" destOrd="0" presId="urn:microsoft.com/office/officeart/2005/8/layout/vList2"/>
+    <dgm:cxn modelId="{44EB9C82-340E-4176-BCF7-451AAF3541CC}" type="presOf" srcId="{27FD289F-1ACD-4E54-8DE7-6BEE232EE455}" destId="{82797EA8-78E3-4AE1-9784-04F689B98B2D}" srcOrd="0" destOrd="0" presId="urn:microsoft.com/office/officeart/2005/8/layout/vList2"/>
+    <dgm:cxn modelId="{43106309-FEF4-46E1-B853-8DFEE60A92BF}" srcId="{DAE43568-D36C-468A-B4FF-A60552348F4A}" destId="{85290ADF-5B31-4260-9333-6F30E1EB120F}" srcOrd="1" destOrd="0" parTransId="{210CC0E1-C9E3-48C8-A6BA-6AD52F7666F3}" sibTransId="{81E2D618-1171-4B8F-A877-3752CF291BBE}"/>
+    <dgm:cxn modelId="{12AEBF58-1B86-4B6F-AC4A-885C838940F7}" srcId="{DAE43568-D36C-468A-B4FF-A60552348F4A}" destId="{379A90B6-AAC4-4910-AC11-ACD23A654B2C}" srcOrd="3" destOrd="0" parTransId="{C4D9C0F7-7ED7-4C88-A53A-8A78BA4BCA04}" sibTransId="{13979438-5165-4AAF-8690-5EF3E60AB358}"/>
+    <dgm:cxn modelId="{3F46ACA0-FCC5-421A-92D9-15E12AC04852}" srcId="{DAE43568-D36C-468A-B4FF-A60552348F4A}" destId="{27FD289F-1ACD-4E54-8DE7-6BEE232EE455}" srcOrd="2" destOrd="0" parTransId="{49306449-351E-4039-9AFA-EAAAD124C17C}" sibTransId="{4D45F12F-D3B9-4594-A7DB-5ED8C63095A4}"/>
+    <dgm:cxn modelId="{6BF8E204-89A1-41B5-8907-DA5D6A02AD5F}" srcId="{DAE43568-D36C-468A-B4FF-A60552348F4A}" destId="{B644AC27-534E-4B54-AC21-B1DACE184BD4}" srcOrd="0" destOrd="0" parTransId="{EA969E9B-FF04-4C78-9626-9C004114477A}" sibTransId="{9ABB0889-E2DD-457C-B4DB-4887607813A7}"/>
+    <dgm:cxn modelId="{DFCB95FC-E578-492E-B89B-6068EB6F0BA8}" type="presOf" srcId="{379A90B6-AAC4-4910-AC11-ACD23A654B2C}" destId="{9D790607-2C9D-49C0-A55D-932080FE24B4}" srcOrd="0" destOrd="0" presId="urn:microsoft.com/office/officeart/2005/8/layout/vList2"/>
+    <dgm:cxn modelId="{AD7EC311-F4E0-4DF0-8AA7-2F183DBE9F13}" type="presOf" srcId="{85290ADF-5B31-4260-9333-6F30E1EB120F}" destId="{412F2CDB-C45C-4648-AB97-305593D00736}" srcOrd="0" destOrd="0" presId="urn:microsoft.com/office/officeart/2005/8/layout/vList2"/>
+    <dgm:cxn modelId="{195471FE-55B8-4C86-AB30-C536C08C75B9}" type="presOf" srcId="{DAE43568-D36C-468A-B4FF-A60552348F4A}" destId="{40615BB6-69CD-4EFD-83AD-AE921EFED9A7}" srcOrd="0" destOrd="0" presId="urn:microsoft.com/office/officeart/2005/8/layout/vList2"/>
+    <dgm:cxn modelId="{3A0E25CB-C087-47F2-BE35-3D062A444B08}" type="presParOf" srcId="{40615BB6-69CD-4EFD-83AD-AE921EFED9A7}" destId="{1C5DD78D-E71E-4D6C-AC14-B71BB76333F8}" srcOrd="0" destOrd="0" presId="urn:microsoft.com/office/officeart/2005/8/layout/vList2"/>
+    <dgm:cxn modelId="{A5B73469-ECC2-48C7-BBB8-44E263900E3F}" type="presParOf" srcId="{40615BB6-69CD-4EFD-83AD-AE921EFED9A7}" destId="{F45D6A4B-2D65-431F-8823-7CBF4AA2CE32}" srcOrd="1" destOrd="0" presId="urn:microsoft.com/office/officeart/2005/8/layout/vList2"/>
+    <dgm:cxn modelId="{466D78D1-4B91-4E6B-91D8-4D77CBF704A4}" type="presParOf" srcId="{40615BB6-69CD-4EFD-83AD-AE921EFED9A7}" destId="{412F2CDB-C45C-4648-AB97-305593D00736}" srcOrd="2" destOrd="0" presId="urn:microsoft.com/office/officeart/2005/8/layout/vList2"/>
+    <dgm:cxn modelId="{145BEE9D-22AF-468C-9828-88EAF81BEF35}" type="presParOf" srcId="{40615BB6-69CD-4EFD-83AD-AE921EFED9A7}" destId="{3080AFB1-4966-4320-8836-C69B7DBD7A45}" srcOrd="3" destOrd="0" presId="urn:microsoft.com/office/officeart/2005/8/layout/vList2"/>
+    <dgm:cxn modelId="{4629DF0C-40B8-4B79-963A-B10BE311116F}" type="presParOf" srcId="{40615BB6-69CD-4EFD-83AD-AE921EFED9A7}" destId="{82797EA8-78E3-4AE1-9784-04F689B98B2D}" srcOrd="4" destOrd="0" presId="urn:microsoft.com/office/officeart/2005/8/layout/vList2"/>
+    <dgm:cxn modelId="{446880E6-DB66-44BA-B369-7086C83CB515}" type="presParOf" srcId="{40615BB6-69CD-4EFD-83AD-AE921EFED9A7}" destId="{63B03D83-72E1-4FFB-B3BB-006B5C81D49F}" srcOrd="5" destOrd="0" presId="urn:microsoft.com/office/officeart/2005/8/layout/vList2"/>
+    <dgm:cxn modelId="{F55C1BE1-CF12-4E2C-B777-E84BC750010E}" type="presParOf" srcId="{40615BB6-69CD-4EFD-83AD-AE921EFED9A7}" destId="{9D790607-2C9D-49C0-A55D-932080FE24B4}" srcOrd="6" destOrd="0" presId="urn:microsoft.com/office/officeart/2005/8/layout/vList2"/>
+  </dgm:cxnLst>
+  <dgm:bg/>
+  <dgm:whole/>
+  <dgm:extLst>
+    <a:ext uri="http://schemas.microsoft.com/office/drawing/2008/diagram">
+      <dsp:dataModelExt xmlns:dsp="http://schemas.microsoft.com/office/drawing/2008/diagram" relId="rId7" minVer="http://schemas.openxmlformats.org/drawingml/2006/diagram"/>
+    </a:ext>
+  </dgm:extLst>
+</dgm:dataModel>
+</file>
+
+<file path=ppt/diagrams/data2.xml><?xml version="1.0" encoding="utf-8"?>
+<dgm:dataModel xmlns:dgm="http://schemas.openxmlformats.org/drawingml/2006/diagram" xmlns:a="http://schemas.openxmlformats.org/drawingml/2006/main">
+  <dgm:ptLst>
+    <dgm:pt modelId="{A7A12FE2-A695-49A0-B1E7-4BCE2198C0C1}" type="doc">
+      <dgm:prSet loTypeId="urn:microsoft.com/office/officeart/2005/8/layout/vList2" loCatId="list" qsTypeId="urn:microsoft.com/office/officeart/2005/8/quickstyle/simple4" qsCatId="simple" csTypeId="urn:microsoft.com/office/officeart/2005/8/colors/accent1_2" csCatId="accent1" phldr="1"/>
+      <dgm:spPr/>
+      <dgm:t>
+        <a:bodyPr/>
+        <a:lstStyle/>
+        <a:p>
+          <a:endParaRPr lang="en-US"/>
+        </a:p>
+      </dgm:t>
+    </dgm:pt>
+    <dgm:pt modelId="{C97FED34-0FF0-4DE8-8239-2AFFB7627D8C}">
+      <dgm:prSet/>
+      <dgm:spPr/>
+      <dgm:t>
+        <a:bodyPr/>
+        <a:lstStyle/>
+        <a:p>
+          <a:pPr rtl="0"/>
+          <a:r>
+            <a:rPr lang="en-US" smtClean="0"/>
+            <a:t>Line follower sensor</a:t>
+          </a:r>
+          <a:endParaRPr lang="en-US"/>
+        </a:p>
+      </dgm:t>
+    </dgm:pt>
+    <dgm:pt modelId="{67C571FC-4DCD-4CCC-A869-0EBDD28B38E2}" type="parTrans" cxnId="{E49F8530-0DEB-4A70-AA70-F2FBD366E84E}">
+      <dgm:prSet/>
+      <dgm:spPr/>
+      <dgm:t>
+        <a:bodyPr/>
+        <a:lstStyle/>
+        <a:p>
+          <a:endParaRPr lang="en-US"/>
+        </a:p>
+      </dgm:t>
+    </dgm:pt>
+    <dgm:pt modelId="{185437D8-9535-4AF1-B4DF-F536E5A2FF7E}" type="sibTrans" cxnId="{E49F8530-0DEB-4A70-AA70-F2FBD366E84E}">
+      <dgm:prSet/>
+      <dgm:spPr/>
+      <dgm:t>
+        <a:bodyPr/>
+        <a:lstStyle/>
+        <a:p>
+          <a:endParaRPr lang="en-US"/>
+        </a:p>
+      </dgm:t>
+    </dgm:pt>
+    <dgm:pt modelId="{78B67874-807A-46CE-A783-4BFB11B377B8}">
+      <dgm:prSet/>
+      <dgm:spPr/>
+      <dgm:t>
+        <a:bodyPr/>
+        <a:lstStyle/>
+        <a:p>
+          <a:pPr rtl="0"/>
+          <a:r>
+            <a:rPr lang="en-US" dirty="0" smtClean="0"/>
+            <a:t>A bag of mints</a:t>
+          </a:r>
+          <a:endParaRPr lang="en-US" dirty="0"/>
+        </a:p>
+      </dgm:t>
+    </dgm:pt>
+    <dgm:pt modelId="{FF300C67-0E51-4C3B-A60C-B850DA627BC9}" type="parTrans" cxnId="{26E6C768-4185-449F-BC27-3BC3D91C4DBF}">
+      <dgm:prSet/>
+      <dgm:spPr/>
+      <dgm:t>
+        <a:bodyPr/>
+        <a:lstStyle/>
+        <a:p>
+          <a:endParaRPr lang="en-US"/>
+        </a:p>
+      </dgm:t>
+    </dgm:pt>
+    <dgm:pt modelId="{7817C346-7BC0-4BEE-981B-188257DE8FD8}" type="sibTrans" cxnId="{26E6C768-4185-449F-BC27-3BC3D91C4DBF}">
+      <dgm:prSet/>
+      <dgm:spPr/>
+      <dgm:t>
+        <a:bodyPr/>
+        <a:lstStyle/>
+        <a:p>
+          <a:endParaRPr lang="en-US"/>
+        </a:p>
+      </dgm:t>
+    </dgm:pt>
+    <dgm:pt modelId="{6FDC76B2-22D3-433D-A729-E80B85AAAE07}">
+      <dgm:prSet custT="1"/>
+      <dgm:spPr/>
+      <dgm:t>
+        <a:bodyPr/>
+        <a:lstStyle/>
+        <a:p>
+          <a:pPr rtl="0"/>
+          <a:r>
+            <a:rPr lang="en-US" sz="2800" dirty="0" smtClean="0"/>
+            <a:t>12V DC battery power supply</a:t>
+          </a:r>
+          <a:endParaRPr lang="en-US" sz="2800" dirty="0"/>
+        </a:p>
+      </dgm:t>
+    </dgm:pt>
+    <dgm:pt modelId="{1A9BB053-7ED9-437A-8896-FCE78515C7C9}" type="parTrans" cxnId="{BDCE5C5E-4C3C-4858-B353-B21558AEBE99}">
+      <dgm:prSet/>
+      <dgm:spPr/>
+      <dgm:t>
+        <a:bodyPr/>
+        <a:lstStyle/>
+        <a:p>
+          <a:endParaRPr lang="en-US"/>
+        </a:p>
+      </dgm:t>
+    </dgm:pt>
+    <dgm:pt modelId="{0B167F0D-B83A-4F75-BCBA-6190AA8E49A3}" type="sibTrans" cxnId="{BDCE5C5E-4C3C-4858-B353-B21558AEBE99}">
+      <dgm:prSet/>
+      <dgm:spPr/>
+      <dgm:t>
+        <a:bodyPr/>
+        <a:lstStyle/>
+        <a:p>
+          <a:endParaRPr lang="en-US"/>
+        </a:p>
+      </dgm:t>
+    </dgm:pt>
+    <dgm:pt modelId="{C639AFF8-9495-4B63-ADC4-59C1AA105AFC}">
+      <dgm:prSet/>
+      <dgm:spPr/>
+      <dgm:t>
+        <a:bodyPr/>
+        <a:lstStyle/>
+        <a:p>
+          <a:pPr rtl="0"/>
+          <a:r>
+            <a:rPr lang="en-US" dirty="0" smtClean="0"/>
+            <a:t>5V DC power from wall</a:t>
+          </a:r>
+          <a:endParaRPr lang="en-US" dirty="0"/>
+        </a:p>
+      </dgm:t>
+    </dgm:pt>
+    <dgm:pt modelId="{84930904-49BB-4551-AECA-6C84A6005CEB}" type="parTrans" cxnId="{2B4CB4E7-AE27-421F-BD68-20D9BCE8FE24}">
+      <dgm:prSet/>
+      <dgm:spPr/>
+      <dgm:t>
+        <a:bodyPr/>
+        <a:lstStyle/>
+        <a:p>
+          <a:endParaRPr lang="en-US"/>
+        </a:p>
+      </dgm:t>
+    </dgm:pt>
+    <dgm:pt modelId="{98178C80-57D8-471D-BDB2-DDD5DD8EF286}" type="sibTrans" cxnId="{2B4CB4E7-AE27-421F-BD68-20D9BCE8FE24}">
+      <dgm:prSet/>
+      <dgm:spPr/>
+      <dgm:t>
+        <a:bodyPr/>
+        <a:lstStyle/>
+        <a:p>
+          <a:endParaRPr lang="en-US"/>
+        </a:p>
+      </dgm:t>
+    </dgm:pt>
+    <dgm:pt modelId="{3FB69F29-4307-4A32-B7B7-1A55EC1FED09}" type="pres">
+      <dgm:prSet presAssocID="{A7A12FE2-A695-49A0-B1E7-4BCE2198C0C1}" presName="linear" presStyleCnt="0">
+        <dgm:presLayoutVars>
+          <dgm:animLvl val="lvl"/>
+          <dgm:resizeHandles val="exact"/>
+        </dgm:presLayoutVars>
+      </dgm:prSet>
+      <dgm:spPr/>
+    </dgm:pt>
+    <dgm:pt modelId="{0C3F2094-2EC9-44C9-87CF-E572ABE7FFDA}" type="pres">
+      <dgm:prSet presAssocID="{C97FED34-0FF0-4DE8-8239-2AFFB7627D8C}" presName="parentText" presStyleLbl="node1" presStyleIdx="0" presStyleCnt="4">
+        <dgm:presLayoutVars>
+          <dgm:chMax val="0"/>
+          <dgm:bulletEnabled val="1"/>
+        </dgm:presLayoutVars>
+      </dgm:prSet>
+      <dgm:spPr/>
+    </dgm:pt>
+    <dgm:pt modelId="{F831133F-6541-4FB9-A668-CAF4B7F5E791}" type="pres">
+      <dgm:prSet presAssocID="{185437D8-9535-4AF1-B4DF-F536E5A2FF7E}" presName="spacer" presStyleCnt="0"/>
+      <dgm:spPr/>
+    </dgm:pt>
+    <dgm:pt modelId="{FD37DC64-FD5B-4276-9395-DE1354DCD5B8}" type="pres">
+      <dgm:prSet presAssocID="{78B67874-807A-46CE-A783-4BFB11B377B8}" presName="parentText" presStyleLbl="node1" presStyleIdx="1" presStyleCnt="4">
+        <dgm:presLayoutVars>
+          <dgm:chMax val="0"/>
+          <dgm:bulletEnabled val="1"/>
+        </dgm:presLayoutVars>
+      </dgm:prSet>
+      <dgm:spPr/>
+    </dgm:pt>
+    <dgm:pt modelId="{C30D1ACF-680F-41CE-A97E-7359F8BE7B9A}" type="pres">
+      <dgm:prSet presAssocID="{7817C346-7BC0-4BEE-981B-188257DE8FD8}" presName="spacer" presStyleCnt="0"/>
+      <dgm:spPr/>
+    </dgm:pt>
+    <dgm:pt modelId="{1DDDE1CF-272E-4DE5-B4E4-BC2A869AA86E}" type="pres">
+      <dgm:prSet presAssocID="{6FDC76B2-22D3-433D-A729-E80B85AAAE07}" presName="parentText" presStyleLbl="node1" presStyleIdx="2" presStyleCnt="4">
+        <dgm:presLayoutVars>
+          <dgm:chMax val="0"/>
+          <dgm:bulletEnabled val="1"/>
+        </dgm:presLayoutVars>
+      </dgm:prSet>
+      <dgm:spPr/>
+    </dgm:pt>
+    <dgm:pt modelId="{13D6FF30-9EDF-4379-9220-F4C4C7D16407}" type="pres">
+      <dgm:prSet presAssocID="{0B167F0D-B83A-4F75-BCBA-6190AA8E49A3}" presName="spacer" presStyleCnt="0"/>
+      <dgm:spPr/>
+    </dgm:pt>
+    <dgm:pt modelId="{B9DB7BBC-8FE0-4D09-9D4A-A515320BF080}" type="pres">
+      <dgm:prSet presAssocID="{C639AFF8-9495-4B63-ADC4-59C1AA105AFC}" presName="parentText" presStyleLbl="node1" presStyleIdx="3" presStyleCnt="4">
+        <dgm:presLayoutVars>
+          <dgm:chMax val="0"/>
+          <dgm:bulletEnabled val="1"/>
+        </dgm:presLayoutVars>
+      </dgm:prSet>
+      <dgm:spPr/>
+      <dgm:t>
+        <a:bodyPr/>
+        <a:lstStyle/>
+        <a:p>
+          <a:endParaRPr lang="en-US"/>
+        </a:p>
+      </dgm:t>
+    </dgm:pt>
+  </dgm:ptLst>
+  <dgm:cxnLst>
+    <dgm:cxn modelId="{2B4CB4E7-AE27-421F-BD68-20D9BCE8FE24}" srcId="{A7A12FE2-A695-49A0-B1E7-4BCE2198C0C1}" destId="{C639AFF8-9495-4B63-ADC4-59C1AA105AFC}" srcOrd="3" destOrd="0" parTransId="{84930904-49BB-4551-AECA-6C84A6005CEB}" sibTransId="{98178C80-57D8-471D-BDB2-DDD5DD8EF286}"/>
+    <dgm:cxn modelId="{017A2299-1F0F-4F00-97BA-42085D324431}" type="presOf" srcId="{A7A12FE2-A695-49A0-B1E7-4BCE2198C0C1}" destId="{3FB69F29-4307-4A32-B7B7-1A55EC1FED09}" srcOrd="0" destOrd="0" presId="urn:microsoft.com/office/officeart/2005/8/layout/vList2"/>
+    <dgm:cxn modelId="{E49F8530-0DEB-4A70-AA70-F2FBD366E84E}" srcId="{A7A12FE2-A695-49A0-B1E7-4BCE2198C0C1}" destId="{C97FED34-0FF0-4DE8-8239-2AFFB7627D8C}" srcOrd="0" destOrd="0" parTransId="{67C571FC-4DCD-4CCC-A869-0EBDD28B38E2}" sibTransId="{185437D8-9535-4AF1-B4DF-F536E5A2FF7E}"/>
+    <dgm:cxn modelId="{26E6C768-4185-449F-BC27-3BC3D91C4DBF}" srcId="{A7A12FE2-A695-49A0-B1E7-4BCE2198C0C1}" destId="{78B67874-807A-46CE-A783-4BFB11B377B8}" srcOrd="1" destOrd="0" parTransId="{FF300C67-0E51-4C3B-A60C-B850DA627BC9}" sibTransId="{7817C346-7BC0-4BEE-981B-188257DE8FD8}"/>
+    <dgm:cxn modelId="{1404A619-7262-49CA-A6FA-82926D512DD1}" type="presOf" srcId="{78B67874-807A-46CE-A783-4BFB11B377B8}" destId="{FD37DC64-FD5B-4276-9395-DE1354DCD5B8}" srcOrd="0" destOrd="0" presId="urn:microsoft.com/office/officeart/2005/8/layout/vList2"/>
+    <dgm:cxn modelId="{93034F3A-F05A-4901-953F-45570692AF48}" type="presOf" srcId="{C97FED34-0FF0-4DE8-8239-2AFFB7627D8C}" destId="{0C3F2094-2EC9-44C9-87CF-E572ABE7FFDA}" srcOrd="0" destOrd="0" presId="urn:microsoft.com/office/officeart/2005/8/layout/vList2"/>
+    <dgm:cxn modelId="{E9C335E5-8887-49C1-BD78-DE80E845B19D}" type="presOf" srcId="{6FDC76B2-22D3-433D-A729-E80B85AAAE07}" destId="{1DDDE1CF-272E-4DE5-B4E4-BC2A869AA86E}" srcOrd="0" destOrd="0" presId="urn:microsoft.com/office/officeart/2005/8/layout/vList2"/>
+    <dgm:cxn modelId="{2B4A5ADB-2CF2-4D41-9EC7-E5B0A93D2CCF}" type="presOf" srcId="{C639AFF8-9495-4B63-ADC4-59C1AA105AFC}" destId="{B9DB7BBC-8FE0-4D09-9D4A-A515320BF080}" srcOrd="0" destOrd="0" presId="urn:microsoft.com/office/officeart/2005/8/layout/vList2"/>
+    <dgm:cxn modelId="{BDCE5C5E-4C3C-4858-B353-B21558AEBE99}" srcId="{A7A12FE2-A695-49A0-B1E7-4BCE2198C0C1}" destId="{6FDC76B2-22D3-433D-A729-E80B85AAAE07}" srcOrd="2" destOrd="0" parTransId="{1A9BB053-7ED9-437A-8896-FCE78515C7C9}" sibTransId="{0B167F0D-B83A-4F75-BCBA-6190AA8E49A3}"/>
+    <dgm:cxn modelId="{7AF1F701-AA54-4981-ABCD-0C56AAF9DE48}" type="presParOf" srcId="{3FB69F29-4307-4A32-B7B7-1A55EC1FED09}" destId="{0C3F2094-2EC9-44C9-87CF-E572ABE7FFDA}" srcOrd="0" destOrd="0" presId="urn:microsoft.com/office/officeart/2005/8/layout/vList2"/>
+    <dgm:cxn modelId="{2BA4E109-9FFF-456F-9D02-7BF7F41766FB}" type="presParOf" srcId="{3FB69F29-4307-4A32-B7B7-1A55EC1FED09}" destId="{F831133F-6541-4FB9-A668-CAF4B7F5E791}" srcOrd="1" destOrd="0" presId="urn:microsoft.com/office/officeart/2005/8/layout/vList2"/>
+    <dgm:cxn modelId="{B8FF6637-0071-461E-8415-6301FDC21B50}" type="presParOf" srcId="{3FB69F29-4307-4A32-B7B7-1A55EC1FED09}" destId="{FD37DC64-FD5B-4276-9395-DE1354DCD5B8}" srcOrd="2" destOrd="0" presId="urn:microsoft.com/office/officeart/2005/8/layout/vList2"/>
+    <dgm:cxn modelId="{5401000E-688C-4062-9637-F2013B668497}" type="presParOf" srcId="{3FB69F29-4307-4A32-B7B7-1A55EC1FED09}" destId="{C30D1ACF-680F-41CE-A97E-7359F8BE7B9A}" srcOrd="3" destOrd="0" presId="urn:microsoft.com/office/officeart/2005/8/layout/vList2"/>
+    <dgm:cxn modelId="{46BAD75B-4DE3-41EF-BBA5-A90636327E2C}" type="presParOf" srcId="{3FB69F29-4307-4A32-B7B7-1A55EC1FED09}" destId="{1DDDE1CF-272E-4DE5-B4E4-BC2A869AA86E}" srcOrd="4" destOrd="0" presId="urn:microsoft.com/office/officeart/2005/8/layout/vList2"/>
+    <dgm:cxn modelId="{845E4CBC-C516-4351-9CB2-1032CB8E2027}" type="presParOf" srcId="{3FB69F29-4307-4A32-B7B7-1A55EC1FED09}" destId="{13D6FF30-9EDF-4379-9220-F4C4C7D16407}" srcOrd="5" destOrd="0" presId="urn:microsoft.com/office/officeart/2005/8/layout/vList2"/>
+    <dgm:cxn modelId="{E949D058-D91D-47C3-8BB7-F0BDACF425AB}" type="presParOf" srcId="{3FB69F29-4307-4A32-B7B7-1A55EC1FED09}" destId="{B9DB7BBC-8FE0-4D09-9D4A-A515320BF080}" srcOrd="6" destOrd="0" presId="urn:microsoft.com/office/officeart/2005/8/layout/vList2"/>
+  </dgm:cxnLst>
+  <dgm:bg/>
+  <dgm:whole/>
+  <dgm:extLst>
+    <a:ext uri="http://schemas.microsoft.com/office/drawing/2008/diagram">
+      <dsp:dataModelExt xmlns:dsp="http://schemas.microsoft.com/office/drawing/2008/diagram" relId="rId12" minVer="http://schemas.openxmlformats.org/drawingml/2006/diagram"/>
+    </a:ext>
+  </dgm:extLst>
+</dgm:dataModel>
+</file>
+
+<file path=ppt/diagrams/data3.xml><?xml version="1.0" encoding="utf-8"?>
 <dgm:dataModel xmlns:dgm="http://schemas.openxmlformats.org/drawingml/2006/diagram" xmlns:a="http://schemas.openxmlformats.org/drawingml/2006/main">
   <dgm:ptLst>
     <dgm:pt modelId="{F9D6370B-6FBE-41C3-8CCD-A4B36617155C}" type="doc">
@@ -1051,7 +3083,7 @@
                 </a:outerShdw>
               </a:effectLst>
             </a:rPr>
-            <a:t>Rover moves </a:t>
+            <a:t>Robot moves </a:t>
           </a:r>
           <a:r>
             <a:rPr lang="en-US" b="0" cap="none" spc="0" dirty="0" smtClean="0">
@@ -1554,22 +3586,22 @@
     </dgm:pt>
   </dgm:ptLst>
   <dgm:cxnLst>
+    <dgm:cxn modelId="{0ABC6A69-48AE-4D27-A92B-CBBDF0AE92BA}" srcId="{F9D6370B-6FBE-41C3-8CCD-A4B36617155C}" destId="{7A05D2E4-69B6-4E98-B546-FF474EA9B8B0}" srcOrd="4" destOrd="0" parTransId="{689981B6-848F-4362-B3C3-FEB16BC5F6B8}" sibTransId="{B32CDD46-DD8D-4049-BBFB-476C86E85241}"/>
+    <dgm:cxn modelId="{B5037E96-B350-49D4-A224-3A8437E82BAD}" type="presOf" srcId="{B32CDD46-DD8D-4049-BBFB-476C86E85241}" destId="{B20EC42C-5354-4AED-9A70-DBFF85D7439B}" srcOrd="0" destOrd="0" presId="urn:microsoft.com/office/officeart/2005/8/layout/cycle1"/>
+    <dgm:cxn modelId="{F1F84EF8-BAE1-4C13-A998-C47BA023C212}" type="presOf" srcId="{FB95D896-E6B3-484E-936A-4FE40DFB430E}" destId="{6CB845AD-48DC-49A3-A826-BDAAB0F05F45}" srcOrd="0" destOrd="0" presId="urn:microsoft.com/office/officeart/2005/8/layout/cycle1"/>
+    <dgm:cxn modelId="{AB70EC50-07E4-4727-B213-35230F7AB777}" srcId="{F9D6370B-6FBE-41C3-8CCD-A4B36617155C}" destId="{64B28CF6-128D-483F-B286-B5362C32E002}" srcOrd="2" destOrd="0" parTransId="{56B12B33-C4EB-4F0B-91D3-95DF4DC118F4}" sibTransId="{865DC9BC-D791-4D2A-B88F-769185813328}"/>
+    <dgm:cxn modelId="{2892232B-0AED-4A62-B6CB-198B4A848CF0}" type="presOf" srcId="{865DC9BC-D791-4D2A-B88F-769185813328}" destId="{EBFF6D8B-96DA-46BA-8C8C-62582B5D6760}" srcOrd="0" destOrd="0" presId="urn:microsoft.com/office/officeart/2005/8/layout/cycle1"/>
+    <dgm:cxn modelId="{42A472D3-E339-4F50-8647-9A7A07D10253}" type="presOf" srcId="{3FC1AC79-32E4-4D03-9EF7-DC7A116AB9AF}" destId="{D8799F19-D33C-4CAD-A148-3D940619DE46}" srcOrd="0" destOrd="0" presId="urn:microsoft.com/office/officeart/2005/8/layout/cycle1"/>
+    <dgm:cxn modelId="{C772022F-C1AE-42C5-AA87-7533F24827FA}" srcId="{F9D6370B-6FBE-41C3-8CCD-A4B36617155C}" destId="{A234143F-172F-4BDA-B0FB-AABFFB38B638}" srcOrd="1" destOrd="0" parTransId="{F2149057-8FB7-418A-8A16-FA47D3110EE2}" sibTransId="{95BD9D08-AE43-4593-8703-7771F8B26F98}"/>
+    <dgm:cxn modelId="{DA2CD885-80E9-43FD-A75A-5C7305AC55B3}" srcId="{F9D6370B-6FBE-41C3-8CCD-A4B36617155C}" destId="{3FC1AC79-32E4-4D03-9EF7-DC7A116AB9AF}" srcOrd="0" destOrd="0" parTransId="{A072915E-7480-4BE4-9477-F0FAC0A4EA0E}" sibTransId="{FB95D896-E6B3-484E-936A-4FE40DFB430E}"/>
     <dgm:cxn modelId="{CBE65961-2255-4B8F-92BA-46250024B9D0}" type="presOf" srcId="{755B49B8-CB4C-47EF-8B6D-4AE8F296D42C}" destId="{B10DA274-C487-442A-9A26-314B9926D95B}" srcOrd="0" destOrd="0" presId="urn:microsoft.com/office/officeart/2005/8/layout/cycle1"/>
+    <dgm:cxn modelId="{862B41CB-2557-4621-A6DC-DC80DE106241}" type="presOf" srcId="{95BD9D08-AE43-4593-8703-7771F8B26F98}" destId="{1F065AC6-0E82-408A-A482-1DE7770D1F7C}" srcOrd="0" destOrd="0" presId="urn:microsoft.com/office/officeart/2005/8/layout/cycle1"/>
     <dgm:cxn modelId="{176F10EE-8373-44AF-B0F0-1887148E8700}" type="presOf" srcId="{64B28CF6-128D-483F-B286-B5362C32E002}" destId="{0E6912E9-D4F0-47D2-88F3-9976BA670484}" srcOrd="0" destOrd="0" presId="urn:microsoft.com/office/officeart/2005/8/layout/cycle1"/>
     <dgm:cxn modelId="{D80865D6-D65B-4E66-9104-8DB1269A33A6}" type="presOf" srcId="{F8C97C33-64E4-4F5C-BABA-4A222A086F3A}" destId="{CAC16271-26A8-49BC-AD10-CAFE49E1B1AE}" srcOrd="0" destOrd="0" presId="urn:microsoft.com/office/officeart/2005/8/layout/cycle1"/>
+    <dgm:cxn modelId="{4FE9C3A9-CFBE-460A-814A-3E8640F8F786}" type="presOf" srcId="{A234143F-172F-4BDA-B0FB-AABFFB38B638}" destId="{6E608025-9C68-48AD-941A-7261D83069D2}" srcOrd="0" destOrd="0" presId="urn:microsoft.com/office/officeart/2005/8/layout/cycle1"/>
+    <dgm:cxn modelId="{75044594-253B-4794-87A0-2C230327F031}" type="presOf" srcId="{7A05D2E4-69B6-4E98-B546-FF474EA9B8B0}" destId="{93167DCC-6D09-4145-8B25-3F765FA1A07A}" srcOrd="0" destOrd="0" presId="urn:microsoft.com/office/officeart/2005/8/layout/cycle1"/>
     <dgm:cxn modelId="{7F9CDEE5-9000-48A2-8D51-E30CBF855715}" type="presOf" srcId="{F9D6370B-6FBE-41C3-8CCD-A4B36617155C}" destId="{DC9C8728-5A93-4BE6-971D-F73EE2BDBDEA}" srcOrd="0" destOrd="0" presId="urn:microsoft.com/office/officeart/2005/8/layout/cycle1"/>
     <dgm:cxn modelId="{B5EF78D5-E1B9-4B15-ACF7-60922A4C4C95}" srcId="{F9D6370B-6FBE-41C3-8CCD-A4B36617155C}" destId="{755B49B8-CB4C-47EF-8B6D-4AE8F296D42C}" srcOrd="3" destOrd="0" parTransId="{76BB81FA-DFB9-48F3-B5AB-67136CF6A9D6}" sibTransId="{F8C97C33-64E4-4F5C-BABA-4A222A086F3A}"/>
-    <dgm:cxn modelId="{862B41CB-2557-4621-A6DC-DC80DE106241}" type="presOf" srcId="{95BD9D08-AE43-4593-8703-7771F8B26F98}" destId="{1F065AC6-0E82-408A-A482-1DE7770D1F7C}" srcOrd="0" destOrd="0" presId="urn:microsoft.com/office/officeart/2005/8/layout/cycle1"/>
-    <dgm:cxn modelId="{B5037E96-B350-49D4-A224-3A8437E82BAD}" type="presOf" srcId="{B32CDD46-DD8D-4049-BBFB-476C86E85241}" destId="{B20EC42C-5354-4AED-9A70-DBFF85D7439B}" srcOrd="0" destOrd="0" presId="urn:microsoft.com/office/officeart/2005/8/layout/cycle1"/>
-    <dgm:cxn modelId="{42A472D3-E339-4F50-8647-9A7A07D10253}" type="presOf" srcId="{3FC1AC79-32E4-4D03-9EF7-DC7A116AB9AF}" destId="{D8799F19-D33C-4CAD-A148-3D940619DE46}" srcOrd="0" destOrd="0" presId="urn:microsoft.com/office/officeart/2005/8/layout/cycle1"/>
-    <dgm:cxn modelId="{AB70EC50-07E4-4727-B213-35230F7AB777}" srcId="{F9D6370B-6FBE-41C3-8CCD-A4B36617155C}" destId="{64B28CF6-128D-483F-B286-B5362C32E002}" srcOrd="2" destOrd="0" parTransId="{56B12B33-C4EB-4F0B-91D3-95DF4DC118F4}" sibTransId="{865DC9BC-D791-4D2A-B88F-769185813328}"/>
-    <dgm:cxn modelId="{DA2CD885-80E9-43FD-A75A-5C7305AC55B3}" srcId="{F9D6370B-6FBE-41C3-8CCD-A4B36617155C}" destId="{3FC1AC79-32E4-4D03-9EF7-DC7A116AB9AF}" srcOrd="0" destOrd="0" parTransId="{A072915E-7480-4BE4-9477-F0FAC0A4EA0E}" sibTransId="{FB95D896-E6B3-484E-936A-4FE40DFB430E}"/>
-    <dgm:cxn modelId="{4FE9C3A9-CFBE-460A-814A-3E8640F8F786}" type="presOf" srcId="{A234143F-172F-4BDA-B0FB-AABFFB38B638}" destId="{6E608025-9C68-48AD-941A-7261D83069D2}" srcOrd="0" destOrd="0" presId="urn:microsoft.com/office/officeart/2005/8/layout/cycle1"/>
-    <dgm:cxn modelId="{F1F84EF8-BAE1-4C13-A998-C47BA023C212}" type="presOf" srcId="{FB95D896-E6B3-484E-936A-4FE40DFB430E}" destId="{6CB845AD-48DC-49A3-A826-BDAAB0F05F45}" srcOrd="0" destOrd="0" presId="urn:microsoft.com/office/officeart/2005/8/layout/cycle1"/>
-    <dgm:cxn modelId="{C772022F-C1AE-42C5-AA87-7533F24827FA}" srcId="{F9D6370B-6FBE-41C3-8CCD-A4B36617155C}" destId="{A234143F-172F-4BDA-B0FB-AABFFB38B638}" srcOrd="1" destOrd="0" parTransId="{F2149057-8FB7-418A-8A16-FA47D3110EE2}" sibTransId="{95BD9D08-AE43-4593-8703-7771F8B26F98}"/>
-    <dgm:cxn modelId="{0ABC6A69-48AE-4D27-A92B-CBBDF0AE92BA}" srcId="{F9D6370B-6FBE-41C3-8CCD-A4B36617155C}" destId="{7A05D2E4-69B6-4E98-B546-FF474EA9B8B0}" srcOrd="4" destOrd="0" parTransId="{689981B6-848F-4362-B3C3-FEB16BC5F6B8}" sibTransId="{B32CDD46-DD8D-4049-BBFB-476C86E85241}"/>
-    <dgm:cxn modelId="{2892232B-0AED-4A62-B6CB-198B4A848CF0}" type="presOf" srcId="{865DC9BC-D791-4D2A-B88F-769185813328}" destId="{EBFF6D8B-96DA-46BA-8C8C-62582B5D6760}" srcOrd="0" destOrd="0" presId="urn:microsoft.com/office/officeart/2005/8/layout/cycle1"/>
-    <dgm:cxn modelId="{75044594-253B-4794-87A0-2C230327F031}" type="presOf" srcId="{7A05D2E4-69B6-4E98-B546-FF474EA9B8B0}" destId="{93167DCC-6D09-4145-8B25-3F765FA1A07A}" srcOrd="0" destOrd="0" presId="urn:microsoft.com/office/officeart/2005/8/layout/cycle1"/>
     <dgm:cxn modelId="{86AC5E30-239B-424A-A73C-C3E662A2C4D8}" type="presParOf" srcId="{DC9C8728-5A93-4BE6-971D-F73EE2BDBDEA}" destId="{04106CE0-7CB5-46C3-98C4-0DC856E6847F}" srcOrd="0" destOrd="0" presId="urn:microsoft.com/office/officeart/2005/8/layout/cycle1"/>
     <dgm:cxn modelId="{5FED811E-A444-418C-97A0-33157AF3A83B}" type="presParOf" srcId="{DC9C8728-5A93-4BE6-971D-F73EE2BDBDEA}" destId="{D8799F19-D33C-4CAD-A148-3D940619DE46}" srcOrd="1" destOrd="0" presId="urn:microsoft.com/office/officeart/2005/8/layout/cycle1"/>
     <dgm:cxn modelId="{D42DFC84-4FA4-48A2-9023-B2FA2E7AC9D6}" type="presParOf" srcId="{DC9C8728-5A93-4BE6-971D-F73EE2BDBDEA}" destId="{6CB845AD-48DC-49A3-A826-BDAAB0F05F45}" srcOrd="2" destOrd="0" presId="urn:microsoft.com/office/officeart/2005/8/layout/cycle1"/>
@@ -1597,6 +3629,754 @@
 </file>
 
 <file path=ppt/diagrams/drawing1.xml><?xml version="1.0" encoding="utf-8"?>
+<dsp:drawing xmlns:dgm="http://schemas.openxmlformats.org/drawingml/2006/diagram" xmlns:dsp="http://schemas.microsoft.com/office/drawing/2008/diagram" xmlns:a="http://schemas.openxmlformats.org/drawingml/2006/main">
+  <dsp:spTree>
+    <dsp:nvGrpSpPr>
+      <dsp:cNvPr id="0" name=""/>
+      <dsp:cNvGrpSpPr/>
+    </dsp:nvGrpSpPr>
+    <dsp:grpSpPr/>
+    <dsp:sp modelId="{1C5DD78D-E71E-4D6C-AC14-B71BB76333F8}">
+      <dsp:nvSpPr>
+        <dsp:cNvPr id="0" name=""/>
+        <dsp:cNvSpPr/>
+      </dsp:nvSpPr>
+      <dsp:spPr>
+        <a:xfrm>
+          <a:off x="0" y="22607"/>
+          <a:ext cx="4878389" cy="798524"/>
+        </a:xfrm>
+        <a:prstGeom prst="roundRect">
+          <a:avLst/>
+        </a:prstGeom>
+        <a:gradFill rotWithShape="0">
+          <a:gsLst>
+            <a:gs pos="0">
+              <a:schemeClr val="accent1">
+                <a:hueOff val="0"/>
+                <a:satOff val="0"/>
+                <a:lumOff val="0"/>
+                <a:alphaOff val="0"/>
+                <a:tint val="94000"/>
+                <a:satMod val="105000"/>
+                <a:lumMod val="102000"/>
+              </a:schemeClr>
+            </a:gs>
+            <a:gs pos="100000">
+              <a:schemeClr val="accent1">
+                <a:hueOff val="0"/>
+                <a:satOff val="0"/>
+                <a:lumOff val="0"/>
+                <a:alphaOff val="0"/>
+                <a:shade val="74000"/>
+                <a:satMod val="128000"/>
+                <a:lumMod val="100000"/>
+              </a:schemeClr>
+            </a:gs>
+          </a:gsLst>
+          <a:lin ang="5400000" scaled="0"/>
+        </a:gradFill>
+        <a:ln>
+          <a:noFill/>
+        </a:ln>
+        <a:effectLst/>
+      </dsp:spPr>
+      <dsp:style>
+        <a:lnRef idx="0">
+          <a:scrgbClr r="0" g="0" b="0"/>
+        </a:lnRef>
+        <a:fillRef idx="3">
+          <a:scrgbClr r="0" g="0" b="0"/>
+        </a:fillRef>
+        <a:effectRef idx="2">
+          <a:scrgbClr r="0" g="0" b="0"/>
+        </a:effectRef>
+        <a:fontRef idx="minor">
+          <a:schemeClr val="lt1"/>
+        </a:fontRef>
+      </dsp:style>
+      <dsp:txBody>
+        <a:bodyPr spcFirstLastPara="0" vert="horz" wrap="square" lIns="133350" tIns="133350" rIns="133350" bIns="133350" numCol="1" spcCol="1270" anchor="ctr" anchorCtr="0">
+          <a:noAutofit/>
+        </a:bodyPr>
+        <a:lstStyle/>
+        <a:p>
+          <a:pPr lvl="0" algn="l" defTabSz="1555750" rtl="0">
+            <a:lnSpc>
+              <a:spcPct val="90000"/>
+            </a:lnSpc>
+            <a:spcBef>
+              <a:spcPct val="0"/>
+            </a:spcBef>
+            <a:spcAft>
+              <a:spcPct val="35000"/>
+            </a:spcAft>
+          </a:pPr>
+          <a:r>
+            <a:rPr lang="en-US" sz="3500" kern="1200" dirty="0" smtClean="0"/>
+            <a:t>Arduino </a:t>
+          </a:r>
+          <a:r>
+            <a:rPr lang="en-US" sz="3500" kern="1200" dirty="0" err="1" smtClean="0"/>
+            <a:t>Braccio</a:t>
+          </a:r>
+          <a:r>
+            <a:rPr lang="en-US" sz="3500" kern="1200" dirty="0" smtClean="0"/>
+            <a:t> Arm</a:t>
+          </a:r>
+          <a:endParaRPr lang="en-US" sz="3500" kern="1200" dirty="0"/>
+        </a:p>
+      </dsp:txBody>
+      <dsp:txXfrm>
+        <a:off x="38981" y="61588"/>
+        <a:ext cx="4800427" cy="720562"/>
+      </dsp:txXfrm>
+    </dsp:sp>
+    <dsp:sp modelId="{412F2CDB-C45C-4648-AB97-305593D00736}">
+      <dsp:nvSpPr>
+        <dsp:cNvPr id="0" name=""/>
+        <dsp:cNvSpPr/>
+      </dsp:nvSpPr>
+      <dsp:spPr>
+        <a:xfrm>
+          <a:off x="0" y="921932"/>
+          <a:ext cx="4878389" cy="798524"/>
+        </a:xfrm>
+        <a:prstGeom prst="roundRect">
+          <a:avLst/>
+        </a:prstGeom>
+        <a:gradFill rotWithShape="0">
+          <a:gsLst>
+            <a:gs pos="0">
+              <a:schemeClr val="accent1">
+                <a:hueOff val="0"/>
+                <a:satOff val="0"/>
+                <a:lumOff val="0"/>
+                <a:alphaOff val="0"/>
+                <a:tint val="94000"/>
+                <a:satMod val="105000"/>
+                <a:lumMod val="102000"/>
+              </a:schemeClr>
+            </a:gs>
+            <a:gs pos="100000">
+              <a:schemeClr val="accent1">
+                <a:hueOff val="0"/>
+                <a:satOff val="0"/>
+                <a:lumOff val="0"/>
+                <a:alphaOff val="0"/>
+                <a:shade val="74000"/>
+                <a:satMod val="128000"/>
+                <a:lumMod val="100000"/>
+              </a:schemeClr>
+            </a:gs>
+          </a:gsLst>
+          <a:lin ang="5400000" scaled="0"/>
+        </a:gradFill>
+        <a:ln>
+          <a:noFill/>
+        </a:ln>
+        <a:effectLst/>
+      </dsp:spPr>
+      <dsp:style>
+        <a:lnRef idx="0">
+          <a:scrgbClr r="0" g="0" b="0"/>
+        </a:lnRef>
+        <a:fillRef idx="3">
+          <a:scrgbClr r="0" g="0" b="0"/>
+        </a:fillRef>
+        <a:effectRef idx="2">
+          <a:scrgbClr r="0" g="0" b="0"/>
+        </a:effectRef>
+        <a:fontRef idx="minor">
+          <a:schemeClr val="lt1"/>
+        </a:fontRef>
+      </dsp:style>
+      <dsp:txBody>
+        <a:bodyPr spcFirstLastPara="0" vert="horz" wrap="square" lIns="133350" tIns="133350" rIns="133350" bIns="133350" numCol="1" spcCol="1270" anchor="ctr" anchorCtr="0">
+          <a:noAutofit/>
+        </a:bodyPr>
+        <a:lstStyle/>
+        <a:p>
+          <a:pPr lvl="0" algn="l" defTabSz="1555750" rtl="0">
+            <a:lnSpc>
+              <a:spcPct val="90000"/>
+            </a:lnSpc>
+            <a:spcBef>
+              <a:spcPct val="0"/>
+            </a:spcBef>
+            <a:spcAft>
+              <a:spcPct val="35000"/>
+            </a:spcAft>
+          </a:pPr>
+          <a:r>
+            <a:rPr lang="en-US" sz="3500" kern="1200" dirty="0" smtClean="0"/>
+            <a:t>RC-7 Rover chassis</a:t>
+          </a:r>
+          <a:endParaRPr lang="en-US" sz="3500" kern="1200" dirty="0"/>
+        </a:p>
+      </dsp:txBody>
+      <dsp:txXfrm>
+        <a:off x="38981" y="960913"/>
+        <a:ext cx="4800427" cy="720562"/>
+      </dsp:txXfrm>
+    </dsp:sp>
+    <dsp:sp modelId="{82797EA8-78E3-4AE1-9784-04F689B98B2D}">
+      <dsp:nvSpPr>
+        <dsp:cNvPr id="0" name=""/>
+        <dsp:cNvSpPr/>
+      </dsp:nvSpPr>
+      <dsp:spPr>
+        <a:xfrm>
+          <a:off x="0" y="1821257"/>
+          <a:ext cx="4878389" cy="798524"/>
+        </a:xfrm>
+        <a:prstGeom prst="roundRect">
+          <a:avLst/>
+        </a:prstGeom>
+        <a:gradFill rotWithShape="0">
+          <a:gsLst>
+            <a:gs pos="0">
+              <a:schemeClr val="accent1">
+                <a:hueOff val="0"/>
+                <a:satOff val="0"/>
+                <a:lumOff val="0"/>
+                <a:alphaOff val="0"/>
+                <a:tint val="94000"/>
+                <a:satMod val="105000"/>
+                <a:lumMod val="102000"/>
+              </a:schemeClr>
+            </a:gs>
+            <a:gs pos="100000">
+              <a:schemeClr val="accent1">
+                <a:hueOff val="0"/>
+                <a:satOff val="0"/>
+                <a:lumOff val="0"/>
+                <a:alphaOff val="0"/>
+                <a:shade val="74000"/>
+                <a:satMod val="128000"/>
+                <a:lumMod val="100000"/>
+              </a:schemeClr>
+            </a:gs>
+          </a:gsLst>
+          <a:lin ang="5400000" scaled="0"/>
+        </a:gradFill>
+        <a:ln>
+          <a:noFill/>
+        </a:ln>
+        <a:effectLst/>
+      </dsp:spPr>
+      <dsp:style>
+        <a:lnRef idx="0">
+          <a:scrgbClr r="0" g="0" b="0"/>
+        </a:lnRef>
+        <a:fillRef idx="3">
+          <a:scrgbClr r="0" g="0" b="0"/>
+        </a:fillRef>
+        <a:effectRef idx="2">
+          <a:scrgbClr r="0" g="0" b="0"/>
+        </a:effectRef>
+        <a:fontRef idx="minor">
+          <a:schemeClr val="lt1"/>
+        </a:fontRef>
+      </dsp:style>
+      <dsp:txBody>
+        <a:bodyPr spcFirstLastPara="0" vert="horz" wrap="square" lIns="106680" tIns="106680" rIns="106680" bIns="106680" numCol="1" spcCol="1270" anchor="ctr" anchorCtr="0">
+          <a:noAutofit/>
+        </a:bodyPr>
+        <a:lstStyle/>
+        <a:p>
+          <a:pPr lvl="0" algn="l" defTabSz="1244600" rtl="0">
+            <a:lnSpc>
+              <a:spcPct val="90000"/>
+            </a:lnSpc>
+            <a:spcBef>
+              <a:spcPct val="0"/>
+            </a:spcBef>
+            <a:spcAft>
+              <a:spcPct val="35000"/>
+            </a:spcAft>
+          </a:pPr>
+          <a:r>
+            <a:rPr lang="en-US" sz="2800" kern="1200" dirty="0" smtClean="0"/>
+            <a:t>Arduino </a:t>
+          </a:r>
+          <a:r>
+            <a:rPr lang="en-US" sz="2800" kern="1200" dirty="0" err="1" smtClean="0"/>
+            <a:t>Adafruit</a:t>
+          </a:r>
+          <a:r>
+            <a:rPr lang="en-US" sz="2800" kern="1200" dirty="0" smtClean="0"/>
+            <a:t> </a:t>
+          </a:r>
+          <a:r>
+            <a:rPr lang="en-US" sz="2700" kern="1200" dirty="0" smtClean="0"/>
+            <a:t>microcontroller</a:t>
+          </a:r>
+          <a:endParaRPr lang="en-US" sz="2700" kern="1200" dirty="0"/>
+        </a:p>
+      </dsp:txBody>
+      <dsp:txXfrm>
+        <a:off x="38981" y="1860238"/>
+        <a:ext cx="4800427" cy="720562"/>
+      </dsp:txXfrm>
+    </dsp:sp>
+    <dsp:sp modelId="{9D790607-2C9D-49C0-A55D-932080FE24B4}">
+      <dsp:nvSpPr>
+        <dsp:cNvPr id="0" name=""/>
+        <dsp:cNvSpPr/>
+      </dsp:nvSpPr>
+      <dsp:spPr>
+        <a:xfrm>
+          <a:off x="0" y="2720581"/>
+          <a:ext cx="4878389" cy="798524"/>
+        </a:xfrm>
+        <a:prstGeom prst="roundRect">
+          <a:avLst/>
+        </a:prstGeom>
+        <a:gradFill rotWithShape="0">
+          <a:gsLst>
+            <a:gs pos="0">
+              <a:schemeClr val="accent1">
+                <a:hueOff val="0"/>
+                <a:satOff val="0"/>
+                <a:lumOff val="0"/>
+                <a:alphaOff val="0"/>
+                <a:tint val="94000"/>
+                <a:satMod val="105000"/>
+                <a:lumMod val="102000"/>
+              </a:schemeClr>
+            </a:gs>
+            <a:gs pos="100000">
+              <a:schemeClr val="accent1">
+                <a:hueOff val="0"/>
+                <a:satOff val="0"/>
+                <a:lumOff val="0"/>
+                <a:alphaOff val="0"/>
+                <a:shade val="74000"/>
+                <a:satMod val="128000"/>
+                <a:lumMod val="100000"/>
+              </a:schemeClr>
+            </a:gs>
+          </a:gsLst>
+          <a:lin ang="5400000" scaled="0"/>
+        </a:gradFill>
+        <a:ln>
+          <a:noFill/>
+        </a:ln>
+        <a:effectLst/>
+      </dsp:spPr>
+      <dsp:style>
+        <a:lnRef idx="0">
+          <a:scrgbClr r="0" g="0" b="0"/>
+        </a:lnRef>
+        <a:fillRef idx="3">
+          <a:scrgbClr r="0" g="0" b="0"/>
+        </a:fillRef>
+        <a:effectRef idx="2">
+          <a:scrgbClr r="0" g="0" b="0"/>
+        </a:effectRef>
+        <a:fontRef idx="minor">
+          <a:schemeClr val="lt1"/>
+        </a:fontRef>
+      </dsp:style>
+      <dsp:txBody>
+        <a:bodyPr spcFirstLastPara="0" vert="horz" wrap="square" lIns="133350" tIns="133350" rIns="133350" bIns="133350" numCol="1" spcCol="1270" anchor="ctr" anchorCtr="0">
+          <a:noAutofit/>
+        </a:bodyPr>
+        <a:lstStyle/>
+        <a:p>
+          <a:pPr lvl="0" algn="l" defTabSz="1555750" rtl="0">
+            <a:lnSpc>
+              <a:spcPct val="90000"/>
+            </a:lnSpc>
+            <a:spcBef>
+              <a:spcPct val="0"/>
+            </a:spcBef>
+            <a:spcAft>
+              <a:spcPct val="35000"/>
+            </a:spcAft>
+          </a:pPr>
+          <a:r>
+            <a:rPr lang="en-US" sz="3500" kern="1200" dirty="0" smtClean="0"/>
+            <a:t>RGB color sensor</a:t>
+          </a:r>
+          <a:endParaRPr lang="en-US" sz="3500" kern="1200" dirty="0"/>
+        </a:p>
+      </dsp:txBody>
+      <dsp:txXfrm>
+        <a:off x="38981" y="2759562"/>
+        <a:ext cx="4800427" cy="720562"/>
+      </dsp:txXfrm>
+    </dsp:sp>
+  </dsp:spTree>
+</dsp:drawing>
+</file>
+
+<file path=ppt/diagrams/drawing2.xml><?xml version="1.0" encoding="utf-8"?>
+<dsp:drawing xmlns:dgm="http://schemas.openxmlformats.org/drawingml/2006/diagram" xmlns:dsp="http://schemas.microsoft.com/office/drawing/2008/diagram" xmlns:a="http://schemas.openxmlformats.org/drawingml/2006/main">
+  <dsp:spTree>
+    <dsp:nvGrpSpPr>
+      <dsp:cNvPr id="0" name=""/>
+      <dsp:cNvGrpSpPr/>
+    </dsp:nvGrpSpPr>
+    <dsp:grpSpPr/>
+    <dsp:sp modelId="{0C3F2094-2EC9-44C9-87CF-E572ABE7FFDA}">
+      <dsp:nvSpPr>
+        <dsp:cNvPr id="0" name=""/>
+        <dsp:cNvSpPr/>
+      </dsp:nvSpPr>
+      <dsp:spPr>
+        <a:xfrm>
+          <a:off x="0" y="22607"/>
+          <a:ext cx="4875211" cy="798524"/>
+        </a:xfrm>
+        <a:prstGeom prst="roundRect">
+          <a:avLst/>
+        </a:prstGeom>
+        <a:gradFill rotWithShape="0">
+          <a:gsLst>
+            <a:gs pos="0">
+              <a:schemeClr val="accent1">
+                <a:hueOff val="0"/>
+                <a:satOff val="0"/>
+                <a:lumOff val="0"/>
+                <a:alphaOff val="0"/>
+                <a:tint val="94000"/>
+                <a:satMod val="105000"/>
+                <a:lumMod val="102000"/>
+              </a:schemeClr>
+            </a:gs>
+            <a:gs pos="100000">
+              <a:schemeClr val="accent1">
+                <a:hueOff val="0"/>
+                <a:satOff val="0"/>
+                <a:lumOff val="0"/>
+                <a:alphaOff val="0"/>
+                <a:shade val="74000"/>
+                <a:satMod val="128000"/>
+                <a:lumMod val="100000"/>
+              </a:schemeClr>
+            </a:gs>
+          </a:gsLst>
+          <a:lin ang="5400000" scaled="0"/>
+        </a:gradFill>
+        <a:ln>
+          <a:noFill/>
+        </a:ln>
+        <a:effectLst/>
+      </dsp:spPr>
+      <dsp:style>
+        <a:lnRef idx="0">
+          <a:scrgbClr r="0" g="0" b="0"/>
+        </a:lnRef>
+        <a:fillRef idx="3">
+          <a:scrgbClr r="0" g="0" b="0"/>
+        </a:fillRef>
+        <a:effectRef idx="2">
+          <a:scrgbClr r="0" g="0" b="0"/>
+        </a:effectRef>
+        <a:fontRef idx="minor">
+          <a:schemeClr val="lt1"/>
+        </a:fontRef>
+      </dsp:style>
+      <dsp:txBody>
+        <a:bodyPr spcFirstLastPara="0" vert="horz" wrap="square" lIns="133350" tIns="133350" rIns="133350" bIns="133350" numCol="1" spcCol="1270" anchor="ctr" anchorCtr="0">
+          <a:noAutofit/>
+        </a:bodyPr>
+        <a:lstStyle/>
+        <a:p>
+          <a:pPr lvl="0" algn="l" defTabSz="1555750" rtl="0">
+            <a:lnSpc>
+              <a:spcPct val="90000"/>
+            </a:lnSpc>
+            <a:spcBef>
+              <a:spcPct val="0"/>
+            </a:spcBef>
+            <a:spcAft>
+              <a:spcPct val="35000"/>
+            </a:spcAft>
+          </a:pPr>
+          <a:r>
+            <a:rPr lang="en-US" sz="3500" kern="1200" smtClean="0"/>
+            <a:t>Line follower sensor</a:t>
+          </a:r>
+          <a:endParaRPr lang="en-US" sz="3500" kern="1200"/>
+        </a:p>
+      </dsp:txBody>
+      <dsp:txXfrm>
+        <a:off x="38981" y="61588"/>
+        <a:ext cx="4797249" cy="720562"/>
+      </dsp:txXfrm>
+    </dsp:sp>
+    <dsp:sp modelId="{FD37DC64-FD5B-4276-9395-DE1354DCD5B8}">
+      <dsp:nvSpPr>
+        <dsp:cNvPr id="0" name=""/>
+        <dsp:cNvSpPr/>
+      </dsp:nvSpPr>
+      <dsp:spPr>
+        <a:xfrm>
+          <a:off x="0" y="921932"/>
+          <a:ext cx="4875211" cy="798524"/>
+        </a:xfrm>
+        <a:prstGeom prst="roundRect">
+          <a:avLst/>
+        </a:prstGeom>
+        <a:gradFill rotWithShape="0">
+          <a:gsLst>
+            <a:gs pos="0">
+              <a:schemeClr val="accent1">
+                <a:hueOff val="0"/>
+                <a:satOff val="0"/>
+                <a:lumOff val="0"/>
+                <a:alphaOff val="0"/>
+                <a:tint val="94000"/>
+                <a:satMod val="105000"/>
+                <a:lumMod val="102000"/>
+              </a:schemeClr>
+            </a:gs>
+            <a:gs pos="100000">
+              <a:schemeClr val="accent1">
+                <a:hueOff val="0"/>
+                <a:satOff val="0"/>
+                <a:lumOff val="0"/>
+                <a:alphaOff val="0"/>
+                <a:shade val="74000"/>
+                <a:satMod val="128000"/>
+                <a:lumMod val="100000"/>
+              </a:schemeClr>
+            </a:gs>
+          </a:gsLst>
+          <a:lin ang="5400000" scaled="0"/>
+        </a:gradFill>
+        <a:ln>
+          <a:noFill/>
+        </a:ln>
+        <a:effectLst/>
+      </dsp:spPr>
+      <dsp:style>
+        <a:lnRef idx="0">
+          <a:scrgbClr r="0" g="0" b="0"/>
+        </a:lnRef>
+        <a:fillRef idx="3">
+          <a:scrgbClr r="0" g="0" b="0"/>
+        </a:fillRef>
+        <a:effectRef idx="2">
+          <a:scrgbClr r="0" g="0" b="0"/>
+        </a:effectRef>
+        <a:fontRef idx="minor">
+          <a:schemeClr val="lt1"/>
+        </a:fontRef>
+      </dsp:style>
+      <dsp:txBody>
+        <a:bodyPr spcFirstLastPara="0" vert="horz" wrap="square" lIns="133350" tIns="133350" rIns="133350" bIns="133350" numCol="1" spcCol="1270" anchor="ctr" anchorCtr="0">
+          <a:noAutofit/>
+        </a:bodyPr>
+        <a:lstStyle/>
+        <a:p>
+          <a:pPr lvl="0" algn="l" defTabSz="1555750" rtl="0">
+            <a:lnSpc>
+              <a:spcPct val="90000"/>
+            </a:lnSpc>
+            <a:spcBef>
+              <a:spcPct val="0"/>
+            </a:spcBef>
+            <a:spcAft>
+              <a:spcPct val="35000"/>
+            </a:spcAft>
+          </a:pPr>
+          <a:r>
+            <a:rPr lang="en-US" sz="3500" kern="1200" dirty="0" smtClean="0"/>
+            <a:t>A bag of mints</a:t>
+          </a:r>
+          <a:endParaRPr lang="en-US" sz="3500" kern="1200" dirty="0"/>
+        </a:p>
+      </dsp:txBody>
+      <dsp:txXfrm>
+        <a:off x="38981" y="960913"/>
+        <a:ext cx="4797249" cy="720562"/>
+      </dsp:txXfrm>
+    </dsp:sp>
+    <dsp:sp modelId="{1DDDE1CF-272E-4DE5-B4E4-BC2A869AA86E}">
+      <dsp:nvSpPr>
+        <dsp:cNvPr id="0" name=""/>
+        <dsp:cNvSpPr/>
+      </dsp:nvSpPr>
+      <dsp:spPr>
+        <a:xfrm>
+          <a:off x="0" y="1821257"/>
+          <a:ext cx="4875211" cy="798524"/>
+        </a:xfrm>
+        <a:prstGeom prst="roundRect">
+          <a:avLst/>
+        </a:prstGeom>
+        <a:gradFill rotWithShape="0">
+          <a:gsLst>
+            <a:gs pos="0">
+              <a:schemeClr val="accent1">
+                <a:hueOff val="0"/>
+                <a:satOff val="0"/>
+                <a:lumOff val="0"/>
+                <a:alphaOff val="0"/>
+                <a:tint val="94000"/>
+                <a:satMod val="105000"/>
+                <a:lumMod val="102000"/>
+              </a:schemeClr>
+            </a:gs>
+            <a:gs pos="100000">
+              <a:schemeClr val="accent1">
+                <a:hueOff val="0"/>
+                <a:satOff val="0"/>
+                <a:lumOff val="0"/>
+                <a:alphaOff val="0"/>
+                <a:shade val="74000"/>
+                <a:satMod val="128000"/>
+                <a:lumMod val="100000"/>
+              </a:schemeClr>
+            </a:gs>
+          </a:gsLst>
+          <a:lin ang="5400000" scaled="0"/>
+        </a:gradFill>
+        <a:ln>
+          <a:noFill/>
+        </a:ln>
+        <a:effectLst/>
+      </dsp:spPr>
+      <dsp:style>
+        <a:lnRef idx="0">
+          <a:scrgbClr r="0" g="0" b="0"/>
+        </a:lnRef>
+        <a:fillRef idx="3">
+          <a:scrgbClr r="0" g="0" b="0"/>
+        </a:fillRef>
+        <a:effectRef idx="2">
+          <a:scrgbClr r="0" g="0" b="0"/>
+        </a:effectRef>
+        <a:fontRef idx="minor">
+          <a:schemeClr val="lt1"/>
+        </a:fontRef>
+      </dsp:style>
+      <dsp:txBody>
+        <a:bodyPr spcFirstLastPara="0" vert="horz" wrap="square" lIns="106680" tIns="106680" rIns="106680" bIns="106680" numCol="1" spcCol="1270" anchor="ctr" anchorCtr="0">
+          <a:noAutofit/>
+        </a:bodyPr>
+        <a:lstStyle/>
+        <a:p>
+          <a:pPr lvl="0" algn="l" defTabSz="1244600" rtl="0">
+            <a:lnSpc>
+              <a:spcPct val="90000"/>
+            </a:lnSpc>
+            <a:spcBef>
+              <a:spcPct val="0"/>
+            </a:spcBef>
+            <a:spcAft>
+              <a:spcPct val="35000"/>
+            </a:spcAft>
+          </a:pPr>
+          <a:r>
+            <a:rPr lang="en-US" sz="2800" kern="1200" dirty="0" smtClean="0"/>
+            <a:t>12V DC battery power supply</a:t>
+          </a:r>
+          <a:endParaRPr lang="en-US" sz="2800" kern="1200" dirty="0"/>
+        </a:p>
+      </dsp:txBody>
+      <dsp:txXfrm>
+        <a:off x="38981" y="1860238"/>
+        <a:ext cx="4797249" cy="720562"/>
+      </dsp:txXfrm>
+    </dsp:sp>
+    <dsp:sp modelId="{B9DB7BBC-8FE0-4D09-9D4A-A515320BF080}">
+      <dsp:nvSpPr>
+        <dsp:cNvPr id="0" name=""/>
+        <dsp:cNvSpPr/>
+      </dsp:nvSpPr>
+      <dsp:spPr>
+        <a:xfrm>
+          <a:off x="0" y="2720581"/>
+          <a:ext cx="4875211" cy="798524"/>
+        </a:xfrm>
+        <a:prstGeom prst="roundRect">
+          <a:avLst/>
+        </a:prstGeom>
+        <a:gradFill rotWithShape="0">
+          <a:gsLst>
+            <a:gs pos="0">
+              <a:schemeClr val="accent1">
+                <a:hueOff val="0"/>
+                <a:satOff val="0"/>
+                <a:lumOff val="0"/>
+                <a:alphaOff val="0"/>
+                <a:tint val="94000"/>
+                <a:satMod val="105000"/>
+                <a:lumMod val="102000"/>
+              </a:schemeClr>
+            </a:gs>
+            <a:gs pos="100000">
+              <a:schemeClr val="accent1">
+                <a:hueOff val="0"/>
+                <a:satOff val="0"/>
+                <a:lumOff val="0"/>
+                <a:alphaOff val="0"/>
+                <a:shade val="74000"/>
+                <a:satMod val="128000"/>
+                <a:lumMod val="100000"/>
+              </a:schemeClr>
+            </a:gs>
+          </a:gsLst>
+          <a:lin ang="5400000" scaled="0"/>
+        </a:gradFill>
+        <a:ln>
+          <a:noFill/>
+        </a:ln>
+        <a:effectLst/>
+      </dsp:spPr>
+      <dsp:style>
+        <a:lnRef idx="0">
+          <a:scrgbClr r="0" g="0" b="0"/>
+        </a:lnRef>
+        <a:fillRef idx="3">
+          <a:scrgbClr r="0" g="0" b="0"/>
+        </a:fillRef>
+        <a:effectRef idx="2">
+          <a:scrgbClr r="0" g="0" b="0"/>
+        </a:effectRef>
+        <a:fontRef idx="minor">
+          <a:schemeClr val="lt1"/>
+        </a:fontRef>
+      </dsp:style>
+      <dsp:txBody>
+        <a:bodyPr spcFirstLastPara="0" vert="horz" wrap="square" lIns="133350" tIns="133350" rIns="133350" bIns="133350" numCol="1" spcCol="1270" anchor="ctr" anchorCtr="0">
+          <a:noAutofit/>
+        </a:bodyPr>
+        <a:lstStyle/>
+        <a:p>
+          <a:pPr lvl="0" algn="l" defTabSz="1555750" rtl="0">
+            <a:lnSpc>
+              <a:spcPct val="90000"/>
+            </a:lnSpc>
+            <a:spcBef>
+              <a:spcPct val="0"/>
+            </a:spcBef>
+            <a:spcAft>
+              <a:spcPct val="35000"/>
+            </a:spcAft>
+          </a:pPr>
+          <a:r>
+            <a:rPr lang="en-US" sz="3500" kern="1200" dirty="0" smtClean="0"/>
+            <a:t>5V DC power from wall</a:t>
+          </a:r>
+          <a:endParaRPr lang="en-US" sz="3500" kern="1200" dirty="0"/>
+        </a:p>
+      </dsp:txBody>
+      <dsp:txXfrm>
+        <a:off x="38981" y="2759562"/>
+        <a:ext cx="4797249" cy="720562"/>
+      </dsp:txXfrm>
+    </dsp:sp>
+  </dsp:spTree>
+</dsp:drawing>
+</file>
+
+<file path=ppt/diagrams/drawing3.xml><?xml version="1.0" encoding="utf-8"?>
 <dsp:drawing xmlns:dgm="http://schemas.openxmlformats.org/drawingml/2006/diagram" xmlns:dsp="http://schemas.microsoft.com/office/drawing/2008/diagram" xmlns:a="http://schemas.openxmlformats.org/drawingml/2006/main">
   <dsp:spTree>
     <dsp:nvGrpSpPr>
@@ -1806,7 +4586,7 @@
                 </a:outerShdw>
               </a:effectLst>
             </a:rPr>
-            <a:t>Rover moves </a:t>
+            <a:t>Robot moves </a:t>
           </a:r>
           <a:r>
             <a:rPr lang="en-US" sz="1700" b="0" kern="1200" cap="none" spc="0" dirty="0" smtClean="0">
@@ -2325,6 +5105,340 @@
 </file>
 
 <file path=ppt/diagrams/layout1.xml><?xml version="1.0" encoding="utf-8"?>
+<dgm:layoutDef xmlns:dgm="http://schemas.openxmlformats.org/drawingml/2006/diagram" xmlns:a="http://schemas.openxmlformats.org/drawingml/2006/main" uniqueId="urn:microsoft.com/office/officeart/2005/8/layout/vList2">
+  <dgm:title val=""/>
+  <dgm:desc val=""/>
+  <dgm:catLst>
+    <dgm:cat type="list" pri="3000"/>
+    <dgm:cat type="convert" pri="1000"/>
+  </dgm:catLst>
+  <dgm:sampData>
+    <dgm:dataModel>
+      <dgm:ptLst>
+        <dgm:pt modelId="0" type="doc"/>
+        <dgm:pt modelId="1">
+          <dgm:prSet phldr="1"/>
+        </dgm:pt>
+        <dgm:pt modelId="11">
+          <dgm:prSet phldr="1"/>
+        </dgm:pt>
+        <dgm:pt modelId="2">
+          <dgm:prSet phldr="1"/>
+        </dgm:pt>
+        <dgm:pt modelId="21">
+          <dgm:prSet phldr="1"/>
+        </dgm:pt>
+      </dgm:ptLst>
+      <dgm:cxnLst>
+        <dgm:cxn modelId="4" srcId="0" destId="1" srcOrd="0" destOrd="0"/>
+        <dgm:cxn modelId="5" srcId="0" destId="2" srcOrd="1" destOrd="0"/>
+        <dgm:cxn modelId="12" srcId="1" destId="11" srcOrd="0" destOrd="0"/>
+        <dgm:cxn modelId="23" srcId="2" destId="21" srcOrd="0" destOrd="0"/>
+      </dgm:cxnLst>
+      <dgm:bg/>
+      <dgm:whole/>
+    </dgm:dataModel>
+  </dgm:sampData>
+  <dgm:styleData>
+    <dgm:dataModel>
+      <dgm:ptLst>
+        <dgm:pt modelId="0" type="doc"/>
+        <dgm:pt modelId="1"/>
+        <dgm:pt modelId="2"/>
+      </dgm:ptLst>
+      <dgm:cxnLst>
+        <dgm:cxn modelId="3" srcId="0" destId="1" srcOrd="0" destOrd="0"/>
+        <dgm:cxn modelId="4" srcId="0" destId="2" srcOrd="1" destOrd="0"/>
+      </dgm:cxnLst>
+      <dgm:bg/>
+      <dgm:whole/>
+    </dgm:dataModel>
+  </dgm:styleData>
+  <dgm:clrData>
+    <dgm:dataModel>
+      <dgm:ptLst>
+        <dgm:pt modelId="0" type="doc"/>
+        <dgm:pt modelId="1"/>
+        <dgm:pt modelId="2"/>
+        <dgm:pt modelId="3"/>
+        <dgm:pt modelId="4"/>
+      </dgm:ptLst>
+      <dgm:cxnLst>
+        <dgm:cxn modelId="5" srcId="0" destId="1" srcOrd="0" destOrd="0"/>
+        <dgm:cxn modelId="6" srcId="0" destId="2" srcOrd="1" destOrd="0"/>
+        <dgm:cxn modelId="7" srcId="0" destId="3" srcOrd="2" destOrd="0"/>
+        <dgm:cxn modelId="8" srcId="0" destId="4" srcOrd="3" destOrd="0"/>
+      </dgm:cxnLst>
+      <dgm:bg/>
+      <dgm:whole/>
+    </dgm:dataModel>
+  </dgm:clrData>
+  <dgm:layoutNode name="linear">
+    <dgm:varLst>
+      <dgm:animLvl val="lvl"/>
+      <dgm:resizeHandles val="exact"/>
+    </dgm:varLst>
+    <dgm:alg type="lin">
+      <dgm:param type="linDir" val="fromT"/>
+      <dgm:param type="vertAlign" val="mid"/>
+    </dgm:alg>
+    <dgm:shape xmlns:r="http://schemas.openxmlformats.org/officeDocument/2006/relationships" r:blip="">
+      <dgm:adjLst/>
+    </dgm:shape>
+    <dgm:presOf/>
+    <dgm:constrLst>
+      <dgm:constr type="w" for="ch" forName="parentText" refType="w"/>
+      <dgm:constr type="h" for="ch" forName="parentText" refType="primFontSz" refFor="ch" refForName="parentText" fact="0.52"/>
+      <dgm:constr type="w" for="ch" forName="childText" refType="w"/>
+      <dgm:constr type="h" for="ch" forName="childText" refType="primFontSz" refFor="ch" refForName="parentText" fact="0.46"/>
+      <dgm:constr type="h" for="ch" forName="parentText" op="equ"/>
+      <dgm:constr type="primFontSz" for="ch" forName="parentText" op="equ" val="65"/>
+      <dgm:constr type="primFontSz" for="ch" forName="childText" refType="primFontSz" refFor="ch" refForName="parentText" op="equ"/>
+      <dgm:constr type="h" for="ch" forName="spacer" refType="primFontSz" refFor="ch" refForName="parentText" fact="0.08"/>
+    </dgm:constrLst>
+    <dgm:ruleLst>
+      <dgm:rule type="primFontSz" for="ch" forName="parentText" val="5" fact="NaN" max="NaN"/>
+    </dgm:ruleLst>
+    <dgm:forEach name="Name0" axis="ch" ptType="node">
+      <dgm:layoutNode name="parentText" styleLbl="node1">
+        <dgm:varLst>
+          <dgm:chMax val="0"/>
+          <dgm:bulletEnabled val="1"/>
+        </dgm:varLst>
+        <dgm:alg type="tx">
+          <dgm:param type="parTxLTRAlign" val="l"/>
+          <dgm:param type="parTxRTLAlign" val="r"/>
+        </dgm:alg>
+        <dgm:shape xmlns:r="http://schemas.openxmlformats.org/officeDocument/2006/relationships" type="roundRect" r:blip="">
+          <dgm:adjLst/>
+        </dgm:shape>
+        <dgm:presOf axis="self"/>
+        <dgm:constrLst>
+          <dgm:constr type="tMarg" refType="primFontSz" fact="0.3"/>
+          <dgm:constr type="bMarg" refType="primFontSz" fact="0.3"/>
+          <dgm:constr type="lMarg" refType="primFontSz" fact="0.3"/>
+          <dgm:constr type="rMarg" refType="primFontSz" fact="0.3"/>
+        </dgm:constrLst>
+        <dgm:ruleLst>
+          <dgm:rule type="h" val="INF" fact="NaN" max="NaN"/>
+        </dgm:ruleLst>
+      </dgm:layoutNode>
+      <dgm:choose name="Name1">
+        <dgm:if name="Name2" axis="ch" ptType="node" func="cnt" op="gte" val="1">
+          <dgm:layoutNode name="childText" styleLbl="revTx">
+            <dgm:varLst>
+              <dgm:bulletEnabled val="1"/>
+            </dgm:varLst>
+            <dgm:alg type="tx">
+              <dgm:param type="stBulletLvl" val="1"/>
+              <dgm:param type="lnSpAfChP" val="20"/>
+            </dgm:alg>
+            <dgm:shape xmlns:r="http://schemas.openxmlformats.org/officeDocument/2006/relationships" type="rect" r:blip="">
+              <dgm:adjLst/>
+            </dgm:shape>
+            <dgm:presOf axis="des" ptType="node"/>
+            <dgm:constrLst>
+              <dgm:constr type="tMarg" refType="primFontSz" fact="0.1"/>
+              <dgm:constr type="bMarg" refType="primFontSz" fact="0.1"/>
+              <dgm:constr type="lMarg" refType="w" fact="0.09"/>
+            </dgm:constrLst>
+            <dgm:ruleLst>
+              <dgm:rule type="h" val="INF" fact="NaN" max="NaN"/>
+            </dgm:ruleLst>
+          </dgm:layoutNode>
+        </dgm:if>
+        <dgm:else name="Name3">
+          <dgm:choose name="Name4">
+            <dgm:if name="Name5" axis="par ch" ptType="doc node" func="cnt" op="gte" val="2">
+              <dgm:forEach name="Name6" axis="followSib" ptType="sibTrans" cnt="1">
+                <dgm:layoutNode name="spacer">
+                  <dgm:alg type="sp"/>
+                  <dgm:shape xmlns:r="http://schemas.openxmlformats.org/officeDocument/2006/relationships" r:blip="">
+                    <dgm:adjLst/>
+                  </dgm:shape>
+                  <dgm:presOf/>
+                  <dgm:constrLst/>
+                  <dgm:ruleLst/>
+                </dgm:layoutNode>
+              </dgm:forEach>
+            </dgm:if>
+            <dgm:else name="Name7"/>
+          </dgm:choose>
+        </dgm:else>
+      </dgm:choose>
+    </dgm:forEach>
+  </dgm:layoutNode>
+</dgm:layoutDef>
+</file>
+
+<file path=ppt/diagrams/layout2.xml><?xml version="1.0" encoding="utf-8"?>
+<dgm:layoutDef xmlns:dgm="http://schemas.openxmlformats.org/drawingml/2006/diagram" xmlns:a="http://schemas.openxmlformats.org/drawingml/2006/main" uniqueId="urn:microsoft.com/office/officeart/2005/8/layout/vList2">
+  <dgm:title val=""/>
+  <dgm:desc val=""/>
+  <dgm:catLst>
+    <dgm:cat type="list" pri="3000"/>
+    <dgm:cat type="convert" pri="1000"/>
+  </dgm:catLst>
+  <dgm:sampData>
+    <dgm:dataModel>
+      <dgm:ptLst>
+        <dgm:pt modelId="0" type="doc"/>
+        <dgm:pt modelId="1">
+          <dgm:prSet phldr="1"/>
+        </dgm:pt>
+        <dgm:pt modelId="11">
+          <dgm:prSet phldr="1"/>
+        </dgm:pt>
+        <dgm:pt modelId="2">
+          <dgm:prSet phldr="1"/>
+        </dgm:pt>
+        <dgm:pt modelId="21">
+          <dgm:prSet phldr="1"/>
+        </dgm:pt>
+      </dgm:ptLst>
+      <dgm:cxnLst>
+        <dgm:cxn modelId="4" srcId="0" destId="1" srcOrd="0" destOrd="0"/>
+        <dgm:cxn modelId="5" srcId="0" destId="2" srcOrd="1" destOrd="0"/>
+        <dgm:cxn modelId="12" srcId="1" destId="11" srcOrd="0" destOrd="0"/>
+        <dgm:cxn modelId="23" srcId="2" destId="21" srcOrd="0" destOrd="0"/>
+      </dgm:cxnLst>
+      <dgm:bg/>
+      <dgm:whole/>
+    </dgm:dataModel>
+  </dgm:sampData>
+  <dgm:styleData>
+    <dgm:dataModel>
+      <dgm:ptLst>
+        <dgm:pt modelId="0" type="doc"/>
+        <dgm:pt modelId="1"/>
+        <dgm:pt modelId="2"/>
+      </dgm:ptLst>
+      <dgm:cxnLst>
+        <dgm:cxn modelId="3" srcId="0" destId="1" srcOrd="0" destOrd="0"/>
+        <dgm:cxn modelId="4" srcId="0" destId="2" srcOrd="1" destOrd="0"/>
+      </dgm:cxnLst>
+      <dgm:bg/>
+      <dgm:whole/>
+    </dgm:dataModel>
+  </dgm:styleData>
+  <dgm:clrData>
+    <dgm:dataModel>
+      <dgm:ptLst>
+        <dgm:pt modelId="0" type="doc"/>
+        <dgm:pt modelId="1"/>
+        <dgm:pt modelId="2"/>
+        <dgm:pt modelId="3"/>
+        <dgm:pt modelId="4"/>
+      </dgm:ptLst>
+      <dgm:cxnLst>
+        <dgm:cxn modelId="5" srcId="0" destId="1" srcOrd="0" destOrd="0"/>
+        <dgm:cxn modelId="6" srcId="0" destId="2" srcOrd="1" destOrd="0"/>
+        <dgm:cxn modelId="7" srcId="0" destId="3" srcOrd="2" destOrd="0"/>
+        <dgm:cxn modelId="8" srcId="0" destId="4" srcOrd="3" destOrd="0"/>
+      </dgm:cxnLst>
+      <dgm:bg/>
+      <dgm:whole/>
+    </dgm:dataModel>
+  </dgm:clrData>
+  <dgm:layoutNode name="linear">
+    <dgm:varLst>
+      <dgm:animLvl val="lvl"/>
+      <dgm:resizeHandles val="exact"/>
+    </dgm:varLst>
+    <dgm:alg type="lin">
+      <dgm:param type="linDir" val="fromT"/>
+      <dgm:param type="vertAlign" val="mid"/>
+    </dgm:alg>
+    <dgm:shape xmlns:r="http://schemas.openxmlformats.org/officeDocument/2006/relationships" r:blip="">
+      <dgm:adjLst/>
+    </dgm:shape>
+    <dgm:presOf/>
+    <dgm:constrLst>
+      <dgm:constr type="w" for="ch" forName="parentText" refType="w"/>
+      <dgm:constr type="h" for="ch" forName="parentText" refType="primFontSz" refFor="ch" refForName="parentText" fact="0.52"/>
+      <dgm:constr type="w" for="ch" forName="childText" refType="w"/>
+      <dgm:constr type="h" for="ch" forName="childText" refType="primFontSz" refFor="ch" refForName="parentText" fact="0.46"/>
+      <dgm:constr type="h" for="ch" forName="parentText" op="equ"/>
+      <dgm:constr type="primFontSz" for="ch" forName="parentText" op="equ" val="65"/>
+      <dgm:constr type="primFontSz" for="ch" forName="childText" refType="primFontSz" refFor="ch" refForName="parentText" op="equ"/>
+      <dgm:constr type="h" for="ch" forName="spacer" refType="primFontSz" refFor="ch" refForName="parentText" fact="0.08"/>
+    </dgm:constrLst>
+    <dgm:ruleLst>
+      <dgm:rule type="primFontSz" for="ch" forName="parentText" val="5" fact="NaN" max="NaN"/>
+    </dgm:ruleLst>
+    <dgm:forEach name="Name0" axis="ch" ptType="node">
+      <dgm:layoutNode name="parentText" styleLbl="node1">
+        <dgm:varLst>
+          <dgm:chMax val="0"/>
+          <dgm:bulletEnabled val="1"/>
+        </dgm:varLst>
+        <dgm:alg type="tx">
+          <dgm:param type="parTxLTRAlign" val="l"/>
+          <dgm:param type="parTxRTLAlign" val="r"/>
+        </dgm:alg>
+        <dgm:shape xmlns:r="http://schemas.openxmlformats.org/officeDocument/2006/relationships" type="roundRect" r:blip="">
+          <dgm:adjLst/>
+        </dgm:shape>
+        <dgm:presOf axis="self"/>
+        <dgm:constrLst>
+          <dgm:constr type="tMarg" refType="primFontSz" fact="0.3"/>
+          <dgm:constr type="bMarg" refType="primFontSz" fact="0.3"/>
+          <dgm:constr type="lMarg" refType="primFontSz" fact="0.3"/>
+          <dgm:constr type="rMarg" refType="primFontSz" fact="0.3"/>
+        </dgm:constrLst>
+        <dgm:ruleLst>
+          <dgm:rule type="h" val="INF" fact="NaN" max="NaN"/>
+        </dgm:ruleLst>
+      </dgm:layoutNode>
+      <dgm:choose name="Name1">
+        <dgm:if name="Name2" axis="ch" ptType="node" func="cnt" op="gte" val="1">
+          <dgm:layoutNode name="childText" styleLbl="revTx">
+            <dgm:varLst>
+              <dgm:bulletEnabled val="1"/>
+            </dgm:varLst>
+            <dgm:alg type="tx">
+              <dgm:param type="stBulletLvl" val="1"/>
+              <dgm:param type="lnSpAfChP" val="20"/>
+            </dgm:alg>
+            <dgm:shape xmlns:r="http://schemas.openxmlformats.org/officeDocument/2006/relationships" type="rect" r:blip="">
+              <dgm:adjLst/>
+            </dgm:shape>
+            <dgm:presOf axis="des" ptType="node"/>
+            <dgm:constrLst>
+              <dgm:constr type="tMarg" refType="primFontSz" fact="0.1"/>
+              <dgm:constr type="bMarg" refType="primFontSz" fact="0.1"/>
+              <dgm:constr type="lMarg" refType="w" fact="0.09"/>
+            </dgm:constrLst>
+            <dgm:ruleLst>
+              <dgm:rule type="h" val="INF" fact="NaN" max="NaN"/>
+            </dgm:ruleLst>
+          </dgm:layoutNode>
+        </dgm:if>
+        <dgm:else name="Name3">
+          <dgm:choose name="Name4">
+            <dgm:if name="Name5" axis="par ch" ptType="doc node" func="cnt" op="gte" val="2">
+              <dgm:forEach name="Name6" axis="followSib" ptType="sibTrans" cnt="1">
+                <dgm:layoutNode name="spacer">
+                  <dgm:alg type="sp"/>
+                  <dgm:shape xmlns:r="http://schemas.openxmlformats.org/officeDocument/2006/relationships" r:blip="">
+                    <dgm:adjLst/>
+                  </dgm:shape>
+                  <dgm:presOf/>
+                  <dgm:constrLst/>
+                  <dgm:ruleLst/>
+                </dgm:layoutNode>
+              </dgm:forEach>
+            </dgm:if>
+            <dgm:else name="Name7"/>
+          </dgm:choose>
+        </dgm:else>
+      </dgm:choose>
+    </dgm:forEach>
+  </dgm:layoutNode>
+</dgm:layoutDef>
+</file>
+
+<file path=ppt/diagrams/layout3.xml><?xml version="1.0" encoding="utf-8"?>
 <dgm:layoutDef xmlns:dgm="http://schemas.openxmlformats.org/drawingml/2006/diagram" xmlns:a="http://schemas.openxmlformats.org/drawingml/2006/main" uniqueId="urn:microsoft.com/office/officeart/2005/8/layout/cycle1">
   <dgm:title val=""/>
   <dgm:desc val=""/>
@@ -2523,6 +5637,2074 @@
 </file>
 
 <file path=ppt/diagrams/quickStyle1.xml><?xml version="1.0" encoding="utf-8"?>
+<dgm:styleDef xmlns:dgm="http://schemas.openxmlformats.org/drawingml/2006/diagram" xmlns:a="http://schemas.openxmlformats.org/drawingml/2006/main" uniqueId="urn:microsoft.com/office/officeart/2005/8/quickstyle/simple4">
+  <dgm:title val=""/>
+  <dgm:desc val=""/>
+  <dgm:catLst>
+    <dgm:cat type="simple" pri="10400"/>
+  </dgm:catLst>
+  <dgm:scene3d>
+    <a:camera prst="orthographicFront"/>
+    <a:lightRig rig="threePt" dir="t"/>
+  </dgm:scene3d>
+  <dgm:styleLbl name="node0">
+    <dgm:scene3d>
+      <a:camera prst="orthographicFront"/>
+      <a:lightRig rig="threePt" dir="t"/>
+    </dgm:scene3d>
+    <dgm:sp3d/>
+    <dgm:txPr/>
+    <dgm:style>
+      <a:lnRef idx="0">
+        <a:scrgbClr r="0" g="0" b="0"/>
+      </a:lnRef>
+      <a:fillRef idx="3">
+        <a:scrgbClr r="0" g="0" b="0"/>
+      </a:fillRef>
+      <a:effectRef idx="2">
+        <a:scrgbClr r="0" g="0" b="0"/>
+      </a:effectRef>
+      <a:fontRef idx="minor">
+        <a:schemeClr val="lt1"/>
+      </a:fontRef>
+    </dgm:style>
+  </dgm:styleLbl>
+  <dgm:styleLbl name="lnNode1">
+    <dgm:scene3d>
+      <a:camera prst="orthographicFront"/>
+      <a:lightRig rig="threePt" dir="t"/>
+    </dgm:scene3d>
+    <dgm:sp3d/>
+    <dgm:txPr/>
+    <dgm:style>
+      <a:lnRef idx="1">
+        <a:scrgbClr r="0" g="0" b="0"/>
+      </a:lnRef>
+      <a:fillRef idx="3">
+        <a:scrgbClr r="0" g="0" b="0"/>
+      </a:fillRef>
+      <a:effectRef idx="2">
+        <a:scrgbClr r="0" g="0" b="0"/>
+      </a:effectRef>
+      <a:fontRef idx="minor">
+        <a:schemeClr val="lt1"/>
+      </a:fontRef>
+    </dgm:style>
+  </dgm:styleLbl>
+  <dgm:styleLbl name="vennNode1">
+    <dgm:scene3d>
+      <a:camera prst="orthographicFront"/>
+      <a:lightRig rig="threePt" dir="t"/>
+    </dgm:scene3d>
+    <dgm:sp3d/>
+    <dgm:txPr/>
+    <dgm:style>
+      <a:lnRef idx="0">
+        <a:scrgbClr r="0" g="0" b="0"/>
+      </a:lnRef>
+      <a:fillRef idx="3">
+        <a:scrgbClr r="0" g="0" b="0"/>
+      </a:fillRef>
+      <a:effectRef idx="0">
+        <a:scrgbClr r="0" g="0" b="0"/>
+      </a:effectRef>
+      <a:fontRef idx="minor">
+        <a:schemeClr val="tx1"/>
+      </a:fontRef>
+    </dgm:style>
+  </dgm:styleLbl>
+  <dgm:styleLbl name="alignNode1">
+    <dgm:scene3d>
+      <a:camera prst="orthographicFront"/>
+      <a:lightRig rig="threePt" dir="t"/>
+    </dgm:scene3d>
+    <dgm:sp3d/>
+    <dgm:txPr/>
+    <dgm:style>
+      <a:lnRef idx="1">
+        <a:scrgbClr r="0" g="0" b="0"/>
+      </a:lnRef>
+      <a:fillRef idx="3">
+        <a:scrgbClr r="0" g="0" b="0"/>
+      </a:fillRef>
+      <a:effectRef idx="2">
+        <a:scrgbClr r="0" g="0" b="0"/>
+      </a:effectRef>
+      <a:fontRef idx="minor">
+        <a:schemeClr val="lt1"/>
+      </a:fontRef>
+    </dgm:style>
+  </dgm:styleLbl>
+  <dgm:styleLbl name="node1">
+    <dgm:scene3d>
+      <a:camera prst="orthographicFront"/>
+      <a:lightRig rig="threePt" dir="t"/>
+    </dgm:scene3d>
+    <dgm:sp3d/>
+    <dgm:txPr/>
+    <dgm:style>
+      <a:lnRef idx="0">
+        <a:scrgbClr r="0" g="0" b="0"/>
+      </a:lnRef>
+      <a:fillRef idx="3">
+        <a:scrgbClr r="0" g="0" b="0"/>
+      </a:fillRef>
+      <a:effectRef idx="2">
+        <a:scrgbClr r="0" g="0" b="0"/>
+      </a:effectRef>
+      <a:fontRef idx="minor">
+        <a:schemeClr val="lt1"/>
+      </a:fontRef>
+    </dgm:style>
+  </dgm:styleLbl>
+  <dgm:styleLbl name="node2">
+    <dgm:scene3d>
+      <a:camera prst="orthographicFront"/>
+      <a:lightRig rig="threePt" dir="t"/>
+    </dgm:scene3d>
+    <dgm:sp3d/>
+    <dgm:txPr/>
+    <dgm:style>
+      <a:lnRef idx="0">
+        <a:scrgbClr r="0" g="0" b="0"/>
+      </a:lnRef>
+      <a:fillRef idx="3">
+        <a:scrgbClr r="0" g="0" b="0"/>
+      </a:fillRef>
+      <a:effectRef idx="2">
+        <a:scrgbClr r="0" g="0" b="0"/>
+      </a:effectRef>
+      <a:fontRef idx="minor">
+        <a:schemeClr val="lt1"/>
+      </a:fontRef>
+    </dgm:style>
+  </dgm:styleLbl>
+  <dgm:styleLbl name="node3">
+    <dgm:scene3d>
+      <a:camera prst="orthographicFront"/>
+      <a:lightRig rig="threePt" dir="t"/>
+    </dgm:scene3d>
+    <dgm:sp3d/>
+    <dgm:txPr/>
+    <dgm:style>
+      <a:lnRef idx="0">
+        <a:scrgbClr r="0" g="0" b="0"/>
+      </a:lnRef>
+      <a:fillRef idx="3">
+        <a:scrgbClr r="0" g="0" b="0"/>
+      </a:fillRef>
+      <a:effectRef idx="2">
+        <a:scrgbClr r="0" g="0" b="0"/>
+      </a:effectRef>
+      <a:fontRef idx="minor">
+        <a:schemeClr val="lt1"/>
+      </a:fontRef>
+    </dgm:style>
+  </dgm:styleLbl>
+  <dgm:styleLbl name="node4">
+    <dgm:scene3d>
+      <a:camera prst="orthographicFront"/>
+      <a:lightRig rig="threePt" dir="t"/>
+    </dgm:scene3d>
+    <dgm:sp3d/>
+    <dgm:txPr/>
+    <dgm:style>
+      <a:lnRef idx="0">
+        <a:scrgbClr r="0" g="0" b="0"/>
+      </a:lnRef>
+      <a:fillRef idx="3">
+        <a:scrgbClr r="0" g="0" b="0"/>
+      </a:fillRef>
+      <a:effectRef idx="2">
+        <a:scrgbClr r="0" g="0" b="0"/>
+      </a:effectRef>
+      <a:fontRef idx="minor">
+        <a:schemeClr val="lt1"/>
+      </a:fontRef>
+    </dgm:style>
+  </dgm:styleLbl>
+  <dgm:styleLbl name="fgImgPlace1">
+    <dgm:scene3d>
+      <a:camera prst="orthographicFront"/>
+      <a:lightRig rig="threePt" dir="t"/>
+    </dgm:scene3d>
+    <dgm:sp3d/>
+    <dgm:txPr/>
+    <dgm:style>
+      <a:lnRef idx="0">
+        <a:scrgbClr r="0" g="0" b="0"/>
+      </a:lnRef>
+      <a:fillRef idx="1">
+        <a:scrgbClr r="0" g="0" b="0"/>
+      </a:fillRef>
+      <a:effectRef idx="2">
+        <a:scrgbClr r="0" g="0" b="0"/>
+      </a:effectRef>
+      <a:fontRef idx="minor"/>
+    </dgm:style>
+  </dgm:styleLbl>
+  <dgm:styleLbl name="alignImgPlace1">
+    <dgm:scene3d>
+      <a:camera prst="orthographicFront"/>
+      <a:lightRig rig="threePt" dir="t"/>
+    </dgm:scene3d>
+    <dgm:sp3d/>
+    <dgm:txPr/>
+    <dgm:style>
+      <a:lnRef idx="0">
+        <a:scrgbClr r="0" g="0" b="0"/>
+      </a:lnRef>
+      <a:fillRef idx="1">
+        <a:scrgbClr r="0" g="0" b="0"/>
+      </a:fillRef>
+      <a:effectRef idx="2">
+        <a:scrgbClr r="0" g="0" b="0"/>
+      </a:effectRef>
+      <a:fontRef idx="minor"/>
+    </dgm:style>
+  </dgm:styleLbl>
+  <dgm:styleLbl name="bgImgPlace1">
+    <dgm:scene3d>
+      <a:camera prst="orthographicFront"/>
+      <a:lightRig rig="threePt" dir="t"/>
+    </dgm:scene3d>
+    <dgm:sp3d/>
+    <dgm:txPr/>
+    <dgm:style>
+      <a:lnRef idx="0">
+        <a:scrgbClr r="0" g="0" b="0"/>
+      </a:lnRef>
+      <a:fillRef idx="1">
+        <a:scrgbClr r="0" g="0" b="0"/>
+      </a:fillRef>
+      <a:effectRef idx="2">
+        <a:scrgbClr r="0" g="0" b="0"/>
+      </a:effectRef>
+      <a:fontRef idx="minor"/>
+    </dgm:style>
+  </dgm:styleLbl>
+  <dgm:styleLbl name="sibTrans2D1">
+    <dgm:scene3d>
+      <a:camera prst="orthographicFront"/>
+      <a:lightRig rig="threePt" dir="t"/>
+    </dgm:scene3d>
+    <dgm:sp3d/>
+    <dgm:txPr/>
+    <dgm:style>
+      <a:lnRef idx="0">
+        <a:scrgbClr r="0" g="0" b="0"/>
+      </a:lnRef>
+      <a:fillRef idx="3">
+        <a:scrgbClr r="0" g="0" b="0"/>
+      </a:fillRef>
+      <a:effectRef idx="2">
+        <a:scrgbClr r="0" g="0" b="0"/>
+      </a:effectRef>
+      <a:fontRef idx="minor">
+        <a:schemeClr val="lt1"/>
+      </a:fontRef>
+    </dgm:style>
+  </dgm:styleLbl>
+  <dgm:styleLbl name="fgSibTrans2D1">
+    <dgm:scene3d>
+      <a:camera prst="orthographicFront"/>
+      <a:lightRig rig="threePt" dir="t"/>
+    </dgm:scene3d>
+    <dgm:sp3d/>
+    <dgm:txPr/>
+    <dgm:style>
+      <a:lnRef idx="0">
+        <a:scrgbClr r="0" g="0" b="0"/>
+      </a:lnRef>
+      <a:fillRef idx="3">
+        <a:scrgbClr r="0" g="0" b="0"/>
+      </a:fillRef>
+      <a:effectRef idx="2">
+        <a:scrgbClr r="0" g="0" b="0"/>
+      </a:effectRef>
+      <a:fontRef idx="minor">
+        <a:schemeClr val="lt1"/>
+      </a:fontRef>
+    </dgm:style>
+  </dgm:styleLbl>
+  <dgm:styleLbl name="bgSibTrans2D1">
+    <dgm:scene3d>
+      <a:camera prst="orthographicFront"/>
+      <a:lightRig rig="threePt" dir="t"/>
+    </dgm:scene3d>
+    <dgm:sp3d/>
+    <dgm:txPr/>
+    <dgm:style>
+      <a:lnRef idx="0">
+        <a:scrgbClr r="0" g="0" b="0"/>
+      </a:lnRef>
+      <a:fillRef idx="3">
+        <a:scrgbClr r="0" g="0" b="0"/>
+      </a:fillRef>
+      <a:effectRef idx="2">
+        <a:scrgbClr r="0" g="0" b="0"/>
+      </a:effectRef>
+      <a:fontRef idx="minor">
+        <a:schemeClr val="lt1"/>
+      </a:fontRef>
+    </dgm:style>
+  </dgm:styleLbl>
+  <dgm:styleLbl name="sibTrans1D1">
+    <dgm:scene3d>
+      <a:camera prst="orthographicFront"/>
+      <a:lightRig rig="threePt" dir="t"/>
+    </dgm:scene3d>
+    <dgm:sp3d/>
+    <dgm:txPr/>
+    <dgm:style>
+      <a:lnRef idx="1">
+        <a:scrgbClr r="0" g="0" b="0"/>
+      </a:lnRef>
+      <a:fillRef idx="0">
+        <a:scrgbClr r="0" g="0" b="0"/>
+      </a:fillRef>
+      <a:effectRef idx="0">
+        <a:scrgbClr r="0" g="0" b="0"/>
+      </a:effectRef>
+      <a:fontRef idx="minor"/>
+    </dgm:style>
+  </dgm:styleLbl>
+  <dgm:styleLbl name="callout">
+    <dgm:scene3d>
+      <a:camera prst="orthographicFront"/>
+      <a:lightRig rig="threePt" dir="t"/>
+    </dgm:scene3d>
+    <dgm:sp3d/>
+    <dgm:txPr/>
+    <dgm:style>
+      <a:lnRef idx="2">
+        <a:scrgbClr r="0" g="0" b="0"/>
+      </a:lnRef>
+      <a:fillRef idx="1">
+        <a:scrgbClr r="0" g="0" b="0"/>
+      </a:fillRef>
+      <a:effectRef idx="1">
+        <a:scrgbClr r="0" g="0" b="0"/>
+      </a:effectRef>
+      <a:fontRef idx="minor"/>
+    </dgm:style>
+  </dgm:styleLbl>
+  <dgm:styleLbl name="asst0">
+    <dgm:scene3d>
+      <a:camera prst="orthographicFront"/>
+      <a:lightRig rig="threePt" dir="t"/>
+    </dgm:scene3d>
+    <dgm:sp3d/>
+    <dgm:txPr/>
+    <dgm:style>
+      <a:lnRef idx="0">
+        <a:scrgbClr r="0" g="0" b="0"/>
+      </a:lnRef>
+      <a:fillRef idx="3">
+        <a:scrgbClr r="0" g="0" b="0"/>
+      </a:fillRef>
+      <a:effectRef idx="2">
+        <a:scrgbClr r="0" g="0" b="0"/>
+      </a:effectRef>
+      <a:fontRef idx="minor">
+        <a:schemeClr val="lt1"/>
+      </a:fontRef>
+    </dgm:style>
+  </dgm:styleLbl>
+  <dgm:styleLbl name="asst1">
+    <dgm:scene3d>
+      <a:camera prst="orthographicFront"/>
+      <a:lightRig rig="threePt" dir="t"/>
+    </dgm:scene3d>
+    <dgm:sp3d/>
+    <dgm:txPr/>
+    <dgm:style>
+      <a:lnRef idx="0">
+        <a:scrgbClr r="0" g="0" b="0"/>
+      </a:lnRef>
+      <a:fillRef idx="3">
+        <a:scrgbClr r="0" g="0" b="0"/>
+      </a:fillRef>
+      <a:effectRef idx="2">
+        <a:scrgbClr r="0" g="0" b="0"/>
+      </a:effectRef>
+      <a:fontRef idx="minor">
+        <a:schemeClr val="lt1"/>
+      </a:fontRef>
+    </dgm:style>
+  </dgm:styleLbl>
+  <dgm:styleLbl name="asst2">
+    <dgm:scene3d>
+      <a:camera prst="orthographicFront"/>
+      <a:lightRig rig="threePt" dir="t"/>
+    </dgm:scene3d>
+    <dgm:sp3d/>
+    <dgm:txPr/>
+    <dgm:style>
+      <a:lnRef idx="0">
+        <a:scrgbClr r="0" g="0" b="0"/>
+      </a:lnRef>
+      <a:fillRef idx="3">
+        <a:scrgbClr r="0" g="0" b="0"/>
+      </a:fillRef>
+      <a:effectRef idx="2">
+        <a:scrgbClr r="0" g="0" b="0"/>
+      </a:effectRef>
+      <a:fontRef idx="minor">
+        <a:schemeClr val="lt1"/>
+      </a:fontRef>
+    </dgm:style>
+  </dgm:styleLbl>
+  <dgm:styleLbl name="asst3">
+    <dgm:scene3d>
+      <a:camera prst="orthographicFront"/>
+      <a:lightRig rig="threePt" dir="t"/>
+    </dgm:scene3d>
+    <dgm:sp3d/>
+    <dgm:txPr/>
+    <dgm:style>
+      <a:lnRef idx="0">
+        <a:scrgbClr r="0" g="0" b="0"/>
+      </a:lnRef>
+      <a:fillRef idx="3">
+        <a:scrgbClr r="0" g="0" b="0"/>
+      </a:fillRef>
+      <a:effectRef idx="2">
+        <a:scrgbClr r="0" g="0" b="0"/>
+      </a:effectRef>
+      <a:fontRef idx="minor">
+        <a:schemeClr val="lt1"/>
+      </a:fontRef>
+    </dgm:style>
+  </dgm:styleLbl>
+  <dgm:styleLbl name="asst4">
+    <dgm:scene3d>
+      <a:camera prst="orthographicFront"/>
+      <a:lightRig rig="threePt" dir="t"/>
+    </dgm:scene3d>
+    <dgm:sp3d/>
+    <dgm:txPr/>
+    <dgm:style>
+      <a:lnRef idx="0">
+        <a:scrgbClr r="0" g="0" b="0"/>
+      </a:lnRef>
+      <a:fillRef idx="3">
+        <a:scrgbClr r="0" g="0" b="0"/>
+      </a:fillRef>
+      <a:effectRef idx="2">
+        <a:scrgbClr r="0" g="0" b="0"/>
+      </a:effectRef>
+      <a:fontRef idx="minor">
+        <a:schemeClr val="lt1"/>
+      </a:fontRef>
+    </dgm:style>
+  </dgm:styleLbl>
+  <dgm:styleLbl name="parChTrans2D1">
+    <dgm:scene3d>
+      <a:camera prst="orthographicFront"/>
+      <a:lightRig rig="threePt" dir="t"/>
+    </dgm:scene3d>
+    <dgm:sp3d/>
+    <dgm:txPr/>
+    <dgm:style>
+      <a:lnRef idx="0">
+        <a:scrgbClr r="0" g="0" b="0"/>
+      </a:lnRef>
+      <a:fillRef idx="3">
+        <a:scrgbClr r="0" g="0" b="0"/>
+      </a:fillRef>
+      <a:effectRef idx="2">
+        <a:scrgbClr r="0" g="0" b="0"/>
+      </a:effectRef>
+      <a:fontRef idx="minor">
+        <a:schemeClr val="lt1"/>
+      </a:fontRef>
+    </dgm:style>
+  </dgm:styleLbl>
+  <dgm:styleLbl name="parChTrans2D2">
+    <dgm:scene3d>
+      <a:camera prst="orthographicFront"/>
+      <a:lightRig rig="threePt" dir="t"/>
+    </dgm:scene3d>
+    <dgm:sp3d/>
+    <dgm:txPr/>
+    <dgm:style>
+      <a:lnRef idx="0">
+        <a:scrgbClr r="0" g="0" b="0"/>
+      </a:lnRef>
+      <a:fillRef idx="3">
+        <a:scrgbClr r="0" g="0" b="0"/>
+      </a:fillRef>
+      <a:effectRef idx="2">
+        <a:scrgbClr r="0" g="0" b="0"/>
+      </a:effectRef>
+      <a:fontRef idx="minor">
+        <a:schemeClr val="lt1"/>
+      </a:fontRef>
+    </dgm:style>
+  </dgm:styleLbl>
+  <dgm:styleLbl name="parChTrans2D3">
+    <dgm:scene3d>
+      <a:camera prst="orthographicFront"/>
+      <a:lightRig rig="threePt" dir="t"/>
+    </dgm:scene3d>
+    <dgm:sp3d/>
+    <dgm:txPr/>
+    <dgm:style>
+      <a:lnRef idx="1">
+        <a:scrgbClr r="0" g="0" b="0"/>
+      </a:lnRef>
+      <a:fillRef idx="3">
+        <a:scrgbClr r="0" g="0" b="0"/>
+      </a:fillRef>
+      <a:effectRef idx="2">
+        <a:scrgbClr r="0" g="0" b="0"/>
+      </a:effectRef>
+      <a:fontRef idx="minor">
+        <a:schemeClr val="lt1"/>
+      </a:fontRef>
+    </dgm:style>
+  </dgm:styleLbl>
+  <dgm:styleLbl name="parChTrans2D4">
+    <dgm:scene3d>
+      <a:camera prst="orthographicFront"/>
+      <a:lightRig rig="threePt" dir="t"/>
+    </dgm:scene3d>
+    <dgm:sp3d/>
+    <dgm:txPr/>
+    <dgm:style>
+      <a:lnRef idx="1">
+        <a:scrgbClr r="0" g="0" b="0"/>
+      </a:lnRef>
+      <a:fillRef idx="3">
+        <a:scrgbClr r="0" g="0" b="0"/>
+      </a:fillRef>
+      <a:effectRef idx="2">
+        <a:scrgbClr r="0" g="0" b="0"/>
+      </a:effectRef>
+      <a:fontRef idx="minor">
+        <a:schemeClr val="lt1"/>
+      </a:fontRef>
+    </dgm:style>
+  </dgm:styleLbl>
+  <dgm:styleLbl name="parChTrans1D1">
+    <dgm:scene3d>
+      <a:camera prst="orthographicFront"/>
+      <a:lightRig rig="threePt" dir="t"/>
+    </dgm:scene3d>
+    <dgm:sp3d/>
+    <dgm:txPr/>
+    <dgm:style>
+      <a:lnRef idx="1">
+        <a:scrgbClr r="0" g="0" b="0"/>
+      </a:lnRef>
+      <a:fillRef idx="0">
+        <a:scrgbClr r="0" g="0" b="0"/>
+      </a:fillRef>
+      <a:effectRef idx="0">
+        <a:scrgbClr r="0" g="0" b="0"/>
+      </a:effectRef>
+      <a:fontRef idx="minor"/>
+    </dgm:style>
+  </dgm:styleLbl>
+  <dgm:styleLbl name="parChTrans1D2">
+    <dgm:scene3d>
+      <a:camera prst="orthographicFront"/>
+      <a:lightRig rig="threePt" dir="t"/>
+    </dgm:scene3d>
+    <dgm:sp3d/>
+    <dgm:txPr/>
+    <dgm:style>
+      <a:lnRef idx="1">
+        <a:scrgbClr r="0" g="0" b="0"/>
+      </a:lnRef>
+      <a:fillRef idx="0">
+        <a:scrgbClr r="0" g="0" b="0"/>
+      </a:fillRef>
+      <a:effectRef idx="0">
+        <a:scrgbClr r="0" g="0" b="0"/>
+      </a:effectRef>
+      <a:fontRef idx="minor"/>
+    </dgm:style>
+  </dgm:styleLbl>
+  <dgm:styleLbl name="parChTrans1D3">
+    <dgm:scene3d>
+      <a:camera prst="orthographicFront"/>
+      <a:lightRig rig="threePt" dir="t"/>
+    </dgm:scene3d>
+    <dgm:sp3d/>
+    <dgm:txPr/>
+    <dgm:style>
+      <a:lnRef idx="1">
+        <a:scrgbClr r="0" g="0" b="0"/>
+      </a:lnRef>
+      <a:fillRef idx="0">
+        <a:scrgbClr r="0" g="0" b="0"/>
+      </a:fillRef>
+      <a:effectRef idx="0">
+        <a:scrgbClr r="0" g="0" b="0"/>
+      </a:effectRef>
+      <a:fontRef idx="minor"/>
+    </dgm:style>
+  </dgm:styleLbl>
+  <dgm:styleLbl name="parChTrans1D4">
+    <dgm:scene3d>
+      <a:camera prst="orthographicFront"/>
+      <a:lightRig rig="threePt" dir="t"/>
+    </dgm:scene3d>
+    <dgm:sp3d/>
+    <dgm:txPr/>
+    <dgm:style>
+      <a:lnRef idx="1">
+        <a:scrgbClr r="0" g="0" b="0"/>
+      </a:lnRef>
+      <a:fillRef idx="0">
+        <a:scrgbClr r="0" g="0" b="0"/>
+      </a:fillRef>
+      <a:effectRef idx="0">
+        <a:scrgbClr r="0" g="0" b="0"/>
+      </a:effectRef>
+      <a:fontRef idx="minor"/>
+    </dgm:style>
+  </dgm:styleLbl>
+  <dgm:styleLbl name="fgAcc1">
+    <dgm:scene3d>
+      <a:camera prst="orthographicFront"/>
+      <a:lightRig rig="threePt" dir="t"/>
+    </dgm:scene3d>
+    <dgm:sp3d/>
+    <dgm:txPr/>
+    <dgm:style>
+      <a:lnRef idx="1">
+        <a:scrgbClr r="0" g="0" b="0"/>
+      </a:lnRef>
+      <a:fillRef idx="1">
+        <a:scrgbClr r="0" g="0" b="0"/>
+      </a:fillRef>
+      <a:effectRef idx="0">
+        <a:scrgbClr r="0" g="0" b="0"/>
+      </a:effectRef>
+      <a:fontRef idx="minor"/>
+    </dgm:style>
+  </dgm:styleLbl>
+  <dgm:styleLbl name="conFgAcc1">
+    <dgm:scene3d>
+      <a:camera prst="orthographicFront"/>
+      <a:lightRig rig="threePt" dir="t"/>
+    </dgm:scene3d>
+    <dgm:sp3d/>
+    <dgm:txPr/>
+    <dgm:style>
+      <a:lnRef idx="1">
+        <a:scrgbClr r="0" g="0" b="0"/>
+      </a:lnRef>
+      <a:fillRef idx="1">
+        <a:scrgbClr r="0" g="0" b="0"/>
+      </a:fillRef>
+      <a:effectRef idx="0">
+        <a:scrgbClr r="0" g="0" b="0"/>
+      </a:effectRef>
+      <a:fontRef idx="minor"/>
+    </dgm:style>
+  </dgm:styleLbl>
+  <dgm:styleLbl name="alignAcc1">
+    <dgm:scene3d>
+      <a:camera prst="orthographicFront"/>
+      <a:lightRig rig="threePt" dir="t"/>
+    </dgm:scene3d>
+    <dgm:sp3d/>
+    <dgm:txPr/>
+    <dgm:style>
+      <a:lnRef idx="1">
+        <a:scrgbClr r="0" g="0" b="0"/>
+      </a:lnRef>
+      <a:fillRef idx="1">
+        <a:scrgbClr r="0" g="0" b="0"/>
+      </a:fillRef>
+      <a:effectRef idx="0">
+        <a:scrgbClr r="0" g="0" b="0"/>
+      </a:effectRef>
+      <a:fontRef idx="minor"/>
+    </dgm:style>
+  </dgm:styleLbl>
+  <dgm:styleLbl name="trAlignAcc1">
+    <dgm:scene3d>
+      <a:camera prst="orthographicFront"/>
+      <a:lightRig rig="threePt" dir="t"/>
+    </dgm:scene3d>
+    <dgm:sp3d/>
+    <dgm:txPr/>
+    <dgm:style>
+      <a:lnRef idx="1">
+        <a:scrgbClr r="0" g="0" b="0"/>
+      </a:lnRef>
+      <a:fillRef idx="1">
+        <a:scrgbClr r="0" g="0" b="0"/>
+      </a:fillRef>
+      <a:effectRef idx="0">
+        <a:scrgbClr r="0" g="0" b="0"/>
+      </a:effectRef>
+      <a:fontRef idx="minor"/>
+    </dgm:style>
+  </dgm:styleLbl>
+  <dgm:styleLbl name="bgAcc1">
+    <dgm:scene3d>
+      <a:camera prst="orthographicFront"/>
+      <a:lightRig rig="threePt" dir="t"/>
+    </dgm:scene3d>
+    <dgm:sp3d/>
+    <dgm:txPr/>
+    <dgm:style>
+      <a:lnRef idx="1">
+        <a:scrgbClr r="0" g="0" b="0"/>
+      </a:lnRef>
+      <a:fillRef idx="1">
+        <a:scrgbClr r="0" g="0" b="0"/>
+      </a:fillRef>
+      <a:effectRef idx="0">
+        <a:scrgbClr r="0" g="0" b="0"/>
+      </a:effectRef>
+      <a:fontRef idx="minor"/>
+    </dgm:style>
+  </dgm:styleLbl>
+  <dgm:styleLbl name="solidFgAcc1">
+    <dgm:scene3d>
+      <a:camera prst="orthographicFront"/>
+      <a:lightRig rig="threePt" dir="t"/>
+    </dgm:scene3d>
+    <dgm:sp3d/>
+    <dgm:txPr/>
+    <dgm:style>
+      <a:lnRef idx="1">
+        <a:scrgbClr r="0" g="0" b="0"/>
+      </a:lnRef>
+      <a:fillRef idx="1">
+        <a:scrgbClr r="0" g="0" b="0"/>
+      </a:fillRef>
+      <a:effectRef idx="0">
+        <a:scrgbClr r="0" g="0" b="0"/>
+      </a:effectRef>
+      <a:fontRef idx="minor"/>
+    </dgm:style>
+  </dgm:styleLbl>
+  <dgm:styleLbl name="solidAlignAcc1">
+    <dgm:scene3d>
+      <a:camera prst="orthographicFront"/>
+      <a:lightRig rig="threePt" dir="t"/>
+    </dgm:scene3d>
+    <dgm:sp3d/>
+    <dgm:txPr/>
+    <dgm:style>
+      <a:lnRef idx="1">
+        <a:scrgbClr r="0" g="0" b="0"/>
+      </a:lnRef>
+      <a:fillRef idx="1">
+        <a:scrgbClr r="0" g="0" b="0"/>
+      </a:fillRef>
+      <a:effectRef idx="0">
+        <a:scrgbClr r="0" g="0" b="0"/>
+      </a:effectRef>
+      <a:fontRef idx="minor"/>
+    </dgm:style>
+  </dgm:styleLbl>
+  <dgm:styleLbl name="solidBgAcc1">
+    <dgm:scene3d>
+      <a:camera prst="orthographicFront"/>
+      <a:lightRig rig="threePt" dir="t"/>
+    </dgm:scene3d>
+    <dgm:sp3d/>
+    <dgm:txPr/>
+    <dgm:style>
+      <a:lnRef idx="1">
+        <a:scrgbClr r="0" g="0" b="0"/>
+      </a:lnRef>
+      <a:fillRef idx="1">
+        <a:scrgbClr r="0" g="0" b="0"/>
+      </a:fillRef>
+      <a:effectRef idx="0">
+        <a:scrgbClr r="0" g="0" b="0"/>
+      </a:effectRef>
+      <a:fontRef idx="minor"/>
+    </dgm:style>
+  </dgm:styleLbl>
+  <dgm:styleLbl name="fgAccFollowNode1">
+    <dgm:scene3d>
+      <a:camera prst="orthographicFront"/>
+      <a:lightRig rig="threePt" dir="t"/>
+    </dgm:scene3d>
+    <dgm:sp3d/>
+    <dgm:txPr/>
+    <dgm:style>
+      <a:lnRef idx="1">
+        <a:scrgbClr r="0" g="0" b="0"/>
+      </a:lnRef>
+      <a:fillRef idx="1">
+        <a:scrgbClr r="0" g="0" b="0"/>
+      </a:fillRef>
+      <a:effectRef idx="0">
+        <a:scrgbClr r="0" g="0" b="0"/>
+      </a:effectRef>
+      <a:fontRef idx="minor"/>
+    </dgm:style>
+  </dgm:styleLbl>
+  <dgm:styleLbl name="alignAccFollowNode1">
+    <dgm:scene3d>
+      <a:camera prst="orthographicFront"/>
+      <a:lightRig rig="threePt" dir="t"/>
+    </dgm:scene3d>
+    <dgm:sp3d/>
+    <dgm:txPr/>
+    <dgm:style>
+      <a:lnRef idx="1">
+        <a:scrgbClr r="0" g="0" b="0"/>
+      </a:lnRef>
+      <a:fillRef idx="1">
+        <a:scrgbClr r="0" g="0" b="0"/>
+      </a:fillRef>
+      <a:effectRef idx="0">
+        <a:scrgbClr r="0" g="0" b="0"/>
+      </a:effectRef>
+      <a:fontRef idx="minor"/>
+    </dgm:style>
+  </dgm:styleLbl>
+  <dgm:styleLbl name="bgAccFollowNode1">
+    <dgm:scene3d>
+      <a:camera prst="orthographicFront"/>
+      <a:lightRig rig="threePt" dir="t"/>
+    </dgm:scene3d>
+    <dgm:sp3d/>
+    <dgm:txPr/>
+    <dgm:style>
+      <a:lnRef idx="1">
+        <a:scrgbClr r="0" g="0" b="0"/>
+      </a:lnRef>
+      <a:fillRef idx="1">
+        <a:scrgbClr r="0" g="0" b="0"/>
+      </a:fillRef>
+      <a:effectRef idx="0">
+        <a:scrgbClr r="0" g="0" b="0"/>
+      </a:effectRef>
+      <a:fontRef idx="minor"/>
+    </dgm:style>
+  </dgm:styleLbl>
+  <dgm:styleLbl name="fgAcc0">
+    <dgm:scene3d>
+      <a:camera prst="orthographicFront"/>
+      <a:lightRig rig="threePt" dir="t"/>
+    </dgm:scene3d>
+    <dgm:sp3d/>
+    <dgm:txPr/>
+    <dgm:style>
+      <a:lnRef idx="1">
+        <a:scrgbClr r="0" g="0" b="0"/>
+      </a:lnRef>
+      <a:fillRef idx="1">
+        <a:scrgbClr r="0" g="0" b="0"/>
+      </a:fillRef>
+      <a:effectRef idx="0">
+        <a:scrgbClr r="0" g="0" b="0"/>
+      </a:effectRef>
+      <a:fontRef idx="minor"/>
+    </dgm:style>
+  </dgm:styleLbl>
+  <dgm:styleLbl name="fgAcc2">
+    <dgm:scene3d>
+      <a:camera prst="orthographicFront"/>
+      <a:lightRig rig="threePt" dir="t"/>
+    </dgm:scene3d>
+    <dgm:sp3d/>
+    <dgm:txPr/>
+    <dgm:style>
+      <a:lnRef idx="1">
+        <a:scrgbClr r="0" g="0" b="0"/>
+      </a:lnRef>
+      <a:fillRef idx="1">
+        <a:scrgbClr r="0" g="0" b="0"/>
+      </a:fillRef>
+      <a:effectRef idx="0">
+        <a:scrgbClr r="0" g="0" b="0"/>
+      </a:effectRef>
+      <a:fontRef idx="minor"/>
+    </dgm:style>
+  </dgm:styleLbl>
+  <dgm:styleLbl name="fgAcc3">
+    <dgm:scene3d>
+      <a:camera prst="orthographicFront"/>
+      <a:lightRig rig="threePt" dir="t"/>
+    </dgm:scene3d>
+    <dgm:sp3d/>
+    <dgm:txPr/>
+    <dgm:style>
+      <a:lnRef idx="1">
+        <a:scrgbClr r="0" g="0" b="0"/>
+      </a:lnRef>
+      <a:fillRef idx="1">
+        <a:scrgbClr r="0" g="0" b="0"/>
+      </a:fillRef>
+      <a:effectRef idx="0">
+        <a:scrgbClr r="0" g="0" b="0"/>
+      </a:effectRef>
+      <a:fontRef idx="minor"/>
+    </dgm:style>
+  </dgm:styleLbl>
+  <dgm:styleLbl name="fgAcc4">
+    <dgm:scene3d>
+      <a:camera prst="orthographicFront"/>
+      <a:lightRig rig="threePt" dir="t"/>
+    </dgm:scene3d>
+    <dgm:sp3d/>
+    <dgm:txPr/>
+    <dgm:style>
+      <a:lnRef idx="1">
+        <a:scrgbClr r="0" g="0" b="0"/>
+      </a:lnRef>
+      <a:fillRef idx="1">
+        <a:scrgbClr r="0" g="0" b="0"/>
+      </a:fillRef>
+      <a:effectRef idx="0">
+        <a:scrgbClr r="0" g="0" b="0"/>
+      </a:effectRef>
+      <a:fontRef idx="minor"/>
+    </dgm:style>
+  </dgm:styleLbl>
+  <dgm:styleLbl name="bgShp">
+    <dgm:scene3d>
+      <a:camera prst="orthographicFront"/>
+      <a:lightRig rig="threePt" dir="t"/>
+    </dgm:scene3d>
+    <dgm:sp3d/>
+    <dgm:txPr/>
+    <dgm:style>
+      <a:lnRef idx="0">
+        <a:scrgbClr r="0" g="0" b="0"/>
+      </a:lnRef>
+      <a:fillRef idx="1">
+        <a:scrgbClr r="0" g="0" b="0"/>
+      </a:fillRef>
+      <a:effectRef idx="2">
+        <a:scrgbClr r="0" g="0" b="0"/>
+      </a:effectRef>
+      <a:fontRef idx="minor"/>
+    </dgm:style>
+  </dgm:styleLbl>
+  <dgm:styleLbl name="dkBgShp">
+    <dgm:scene3d>
+      <a:camera prst="orthographicFront"/>
+      <a:lightRig rig="threePt" dir="t"/>
+    </dgm:scene3d>
+    <dgm:sp3d/>
+    <dgm:txPr/>
+    <dgm:style>
+      <a:lnRef idx="0">
+        <a:scrgbClr r="0" g="0" b="0"/>
+      </a:lnRef>
+      <a:fillRef idx="1">
+        <a:scrgbClr r="0" g="0" b="0"/>
+      </a:fillRef>
+      <a:effectRef idx="2">
+        <a:scrgbClr r="0" g="0" b="0"/>
+      </a:effectRef>
+      <a:fontRef idx="minor"/>
+    </dgm:style>
+  </dgm:styleLbl>
+  <dgm:styleLbl name="trBgShp">
+    <dgm:scene3d>
+      <a:camera prst="orthographicFront"/>
+      <a:lightRig rig="threePt" dir="t"/>
+    </dgm:scene3d>
+    <dgm:sp3d/>
+    <dgm:txPr/>
+    <dgm:style>
+      <a:lnRef idx="0">
+        <a:scrgbClr r="0" g="0" b="0"/>
+      </a:lnRef>
+      <a:fillRef idx="1">
+        <a:scrgbClr r="0" g="0" b="0"/>
+      </a:fillRef>
+      <a:effectRef idx="0">
+        <a:scrgbClr r="0" g="0" b="0"/>
+      </a:effectRef>
+      <a:fontRef idx="minor"/>
+    </dgm:style>
+  </dgm:styleLbl>
+  <dgm:styleLbl name="fgShp">
+    <dgm:scene3d>
+      <a:camera prst="orthographicFront"/>
+      <a:lightRig rig="threePt" dir="t"/>
+    </dgm:scene3d>
+    <dgm:sp3d/>
+    <dgm:txPr/>
+    <dgm:style>
+      <a:lnRef idx="0">
+        <a:scrgbClr r="0" g="0" b="0"/>
+      </a:lnRef>
+      <a:fillRef idx="3">
+        <a:scrgbClr r="0" g="0" b="0"/>
+      </a:fillRef>
+      <a:effectRef idx="2">
+        <a:scrgbClr r="0" g="0" b="0"/>
+      </a:effectRef>
+      <a:fontRef idx="minor"/>
+    </dgm:style>
+  </dgm:styleLbl>
+  <dgm:styleLbl name="revTx">
+    <dgm:scene3d>
+      <a:camera prst="orthographicFront"/>
+      <a:lightRig rig="threePt" dir="t"/>
+    </dgm:scene3d>
+    <dgm:sp3d/>
+    <dgm:txPr/>
+    <dgm:style>
+      <a:lnRef idx="0">
+        <a:scrgbClr r="0" g="0" b="0"/>
+      </a:lnRef>
+      <a:fillRef idx="0">
+        <a:scrgbClr r="0" g="0" b="0"/>
+      </a:fillRef>
+      <a:effectRef idx="0">
+        <a:scrgbClr r="0" g="0" b="0"/>
+      </a:effectRef>
+      <a:fontRef idx="minor"/>
+    </dgm:style>
+  </dgm:styleLbl>
+</dgm:styleDef>
+</file>
+
+<file path=ppt/diagrams/quickStyle2.xml><?xml version="1.0" encoding="utf-8"?>
+<dgm:styleDef xmlns:dgm="http://schemas.openxmlformats.org/drawingml/2006/diagram" xmlns:a="http://schemas.openxmlformats.org/drawingml/2006/main" uniqueId="urn:microsoft.com/office/officeart/2005/8/quickstyle/simple4">
+  <dgm:title val=""/>
+  <dgm:desc val=""/>
+  <dgm:catLst>
+    <dgm:cat type="simple" pri="10400"/>
+  </dgm:catLst>
+  <dgm:scene3d>
+    <a:camera prst="orthographicFront"/>
+    <a:lightRig rig="threePt" dir="t"/>
+  </dgm:scene3d>
+  <dgm:styleLbl name="node0">
+    <dgm:scene3d>
+      <a:camera prst="orthographicFront"/>
+      <a:lightRig rig="threePt" dir="t"/>
+    </dgm:scene3d>
+    <dgm:sp3d/>
+    <dgm:txPr/>
+    <dgm:style>
+      <a:lnRef idx="0">
+        <a:scrgbClr r="0" g="0" b="0"/>
+      </a:lnRef>
+      <a:fillRef idx="3">
+        <a:scrgbClr r="0" g="0" b="0"/>
+      </a:fillRef>
+      <a:effectRef idx="2">
+        <a:scrgbClr r="0" g="0" b="0"/>
+      </a:effectRef>
+      <a:fontRef idx="minor">
+        <a:schemeClr val="lt1"/>
+      </a:fontRef>
+    </dgm:style>
+  </dgm:styleLbl>
+  <dgm:styleLbl name="lnNode1">
+    <dgm:scene3d>
+      <a:camera prst="orthographicFront"/>
+      <a:lightRig rig="threePt" dir="t"/>
+    </dgm:scene3d>
+    <dgm:sp3d/>
+    <dgm:txPr/>
+    <dgm:style>
+      <a:lnRef idx="1">
+        <a:scrgbClr r="0" g="0" b="0"/>
+      </a:lnRef>
+      <a:fillRef idx="3">
+        <a:scrgbClr r="0" g="0" b="0"/>
+      </a:fillRef>
+      <a:effectRef idx="2">
+        <a:scrgbClr r="0" g="0" b="0"/>
+      </a:effectRef>
+      <a:fontRef idx="minor">
+        <a:schemeClr val="lt1"/>
+      </a:fontRef>
+    </dgm:style>
+  </dgm:styleLbl>
+  <dgm:styleLbl name="vennNode1">
+    <dgm:scene3d>
+      <a:camera prst="orthographicFront"/>
+      <a:lightRig rig="threePt" dir="t"/>
+    </dgm:scene3d>
+    <dgm:sp3d/>
+    <dgm:txPr/>
+    <dgm:style>
+      <a:lnRef idx="0">
+        <a:scrgbClr r="0" g="0" b="0"/>
+      </a:lnRef>
+      <a:fillRef idx="3">
+        <a:scrgbClr r="0" g="0" b="0"/>
+      </a:fillRef>
+      <a:effectRef idx="0">
+        <a:scrgbClr r="0" g="0" b="0"/>
+      </a:effectRef>
+      <a:fontRef idx="minor">
+        <a:schemeClr val="tx1"/>
+      </a:fontRef>
+    </dgm:style>
+  </dgm:styleLbl>
+  <dgm:styleLbl name="alignNode1">
+    <dgm:scene3d>
+      <a:camera prst="orthographicFront"/>
+      <a:lightRig rig="threePt" dir="t"/>
+    </dgm:scene3d>
+    <dgm:sp3d/>
+    <dgm:txPr/>
+    <dgm:style>
+      <a:lnRef idx="1">
+        <a:scrgbClr r="0" g="0" b="0"/>
+      </a:lnRef>
+      <a:fillRef idx="3">
+        <a:scrgbClr r="0" g="0" b="0"/>
+      </a:fillRef>
+      <a:effectRef idx="2">
+        <a:scrgbClr r="0" g="0" b="0"/>
+      </a:effectRef>
+      <a:fontRef idx="minor">
+        <a:schemeClr val="lt1"/>
+      </a:fontRef>
+    </dgm:style>
+  </dgm:styleLbl>
+  <dgm:styleLbl name="node1">
+    <dgm:scene3d>
+      <a:camera prst="orthographicFront"/>
+      <a:lightRig rig="threePt" dir="t"/>
+    </dgm:scene3d>
+    <dgm:sp3d/>
+    <dgm:txPr/>
+    <dgm:style>
+      <a:lnRef idx="0">
+        <a:scrgbClr r="0" g="0" b="0"/>
+      </a:lnRef>
+      <a:fillRef idx="3">
+        <a:scrgbClr r="0" g="0" b="0"/>
+      </a:fillRef>
+      <a:effectRef idx="2">
+        <a:scrgbClr r="0" g="0" b="0"/>
+      </a:effectRef>
+      <a:fontRef idx="minor">
+        <a:schemeClr val="lt1"/>
+      </a:fontRef>
+    </dgm:style>
+  </dgm:styleLbl>
+  <dgm:styleLbl name="node2">
+    <dgm:scene3d>
+      <a:camera prst="orthographicFront"/>
+      <a:lightRig rig="threePt" dir="t"/>
+    </dgm:scene3d>
+    <dgm:sp3d/>
+    <dgm:txPr/>
+    <dgm:style>
+      <a:lnRef idx="0">
+        <a:scrgbClr r="0" g="0" b="0"/>
+      </a:lnRef>
+      <a:fillRef idx="3">
+        <a:scrgbClr r="0" g="0" b="0"/>
+      </a:fillRef>
+      <a:effectRef idx="2">
+        <a:scrgbClr r="0" g="0" b="0"/>
+      </a:effectRef>
+      <a:fontRef idx="minor">
+        <a:schemeClr val="lt1"/>
+      </a:fontRef>
+    </dgm:style>
+  </dgm:styleLbl>
+  <dgm:styleLbl name="node3">
+    <dgm:scene3d>
+      <a:camera prst="orthographicFront"/>
+      <a:lightRig rig="threePt" dir="t"/>
+    </dgm:scene3d>
+    <dgm:sp3d/>
+    <dgm:txPr/>
+    <dgm:style>
+      <a:lnRef idx="0">
+        <a:scrgbClr r="0" g="0" b="0"/>
+      </a:lnRef>
+      <a:fillRef idx="3">
+        <a:scrgbClr r="0" g="0" b="0"/>
+      </a:fillRef>
+      <a:effectRef idx="2">
+        <a:scrgbClr r="0" g="0" b="0"/>
+      </a:effectRef>
+      <a:fontRef idx="minor">
+        <a:schemeClr val="lt1"/>
+      </a:fontRef>
+    </dgm:style>
+  </dgm:styleLbl>
+  <dgm:styleLbl name="node4">
+    <dgm:scene3d>
+      <a:camera prst="orthographicFront"/>
+      <a:lightRig rig="threePt" dir="t"/>
+    </dgm:scene3d>
+    <dgm:sp3d/>
+    <dgm:txPr/>
+    <dgm:style>
+      <a:lnRef idx="0">
+        <a:scrgbClr r="0" g="0" b="0"/>
+      </a:lnRef>
+      <a:fillRef idx="3">
+        <a:scrgbClr r="0" g="0" b="0"/>
+      </a:fillRef>
+      <a:effectRef idx="2">
+        <a:scrgbClr r="0" g="0" b="0"/>
+      </a:effectRef>
+      <a:fontRef idx="minor">
+        <a:schemeClr val="lt1"/>
+      </a:fontRef>
+    </dgm:style>
+  </dgm:styleLbl>
+  <dgm:styleLbl name="fgImgPlace1">
+    <dgm:scene3d>
+      <a:camera prst="orthographicFront"/>
+      <a:lightRig rig="threePt" dir="t"/>
+    </dgm:scene3d>
+    <dgm:sp3d/>
+    <dgm:txPr/>
+    <dgm:style>
+      <a:lnRef idx="0">
+        <a:scrgbClr r="0" g="0" b="0"/>
+      </a:lnRef>
+      <a:fillRef idx="1">
+        <a:scrgbClr r="0" g="0" b="0"/>
+      </a:fillRef>
+      <a:effectRef idx="2">
+        <a:scrgbClr r="0" g="0" b="0"/>
+      </a:effectRef>
+      <a:fontRef idx="minor"/>
+    </dgm:style>
+  </dgm:styleLbl>
+  <dgm:styleLbl name="alignImgPlace1">
+    <dgm:scene3d>
+      <a:camera prst="orthographicFront"/>
+      <a:lightRig rig="threePt" dir="t"/>
+    </dgm:scene3d>
+    <dgm:sp3d/>
+    <dgm:txPr/>
+    <dgm:style>
+      <a:lnRef idx="0">
+        <a:scrgbClr r="0" g="0" b="0"/>
+      </a:lnRef>
+      <a:fillRef idx="1">
+        <a:scrgbClr r="0" g="0" b="0"/>
+      </a:fillRef>
+      <a:effectRef idx="2">
+        <a:scrgbClr r="0" g="0" b="0"/>
+      </a:effectRef>
+      <a:fontRef idx="minor"/>
+    </dgm:style>
+  </dgm:styleLbl>
+  <dgm:styleLbl name="bgImgPlace1">
+    <dgm:scene3d>
+      <a:camera prst="orthographicFront"/>
+      <a:lightRig rig="threePt" dir="t"/>
+    </dgm:scene3d>
+    <dgm:sp3d/>
+    <dgm:txPr/>
+    <dgm:style>
+      <a:lnRef idx="0">
+        <a:scrgbClr r="0" g="0" b="0"/>
+      </a:lnRef>
+      <a:fillRef idx="1">
+        <a:scrgbClr r="0" g="0" b="0"/>
+      </a:fillRef>
+      <a:effectRef idx="2">
+        <a:scrgbClr r="0" g="0" b="0"/>
+      </a:effectRef>
+      <a:fontRef idx="minor"/>
+    </dgm:style>
+  </dgm:styleLbl>
+  <dgm:styleLbl name="sibTrans2D1">
+    <dgm:scene3d>
+      <a:camera prst="orthographicFront"/>
+      <a:lightRig rig="threePt" dir="t"/>
+    </dgm:scene3d>
+    <dgm:sp3d/>
+    <dgm:txPr/>
+    <dgm:style>
+      <a:lnRef idx="0">
+        <a:scrgbClr r="0" g="0" b="0"/>
+      </a:lnRef>
+      <a:fillRef idx="3">
+        <a:scrgbClr r="0" g="0" b="0"/>
+      </a:fillRef>
+      <a:effectRef idx="2">
+        <a:scrgbClr r="0" g="0" b="0"/>
+      </a:effectRef>
+      <a:fontRef idx="minor">
+        <a:schemeClr val="lt1"/>
+      </a:fontRef>
+    </dgm:style>
+  </dgm:styleLbl>
+  <dgm:styleLbl name="fgSibTrans2D1">
+    <dgm:scene3d>
+      <a:camera prst="orthographicFront"/>
+      <a:lightRig rig="threePt" dir="t"/>
+    </dgm:scene3d>
+    <dgm:sp3d/>
+    <dgm:txPr/>
+    <dgm:style>
+      <a:lnRef idx="0">
+        <a:scrgbClr r="0" g="0" b="0"/>
+      </a:lnRef>
+      <a:fillRef idx="3">
+        <a:scrgbClr r="0" g="0" b="0"/>
+      </a:fillRef>
+      <a:effectRef idx="2">
+        <a:scrgbClr r="0" g="0" b="0"/>
+      </a:effectRef>
+      <a:fontRef idx="minor">
+        <a:schemeClr val="lt1"/>
+      </a:fontRef>
+    </dgm:style>
+  </dgm:styleLbl>
+  <dgm:styleLbl name="bgSibTrans2D1">
+    <dgm:scene3d>
+      <a:camera prst="orthographicFront"/>
+      <a:lightRig rig="threePt" dir="t"/>
+    </dgm:scene3d>
+    <dgm:sp3d/>
+    <dgm:txPr/>
+    <dgm:style>
+      <a:lnRef idx="0">
+        <a:scrgbClr r="0" g="0" b="0"/>
+      </a:lnRef>
+      <a:fillRef idx="3">
+        <a:scrgbClr r="0" g="0" b="0"/>
+      </a:fillRef>
+      <a:effectRef idx="2">
+        <a:scrgbClr r="0" g="0" b="0"/>
+      </a:effectRef>
+      <a:fontRef idx="minor">
+        <a:schemeClr val="lt1"/>
+      </a:fontRef>
+    </dgm:style>
+  </dgm:styleLbl>
+  <dgm:styleLbl name="sibTrans1D1">
+    <dgm:scene3d>
+      <a:camera prst="orthographicFront"/>
+      <a:lightRig rig="threePt" dir="t"/>
+    </dgm:scene3d>
+    <dgm:sp3d/>
+    <dgm:txPr/>
+    <dgm:style>
+      <a:lnRef idx="1">
+        <a:scrgbClr r="0" g="0" b="0"/>
+      </a:lnRef>
+      <a:fillRef idx="0">
+        <a:scrgbClr r="0" g="0" b="0"/>
+      </a:fillRef>
+      <a:effectRef idx="0">
+        <a:scrgbClr r="0" g="0" b="0"/>
+      </a:effectRef>
+      <a:fontRef idx="minor"/>
+    </dgm:style>
+  </dgm:styleLbl>
+  <dgm:styleLbl name="callout">
+    <dgm:scene3d>
+      <a:camera prst="orthographicFront"/>
+      <a:lightRig rig="threePt" dir="t"/>
+    </dgm:scene3d>
+    <dgm:sp3d/>
+    <dgm:txPr/>
+    <dgm:style>
+      <a:lnRef idx="2">
+        <a:scrgbClr r="0" g="0" b="0"/>
+      </a:lnRef>
+      <a:fillRef idx="1">
+        <a:scrgbClr r="0" g="0" b="0"/>
+      </a:fillRef>
+      <a:effectRef idx="1">
+        <a:scrgbClr r="0" g="0" b="0"/>
+      </a:effectRef>
+      <a:fontRef idx="minor"/>
+    </dgm:style>
+  </dgm:styleLbl>
+  <dgm:styleLbl name="asst0">
+    <dgm:scene3d>
+      <a:camera prst="orthographicFront"/>
+      <a:lightRig rig="threePt" dir="t"/>
+    </dgm:scene3d>
+    <dgm:sp3d/>
+    <dgm:txPr/>
+    <dgm:style>
+      <a:lnRef idx="0">
+        <a:scrgbClr r="0" g="0" b="0"/>
+      </a:lnRef>
+      <a:fillRef idx="3">
+        <a:scrgbClr r="0" g="0" b="0"/>
+      </a:fillRef>
+      <a:effectRef idx="2">
+        <a:scrgbClr r="0" g="0" b="0"/>
+      </a:effectRef>
+      <a:fontRef idx="minor">
+        <a:schemeClr val="lt1"/>
+      </a:fontRef>
+    </dgm:style>
+  </dgm:styleLbl>
+  <dgm:styleLbl name="asst1">
+    <dgm:scene3d>
+      <a:camera prst="orthographicFront"/>
+      <a:lightRig rig="threePt" dir="t"/>
+    </dgm:scene3d>
+    <dgm:sp3d/>
+    <dgm:txPr/>
+    <dgm:style>
+      <a:lnRef idx="0">
+        <a:scrgbClr r="0" g="0" b="0"/>
+      </a:lnRef>
+      <a:fillRef idx="3">
+        <a:scrgbClr r="0" g="0" b="0"/>
+      </a:fillRef>
+      <a:effectRef idx="2">
+        <a:scrgbClr r="0" g="0" b="0"/>
+      </a:effectRef>
+      <a:fontRef idx="minor">
+        <a:schemeClr val="lt1"/>
+      </a:fontRef>
+    </dgm:style>
+  </dgm:styleLbl>
+  <dgm:styleLbl name="asst2">
+    <dgm:scene3d>
+      <a:camera prst="orthographicFront"/>
+      <a:lightRig rig="threePt" dir="t"/>
+    </dgm:scene3d>
+    <dgm:sp3d/>
+    <dgm:txPr/>
+    <dgm:style>
+      <a:lnRef idx="0">
+        <a:scrgbClr r="0" g="0" b="0"/>
+      </a:lnRef>
+      <a:fillRef idx="3">
+        <a:scrgbClr r="0" g="0" b="0"/>
+      </a:fillRef>
+      <a:effectRef idx="2">
+        <a:scrgbClr r="0" g="0" b="0"/>
+      </a:effectRef>
+      <a:fontRef idx="minor">
+        <a:schemeClr val="lt1"/>
+      </a:fontRef>
+    </dgm:style>
+  </dgm:styleLbl>
+  <dgm:styleLbl name="asst3">
+    <dgm:scene3d>
+      <a:camera prst="orthographicFront"/>
+      <a:lightRig rig="threePt" dir="t"/>
+    </dgm:scene3d>
+    <dgm:sp3d/>
+    <dgm:txPr/>
+    <dgm:style>
+      <a:lnRef idx="0">
+        <a:scrgbClr r="0" g="0" b="0"/>
+      </a:lnRef>
+      <a:fillRef idx="3">
+        <a:scrgbClr r="0" g="0" b="0"/>
+      </a:fillRef>
+      <a:effectRef idx="2">
+        <a:scrgbClr r="0" g="0" b="0"/>
+      </a:effectRef>
+      <a:fontRef idx="minor">
+        <a:schemeClr val="lt1"/>
+      </a:fontRef>
+    </dgm:style>
+  </dgm:styleLbl>
+  <dgm:styleLbl name="asst4">
+    <dgm:scene3d>
+      <a:camera prst="orthographicFront"/>
+      <a:lightRig rig="threePt" dir="t"/>
+    </dgm:scene3d>
+    <dgm:sp3d/>
+    <dgm:txPr/>
+    <dgm:style>
+      <a:lnRef idx="0">
+        <a:scrgbClr r="0" g="0" b="0"/>
+      </a:lnRef>
+      <a:fillRef idx="3">
+        <a:scrgbClr r="0" g="0" b="0"/>
+      </a:fillRef>
+      <a:effectRef idx="2">
+        <a:scrgbClr r="0" g="0" b="0"/>
+      </a:effectRef>
+      <a:fontRef idx="minor">
+        <a:schemeClr val="lt1"/>
+      </a:fontRef>
+    </dgm:style>
+  </dgm:styleLbl>
+  <dgm:styleLbl name="parChTrans2D1">
+    <dgm:scene3d>
+      <a:camera prst="orthographicFront"/>
+      <a:lightRig rig="threePt" dir="t"/>
+    </dgm:scene3d>
+    <dgm:sp3d/>
+    <dgm:txPr/>
+    <dgm:style>
+      <a:lnRef idx="0">
+        <a:scrgbClr r="0" g="0" b="0"/>
+      </a:lnRef>
+      <a:fillRef idx="3">
+        <a:scrgbClr r="0" g="0" b="0"/>
+      </a:fillRef>
+      <a:effectRef idx="2">
+        <a:scrgbClr r="0" g="0" b="0"/>
+      </a:effectRef>
+      <a:fontRef idx="minor">
+        <a:schemeClr val="lt1"/>
+      </a:fontRef>
+    </dgm:style>
+  </dgm:styleLbl>
+  <dgm:styleLbl name="parChTrans2D2">
+    <dgm:scene3d>
+      <a:camera prst="orthographicFront"/>
+      <a:lightRig rig="threePt" dir="t"/>
+    </dgm:scene3d>
+    <dgm:sp3d/>
+    <dgm:txPr/>
+    <dgm:style>
+      <a:lnRef idx="0">
+        <a:scrgbClr r="0" g="0" b="0"/>
+      </a:lnRef>
+      <a:fillRef idx="3">
+        <a:scrgbClr r="0" g="0" b="0"/>
+      </a:fillRef>
+      <a:effectRef idx="2">
+        <a:scrgbClr r="0" g="0" b="0"/>
+      </a:effectRef>
+      <a:fontRef idx="minor">
+        <a:schemeClr val="lt1"/>
+      </a:fontRef>
+    </dgm:style>
+  </dgm:styleLbl>
+  <dgm:styleLbl name="parChTrans2D3">
+    <dgm:scene3d>
+      <a:camera prst="orthographicFront"/>
+      <a:lightRig rig="threePt" dir="t"/>
+    </dgm:scene3d>
+    <dgm:sp3d/>
+    <dgm:txPr/>
+    <dgm:style>
+      <a:lnRef idx="1">
+        <a:scrgbClr r="0" g="0" b="0"/>
+      </a:lnRef>
+      <a:fillRef idx="3">
+        <a:scrgbClr r="0" g="0" b="0"/>
+      </a:fillRef>
+      <a:effectRef idx="2">
+        <a:scrgbClr r="0" g="0" b="0"/>
+      </a:effectRef>
+      <a:fontRef idx="minor">
+        <a:schemeClr val="lt1"/>
+      </a:fontRef>
+    </dgm:style>
+  </dgm:styleLbl>
+  <dgm:styleLbl name="parChTrans2D4">
+    <dgm:scene3d>
+      <a:camera prst="orthographicFront"/>
+      <a:lightRig rig="threePt" dir="t"/>
+    </dgm:scene3d>
+    <dgm:sp3d/>
+    <dgm:txPr/>
+    <dgm:style>
+      <a:lnRef idx="1">
+        <a:scrgbClr r="0" g="0" b="0"/>
+      </a:lnRef>
+      <a:fillRef idx="3">
+        <a:scrgbClr r="0" g="0" b="0"/>
+      </a:fillRef>
+      <a:effectRef idx="2">
+        <a:scrgbClr r="0" g="0" b="0"/>
+      </a:effectRef>
+      <a:fontRef idx="minor">
+        <a:schemeClr val="lt1"/>
+      </a:fontRef>
+    </dgm:style>
+  </dgm:styleLbl>
+  <dgm:styleLbl name="parChTrans1D1">
+    <dgm:scene3d>
+      <a:camera prst="orthographicFront"/>
+      <a:lightRig rig="threePt" dir="t"/>
+    </dgm:scene3d>
+    <dgm:sp3d/>
+    <dgm:txPr/>
+    <dgm:style>
+      <a:lnRef idx="1">
+        <a:scrgbClr r="0" g="0" b="0"/>
+      </a:lnRef>
+      <a:fillRef idx="0">
+        <a:scrgbClr r="0" g="0" b="0"/>
+      </a:fillRef>
+      <a:effectRef idx="0">
+        <a:scrgbClr r="0" g="0" b="0"/>
+      </a:effectRef>
+      <a:fontRef idx="minor"/>
+    </dgm:style>
+  </dgm:styleLbl>
+  <dgm:styleLbl name="parChTrans1D2">
+    <dgm:scene3d>
+      <a:camera prst="orthographicFront"/>
+      <a:lightRig rig="threePt" dir="t"/>
+    </dgm:scene3d>
+    <dgm:sp3d/>
+    <dgm:txPr/>
+    <dgm:style>
+      <a:lnRef idx="1">
+        <a:scrgbClr r="0" g="0" b="0"/>
+      </a:lnRef>
+      <a:fillRef idx="0">
+        <a:scrgbClr r="0" g="0" b="0"/>
+      </a:fillRef>
+      <a:effectRef idx="0">
+        <a:scrgbClr r="0" g="0" b="0"/>
+      </a:effectRef>
+      <a:fontRef idx="minor"/>
+    </dgm:style>
+  </dgm:styleLbl>
+  <dgm:styleLbl name="parChTrans1D3">
+    <dgm:scene3d>
+      <a:camera prst="orthographicFront"/>
+      <a:lightRig rig="threePt" dir="t"/>
+    </dgm:scene3d>
+    <dgm:sp3d/>
+    <dgm:txPr/>
+    <dgm:style>
+      <a:lnRef idx="1">
+        <a:scrgbClr r="0" g="0" b="0"/>
+      </a:lnRef>
+      <a:fillRef idx="0">
+        <a:scrgbClr r="0" g="0" b="0"/>
+      </a:fillRef>
+      <a:effectRef idx="0">
+        <a:scrgbClr r="0" g="0" b="0"/>
+      </a:effectRef>
+      <a:fontRef idx="minor"/>
+    </dgm:style>
+  </dgm:styleLbl>
+  <dgm:styleLbl name="parChTrans1D4">
+    <dgm:scene3d>
+      <a:camera prst="orthographicFront"/>
+      <a:lightRig rig="threePt" dir="t"/>
+    </dgm:scene3d>
+    <dgm:sp3d/>
+    <dgm:txPr/>
+    <dgm:style>
+      <a:lnRef idx="1">
+        <a:scrgbClr r="0" g="0" b="0"/>
+      </a:lnRef>
+      <a:fillRef idx="0">
+        <a:scrgbClr r="0" g="0" b="0"/>
+      </a:fillRef>
+      <a:effectRef idx="0">
+        <a:scrgbClr r="0" g="0" b="0"/>
+      </a:effectRef>
+      <a:fontRef idx="minor"/>
+    </dgm:style>
+  </dgm:styleLbl>
+  <dgm:styleLbl name="fgAcc1">
+    <dgm:scene3d>
+      <a:camera prst="orthographicFront"/>
+      <a:lightRig rig="threePt" dir="t"/>
+    </dgm:scene3d>
+    <dgm:sp3d/>
+    <dgm:txPr/>
+    <dgm:style>
+      <a:lnRef idx="1">
+        <a:scrgbClr r="0" g="0" b="0"/>
+      </a:lnRef>
+      <a:fillRef idx="1">
+        <a:scrgbClr r="0" g="0" b="0"/>
+      </a:fillRef>
+      <a:effectRef idx="0">
+        <a:scrgbClr r="0" g="0" b="0"/>
+      </a:effectRef>
+      <a:fontRef idx="minor"/>
+    </dgm:style>
+  </dgm:styleLbl>
+  <dgm:styleLbl name="conFgAcc1">
+    <dgm:scene3d>
+      <a:camera prst="orthographicFront"/>
+      <a:lightRig rig="threePt" dir="t"/>
+    </dgm:scene3d>
+    <dgm:sp3d/>
+    <dgm:txPr/>
+    <dgm:style>
+      <a:lnRef idx="1">
+        <a:scrgbClr r="0" g="0" b="0"/>
+      </a:lnRef>
+      <a:fillRef idx="1">
+        <a:scrgbClr r="0" g="0" b="0"/>
+      </a:fillRef>
+      <a:effectRef idx="0">
+        <a:scrgbClr r="0" g="0" b="0"/>
+      </a:effectRef>
+      <a:fontRef idx="minor"/>
+    </dgm:style>
+  </dgm:styleLbl>
+  <dgm:styleLbl name="alignAcc1">
+    <dgm:scene3d>
+      <a:camera prst="orthographicFront"/>
+      <a:lightRig rig="threePt" dir="t"/>
+    </dgm:scene3d>
+    <dgm:sp3d/>
+    <dgm:txPr/>
+    <dgm:style>
+      <a:lnRef idx="1">
+        <a:scrgbClr r="0" g="0" b="0"/>
+      </a:lnRef>
+      <a:fillRef idx="1">
+        <a:scrgbClr r="0" g="0" b="0"/>
+      </a:fillRef>
+      <a:effectRef idx="0">
+        <a:scrgbClr r="0" g="0" b="0"/>
+      </a:effectRef>
+      <a:fontRef idx="minor"/>
+    </dgm:style>
+  </dgm:styleLbl>
+  <dgm:styleLbl name="trAlignAcc1">
+    <dgm:scene3d>
+      <a:camera prst="orthographicFront"/>
+      <a:lightRig rig="threePt" dir="t"/>
+    </dgm:scene3d>
+    <dgm:sp3d/>
+    <dgm:txPr/>
+    <dgm:style>
+      <a:lnRef idx="1">
+        <a:scrgbClr r="0" g="0" b="0"/>
+      </a:lnRef>
+      <a:fillRef idx="1">
+        <a:scrgbClr r="0" g="0" b="0"/>
+      </a:fillRef>
+      <a:effectRef idx="0">
+        <a:scrgbClr r="0" g="0" b="0"/>
+      </a:effectRef>
+      <a:fontRef idx="minor"/>
+    </dgm:style>
+  </dgm:styleLbl>
+  <dgm:styleLbl name="bgAcc1">
+    <dgm:scene3d>
+      <a:camera prst="orthographicFront"/>
+      <a:lightRig rig="threePt" dir="t"/>
+    </dgm:scene3d>
+    <dgm:sp3d/>
+    <dgm:txPr/>
+    <dgm:style>
+      <a:lnRef idx="1">
+        <a:scrgbClr r="0" g="0" b="0"/>
+      </a:lnRef>
+      <a:fillRef idx="1">
+        <a:scrgbClr r="0" g="0" b="0"/>
+      </a:fillRef>
+      <a:effectRef idx="0">
+        <a:scrgbClr r="0" g="0" b="0"/>
+      </a:effectRef>
+      <a:fontRef idx="minor"/>
+    </dgm:style>
+  </dgm:styleLbl>
+  <dgm:styleLbl name="solidFgAcc1">
+    <dgm:scene3d>
+      <a:camera prst="orthographicFront"/>
+      <a:lightRig rig="threePt" dir="t"/>
+    </dgm:scene3d>
+    <dgm:sp3d/>
+    <dgm:txPr/>
+    <dgm:style>
+      <a:lnRef idx="1">
+        <a:scrgbClr r="0" g="0" b="0"/>
+      </a:lnRef>
+      <a:fillRef idx="1">
+        <a:scrgbClr r="0" g="0" b="0"/>
+      </a:fillRef>
+      <a:effectRef idx="0">
+        <a:scrgbClr r="0" g="0" b="0"/>
+      </a:effectRef>
+      <a:fontRef idx="minor"/>
+    </dgm:style>
+  </dgm:styleLbl>
+  <dgm:styleLbl name="solidAlignAcc1">
+    <dgm:scene3d>
+      <a:camera prst="orthographicFront"/>
+      <a:lightRig rig="threePt" dir="t"/>
+    </dgm:scene3d>
+    <dgm:sp3d/>
+    <dgm:txPr/>
+    <dgm:style>
+      <a:lnRef idx="1">
+        <a:scrgbClr r="0" g="0" b="0"/>
+      </a:lnRef>
+      <a:fillRef idx="1">
+        <a:scrgbClr r="0" g="0" b="0"/>
+      </a:fillRef>
+      <a:effectRef idx="0">
+        <a:scrgbClr r="0" g="0" b="0"/>
+      </a:effectRef>
+      <a:fontRef idx="minor"/>
+    </dgm:style>
+  </dgm:styleLbl>
+  <dgm:styleLbl name="solidBgAcc1">
+    <dgm:scene3d>
+      <a:camera prst="orthographicFront"/>
+      <a:lightRig rig="threePt" dir="t"/>
+    </dgm:scene3d>
+    <dgm:sp3d/>
+    <dgm:txPr/>
+    <dgm:style>
+      <a:lnRef idx="1">
+        <a:scrgbClr r="0" g="0" b="0"/>
+      </a:lnRef>
+      <a:fillRef idx="1">
+        <a:scrgbClr r="0" g="0" b="0"/>
+      </a:fillRef>
+      <a:effectRef idx="0">
+        <a:scrgbClr r="0" g="0" b="0"/>
+      </a:effectRef>
+      <a:fontRef idx="minor"/>
+    </dgm:style>
+  </dgm:styleLbl>
+  <dgm:styleLbl name="fgAccFollowNode1">
+    <dgm:scene3d>
+      <a:camera prst="orthographicFront"/>
+      <a:lightRig rig="threePt" dir="t"/>
+    </dgm:scene3d>
+    <dgm:sp3d/>
+    <dgm:txPr/>
+    <dgm:style>
+      <a:lnRef idx="1">
+        <a:scrgbClr r="0" g="0" b="0"/>
+      </a:lnRef>
+      <a:fillRef idx="1">
+        <a:scrgbClr r="0" g="0" b="0"/>
+      </a:fillRef>
+      <a:effectRef idx="0">
+        <a:scrgbClr r="0" g="0" b="0"/>
+      </a:effectRef>
+      <a:fontRef idx="minor"/>
+    </dgm:style>
+  </dgm:styleLbl>
+  <dgm:styleLbl name="alignAccFollowNode1">
+    <dgm:scene3d>
+      <a:camera prst="orthographicFront"/>
+      <a:lightRig rig="threePt" dir="t"/>
+    </dgm:scene3d>
+    <dgm:sp3d/>
+    <dgm:txPr/>
+    <dgm:style>
+      <a:lnRef idx="1">
+        <a:scrgbClr r="0" g="0" b="0"/>
+      </a:lnRef>
+      <a:fillRef idx="1">
+        <a:scrgbClr r="0" g="0" b="0"/>
+      </a:fillRef>
+      <a:effectRef idx="0">
+        <a:scrgbClr r="0" g="0" b="0"/>
+      </a:effectRef>
+      <a:fontRef idx="minor"/>
+    </dgm:style>
+  </dgm:styleLbl>
+  <dgm:styleLbl name="bgAccFollowNode1">
+    <dgm:scene3d>
+      <a:camera prst="orthographicFront"/>
+      <a:lightRig rig="threePt" dir="t"/>
+    </dgm:scene3d>
+    <dgm:sp3d/>
+    <dgm:txPr/>
+    <dgm:style>
+      <a:lnRef idx="1">
+        <a:scrgbClr r="0" g="0" b="0"/>
+      </a:lnRef>
+      <a:fillRef idx="1">
+        <a:scrgbClr r="0" g="0" b="0"/>
+      </a:fillRef>
+      <a:effectRef idx="0">
+        <a:scrgbClr r="0" g="0" b="0"/>
+      </a:effectRef>
+      <a:fontRef idx="minor"/>
+    </dgm:style>
+  </dgm:styleLbl>
+  <dgm:styleLbl name="fgAcc0">
+    <dgm:scene3d>
+      <a:camera prst="orthographicFront"/>
+      <a:lightRig rig="threePt" dir="t"/>
+    </dgm:scene3d>
+    <dgm:sp3d/>
+    <dgm:txPr/>
+    <dgm:style>
+      <a:lnRef idx="1">
+        <a:scrgbClr r="0" g="0" b="0"/>
+      </a:lnRef>
+      <a:fillRef idx="1">
+        <a:scrgbClr r="0" g="0" b="0"/>
+      </a:fillRef>
+      <a:effectRef idx="0">
+        <a:scrgbClr r="0" g="0" b="0"/>
+      </a:effectRef>
+      <a:fontRef idx="minor"/>
+    </dgm:style>
+  </dgm:styleLbl>
+  <dgm:styleLbl name="fgAcc2">
+    <dgm:scene3d>
+      <a:camera prst="orthographicFront"/>
+      <a:lightRig rig="threePt" dir="t"/>
+    </dgm:scene3d>
+    <dgm:sp3d/>
+    <dgm:txPr/>
+    <dgm:style>
+      <a:lnRef idx="1">
+        <a:scrgbClr r="0" g="0" b="0"/>
+      </a:lnRef>
+      <a:fillRef idx="1">
+        <a:scrgbClr r="0" g="0" b="0"/>
+      </a:fillRef>
+      <a:effectRef idx="0">
+        <a:scrgbClr r="0" g="0" b="0"/>
+      </a:effectRef>
+      <a:fontRef idx="minor"/>
+    </dgm:style>
+  </dgm:styleLbl>
+  <dgm:styleLbl name="fgAcc3">
+    <dgm:scene3d>
+      <a:camera prst="orthographicFront"/>
+      <a:lightRig rig="threePt" dir="t"/>
+    </dgm:scene3d>
+    <dgm:sp3d/>
+    <dgm:txPr/>
+    <dgm:style>
+      <a:lnRef idx="1">
+        <a:scrgbClr r="0" g="0" b="0"/>
+      </a:lnRef>
+      <a:fillRef idx="1">
+        <a:scrgbClr r="0" g="0" b="0"/>
+      </a:fillRef>
+      <a:effectRef idx="0">
+        <a:scrgbClr r="0" g="0" b="0"/>
+      </a:effectRef>
+      <a:fontRef idx="minor"/>
+    </dgm:style>
+  </dgm:styleLbl>
+  <dgm:styleLbl name="fgAcc4">
+    <dgm:scene3d>
+      <a:camera prst="orthographicFront"/>
+      <a:lightRig rig="threePt" dir="t"/>
+    </dgm:scene3d>
+    <dgm:sp3d/>
+    <dgm:txPr/>
+    <dgm:style>
+      <a:lnRef idx="1">
+        <a:scrgbClr r="0" g="0" b="0"/>
+      </a:lnRef>
+      <a:fillRef idx="1">
+        <a:scrgbClr r="0" g="0" b="0"/>
+      </a:fillRef>
+      <a:effectRef idx="0">
+        <a:scrgbClr r="0" g="0" b="0"/>
+      </a:effectRef>
+      <a:fontRef idx="minor"/>
+    </dgm:style>
+  </dgm:styleLbl>
+  <dgm:styleLbl name="bgShp">
+    <dgm:scene3d>
+      <a:camera prst="orthographicFront"/>
+      <a:lightRig rig="threePt" dir="t"/>
+    </dgm:scene3d>
+    <dgm:sp3d/>
+    <dgm:txPr/>
+    <dgm:style>
+      <a:lnRef idx="0">
+        <a:scrgbClr r="0" g="0" b="0"/>
+      </a:lnRef>
+      <a:fillRef idx="1">
+        <a:scrgbClr r="0" g="0" b="0"/>
+      </a:fillRef>
+      <a:effectRef idx="2">
+        <a:scrgbClr r="0" g="0" b="0"/>
+      </a:effectRef>
+      <a:fontRef idx="minor"/>
+    </dgm:style>
+  </dgm:styleLbl>
+  <dgm:styleLbl name="dkBgShp">
+    <dgm:scene3d>
+      <a:camera prst="orthographicFront"/>
+      <a:lightRig rig="threePt" dir="t"/>
+    </dgm:scene3d>
+    <dgm:sp3d/>
+    <dgm:txPr/>
+    <dgm:style>
+      <a:lnRef idx="0">
+        <a:scrgbClr r="0" g="0" b="0"/>
+      </a:lnRef>
+      <a:fillRef idx="1">
+        <a:scrgbClr r="0" g="0" b="0"/>
+      </a:fillRef>
+      <a:effectRef idx="2">
+        <a:scrgbClr r="0" g="0" b="0"/>
+      </a:effectRef>
+      <a:fontRef idx="minor"/>
+    </dgm:style>
+  </dgm:styleLbl>
+  <dgm:styleLbl name="trBgShp">
+    <dgm:scene3d>
+      <a:camera prst="orthographicFront"/>
+      <a:lightRig rig="threePt" dir="t"/>
+    </dgm:scene3d>
+    <dgm:sp3d/>
+    <dgm:txPr/>
+    <dgm:style>
+      <a:lnRef idx="0">
+        <a:scrgbClr r="0" g="0" b="0"/>
+      </a:lnRef>
+      <a:fillRef idx="1">
+        <a:scrgbClr r="0" g="0" b="0"/>
+      </a:fillRef>
+      <a:effectRef idx="0">
+        <a:scrgbClr r="0" g="0" b="0"/>
+      </a:effectRef>
+      <a:fontRef idx="minor"/>
+    </dgm:style>
+  </dgm:styleLbl>
+  <dgm:styleLbl name="fgShp">
+    <dgm:scene3d>
+      <a:camera prst="orthographicFront"/>
+      <a:lightRig rig="threePt" dir="t"/>
+    </dgm:scene3d>
+    <dgm:sp3d/>
+    <dgm:txPr/>
+    <dgm:style>
+      <a:lnRef idx="0">
+        <a:scrgbClr r="0" g="0" b="0"/>
+      </a:lnRef>
+      <a:fillRef idx="3">
+        <a:scrgbClr r="0" g="0" b="0"/>
+      </a:fillRef>
+      <a:effectRef idx="2">
+        <a:scrgbClr r="0" g="0" b="0"/>
+      </a:effectRef>
+      <a:fontRef idx="minor"/>
+    </dgm:style>
+  </dgm:styleLbl>
+  <dgm:styleLbl name="revTx">
+    <dgm:scene3d>
+      <a:camera prst="orthographicFront"/>
+      <a:lightRig rig="threePt" dir="t"/>
+    </dgm:scene3d>
+    <dgm:sp3d/>
+    <dgm:txPr/>
+    <dgm:style>
+      <a:lnRef idx="0">
+        <a:scrgbClr r="0" g="0" b="0"/>
+      </a:lnRef>
+      <a:fillRef idx="0">
+        <a:scrgbClr r="0" g="0" b="0"/>
+      </a:fillRef>
+      <a:effectRef idx="0">
+        <a:scrgbClr r="0" g="0" b="0"/>
+      </a:effectRef>
+      <a:fontRef idx="minor"/>
+    </dgm:style>
+  </dgm:styleLbl>
+</dgm:styleDef>
+</file>
+
+<file path=ppt/diagrams/quickStyle3.xml><?xml version="1.0" encoding="utf-8"?>
 <dgm:styleDef xmlns:dgm="http://schemas.openxmlformats.org/drawingml/2006/diagram" xmlns:a="http://schemas.openxmlformats.org/drawingml/2006/main" uniqueId="urn:microsoft.com/office/officeart/2005/8/quickstyle/simple1">
   <dgm:title val=""/>
   <dgm:desc val=""/>
@@ -3638,7 +8820,7 @@
           <a:p>
             <a:fld id="{BC6301BB-1CFE-425A-B800-11137A548326}" type="datetimeFigureOut">
               <a:rPr lang="en-US" smtClean="0"/>
-              <a:t>4/14/2017</a:t>
+              <a:t>4/13/2017</a:t>
             </a:fld>
             <a:endParaRPr lang="en-US"/>
           </a:p>
@@ -3950,6 +9132,98 @@
           <a:bodyPr/>
           <a:lstStyle/>
           <a:p>
+            <a:r>
+              <a:rPr lang="en-US" dirty="0" smtClean="0"/>
+              <a:t>X</a:t>
+            </a:r>
+            <a:r>
+              <a:rPr lang="en-US" baseline="0" dirty="0" smtClean="0"/>
+              <a:t> to the F to the M to the V.</a:t>
+            </a:r>
+            <a:endParaRPr lang="en-US" dirty="0"/>
+          </a:p>
+        </p:txBody>
+      </p:sp>
+      <p:sp>
+        <p:nvSpPr>
+          <p:cNvPr id="4" name="Slide Number Placeholder 3"/>
+          <p:cNvSpPr>
+            <a:spLocks noGrp="1"/>
+          </p:cNvSpPr>
+          <p:nvPr>
+            <p:ph type="sldNum" sz="quarter" idx="10"/>
+          </p:nvPr>
+        </p:nvSpPr>
+        <p:spPr/>
+        <p:txBody>
+          <a:bodyPr/>
+          <a:lstStyle/>
+          <a:p>
+            <a:fld id="{4DF559D7-D7EC-4DDD-8B47-9EE4CD397A1F}" type="slidenum">
+              <a:rPr lang="en-US" smtClean="0"/>
+              <a:t>1</a:t>
+            </a:fld>
+            <a:endParaRPr lang="en-US"/>
+          </a:p>
+        </p:txBody>
+      </p:sp>
+    </p:spTree>
+    <p:extLst>
+      <p:ext uri="{BB962C8B-B14F-4D97-AF65-F5344CB8AC3E}">
+        <p14:creationId xmlns:p14="http://schemas.microsoft.com/office/powerpoint/2010/main" val="2773098369"/>
+      </p:ext>
+    </p:extLst>
+  </p:cSld>
+  <p:clrMapOvr>
+    <a:masterClrMapping/>
+  </p:clrMapOvr>
+</p:notes>
+</file>
+
+<file path=ppt/notesSlides/notesSlide2.xml><?xml version="1.0" encoding="utf-8"?>
+<p:notes xmlns:a="http://schemas.openxmlformats.org/drawingml/2006/main" xmlns:r="http://schemas.openxmlformats.org/officeDocument/2006/relationships" xmlns:p="http://schemas.openxmlformats.org/presentationml/2006/main">
+  <p:cSld>
+    <p:spTree>
+      <p:nvGrpSpPr>
+        <p:cNvPr id="1" name=""/>
+        <p:cNvGrpSpPr/>
+        <p:nvPr/>
+      </p:nvGrpSpPr>
+      <p:grpSpPr>
+        <a:xfrm>
+          <a:off x="0" y="0"/>
+          <a:ext cx="0" cy="0"/>
+          <a:chOff x="0" y="0"/>
+          <a:chExt cx="0" cy="0"/>
+        </a:xfrm>
+      </p:grpSpPr>
+      <p:sp>
+        <p:nvSpPr>
+          <p:cNvPr id="2" name="Slide Image Placeholder 1"/>
+          <p:cNvSpPr>
+            <a:spLocks noGrp="1" noRot="1" noChangeAspect="1"/>
+          </p:cNvSpPr>
+          <p:nvPr>
+            <p:ph type="sldImg"/>
+          </p:nvPr>
+        </p:nvSpPr>
+        <p:spPr/>
+      </p:sp>
+      <p:sp>
+        <p:nvSpPr>
+          <p:cNvPr id="3" name="Notes Placeholder 2"/>
+          <p:cNvSpPr>
+            <a:spLocks noGrp="1"/>
+          </p:cNvSpPr>
+          <p:nvPr>
+            <p:ph type="body" idx="1"/>
+          </p:nvPr>
+        </p:nvSpPr>
+        <p:spPr/>
+        <p:txBody>
+          <a:bodyPr/>
+          <a:lstStyle/>
+          <a:p>
             <a:pPr marL="0" marR="0" indent="0" algn="l" defTabSz="914400" rtl="0" eaLnBrk="1" fontAlgn="auto" latinLnBrk="0" hangingPunct="1">
               <a:lnSpc>
                 <a:spcPct val="100000"/>
@@ -4013,98 +9287,6 @@
 </p:notes>
 </file>
 
-<file path=ppt/notesSlides/notesSlide2.xml><?xml version="1.0" encoding="utf-8"?>
-<p:notes xmlns:a="http://schemas.openxmlformats.org/drawingml/2006/main" xmlns:r="http://schemas.openxmlformats.org/officeDocument/2006/relationships" xmlns:p="http://schemas.openxmlformats.org/presentationml/2006/main">
-  <p:cSld>
-    <p:spTree>
-      <p:nvGrpSpPr>
-        <p:cNvPr id="1" name=""/>
-        <p:cNvGrpSpPr/>
-        <p:nvPr/>
-      </p:nvGrpSpPr>
-      <p:grpSpPr>
-        <a:xfrm>
-          <a:off x="0" y="0"/>
-          <a:ext cx="0" cy="0"/>
-          <a:chOff x="0" y="0"/>
-          <a:chExt cx="0" cy="0"/>
-        </a:xfrm>
-      </p:grpSpPr>
-      <p:sp>
-        <p:nvSpPr>
-          <p:cNvPr id="2" name="Slide Image Placeholder 1"/>
-          <p:cNvSpPr>
-            <a:spLocks noGrp="1" noRot="1" noChangeAspect="1"/>
-          </p:cNvSpPr>
-          <p:nvPr>
-            <p:ph type="sldImg"/>
-          </p:nvPr>
-        </p:nvSpPr>
-        <p:spPr/>
-      </p:sp>
-      <p:sp>
-        <p:nvSpPr>
-          <p:cNvPr id="3" name="Notes Placeholder 2"/>
-          <p:cNvSpPr>
-            <a:spLocks noGrp="1"/>
-          </p:cNvSpPr>
-          <p:nvPr>
-            <p:ph type="body" idx="1"/>
-          </p:nvPr>
-        </p:nvSpPr>
-        <p:spPr/>
-        <p:txBody>
-          <a:bodyPr/>
-          <a:lstStyle/>
-          <a:p>
-            <a:r>
-              <a:rPr lang="en-US" dirty="0" smtClean="0"/>
-              <a:t>This could be a numbered list with for</a:t>
-            </a:r>
-            <a:r>
-              <a:rPr lang="en-US" baseline="0" dirty="0" smtClean="0"/>
-              <a:t> a diagram on another slide.</a:t>
-            </a:r>
-            <a:endParaRPr lang="en-US" dirty="0"/>
-          </a:p>
-        </p:txBody>
-      </p:sp>
-      <p:sp>
-        <p:nvSpPr>
-          <p:cNvPr id="4" name="Slide Number Placeholder 3"/>
-          <p:cNvSpPr>
-            <a:spLocks noGrp="1"/>
-          </p:cNvSpPr>
-          <p:nvPr>
-            <p:ph type="sldNum" sz="quarter" idx="10"/>
-          </p:nvPr>
-        </p:nvSpPr>
-        <p:spPr/>
-        <p:txBody>
-          <a:bodyPr/>
-          <a:lstStyle/>
-          <a:p>
-            <a:fld id="{4DF559D7-D7EC-4DDD-8B47-9EE4CD397A1F}" type="slidenum">
-              <a:rPr lang="en-US" smtClean="0"/>
-              <a:t>7</a:t>
-            </a:fld>
-            <a:endParaRPr lang="en-US"/>
-          </a:p>
-        </p:txBody>
-      </p:sp>
-    </p:spTree>
-    <p:extLst>
-      <p:ext uri="{BB962C8B-B14F-4D97-AF65-F5344CB8AC3E}">
-        <p14:creationId xmlns:p14="http://schemas.microsoft.com/office/powerpoint/2010/main" val="3304226420"/>
-      </p:ext>
-    </p:extLst>
-  </p:cSld>
-  <p:clrMapOvr>
-    <a:masterClrMapping/>
-  </p:clrMapOvr>
-</p:notes>
-</file>
-
 <file path=ppt/notesSlides/notesSlide3.xml><?xml version="1.0" encoding="utf-8"?>
 <p:notes xmlns:a="http://schemas.openxmlformats.org/drawingml/2006/main" xmlns:r="http://schemas.openxmlformats.org/officeDocument/2006/relationships" xmlns:p="http://schemas.openxmlformats.org/presentationml/2006/main">
   <p:cSld>
@@ -4151,11 +9333,199 @@
           <a:p>
             <a:r>
               <a:rPr lang="en-US" dirty="0" smtClean="0"/>
-              <a:t>Two</a:t>
+              <a:t>This could be a </a:t>
+            </a:r>
+            <a:r>
+              <a:rPr lang="en-US" dirty="0" smtClean="0"/>
+              <a:t>different type</a:t>
             </a:r>
             <a:r>
               <a:rPr lang="en-US" baseline="0" dirty="0" smtClean="0"/>
-              <a:t> examples of diagram picture styles.</a:t>
+              <a:t> of </a:t>
+            </a:r>
+            <a:r>
+              <a:rPr lang="en-US" dirty="0" smtClean="0"/>
+              <a:t>SmartArt list, for instance</a:t>
+            </a:r>
+            <a:r>
+              <a:rPr lang="en-US" baseline="0" dirty="0" smtClean="0"/>
+              <a:t> with thumbnail pictures of the components.</a:t>
+            </a:r>
+            <a:endParaRPr lang="en-US" dirty="0"/>
+          </a:p>
+        </p:txBody>
+      </p:sp>
+      <p:sp>
+        <p:nvSpPr>
+          <p:cNvPr id="4" name="Slide Number Placeholder 3"/>
+          <p:cNvSpPr>
+            <a:spLocks noGrp="1"/>
+          </p:cNvSpPr>
+          <p:nvPr>
+            <p:ph type="sldNum" sz="quarter" idx="10"/>
+          </p:nvPr>
+        </p:nvSpPr>
+        <p:spPr/>
+        <p:txBody>
+          <a:bodyPr/>
+          <a:lstStyle/>
+          <a:p>
+            <a:fld id="{4DF559D7-D7EC-4DDD-8B47-9EE4CD397A1F}" type="slidenum">
+              <a:rPr lang="en-US" smtClean="0"/>
+              <a:t>5</a:t>
+            </a:fld>
+            <a:endParaRPr lang="en-US"/>
+          </a:p>
+        </p:txBody>
+      </p:sp>
+    </p:spTree>
+    <p:extLst>
+      <p:ext uri="{BB962C8B-B14F-4D97-AF65-F5344CB8AC3E}">
+        <p14:creationId xmlns:p14="http://schemas.microsoft.com/office/powerpoint/2010/main" val="3489125013"/>
+      </p:ext>
+    </p:extLst>
+  </p:cSld>
+  <p:clrMapOvr>
+    <a:masterClrMapping/>
+  </p:clrMapOvr>
+</p:notes>
+</file>
+
+<file path=ppt/notesSlides/notesSlide4.xml><?xml version="1.0" encoding="utf-8"?>
+<p:notes xmlns:a="http://schemas.openxmlformats.org/drawingml/2006/main" xmlns:r="http://schemas.openxmlformats.org/officeDocument/2006/relationships" xmlns:p="http://schemas.openxmlformats.org/presentationml/2006/main">
+  <p:cSld>
+    <p:spTree>
+      <p:nvGrpSpPr>
+        <p:cNvPr id="1" name=""/>
+        <p:cNvGrpSpPr/>
+        <p:nvPr/>
+      </p:nvGrpSpPr>
+      <p:grpSpPr>
+        <a:xfrm>
+          <a:off x="0" y="0"/>
+          <a:ext cx="0" cy="0"/>
+          <a:chOff x="0" y="0"/>
+          <a:chExt cx="0" cy="0"/>
+        </a:xfrm>
+      </p:grpSpPr>
+      <p:sp>
+        <p:nvSpPr>
+          <p:cNvPr id="2" name="Slide Image Placeholder 1"/>
+          <p:cNvSpPr>
+            <a:spLocks noGrp="1" noRot="1" noChangeAspect="1"/>
+          </p:cNvSpPr>
+          <p:nvPr>
+            <p:ph type="sldImg"/>
+          </p:nvPr>
+        </p:nvSpPr>
+        <p:spPr/>
+      </p:sp>
+      <p:sp>
+        <p:nvSpPr>
+          <p:cNvPr id="3" name="Notes Placeholder 2"/>
+          <p:cNvSpPr>
+            <a:spLocks noGrp="1"/>
+          </p:cNvSpPr>
+          <p:nvPr>
+            <p:ph type="body" idx="1"/>
+          </p:nvPr>
+        </p:nvSpPr>
+        <p:spPr/>
+        <p:txBody>
+          <a:bodyPr/>
+          <a:lstStyle/>
+          <a:p>
+            <a:endParaRPr lang="en-US" dirty="0"/>
+          </a:p>
+        </p:txBody>
+      </p:sp>
+      <p:sp>
+        <p:nvSpPr>
+          <p:cNvPr id="4" name="Slide Number Placeholder 3"/>
+          <p:cNvSpPr>
+            <a:spLocks noGrp="1"/>
+          </p:cNvSpPr>
+          <p:nvPr>
+            <p:ph type="sldNum" sz="quarter" idx="10"/>
+          </p:nvPr>
+        </p:nvSpPr>
+        <p:spPr/>
+        <p:txBody>
+          <a:bodyPr/>
+          <a:lstStyle/>
+          <a:p>
+            <a:fld id="{4DF559D7-D7EC-4DDD-8B47-9EE4CD397A1F}" type="slidenum">
+              <a:rPr lang="en-US" smtClean="0"/>
+              <a:t>7</a:t>
+            </a:fld>
+            <a:endParaRPr lang="en-US"/>
+          </a:p>
+        </p:txBody>
+      </p:sp>
+    </p:spTree>
+    <p:extLst>
+      <p:ext uri="{BB962C8B-B14F-4D97-AF65-F5344CB8AC3E}">
+        <p14:creationId xmlns:p14="http://schemas.microsoft.com/office/powerpoint/2010/main" val="27465262"/>
+      </p:ext>
+    </p:extLst>
+  </p:cSld>
+  <p:clrMapOvr>
+    <a:masterClrMapping/>
+  </p:clrMapOvr>
+</p:notes>
+</file>
+
+<file path=ppt/notesSlides/notesSlide5.xml><?xml version="1.0" encoding="utf-8"?>
+<p:notes xmlns:a="http://schemas.openxmlformats.org/drawingml/2006/main" xmlns:r="http://schemas.openxmlformats.org/officeDocument/2006/relationships" xmlns:p="http://schemas.openxmlformats.org/presentationml/2006/main">
+  <p:cSld>
+    <p:spTree>
+      <p:nvGrpSpPr>
+        <p:cNvPr id="1" name=""/>
+        <p:cNvGrpSpPr/>
+        <p:nvPr/>
+      </p:nvGrpSpPr>
+      <p:grpSpPr>
+        <a:xfrm>
+          <a:off x="0" y="0"/>
+          <a:ext cx="0" cy="0"/>
+          <a:chOff x="0" y="0"/>
+          <a:chExt cx="0" cy="0"/>
+        </a:xfrm>
+      </p:grpSpPr>
+      <p:sp>
+        <p:nvSpPr>
+          <p:cNvPr id="2" name="Slide Image Placeholder 1"/>
+          <p:cNvSpPr>
+            <a:spLocks noGrp="1" noRot="1" noChangeAspect="1"/>
+          </p:cNvSpPr>
+          <p:nvPr>
+            <p:ph type="sldImg"/>
+          </p:nvPr>
+        </p:nvSpPr>
+        <p:spPr/>
+      </p:sp>
+      <p:sp>
+        <p:nvSpPr>
+          <p:cNvPr id="3" name="Notes Placeholder 2"/>
+          <p:cNvSpPr>
+            <a:spLocks noGrp="1"/>
+          </p:cNvSpPr>
+          <p:nvPr>
+            <p:ph type="body" idx="1"/>
+          </p:nvPr>
+        </p:nvSpPr>
+        <p:spPr/>
+        <p:txBody>
+          <a:bodyPr/>
+          <a:lstStyle/>
+          <a:p>
+            <a:r>
+              <a:rPr lang="en-US" dirty="0" smtClean="0"/>
+              <a:t>Could be two different</a:t>
+            </a:r>
+            <a:r>
+              <a:rPr lang="en-US" baseline="0" dirty="0" smtClean="0"/>
+              <a:t> slides unless we need to make direct comparisons.</a:t>
             </a:r>
             <a:endParaRPr lang="en-US" dirty="0"/>
           </a:p>
@@ -4254,7 +9624,7 @@
           <a:noFill/>
           <a:extLst>
             <a:ext uri="{909E8E84-426E-40dd-AFC4-6F175D3DCCD1}">
-              <a14:hiddenFill xmlns:a14="http://schemas.microsoft.com/office/drawing/2010/main" xmlns="">
+              <a14:hiddenFill xmlns="" xmlns:a14="http://schemas.microsoft.com/office/drawing/2010/main">
                 <a:solidFill>
                   <a:srgbClr val="FFFFFF"/>
                 </a:solidFill>
@@ -4314,7 +9684,7 @@
             </a:ln>
             <a:extLst>
               <a:ext uri="{91240B29-F687-4f45-9708-019B960494DF}">
-                <a14:hiddenLine xmlns:a14="http://schemas.microsoft.com/office/drawing/2010/main" xmlns="" w="9525">
+                <a14:hiddenLine xmlns="" xmlns:a14="http://schemas.microsoft.com/office/drawing/2010/main" w="9525">
                   <a:solidFill>
                     <a:srgbClr val="000000"/>
                   </a:solidFill>
@@ -4404,7 +9774,7 @@
             </a:ln>
             <a:extLst>
               <a:ext uri="{91240B29-F687-4f45-9708-019B960494DF}">
-                <a14:hiddenLine xmlns:a14="http://schemas.microsoft.com/office/drawing/2010/main" xmlns="" w="9525">
+                <a14:hiddenLine xmlns="" xmlns:a14="http://schemas.microsoft.com/office/drawing/2010/main" w="9525">
                   <a:solidFill>
                     <a:srgbClr val="000000"/>
                   </a:solidFill>
@@ -4494,7 +9864,7 @@
             </a:ln>
             <a:extLst>
               <a:ext uri="{91240B29-F687-4f45-9708-019B960494DF}">
-                <a14:hiddenLine xmlns:a14="http://schemas.microsoft.com/office/drawing/2010/main" xmlns="" w="9525">
+                <a14:hiddenLine xmlns="" xmlns:a14="http://schemas.microsoft.com/office/drawing/2010/main" w="9525">
                   <a:solidFill>
                     <a:srgbClr val="000000"/>
                   </a:solidFill>
@@ -4528,7 +9898,7 @@
             </a:ln>
             <a:extLst>
               <a:ext uri="{91240B29-F687-4f45-9708-019B960494DF}">
-                <a14:hiddenLine xmlns:a14="http://schemas.microsoft.com/office/drawing/2010/main" xmlns="" w="9525">
+                <a14:hiddenLine xmlns="" xmlns:a14="http://schemas.microsoft.com/office/drawing/2010/main" w="9525">
                   <a:solidFill>
                     <a:srgbClr val="000000"/>
                   </a:solidFill>
@@ -4618,7 +9988,7 @@
             </a:ln>
             <a:extLst>
               <a:ext uri="{91240B29-F687-4f45-9708-019B960494DF}">
-                <a14:hiddenLine xmlns:a14="http://schemas.microsoft.com/office/drawing/2010/main" xmlns="" w="9525">
+                <a14:hiddenLine xmlns="" xmlns:a14="http://schemas.microsoft.com/office/drawing/2010/main" w="9525">
                   <a:solidFill>
                     <a:srgbClr val="000000"/>
                   </a:solidFill>
@@ -4680,7 +10050,7 @@
             </a:ln>
             <a:extLst>
               <a:ext uri="{91240B29-F687-4f45-9708-019B960494DF}">
-                <a14:hiddenLine xmlns:a14="http://schemas.microsoft.com/office/drawing/2010/main" xmlns="" w="9525">
+                <a14:hiddenLine xmlns="" xmlns:a14="http://schemas.microsoft.com/office/drawing/2010/main" w="9525">
                   <a:solidFill>
                     <a:srgbClr val="000000"/>
                   </a:solidFill>
@@ -4742,7 +10112,7 @@
             </a:ln>
             <a:extLst>
               <a:ext uri="{91240B29-F687-4f45-9708-019B960494DF}">
-                <a14:hiddenLine xmlns:a14="http://schemas.microsoft.com/office/drawing/2010/main" xmlns="" w="9525">
+                <a14:hiddenLine xmlns="" xmlns:a14="http://schemas.microsoft.com/office/drawing/2010/main" w="9525">
                   <a:solidFill>
                     <a:srgbClr val="000000"/>
                   </a:solidFill>
@@ -4832,7 +10202,7 @@
             </a:ln>
             <a:extLst>
               <a:ext uri="{91240B29-F687-4f45-9708-019B960494DF}">
-                <a14:hiddenLine xmlns:a14="http://schemas.microsoft.com/office/drawing/2010/main" xmlns="" w="9525">
+                <a14:hiddenLine xmlns="" xmlns:a14="http://schemas.microsoft.com/office/drawing/2010/main" w="9525">
                   <a:solidFill>
                     <a:srgbClr val="000000"/>
                   </a:solidFill>
@@ -4894,7 +10264,7 @@
             </a:ln>
             <a:extLst>
               <a:ext uri="{91240B29-F687-4f45-9708-019B960494DF}">
-                <a14:hiddenLine xmlns:a14="http://schemas.microsoft.com/office/drawing/2010/main" xmlns="" w="9525">
+                <a14:hiddenLine xmlns="" xmlns:a14="http://schemas.microsoft.com/office/drawing/2010/main" w="9525">
                   <a:solidFill>
                     <a:srgbClr val="000000"/>
                   </a:solidFill>
@@ -4956,7 +10326,7 @@
             </a:ln>
             <a:extLst>
               <a:ext uri="{91240B29-F687-4f45-9708-019B960494DF}">
-                <a14:hiddenLine xmlns:a14="http://schemas.microsoft.com/office/drawing/2010/main" xmlns="" w="9525">
+                <a14:hiddenLine xmlns="" xmlns:a14="http://schemas.microsoft.com/office/drawing/2010/main" w="9525">
                   <a:solidFill>
                     <a:srgbClr val="000000"/>
                   </a:solidFill>
@@ -5046,7 +10416,7 @@
             </a:ln>
             <a:extLst>
               <a:ext uri="{91240B29-F687-4f45-9708-019B960494DF}">
-                <a14:hiddenLine xmlns:a14="http://schemas.microsoft.com/office/drawing/2010/main" xmlns="" w="9525">
+                <a14:hiddenLine xmlns="" xmlns:a14="http://schemas.microsoft.com/office/drawing/2010/main" w="9525">
                   <a:solidFill>
                     <a:srgbClr val="000000"/>
                   </a:solidFill>
@@ -5136,7 +10506,7 @@
             </a:ln>
             <a:extLst>
               <a:ext uri="{91240B29-F687-4f45-9708-019B960494DF}">
-                <a14:hiddenLine xmlns:a14="http://schemas.microsoft.com/office/drawing/2010/main" xmlns="" w="9525">
+                <a14:hiddenLine xmlns="" xmlns:a14="http://schemas.microsoft.com/office/drawing/2010/main" w="9525">
                   <a:solidFill>
                     <a:srgbClr val="000000"/>
                   </a:solidFill>
@@ -5198,7 +10568,7 @@
             </a:ln>
             <a:extLst>
               <a:ext uri="{91240B29-F687-4f45-9708-019B960494DF}">
-                <a14:hiddenLine xmlns:a14="http://schemas.microsoft.com/office/drawing/2010/main" xmlns="" w="9525">
+                <a14:hiddenLine xmlns="" xmlns:a14="http://schemas.microsoft.com/office/drawing/2010/main" w="9525">
                   <a:solidFill>
                     <a:srgbClr val="000000"/>
                   </a:solidFill>
@@ -5308,7 +10678,7 @@
             </a:ln>
             <a:extLst>
               <a:ext uri="{91240B29-F687-4f45-9708-019B960494DF}">
-                <a14:hiddenLine xmlns:a14="http://schemas.microsoft.com/office/drawing/2010/main" xmlns="" w="9525">
+                <a14:hiddenLine xmlns="" xmlns:a14="http://schemas.microsoft.com/office/drawing/2010/main" w="9525">
                   <a:solidFill>
                     <a:srgbClr val="000000"/>
                   </a:solidFill>
@@ -5370,7 +10740,7 @@
             </a:ln>
             <a:extLst>
               <a:ext uri="{91240B29-F687-4f45-9708-019B960494DF}">
-                <a14:hiddenLine xmlns:a14="http://schemas.microsoft.com/office/drawing/2010/main" xmlns="" w="9525">
+                <a14:hiddenLine xmlns="" xmlns:a14="http://schemas.microsoft.com/office/drawing/2010/main" w="9525">
                   <a:solidFill>
                     <a:srgbClr val="000000"/>
                   </a:solidFill>
@@ -5460,7 +10830,7 @@
             </a:ln>
             <a:extLst>
               <a:ext uri="{91240B29-F687-4f45-9708-019B960494DF}">
-                <a14:hiddenLine xmlns:a14="http://schemas.microsoft.com/office/drawing/2010/main" xmlns="" w="9525">
+                <a14:hiddenLine xmlns="" xmlns:a14="http://schemas.microsoft.com/office/drawing/2010/main" w="9525">
                   <a:solidFill>
                     <a:srgbClr val="000000"/>
                   </a:solidFill>
@@ -5550,7 +10920,7 @@
             </a:ln>
             <a:extLst>
               <a:ext uri="{91240B29-F687-4f45-9708-019B960494DF}">
-                <a14:hiddenLine xmlns:a14="http://schemas.microsoft.com/office/drawing/2010/main" xmlns="" w="9525">
+                <a14:hiddenLine xmlns="" xmlns:a14="http://schemas.microsoft.com/office/drawing/2010/main" w="9525">
                   <a:solidFill>
                     <a:srgbClr val="000000"/>
                   </a:solidFill>
@@ -5612,7 +10982,7 @@
             </a:ln>
             <a:extLst>
               <a:ext uri="{91240B29-F687-4f45-9708-019B960494DF}">
-                <a14:hiddenLine xmlns:a14="http://schemas.microsoft.com/office/drawing/2010/main" xmlns="" w="9525">
+                <a14:hiddenLine xmlns="" xmlns:a14="http://schemas.microsoft.com/office/drawing/2010/main" w="9525">
                   <a:solidFill>
                     <a:srgbClr val="000000"/>
                   </a:solidFill>
@@ -5702,7 +11072,7 @@
             </a:ln>
             <a:extLst>
               <a:ext uri="{91240B29-F687-4f45-9708-019B960494DF}">
-                <a14:hiddenLine xmlns:a14="http://schemas.microsoft.com/office/drawing/2010/main" xmlns="" w="9525">
+                <a14:hiddenLine xmlns="" xmlns:a14="http://schemas.microsoft.com/office/drawing/2010/main" w="9525">
                   <a:solidFill>
                     <a:srgbClr val="000000"/>
                   </a:solidFill>
@@ -5792,7 +11162,7 @@
             </a:ln>
             <a:extLst>
               <a:ext uri="{91240B29-F687-4f45-9708-019B960494DF}">
-                <a14:hiddenLine xmlns:a14="http://schemas.microsoft.com/office/drawing/2010/main" xmlns="" w="9525">
+                <a14:hiddenLine xmlns="" xmlns:a14="http://schemas.microsoft.com/office/drawing/2010/main" w="9525">
                   <a:solidFill>
                     <a:srgbClr val="000000"/>
                   </a:solidFill>
@@ -5848,7 +11218,7 @@
             </a:ln>
             <a:extLst>
               <a:ext uri="{91240B29-F687-4f45-9708-019B960494DF}">
-                <a14:hiddenLine xmlns:a14="http://schemas.microsoft.com/office/drawing/2010/main" xmlns="" w="9525">
+                <a14:hiddenLine xmlns="" xmlns:a14="http://schemas.microsoft.com/office/drawing/2010/main" w="9525">
                   <a:solidFill>
                     <a:srgbClr val="000000"/>
                   </a:solidFill>
@@ -5938,7 +11308,7 @@
             </a:ln>
             <a:extLst>
               <a:ext uri="{91240B29-F687-4f45-9708-019B960494DF}">
-                <a14:hiddenLine xmlns:a14="http://schemas.microsoft.com/office/drawing/2010/main" xmlns="" w="9525">
+                <a14:hiddenLine xmlns="" xmlns:a14="http://schemas.microsoft.com/office/drawing/2010/main" w="9525">
                   <a:solidFill>
                     <a:srgbClr val="000000"/>
                   </a:solidFill>
@@ -5994,7 +11364,7 @@
             </a:ln>
             <a:extLst>
               <a:ext uri="{91240B29-F687-4f45-9708-019B960494DF}">
-                <a14:hiddenLine xmlns:a14="http://schemas.microsoft.com/office/drawing/2010/main" xmlns="" w="9525">
+                <a14:hiddenLine xmlns="" xmlns:a14="http://schemas.microsoft.com/office/drawing/2010/main" w="9525">
                   <a:solidFill>
                     <a:srgbClr val="000000"/>
                   </a:solidFill>
@@ -6084,7 +11454,7 @@
             </a:ln>
             <a:extLst>
               <a:ext uri="{91240B29-F687-4f45-9708-019B960494DF}">
-                <a14:hiddenLine xmlns:a14="http://schemas.microsoft.com/office/drawing/2010/main" xmlns="" w="9525">
+                <a14:hiddenLine xmlns="" xmlns:a14="http://schemas.microsoft.com/office/drawing/2010/main" w="9525">
                   <a:solidFill>
                     <a:srgbClr val="000000"/>
                   </a:solidFill>
@@ -6152,7 +11522,7 @@
             </a:ln>
             <a:extLst>
               <a:ext uri="{91240B29-F687-4f45-9708-019B960494DF}">
-                <a14:hiddenLine xmlns:a14="http://schemas.microsoft.com/office/drawing/2010/main" xmlns="" w="9525">
+                <a14:hiddenLine xmlns="" xmlns:a14="http://schemas.microsoft.com/office/drawing/2010/main" w="9525">
                   <a:solidFill>
                     <a:srgbClr val="000000"/>
                   </a:solidFill>
@@ -6242,7 +11612,7 @@
             </a:ln>
             <a:extLst>
               <a:ext uri="{91240B29-F687-4f45-9708-019B960494DF}">
-                <a14:hiddenLine xmlns:a14="http://schemas.microsoft.com/office/drawing/2010/main" xmlns="" w="9525">
+                <a14:hiddenLine xmlns="" xmlns:a14="http://schemas.microsoft.com/office/drawing/2010/main" w="9525">
                   <a:solidFill>
                     <a:srgbClr val="000000"/>
                   </a:solidFill>
@@ -6310,7 +11680,7 @@
             </a:ln>
             <a:extLst>
               <a:ext uri="{91240B29-F687-4f45-9708-019B960494DF}">
-                <a14:hiddenLine xmlns:a14="http://schemas.microsoft.com/office/drawing/2010/main" xmlns="" w="9525">
+                <a14:hiddenLine xmlns="" xmlns:a14="http://schemas.microsoft.com/office/drawing/2010/main" w="9525">
                   <a:solidFill>
                     <a:srgbClr val="000000"/>
                   </a:solidFill>
@@ -6400,7 +11770,7 @@
             </a:ln>
             <a:extLst>
               <a:ext uri="{91240B29-F687-4f45-9708-019B960494DF}">
-                <a14:hiddenLine xmlns:a14="http://schemas.microsoft.com/office/drawing/2010/main" xmlns="" w="9525">
+                <a14:hiddenLine xmlns="" xmlns:a14="http://schemas.microsoft.com/office/drawing/2010/main" w="9525">
                   <a:solidFill>
                     <a:srgbClr val="000000"/>
                   </a:solidFill>
@@ -6434,7 +11804,7 @@
             </a:ln>
             <a:extLst>
               <a:ext uri="{91240B29-F687-4f45-9708-019B960494DF}">
-                <a14:hiddenLine xmlns:a14="http://schemas.microsoft.com/office/drawing/2010/main" xmlns="" w="9525">
+                <a14:hiddenLine xmlns="" xmlns:a14="http://schemas.microsoft.com/office/drawing/2010/main" w="9525">
                   <a:solidFill>
                     <a:srgbClr val="000000"/>
                   </a:solidFill>
@@ -6524,7 +11894,7 @@
             </a:ln>
             <a:extLst>
               <a:ext uri="{91240B29-F687-4f45-9708-019B960494DF}">
-                <a14:hiddenLine xmlns:a14="http://schemas.microsoft.com/office/drawing/2010/main" xmlns="" w="9525">
+                <a14:hiddenLine xmlns="" xmlns:a14="http://schemas.microsoft.com/office/drawing/2010/main" w="9525">
                   <a:solidFill>
                     <a:srgbClr val="000000"/>
                   </a:solidFill>
@@ -6586,7 +11956,7 @@
             </a:ln>
             <a:extLst>
               <a:ext uri="{91240B29-F687-4f45-9708-019B960494DF}">
-                <a14:hiddenLine xmlns:a14="http://schemas.microsoft.com/office/drawing/2010/main" xmlns="" w="9525">
+                <a14:hiddenLine xmlns="" xmlns:a14="http://schemas.microsoft.com/office/drawing/2010/main" w="9525">
                   <a:solidFill>
                     <a:srgbClr val="000000"/>
                   </a:solidFill>
@@ -6648,7 +12018,7 @@
             </a:ln>
             <a:extLst>
               <a:ext uri="{91240B29-F687-4f45-9708-019B960494DF}">
-                <a14:hiddenLine xmlns:a14="http://schemas.microsoft.com/office/drawing/2010/main" xmlns="" w="9525">
+                <a14:hiddenLine xmlns="" xmlns:a14="http://schemas.microsoft.com/office/drawing/2010/main" w="9525">
                   <a:solidFill>
                     <a:srgbClr val="000000"/>
                   </a:solidFill>
@@ -6738,7 +12108,7 @@
             </a:ln>
             <a:extLst>
               <a:ext uri="{91240B29-F687-4f45-9708-019B960494DF}">
-                <a14:hiddenLine xmlns:a14="http://schemas.microsoft.com/office/drawing/2010/main" xmlns="" w="9525">
+                <a14:hiddenLine xmlns="" xmlns:a14="http://schemas.microsoft.com/office/drawing/2010/main" w="9525">
                   <a:solidFill>
                     <a:srgbClr val="000000"/>
                   </a:solidFill>
@@ -6806,7 +12176,7 @@
             </a:ln>
             <a:extLst>
               <a:ext uri="{91240B29-F687-4f45-9708-019B960494DF}">
-                <a14:hiddenLine xmlns:a14="http://schemas.microsoft.com/office/drawing/2010/main" xmlns="" w="9525">
+                <a14:hiddenLine xmlns="" xmlns:a14="http://schemas.microsoft.com/office/drawing/2010/main" w="9525">
                   <a:solidFill>
                     <a:srgbClr val="000000"/>
                   </a:solidFill>
@@ -6868,7 +12238,7 @@
             </a:ln>
             <a:extLst>
               <a:ext uri="{91240B29-F687-4f45-9708-019B960494DF}">
-                <a14:hiddenLine xmlns:a14="http://schemas.microsoft.com/office/drawing/2010/main" xmlns="" w="9525">
+                <a14:hiddenLine xmlns="" xmlns:a14="http://schemas.microsoft.com/office/drawing/2010/main" w="9525">
                   <a:solidFill>
                     <a:srgbClr val="000000"/>
                   </a:solidFill>
@@ -6958,7 +12328,7 @@
             </a:ln>
             <a:extLst>
               <a:ext uri="{91240B29-F687-4f45-9708-019B960494DF}">
-                <a14:hiddenLine xmlns:a14="http://schemas.microsoft.com/office/drawing/2010/main" xmlns="" w="9525">
+                <a14:hiddenLine xmlns="" xmlns:a14="http://schemas.microsoft.com/office/drawing/2010/main" w="9525">
                   <a:solidFill>
                     <a:srgbClr val="000000"/>
                   </a:solidFill>
@@ -7020,7 +12390,7 @@
             </a:ln>
             <a:extLst>
               <a:ext uri="{91240B29-F687-4f45-9708-019B960494DF}">
-                <a14:hiddenLine xmlns:a14="http://schemas.microsoft.com/office/drawing/2010/main" xmlns="" w="9525">
+                <a14:hiddenLine xmlns="" xmlns:a14="http://schemas.microsoft.com/office/drawing/2010/main" w="9525">
                   <a:solidFill>
                     <a:srgbClr val="000000"/>
                   </a:solidFill>
@@ -7110,7 +12480,7 @@
             </a:ln>
             <a:extLst>
               <a:ext uri="{91240B29-F687-4f45-9708-019B960494DF}">
-                <a14:hiddenLine xmlns:a14="http://schemas.microsoft.com/office/drawing/2010/main" xmlns="" w="9525">
+                <a14:hiddenLine xmlns="" xmlns:a14="http://schemas.microsoft.com/office/drawing/2010/main" w="9525">
                   <a:solidFill>
                     <a:srgbClr val="000000"/>
                   </a:solidFill>
@@ -7172,7 +12542,7 @@
             </a:ln>
             <a:extLst>
               <a:ext uri="{91240B29-F687-4f45-9708-019B960494DF}">
-                <a14:hiddenLine xmlns:a14="http://schemas.microsoft.com/office/drawing/2010/main" xmlns="" w="9525">
+                <a14:hiddenLine xmlns="" xmlns:a14="http://schemas.microsoft.com/office/drawing/2010/main" w="9525">
                   <a:solidFill>
                     <a:srgbClr val="000000"/>
                   </a:solidFill>
@@ -7262,7 +12632,7 @@
             </a:ln>
             <a:extLst>
               <a:ext uri="{91240B29-F687-4f45-9708-019B960494DF}">
-                <a14:hiddenLine xmlns:a14="http://schemas.microsoft.com/office/drawing/2010/main" xmlns="" w="9525">
+                <a14:hiddenLine xmlns="" xmlns:a14="http://schemas.microsoft.com/office/drawing/2010/main" w="9525">
                   <a:solidFill>
                     <a:srgbClr val="000000"/>
                   </a:solidFill>
@@ -7296,7 +12666,7 @@
             </a:ln>
             <a:extLst>
               <a:ext uri="{91240B29-F687-4f45-9708-019B960494DF}">
-                <a14:hiddenLine xmlns:a14="http://schemas.microsoft.com/office/drawing/2010/main" xmlns="" w="9525">
+                <a14:hiddenLine xmlns="" xmlns:a14="http://schemas.microsoft.com/office/drawing/2010/main" w="9525">
                   <a:solidFill>
                     <a:srgbClr val="000000"/>
                   </a:solidFill>
@@ -7361,7 +12731,7 @@
             </a:ln>
             <a:extLst>
               <a:ext uri="{91240B29-F687-4f45-9708-019B960494DF}">
-                <a14:hiddenLine xmlns:a14="http://schemas.microsoft.com/office/drawing/2010/main" xmlns="" w="9525">
+                <a14:hiddenLine xmlns="" xmlns:a14="http://schemas.microsoft.com/office/drawing/2010/main" w="9525">
                   <a:solidFill>
                     <a:srgbClr val="000000"/>
                   </a:solidFill>
@@ -7451,7 +12821,7 @@
             </a:ln>
             <a:extLst>
               <a:ext uri="{91240B29-F687-4f45-9708-019B960494DF}">
-                <a14:hiddenLine xmlns:a14="http://schemas.microsoft.com/office/drawing/2010/main" xmlns="" w="9525">
+                <a14:hiddenLine xmlns="" xmlns:a14="http://schemas.microsoft.com/office/drawing/2010/main" w="9525">
                   <a:solidFill>
                     <a:srgbClr val="000000"/>
                   </a:solidFill>
@@ -7513,7 +12883,7 @@
             </a:ln>
             <a:extLst>
               <a:ext uri="{91240B29-F687-4f45-9708-019B960494DF}">
-                <a14:hiddenLine xmlns:a14="http://schemas.microsoft.com/office/drawing/2010/main" xmlns="" w="9525">
+                <a14:hiddenLine xmlns="" xmlns:a14="http://schemas.microsoft.com/office/drawing/2010/main" w="9525">
                   <a:solidFill>
                     <a:srgbClr val="000000"/>
                   </a:solidFill>
@@ -7603,7 +12973,7 @@
             </a:ln>
             <a:extLst>
               <a:ext uri="{91240B29-F687-4f45-9708-019B960494DF}">
-                <a14:hiddenLine xmlns:a14="http://schemas.microsoft.com/office/drawing/2010/main" xmlns="" w="9525">
+                <a14:hiddenLine xmlns="" xmlns:a14="http://schemas.microsoft.com/office/drawing/2010/main" w="9525">
                   <a:solidFill>
                     <a:srgbClr val="000000"/>
                   </a:solidFill>
@@ -7693,7 +13063,7 @@
             </a:ln>
             <a:extLst>
               <a:ext uri="{91240B29-F687-4f45-9708-019B960494DF}">
-                <a14:hiddenLine xmlns:a14="http://schemas.microsoft.com/office/drawing/2010/main" xmlns="" w="9525">
+                <a14:hiddenLine xmlns="" xmlns:a14="http://schemas.microsoft.com/office/drawing/2010/main" w="9525">
                   <a:solidFill>
                     <a:srgbClr val="000000"/>
                   </a:solidFill>
@@ -7758,7 +13128,7 @@
             </a:ln>
             <a:extLst>
               <a:ext uri="{91240B29-F687-4f45-9708-019B960494DF}">
-                <a14:hiddenLine xmlns:a14="http://schemas.microsoft.com/office/drawing/2010/main" xmlns="" w="9525">
+                <a14:hiddenLine xmlns="" xmlns:a14="http://schemas.microsoft.com/office/drawing/2010/main" w="9525">
                   <a:solidFill>
                     <a:srgbClr val="000000"/>
                   </a:solidFill>
@@ -7820,7 +13190,7 @@
             </a:ln>
             <a:extLst>
               <a:ext uri="{91240B29-F687-4f45-9708-019B960494DF}">
-                <a14:hiddenLine xmlns:a14="http://schemas.microsoft.com/office/drawing/2010/main" xmlns="" w="9525">
+                <a14:hiddenLine xmlns="" xmlns:a14="http://schemas.microsoft.com/office/drawing/2010/main" w="9525">
                   <a:solidFill>
                     <a:srgbClr val="000000"/>
                   </a:solidFill>
@@ -7910,7 +13280,7 @@
             </a:ln>
             <a:extLst>
               <a:ext uri="{91240B29-F687-4f45-9708-019B960494DF}">
-                <a14:hiddenLine xmlns:a14="http://schemas.microsoft.com/office/drawing/2010/main" xmlns="" w="9525">
+                <a14:hiddenLine xmlns="" xmlns:a14="http://schemas.microsoft.com/office/drawing/2010/main" w="9525">
                   <a:solidFill>
                     <a:srgbClr val="000000"/>
                   </a:solidFill>
@@ -8000,7 +13370,7 @@
             </a:ln>
             <a:extLst>
               <a:ext uri="{91240B29-F687-4f45-9708-019B960494DF}">
-                <a14:hiddenLine xmlns:a14="http://schemas.microsoft.com/office/drawing/2010/main" xmlns="" w="9525">
+                <a14:hiddenLine xmlns="" xmlns:a14="http://schemas.microsoft.com/office/drawing/2010/main" w="9525">
                   <a:solidFill>
                     <a:srgbClr val="000000"/>
                   </a:solidFill>
@@ -8062,7 +13432,7 @@
             </a:ln>
             <a:extLst>
               <a:ext uri="{91240B29-F687-4f45-9708-019B960494DF}">
-                <a14:hiddenLine xmlns:a14="http://schemas.microsoft.com/office/drawing/2010/main" xmlns="" w="9525">
+                <a14:hiddenLine xmlns="" xmlns:a14="http://schemas.microsoft.com/office/drawing/2010/main" w="9525">
                   <a:solidFill>
                     <a:srgbClr val="000000"/>
                   </a:solidFill>
@@ -8182,7 +13552,7 @@
             </a:ln>
             <a:extLst>
               <a:ext uri="{91240B29-F687-4f45-9708-019B960494DF}">
-                <a14:hiddenLine xmlns:a14="http://schemas.microsoft.com/office/drawing/2010/main" xmlns="" w="9525">
+                <a14:hiddenLine xmlns="" xmlns:a14="http://schemas.microsoft.com/office/drawing/2010/main" w="9525">
                   <a:solidFill>
                     <a:srgbClr val="000000"/>
                   </a:solidFill>
@@ -8250,7 +13620,7 @@
             </a:ln>
             <a:extLst>
               <a:ext uri="{91240B29-F687-4f45-9708-019B960494DF}">
-                <a14:hiddenLine xmlns:a14="http://schemas.microsoft.com/office/drawing/2010/main" xmlns="" w="9525">
+                <a14:hiddenLine xmlns="" xmlns:a14="http://schemas.microsoft.com/office/drawing/2010/main" w="9525">
                   <a:solidFill>
                     <a:srgbClr val="000000"/>
                   </a:solidFill>
@@ -8340,7 +13710,7 @@
             </a:ln>
             <a:extLst>
               <a:ext uri="{91240B29-F687-4f45-9708-019B960494DF}">
-                <a14:hiddenLine xmlns:a14="http://schemas.microsoft.com/office/drawing/2010/main" xmlns="" w="9525">
+                <a14:hiddenLine xmlns="" xmlns:a14="http://schemas.microsoft.com/office/drawing/2010/main" w="9525">
                   <a:solidFill>
                     <a:srgbClr val="000000"/>
                   </a:solidFill>
@@ -8481,7 +13851,7 @@
             <a:fld id="{B61BEF0D-F0BB-DE4B-95CE-6DB70DBA9567}" type="datetimeFigureOut">
               <a:rPr lang="en-US" smtClean="0"/>
               <a:pPr/>
-              <a:t>4/14/2017</a:t>
+              <a:t>4/13/2017</a:t>
             </a:fld>
             <a:endParaRPr lang="en-US" dirty="0"/>
           </a:p>
@@ -8755,7 +14125,7 @@
             <a:fld id="{B61BEF0D-F0BB-DE4B-95CE-6DB70DBA9567}" type="datetimeFigureOut">
               <a:rPr lang="en-US" smtClean="0"/>
               <a:pPr/>
-              <a:t>4/14/2017</a:t>
+              <a:t>4/13/2017</a:t>
             </a:fld>
             <a:endParaRPr lang="en-US" dirty="0"/>
           </a:p>
@@ -8953,7 +14323,7 @@
             <a:fld id="{B61BEF0D-F0BB-DE4B-95CE-6DB70DBA9567}" type="datetimeFigureOut">
               <a:rPr lang="en-US" smtClean="0"/>
               <a:pPr/>
-              <a:t>4/14/2017</a:t>
+              <a:t>4/13/2017</a:t>
             </a:fld>
             <a:endParaRPr lang="en-US" dirty="0"/>
           </a:p>
@@ -9218,7 +14588,7 @@
             <a:fld id="{B61BEF0D-F0BB-DE4B-95CE-6DB70DBA9567}" type="datetimeFigureOut">
               <a:rPr lang="en-US" smtClean="0"/>
               <a:pPr/>
-              <a:t>4/14/2017</a:t>
+              <a:t>4/13/2017</a:t>
             </a:fld>
             <a:endParaRPr lang="en-US" dirty="0"/>
           </a:p>
@@ -9654,7 +15024,7 @@
             <a:fld id="{B61BEF0D-F0BB-DE4B-95CE-6DB70DBA9567}" type="datetimeFigureOut">
               <a:rPr lang="en-US" smtClean="0"/>
               <a:pPr/>
-              <a:t>4/14/2017</a:t>
+              <a:t>4/13/2017</a:t>
             </a:fld>
             <a:endParaRPr lang="en-US" dirty="0"/>
           </a:p>
@@ -10202,7 +15572,7 @@
             <a:fld id="{B61BEF0D-F0BB-DE4B-95CE-6DB70DBA9567}" type="datetimeFigureOut">
               <a:rPr lang="en-US" smtClean="0"/>
               <a:pPr/>
-              <a:t>4/14/2017</a:t>
+              <a:t>4/13/2017</a:t>
             </a:fld>
             <a:endParaRPr lang="en-US" dirty="0"/>
           </a:p>
@@ -10924,7 +16294,7 @@
             <a:fld id="{B61BEF0D-F0BB-DE4B-95CE-6DB70DBA9567}" type="datetimeFigureOut">
               <a:rPr lang="en-US" smtClean="0"/>
               <a:pPr/>
-              <a:t>4/14/2017</a:t>
+              <a:t>4/13/2017</a:t>
             </a:fld>
             <a:endParaRPr lang="en-US" dirty="0"/>
           </a:p>
@@ -11096,7 +16466,7 @@
             <a:fld id="{B61BEF0D-F0BB-DE4B-95CE-6DB70DBA9567}" type="datetimeFigureOut">
               <a:rPr lang="en-US" smtClean="0"/>
               <a:pPr/>
-              <a:t>4/14/2017</a:t>
+              <a:t>4/13/2017</a:t>
             </a:fld>
             <a:endParaRPr lang="en-US" dirty="0"/>
           </a:p>
@@ -11278,7 +16648,7 @@
             <a:fld id="{B61BEF0D-F0BB-DE4B-95CE-6DB70DBA9567}" type="datetimeFigureOut">
               <a:rPr lang="en-US" smtClean="0"/>
               <a:pPr/>
-              <a:t>4/14/2017</a:t>
+              <a:t>4/13/2017</a:t>
             </a:fld>
             <a:endParaRPr lang="en-US" dirty="0"/>
           </a:p>
@@ -11449,7 +16819,7 @@
           <a:p>
             <a:fld id="{52647F38-B617-4D2F-AE0A-013F0C4D2C57}" type="datetimeFigureOut">
               <a:rPr lang="en-US" smtClean="0"/>
-              <a:t>4/14/2017</a:t>
+              <a:t>4/13/2017</a:t>
             </a:fld>
             <a:endParaRPr lang="en-US" dirty="0"/>
           </a:p>
@@ -11700,7 +17070,7 @@
             <a:fld id="{B61BEF0D-F0BB-DE4B-95CE-6DB70DBA9567}" type="datetimeFigureOut">
               <a:rPr lang="en-US" smtClean="0"/>
               <a:pPr/>
-              <a:t>4/14/2017</a:t>
+              <a:t>4/13/2017</a:t>
             </a:fld>
             <a:endParaRPr lang="en-US" dirty="0"/>
           </a:p>
@@ -11933,7 +17303,7 @@
           <a:p>
             <a:fld id="{05BFA754-D5C3-4E66-96A6-867B257F58DC}" type="datetimeFigureOut">
               <a:rPr lang="en-US" smtClean="0"/>
-              <a:t>4/14/2017</a:t>
+              <a:t>4/13/2017</a:t>
             </a:fld>
             <a:endParaRPr lang="en-US" dirty="0"/>
           </a:p>
@@ -12315,7 +17685,7 @@
             <a:fld id="{B61BEF0D-F0BB-DE4B-95CE-6DB70DBA9567}" type="datetimeFigureOut">
               <a:rPr lang="en-US" smtClean="0"/>
               <a:pPr/>
-              <a:t>4/14/2017</a:t>
+              <a:t>4/13/2017</a:t>
             </a:fld>
             <a:endParaRPr lang="en-US" dirty="0"/>
           </a:p>
@@ -12435,7 +17805,7 @@
             <a:fld id="{B61BEF0D-F0BB-DE4B-95CE-6DB70DBA9567}" type="datetimeFigureOut">
               <a:rPr lang="en-US" smtClean="0"/>
               <a:pPr/>
-              <a:t>4/14/2017</a:t>
+              <a:t>4/13/2017</a:t>
             </a:fld>
             <a:endParaRPr lang="en-US" dirty="0"/>
           </a:p>
@@ -12532,7 +17902,7 @@
             <a:fld id="{B61BEF0D-F0BB-DE4B-95CE-6DB70DBA9567}" type="datetimeFigureOut">
               <a:rPr lang="en-US" smtClean="0"/>
               <a:pPr/>
-              <a:t>4/14/2017</a:t>
+              <a:t>4/13/2017</a:t>
             </a:fld>
             <a:endParaRPr lang="en-US" dirty="0"/>
           </a:p>
@@ -12788,7 +18158,7 @@
             <a:fld id="{B61BEF0D-F0BB-DE4B-95CE-6DB70DBA9567}" type="datetimeFigureOut">
               <a:rPr lang="en-US" smtClean="0"/>
               <a:pPr/>
-              <a:t>4/14/2017</a:t>
+              <a:t>4/13/2017</a:t>
             </a:fld>
             <a:endParaRPr lang="en-US" dirty="0"/>
           </a:p>
@@ -13075,7 +18445,7 @@
             <a:fld id="{B61BEF0D-F0BB-DE4B-95CE-6DB70DBA9567}" type="datetimeFigureOut">
               <a:rPr lang="en-US" smtClean="0"/>
               <a:pPr/>
-              <a:t>4/14/2017</a:t>
+              <a:t>4/13/2017</a:t>
             </a:fld>
             <a:endParaRPr lang="en-US" dirty="0"/>
           </a:p>
@@ -13199,7 +18569,7 @@
           <a:noFill/>
           <a:extLst>
             <a:ext uri="{909E8E84-426E-40dd-AFC4-6F175D3DCCD1}">
-              <a14:hiddenFill xmlns:a14="http://schemas.microsoft.com/office/drawing/2010/main" xmlns="">
+              <a14:hiddenFill xmlns="" xmlns:a14="http://schemas.microsoft.com/office/drawing/2010/main">
                 <a:solidFill>
                   <a:srgbClr val="FFFFFF"/>
                 </a:solidFill>
@@ -13273,7 +18643,7 @@
               </a:ln>
               <a:extLst>
                 <a:ext uri="{91240B29-F687-4f45-9708-019B960494DF}">
-                  <a14:hiddenLine xmlns:a14="http://schemas.microsoft.com/office/drawing/2010/main" xmlns="" w="9525">
+                  <a14:hiddenLine xmlns="" xmlns:a14="http://schemas.microsoft.com/office/drawing/2010/main" w="9525">
                     <a:solidFill>
                       <a:srgbClr val="000000"/>
                     </a:solidFill>
@@ -13363,7 +18733,7 @@
               </a:ln>
               <a:extLst>
                 <a:ext uri="{91240B29-F687-4f45-9708-019B960494DF}">
-                  <a14:hiddenLine xmlns:a14="http://schemas.microsoft.com/office/drawing/2010/main" xmlns="" w="9525">
+                  <a14:hiddenLine xmlns="" xmlns:a14="http://schemas.microsoft.com/office/drawing/2010/main" w="9525">
                     <a:solidFill>
                       <a:srgbClr val="000000"/>
                     </a:solidFill>
@@ -13453,7 +18823,7 @@
               </a:ln>
               <a:extLst>
                 <a:ext uri="{91240B29-F687-4f45-9708-019B960494DF}">
-                  <a14:hiddenLine xmlns:a14="http://schemas.microsoft.com/office/drawing/2010/main" xmlns="" w="9525">
+                  <a14:hiddenLine xmlns="" xmlns:a14="http://schemas.microsoft.com/office/drawing/2010/main" w="9525">
                     <a:solidFill>
                       <a:srgbClr val="000000"/>
                     </a:solidFill>
@@ -13515,7 +18885,7 @@
               </a:ln>
               <a:extLst>
                 <a:ext uri="{91240B29-F687-4f45-9708-019B960494DF}">
-                  <a14:hiddenLine xmlns:a14="http://schemas.microsoft.com/office/drawing/2010/main" xmlns="" w="9525">
+                  <a14:hiddenLine xmlns="" xmlns:a14="http://schemas.microsoft.com/office/drawing/2010/main" w="9525">
                     <a:solidFill>
                       <a:srgbClr val="000000"/>
                     </a:solidFill>
@@ -13605,7 +18975,7 @@
               </a:ln>
               <a:extLst>
                 <a:ext uri="{91240B29-F687-4f45-9708-019B960494DF}">
-                  <a14:hiddenLine xmlns:a14="http://schemas.microsoft.com/office/drawing/2010/main" xmlns="" w="9525">
+                  <a14:hiddenLine xmlns="" xmlns:a14="http://schemas.microsoft.com/office/drawing/2010/main" w="9525">
                     <a:solidFill>
                       <a:srgbClr val="000000"/>
                     </a:solidFill>
@@ -13667,7 +19037,7 @@
               </a:ln>
               <a:extLst>
                 <a:ext uri="{91240B29-F687-4f45-9708-019B960494DF}">
-                  <a14:hiddenLine xmlns:a14="http://schemas.microsoft.com/office/drawing/2010/main" xmlns="" w="9525">
+                  <a14:hiddenLine xmlns="" xmlns:a14="http://schemas.microsoft.com/office/drawing/2010/main" w="9525">
                     <a:solidFill>
                       <a:srgbClr val="000000"/>
                     </a:solidFill>
@@ -13729,7 +19099,7 @@
               </a:ln>
               <a:extLst>
                 <a:ext uri="{91240B29-F687-4f45-9708-019B960494DF}">
-                  <a14:hiddenLine xmlns:a14="http://schemas.microsoft.com/office/drawing/2010/main" xmlns="" w="9525">
+                  <a14:hiddenLine xmlns="" xmlns:a14="http://schemas.microsoft.com/office/drawing/2010/main" w="9525">
                     <a:solidFill>
                       <a:srgbClr val="000000"/>
                     </a:solidFill>
@@ -13819,7 +19189,7 @@
               </a:ln>
               <a:extLst>
                 <a:ext uri="{91240B29-F687-4f45-9708-019B960494DF}">
-                  <a14:hiddenLine xmlns:a14="http://schemas.microsoft.com/office/drawing/2010/main" xmlns="" w="9525">
+                  <a14:hiddenLine xmlns="" xmlns:a14="http://schemas.microsoft.com/office/drawing/2010/main" w="9525">
                     <a:solidFill>
                       <a:srgbClr val="000000"/>
                     </a:solidFill>
@@ -13909,7 +19279,7 @@
               </a:ln>
               <a:extLst>
                 <a:ext uri="{91240B29-F687-4f45-9708-019B960494DF}">
-                  <a14:hiddenLine xmlns:a14="http://schemas.microsoft.com/office/drawing/2010/main" xmlns="" w="9525">
+                  <a14:hiddenLine xmlns="" xmlns:a14="http://schemas.microsoft.com/office/drawing/2010/main" w="9525">
                     <a:solidFill>
                       <a:srgbClr val="000000"/>
                     </a:solidFill>
@@ -13971,7 +19341,7 @@
               </a:ln>
               <a:extLst>
                 <a:ext uri="{91240B29-F687-4f45-9708-019B960494DF}">
-                  <a14:hiddenLine xmlns:a14="http://schemas.microsoft.com/office/drawing/2010/main" xmlns="" w="9525">
+                  <a14:hiddenLine xmlns="" xmlns:a14="http://schemas.microsoft.com/office/drawing/2010/main" w="9525">
                     <a:solidFill>
                       <a:srgbClr val="000000"/>
                     </a:solidFill>
@@ -14081,7 +19451,7 @@
               </a:ln>
               <a:extLst>
                 <a:ext uri="{91240B29-F687-4f45-9708-019B960494DF}">
-                  <a14:hiddenLine xmlns:a14="http://schemas.microsoft.com/office/drawing/2010/main" xmlns="" w="9525">
+                  <a14:hiddenLine xmlns="" xmlns:a14="http://schemas.microsoft.com/office/drawing/2010/main" w="9525">
                     <a:solidFill>
                       <a:srgbClr val="000000"/>
                     </a:solidFill>
@@ -14165,7 +19535,7 @@
               </a:ln>
               <a:extLst>
                 <a:ext uri="{91240B29-F687-4f45-9708-019B960494DF}">
-                  <a14:hiddenLine xmlns:a14="http://schemas.microsoft.com/office/drawing/2010/main" xmlns="" w="9525">
+                  <a14:hiddenLine xmlns="" xmlns:a14="http://schemas.microsoft.com/office/drawing/2010/main" w="9525">
                     <a:solidFill>
                       <a:srgbClr val="000000"/>
                     </a:solidFill>
@@ -14227,7 +19597,7 @@
               </a:ln>
               <a:extLst>
                 <a:ext uri="{91240B29-F687-4f45-9708-019B960494DF}">
-                  <a14:hiddenLine xmlns:a14="http://schemas.microsoft.com/office/drawing/2010/main" xmlns="" w="9525">
+                  <a14:hiddenLine xmlns="" xmlns:a14="http://schemas.microsoft.com/office/drawing/2010/main" w="9525">
                     <a:solidFill>
                       <a:srgbClr val="000000"/>
                     </a:solidFill>
@@ -14289,7 +19659,7 @@
               </a:ln>
               <a:extLst>
                 <a:ext uri="{91240B29-F687-4f45-9708-019B960494DF}">
-                  <a14:hiddenLine xmlns:a14="http://schemas.microsoft.com/office/drawing/2010/main" xmlns="" w="9525">
+                  <a14:hiddenLine xmlns="" xmlns:a14="http://schemas.microsoft.com/office/drawing/2010/main" w="9525">
                     <a:solidFill>
                       <a:srgbClr val="000000"/>
                     </a:solidFill>
@@ -14379,7 +19749,7 @@
               </a:ln>
               <a:extLst>
                 <a:ext uri="{91240B29-F687-4f45-9708-019B960494DF}">
-                  <a14:hiddenLine xmlns:a14="http://schemas.microsoft.com/office/drawing/2010/main" xmlns="" w="9525">
+                  <a14:hiddenLine xmlns="" xmlns:a14="http://schemas.microsoft.com/office/drawing/2010/main" w="9525">
                     <a:solidFill>
                       <a:srgbClr val="000000"/>
                     </a:solidFill>
@@ -14413,7 +19783,7 @@
               </a:ln>
               <a:extLst>
                 <a:ext uri="{91240B29-F687-4f45-9708-019B960494DF}">
-                  <a14:hiddenLine xmlns:a14="http://schemas.microsoft.com/office/drawing/2010/main" xmlns="" w="9525">
+                  <a14:hiddenLine xmlns="" xmlns:a14="http://schemas.microsoft.com/office/drawing/2010/main" w="9525">
                     <a:solidFill>
                       <a:srgbClr val="000000"/>
                     </a:solidFill>
@@ -14478,7 +19848,7 @@
               </a:ln>
               <a:extLst>
                 <a:ext uri="{91240B29-F687-4f45-9708-019B960494DF}">
-                  <a14:hiddenLine xmlns:a14="http://schemas.microsoft.com/office/drawing/2010/main" xmlns="" w="9525">
+                  <a14:hiddenLine xmlns="" xmlns:a14="http://schemas.microsoft.com/office/drawing/2010/main" w="9525">
                     <a:solidFill>
                       <a:srgbClr val="000000"/>
                     </a:solidFill>
@@ -14568,7 +19938,7 @@
               </a:ln>
               <a:extLst>
                 <a:ext uri="{91240B29-F687-4f45-9708-019B960494DF}">
-                  <a14:hiddenLine xmlns:a14="http://schemas.microsoft.com/office/drawing/2010/main" xmlns="" w="9525">
+                  <a14:hiddenLine xmlns="" xmlns:a14="http://schemas.microsoft.com/office/drawing/2010/main" w="9525">
                     <a:solidFill>
                       <a:srgbClr val="000000"/>
                     </a:solidFill>
@@ -14630,7 +20000,7 @@
               </a:ln>
               <a:extLst>
                 <a:ext uri="{91240B29-F687-4f45-9708-019B960494DF}">
-                  <a14:hiddenLine xmlns:a14="http://schemas.microsoft.com/office/drawing/2010/main" xmlns="" w="9525">
+                  <a14:hiddenLine xmlns="" xmlns:a14="http://schemas.microsoft.com/office/drawing/2010/main" w="9525">
                     <a:solidFill>
                       <a:srgbClr val="000000"/>
                     </a:solidFill>
@@ -14720,7 +20090,7 @@
               </a:ln>
               <a:extLst>
                 <a:ext uri="{91240B29-F687-4f45-9708-019B960494DF}">
-                  <a14:hiddenLine xmlns:a14="http://schemas.microsoft.com/office/drawing/2010/main" xmlns="" w="9525">
+                  <a14:hiddenLine xmlns="" xmlns:a14="http://schemas.microsoft.com/office/drawing/2010/main" w="9525">
                     <a:solidFill>
                       <a:srgbClr val="000000"/>
                     </a:solidFill>
@@ -14785,7 +20155,7 @@
               </a:ln>
               <a:extLst>
                 <a:ext uri="{91240B29-F687-4f45-9708-019B960494DF}">
-                  <a14:hiddenLine xmlns:a14="http://schemas.microsoft.com/office/drawing/2010/main" xmlns="" w="9525">
+                  <a14:hiddenLine xmlns="" xmlns:a14="http://schemas.microsoft.com/office/drawing/2010/main" w="9525">
                     <a:solidFill>
                       <a:srgbClr val="000000"/>
                     </a:solidFill>
@@ -14847,7 +20217,7 @@
               </a:ln>
               <a:extLst>
                 <a:ext uri="{91240B29-F687-4f45-9708-019B960494DF}">
-                  <a14:hiddenLine xmlns:a14="http://schemas.microsoft.com/office/drawing/2010/main" xmlns="" w="9525">
+                  <a14:hiddenLine xmlns="" xmlns:a14="http://schemas.microsoft.com/office/drawing/2010/main" w="9525">
                     <a:solidFill>
                       <a:srgbClr val="000000"/>
                     </a:solidFill>
@@ -14937,7 +20307,7 @@
               </a:ln>
               <a:extLst>
                 <a:ext uri="{91240B29-F687-4f45-9708-019B960494DF}">
-                  <a14:hiddenLine xmlns:a14="http://schemas.microsoft.com/office/drawing/2010/main" xmlns="" w="9525">
+                  <a14:hiddenLine xmlns="" xmlns:a14="http://schemas.microsoft.com/office/drawing/2010/main" w="9525">
                     <a:solidFill>
                       <a:srgbClr val="000000"/>
                     </a:solidFill>
@@ -15027,7 +20397,7 @@
               </a:ln>
               <a:extLst>
                 <a:ext uri="{91240B29-F687-4f45-9708-019B960494DF}">
-                  <a14:hiddenLine xmlns:a14="http://schemas.microsoft.com/office/drawing/2010/main" xmlns="" w="9525">
+                  <a14:hiddenLine xmlns="" xmlns:a14="http://schemas.microsoft.com/office/drawing/2010/main" w="9525">
                     <a:solidFill>
                       <a:srgbClr val="000000"/>
                     </a:solidFill>
@@ -15092,7 +20462,7 @@
               </a:ln>
               <a:extLst>
                 <a:ext uri="{91240B29-F687-4f45-9708-019B960494DF}">
-                  <a14:hiddenLine xmlns:a14="http://schemas.microsoft.com/office/drawing/2010/main" xmlns="" w="9525">
+                  <a14:hiddenLine xmlns="" xmlns:a14="http://schemas.microsoft.com/office/drawing/2010/main" w="9525">
                     <a:solidFill>
                       <a:srgbClr val="000000"/>
                     </a:solidFill>
@@ -15212,7 +20582,7 @@
               </a:ln>
               <a:extLst>
                 <a:ext uri="{91240B29-F687-4f45-9708-019B960494DF}">
-                  <a14:hiddenLine xmlns:a14="http://schemas.microsoft.com/office/drawing/2010/main" xmlns="" w="9525">
+                  <a14:hiddenLine xmlns="" xmlns:a14="http://schemas.microsoft.com/office/drawing/2010/main" w="9525">
                     <a:solidFill>
                       <a:srgbClr val="000000"/>
                     </a:solidFill>
@@ -15310,7 +20680,7 @@
               </a:ln>
               <a:extLst>
                 <a:ext uri="{91240B29-F687-4f45-9708-019B960494DF}">
-                  <a14:hiddenLine xmlns:a14="http://schemas.microsoft.com/office/drawing/2010/main" xmlns="" w="9525">
+                  <a14:hiddenLine xmlns="" xmlns:a14="http://schemas.microsoft.com/office/drawing/2010/main" w="9525">
                     <a:solidFill>
                       <a:srgbClr val="000000"/>
                     </a:solidFill>
@@ -15425,7 +20795,7 @@
               </a:ln>
               <a:extLst>
                 <a:ext uri="{91240B29-F687-4f45-9708-019B960494DF}">
-                  <a14:hiddenLine xmlns:a14="http://schemas.microsoft.com/office/drawing/2010/main" xmlns="" w="9525">
+                  <a14:hiddenLine xmlns="" xmlns:a14="http://schemas.microsoft.com/office/drawing/2010/main" w="9525">
                     <a:solidFill>
                       <a:srgbClr val="000000"/>
                     </a:solidFill>
@@ -15515,7 +20885,7 @@
               </a:ln>
               <a:extLst>
                 <a:ext uri="{91240B29-F687-4f45-9708-019B960494DF}">
-                  <a14:hiddenLine xmlns:a14="http://schemas.microsoft.com/office/drawing/2010/main" xmlns="" w="9525">
+                  <a14:hiddenLine xmlns="" xmlns:a14="http://schemas.microsoft.com/office/drawing/2010/main" w="9525">
                     <a:solidFill>
                       <a:srgbClr val="000000"/>
                     </a:solidFill>
@@ -15580,7 +20950,7 @@
               </a:ln>
               <a:extLst>
                 <a:ext uri="{91240B29-F687-4f45-9708-019B960494DF}">
-                  <a14:hiddenLine xmlns:a14="http://schemas.microsoft.com/office/drawing/2010/main" xmlns="" w="9525">
+                  <a14:hiddenLine xmlns="" xmlns:a14="http://schemas.microsoft.com/office/drawing/2010/main" w="9525">
                     <a:solidFill>
                       <a:srgbClr val="000000"/>
                     </a:solidFill>
@@ -15670,7 +21040,7 @@
               </a:ln>
               <a:extLst>
                 <a:ext uri="{91240B29-F687-4f45-9708-019B960494DF}">
-                  <a14:hiddenLine xmlns:a14="http://schemas.microsoft.com/office/drawing/2010/main" xmlns="" w="9525">
+                  <a14:hiddenLine xmlns="" xmlns:a14="http://schemas.microsoft.com/office/drawing/2010/main" w="9525">
                     <a:solidFill>
                       <a:srgbClr val="000000"/>
                     </a:solidFill>
@@ -15738,7 +21108,7 @@
               </a:ln>
               <a:extLst>
                 <a:ext uri="{91240B29-F687-4f45-9708-019B960494DF}">
-                  <a14:hiddenLine xmlns:a14="http://schemas.microsoft.com/office/drawing/2010/main" xmlns="" w="9525">
+                  <a14:hiddenLine xmlns="" xmlns:a14="http://schemas.microsoft.com/office/drawing/2010/main" w="9525">
                     <a:solidFill>
                       <a:srgbClr val="000000"/>
                     </a:solidFill>
@@ -15828,7 +21198,7 @@
               </a:ln>
               <a:extLst>
                 <a:ext uri="{91240B29-F687-4f45-9708-019B960494DF}">
-                  <a14:hiddenLine xmlns:a14="http://schemas.microsoft.com/office/drawing/2010/main" xmlns="" w="9525">
+                  <a14:hiddenLine xmlns="" xmlns:a14="http://schemas.microsoft.com/office/drawing/2010/main" w="9525">
                     <a:solidFill>
                       <a:srgbClr val="000000"/>
                     </a:solidFill>
@@ -15896,7 +21266,7 @@
               </a:ln>
               <a:extLst>
                 <a:ext uri="{91240B29-F687-4f45-9708-019B960494DF}">
-                  <a14:hiddenLine xmlns:a14="http://schemas.microsoft.com/office/drawing/2010/main" xmlns="" w="9525">
+                  <a14:hiddenLine xmlns="" xmlns:a14="http://schemas.microsoft.com/office/drawing/2010/main" w="9525">
                     <a:solidFill>
                       <a:srgbClr val="000000"/>
                     </a:solidFill>
@@ -15986,7 +21356,7 @@
               </a:ln>
               <a:extLst>
                 <a:ext uri="{91240B29-F687-4f45-9708-019B960494DF}">
-                  <a14:hiddenLine xmlns:a14="http://schemas.microsoft.com/office/drawing/2010/main" xmlns="" w="9525">
+                  <a14:hiddenLine xmlns="" xmlns:a14="http://schemas.microsoft.com/office/drawing/2010/main" w="9525">
                     <a:solidFill>
                       <a:srgbClr val="000000"/>
                     </a:solidFill>
@@ -16020,7 +21390,7 @@
               </a:ln>
               <a:extLst>
                 <a:ext uri="{91240B29-F687-4f45-9708-019B960494DF}">
-                  <a14:hiddenLine xmlns:a14="http://schemas.microsoft.com/office/drawing/2010/main" xmlns="" w="9525">
+                  <a14:hiddenLine xmlns="" xmlns:a14="http://schemas.microsoft.com/office/drawing/2010/main" w="9525">
                     <a:solidFill>
                       <a:srgbClr val="000000"/>
                     </a:solidFill>
@@ -16161,7 +21531,7 @@
             <a:fld id="{B61BEF0D-F0BB-DE4B-95CE-6DB70DBA9567}" type="datetimeFigureOut">
               <a:rPr lang="en-US" smtClean="0"/>
               <a:pPr/>
-              <a:t>4/14/2017</a:t>
+              <a:t>4/13/2017</a:t>
             </a:fld>
             <a:endParaRPr lang="en-US" dirty="0"/>
           </a:p>
@@ -16699,13 +22069,13 @@
   <p:clrMapOvr>
     <a:masterClrMapping/>
   </p:clrMapOvr>
-  <mc:AlternateContent xmlns:mc="http://schemas.openxmlformats.org/markup-compatibility/2006">
-    <mc:Choice xmlns:p14="http://schemas.microsoft.com/office/powerpoint/2010/main" Requires="p14">
+  <mc:AlternateContent xmlns:mc="http://schemas.openxmlformats.org/markup-compatibility/2006" xmlns:p14="http://schemas.microsoft.com/office/powerpoint/2010/main">
+    <mc:Choice Requires="p14">
       <p:transition spd="med" p14:dur="700">
         <p:fade/>
       </p:transition>
     </mc:Choice>
-    <mc:Fallback>
+    <mc:Fallback xmlns="">
       <p:transition spd="med">
         <p:fade/>
       </p:transition>
@@ -17114,7 +22484,7 @@
         <p:spPr>
           <a:xfrm>
             <a:off x="1141413" y="2753082"/>
-            <a:ext cx="4626341" cy="2826604"/>
+            <a:ext cx="4040187" cy="2826604"/>
           </a:xfrm>
         </p:spPr>
         <p:txBody>
@@ -17157,13 +22527,50 @@
               <a:rPr lang="en-US" sz="2800" dirty="0"/>
               <a:t>A robot that delivers </a:t>
             </a:r>
+            <a:endParaRPr lang="en-US" sz="2800" dirty="0" smtClean="0"/>
+          </a:p>
+          <a:p>
+            <a:pPr marL="0" indent="0">
+              <a:lnSpc>
+                <a:spcPct val="100000"/>
+              </a:lnSpc>
+              <a:spcBef>
+                <a:spcPts val="0"/>
+              </a:spcBef>
+              <a:buSzTx/>
+              <a:buNone/>
+            </a:pPr>
             <a:r>
               <a:rPr lang="en-US" sz="2800" dirty="0" smtClean="0"/>
-              <a:t>food items to </a:t>
+              <a:t>food </a:t>
+            </a:r>
+            <a:r>
+              <a:rPr lang="en-US" sz="2800" dirty="0" smtClean="0"/>
+              <a:t>items to </a:t>
+            </a:r>
+            <a:r>
+              <a:rPr lang="en-US" sz="2800" dirty="0" smtClean="0"/>
+              <a:t>customers </a:t>
+            </a:r>
+          </a:p>
+          <a:p>
+            <a:pPr marL="0" indent="0">
+              <a:lnSpc>
+                <a:spcPct val="100000"/>
+              </a:lnSpc>
+              <a:spcBef>
+                <a:spcPts val="0"/>
+              </a:spcBef>
+              <a:buSzTx/>
+              <a:buNone/>
+            </a:pPr>
+            <a:r>
+              <a:rPr lang="en-US" sz="2800" dirty="0" smtClean="0"/>
+              <a:t>sitting at </a:t>
             </a:r>
             <a:r>
               <a:rPr lang="en-US" sz="2800" dirty="0"/>
-              <a:t>customers sitting at a counter</a:t>
+              <a:t>a counter</a:t>
             </a:r>
           </a:p>
           <a:p>
@@ -17212,8 +22619,8 @@
         </p:blipFill>
         <p:spPr>
           <a:xfrm>
-            <a:off x="6019799" y="2097088"/>
-            <a:ext cx="5879170" cy="4138592"/>
+            <a:off x="5181600" y="2097088"/>
+            <a:ext cx="5865811" cy="4138592"/>
           </a:xfrm>
           <a:ln>
             <a:solidFill>
@@ -17326,7 +22733,11 @@
             <a:pPr lvl="1"/>
             <a:r>
               <a:rPr lang="en-US" sz="2400" dirty="0" smtClean="0"/>
-              <a:t>Ability to pick up and drop objects</a:t>
+              <a:t>Ability to </a:t>
+            </a:r>
+            <a:r>
+              <a:rPr lang="en-US" sz="2400" dirty="0" smtClean="0"/>
+              <a:t>grab and drop</a:t>
             </a:r>
           </a:p>
           <a:p>
@@ -17340,7 +22751,11 @@
             <a:pPr lvl="1"/>
             <a:r>
               <a:rPr lang="en-US" sz="2400" dirty="0" smtClean="0"/>
-              <a:t>Path following abilities</a:t>
+              <a:t>Path </a:t>
+            </a:r>
+            <a:r>
+              <a:rPr lang="en-US" sz="2400" dirty="0" smtClean="0"/>
+              <a:t>following abilities</a:t>
             </a:r>
             <a:endParaRPr lang="en-US" dirty="0" smtClean="0"/>
           </a:p>
@@ -17390,7 +22805,7 @@
         </p:blipFill>
         <p:spPr>
           <a:xfrm>
-            <a:off x="6292035" y="618518"/>
+            <a:off x="5767754" y="886393"/>
             <a:ext cx="4090418" cy="5349287"/>
           </a:xfrm>
           <a:ln>
@@ -17452,6 +22867,122 @@
         </p:nvSpPr>
         <p:spPr/>
         <p:txBody>
+          <a:bodyPr>
+            <a:normAutofit/>
+          </a:bodyPr>
+          <a:lstStyle/>
+          <a:p>
+            <a:pPr algn="ctr"/>
+            <a:r>
+              <a:rPr lang="en-US" dirty="0" smtClean="0"/>
+              <a:t>Components List</a:t>
+            </a:r>
+            <a:endParaRPr lang="en-US" dirty="0"/>
+          </a:p>
+        </p:txBody>
+      </p:sp>
+      <p:graphicFrame>
+        <p:nvGraphicFramePr>
+          <p:cNvPr id="5" name="Content Placeholder 4"/>
+          <p:cNvGraphicFramePr>
+            <a:graphicFrameLocks noGrp="1"/>
+          </p:cNvGraphicFramePr>
+          <p:nvPr>
+            <p:ph sz="half" idx="1"/>
+            <p:extLst>
+              <p:ext uri="{D42A27DB-BD31-4B8C-83A1-F6EECF244321}">
+                <p14:modId xmlns:p14="http://schemas.microsoft.com/office/powerpoint/2010/main" val="2154264462"/>
+              </p:ext>
+            </p:extLst>
+          </p:nvPr>
+        </p:nvGraphicFramePr>
+        <p:xfrm>
+          <a:off x="1141410" y="2249486"/>
+          <a:ext cx="4878389" cy="3541714"/>
+        </p:xfrm>
+        <a:graphic>
+          <a:graphicData uri="http://schemas.openxmlformats.org/drawingml/2006/diagram">
+            <dgm:relIds xmlns:dgm="http://schemas.openxmlformats.org/drawingml/2006/diagram" xmlns:r="http://schemas.openxmlformats.org/officeDocument/2006/relationships" r:dm="rId3" r:lo="rId4" r:qs="rId5" r:cs="rId6"/>
+          </a:graphicData>
+        </a:graphic>
+      </p:graphicFrame>
+      <p:graphicFrame>
+        <p:nvGraphicFramePr>
+          <p:cNvPr id="6" name="Content Placeholder 5"/>
+          <p:cNvGraphicFramePr>
+            <a:graphicFrameLocks noGrp="1"/>
+          </p:cNvGraphicFramePr>
+          <p:nvPr>
+            <p:ph sz="half" idx="2"/>
+            <p:extLst>
+              <p:ext uri="{D42A27DB-BD31-4B8C-83A1-F6EECF244321}">
+                <p14:modId xmlns:p14="http://schemas.microsoft.com/office/powerpoint/2010/main" val="1718760330"/>
+              </p:ext>
+            </p:extLst>
+          </p:nvPr>
+        </p:nvGraphicFramePr>
+        <p:xfrm>
+          <a:off x="6172200" y="2249486"/>
+          <a:ext cx="4875211" cy="3541714"/>
+        </p:xfrm>
+        <a:graphic>
+          <a:graphicData uri="http://schemas.openxmlformats.org/drawingml/2006/diagram">
+            <dgm:relIds xmlns:dgm="http://schemas.openxmlformats.org/drawingml/2006/diagram" xmlns:r="http://schemas.openxmlformats.org/officeDocument/2006/relationships" r:dm="rId8" r:lo="rId9" r:qs="rId10" r:cs="rId11"/>
+          </a:graphicData>
+        </a:graphic>
+      </p:graphicFrame>
+    </p:spTree>
+    <p:extLst>
+      <p:ext uri="{BB962C8B-B14F-4D97-AF65-F5344CB8AC3E}">
+        <p14:creationId xmlns:p14="http://schemas.microsoft.com/office/powerpoint/2010/main" val="2633265829"/>
+      </p:ext>
+    </p:extLst>
+  </p:cSld>
+  <p:clrMapOvr>
+    <a:masterClrMapping/>
+  </p:clrMapOvr>
+  <p:transition spd="slow">
+    <p:push dir="u"/>
+  </p:transition>
+  <p:timing>
+    <p:tnLst>
+      <p:par>
+        <p:cTn id="1" dur="indefinite" restart="never" nodeType="tmRoot"/>
+      </p:par>
+    </p:tnLst>
+  </p:timing>
+</p:sld>
+</file>
+
+<file path=ppt/slides/slide6.xml><?xml version="1.0" encoding="utf-8"?>
+<p:sld xmlns:a="http://schemas.openxmlformats.org/drawingml/2006/main" xmlns:r="http://schemas.openxmlformats.org/officeDocument/2006/relationships" xmlns:p="http://schemas.openxmlformats.org/presentationml/2006/main">
+  <p:cSld>
+    <p:spTree>
+      <p:nvGrpSpPr>
+        <p:cNvPr id="1" name=""/>
+        <p:cNvGrpSpPr/>
+        <p:nvPr/>
+      </p:nvGrpSpPr>
+      <p:grpSpPr>
+        <a:xfrm>
+          <a:off x="0" y="0"/>
+          <a:ext cx="0" cy="0"/>
+          <a:chOff x="0" y="0"/>
+          <a:chExt cx="0" cy="0"/>
+        </a:xfrm>
+      </p:grpSpPr>
+      <p:sp>
+        <p:nvSpPr>
+          <p:cNvPr id="2" name="Title 1"/>
+          <p:cNvSpPr>
+            <a:spLocks noGrp="1"/>
+          </p:cNvSpPr>
+          <p:nvPr>
+            <p:ph type="title"/>
+          </p:nvPr>
+        </p:nvSpPr>
+        <p:spPr/>
+        <p:txBody>
           <a:bodyPr/>
           <a:lstStyle/>
           <a:p>
@@ -17470,7 +23001,7 @@
           <p:nvPr>
             <p:extLst>
               <p:ext uri="{D42A27DB-BD31-4B8C-83A1-F6EECF244321}">
-                <p14:modId xmlns:p14="http://schemas.microsoft.com/office/powerpoint/2010/main" val="2446719326"/>
+                <p14:modId xmlns:p14="http://schemas.microsoft.com/office/powerpoint/2010/main" val="1997135740"/>
               </p:ext>
             </p:extLst>
           </p:nvPr>
@@ -17508,7 +23039,7 @@
 </p:sld>
 </file>
 
-<file path=ppt/slides/slide6.xml><?xml version="1.0" encoding="utf-8"?>
+<file path=ppt/slides/slide7.xml><?xml version="1.0" encoding="utf-8"?>
 <p:sld xmlns:a="http://schemas.openxmlformats.org/drawingml/2006/main" xmlns:r="http://schemas.openxmlformats.org/officeDocument/2006/relationships" xmlns:p="http://schemas.openxmlformats.org/presentationml/2006/main">
   <p:cSld>
     <p:spTree>
@@ -17579,179 +23110,6 @@
     <p:extLst>
       <p:ext uri="{BB962C8B-B14F-4D97-AF65-F5344CB8AC3E}">
         <p14:creationId xmlns:p14="http://schemas.microsoft.com/office/powerpoint/2010/main" val="331727786"/>
-      </p:ext>
-    </p:extLst>
-  </p:cSld>
-  <p:clrMapOvr>
-    <a:masterClrMapping/>
-  </p:clrMapOvr>
-  <p:transition spd="slow">
-    <p:push dir="u"/>
-  </p:transition>
-  <p:timing>
-    <p:tnLst>
-      <p:par>
-        <p:cTn id="1" dur="indefinite" restart="never" nodeType="tmRoot"/>
-      </p:par>
-    </p:tnLst>
-  </p:timing>
-</p:sld>
-</file>
-
-<file path=ppt/slides/slide7.xml><?xml version="1.0" encoding="utf-8"?>
-<p:sld xmlns:a="http://schemas.openxmlformats.org/drawingml/2006/main" xmlns:r="http://schemas.openxmlformats.org/officeDocument/2006/relationships" xmlns:p="http://schemas.openxmlformats.org/presentationml/2006/main">
-  <p:cSld>
-    <p:spTree>
-      <p:nvGrpSpPr>
-        <p:cNvPr id="1" name=""/>
-        <p:cNvGrpSpPr/>
-        <p:nvPr/>
-      </p:nvGrpSpPr>
-      <p:grpSpPr>
-        <a:xfrm>
-          <a:off x="0" y="0"/>
-          <a:ext cx="0" cy="0"/>
-          <a:chOff x="0" y="0"/>
-          <a:chExt cx="0" cy="0"/>
-        </a:xfrm>
-      </p:grpSpPr>
-      <p:sp>
-        <p:nvSpPr>
-          <p:cNvPr id="2" name="Title 1"/>
-          <p:cNvSpPr>
-            <a:spLocks noGrp="1"/>
-          </p:cNvSpPr>
-          <p:nvPr>
-            <p:ph type="title"/>
-          </p:nvPr>
-        </p:nvSpPr>
-        <p:spPr/>
-        <p:txBody>
-          <a:bodyPr>
-            <a:normAutofit/>
-          </a:bodyPr>
-          <a:lstStyle/>
-          <a:p>
-            <a:pPr algn="ctr"/>
-            <a:r>
-              <a:rPr lang="en-US" dirty="0" smtClean="0"/>
-              <a:t>Components List</a:t>
-            </a:r>
-            <a:endParaRPr lang="en-US" dirty="0"/>
-          </a:p>
-        </p:txBody>
-      </p:sp>
-      <p:sp>
-        <p:nvSpPr>
-          <p:cNvPr id="3" name="Content Placeholder 2"/>
-          <p:cNvSpPr>
-            <a:spLocks noGrp="1"/>
-          </p:cNvSpPr>
-          <p:nvPr>
-            <p:ph sz="half" idx="1"/>
-          </p:nvPr>
-        </p:nvSpPr>
-        <p:spPr/>
-        <p:txBody>
-          <a:bodyPr>
-            <a:normAutofit/>
-          </a:bodyPr>
-          <a:lstStyle/>
-          <a:p>
-            <a:r>
-              <a:rPr lang="en-US" dirty="0" smtClean="0"/>
-              <a:t>Arduino </a:t>
-            </a:r>
-            <a:r>
-              <a:rPr lang="en-US" dirty="0" err="1" smtClean="0"/>
-              <a:t>Braccio</a:t>
-            </a:r>
-            <a:r>
-              <a:rPr lang="en-US" dirty="0" smtClean="0"/>
-              <a:t> Arm</a:t>
-            </a:r>
-          </a:p>
-          <a:p>
-            <a:r>
-              <a:rPr lang="en-US" sz="2600" dirty="0" smtClean="0"/>
-              <a:t>RC-7 Rover chassis</a:t>
-            </a:r>
-          </a:p>
-          <a:p>
-            <a:r>
-              <a:rPr lang="en-US" dirty="0" smtClean="0"/>
-              <a:t>Arduino </a:t>
-            </a:r>
-            <a:r>
-              <a:rPr lang="en-US" dirty="0" err="1" smtClean="0"/>
-              <a:t>Adafruit</a:t>
-            </a:r>
-            <a:r>
-              <a:rPr lang="en-US" dirty="0" smtClean="0"/>
-              <a:t> microcontroller</a:t>
-            </a:r>
-          </a:p>
-          <a:p>
-            <a:r>
-              <a:rPr lang="en-US" dirty="0" smtClean="0"/>
-              <a:t>RGB color sensor</a:t>
-            </a:r>
-          </a:p>
-          <a:p>
-            <a:pPr lvl="1"/>
-            <a:endParaRPr lang="en-US" dirty="0" smtClean="0"/>
-          </a:p>
-        </p:txBody>
-      </p:sp>
-      <p:sp>
-        <p:nvSpPr>
-          <p:cNvPr id="4" name="Content Placeholder 3"/>
-          <p:cNvSpPr>
-            <a:spLocks noGrp="1"/>
-          </p:cNvSpPr>
-          <p:nvPr>
-            <p:ph sz="half" idx="2"/>
-          </p:nvPr>
-        </p:nvSpPr>
-        <p:spPr/>
-        <p:txBody>
-          <a:bodyPr>
-            <a:normAutofit/>
-          </a:bodyPr>
-          <a:lstStyle/>
-          <a:p>
-            <a:r>
-              <a:rPr lang="en-US" dirty="0"/>
-              <a:t>Line follower sensor</a:t>
-            </a:r>
-          </a:p>
-          <a:p>
-            <a:r>
-              <a:rPr lang="en-US" dirty="0"/>
-              <a:t>A bag of mints</a:t>
-            </a:r>
-          </a:p>
-          <a:p>
-            <a:r>
-              <a:rPr lang="en-US" dirty="0"/>
-              <a:t>12V DC battery power supply</a:t>
-            </a:r>
-          </a:p>
-          <a:p>
-            <a:r>
-              <a:rPr lang="en-US" dirty="0"/>
-              <a:t>5V DC power supplied from wall</a:t>
-            </a:r>
-          </a:p>
-          <a:p>
-            <a:endParaRPr lang="en-US" dirty="0"/>
-          </a:p>
-        </p:txBody>
-      </p:sp>
-    </p:spTree>
-    <p:extLst>
-      <p:ext uri="{BB962C8B-B14F-4D97-AF65-F5344CB8AC3E}">
-        <p14:creationId xmlns:p14="http://schemas.microsoft.com/office/powerpoint/2010/main" val="1804044402"/>
       </p:ext>
     </p:extLst>
   </p:cSld>

--- a/Presentation/conference-presentation.pptx
+++ b/Presentation/conference-presentation.pptx
@@ -5,18 +5,19 @@
     <p:sldMasterId id="2147483782" r:id="rId1"/>
   </p:sldMasterIdLst>
   <p:notesMasterIdLst>
-    <p:notesMasterId r:id="rId11"/>
+    <p:notesMasterId r:id="rId12"/>
   </p:notesMasterIdLst>
   <p:sldIdLst>
     <p:sldId id="256" r:id="rId2"/>
     <p:sldId id="257" r:id="rId3"/>
     <p:sldId id="260" r:id="rId4"/>
     <p:sldId id="266" r:id="rId5"/>
-    <p:sldId id="262" r:id="rId6"/>
-    <p:sldId id="264" r:id="rId7"/>
-    <p:sldId id="265" r:id="rId8"/>
-    <p:sldId id="263" r:id="rId9"/>
-    <p:sldId id="267" r:id="rId10"/>
+    <p:sldId id="268" r:id="rId6"/>
+    <p:sldId id="262" r:id="rId7"/>
+    <p:sldId id="264" r:id="rId8"/>
+    <p:sldId id="265" r:id="rId9"/>
+    <p:sldId id="263" r:id="rId10"/>
+    <p:sldId id="267" r:id="rId11"/>
   </p:sldIdLst>
   <p:sldSz cx="12192000" cy="6858000"/>
   <p:notesSz cx="6858000" cy="9144000"/>
@@ -123,6 +124,3438 @@
 </p:presentation>
 </file>
 
+<file path=ppt/diagrams/colors1.xml><?xml version="1.0" encoding="utf-8"?>
+<dgm:colorsDef xmlns:dgm="http://schemas.openxmlformats.org/drawingml/2006/diagram" xmlns:a="http://schemas.openxmlformats.org/drawingml/2006/main" uniqueId="urn:microsoft.com/office/officeart/2005/8/colors/accent0_1">
+  <dgm:title val=""/>
+  <dgm:desc val=""/>
+  <dgm:catLst>
+    <dgm:cat type="mainScheme" pri="10100"/>
+  </dgm:catLst>
+  <dgm:styleLbl name="node0">
+    <dgm:fillClrLst meth="repeat">
+      <a:schemeClr val="lt1"/>
+    </dgm:fillClrLst>
+    <dgm:linClrLst meth="repeat">
+      <a:schemeClr val="dk1">
+        <a:shade val="80000"/>
+      </a:schemeClr>
+    </dgm:linClrLst>
+    <dgm:effectClrLst/>
+    <dgm:txLinClrLst/>
+    <dgm:txFillClrLst meth="repeat">
+      <a:schemeClr val="dk1"/>
+    </dgm:txFillClrLst>
+    <dgm:txEffectClrLst/>
+  </dgm:styleLbl>
+  <dgm:styleLbl name="node1">
+    <dgm:fillClrLst meth="repeat">
+      <a:schemeClr val="lt1"/>
+    </dgm:fillClrLst>
+    <dgm:linClrLst meth="repeat">
+      <a:schemeClr val="dk1">
+        <a:shade val="80000"/>
+      </a:schemeClr>
+    </dgm:linClrLst>
+    <dgm:effectClrLst/>
+    <dgm:txLinClrLst/>
+    <dgm:txFillClrLst meth="repeat">
+      <a:schemeClr val="dk1"/>
+    </dgm:txFillClrLst>
+    <dgm:txEffectClrLst/>
+  </dgm:styleLbl>
+  <dgm:styleLbl name="alignNode1">
+    <dgm:fillClrLst meth="repeat">
+      <a:schemeClr val="lt1"/>
+    </dgm:fillClrLst>
+    <dgm:linClrLst meth="repeat">
+      <a:schemeClr val="dk1">
+        <a:shade val="80000"/>
+      </a:schemeClr>
+    </dgm:linClrLst>
+    <dgm:effectClrLst/>
+    <dgm:txLinClrLst/>
+    <dgm:txFillClrLst meth="repeat">
+      <a:schemeClr val="dk1"/>
+    </dgm:txFillClrLst>
+    <dgm:txEffectClrLst/>
+  </dgm:styleLbl>
+  <dgm:styleLbl name="lnNode1">
+    <dgm:fillClrLst meth="repeat">
+      <a:schemeClr val="lt1"/>
+    </dgm:fillClrLst>
+    <dgm:linClrLst meth="repeat">
+      <a:schemeClr val="dk1">
+        <a:shade val="80000"/>
+      </a:schemeClr>
+    </dgm:linClrLst>
+    <dgm:effectClrLst/>
+    <dgm:txLinClrLst/>
+    <dgm:txFillClrLst meth="repeat">
+      <a:schemeClr val="dk1"/>
+    </dgm:txFillClrLst>
+    <dgm:txEffectClrLst/>
+  </dgm:styleLbl>
+  <dgm:styleLbl name="vennNode1">
+    <dgm:fillClrLst meth="repeat">
+      <a:schemeClr val="lt1">
+        <a:alpha val="50000"/>
+      </a:schemeClr>
+    </dgm:fillClrLst>
+    <dgm:linClrLst meth="repeat">
+      <a:schemeClr val="dk1">
+        <a:shade val="80000"/>
+      </a:schemeClr>
+    </dgm:linClrLst>
+    <dgm:effectClrLst/>
+    <dgm:txLinClrLst/>
+    <dgm:txFillClrLst/>
+    <dgm:txEffectClrLst/>
+  </dgm:styleLbl>
+  <dgm:styleLbl name="node2">
+    <dgm:fillClrLst meth="repeat">
+      <a:schemeClr val="lt1"/>
+    </dgm:fillClrLst>
+    <dgm:linClrLst meth="repeat">
+      <a:schemeClr val="dk1">
+        <a:shade val="80000"/>
+      </a:schemeClr>
+    </dgm:linClrLst>
+    <dgm:effectClrLst/>
+    <dgm:txLinClrLst/>
+    <dgm:txFillClrLst meth="repeat">
+      <a:schemeClr val="dk1"/>
+    </dgm:txFillClrLst>
+    <dgm:txEffectClrLst/>
+  </dgm:styleLbl>
+  <dgm:styleLbl name="node3">
+    <dgm:fillClrLst meth="repeat">
+      <a:schemeClr val="lt1"/>
+    </dgm:fillClrLst>
+    <dgm:linClrLst meth="repeat">
+      <a:schemeClr val="dk1">
+        <a:shade val="80000"/>
+      </a:schemeClr>
+    </dgm:linClrLst>
+    <dgm:effectClrLst/>
+    <dgm:txLinClrLst/>
+    <dgm:txFillClrLst meth="repeat">
+      <a:schemeClr val="dk1"/>
+    </dgm:txFillClrLst>
+    <dgm:txEffectClrLst/>
+  </dgm:styleLbl>
+  <dgm:styleLbl name="node4">
+    <dgm:fillClrLst meth="repeat">
+      <a:schemeClr val="lt1"/>
+    </dgm:fillClrLst>
+    <dgm:linClrLst meth="repeat">
+      <a:schemeClr val="dk1">
+        <a:shade val="80000"/>
+      </a:schemeClr>
+    </dgm:linClrLst>
+    <dgm:effectClrLst/>
+    <dgm:txLinClrLst/>
+    <dgm:txFillClrLst meth="repeat">
+      <a:schemeClr val="dk1"/>
+    </dgm:txFillClrLst>
+    <dgm:txEffectClrLst/>
+  </dgm:styleLbl>
+  <dgm:styleLbl name="fgImgPlace1">
+    <dgm:fillClrLst meth="repeat">
+      <a:schemeClr val="dk1">
+        <a:tint val="40000"/>
+      </a:schemeClr>
+    </dgm:fillClrLst>
+    <dgm:linClrLst meth="repeat">
+      <a:schemeClr val="dk1">
+        <a:shade val="80000"/>
+      </a:schemeClr>
+    </dgm:linClrLst>
+    <dgm:effectClrLst/>
+    <dgm:txLinClrLst/>
+    <dgm:txFillClrLst meth="repeat">
+      <a:schemeClr val="lt1"/>
+    </dgm:txFillClrLst>
+    <dgm:txEffectClrLst/>
+  </dgm:styleLbl>
+  <dgm:styleLbl name="alignImgPlace1">
+    <dgm:fillClrLst meth="repeat">
+      <a:schemeClr val="dk1">
+        <a:tint val="40000"/>
+      </a:schemeClr>
+    </dgm:fillClrLst>
+    <dgm:linClrLst meth="repeat">
+      <a:schemeClr val="dk1">
+        <a:shade val="80000"/>
+      </a:schemeClr>
+    </dgm:linClrLst>
+    <dgm:effectClrLst/>
+    <dgm:txLinClrLst/>
+    <dgm:txFillClrLst meth="repeat">
+      <a:schemeClr val="lt1"/>
+    </dgm:txFillClrLst>
+    <dgm:txEffectClrLst/>
+  </dgm:styleLbl>
+  <dgm:styleLbl name="bgImgPlace1">
+    <dgm:fillClrLst meth="repeat">
+      <a:schemeClr val="dk1">
+        <a:tint val="40000"/>
+      </a:schemeClr>
+    </dgm:fillClrLst>
+    <dgm:linClrLst meth="repeat">
+      <a:schemeClr val="dk1">
+        <a:shade val="80000"/>
+      </a:schemeClr>
+    </dgm:linClrLst>
+    <dgm:effectClrLst/>
+    <dgm:txLinClrLst/>
+    <dgm:txFillClrLst meth="repeat">
+      <a:schemeClr val="lt1"/>
+    </dgm:txFillClrLst>
+    <dgm:txEffectClrLst/>
+  </dgm:styleLbl>
+  <dgm:styleLbl name="sibTrans2D1">
+    <dgm:fillClrLst meth="repeat">
+      <a:schemeClr val="dk1">
+        <a:tint val="60000"/>
+      </a:schemeClr>
+    </dgm:fillClrLst>
+    <dgm:linClrLst meth="repeat">
+      <a:schemeClr val="dk1">
+        <a:tint val="60000"/>
+      </a:schemeClr>
+    </dgm:linClrLst>
+    <dgm:effectClrLst/>
+    <dgm:txLinClrLst/>
+    <dgm:txFillClrLst meth="repeat">
+      <a:schemeClr val="dk1"/>
+    </dgm:txFillClrLst>
+    <dgm:txEffectClrLst/>
+  </dgm:styleLbl>
+  <dgm:styleLbl name="fgSibTrans2D1">
+    <dgm:fillClrLst meth="repeat">
+      <a:schemeClr val="dk1">
+        <a:tint val="60000"/>
+      </a:schemeClr>
+    </dgm:fillClrLst>
+    <dgm:linClrLst meth="repeat">
+      <a:schemeClr val="dk1">
+        <a:tint val="60000"/>
+      </a:schemeClr>
+    </dgm:linClrLst>
+    <dgm:effectClrLst/>
+    <dgm:txLinClrLst/>
+    <dgm:txFillClrLst meth="repeat">
+      <a:schemeClr val="dk1"/>
+    </dgm:txFillClrLst>
+    <dgm:txEffectClrLst/>
+  </dgm:styleLbl>
+  <dgm:styleLbl name="bgSibTrans2D1">
+    <dgm:fillClrLst meth="repeat">
+      <a:schemeClr val="dk1">
+        <a:tint val="60000"/>
+      </a:schemeClr>
+    </dgm:fillClrLst>
+    <dgm:linClrLst meth="repeat">
+      <a:schemeClr val="dk1">
+        <a:tint val="60000"/>
+      </a:schemeClr>
+    </dgm:linClrLst>
+    <dgm:effectClrLst/>
+    <dgm:txLinClrLst/>
+    <dgm:txFillClrLst meth="repeat">
+      <a:schemeClr val="dk1"/>
+    </dgm:txFillClrLst>
+    <dgm:txEffectClrLst/>
+  </dgm:styleLbl>
+  <dgm:styleLbl name="sibTrans1D1">
+    <dgm:fillClrLst meth="repeat">
+      <a:schemeClr val="dk1"/>
+    </dgm:fillClrLst>
+    <dgm:linClrLst meth="repeat">
+      <a:schemeClr val="dk1"/>
+    </dgm:linClrLst>
+    <dgm:effectClrLst/>
+    <dgm:txLinClrLst/>
+    <dgm:txFillClrLst meth="repeat">
+      <a:schemeClr val="tx1"/>
+    </dgm:txFillClrLst>
+    <dgm:txEffectClrLst/>
+  </dgm:styleLbl>
+  <dgm:styleLbl name="callout">
+    <dgm:fillClrLst meth="repeat">
+      <a:schemeClr val="dk1"/>
+    </dgm:fillClrLst>
+    <dgm:linClrLst meth="repeat">
+      <a:schemeClr val="dk1"/>
+    </dgm:linClrLst>
+    <dgm:effectClrLst/>
+    <dgm:txLinClrLst/>
+    <dgm:txFillClrLst meth="repeat">
+      <a:schemeClr val="tx1"/>
+    </dgm:txFillClrLst>
+    <dgm:txEffectClrLst/>
+  </dgm:styleLbl>
+  <dgm:styleLbl name="asst0">
+    <dgm:fillClrLst meth="repeat">
+      <a:schemeClr val="lt1"/>
+    </dgm:fillClrLst>
+    <dgm:linClrLst meth="repeat">
+      <a:schemeClr val="dk1">
+        <a:shade val="80000"/>
+      </a:schemeClr>
+    </dgm:linClrLst>
+    <dgm:effectClrLst/>
+    <dgm:txLinClrLst/>
+    <dgm:txFillClrLst meth="repeat">
+      <a:schemeClr val="dk1"/>
+    </dgm:txFillClrLst>
+    <dgm:txEffectClrLst/>
+  </dgm:styleLbl>
+  <dgm:styleLbl name="asst1">
+    <dgm:fillClrLst meth="repeat">
+      <a:schemeClr val="lt1"/>
+    </dgm:fillClrLst>
+    <dgm:linClrLst meth="repeat">
+      <a:schemeClr val="dk1">
+        <a:shade val="80000"/>
+      </a:schemeClr>
+    </dgm:linClrLst>
+    <dgm:effectClrLst/>
+    <dgm:txLinClrLst/>
+    <dgm:txFillClrLst meth="repeat">
+      <a:schemeClr val="dk1"/>
+    </dgm:txFillClrLst>
+    <dgm:txEffectClrLst/>
+  </dgm:styleLbl>
+  <dgm:styleLbl name="asst2">
+    <dgm:fillClrLst meth="repeat">
+      <a:schemeClr val="lt1"/>
+    </dgm:fillClrLst>
+    <dgm:linClrLst meth="repeat">
+      <a:schemeClr val="dk1">
+        <a:shade val="80000"/>
+      </a:schemeClr>
+    </dgm:linClrLst>
+    <dgm:effectClrLst/>
+    <dgm:txLinClrLst/>
+    <dgm:txFillClrLst meth="repeat">
+      <a:schemeClr val="dk1"/>
+    </dgm:txFillClrLst>
+    <dgm:txEffectClrLst/>
+  </dgm:styleLbl>
+  <dgm:styleLbl name="asst3">
+    <dgm:fillClrLst meth="repeat">
+      <a:schemeClr val="lt1"/>
+    </dgm:fillClrLst>
+    <dgm:linClrLst meth="repeat">
+      <a:schemeClr val="dk1">
+        <a:shade val="80000"/>
+      </a:schemeClr>
+    </dgm:linClrLst>
+    <dgm:effectClrLst/>
+    <dgm:txLinClrLst/>
+    <dgm:txFillClrLst meth="repeat">
+      <a:schemeClr val="dk1"/>
+    </dgm:txFillClrLst>
+    <dgm:txEffectClrLst/>
+  </dgm:styleLbl>
+  <dgm:styleLbl name="asst4">
+    <dgm:fillClrLst meth="repeat">
+      <a:schemeClr val="lt1"/>
+    </dgm:fillClrLst>
+    <dgm:linClrLst meth="repeat">
+      <a:schemeClr val="dk1">
+        <a:shade val="80000"/>
+      </a:schemeClr>
+    </dgm:linClrLst>
+    <dgm:effectClrLst/>
+    <dgm:txLinClrLst/>
+    <dgm:txFillClrLst meth="repeat">
+      <a:schemeClr val="dk1"/>
+    </dgm:txFillClrLst>
+    <dgm:txEffectClrLst/>
+  </dgm:styleLbl>
+  <dgm:styleLbl name="parChTrans2D1">
+    <dgm:fillClrLst meth="repeat">
+      <a:schemeClr val="dk1">
+        <a:tint val="60000"/>
+      </a:schemeClr>
+    </dgm:fillClrLst>
+    <dgm:linClrLst meth="repeat">
+      <a:schemeClr val="dk1">
+        <a:tint val="60000"/>
+      </a:schemeClr>
+    </dgm:linClrLst>
+    <dgm:effectClrLst/>
+    <dgm:txLinClrLst/>
+    <dgm:txFillClrLst/>
+    <dgm:txEffectClrLst/>
+  </dgm:styleLbl>
+  <dgm:styleLbl name="parChTrans2D2">
+    <dgm:fillClrLst meth="repeat">
+      <a:schemeClr val="dk1"/>
+    </dgm:fillClrLst>
+    <dgm:linClrLst meth="repeat">
+      <a:schemeClr val="dk1"/>
+    </dgm:linClrLst>
+    <dgm:effectClrLst/>
+    <dgm:txLinClrLst/>
+    <dgm:txFillClrLst/>
+    <dgm:txEffectClrLst/>
+  </dgm:styleLbl>
+  <dgm:styleLbl name="parChTrans2D3">
+    <dgm:fillClrLst meth="repeat">
+      <a:schemeClr val="dk1"/>
+    </dgm:fillClrLst>
+    <dgm:linClrLst meth="repeat">
+      <a:schemeClr val="dk1"/>
+    </dgm:linClrLst>
+    <dgm:effectClrLst/>
+    <dgm:txLinClrLst/>
+    <dgm:txFillClrLst/>
+    <dgm:txEffectClrLst/>
+  </dgm:styleLbl>
+  <dgm:styleLbl name="parChTrans2D4">
+    <dgm:fillClrLst meth="repeat">
+      <a:schemeClr val="dk1"/>
+    </dgm:fillClrLst>
+    <dgm:linClrLst meth="repeat">
+      <a:schemeClr val="dk1"/>
+    </dgm:linClrLst>
+    <dgm:effectClrLst/>
+    <dgm:txLinClrLst/>
+    <dgm:txFillClrLst meth="repeat">
+      <a:schemeClr val="lt1"/>
+    </dgm:txFillClrLst>
+    <dgm:txEffectClrLst/>
+  </dgm:styleLbl>
+  <dgm:styleLbl name="parChTrans1D1">
+    <dgm:fillClrLst meth="repeat">
+      <a:schemeClr val="dk1"/>
+    </dgm:fillClrLst>
+    <dgm:linClrLst meth="repeat">
+      <a:schemeClr val="dk1">
+        <a:shade val="60000"/>
+      </a:schemeClr>
+    </dgm:linClrLst>
+    <dgm:effectClrLst/>
+    <dgm:txLinClrLst/>
+    <dgm:txFillClrLst meth="repeat">
+      <a:schemeClr val="tx1"/>
+    </dgm:txFillClrLst>
+    <dgm:txEffectClrLst/>
+  </dgm:styleLbl>
+  <dgm:styleLbl name="parChTrans1D2">
+    <dgm:fillClrLst meth="repeat">
+      <a:schemeClr val="dk1"/>
+    </dgm:fillClrLst>
+    <dgm:linClrLst meth="repeat">
+      <a:schemeClr val="dk1">
+        <a:shade val="60000"/>
+      </a:schemeClr>
+    </dgm:linClrLst>
+    <dgm:effectClrLst/>
+    <dgm:txLinClrLst/>
+    <dgm:txFillClrLst meth="repeat">
+      <a:schemeClr val="tx1"/>
+    </dgm:txFillClrLst>
+    <dgm:txEffectClrLst/>
+  </dgm:styleLbl>
+  <dgm:styleLbl name="parChTrans1D3">
+    <dgm:fillClrLst meth="repeat">
+      <a:schemeClr val="dk1"/>
+    </dgm:fillClrLst>
+    <dgm:linClrLst meth="repeat">
+      <a:schemeClr val="dk1">
+        <a:shade val="80000"/>
+      </a:schemeClr>
+    </dgm:linClrLst>
+    <dgm:effectClrLst/>
+    <dgm:txLinClrLst/>
+    <dgm:txFillClrLst meth="repeat">
+      <a:schemeClr val="tx1"/>
+    </dgm:txFillClrLst>
+    <dgm:txEffectClrLst/>
+  </dgm:styleLbl>
+  <dgm:styleLbl name="parChTrans1D4">
+    <dgm:fillClrLst meth="repeat">
+      <a:schemeClr val="dk1"/>
+    </dgm:fillClrLst>
+    <dgm:linClrLst meth="repeat">
+      <a:schemeClr val="dk1">
+        <a:shade val="80000"/>
+      </a:schemeClr>
+    </dgm:linClrLst>
+    <dgm:effectClrLst/>
+    <dgm:txLinClrLst/>
+    <dgm:txFillClrLst meth="repeat">
+      <a:schemeClr val="tx1"/>
+    </dgm:txFillClrLst>
+    <dgm:txEffectClrLst/>
+  </dgm:styleLbl>
+  <dgm:styleLbl name="fgAcc1">
+    <dgm:fillClrLst meth="repeat">
+      <a:schemeClr val="dk1">
+        <a:alpha val="90000"/>
+        <a:tint val="40000"/>
+      </a:schemeClr>
+    </dgm:fillClrLst>
+    <dgm:linClrLst meth="repeat">
+      <a:schemeClr val="dk1"/>
+    </dgm:linClrLst>
+    <dgm:effectClrLst/>
+    <dgm:txLinClrLst/>
+    <dgm:txFillClrLst meth="repeat">
+      <a:schemeClr val="dk1"/>
+    </dgm:txFillClrLst>
+    <dgm:txEffectClrLst/>
+  </dgm:styleLbl>
+  <dgm:styleLbl name="conFgAcc1">
+    <dgm:fillClrLst meth="repeat">
+      <a:schemeClr val="dk1">
+        <a:alpha val="90000"/>
+        <a:tint val="40000"/>
+      </a:schemeClr>
+    </dgm:fillClrLst>
+    <dgm:linClrLst meth="repeat">
+      <a:schemeClr val="dk1"/>
+    </dgm:linClrLst>
+    <dgm:effectClrLst/>
+    <dgm:txLinClrLst/>
+    <dgm:txFillClrLst meth="repeat">
+      <a:schemeClr val="dk1"/>
+    </dgm:txFillClrLst>
+    <dgm:txEffectClrLst/>
+  </dgm:styleLbl>
+  <dgm:styleLbl name="alignAcc1">
+    <dgm:fillClrLst meth="repeat">
+      <a:schemeClr val="dk1">
+        <a:alpha val="90000"/>
+        <a:tint val="40000"/>
+      </a:schemeClr>
+    </dgm:fillClrLst>
+    <dgm:linClrLst meth="repeat">
+      <a:schemeClr val="dk1"/>
+    </dgm:linClrLst>
+    <dgm:effectClrLst/>
+    <dgm:txLinClrLst/>
+    <dgm:txFillClrLst meth="repeat">
+      <a:schemeClr val="dk1"/>
+    </dgm:txFillClrLst>
+    <dgm:txEffectClrLst/>
+  </dgm:styleLbl>
+  <dgm:styleLbl name="trAlignAcc1">
+    <dgm:fillClrLst meth="repeat">
+      <a:schemeClr val="dk1">
+        <a:alpha val="40000"/>
+        <a:tint val="40000"/>
+      </a:schemeClr>
+    </dgm:fillClrLst>
+    <dgm:linClrLst meth="repeat">
+      <a:schemeClr val="dk1"/>
+    </dgm:linClrLst>
+    <dgm:effectClrLst/>
+    <dgm:txLinClrLst/>
+    <dgm:txFillClrLst meth="repeat">
+      <a:schemeClr val="dk1"/>
+    </dgm:txFillClrLst>
+    <dgm:txEffectClrLst/>
+  </dgm:styleLbl>
+  <dgm:styleLbl name="bgAcc1">
+    <dgm:fillClrLst meth="repeat">
+      <a:schemeClr val="dk1">
+        <a:alpha val="90000"/>
+        <a:tint val="40000"/>
+      </a:schemeClr>
+    </dgm:fillClrLst>
+    <dgm:linClrLst meth="repeat">
+      <a:schemeClr val="dk1"/>
+    </dgm:linClrLst>
+    <dgm:effectClrLst/>
+    <dgm:txLinClrLst/>
+    <dgm:txFillClrLst meth="repeat">
+      <a:schemeClr val="dk1"/>
+    </dgm:txFillClrLst>
+    <dgm:txEffectClrLst/>
+  </dgm:styleLbl>
+  <dgm:styleLbl name="solidFgAcc1">
+    <dgm:fillClrLst meth="repeat">
+      <a:schemeClr val="lt1"/>
+    </dgm:fillClrLst>
+    <dgm:linClrLst meth="repeat">
+      <a:schemeClr val="dk1"/>
+    </dgm:linClrLst>
+    <dgm:effectClrLst/>
+    <dgm:txLinClrLst/>
+    <dgm:txFillClrLst meth="repeat">
+      <a:schemeClr val="dk1"/>
+    </dgm:txFillClrLst>
+    <dgm:txEffectClrLst/>
+  </dgm:styleLbl>
+  <dgm:styleLbl name="solidAlignAcc1">
+    <dgm:fillClrLst meth="repeat">
+      <a:schemeClr val="lt1"/>
+    </dgm:fillClrLst>
+    <dgm:linClrLst meth="repeat">
+      <a:schemeClr val="dk1"/>
+    </dgm:linClrLst>
+    <dgm:effectClrLst/>
+    <dgm:txLinClrLst/>
+    <dgm:txFillClrLst meth="repeat">
+      <a:schemeClr val="dk1"/>
+    </dgm:txFillClrLst>
+    <dgm:txEffectClrLst/>
+  </dgm:styleLbl>
+  <dgm:styleLbl name="solidBgAcc1">
+    <dgm:fillClrLst meth="repeat">
+      <a:schemeClr val="lt1"/>
+    </dgm:fillClrLst>
+    <dgm:linClrLst meth="repeat">
+      <a:schemeClr val="dk1"/>
+    </dgm:linClrLst>
+    <dgm:effectClrLst/>
+    <dgm:txLinClrLst/>
+    <dgm:txFillClrLst meth="repeat">
+      <a:schemeClr val="dk1"/>
+    </dgm:txFillClrLst>
+    <dgm:txEffectClrLst/>
+  </dgm:styleLbl>
+  <dgm:styleLbl name="fgAccFollowNode1">
+    <dgm:fillClrLst meth="repeat">
+      <a:schemeClr val="lt1">
+        <a:alpha val="90000"/>
+        <a:tint val="40000"/>
+      </a:schemeClr>
+    </dgm:fillClrLst>
+    <dgm:linClrLst meth="repeat">
+      <a:schemeClr val="dk1">
+        <a:alpha val="90000"/>
+      </a:schemeClr>
+    </dgm:linClrLst>
+    <dgm:effectClrLst/>
+    <dgm:txLinClrLst/>
+    <dgm:txFillClrLst meth="repeat">
+      <a:schemeClr val="dk1"/>
+    </dgm:txFillClrLst>
+    <dgm:txEffectClrLst/>
+  </dgm:styleLbl>
+  <dgm:styleLbl name="alignAccFollowNode1">
+    <dgm:fillClrLst meth="repeat">
+      <a:schemeClr val="lt1">
+        <a:alpha val="90000"/>
+        <a:tint val="40000"/>
+      </a:schemeClr>
+    </dgm:fillClrLst>
+    <dgm:linClrLst meth="repeat">
+      <a:schemeClr val="dk1">
+        <a:alpha val="90000"/>
+      </a:schemeClr>
+    </dgm:linClrLst>
+    <dgm:effectClrLst/>
+    <dgm:txLinClrLst/>
+    <dgm:txFillClrLst meth="repeat">
+      <a:schemeClr val="dk1"/>
+    </dgm:txFillClrLst>
+    <dgm:txEffectClrLst/>
+  </dgm:styleLbl>
+  <dgm:styleLbl name="bgAccFollowNode1">
+    <dgm:fillClrLst meth="repeat">
+      <a:schemeClr val="lt1">
+        <a:alpha val="90000"/>
+        <a:tint val="40000"/>
+      </a:schemeClr>
+    </dgm:fillClrLst>
+    <dgm:linClrLst meth="repeat">
+      <a:schemeClr val="dk1">
+        <a:alpha val="90000"/>
+      </a:schemeClr>
+    </dgm:linClrLst>
+    <dgm:effectClrLst/>
+    <dgm:txLinClrLst/>
+    <dgm:txFillClrLst meth="repeat">
+      <a:schemeClr val="dk1"/>
+    </dgm:txFillClrLst>
+    <dgm:txEffectClrLst/>
+  </dgm:styleLbl>
+  <dgm:styleLbl name="fgAcc0">
+    <dgm:fillClrLst meth="repeat">
+      <a:schemeClr val="dk1">
+        <a:alpha val="90000"/>
+        <a:tint val="40000"/>
+      </a:schemeClr>
+    </dgm:fillClrLst>
+    <dgm:linClrLst meth="repeat">
+      <a:schemeClr val="dk1"/>
+    </dgm:linClrLst>
+    <dgm:effectClrLst/>
+    <dgm:txLinClrLst/>
+    <dgm:txFillClrLst meth="repeat">
+      <a:schemeClr val="dk1"/>
+    </dgm:txFillClrLst>
+    <dgm:txEffectClrLst/>
+  </dgm:styleLbl>
+  <dgm:styleLbl name="fgAcc2">
+    <dgm:fillClrLst meth="repeat">
+      <a:schemeClr val="dk1">
+        <a:alpha val="90000"/>
+        <a:tint val="40000"/>
+      </a:schemeClr>
+    </dgm:fillClrLst>
+    <dgm:linClrLst meth="repeat">
+      <a:schemeClr val="dk1"/>
+    </dgm:linClrLst>
+    <dgm:effectClrLst/>
+    <dgm:txLinClrLst/>
+    <dgm:txFillClrLst meth="repeat">
+      <a:schemeClr val="dk1"/>
+    </dgm:txFillClrLst>
+    <dgm:txEffectClrLst/>
+  </dgm:styleLbl>
+  <dgm:styleLbl name="fgAcc3">
+    <dgm:fillClrLst meth="repeat">
+      <a:schemeClr val="dk1">
+        <a:alpha val="90000"/>
+        <a:tint val="40000"/>
+      </a:schemeClr>
+    </dgm:fillClrLst>
+    <dgm:linClrLst meth="repeat">
+      <a:schemeClr val="dk1"/>
+    </dgm:linClrLst>
+    <dgm:effectClrLst/>
+    <dgm:txLinClrLst/>
+    <dgm:txFillClrLst meth="repeat">
+      <a:schemeClr val="dk1"/>
+    </dgm:txFillClrLst>
+    <dgm:txEffectClrLst/>
+  </dgm:styleLbl>
+  <dgm:styleLbl name="fgAcc4">
+    <dgm:fillClrLst meth="repeat">
+      <a:schemeClr val="dk1">
+        <a:alpha val="90000"/>
+        <a:tint val="40000"/>
+      </a:schemeClr>
+    </dgm:fillClrLst>
+    <dgm:linClrLst meth="repeat">
+      <a:schemeClr val="dk1"/>
+    </dgm:linClrLst>
+    <dgm:effectClrLst/>
+    <dgm:txLinClrLst/>
+    <dgm:txFillClrLst meth="repeat">
+      <a:schemeClr val="dk1"/>
+    </dgm:txFillClrLst>
+    <dgm:txEffectClrLst/>
+  </dgm:styleLbl>
+  <dgm:styleLbl name="bgShp">
+    <dgm:fillClrLst meth="repeat">
+      <a:schemeClr val="dk1">
+        <a:tint val="40000"/>
+      </a:schemeClr>
+    </dgm:fillClrLst>
+    <dgm:linClrLst meth="repeat">
+      <a:schemeClr val="dk1"/>
+    </dgm:linClrLst>
+    <dgm:effectClrLst/>
+    <dgm:txLinClrLst/>
+    <dgm:txFillClrLst meth="repeat">
+      <a:schemeClr val="dk1"/>
+    </dgm:txFillClrLst>
+    <dgm:txEffectClrLst/>
+  </dgm:styleLbl>
+  <dgm:styleLbl name="dkBgShp">
+    <dgm:fillClrLst meth="repeat">
+      <a:schemeClr val="dk1">
+        <a:shade val="80000"/>
+      </a:schemeClr>
+    </dgm:fillClrLst>
+    <dgm:linClrLst meth="repeat">
+      <a:schemeClr val="dk1"/>
+    </dgm:linClrLst>
+    <dgm:effectClrLst/>
+    <dgm:txLinClrLst/>
+    <dgm:txFillClrLst meth="repeat">
+      <a:schemeClr val="lt1"/>
+    </dgm:txFillClrLst>
+    <dgm:txEffectClrLst/>
+  </dgm:styleLbl>
+  <dgm:styleLbl name="trBgShp">
+    <dgm:fillClrLst meth="repeat">
+      <a:schemeClr val="dk1">
+        <a:tint val="50000"/>
+        <a:alpha val="40000"/>
+      </a:schemeClr>
+    </dgm:fillClrLst>
+    <dgm:linClrLst meth="repeat">
+      <a:schemeClr val="dk1"/>
+    </dgm:linClrLst>
+    <dgm:effectClrLst/>
+    <dgm:txLinClrLst/>
+    <dgm:txFillClrLst meth="repeat">
+      <a:schemeClr val="lt1"/>
+    </dgm:txFillClrLst>
+    <dgm:txEffectClrLst/>
+  </dgm:styleLbl>
+  <dgm:styleLbl name="fgShp">
+    <dgm:fillClrLst meth="repeat">
+      <a:schemeClr val="dk1">
+        <a:tint val="60000"/>
+      </a:schemeClr>
+    </dgm:fillClrLst>
+    <dgm:linClrLst meth="repeat">
+      <a:schemeClr val="lt1"/>
+    </dgm:linClrLst>
+    <dgm:effectClrLst/>
+    <dgm:txLinClrLst/>
+    <dgm:txFillClrLst meth="repeat">
+      <a:schemeClr val="dk1"/>
+    </dgm:txFillClrLst>
+    <dgm:txEffectClrLst/>
+  </dgm:styleLbl>
+  <dgm:styleLbl name="revTx">
+    <dgm:fillClrLst meth="repeat">
+      <a:schemeClr val="lt1">
+        <a:alpha val="0"/>
+      </a:schemeClr>
+    </dgm:fillClrLst>
+    <dgm:linClrLst meth="repeat">
+      <a:schemeClr val="dk1">
+        <a:alpha val="0"/>
+      </a:schemeClr>
+    </dgm:linClrLst>
+    <dgm:effectClrLst/>
+    <dgm:txLinClrLst/>
+    <dgm:txFillClrLst meth="repeat">
+      <a:schemeClr val="tx1"/>
+    </dgm:txFillClrLst>
+    <dgm:txEffectClrLst/>
+  </dgm:styleLbl>
+</dgm:colorsDef>
+</file>
+
+<file path=ppt/diagrams/data1.xml><?xml version="1.0" encoding="utf-8"?>
+<dgm:dataModel xmlns:dgm="http://schemas.openxmlformats.org/drawingml/2006/diagram" xmlns:a="http://schemas.openxmlformats.org/drawingml/2006/main">
+  <dgm:ptLst>
+    <dgm:pt modelId="{F9D6370B-6FBE-41C3-8CCD-A4B36617155C}" type="doc">
+      <dgm:prSet loTypeId="urn:microsoft.com/office/officeart/2005/8/layout/cycle1" loCatId="cycle" qsTypeId="urn:microsoft.com/office/officeart/2005/8/quickstyle/simple1" qsCatId="simple" csTypeId="urn:microsoft.com/office/officeart/2005/8/colors/accent0_1" csCatId="mainScheme" phldr="1"/>
+      <dgm:spPr/>
+      <dgm:t>
+        <a:bodyPr/>
+        <a:lstStyle/>
+        <a:p>
+          <a:endParaRPr lang="en-US"/>
+        </a:p>
+      </dgm:t>
+    </dgm:pt>
+    <dgm:pt modelId="{3FC1AC79-32E4-4D03-9EF7-DC7A116AB9AF}">
+      <dgm:prSet phldrT="[Text]"/>
+      <dgm:spPr/>
+      <dgm:t>
+        <a:bodyPr/>
+        <a:lstStyle/>
+        <a:p>
+          <a:r>
+            <a:rPr lang="en-US" b="0" cap="none" spc="0" dirty="0" smtClean="0">
+              <a:ln w="0"/>
+              <a:solidFill>
+                <a:schemeClr val="tx1"/>
+              </a:solidFill>
+              <a:effectLst>
+                <a:outerShdw blurRad="38100" dist="19050" dir="2700000" algn="tl" rotWithShape="0">
+                  <a:schemeClr val="dk1">
+                    <a:alpha val="40000"/>
+                  </a:schemeClr>
+                </a:outerShdw>
+              </a:effectLst>
+            </a:rPr>
+            <a:t>Line follower finds the path</a:t>
+          </a:r>
+          <a:endParaRPr lang="en-US" b="0" cap="none" spc="0" dirty="0">
+            <a:ln w="0"/>
+            <a:solidFill>
+              <a:schemeClr val="tx1"/>
+            </a:solidFill>
+            <a:effectLst>
+              <a:outerShdw blurRad="38100" dist="19050" dir="2700000" algn="tl" rotWithShape="0">
+                <a:schemeClr val="dk1">
+                  <a:alpha val="40000"/>
+                </a:schemeClr>
+              </a:outerShdw>
+            </a:effectLst>
+          </a:endParaRPr>
+        </a:p>
+      </dgm:t>
+    </dgm:pt>
+    <dgm:pt modelId="{A072915E-7480-4BE4-9477-F0FAC0A4EA0E}" type="parTrans" cxnId="{DA2CD885-80E9-43FD-A75A-5C7305AC55B3}">
+      <dgm:prSet/>
+      <dgm:spPr/>
+      <dgm:t>
+        <a:bodyPr/>
+        <a:lstStyle/>
+        <a:p>
+          <a:endParaRPr lang="en-US" b="0" cap="none" spc="0">
+            <a:ln w="0"/>
+            <a:solidFill>
+              <a:schemeClr val="tx1"/>
+            </a:solidFill>
+            <a:effectLst>
+              <a:outerShdw blurRad="38100" dist="19050" dir="2700000" algn="tl" rotWithShape="0">
+                <a:schemeClr val="dk1">
+                  <a:alpha val="40000"/>
+                </a:schemeClr>
+              </a:outerShdw>
+            </a:effectLst>
+          </a:endParaRPr>
+        </a:p>
+      </dgm:t>
+    </dgm:pt>
+    <dgm:pt modelId="{FB95D896-E6B3-484E-936A-4FE40DFB430E}" type="sibTrans" cxnId="{DA2CD885-80E9-43FD-A75A-5C7305AC55B3}">
+      <dgm:prSet/>
+      <dgm:spPr/>
+      <dgm:t>
+        <a:bodyPr/>
+        <a:lstStyle/>
+        <a:p>
+          <a:endParaRPr lang="en-US" b="0" cap="none" spc="0">
+            <a:ln w="0"/>
+            <a:solidFill>
+              <a:schemeClr val="tx1"/>
+            </a:solidFill>
+            <a:effectLst>
+              <a:outerShdw blurRad="38100" dist="19050" dir="2700000" algn="tl" rotWithShape="0">
+                <a:schemeClr val="dk1">
+                  <a:alpha val="40000"/>
+                </a:schemeClr>
+              </a:outerShdw>
+            </a:effectLst>
+          </a:endParaRPr>
+        </a:p>
+      </dgm:t>
+    </dgm:pt>
+    <dgm:pt modelId="{A234143F-172F-4BDA-B0FB-AABFFB38B638}">
+      <dgm:prSet phldrT="[Text]"/>
+      <dgm:spPr/>
+      <dgm:t>
+        <a:bodyPr/>
+        <a:lstStyle/>
+        <a:p>
+          <a:r>
+            <a:rPr lang="en-US" b="0" cap="none" spc="0" dirty="0" smtClean="0">
+              <a:ln w="0"/>
+              <a:solidFill>
+                <a:schemeClr val="tx1"/>
+              </a:solidFill>
+              <a:effectLst>
+                <a:outerShdw blurRad="38100" dist="19050" dir="2700000" algn="tl" rotWithShape="0">
+                  <a:schemeClr val="dk1">
+                    <a:alpha val="40000"/>
+                  </a:schemeClr>
+                </a:outerShdw>
+              </a:effectLst>
+            </a:rPr>
+            <a:t>Rover moves </a:t>
+          </a:r>
+          <a:r>
+            <a:rPr lang="en-US" b="0" cap="none" spc="0" dirty="0" smtClean="0">
+              <a:ln w="0"/>
+              <a:solidFill>
+                <a:schemeClr val="tx1"/>
+              </a:solidFill>
+              <a:effectLst>
+                <a:outerShdw blurRad="38100" dist="19050" dir="2700000" algn="tl" rotWithShape="0">
+                  <a:schemeClr val="dk1">
+                    <a:alpha val="40000"/>
+                  </a:schemeClr>
+                </a:outerShdw>
+              </a:effectLst>
+            </a:rPr>
+            <a:t>along path</a:t>
+          </a:r>
+          <a:endParaRPr lang="en-US" b="0" cap="none" spc="0" dirty="0">
+            <a:ln w="0"/>
+            <a:solidFill>
+              <a:schemeClr val="tx1"/>
+            </a:solidFill>
+            <a:effectLst>
+              <a:outerShdw blurRad="38100" dist="19050" dir="2700000" algn="tl" rotWithShape="0">
+                <a:schemeClr val="dk1">
+                  <a:alpha val="40000"/>
+                </a:schemeClr>
+              </a:outerShdw>
+            </a:effectLst>
+          </a:endParaRPr>
+        </a:p>
+      </dgm:t>
+    </dgm:pt>
+    <dgm:pt modelId="{F2149057-8FB7-418A-8A16-FA47D3110EE2}" type="parTrans" cxnId="{C772022F-C1AE-42C5-AA87-7533F24827FA}">
+      <dgm:prSet/>
+      <dgm:spPr/>
+      <dgm:t>
+        <a:bodyPr/>
+        <a:lstStyle/>
+        <a:p>
+          <a:endParaRPr lang="en-US" b="0" cap="none" spc="0">
+            <a:ln w="0"/>
+            <a:solidFill>
+              <a:schemeClr val="tx1"/>
+            </a:solidFill>
+            <a:effectLst>
+              <a:outerShdw blurRad="38100" dist="19050" dir="2700000" algn="tl" rotWithShape="0">
+                <a:schemeClr val="dk1">
+                  <a:alpha val="40000"/>
+                </a:schemeClr>
+              </a:outerShdw>
+            </a:effectLst>
+          </a:endParaRPr>
+        </a:p>
+      </dgm:t>
+    </dgm:pt>
+    <dgm:pt modelId="{95BD9D08-AE43-4593-8703-7771F8B26F98}" type="sibTrans" cxnId="{C772022F-C1AE-42C5-AA87-7533F24827FA}">
+      <dgm:prSet/>
+      <dgm:spPr/>
+      <dgm:t>
+        <a:bodyPr/>
+        <a:lstStyle/>
+        <a:p>
+          <a:endParaRPr lang="en-US" b="0" cap="none" spc="0">
+            <a:ln w="0"/>
+            <a:solidFill>
+              <a:schemeClr val="tx1"/>
+            </a:solidFill>
+            <a:effectLst>
+              <a:outerShdw blurRad="38100" dist="19050" dir="2700000" algn="tl" rotWithShape="0">
+                <a:schemeClr val="dk1">
+                  <a:alpha val="40000"/>
+                </a:schemeClr>
+              </a:outerShdw>
+            </a:effectLst>
+          </a:endParaRPr>
+        </a:p>
+      </dgm:t>
+    </dgm:pt>
+    <dgm:pt modelId="{64B28CF6-128D-483F-B286-B5362C32E002}">
+      <dgm:prSet phldrT="[Text]"/>
+      <dgm:spPr/>
+      <dgm:t>
+        <a:bodyPr/>
+        <a:lstStyle/>
+        <a:p>
+          <a:r>
+            <a:rPr lang="en-US" b="0" cap="none" spc="0" dirty="0" smtClean="0">
+              <a:ln w="0"/>
+              <a:solidFill>
+                <a:schemeClr val="tx1"/>
+              </a:solidFill>
+              <a:effectLst>
+                <a:outerShdw blurRad="38100" dist="19050" dir="2700000" algn="tl" rotWithShape="0">
+                  <a:schemeClr val="dk1">
+                    <a:alpha val="40000"/>
+                  </a:schemeClr>
+                </a:outerShdw>
+              </a:effectLst>
+            </a:rPr>
+            <a:t>RBG sensor detects order and arm activates</a:t>
+          </a:r>
+          <a:endParaRPr lang="en-US" b="0" cap="none" spc="0" dirty="0">
+            <a:ln w="0"/>
+            <a:solidFill>
+              <a:schemeClr val="tx1"/>
+            </a:solidFill>
+            <a:effectLst>
+              <a:outerShdw blurRad="38100" dist="19050" dir="2700000" algn="tl" rotWithShape="0">
+                <a:schemeClr val="dk1">
+                  <a:alpha val="40000"/>
+                </a:schemeClr>
+              </a:outerShdw>
+            </a:effectLst>
+          </a:endParaRPr>
+        </a:p>
+      </dgm:t>
+    </dgm:pt>
+    <dgm:pt modelId="{56B12B33-C4EB-4F0B-91D3-95DF4DC118F4}" type="parTrans" cxnId="{AB70EC50-07E4-4727-B213-35230F7AB777}">
+      <dgm:prSet/>
+      <dgm:spPr/>
+      <dgm:t>
+        <a:bodyPr/>
+        <a:lstStyle/>
+        <a:p>
+          <a:endParaRPr lang="en-US" b="0" cap="none" spc="0">
+            <a:ln w="0"/>
+            <a:solidFill>
+              <a:schemeClr val="tx1"/>
+            </a:solidFill>
+            <a:effectLst>
+              <a:outerShdw blurRad="38100" dist="19050" dir="2700000" algn="tl" rotWithShape="0">
+                <a:schemeClr val="dk1">
+                  <a:alpha val="40000"/>
+                </a:schemeClr>
+              </a:outerShdw>
+            </a:effectLst>
+          </a:endParaRPr>
+        </a:p>
+      </dgm:t>
+    </dgm:pt>
+    <dgm:pt modelId="{865DC9BC-D791-4D2A-B88F-769185813328}" type="sibTrans" cxnId="{AB70EC50-07E4-4727-B213-35230F7AB777}">
+      <dgm:prSet/>
+      <dgm:spPr/>
+      <dgm:t>
+        <a:bodyPr/>
+        <a:lstStyle/>
+        <a:p>
+          <a:endParaRPr lang="en-US" b="0" cap="none" spc="0">
+            <a:ln w="0"/>
+            <a:solidFill>
+              <a:schemeClr val="tx1"/>
+            </a:solidFill>
+            <a:effectLst>
+              <a:outerShdw blurRad="38100" dist="19050" dir="2700000" algn="tl" rotWithShape="0">
+                <a:schemeClr val="dk1">
+                  <a:alpha val="40000"/>
+                </a:schemeClr>
+              </a:outerShdw>
+            </a:effectLst>
+          </a:endParaRPr>
+        </a:p>
+      </dgm:t>
+    </dgm:pt>
+    <dgm:pt modelId="{755B49B8-CB4C-47EF-8B6D-4AE8F296D42C}">
+      <dgm:prSet phldrT="[Text]"/>
+      <dgm:spPr/>
+      <dgm:t>
+        <a:bodyPr/>
+        <a:lstStyle/>
+        <a:p>
+          <a:r>
+            <a:rPr lang="en-US" b="0" cap="none" spc="0" dirty="0" smtClean="0">
+              <a:ln w="0"/>
+              <a:solidFill>
+                <a:schemeClr val="tx1"/>
+              </a:solidFill>
+              <a:effectLst>
+                <a:outerShdw blurRad="38100" dist="19050" dir="2700000" algn="tl" rotWithShape="0">
+                  <a:schemeClr val="dk1">
+                    <a:alpha val="40000"/>
+                  </a:schemeClr>
+                </a:outerShdw>
+              </a:effectLst>
+            </a:rPr>
+            <a:t>Arm moves to grab mints</a:t>
+          </a:r>
+          <a:endParaRPr lang="en-US" b="0" cap="none" spc="0" dirty="0">
+            <a:ln w="0"/>
+            <a:solidFill>
+              <a:schemeClr val="tx1"/>
+            </a:solidFill>
+            <a:effectLst>
+              <a:outerShdw blurRad="38100" dist="19050" dir="2700000" algn="tl" rotWithShape="0">
+                <a:schemeClr val="dk1">
+                  <a:alpha val="40000"/>
+                </a:schemeClr>
+              </a:outerShdw>
+            </a:effectLst>
+          </a:endParaRPr>
+        </a:p>
+      </dgm:t>
+    </dgm:pt>
+    <dgm:pt modelId="{76BB81FA-DFB9-48F3-B5AB-67136CF6A9D6}" type="parTrans" cxnId="{B5EF78D5-E1B9-4B15-ACF7-60922A4C4C95}">
+      <dgm:prSet/>
+      <dgm:spPr/>
+      <dgm:t>
+        <a:bodyPr/>
+        <a:lstStyle/>
+        <a:p>
+          <a:endParaRPr lang="en-US" b="0" cap="none" spc="0">
+            <a:ln w="0"/>
+            <a:solidFill>
+              <a:schemeClr val="tx1"/>
+            </a:solidFill>
+            <a:effectLst>
+              <a:outerShdw blurRad="38100" dist="19050" dir="2700000" algn="tl" rotWithShape="0">
+                <a:schemeClr val="dk1">
+                  <a:alpha val="40000"/>
+                </a:schemeClr>
+              </a:outerShdw>
+            </a:effectLst>
+          </a:endParaRPr>
+        </a:p>
+      </dgm:t>
+    </dgm:pt>
+    <dgm:pt modelId="{F8C97C33-64E4-4F5C-BABA-4A222A086F3A}" type="sibTrans" cxnId="{B5EF78D5-E1B9-4B15-ACF7-60922A4C4C95}">
+      <dgm:prSet/>
+      <dgm:spPr/>
+      <dgm:t>
+        <a:bodyPr/>
+        <a:lstStyle/>
+        <a:p>
+          <a:endParaRPr lang="en-US" b="0" cap="none" spc="0">
+            <a:ln w="0"/>
+            <a:solidFill>
+              <a:schemeClr val="tx1"/>
+            </a:solidFill>
+            <a:effectLst>
+              <a:outerShdw blurRad="38100" dist="19050" dir="2700000" algn="tl" rotWithShape="0">
+                <a:schemeClr val="dk1">
+                  <a:alpha val="40000"/>
+                </a:schemeClr>
+              </a:outerShdw>
+            </a:effectLst>
+          </a:endParaRPr>
+        </a:p>
+      </dgm:t>
+    </dgm:pt>
+    <dgm:pt modelId="{7A05D2E4-69B6-4E98-B546-FF474EA9B8B0}">
+      <dgm:prSet phldrT="[Text]"/>
+      <dgm:spPr/>
+      <dgm:t>
+        <a:bodyPr/>
+        <a:lstStyle/>
+        <a:p>
+          <a:r>
+            <a:rPr lang="en-US" b="0" cap="none" spc="0" dirty="0" smtClean="0">
+              <a:ln w="0"/>
+              <a:solidFill>
+                <a:schemeClr val="tx1"/>
+              </a:solidFill>
+              <a:effectLst>
+                <a:outerShdw blurRad="38100" dist="19050" dir="2700000" algn="tl" rotWithShape="0">
+                  <a:schemeClr val="dk1">
+                    <a:alpha val="40000"/>
+                  </a:schemeClr>
+                </a:outerShdw>
+              </a:effectLst>
+            </a:rPr>
+            <a:t>Robot reverses at the end of the table</a:t>
+          </a:r>
+          <a:endParaRPr lang="en-US" b="0" cap="none" spc="0" dirty="0">
+            <a:ln w="0"/>
+            <a:solidFill>
+              <a:schemeClr val="tx1"/>
+            </a:solidFill>
+            <a:effectLst>
+              <a:outerShdw blurRad="38100" dist="19050" dir="2700000" algn="tl" rotWithShape="0">
+                <a:schemeClr val="dk1">
+                  <a:alpha val="40000"/>
+                </a:schemeClr>
+              </a:outerShdw>
+            </a:effectLst>
+          </a:endParaRPr>
+        </a:p>
+      </dgm:t>
+    </dgm:pt>
+    <dgm:pt modelId="{689981B6-848F-4362-B3C3-FEB16BC5F6B8}" type="parTrans" cxnId="{0ABC6A69-48AE-4D27-A92B-CBBDF0AE92BA}">
+      <dgm:prSet/>
+      <dgm:spPr/>
+      <dgm:t>
+        <a:bodyPr/>
+        <a:lstStyle/>
+        <a:p>
+          <a:endParaRPr lang="en-US" b="0" cap="none" spc="0">
+            <a:ln w="0"/>
+            <a:solidFill>
+              <a:schemeClr val="tx1"/>
+            </a:solidFill>
+            <a:effectLst>
+              <a:outerShdw blurRad="38100" dist="19050" dir="2700000" algn="tl" rotWithShape="0">
+                <a:schemeClr val="dk1">
+                  <a:alpha val="40000"/>
+                </a:schemeClr>
+              </a:outerShdw>
+            </a:effectLst>
+          </a:endParaRPr>
+        </a:p>
+      </dgm:t>
+    </dgm:pt>
+    <dgm:pt modelId="{B32CDD46-DD8D-4049-BBFB-476C86E85241}" type="sibTrans" cxnId="{0ABC6A69-48AE-4D27-A92B-CBBDF0AE92BA}">
+      <dgm:prSet/>
+      <dgm:spPr/>
+      <dgm:t>
+        <a:bodyPr/>
+        <a:lstStyle/>
+        <a:p>
+          <a:endParaRPr lang="en-US" b="0" cap="none" spc="0">
+            <a:ln w="0"/>
+            <a:solidFill>
+              <a:schemeClr val="tx1"/>
+            </a:solidFill>
+            <a:effectLst>
+              <a:outerShdw blurRad="38100" dist="19050" dir="2700000" algn="tl" rotWithShape="0">
+                <a:schemeClr val="dk1">
+                  <a:alpha val="40000"/>
+                </a:schemeClr>
+              </a:outerShdw>
+            </a:effectLst>
+          </a:endParaRPr>
+        </a:p>
+      </dgm:t>
+    </dgm:pt>
+    <dgm:pt modelId="{DC9C8728-5A93-4BE6-971D-F73EE2BDBDEA}" type="pres">
+      <dgm:prSet presAssocID="{F9D6370B-6FBE-41C3-8CCD-A4B36617155C}" presName="cycle" presStyleCnt="0">
+        <dgm:presLayoutVars>
+          <dgm:dir/>
+          <dgm:resizeHandles val="exact"/>
+        </dgm:presLayoutVars>
+      </dgm:prSet>
+      <dgm:spPr/>
+      <dgm:t>
+        <a:bodyPr/>
+        <a:lstStyle/>
+        <a:p>
+          <a:endParaRPr lang="en-US"/>
+        </a:p>
+      </dgm:t>
+    </dgm:pt>
+    <dgm:pt modelId="{04106CE0-7CB5-46C3-98C4-0DC856E6847F}" type="pres">
+      <dgm:prSet presAssocID="{3FC1AC79-32E4-4D03-9EF7-DC7A116AB9AF}" presName="dummy" presStyleCnt="0"/>
+      <dgm:spPr/>
+    </dgm:pt>
+    <dgm:pt modelId="{D8799F19-D33C-4CAD-A148-3D940619DE46}" type="pres">
+      <dgm:prSet presAssocID="{3FC1AC79-32E4-4D03-9EF7-DC7A116AB9AF}" presName="node" presStyleLbl="revTx" presStyleIdx="0" presStyleCnt="5">
+        <dgm:presLayoutVars>
+          <dgm:bulletEnabled val="1"/>
+        </dgm:presLayoutVars>
+      </dgm:prSet>
+      <dgm:spPr/>
+      <dgm:t>
+        <a:bodyPr/>
+        <a:lstStyle/>
+        <a:p>
+          <a:endParaRPr lang="en-US"/>
+        </a:p>
+      </dgm:t>
+    </dgm:pt>
+    <dgm:pt modelId="{6CB845AD-48DC-49A3-A826-BDAAB0F05F45}" type="pres">
+      <dgm:prSet presAssocID="{FB95D896-E6B3-484E-936A-4FE40DFB430E}" presName="sibTrans" presStyleLbl="node1" presStyleIdx="0" presStyleCnt="5"/>
+      <dgm:spPr/>
+      <dgm:t>
+        <a:bodyPr/>
+        <a:lstStyle/>
+        <a:p>
+          <a:endParaRPr lang="en-US"/>
+        </a:p>
+      </dgm:t>
+    </dgm:pt>
+    <dgm:pt modelId="{1940A561-8A6A-4142-ABCF-197858B4F24B}" type="pres">
+      <dgm:prSet presAssocID="{A234143F-172F-4BDA-B0FB-AABFFB38B638}" presName="dummy" presStyleCnt="0"/>
+      <dgm:spPr/>
+    </dgm:pt>
+    <dgm:pt modelId="{6E608025-9C68-48AD-941A-7261D83069D2}" type="pres">
+      <dgm:prSet presAssocID="{A234143F-172F-4BDA-B0FB-AABFFB38B638}" presName="node" presStyleLbl="revTx" presStyleIdx="1" presStyleCnt="5">
+        <dgm:presLayoutVars>
+          <dgm:bulletEnabled val="1"/>
+        </dgm:presLayoutVars>
+      </dgm:prSet>
+      <dgm:spPr/>
+      <dgm:t>
+        <a:bodyPr/>
+        <a:lstStyle/>
+        <a:p>
+          <a:endParaRPr lang="en-US"/>
+        </a:p>
+      </dgm:t>
+    </dgm:pt>
+    <dgm:pt modelId="{1F065AC6-0E82-408A-A482-1DE7770D1F7C}" type="pres">
+      <dgm:prSet presAssocID="{95BD9D08-AE43-4593-8703-7771F8B26F98}" presName="sibTrans" presStyleLbl="node1" presStyleIdx="1" presStyleCnt="5"/>
+      <dgm:spPr/>
+      <dgm:t>
+        <a:bodyPr/>
+        <a:lstStyle/>
+        <a:p>
+          <a:endParaRPr lang="en-US"/>
+        </a:p>
+      </dgm:t>
+    </dgm:pt>
+    <dgm:pt modelId="{AD9EAA7E-F449-45D8-9A54-10A5E311464F}" type="pres">
+      <dgm:prSet presAssocID="{64B28CF6-128D-483F-B286-B5362C32E002}" presName="dummy" presStyleCnt="0"/>
+      <dgm:spPr/>
+    </dgm:pt>
+    <dgm:pt modelId="{0E6912E9-D4F0-47D2-88F3-9976BA670484}" type="pres">
+      <dgm:prSet presAssocID="{64B28CF6-128D-483F-B286-B5362C32E002}" presName="node" presStyleLbl="revTx" presStyleIdx="2" presStyleCnt="5">
+        <dgm:presLayoutVars>
+          <dgm:bulletEnabled val="1"/>
+        </dgm:presLayoutVars>
+      </dgm:prSet>
+      <dgm:spPr/>
+      <dgm:t>
+        <a:bodyPr/>
+        <a:lstStyle/>
+        <a:p>
+          <a:endParaRPr lang="en-US"/>
+        </a:p>
+      </dgm:t>
+    </dgm:pt>
+    <dgm:pt modelId="{EBFF6D8B-96DA-46BA-8C8C-62582B5D6760}" type="pres">
+      <dgm:prSet presAssocID="{865DC9BC-D791-4D2A-B88F-769185813328}" presName="sibTrans" presStyleLbl="node1" presStyleIdx="2" presStyleCnt="5"/>
+      <dgm:spPr/>
+      <dgm:t>
+        <a:bodyPr/>
+        <a:lstStyle/>
+        <a:p>
+          <a:endParaRPr lang="en-US"/>
+        </a:p>
+      </dgm:t>
+    </dgm:pt>
+    <dgm:pt modelId="{3F4AEA8E-256C-4E6D-9B98-FE5E75C8D947}" type="pres">
+      <dgm:prSet presAssocID="{755B49B8-CB4C-47EF-8B6D-4AE8F296D42C}" presName="dummy" presStyleCnt="0"/>
+      <dgm:spPr/>
+    </dgm:pt>
+    <dgm:pt modelId="{B10DA274-C487-442A-9A26-314B9926D95B}" type="pres">
+      <dgm:prSet presAssocID="{755B49B8-CB4C-47EF-8B6D-4AE8F296D42C}" presName="node" presStyleLbl="revTx" presStyleIdx="3" presStyleCnt="5">
+        <dgm:presLayoutVars>
+          <dgm:bulletEnabled val="1"/>
+        </dgm:presLayoutVars>
+      </dgm:prSet>
+      <dgm:spPr/>
+      <dgm:t>
+        <a:bodyPr/>
+        <a:lstStyle/>
+        <a:p>
+          <a:endParaRPr lang="en-US"/>
+        </a:p>
+      </dgm:t>
+    </dgm:pt>
+    <dgm:pt modelId="{CAC16271-26A8-49BC-AD10-CAFE49E1B1AE}" type="pres">
+      <dgm:prSet presAssocID="{F8C97C33-64E4-4F5C-BABA-4A222A086F3A}" presName="sibTrans" presStyleLbl="node1" presStyleIdx="3" presStyleCnt="5"/>
+      <dgm:spPr/>
+      <dgm:t>
+        <a:bodyPr/>
+        <a:lstStyle/>
+        <a:p>
+          <a:endParaRPr lang="en-US"/>
+        </a:p>
+      </dgm:t>
+    </dgm:pt>
+    <dgm:pt modelId="{DF12821F-D22F-4BE8-B0A2-32AAD49601C0}" type="pres">
+      <dgm:prSet presAssocID="{7A05D2E4-69B6-4E98-B546-FF474EA9B8B0}" presName="dummy" presStyleCnt="0"/>
+      <dgm:spPr/>
+    </dgm:pt>
+    <dgm:pt modelId="{93167DCC-6D09-4145-8B25-3F765FA1A07A}" type="pres">
+      <dgm:prSet presAssocID="{7A05D2E4-69B6-4E98-B546-FF474EA9B8B0}" presName="node" presStyleLbl="revTx" presStyleIdx="4" presStyleCnt="5">
+        <dgm:presLayoutVars>
+          <dgm:bulletEnabled val="1"/>
+        </dgm:presLayoutVars>
+      </dgm:prSet>
+      <dgm:spPr/>
+      <dgm:t>
+        <a:bodyPr/>
+        <a:lstStyle/>
+        <a:p>
+          <a:endParaRPr lang="en-US"/>
+        </a:p>
+      </dgm:t>
+    </dgm:pt>
+    <dgm:pt modelId="{B20EC42C-5354-4AED-9A70-DBFF85D7439B}" type="pres">
+      <dgm:prSet presAssocID="{B32CDD46-DD8D-4049-BBFB-476C86E85241}" presName="sibTrans" presStyleLbl="node1" presStyleIdx="4" presStyleCnt="5"/>
+      <dgm:spPr/>
+      <dgm:t>
+        <a:bodyPr/>
+        <a:lstStyle/>
+        <a:p>
+          <a:endParaRPr lang="en-US"/>
+        </a:p>
+      </dgm:t>
+    </dgm:pt>
+  </dgm:ptLst>
+  <dgm:cxnLst>
+    <dgm:cxn modelId="{CBE65961-2255-4B8F-92BA-46250024B9D0}" type="presOf" srcId="{755B49B8-CB4C-47EF-8B6D-4AE8F296D42C}" destId="{B10DA274-C487-442A-9A26-314B9926D95B}" srcOrd="0" destOrd="0" presId="urn:microsoft.com/office/officeart/2005/8/layout/cycle1"/>
+    <dgm:cxn modelId="{176F10EE-8373-44AF-B0F0-1887148E8700}" type="presOf" srcId="{64B28CF6-128D-483F-B286-B5362C32E002}" destId="{0E6912E9-D4F0-47D2-88F3-9976BA670484}" srcOrd="0" destOrd="0" presId="urn:microsoft.com/office/officeart/2005/8/layout/cycle1"/>
+    <dgm:cxn modelId="{D80865D6-D65B-4E66-9104-8DB1269A33A6}" type="presOf" srcId="{F8C97C33-64E4-4F5C-BABA-4A222A086F3A}" destId="{CAC16271-26A8-49BC-AD10-CAFE49E1B1AE}" srcOrd="0" destOrd="0" presId="urn:microsoft.com/office/officeart/2005/8/layout/cycle1"/>
+    <dgm:cxn modelId="{7F9CDEE5-9000-48A2-8D51-E30CBF855715}" type="presOf" srcId="{F9D6370B-6FBE-41C3-8CCD-A4B36617155C}" destId="{DC9C8728-5A93-4BE6-971D-F73EE2BDBDEA}" srcOrd="0" destOrd="0" presId="urn:microsoft.com/office/officeart/2005/8/layout/cycle1"/>
+    <dgm:cxn modelId="{B5EF78D5-E1B9-4B15-ACF7-60922A4C4C95}" srcId="{F9D6370B-6FBE-41C3-8CCD-A4B36617155C}" destId="{755B49B8-CB4C-47EF-8B6D-4AE8F296D42C}" srcOrd="3" destOrd="0" parTransId="{76BB81FA-DFB9-48F3-B5AB-67136CF6A9D6}" sibTransId="{F8C97C33-64E4-4F5C-BABA-4A222A086F3A}"/>
+    <dgm:cxn modelId="{862B41CB-2557-4621-A6DC-DC80DE106241}" type="presOf" srcId="{95BD9D08-AE43-4593-8703-7771F8B26F98}" destId="{1F065AC6-0E82-408A-A482-1DE7770D1F7C}" srcOrd="0" destOrd="0" presId="urn:microsoft.com/office/officeart/2005/8/layout/cycle1"/>
+    <dgm:cxn modelId="{B5037E96-B350-49D4-A224-3A8437E82BAD}" type="presOf" srcId="{B32CDD46-DD8D-4049-BBFB-476C86E85241}" destId="{B20EC42C-5354-4AED-9A70-DBFF85D7439B}" srcOrd="0" destOrd="0" presId="urn:microsoft.com/office/officeart/2005/8/layout/cycle1"/>
+    <dgm:cxn modelId="{42A472D3-E339-4F50-8647-9A7A07D10253}" type="presOf" srcId="{3FC1AC79-32E4-4D03-9EF7-DC7A116AB9AF}" destId="{D8799F19-D33C-4CAD-A148-3D940619DE46}" srcOrd="0" destOrd="0" presId="urn:microsoft.com/office/officeart/2005/8/layout/cycle1"/>
+    <dgm:cxn modelId="{AB70EC50-07E4-4727-B213-35230F7AB777}" srcId="{F9D6370B-6FBE-41C3-8CCD-A4B36617155C}" destId="{64B28CF6-128D-483F-B286-B5362C32E002}" srcOrd="2" destOrd="0" parTransId="{56B12B33-C4EB-4F0B-91D3-95DF4DC118F4}" sibTransId="{865DC9BC-D791-4D2A-B88F-769185813328}"/>
+    <dgm:cxn modelId="{DA2CD885-80E9-43FD-A75A-5C7305AC55B3}" srcId="{F9D6370B-6FBE-41C3-8CCD-A4B36617155C}" destId="{3FC1AC79-32E4-4D03-9EF7-DC7A116AB9AF}" srcOrd="0" destOrd="0" parTransId="{A072915E-7480-4BE4-9477-F0FAC0A4EA0E}" sibTransId="{FB95D896-E6B3-484E-936A-4FE40DFB430E}"/>
+    <dgm:cxn modelId="{4FE9C3A9-CFBE-460A-814A-3E8640F8F786}" type="presOf" srcId="{A234143F-172F-4BDA-B0FB-AABFFB38B638}" destId="{6E608025-9C68-48AD-941A-7261D83069D2}" srcOrd="0" destOrd="0" presId="urn:microsoft.com/office/officeart/2005/8/layout/cycle1"/>
+    <dgm:cxn modelId="{F1F84EF8-BAE1-4C13-A998-C47BA023C212}" type="presOf" srcId="{FB95D896-E6B3-484E-936A-4FE40DFB430E}" destId="{6CB845AD-48DC-49A3-A826-BDAAB0F05F45}" srcOrd="0" destOrd="0" presId="urn:microsoft.com/office/officeart/2005/8/layout/cycle1"/>
+    <dgm:cxn modelId="{C772022F-C1AE-42C5-AA87-7533F24827FA}" srcId="{F9D6370B-6FBE-41C3-8CCD-A4B36617155C}" destId="{A234143F-172F-4BDA-B0FB-AABFFB38B638}" srcOrd="1" destOrd="0" parTransId="{F2149057-8FB7-418A-8A16-FA47D3110EE2}" sibTransId="{95BD9D08-AE43-4593-8703-7771F8B26F98}"/>
+    <dgm:cxn modelId="{0ABC6A69-48AE-4D27-A92B-CBBDF0AE92BA}" srcId="{F9D6370B-6FBE-41C3-8CCD-A4B36617155C}" destId="{7A05D2E4-69B6-4E98-B546-FF474EA9B8B0}" srcOrd="4" destOrd="0" parTransId="{689981B6-848F-4362-B3C3-FEB16BC5F6B8}" sibTransId="{B32CDD46-DD8D-4049-BBFB-476C86E85241}"/>
+    <dgm:cxn modelId="{2892232B-0AED-4A62-B6CB-198B4A848CF0}" type="presOf" srcId="{865DC9BC-D791-4D2A-B88F-769185813328}" destId="{EBFF6D8B-96DA-46BA-8C8C-62582B5D6760}" srcOrd="0" destOrd="0" presId="urn:microsoft.com/office/officeart/2005/8/layout/cycle1"/>
+    <dgm:cxn modelId="{75044594-253B-4794-87A0-2C230327F031}" type="presOf" srcId="{7A05D2E4-69B6-4E98-B546-FF474EA9B8B0}" destId="{93167DCC-6D09-4145-8B25-3F765FA1A07A}" srcOrd="0" destOrd="0" presId="urn:microsoft.com/office/officeart/2005/8/layout/cycle1"/>
+    <dgm:cxn modelId="{86AC5E30-239B-424A-A73C-C3E662A2C4D8}" type="presParOf" srcId="{DC9C8728-5A93-4BE6-971D-F73EE2BDBDEA}" destId="{04106CE0-7CB5-46C3-98C4-0DC856E6847F}" srcOrd="0" destOrd="0" presId="urn:microsoft.com/office/officeart/2005/8/layout/cycle1"/>
+    <dgm:cxn modelId="{5FED811E-A444-418C-97A0-33157AF3A83B}" type="presParOf" srcId="{DC9C8728-5A93-4BE6-971D-F73EE2BDBDEA}" destId="{D8799F19-D33C-4CAD-A148-3D940619DE46}" srcOrd="1" destOrd="0" presId="urn:microsoft.com/office/officeart/2005/8/layout/cycle1"/>
+    <dgm:cxn modelId="{D42DFC84-4FA4-48A2-9023-B2FA2E7AC9D6}" type="presParOf" srcId="{DC9C8728-5A93-4BE6-971D-F73EE2BDBDEA}" destId="{6CB845AD-48DC-49A3-A826-BDAAB0F05F45}" srcOrd="2" destOrd="0" presId="urn:microsoft.com/office/officeart/2005/8/layout/cycle1"/>
+    <dgm:cxn modelId="{9342EEF0-BC33-41AF-8663-2FE4D96DCE9F}" type="presParOf" srcId="{DC9C8728-5A93-4BE6-971D-F73EE2BDBDEA}" destId="{1940A561-8A6A-4142-ABCF-197858B4F24B}" srcOrd="3" destOrd="0" presId="urn:microsoft.com/office/officeart/2005/8/layout/cycle1"/>
+    <dgm:cxn modelId="{0907E7B5-4893-4B95-BCC4-7513C40FAAE3}" type="presParOf" srcId="{DC9C8728-5A93-4BE6-971D-F73EE2BDBDEA}" destId="{6E608025-9C68-48AD-941A-7261D83069D2}" srcOrd="4" destOrd="0" presId="urn:microsoft.com/office/officeart/2005/8/layout/cycle1"/>
+    <dgm:cxn modelId="{634531A0-9513-4B2B-BAB0-1EB62BFAD756}" type="presParOf" srcId="{DC9C8728-5A93-4BE6-971D-F73EE2BDBDEA}" destId="{1F065AC6-0E82-408A-A482-1DE7770D1F7C}" srcOrd="5" destOrd="0" presId="urn:microsoft.com/office/officeart/2005/8/layout/cycle1"/>
+    <dgm:cxn modelId="{962EE14C-4173-4DEE-9917-06192C43E32C}" type="presParOf" srcId="{DC9C8728-5A93-4BE6-971D-F73EE2BDBDEA}" destId="{AD9EAA7E-F449-45D8-9A54-10A5E311464F}" srcOrd="6" destOrd="0" presId="urn:microsoft.com/office/officeart/2005/8/layout/cycle1"/>
+    <dgm:cxn modelId="{0A915981-59CE-4F23-9659-7D55057C5B9A}" type="presParOf" srcId="{DC9C8728-5A93-4BE6-971D-F73EE2BDBDEA}" destId="{0E6912E9-D4F0-47D2-88F3-9976BA670484}" srcOrd="7" destOrd="0" presId="urn:microsoft.com/office/officeart/2005/8/layout/cycle1"/>
+    <dgm:cxn modelId="{5EDBD282-8ADC-459A-86F1-8182DB2CADA4}" type="presParOf" srcId="{DC9C8728-5A93-4BE6-971D-F73EE2BDBDEA}" destId="{EBFF6D8B-96DA-46BA-8C8C-62582B5D6760}" srcOrd="8" destOrd="0" presId="urn:microsoft.com/office/officeart/2005/8/layout/cycle1"/>
+    <dgm:cxn modelId="{36245331-C598-4FC9-B951-9678916F540D}" type="presParOf" srcId="{DC9C8728-5A93-4BE6-971D-F73EE2BDBDEA}" destId="{3F4AEA8E-256C-4E6D-9B98-FE5E75C8D947}" srcOrd="9" destOrd="0" presId="urn:microsoft.com/office/officeart/2005/8/layout/cycle1"/>
+    <dgm:cxn modelId="{DEEF4272-6DA5-4AC3-9A7B-6CD7968979C8}" type="presParOf" srcId="{DC9C8728-5A93-4BE6-971D-F73EE2BDBDEA}" destId="{B10DA274-C487-442A-9A26-314B9926D95B}" srcOrd="10" destOrd="0" presId="urn:microsoft.com/office/officeart/2005/8/layout/cycle1"/>
+    <dgm:cxn modelId="{7E6AFEAB-C1CF-4CC3-8547-9190642D4F64}" type="presParOf" srcId="{DC9C8728-5A93-4BE6-971D-F73EE2BDBDEA}" destId="{CAC16271-26A8-49BC-AD10-CAFE49E1B1AE}" srcOrd="11" destOrd="0" presId="urn:microsoft.com/office/officeart/2005/8/layout/cycle1"/>
+    <dgm:cxn modelId="{91D7CB93-4E19-4E8C-85BB-23E5645590DC}" type="presParOf" srcId="{DC9C8728-5A93-4BE6-971D-F73EE2BDBDEA}" destId="{DF12821F-D22F-4BE8-B0A2-32AAD49601C0}" srcOrd="12" destOrd="0" presId="urn:microsoft.com/office/officeart/2005/8/layout/cycle1"/>
+    <dgm:cxn modelId="{337086ED-4329-4AB7-B175-3F641F5CC876}" type="presParOf" srcId="{DC9C8728-5A93-4BE6-971D-F73EE2BDBDEA}" destId="{93167DCC-6D09-4145-8B25-3F765FA1A07A}" srcOrd="13" destOrd="0" presId="urn:microsoft.com/office/officeart/2005/8/layout/cycle1"/>
+    <dgm:cxn modelId="{EBF3C070-54C4-4F37-A45F-577F0F7EEA2B}" type="presParOf" srcId="{DC9C8728-5A93-4BE6-971D-F73EE2BDBDEA}" destId="{B20EC42C-5354-4AED-9A70-DBFF85D7439B}" srcOrd="14" destOrd="0" presId="urn:microsoft.com/office/officeart/2005/8/layout/cycle1"/>
+  </dgm:cxnLst>
+  <dgm:bg/>
+  <dgm:whole/>
+  <dgm:extLst>
+    <a:ext uri="http://schemas.microsoft.com/office/drawing/2008/diagram">
+      <dsp:dataModelExt xmlns:dsp="http://schemas.microsoft.com/office/drawing/2008/diagram" relId="rId6" minVer="http://schemas.openxmlformats.org/drawingml/2006/diagram"/>
+    </a:ext>
+  </dgm:extLst>
+</dgm:dataModel>
+</file>
+
+<file path=ppt/diagrams/drawing1.xml><?xml version="1.0" encoding="utf-8"?>
+<dsp:drawing xmlns:dgm="http://schemas.openxmlformats.org/drawingml/2006/diagram" xmlns:dsp="http://schemas.microsoft.com/office/drawing/2008/diagram" xmlns:a="http://schemas.openxmlformats.org/drawingml/2006/main">
+  <dsp:spTree>
+    <dsp:nvGrpSpPr>
+      <dsp:cNvPr id="0" name=""/>
+      <dsp:cNvGrpSpPr/>
+    </dsp:nvGrpSpPr>
+    <dsp:grpSpPr/>
+    <dsp:sp modelId="{D8799F19-D33C-4CAD-A148-3D940619DE46}">
+      <dsp:nvSpPr>
+        <dsp:cNvPr id="0" name=""/>
+        <dsp:cNvSpPr/>
+      </dsp:nvSpPr>
+      <dsp:spPr>
+        <a:xfrm>
+          <a:off x="5045596" y="33483"/>
+          <a:ext cx="1124725" cy="1124725"/>
+        </a:xfrm>
+        <a:prstGeom prst="rect">
+          <a:avLst/>
+        </a:prstGeom>
+        <a:noFill/>
+        <a:ln>
+          <a:noFill/>
+        </a:ln>
+        <a:effectLst/>
+      </dsp:spPr>
+      <dsp:style>
+        <a:lnRef idx="0">
+          <a:scrgbClr r="0" g="0" b="0"/>
+        </a:lnRef>
+        <a:fillRef idx="0">
+          <a:scrgbClr r="0" g="0" b="0"/>
+        </a:fillRef>
+        <a:effectRef idx="0">
+          <a:scrgbClr r="0" g="0" b="0"/>
+        </a:effectRef>
+        <a:fontRef idx="minor"/>
+      </dsp:style>
+      <dsp:txBody>
+        <a:bodyPr spcFirstLastPara="0" vert="horz" wrap="square" lIns="21590" tIns="21590" rIns="21590" bIns="21590" numCol="1" spcCol="1270" anchor="ctr" anchorCtr="0">
+          <a:noAutofit/>
+        </a:bodyPr>
+        <a:lstStyle/>
+        <a:p>
+          <a:pPr lvl="0" algn="ctr" defTabSz="755650">
+            <a:lnSpc>
+              <a:spcPct val="90000"/>
+            </a:lnSpc>
+            <a:spcBef>
+              <a:spcPct val="0"/>
+            </a:spcBef>
+            <a:spcAft>
+              <a:spcPct val="35000"/>
+            </a:spcAft>
+          </a:pPr>
+          <a:r>
+            <a:rPr lang="en-US" sz="1700" b="0" kern="1200" cap="none" spc="0" dirty="0" smtClean="0">
+              <a:ln w="0"/>
+              <a:solidFill>
+                <a:schemeClr val="tx1"/>
+              </a:solidFill>
+              <a:effectLst>
+                <a:outerShdw blurRad="38100" dist="19050" dir="2700000" algn="tl" rotWithShape="0">
+                  <a:schemeClr val="dk1">
+                    <a:alpha val="40000"/>
+                  </a:schemeClr>
+                </a:outerShdw>
+              </a:effectLst>
+            </a:rPr>
+            <a:t>Line follower finds the path</a:t>
+          </a:r>
+          <a:endParaRPr lang="en-US" sz="1700" b="0" kern="1200" cap="none" spc="0" dirty="0">
+            <a:ln w="0"/>
+            <a:solidFill>
+              <a:schemeClr val="tx1"/>
+            </a:solidFill>
+            <a:effectLst>
+              <a:outerShdw blurRad="38100" dist="19050" dir="2700000" algn="tl" rotWithShape="0">
+                <a:schemeClr val="dk1">
+                  <a:alpha val="40000"/>
+                </a:schemeClr>
+              </a:outerShdw>
+            </a:effectLst>
+          </a:endParaRPr>
+        </a:p>
+      </dsp:txBody>
+      <dsp:txXfrm>
+        <a:off x="5045596" y="33483"/>
+        <a:ext cx="1124725" cy="1124725"/>
+      </dsp:txXfrm>
+    </dsp:sp>
+    <dsp:sp modelId="{6CB845AD-48DC-49A3-A826-BDAAB0F05F45}">
+      <dsp:nvSpPr>
+        <dsp:cNvPr id="0" name=""/>
+        <dsp:cNvSpPr/>
+      </dsp:nvSpPr>
+      <dsp:spPr>
+        <a:xfrm>
+          <a:off x="2398244" y="754"/>
+          <a:ext cx="4218921" cy="4218921"/>
+        </a:xfrm>
+        <a:prstGeom prst="circularArrow">
+          <a:avLst>
+            <a:gd name="adj1" fmla="val 5199"/>
+            <a:gd name="adj2" fmla="val 335794"/>
+            <a:gd name="adj3" fmla="val 21293728"/>
+            <a:gd name="adj4" fmla="val 19765813"/>
+            <a:gd name="adj5" fmla="val 6065"/>
+          </a:avLst>
+        </a:prstGeom>
+        <a:solidFill>
+          <a:schemeClr val="lt1">
+            <a:hueOff val="0"/>
+            <a:satOff val="0"/>
+            <a:lumOff val="0"/>
+            <a:alphaOff val="0"/>
+          </a:schemeClr>
+        </a:solidFill>
+        <a:ln w="15875" cap="flat" cmpd="sng" algn="ctr">
+          <a:solidFill>
+            <a:schemeClr val="dk1">
+              <a:shade val="80000"/>
+              <a:hueOff val="0"/>
+              <a:satOff val="0"/>
+              <a:lumOff val="0"/>
+              <a:alphaOff val="0"/>
+            </a:schemeClr>
+          </a:solidFill>
+          <a:prstDash val="solid"/>
+        </a:ln>
+        <a:effectLst/>
+      </dsp:spPr>
+      <dsp:style>
+        <a:lnRef idx="2">
+          <a:scrgbClr r="0" g="0" b="0"/>
+        </a:lnRef>
+        <a:fillRef idx="1">
+          <a:scrgbClr r="0" g="0" b="0"/>
+        </a:fillRef>
+        <a:effectRef idx="0">
+          <a:scrgbClr r="0" g="0" b="0"/>
+        </a:effectRef>
+        <a:fontRef idx="minor">
+          <a:schemeClr val="lt1"/>
+        </a:fontRef>
+      </dsp:style>
+    </dsp:sp>
+    <dsp:sp modelId="{6E608025-9C68-48AD-941A-7261D83069D2}">
+      <dsp:nvSpPr>
+        <dsp:cNvPr id="0" name=""/>
+        <dsp:cNvSpPr/>
+      </dsp:nvSpPr>
+      <dsp:spPr>
+        <a:xfrm>
+          <a:off x="5725589" y="2126289"/>
+          <a:ext cx="1124725" cy="1124725"/>
+        </a:xfrm>
+        <a:prstGeom prst="rect">
+          <a:avLst/>
+        </a:prstGeom>
+        <a:noFill/>
+        <a:ln>
+          <a:noFill/>
+        </a:ln>
+        <a:effectLst/>
+      </dsp:spPr>
+      <dsp:style>
+        <a:lnRef idx="0">
+          <a:scrgbClr r="0" g="0" b="0"/>
+        </a:lnRef>
+        <a:fillRef idx="0">
+          <a:scrgbClr r="0" g="0" b="0"/>
+        </a:fillRef>
+        <a:effectRef idx="0">
+          <a:scrgbClr r="0" g="0" b="0"/>
+        </a:effectRef>
+        <a:fontRef idx="minor"/>
+      </dsp:style>
+      <dsp:txBody>
+        <a:bodyPr spcFirstLastPara="0" vert="horz" wrap="square" lIns="21590" tIns="21590" rIns="21590" bIns="21590" numCol="1" spcCol="1270" anchor="ctr" anchorCtr="0">
+          <a:noAutofit/>
+        </a:bodyPr>
+        <a:lstStyle/>
+        <a:p>
+          <a:pPr lvl="0" algn="ctr" defTabSz="755650">
+            <a:lnSpc>
+              <a:spcPct val="90000"/>
+            </a:lnSpc>
+            <a:spcBef>
+              <a:spcPct val="0"/>
+            </a:spcBef>
+            <a:spcAft>
+              <a:spcPct val="35000"/>
+            </a:spcAft>
+          </a:pPr>
+          <a:r>
+            <a:rPr lang="en-US" sz="1700" b="0" kern="1200" cap="none" spc="0" dirty="0" smtClean="0">
+              <a:ln w="0"/>
+              <a:solidFill>
+                <a:schemeClr val="tx1"/>
+              </a:solidFill>
+              <a:effectLst>
+                <a:outerShdw blurRad="38100" dist="19050" dir="2700000" algn="tl" rotWithShape="0">
+                  <a:schemeClr val="dk1">
+                    <a:alpha val="40000"/>
+                  </a:schemeClr>
+                </a:outerShdw>
+              </a:effectLst>
+            </a:rPr>
+            <a:t>Rover moves </a:t>
+          </a:r>
+          <a:r>
+            <a:rPr lang="en-US" sz="1700" b="0" kern="1200" cap="none" spc="0" dirty="0" smtClean="0">
+              <a:ln w="0"/>
+              <a:solidFill>
+                <a:schemeClr val="tx1"/>
+              </a:solidFill>
+              <a:effectLst>
+                <a:outerShdw blurRad="38100" dist="19050" dir="2700000" algn="tl" rotWithShape="0">
+                  <a:schemeClr val="dk1">
+                    <a:alpha val="40000"/>
+                  </a:schemeClr>
+                </a:outerShdw>
+              </a:effectLst>
+            </a:rPr>
+            <a:t>along path</a:t>
+          </a:r>
+          <a:endParaRPr lang="en-US" sz="1700" b="0" kern="1200" cap="none" spc="0" dirty="0">
+            <a:ln w="0"/>
+            <a:solidFill>
+              <a:schemeClr val="tx1"/>
+            </a:solidFill>
+            <a:effectLst>
+              <a:outerShdw blurRad="38100" dist="19050" dir="2700000" algn="tl" rotWithShape="0">
+                <a:schemeClr val="dk1">
+                  <a:alpha val="40000"/>
+                </a:schemeClr>
+              </a:outerShdw>
+            </a:effectLst>
+          </a:endParaRPr>
+        </a:p>
+      </dsp:txBody>
+      <dsp:txXfrm>
+        <a:off x="5725589" y="2126289"/>
+        <a:ext cx="1124725" cy="1124725"/>
+      </dsp:txXfrm>
+    </dsp:sp>
+    <dsp:sp modelId="{1F065AC6-0E82-408A-A482-1DE7770D1F7C}">
+      <dsp:nvSpPr>
+        <dsp:cNvPr id="0" name=""/>
+        <dsp:cNvSpPr/>
+      </dsp:nvSpPr>
+      <dsp:spPr>
+        <a:xfrm>
+          <a:off x="2398244" y="754"/>
+          <a:ext cx="4218921" cy="4218921"/>
+        </a:xfrm>
+        <a:prstGeom prst="circularArrow">
+          <a:avLst>
+            <a:gd name="adj1" fmla="val 5199"/>
+            <a:gd name="adj2" fmla="val 335794"/>
+            <a:gd name="adj3" fmla="val 4015202"/>
+            <a:gd name="adj4" fmla="val 2252969"/>
+            <a:gd name="adj5" fmla="val 6065"/>
+          </a:avLst>
+        </a:prstGeom>
+        <a:solidFill>
+          <a:schemeClr val="lt1">
+            <a:hueOff val="0"/>
+            <a:satOff val="0"/>
+            <a:lumOff val="0"/>
+            <a:alphaOff val="0"/>
+          </a:schemeClr>
+        </a:solidFill>
+        <a:ln w="15875" cap="flat" cmpd="sng" algn="ctr">
+          <a:solidFill>
+            <a:schemeClr val="dk1">
+              <a:shade val="80000"/>
+              <a:hueOff val="0"/>
+              <a:satOff val="0"/>
+              <a:lumOff val="0"/>
+              <a:alphaOff val="0"/>
+            </a:schemeClr>
+          </a:solidFill>
+          <a:prstDash val="solid"/>
+        </a:ln>
+        <a:effectLst/>
+      </dsp:spPr>
+      <dsp:style>
+        <a:lnRef idx="2">
+          <a:scrgbClr r="0" g="0" b="0"/>
+        </a:lnRef>
+        <a:fillRef idx="1">
+          <a:scrgbClr r="0" g="0" b="0"/>
+        </a:fillRef>
+        <a:effectRef idx="0">
+          <a:scrgbClr r="0" g="0" b="0"/>
+        </a:effectRef>
+        <a:fontRef idx="minor">
+          <a:schemeClr val="lt1"/>
+        </a:fontRef>
+      </dsp:style>
+    </dsp:sp>
+    <dsp:sp modelId="{0E6912E9-D4F0-47D2-88F3-9976BA670484}">
+      <dsp:nvSpPr>
+        <dsp:cNvPr id="0" name=""/>
+        <dsp:cNvSpPr/>
+      </dsp:nvSpPr>
+      <dsp:spPr>
+        <a:xfrm>
+          <a:off x="3945342" y="3419714"/>
+          <a:ext cx="1124725" cy="1124725"/>
+        </a:xfrm>
+        <a:prstGeom prst="rect">
+          <a:avLst/>
+        </a:prstGeom>
+        <a:noFill/>
+        <a:ln>
+          <a:noFill/>
+        </a:ln>
+        <a:effectLst/>
+      </dsp:spPr>
+      <dsp:style>
+        <a:lnRef idx="0">
+          <a:scrgbClr r="0" g="0" b="0"/>
+        </a:lnRef>
+        <a:fillRef idx="0">
+          <a:scrgbClr r="0" g="0" b="0"/>
+        </a:fillRef>
+        <a:effectRef idx="0">
+          <a:scrgbClr r="0" g="0" b="0"/>
+        </a:effectRef>
+        <a:fontRef idx="minor"/>
+      </dsp:style>
+      <dsp:txBody>
+        <a:bodyPr spcFirstLastPara="0" vert="horz" wrap="square" lIns="21590" tIns="21590" rIns="21590" bIns="21590" numCol="1" spcCol="1270" anchor="ctr" anchorCtr="0">
+          <a:noAutofit/>
+        </a:bodyPr>
+        <a:lstStyle/>
+        <a:p>
+          <a:pPr lvl="0" algn="ctr" defTabSz="755650">
+            <a:lnSpc>
+              <a:spcPct val="90000"/>
+            </a:lnSpc>
+            <a:spcBef>
+              <a:spcPct val="0"/>
+            </a:spcBef>
+            <a:spcAft>
+              <a:spcPct val="35000"/>
+            </a:spcAft>
+          </a:pPr>
+          <a:r>
+            <a:rPr lang="en-US" sz="1700" b="0" kern="1200" cap="none" spc="0" dirty="0" smtClean="0">
+              <a:ln w="0"/>
+              <a:solidFill>
+                <a:schemeClr val="tx1"/>
+              </a:solidFill>
+              <a:effectLst>
+                <a:outerShdw blurRad="38100" dist="19050" dir="2700000" algn="tl" rotWithShape="0">
+                  <a:schemeClr val="dk1">
+                    <a:alpha val="40000"/>
+                  </a:schemeClr>
+                </a:outerShdw>
+              </a:effectLst>
+            </a:rPr>
+            <a:t>RBG sensor detects order and arm activates</a:t>
+          </a:r>
+          <a:endParaRPr lang="en-US" sz="1700" b="0" kern="1200" cap="none" spc="0" dirty="0">
+            <a:ln w="0"/>
+            <a:solidFill>
+              <a:schemeClr val="tx1"/>
+            </a:solidFill>
+            <a:effectLst>
+              <a:outerShdw blurRad="38100" dist="19050" dir="2700000" algn="tl" rotWithShape="0">
+                <a:schemeClr val="dk1">
+                  <a:alpha val="40000"/>
+                </a:schemeClr>
+              </a:outerShdw>
+            </a:effectLst>
+          </a:endParaRPr>
+        </a:p>
+      </dsp:txBody>
+      <dsp:txXfrm>
+        <a:off x="3945342" y="3419714"/>
+        <a:ext cx="1124725" cy="1124725"/>
+      </dsp:txXfrm>
+    </dsp:sp>
+    <dsp:sp modelId="{EBFF6D8B-96DA-46BA-8C8C-62582B5D6760}">
+      <dsp:nvSpPr>
+        <dsp:cNvPr id="0" name=""/>
+        <dsp:cNvSpPr/>
+      </dsp:nvSpPr>
+      <dsp:spPr>
+        <a:xfrm>
+          <a:off x="2398244" y="754"/>
+          <a:ext cx="4218921" cy="4218921"/>
+        </a:xfrm>
+        <a:prstGeom prst="circularArrow">
+          <a:avLst>
+            <a:gd name="adj1" fmla="val 5199"/>
+            <a:gd name="adj2" fmla="val 335794"/>
+            <a:gd name="adj3" fmla="val 8211237"/>
+            <a:gd name="adj4" fmla="val 6449004"/>
+            <a:gd name="adj5" fmla="val 6065"/>
+          </a:avLst>
+        </a:prstGeom>
+        <a:solidFill>
+          <a:schemeClr val="lt1">
+            <a:hueOff val="0"/>
+            <a:satOff val="0"/>
+            <a:lumOff val="0"/>
+            <a:alphaOff val="0"/>
+          </a:schemeClr>
+        </a:solidFill>
+        <a:ln w="15875" cap="flat" cmpd="sng" algn="ctr">
+          <a:solidFill>
+            <a:schemeClr val="dk1">
+              <a:shade val="80000"/>
+              <a:hueOff val="0"/>
+              <a:satOff val="0"/>
+              <a:lumOff val="0"/>
+              <a:alphaOff val="0"/>
+            </a:schemeClr>
+          </a:solidFill>
+          <a:prstDash val="solid"/>
+        </a:ln>
+        <a:effectLst/>
+      </dsp:spPr>
+      <dsp:style>
+        <a:lnRef idx="2">
+          <a:scrgbClr r="0" g="0" b="0"/>
+        </a:lnRef>
+        <a:fillRef idx="1">
+          <a:scrgbClr r="0" g="0" b="0"/>
+        </a:fillRef>
+        <a:effectRef idx="0">
+          <a:scrgbClr r="0" g="0" b="0"/>
+        </a:effectRef>
+        <a:fontRef idx="minor">
+          <a:schemeClr val="lt1"/>
+        </a:fontRef>
+      </dsp:style>
+    </dsp:sp>
+    <dsp:sp modelId="{B10DA274-C487-442A-9A26-314B9926D95B}">
+      <dsp:nvSpPr>
+        <dsp:cNvPr id="0" name=""/>
+        <dsp:cNvSpPr/>
+      </dsp:nvSpPr>
+      <dsp:spPr>
+        <a:xfrm>
+          <a:off x="2165095" y="2126289"/>
+          <a:ext cx="1124725" cy="1124725"/>
+        </a:xfrm>
+        <a:prstGeom prst="rect">
+          <a:avLst/>
+        </a:prstGeom>
+        <a:noFill/>
+        <a:ln>
+          <a:noFill/>
+        </a:ln>
+        <a:effectLst/>
+      </dsp:spPr>
+      <dsp:style>
+        <a:lnRef idx="0">
+          <a:scrgbClr r="0" g="0" b="0"/>
+        </a:lnRef>
+        <a:fillRef idx="0">
+          <a:scrgbClr r="0" g="0" b="0"/>
+        </a:fillRef>
+        <a:effectRef idx="0">
+          <a:scrgbClr r="0" g="0" b="0"/>
+        </a:effectRef>
+        <a:fontRef idx="minor"/>
+      </dsp:style>
+      <dsp:txBody>
+        <a:bodyPr spcFirstLastPara="0" vert="horz" wrap="square" lIns="21590" tIns="21590" rIns="21590" bIns="21590" numCol="1" spcCol="1270" anchor="ctr" anchorCtr="0">
+          <a:noAutofit/>
+        </a:bodyPr>
+        <a:lstStyle/>
+        <a:p>
+          <a:pPr lvl="0" algn="ctr" defTabSz="755650">
+            <a:lnSpc>
+              <a:spcPct val="90000"/>
+            </a:lnSpc>
+            <a:spcBef>
+              <a:spcPct val="0"/>
+            </a:spcBef>
+            <a:spcAft>
+              <a:spcPct val="35000"/>
+            </a:spcAft>
+          </a:pPr>
+          <a:r>
+            <a:rPr lang="en-US" sz="1700" b="0" kern="1200" cap="none" spc="0" dirty="0" smtClean="0">
+              <a:ln w="0"/>
+              <a:solidFill>
+                <a:schemeClr val="tx1"/>
+              </a:solidFill>
+              <a:effectLst>
+                <a:outerShdw blurRad="38100" dist="19050" dir="2700000" algn="tl" rotWithShape="0">
+                  <a:schemeClr val="dk1">
+                    <a:alpha val="40000"/>
+                  </a:schemeClr>
+                </a:outerShdw>
+              </a:effectLst>
+            </a:rPr>
+            <a:t>Arm moves to grab mints</a:t>
+          </a:r>
+          <a:endParaRPr lang="en-US" sz="1700" b="0" kern="1200" cap="none" spc="0" dirty="0">
+            <a:ln w="0"/>
+            <a:solidFill>
+              <a:schemeClr val="tx1"/>
+            </a:solidFill>
+            <a:effectLst>
+              <a:outerShdw blurRad="38100" dist="19050" dir="2700000" algn="tl" rotWithShape="0">
+                <a:schemeClr val="dk1">
+                  <a:alpha val="40000"/>
+                </a:schemeClr>
+              </a:outerShdw>
+            </a:effectLst>
+          </a:endParaRPr>
+        </a:p>
+      </dsp:txBody>
+      <dsp:txXfrm>
+        <a:off x="2165095" y="2126289"/>
+        <a:ext cx="1124725" cy="1124725"/>
+      </dsp:txXfrm>
+    </dsp:sp>
+    <dsp:sp modelId="{CAC16271-26A8-49BC-AD10-CAFE49E1B1AE}">
+      <dsp:nvSpPr>
+        <dsp:cNvPr id="0" name=""/>
+        <dsp:cNvSpPr/>
+      </dsp:nvSpPr>
+      <dsp:spPr>
+        <a:xfrm>
+          <a:off x="2398244" y="754"/>
+          <a:ext cx="4218921" cy="4218921"/>
+        </a:xfrm>
+        <a:prstGeom prst="circularArrow">
+          <a:avLst>
+            <a:gd name="adj1" fmla="val 5199"/>
+            <a:gd name="adj2" fmla="val 335794"/>
+            <a:gd name="adj3" fmla="val 12298394"/>
+            <a:gd name="adj4" fmla="val 10770478"/>
+            <a:gd name="adj5" fmla="val 6065"/>
+          </a:avLst>
+        </a:prstGeom>
+        <a:solidFill>
+          <a:schemeClr val="lt1">
+            <a:hueOff val="0"/>
+            <a:satOff val="0"/>
+            <a:lumOff val="0"/>
+            <a:alphaOff val="0"/>
+          </a:schemeClr>
+        </a:solidFill>
+        <a:ln w="15875" cap="flat" cmpd="sng" algn="ctr">
+          <a:solidFill>
+            <a:schemeClr val="dk1">
+              <a:shade val="80000"/>
+              <a:hueOff val="0"/>
+              <a:satOff val="0"/>
+              <a:lumOff val="0"/>
+              <a:alphaOff val="0"/>
+            </a:schemeClr>
+          </a:solidFill>
+          <a:prstDash val="solid"/>
+        </a:ln>
+        <a:effectLst/>
+      </dsp:spPr>
+      <dsp:style>
+        <a:lnRef idx="2">
+          <a:scrgbClr r="0" g="0" b="0"/>
+        </a:lnRef>
+        <a:fillRef idx="1">
+          <a:scrgbClr r="0" g="0" b="0"/>
+        </a:fillRef>
+        <a:effectRef idx="0">
+          <a:scrgbClr r="0" g="0" b="0"/>
+        </a:effectRef>
+        <a:fontRef idx="minor">
+          <a:schemeClr val="lt1"/>
+        </a:fontRef>
+      </dsp:style>
+    </dsp:sp>
+    <dsp:sp modelId="{93167DCC-6D09-4145-8B25-3F765FA1A07A}">
+      <dsp:nvSpPr>
+        <dsp:cNvPr id="0" name=""/>
+        <dsp:cNvSpPr/>
+      </dsp:nvSpPr>
+      <dsp:spPr>
+        <a:xfrm>
+          <a:off x="2845089" y="33483"/>
+          <a:ext cx="1124725" cy="1124725"/>
+        </a:xfrm>
+        <a:prstGeom prst="rect">
+          <a:avLst/>
+        </a:prstGeom>
+        <a:noFill/>
+        <a:ln>
+          <a:noFill/>
+        </a:ln>
+        <a:effectLst/>
+      </dsp:spPr>
+      <dsp:style>
+        <a:lnRef idx="0">
+          <a:scrgbClr r="0" g="0" b="0"/>
+        </a:lnRef>
+        <a:fillRef idx="0">
+          <a:scrgbClr r="0" g="0" b="0"/>
+        </a:fillRef>
+        <a:effectRef idx="0">
+          <a:scrgbClr r="0" g="0" b="0"/>
+        </a:effectRef>
+        <a:fontRef idx="minor"/>
+      </dsp:style>
+      <dsp:txBody>
+        <a:bodyPr spcFirstLastPara="0" vert="horz" wrap="square" lIns="21590" tIns="21590" rIns="21590" bIns="21590" numCol="1" spcCol="1270" anchor="ctr" anchorCtr="0">
+          <a:noAutofit/>
+        </a:bodyPr>
+        <a:lstStyle/>
+        <a:p>
+          <a:pPr lvl="0" algn="ctr" defTabSz="755650">
+            <a:lnSpc>
+              <a:spcPct val="90000"/>
+            </a:lnSpc>
+            <a:spcBef>
+              <a:spcPct val="0"/>
+            </a:spcBef>
+            <a:spcAft>
+              <a:spcPct val="35000"/>
+            </a:spcAft>
+          </a:pPr>
+          <a:r>
+            <a:rPr lang="en-US" sz="1700" b="0" kern="1200" cap="none" spc="0" dirty="0" smtClean="0">
+              <a:ln w="0"/>
+              <a:solidFill>
+                <a:schemeClr val="tx1"/>
+              </a:solidFill>
+              <a:effectLst>
+                <a:outerShdw blurRad="38100" dist="19050" dir="2700000" algn="tl" rotWithShape="0">
+                  <a:schemeClr val="dk1">
+                    <a:alpha val="40000"/>
+                  </a:schemeClr>
+                </a:outerShdw>
+              </a:effectLst>
+            </a:rPr>
+            <a:t>Robot reverses at the end of the table</a:t>
+          </a:r>
+          <a:endParaRPr lang="en-US" sz="1700" b="0" kern="1200" cap="none" spc="0" dirty="0">
+            <a:ln w="0"/>
+            <a:solidFill>
+              <a:schemeClr val="tx1"/>
+            </a:solidFill>
+            <a:effectLst>
+              <a:outerShdw blurRad="38100" dist="19050" dir="2700000" algn="tl" rotWithShape="0">
+                <a:schemeClr val="dk1">
+                  <a:alpha val="40000"/>
+                </a:schemeClr>
+              </a:outerShdw>
+            </a:effectLst>
+          </a:endParaRPr>
+        </a:p>
+      </dsp:txBody>
+      <dsp:txXfrm>
+        <a:off x="2845089" y="33483"/>
+        <a:ext cx="1124725" cy="1124725"/>
+      </dsp:txXfrm>
+    </dsp:sp>
+    <dsp:sp modelId="{B20EC42C-5354-4AED-9A70-DBFF85D7439B}">
+      <dsp:nvSpPr>
+        <dsp:cNvPr id="0" name=""/>
+        <dsp:cNvSpPr/>
+      </dsp:nvSpPr>
+      <dsp:spPr>
+        <a:xfrm>
+          <a:off x="2398244" y="754"/>
+          <a:ext cx="4218921" cy="4218921"/>
+        </a:xfrm>
+        <a:prstGeom prst="circularArrow">
+          <a:avLst>
+            <a:gd name="adj1" fmla="val 5199"/>
+            <a:gd name="adj2" fmla="val 335794"/>
+            <a:gd name="adj3" fmla="val 16866189"/>
+            <a:gd name="adj4" fmla="val 15198017"/>
+            <a:gd name="adj5" fmla="val 6065"/>
+          </a:avLst>
+        </a:prstGeom>
+        <a:solidFill>
+          <a:schemeClr val="lt1">
+            <a:hueOff val="0"/>
+            <a:satOff val="0"/>
+            <a:lumOff val="0"/>
+            <a:alphaOff val="0"/>
+          </a:schemeClr>
+        </a:solidFill>
+        <a:ln w="15875" cap="flat" cmpd="sng" algn="ctr">
+          <a:solidFill>
+            <a:schemeClr val="dk1">
+              <a:shade val="80000"/>
+              <a:hueOff val="0"/>
+              <a:satOff val="0"/>
+              <a:lumOff val="0"/>
+              <a:alphaOff val="0"/>
+            </a:schemeClr>
+          </a:solidFill>
+          <a:prstDash val="solid"/>
+        </a:ln>
+        <a:effectLst/>
+      </dsp:spPr>
+      <dsp:style>
+        <a:lnRef idx="2">
+          <a:scrgbClr r="0" g="0" b="0"/>
+        </a:lnRef>
+        <a:fillRef idx="1">
+          <a:scrgbClr r="0" g="0" b="0"/>
+        </a:fillRef>
+        <a:effectRef idx="0">
+          <a:scrgbClr r="0" g="0" b="0"/>
+        </a:effectRef>
+        <a:fontRef idx="minor">
+          <a:schemeClr val="lt1"/>
+        </a:fontRef>
+      </dsp:style>
+    </dsp:sp>
+  </dsp:spTree>
+</dsp:drawing>
+</file>
+
+<file path=ppt/diagrams/layout1.xml><?xml version="1.0" encoding="utf-8"?>
+<dgm:layoutDef xmlns:dgm="http://schemas.openxmlformats.org/drawingml/2006/diagram" xmlns:a="http://schemas.openxmlformats.org/drawingml/2006/main" uniqueId="urn:microsoft.com/office/officeart/2005/8/layout/cycle1">
+  <dgm:title val=""/>
+  <dgm:desc val=""/>
+  <dgm:catLst>
+    <dgm:cat type="cycle" pri="2000"/>
+  </dgm:catLst>
+  <dgm:sampData>
+    <dgm:dataModel>
+      <dgm:ptLst>
+        <dgm:pt modelId="0" type="doc"/>
+        <dgm:pt modelId="1">
+          <dgm:prSet phldr="1"/>
+        </dgm:pt>
+        <dgm:pt modelId="2">
+          <dgm:prSet phldr="1"/>
+        </dgm:pt>
+        <dgm:pt modelId="3">
+          <dgm:prSet phldr="1"/>
+        </dgm:pt>
+        <dgm:pt modelId="4">
+          <dgm:prSet phldr="1"/>
+        </dgm:pt>
+        <dgm:pt modelId="5">
+          <dgm:prSet phldr="1"/>
+        </dgm:pt>
+      </dgm:ptLst>
+      <dgm:cxnLst>
+        <dgm:cxn modelId="6" srcId="0" destId="1" srcOrd="0" destOrd="0"/>
+        <dgm:cxn modelId="7" srcId="0" destId="2" srcOrd="1" destOrd="0"/>
+        <dgm:cxn modelId="8" srcId="0" destId="3" srcOrd="2" destOrd="0"/>
+        <dgm:cxn modelId="9" srcId="0" destId="4" srcOrd="3" destOrd="0"/>
+        <dgm:cxn modelId="10" srcId="0" destId="5" srcOrd="4" destOrd="0"/>
+      </dgm:cxnLst>
+      <dgm:bg/>
+      <dgm:whole/>
+    </dgm:dataModel>
+  </dgm:sampData>
+  <dgm:styleData>
+    <dgm:dataModel>
+      <dgm:ptLst>
+        <dgm:pt modelId="0" type="doc"/>
+        <dgm:pt modelId="1"/>
+        <dgm:pt modelId="2"/>
+        <dgm:pt modelId="3"/>
+      </dgm:ptLst>
+      <dgm:cxnLst>
+        <dgm:cxn modelId="4" srcId="0" destId="1" srcOrd="0" destOrd="0"/>
+        <dgm:cxn modelId="5" srcId="0" destId="2" srcOrd="1" destOrd="0"/>
+        <dgm:cxn modelId="6" srcId="0" destId="3" srcOrd="2" destOrd="0"/>
+      </dgm:cxnLst>
+      <dgm:bg/>
+      <dgm:whole/>
+    </dgm:dataModel>
+  </dgm:styleData>
+  <dgm:clrData>
+    <dgm:dataModel>
+      <dgm:ptLst>
+        <dgm:pt modelId="0" type="doc"/>
+        <dgm:pt modelId="1"/>
+        <dgm:pt modelId="2"/>
+        <dgm:pt modelId="3"/>
+        <dgm:pt modelId="4"/>
+        <dgm:pt modelId="5"/>
+        <dgm:pt modelId="6"/>
+      </dgm:ptLst>
+      <dgm:cxnLst>
+        <dgm:cxn modelId="7" srcId="0" destId="1" srcOrd="0" destOrd="0"/>
+        <dgm:cxn modelId="8" srcId="0" destId="2" srcOrd="1" destOrd="0"/>
+        <dgm:cxn modelId="9" srcId="0" destId="3" srcOrd="2" destOrd="0"/>
+        <dgm:cxn modelId="10" srcId="0" destId="4" srcOrd="3" destOrd="0"/>
+        <dgm:cxn modelId="11" srcId="0" destId="5" srcOrd="4" destOrd="0"/>
+        <dgm:cxn modelId="12" srcId="0" destId="6" srcOrd="5" destOrd="0"/>
+      </dgm:cxnLst>
+      <dgm:bg/>
+      <dgm:whole/>
+    </dgm:dataModel>
+  </dgm:clrData>
+  <dgm:layoutNode name="cycle">
+    <dgm:varLst>
+      <dgm:dir/>
+      <dgm:resizeHandles val="exact"/>
+    </dgm:varLst>
+    <dgm:choose name="Name0">
+      <dgm:if name="Name1" func="var" arg="dir" op="equ" val="norm">
+        <dgm:alg type="cycle">
+          <dgm:param type="stAng" val="0"/>
+          <dgm:param type="spanAng" val="360"/>
+        </dgm:alg>
+      </dgm:if>
+      <dgm:else name="Name2">
+        <dgm:alg type="cycle">
+          <dgm:param type="stAng" val="0"/>
+          <dgm:param type="spanAng" val="-360"/>
+        </dgm:alg>
+      </dgm:else>
+    </dgm:choose>
+    <dgm:shape xmlns:r="http://schemas.openxmlformats.org/officeDocument/2006/relationships" r:blip="">
+      <dgm:adjLst/>
+    </dgm:shape>
+    <dgm:presOf/>
+    <dgm:choose name="Name3">
+      <dgm:if name="Name4" func="var" arg="dir" op="equ" val="norm">
+        <dgm:constrLst>
+          <dgm:constr type="diam" val="1"/>
+          <dgm:constr type="w" for="ch" forName="node" refType="w"/>
+          <dgm:constr type="w" for="ch" ptType="sibTrans" refType="w" refFor="ch" refForName="node" fact="0.5"/>
+          <dgm:constr type="h" for="ch" ptType="sibTrans" op="equ"/>
+          <dgm:constr type="diam" for="ch" ptType="sibTrans" refType="diam" op="equ"/>
+          <dgm:constr type="sibSp" refType="w" refFor="ch" refForName="node" fact="0.15"/>
+          <dgm:constr type="w" for="ch" forName="dummy" refType="sibSp" fact="2.8"/>
+          <dgm:constr type="primFontSz" for="ch" forName="node" op="equ" val="65"/>
+        </dgm:constrLst>
+      </dgm:if>
+      <dgm:else name="Name5">
+        <dgm:constrLst>
+          <dgm:constr type="diam" val="1"/>
+          <dgm:constr type="w" for="ch" forName="node" refType="w"/>
+          <dgm:constr type="w" for="ch" ptType="sibTrans" refType="w" refFor="ch" refForName="node" fact="0.5"/>
+          <dgm:constr type="h" for="ch" ptType="sibTrans" op="equ"/>
+          <dgm:constr type="diam" for="ch" ptType="sibTrans" refType="diam" op="equ" fact="-1"/>
+          <dgm:constr type="sibSp" refType="w" refFor="ch" refForName="node" fact="0.15"/>
+          <dgm:constr type="w" for="ch" forName="dummy" refType="sibSp" fact="2.8"/>
+          <dgm:constr type="primFontSz" for="ch" forName="node" op="equ" val="65"/>
+        </dgm:constrLst>
+      </dgm:else>
+    </dgm:choose>
+    <dgm:ruleLst>
+      <dgm:rule type="diam" val="INF" fact="NaN" max="NaN"/>
+    </dgm:ruleLst>
+    <dgm:forEach name="nodesForEach" axis="ch" ptType="node">
+      <dgm:choose name="Name6">
+        <dgm:if name="Name7" axis="par ch" ptType="doc node" func="cnt" op="gt" val="1">
+          <dgm:layoutNode name="dummy">
+            <dgm:alg type="sp"/>
+            <dgm:shape xmlns:r="http://schemas.openxmlformats.org/officeDocument/2006/relationships" r:blip="">
+              <dgm:adjLst/>
+            </dgm:shape>
+            <dgm:presOf/>
+            <dgm:constrLst>
+              <dgm:constr type="h" refType="w"/>
+            </dgm:constrLst>
+            <dgm:ruleLst/>
+          </dgm:layoutNode>
+        </dgm:if>
+        <dgm:else name="Name8"/>
+      </dgm:choose>
+      <dgm:layoutNode name="node" styleLbl="revTx">
+        <dgm:varLst>
+          <dgm:bulletEnabled val="1"/>
+        </dgm:varLst>
+        <dgm:alg type="tx">
+          <dgm:param type="txAnchorVertCh" val="mid"/>
+        </dgm:alg>
+        <dgm:shape xmlns:r="http://schemas.openxmlformats.org/officeDocument/2006/relationships" type="rect" r:blip="">
+          <dgm:adjLst/>
+        </dgm:shape>
+        <dgm:presOf axis="desOrSelf" ptType="node"/>
+        <dgm:constrLst>
+          <dgm:constr type="h" refType="w"/>
+          <dgm:constr type="lMarg" refType="primFontSz" fact="0.1"/>
+          <dgm:constr type="rMarg" refType="primFontSz" fact="0.1"/>
+          <dgm:constr type="tMarg" refType="primFontSz" fact="0.1"/>
+          <dgm:constr type="bMarg" refType="primFontSz" fact="0.1"/>
+        </dgm:constrLst>
+        <dgm:ruleLst>
+          <dgm:rule type="primFontSz" val="5" fact="NaN" max="NaN"/>
+        </dgm:ruleLst>
+      </dgm:layoutNode>
+      <dgm:choose name="Name9">
+        <dgm:if name="Name10" axis="par ch" ptType="doc node" func="cnt" op="gt" val="1">
+          <dgm:forEach name="Name11" axis="followSib" ptType="sibTrans" hideLastTrans="0" cnt="1">
+            <dgm:layoutNode name="sibTrans" styleLbl="node1">
+              <dgm:alg type="conn">
+                <dgm:param type="connRout" val="curve"/>
+                <dgm:param type="begPts" val="radial"/>
+                <dgm:param type="endPts" val="radial"/>
+              </dgm:alg>
+              <dgm:shape xmlns:r="http://schemas.openxmlformats.org/officeDocument/2006/relationships" type="conn" r:blip="">
+                <dgm:adjLst/>
+              </dgm:shape>
+              <dgm:presOf axis="self"/>
+              <dgm:constrLst>
+                <dgm:constr type="h" refType="w" fact="0.65"/>
+                <dgm:constr type="begPad"/>
+                <dgm:constr type="endPad"/>
+              </dgm:constrLst>
+              <dgm:ruleLst/>
+            </dgm:layoutNode>
+          </dgm:forEach>
+        </dgm:if>
+        <dgm:else name="Name12"/>
+      </dgm:choose>
+    </dgm:forEach>
+  </dgm:layoutNode>
+</dgm:layoutDef>
+</file>
+
+<file path=ppt/diagrams/quickStyle1.xml><?xml version="1.0" encoding="utf-8"?>
+<dgm:styleDef xmlns:dgm="http://schemas.openxmlformats.org/drawingml/2006/diagram" xmlns:a="http://schemas.openxmlformats.org/drawingml/2006/main" uniqueId="urn:microsoft.com/office/officeart/2005/8/quickstyle/simple1">
+  <dgm:title val=""/>
+  <dgm:desc val=""/>
+  <dgm:catLst>
+    <dgm:cat type="simple" pri="10100"/>
+  </dgm:catLst>
+  <dgm:scene3d>
+    <a:camera prst="orthographicFront"/>
+    <a:lightRig rig="threePt" dir="t"/>
+  </dgm:scene3d>
+  <dgm:styleLbl name="node0">
+    <dgm:scene3d>
+      <a:camera prst="orthographicFront"/>
+      <a:lightRig rig="threePt" dir="t"/>
+    </dgm:scene3d>
+    <dgm:sp3d/>
+    <dgm:txPr/>
+    <dgm:style>
+      <a:lnRef idx="2">
+        <a:scrgbClr r="0" g="0" b="0"/>
+      </a:lnRef>
+      <a:fillRef idx="1">
+        <a:scrgbClr r="0" g="0" b="0"/>
+      </a:fillRef>
+      <a:effectRef idx="0">
+        <a:scrgbClr r="0" g="0" b="0"/>
+      </a:effectRef>
+      <a:fontRef idx="minor">
+        <a:schemeClr val="lt1"/>
+      </a:fontRef>
+    </dgm:style>
+  </dgm:styleLbl>
+  <dgm:styleLbl name="lnNode1">
+    <dgm:scene3d>
+      <a:camera prst="orthographicFront"/>
+      <a:lightRig rig="threePt" dir="t"/>
+    </dgm:scene3d>
+    <dgm:sp3d/>
+    <dgm:txPr/>
+    <dgm:style>
+      <a:lnRef idx="2">
+        <a:scrgbClr r="0" g="0" b="0"/>
+      </a:lnRef>
+      <a:fillRef idx="1">
+        <a:scrgbClr r="0" g="0" b="0"/>
+      </a:fillRef>
+      <a:effectRef idx="0">
+        <a:scrgbClr r="0" g="0" b="0"/>
+      </a:effectRef>
+      <a:fontRef idx="minor">
+        <a:schemeClr val="lt1"/>
+      </a:fontRef>
+    </dgm:style>
+  </dgm:styleLbl>
+  <dgm:styleLbl name="vennNode1">
+    <dgm:scene3d>
+      <a:camera prst="orthographicFront"/>
+      <a:lightRig rig="threePt" dir="t"/>
+    </dgm:scene3d>
+    <dgm:sp3d/>
+    <dgm:txPr/>
+    <dgm:style>
+      <a:lnRef idx="2">
+        <a:scrgbClr r="0" g="0" b="0"/>
+      </a:lnRef>
+      <a:fillRef idx="1">
+        <a:scrgbClr r="0" g="0" b="0"/>
+      </a:fillRef>
+      <a:effectRef idx="0">
+        <a:scrgbClr r="0" g="0" b="0"/>
+      </a:effectRef>
+      <a:fontRef idx="minor">
+        <a:schemeClr val="tx1"/>
+      </a:fontRef>
+    </dgm:style>
+  </dgm:styleLbl>
+  <dgm:styleLbl name="alignNode1">
+    <dgm:scene3d>
+      <a:camera prst="orthographicFront"/>
+      <a:lightRig rig="threePt" dir="t"/>
+    </dgm:scene3d>
+    <dgm:sp3d/>
+    <dgm:txPr/>
+    <dgm:style>
+      <a:lnRef idx="2">
+        <a:scrgbClr r="0" g="0" b="0"/>
+      </a:lnRef>
+      <a:fillRef idx="1">
+        <a:scrgbClr r="0" g="0" b="0"/>
+      </a:fillRef>
+      <a:effectRef idx="0">
+        <a:scrgbClr r="0" g="0" b="0"/>
+      </a:effectRef>
+      <a:fontRef idx="minor">
+        <a:schemeClr val="lt1"/>
+      </a:fontRef>
+    </dgm:style>
+  </dgm:styleLbl>
+  <dgm:styleLbl name="node1">
+    <dgm:scene3d>
+      <a:camera prst="orthographicFront"/>
+      <a:lightRig rig="threePt" dir="t"/>
+    </dgm:scene3d>
+    <dgm:sp3d/>
+    <dgm:txPr/>
+    <dgm:style>
+      <a:lnRef idx="2">
+        <a:scrgbClr r="0" g="0" b="0"/>
+      </a:lnRef>
+      <a:fillRef idx="1">
+        <a:scrgbClr r="0" g="0" b="0"/>
+      </a:fillRef>
+      <a:effectRef idx="0">
+        <a:scrgbClr r="0" g="0" b="0"/>
+      </a:effectRef>
+      <a:fontRef idx="minor">
+        <a:schemeClr val="lt1"/>
+      </a:fontRef>
+    </dgm:style>
+  </dgm:styleLbl>
+  <dgm:styleLbl name="node2">
+    <dgm:scene3d>
+      <a:camera prst="orthographicFront"/>
+      <a:lightRig rig="threePt" dir="t"/>
+    </dgm:scene3d>
+    <dgm:sp3d/>
+    <dgm:txPr/>
+    <dgm:style>
+      <a:lnRef idx="2">
+        <a:scrgbClr r="0" g="0" b="0"/>
+      </a:lnRef>
+      <a:fillRef idx="1">
+        <a:scrgbClr r="0" g="0" b="0"/>
+      </a:fillRef>
+      <a:effectRef idx="0">
+        <a:scrgbClr r="0" g="0" b="0"/>
+      </a:effectRef>
+      <a:fontRef idx="minor">
+        <a:schemeClr val="lt1"/>
+      </a:fontRef>
+    </dgm:style>
+  </dgm:styleLbl>
+  <dgm:styleLbl name="node3">
+    <dgm:scene3d>
+      <a:camera prst="orthographicFront"/>
+      <a:lightRig rig="threePt" dir="t"/>
+    </dgm:scene3d>
+    <dgm:sp3d/>
+    <dgm:txPr/>
+    <dgm:style>
+      <a:lnRef idx="2">
+        <a:scrgbClr r="0" g="0" b="0"/>
+      </a:lnRef>
+      <a:fillRef idx="1">
+        <a:scrgbClr r="0" g="0" b="0"/>
+      </a:fillRef>
+      <a:effectRef idx="0">
+        <a:scrgbClr r="0" g="0" b="0"/>
+      </a:effectRef>
+      <a:fontRef idx="minor">
+        <a:schemeClr val="lt1"/>
+      </a:fontRef>
+    </dgm:style>
+  </dgm:styleLbl>
+  <dgm:styleLbl name="node4">
+    <dgm:scene3d>
+      <a:camera prst="orthographicFront"/>
+      <a:lightRig rig="threePt" dir="t"/>
+    </dgm:scene3d>
+    <dgm:sp3d/>
+    <dgm:txPr/>
+    <dgm:style>
+      <a:lnRef idx="2">
+        <a:scrgbClr r="0" g="0" b="0"/>
+      </a:lnRef>
+      <a:fillRef idx="1">
+        <a:scrgbClr r="0" g="0" b="0"/>
+      </a:fillRef>
+      <a:effectRef idx="0">
+        <a:scrgbClr r="0" g="0" b="0"/>
+      </a:effectRef>
+      <a:fontRef idx="minor">
+        <a:schemeClr val="lt1"/>
+      </a:fontRef>
+    </dgm:style>
+  </dgm:styleLbl>
+  <dgm:styleLbl name="fgImgPlace1">
+    <dgm:scene3d>
+      <a:camera prst="orthographicFront"/>
+      <a:lightRig rig="threePt" dir="t"/>
+    </dgm:scene3d>
+    <dgm:sp3d/>
+    <dgm:txPr/>
+    <dgm:style>
+      <a:lnRef idx="2">
+        <a:scrgbClr r="0" g="0" b="0"/>
+      </a:lnRef>
+      <a:fillRef idx="1">
+        <a:scrgbClr r="0" g="0" b="0"/>
+      </a:fillRef>
+      <a:effectRef idx="0">
+        <a:scrgbClr r="0" g="0" b="0"/>
+      </a:effectRef>
+      <a:fontRef idx="minor"/>
+    </dgm:style>
+  </dgm:styleLbl>
+  <dgm:styleLbl name="alignImgPlace1">
+    <dgm:scene3d>
+      <a:camera prst="orthographicFront"/>
+      <a:lightRig rig="threePt" dir="t"/>
+    </dgm:scene3d>
+    <dgm:sp3d/>
+    <dgm:txPr/>
+    <dgm:style>
+      <a:lnRef idx="2">
+        <a:scrgbClr r="0" g="0" b="0"/>
+      </a:lnRef>
+      <a:fillRef idx="1">
+        <a:scrgbClr r="0" g="0" b="0"/>
+      </a:fillRef>
+      <a:effectRef idx="0">
+        <a:scrgbClr r="0" g="0" b="0"/>
+      </a:effectRef>
+      <a:fontRef idx="minor"/>
+    </dgm:style>
+  </dgm:styleLbl>
+  <dgm:styleLbl name="bgImgPlace1">
+    <dgm:scene3d>
+      <a:camera prst="orthographicFront"/>
+      <a:lightRig rig="threePt" dir="t"/>
+    </dgm:scene3d>
+    <dgm:sp3d/>
+    <dgm:txPr/>
+    <dgm:style>
+      <a:lnRef idx="2">
+        <a:scrgbClr r="0" g="0" b="0"/>
+      </a:lnRef>
+      <a:fillRef idx="1">
+        <a:scrgbClr r="0" g="0" b="0"/>
+      </a:fillRef>
+      <a:effectRef idx="0">
+        <a:scrgbClr r="0" g="0" b="0"/>
+      </a:effectRef>
+      <a:fontRef idx="minor"/>
+    </dgm:style>
+  </dgm:styleLbl>
+  <dgm:styleLbl name="sibTrans2D1">
+    <dgm:scene3d>
+      <a:camera prst="orthographicFront"/>
+      <a:lightRig rig="threePt" dir="t"/>
+    </dgm:scene3d>
+    <dgm:sp3d/>
+    <dgm:txPr/>
+    <dgm:style>
+      <a:lnRef idx="0">
+        <a:scrgbClr r="0" g="0" b="0"/>
+      </a:lnRef>
+      <a:fillRef idx="1">
+        <a:scrgbClr r="0" g="0" b="0"/>
+      </a:fillRef>
+      <a:effectRef idx="0">
+        <a:scrgbClr r="0" g="0" b="0"/>
+      </a:effectRef>
+      <a:fontRef idx="minor">
+        <a:schemeClr val="lt1"/>
+      </a:fontRef>
+    </dgm:style>
+  </dgm:styleLbl>
+  <dgm:styleLbl name="fgSibTrans2D1">
+    <dgm:scene3d>
+      <a:camera prst="orthographicFront"/>
+      <a:lightRig rig="threePt" dir="t"/>
+    </dgm:scene3d>
+    <dgm:sp3d/>
+    <dgm:txPr/>
+    <dgm:style>
+      <a:lnRef idx="0">
+        <a:scrgbClr r="0" g="0" b="0"/>
+      </a:lnRef>
+      <a:fillRef idx="1">
+        <a:scrgbClr r="0" g="0" b="0"/>
+      </a:fillRef>
+      <a:effectRef idx="0">
+        <a:scrgbClr r="0" g="0" b="0"/>
+      </a:effectRef>
+      <a:fontRef idx="minor">
+        <a:schemeClr val="lt1"/>
+      </a:fontRef>
+    </dgm:style>
+  </dgm:styleLbl>
+  <dgm:styleLbl name="bgSibTrans2D1">
+    <dgm:scene3d>
+      <a:camera prst="orthographicFront"/>
+      <a:lightRig rig="threePt" dir="t"/>
+    </dgm:scene3d>
+    <dgm:sp3d/>
+    <dgm:txPr/>
+    <dgm:style>
+      <a:lnRef idx="0">
+        <a:scrgbClr r="0" g="0" b="0"/>
+      </a:lnRef>
+      <a:fillRef idx="1">
+        <a:scrgbClr r="0" g="0" b="0"/>
+      </a:fillRef>
+      <a:effectRef idx="0">
+        <a:scrgbClr r="0" g="0" b="0"/>
+      </a:effectRef>
+      <a:fontRef idx="minor">
+        <a:schemeClr val="lt1"/>
+      </a:fontRef>
+    </dgm:style>
+  </dgm:styleLbl>
+  <dgm:styleLbl name="sibTrans1D1">
+    <dgm:scene3d>
+      <a:camera prst="orthographicFront"/>
+      <a:lightRig rig="threePt" dir="t"/>
+    </dgm:scene3d>
+    <dgm:sp3d/>
+    <dgm:txPr/>
+    <dgm:style>
+      <a:lnRef idx="1">
+        <a:scrgbClr r="0" g="0" b="0"/>
+      </a:lnRef>
+      <a:fillRef idx="0">
+        <a:scrgbClr r="0" g="0" b="0"/>
+      </a:fillRef>
+      <a:effectRef idx="0">
+        <a:scrgbClr r="0" g="0" b="0"/>
+      </a:effectRef>
+      <a:fontRef idx="minor"/>
+    </dgm:style>
+  </dgm:styleLbl>
+  <dgm:styleLbl name="callout">
+    <dgm:scene3d>
+      <a:camera prst="orthographicFront"/>
+      <a:lightRig rig="threePt" dir="t"/>
+    </dgm:scene3d>
+    <dgm:sp3d/>
+    <dgm:txPr/>
+    <dgm:style>
+      <a:lnRef idx="2">
+        <a:scrgbClr r="0" g="0" b="0"/>
+      </a:lnRef>
+      <a:fillRef idx="1">
+        <a:scrgbClr r="0" g="0" b="0"/>
+      </a:fillRef>
+      <a:effectRef idx="0">
+        <a:scrgbClr r="0" g="0" b="0"/>
+      </a:effectRef>
+      <a:fontRef idx="minor"/>
+    </dgm:style>
+  </dgm:styleLbl>
+  <dgm:styleLbl name="asst0">
+    <dgm:scene3d>
+      <a:camera prst="orthographicFront"/>
+      <a:lightRig rig="threePt" dir="t"/>
+    </dgm:scene3d>
+    <dgm:sp3d/>
+    <dgm:txPr/>
+    <dgm:style>
+      <a:lnRef idx="2">
+        <a:scrgbClr r="0" g="0" b="0"/>
+      </a:lnRef>
+      <a:fillRef idx="1">
+        <a:scrgbClr r="0" g="0" b="0"/>
+      </a:fillRef>
+      <a:effectRef idx="0">
+        <a:scrgbClr r="0" g="0" b="0"/>
+      </a:effectRef>
+      <a:fontRef idx="minor">
+        <a:schemeClr val="lt1"/>
+      </a:fontRef>
+    </dgm:style>
+  </dgm:styleLbl>
+  <dgm:styleLbl name="asst1">
+    <dgm:scene3d>
+      <a:camera prst="orthographicFront"/>
+      <a:lightRig rig="threePt" dir="t"/>
+    </dgm:scene3d>
+    <dgm:sp3d/>
+    <dgm:txPr/>
+    <dgm:style>
+      <a:lnRef idx="2">
+        <a:scrgbClr r="0" g="0" b="0"/>
+      </a:lnRef>
+      <a:fillRef idx="1">
+        <a:scrgbClr r="0" g="0" b="0"/>
+      </a:fillRef>
+      <a:effectRef idx="0">
+        <a:scrgbClr r="0" g="0" b="0"/>
+      </a:effectRef>
+      <a:fontRef idx="minor">
+        <a:schemeClr val="lt1"/>
+      </a:fontRef>
+    </dgm:style>
+  </dgm:styleLbl>
+  <dgm:styleLbl name="asst2">
+    <dgm:scene3d>
+      <a:camera prst="orthographicFront"/>
+      <a:lightRig rig="threePt" dir="t"/>
+    </dgm:scene3d>
+    <dgm:sp3d/>
+    <dgm:txPr/>
+    <dgm:style>
+      <a:lnRef idx="2">
+        <a:scrgbClr r="0" g="0" b="0"/>
+      </a:lnRef>
+      <a:fillRef idx="1">
+        <a:scrgbClr r="0" g="0" b="0"/>
+      </a:fillRef>
+      <a:effectRef idx="0">
+        <a:scrgbClr r="0" g="0" b="0"/>
+      </a:effectRef>
+      <a:fontRef idx="minor">
+        <a:schemeClr val="lt1"/>
+      </a:fontRef>
+    </dgm:style>
+  </dgm:styleLbl>
+  <dgm:styleLbl name="asst3">
+    <dgm:scene3d>
+      <a:camera prst="orthographicFront"/>
+      <a:lightRig rig="threePt" dir="t"/>
+    </dgm:scene3d>
+    <dgm:sp3d/>
+    <dgm:txPr/>
+    <dgm:style>
+      <a:lnRef idx="2">
+        <a:scrgbClr r="0" g="0" b="0"/>
+      </a:lnRef>
+      <a:fillRef idx="1">
+        <a:scrgbClr r="0" g="0" b="0"/>
+      </a:fillRef>
+      <a:effectRef idx="0">
+        <a:scrgbClr r="0" g="0" b="0"/>
+      </a:effectRef>
+      <a:fontRef idx="minor">
+        <a:schemeClr val="lt1"/>
+      </a:fontRef>
+    </dgm:style>
+  </dgm:styleLbl>
+  <dgm:styleLbl name="asst4">
+    <dgm:scene3d>
+      <a:camera prst="orthographicFront"/>
+      <a:lightRig rig="threePt" dir="t"/>
+    </dgm:scene3d>
+    <dgm:sp3d/>
+    <dgm:txPr/>
+    <dgm:style>
+      <a:lnRef idx="2">
+        <a:scrgbClr r="0" g="0" b="0"/>
+      </a:lnRef>
+      <a:fillRef idx="1">
+        <a:scrgbClr r="0" g="0" b="0"/>
+      </a:fillRef>
+      <a:effectRef idx="0">
+        <a:scrgbClr r="0" g="0" b="0"/>
+      </a:effectRef>
+      <a:fontRef idx="minor">
+        <a:schemeClr val="lt1"/>
+      </a:fontRef>
+    </dgm:style>
+  </dgm:styleLbl>
+  <dgm:styleLbl name="parChTrans2D1">
+    <dgm:scene3d>
+      <a:camera prst="orthographicFront"/>
+      <a:lightRig rig="threePt" dir="t"/>
+    </dgm:scene3d>
+    <dgm:sp3d/>
+    <dgm:txPr/>
+    <dgm:style>
+      <a:lnRef idx="2">
+        <a:scrgbClr r="0" g="0" b="0"/>
+      </a:lnRef>
+      <a:fillRef idx="1">
+        <a:scrgbClr r="0" g="0" b="0"/>
+      </a:fillRef>
+      <a:effectRef idx="0">
+        <a:scrgbClr r="0" g="0" b="0"/>
+      </a:effectRef>
+      <a:fontRef idx="minor">
+        <a:schemeClr val="lt1"/>
+      </a:fontRef>
+    </dgm:style>
+  </dgm:styleLbl>
+  <dgm:styleLbl name="parChTrans2D2">
+    <dgm:scene3d>
+      <a:camera prst="orthographicFront"/>
+      <a:lightRig rig="threePt" dir="t"/>
+    </dgm:scene3d>
+    <dgm:sp3d/>
+    <dgm:txPr/>
+    <dgm:style>
+      <a:lnRef idx="2">
+        <a:scrgbClr r="0" g="0" b="0"/>
+      </a:lnRef>
+      <a:fillRef idx="1">
+        <a:scrgbClr r="0" g="0" b="0"/>
+      </a:fillRef>
+      <a:effectRef idx="0">
+        <a:scrgbClr r="0" g="0" b="0"/>
+      </a:effectRef>
+      <a:fontRef idx="minor">
+        <a:schemeClr val="lt1"/>
+      </a:fontRef>
+    </dgm:style>
+  </dgm:styleLbl>
+  <dgm:styleLbl name="parChTrans2D3">
+    <dgm:scene3d>
+      <a:camera prst="orthographicFront"/>
+      <a:lightRig rig="threePt" dir="t"/>
+    </dgm:scene3d>
+    <dgm:sp3d/>
+    <dgm:txPr/>
+    <dgm:style>
+      <a:lnRef idx="2">
+        <a:scrgbClr r="0" g="0" b="0"/>
+      </a:lnRef>
+      <a:fillRef idx="1">
+        <a:scrgbClr r="0" g="0" b="0"/>
+      </a:fillRef>
+      <a:effectRef idx="0">
+        <a:scrgbClr r="0" g="0" b="0"/>
+      </a:effectRef>
+      <a:fontRef idx="minor">
+        <a:schemeClr val="lt1"/>
+      </a:fontRef>
+    </dgm:style>
+  </dgm:styleLbl>
+  <dgm:styleLbl name="parChTrans2D4">
+    <dgm:scene3d>
+      <a:camera prst="orthographicFront"/>
+      <a:lightRig rig="threePt" dir="t"/>
+    </dgm:scene3d>
+    <dgm:sp3d/>
+    <dgm:txPr/>
+    <dgm:style>
+      <a:lnRef idx="2">
+        <a:scrgbClr r="0" g="0" b="0"/>
+      </a:lnRef>
+      <a:fillRef idx="1">
+        <a:scrgbClr r="0" g="0" b="0"/>
+      </a:fillRef>
+      <a:effectRef idx="0">
+        <a:scrgbClr r="0" g="0" b="0"/>
+      </a:effectRef>
+      <a:fontRef idx="minor">
+        <a:schemeClr val="lt1"/>
+      </a:fontRef>
+    </dgm:style>
+  </dgm:styleLbl>
+  <dgm:styleLbl name="parChTrans1D1">
+    <dgm:scene3d>
+      <a:camera prst="orthographicFront"/>
+      <a:lightRig rig="threePt" dir="t"/>
+    </dgm:scene3d>
+    <dgm:sp3d/>
+    <dgm:txPr/>
+    <dgm:style>
+      <a:lnRef idx="2">
+        <a:scrgbClr r="0" g="0" b="0"/>
+      </a:lnRef>
+      <a:fillRef idx="0">
+        <a:scrgbClr r="0" g="0" b="0"/>
+      </a:fillRef>
+      <a:effectRef idx="0">
+        <a:scrgbClr r="0" g="0" b="0"/>
+      </a:effectRef>
+      <a:fontRef idx="minor"/>
+    </dgm:style>
+  </dgm:styleLbl>
+  <dgm:styleLbl name="parChTrans1D2">
+    <dgm:scene3d>
+      <a:camera prst="orthographicFront"/>
+      <a:lightRig rig="threePt" dir="t"/>
+    </dgm:scene3d>
+    <dgm:sp3d/>
+    <dgm:txPr/>
+    <dgm:style>
+      <a:lnRef idx="2">
+        <a:scrgbClr r="0" g="0" b="0"/>
+      </a:lnRef>
+      <a:fillRef idx="0">
+        <a:scrgbClr r="0" g="0" b="0"/>
+      </a:fillRef>
+      <a:effectRef idx="0">
+        <a:scrgbClr r="0" g="0" b="0"/>
+      </a:effectRef>
+      <a:fontRef idx="minor"/>
+    </dgm:style>
+  </dgm:styleLbl>
+  <dgm:styleLbl name="parChTrans1D3">
+    <dgm:scene3d>
+      <a:camera prst="orthographicFront"/>
+      <a:lightRig rig="threePt" dir="t"/>
+    </dgm:scene3d>
+    <dgm:sp3d/>
+    <dgm:txPr/>
+    <dgm:style>
+      <a:lnRef idx="2">
+        <a:scrgbClr r="0" g="0" b="0"/>
+      </a:lnRef>
+      <a:fillRef idx="0">
+        <a:scrgbClr r="0" g="0" b="0"/>
+      </a:fillRef>
+      <a:effectRef idx="0">
+        <a:scrgbClr r="0" g="0" b="0"/>
+      </a:effectRef>
+      <a:fontRef idx="minor"/>
+    </dgm:style>
+  </dgm:styleLbl>
+  <dgm:styleLbl name="parChTrans1D4">
+    <dgm:scene3d>
+      <a:camera prst="orthographicFront"/>
+      <a:lightRig rig="threePt" dir="t"/>
+    </dgm:scene3d>
+    <dgm:sp3d/>
+    <dgm:txPr/>
+    <dgm:style>
+      <a:lnRef idx="2">
+        <a:scrgbClr r="0" g="0" b="0"/>
+      </a:lnRef>
+      <a:fillRef idx="0">
+        <a:scrgbClr r="0" g="0" b="0"/>
+      </a:fillRef>
+      <a:effectRef idx="0">
+        <a:scrgbClr r="0" g="0" b="0"/>
+      </a:effectRef>
+      <a:fontRef idx="minor"/>
+    </dgm:style>
+  </dgm:styleLbl>
+  <dgm:styleLbl name="fgAcc1">
+    <dgm:scene3d>
+      <a:camera prst="orthographicFront"/>
+      <a:lightRig rig="threePt" dir="t"/>
+    </dgm:scene3d>
+    <dgm:sp3d/>
+    <dgm:txPr/>
+    <dgm:style>
+      <a:lnRef idx="2">
+        <a:scrgbClr r="0" g="0" b="0"/>
+      </a:lnRef>
+      <a:fillRef idx="1">
+        <a:scrgbClr r="0" g="0" b="0"/>
+      </a:fillRef>
+      <a:effectRef idx="0">
+        <a:scrgbClr r="0" g="0" b="0"/>
+      </a:effectRef>
+      <a:fontRef idx="minor"/>
+    </dgm:style>
+  </dgm:styleLbl>
+  <dgm:styleLbl name="conFgAcc1">
+    <dgm:scene3d>
+      <a:camera prst="orthographicFront"/>
+      <a:lightRig rig="threePt" dir="t"/>
+    </dgm:scene3d>
+    <dgm:sp3d/>
+    <dgm:txPr/>
+    <dgm:style>
+      <a:lnRef idx="2">
+        <a:scrgbClr r="0" g="0" b="0"/>
+      </a:lnRef>
+      <a:fillRef idx="1">
+        <a:scrgbClr r="0" g="0" b="0"/>
+      </a:fillRef>
+      <a:effectRef idx="0">
+        <a:scrgbClr r="0" g="0" b="0"/>
+      </a:effectRef>
+      <a:fontRef idx="minor"/>
+    </dgm:style>
+  </dgm:styleLbl>
+  <dgm:styleLbl name="alignAcc1">
+    <dgm:scene3d>
+      <a:camera prst="orthographicFront"/>
+      <a:lightRig rig="threePt" dir="t"/>
+    </dgm:scene3d>
+    <dgm:sp3d/>
+    <dgm:txPr/>
+    <dgm:style>
+      <a:lnRef idx="2">
+        <a:scrgbClr r="0" g="0" b="0"/>
+      </a:lnRef>
+      <a:fillRef idx="1">
+        <a:scrgbClr r="0" g="0" b="0"/>
+      </a:fillRef>
+      <a:effectRef idx="0">
+        <a:scrgbClr r="0" g="0" b="0"/>
+      </a:effectRef>
+      <a:fontRef idx="minor"/>
+    </dgm:style>
+  </dgm:styleLbl>
+  <dgm:styleLbl name="trAlignAcc1">
+    <dgm:scene3d>
+      <a:camera prst="orthographicFront"/>
+      <a:lightRig rig="threePt" dir="t"/>
+    </dgm:scene3d>
+    <dgm:sp3d/>
+    <dgm:txPr/>
+    <dgm:style>
+      <a:lnRef idx="1">
+        <a:scrgbClr r="0" g="0" b="0"/>
+      </a:lnRef>
+      <a:fillRef idx="1">
+        <a:scrgbClr r="0" g="0" b="0"/>
+      </a:fillRef>
+      <a:effectRef idx="0">
+        <a:scrgbClr r="0" g="0" b="0"/>
+      </a:effectRef>
+      <a:fontRef idx="minor"/>
+    </dgm:style>
+  </dgm:styleLbl>
+  <dgm:styleLbl name="bgAcc1">
+    <dgm:scene3d>
+      <a:camera prst="orthographicFront"/>
+      <a:lightRig rig="threePt" dir="t"/>
+    </dgm:scene3d>
+    <dgm:sp3d/>
+    <dgm:txPr/>
+    <dgm:style>
+      <a:lnRef idx="2">
+        <a:scrgbClr r="0" g="0" b="0"/>
+      </a:lnRef>
+      <a:fillRef idx="1">
+        <a:scrgbClr r="0" g="0" b="0"/>
+      </a:fillRef>
+      <a:effectRef idx="0">
+        <a:scrgbClr r="0" g="0" b="0"/>
+      </a:effectRef>
+      <a:fontRef idx="minor"/>
+    </dgm:style>
+  </dgm:styleLbl>
+  <dgm:styleLbl name="solidFgAcc1">
+    <dgm:scene3d>
+      <a:camera prst="orthographicFront"/>
+      <a:lightRig rig="threePt" dir="t"/>
+    </dgm:scene3d>
+    <dgm:sp3d/>
+    <dgm:txPr/>
+    <dgm:style>
+      <a:lnRef idx="2">
+        <a:scrgbClr r="0" g="0" b="0"/>
+      </a:lnRef>
+      <a:fillRef idx="1">
+        <a:scrgbClr r="0" g="0" b="0"/>
+      </a:fillRef>
+      <a:effectRef idx="0">
+        <a:scrgbClr r="0" g="0" b="0"/>
+      </a:effectRef>
+      <a:fontRef idx="minor"/>
+    </dgm:style>
+  </dgm:styleLbl>
+  <dgm:styleLbl name="solidAlignAcc1">
+    <dgm:scene3d>
+      <a:camera prst="orthographicFront"/>
+      <a:lightRig rig="threePt" dir="t"/>
+    </dgm:scene3d>
+    <dgm:sp3d/>
+    <dgm:txPr/>
+    <dgm:style>
+      <a:lnRef idx="2">
+        <a:scrgbClr r="0" g="0" b="0"/>
+      </a:lnRef>
+      <a:fillRef idx="1">
+        <a:scrgbClr r="0" g="0" b="0"/>
+      </a:fillRef>
+      <a:effectRef idx="0">
+        <a:scrgbClr r="0" g="0" b="0"/>
+      </a:effectRef>
+      <a:fontRef idx="minor"/>
+    </dgm:style>
+  </dgm:styleLbl>
+  <dgm:styleLbl name="solidBgAcc1">
+    <dgm:scene3d>
+      <a:camera prst="orthographicFront"/>
+      <a:lightRig rig="threePt" dir="t"/>
+    </dgm:scene3d>
+    <dgm:sp3d/>
+    <dgm:txPr/>
+    <dgm:style>
+      <a:lnRef idx="2">
+        <a:scrgbClr r="0" g="0" b="0"/>
+      </a:lnRef>
+      <a:fillRef idx="1">
+        <a:scrgbClr r="0" g="0" b="0"/>
+      </a:fillRef>
+      <a:effectRef idx="0">
+        <a:scrgbClr r="0" g="0" b="0"/>
+      </a:effectRef>
+      <a:fontRef idx="minor"/>
+    </dgm:style>
+  </dgm:styleLbl>
+  <dgm:styleLbl name="fgAccFollowNode1">
+    <dgm:scene3d>
+      <a:camera prst="orthographicFront"/>
+      <a:lightRig rig="threePt" dir="t"/>
+    </dgm:scene3d>
+    <dgm:sp3d/>
+    <dgm:txPr/>
+    <dgm:style>
+      <a:lnRef idx="2">
+        <a:scrgbClr r="0" g="0" b="0"/>
+      </a:lnRef>
+      <a:fillRef idx="1">
+        <a:scrgbClr r="0" g="0" b="0"/>
+      </a:fillRef>
+      <a:effectRef idx="0">
+        <a:scrgbClr r="0" g="0" b="0"/>
+      </a:effectRef>
+      <a:fontRef idx="minor"/>
+    </dgm:style>
+  </dgm:styleLbl>
+  <dgm:styleLbl name="alignAccFollowNode1">
+    <dgm:scene3d>
+      <a:camera prst="orthographicFront"/>
+      <a:lightRig rig="threePt" dir="t"/>
+    </dgm:scene3d>
+    <dgm:sp3d/>
+    <dgm:txPr/>
+    <dgm:style>
+      <a:lnRef idx="2">
+        <a:scrgbClr r="0" g="0" b="0"/>
+      </a:lnRef>
+      <a:fillRef idx="1">
+        <a:scrgbClr r="0" g="0" b="0"/>
+      </a:fillRef>
+      <a:effectRef idx="0">
+        <a:scrgbClr r="0" g="0" b="0"/>
+      </a:effectRef>
+      <a:fontRef idx="minor"/>
+    </dgm:style>
+  </dgm:styleLbl>
+  <dgm:styleLbl name="bgAccFollowNode1">
+    <dgm:scene3d>
+      <a:camera prst="orthographicFront"/>
+      <a:lightRig rig="threePt" dir="t"/>
+    </dgm:scene3d>
+    <dgm:sp3d/>
+    <dgm:txPr/>
+    <dgm:style>
+      <a:lnRef idx="2">
+        <a:scrgbClr r="0" g="0" b="0"/>
+      </a:lnRef>
+      <a:fillRef idx="1">
+        <a:scrgbClr r="0" g="0" b="0"/>
+      </a:fillRef>
+      <a:effectRef idx="0">
+        <a:scrgbClr r="0" g="0" b="0"/>
+      </a:effectRef>
+      <a:fontRef idx="minor"/>
+    </dgm:style>
+  </dgm:styleLbl>
+  <dgm:styleLbl name="fgAcc0">
+    <dgm:scene3d>
+      <a:camera prst="orthographicFront"/>
+      <a:lightRig rig="threePt" dir="t"/>
+    </dgm:scene3d>
+    <dgm:sp3d/>
+    <dgm:txPr/>
+    <dgm:style>
+      <a:lnRef idx="2">
+        <a:scrgbClr r="0" g="0" b="0"/>
+      </a:lnRef>
+      <a:fillRef idx="1">
+        <a:scrgbClr r="0" g="0" b="0"/>
+      </a:fillRef>
+      <a:effectRef idx="0">
+        <a:scrgbClr r="0" g="0" b="0"/>
+      </a:effectRef>
+      <a:fontRef idx="minor"/>
+    </dgm:style>
+  </dgm:styleLbl>
+  <dgm:styleLbl name="fgAcc2">
+    <dgm:scene3d>
+      <a:camera prst="orthographicFront"/>
+      <a:lightRig rig="threePt" dir="t"/>
+    </dgm:scene3d>
+    <dgm:sp3d/>
+    <dgm:txPr/>
+    <dgm:style>
+      <a:lnRef idx="2">
+        <a:scrgbClr r="0" g="0" b="0"/>
+      </a:lnRef>
+      <a:fillRef idx="1">
+        <a:scrgbClr r="0" g="0" b="0"/>
+      </a:fillRef>
+      <a:effectRef idx="0">
+        <a:scrgbClr r="0" g="0" b="0"/>
+      </a:effectRef>
+      <a:fontRef idx="minor"/>
+    </dgm:style>
+  </dgm:styleLbl>
+  <dgm:styleLbl name="fgAcc3">
+    <dgm:scene3d>
+      <a:camera prst="orthographicFront"/>
+      <a:lightRig rig="threePt" dir="t"/>
+    </dgm:scene3d>
+    <dgm:sp3d/>
+    <dgm:txPr/>
+    <dgm:style>
+      <a:lnRef idx="2">
+        <a:scrgbClr r="0" g="0" b="0"/>
+      </a:lnRef>
+      <a:fillRef idx="1">
+        <a:scrgbClr r="0" g="0" b="0"/>
+      </a:fillRef>
+      <a:effectRef idx="0">
+        <a:scrgbClr r="0" g="0" b="0"/>
+      </a:effectRef>
+      <a:fontRef idx="minor"/>
+    </dgm:style>
+  </dgm:styleLbl>
+  <dgm:styleLbl name="fgAcc4">
+    <dgm:scene3d>
+      <a:camera prst="orthographicFront"/>
+      <a:lightRig rig="threePt" dir="t"/>
+    </dgm:scene3d>
+    <dgm:sp3d/>
+    <dgm:txPr/>
+    <dgm:style>
+      <a:lnRef idx="2">
+        <a:scrgbClr r="0" g="0" b="0"/>
+      </a:lnRef>
+      <a:fillRef idx="1">
+        <a:scrgbClr r="0" g="0" b="0"/>
+      </a:fillRef>
+      <a:effectRef idx="0">
+        <a:scrgbClr r="0" g="0" b="0"/>
+      </a:effectRef>
+      <a:fontRef idx="minor"/>
+    </dgm:style>
+  </dgm:styleLbl>
+  <dgm:styleLbl name="bgShp">
+    <dgm:scene3d>
+      <a:camera prst="orthographicFront"/>
+      <a:lightRig rig="threePt" dir="t"/>
+    </dgm:scene3d>
+    <dgm:sp3d/>
+    <dgm:txPr/>
+    <dgm:style>
+      <a:lnRef idx="0">
+        <a:scrgbClr r="0" g="0" b="0"/>
+      </a:lnRef>
+      <a:fillRef idx="1">
+        <a:scrgbClr r="0" g="0" b="0"/>
+      </a:fillRef>
+      <a:effectRef idx="0">
+        <a:scrgbClr r="0" g="0" b="0"/>
+      </a:effectRef>
+      <a:fontRef idx="minor"/>
+    </dgm:style>
+  </dgm:styleLbl>
+  <dgm:styleLbl name="dkBgShp">
+    <dgm:scene3d>
+      <a:camera prst="orthographicFront"/>
+      <a:lightRig rig="threePt" dir="t"/>
+    </dgm:scene3d>
+    <dgm:sp3d/>
+    <dgm:txPr/>
+    <dgm:style>
+      <a:lnRef idx="0">
+        <a:scrgbClr r="0" g="0" b="0"/>
+      </a:lnRef>
+      <a:fillRef idx="1">
+        <a:scrgbClr r="0" g="0" b="0"/>
+      </a:fillRef>
+      <a:effectRef idx="0">
+        <a:scrgbClr r="0" g="0" b="0"/>
+      </a:effectRef>
+      <a:fontRef idx="minor"/>
+    </dgm:style>
+  </dgm:styleLbl>
+  <dgm:styleLbl name="trBgShp">
+    <dgm:scene3d>
+      <a:camera prst="orthographicFront"/>
+      <a:lightRig rig="threePt" dir="t"/>
+    </dgm:scene3d>
+    <dgm:sp3d/>
+    <dgm:txPr/>
+    <dgm:style>
+      <a:lnRef idx="0">
+        <a:scrgbClr r="0" g="0" b="0"/>
+      </a:lnRef>
+      <a:fillRef idx="1">
+        <a:scrgbClr r="0" g="0" b="0"/>
+      </a:fillRef>
+      <a:effectRef idx="0">
+        <a:scrgbClr r="0" g="0" b="0"/>
+      </a:effectRef>
+      <a:fontRef idx="minor"/>
+    </dgm:style>
+  </dgm:styleLbl>
+  <dgm:styleLbl name="fgShp">
+    <dgm:scene3d>
+      <a:camera prst="orthographicFront"/>
+      <a:lightRig rig="threePt" dir="t"/>
+    </dgm:scene3d>
+    <dgm:sp3d/>
+    <dgm:txPr/>
+    <dgm:style>
+      <a:lnRef idx="2">
+        <a:scrgbClr r="0" g="0" b="0"/>
+      </a:lnRef>
+      <a:fillRef idx="1">
+        <a:scrgbClr r="0" g="0" b="0"/>
+      </a:fillRef>
+      <a:effectRef idx="0">
+        <a:scrgbClr r="0" g="0" b="0"/>
+      </a:effectRef>
+      <a:fontRef idx="minor"/>
+    </dgm:style>
+  </dgm:styleLbl>
+  <dgm:styleLbl name="revTx">
+    <dgm:scene3d>
+      <a:camera prst="orthographicFront"/>
+      <a:lightRig rig="threePt" dir="t"/>
+    </dgm:scene3d>
+    <dgm:sp3d/>
+    <dgm:txPr/>
+    <dgm:style>
+      <a:lnRef idx="0">
+        <a:scrgbClr r="0" g="0" b="0"/>
+      </a:lnRef>
+      <a:fillRef idx="0">
+        <a:scrgbClr r="0" g="0" b="0"/>
+      </a:fillRef>
+      <a:effectRef idx="0">
+        <a:scrgbClr r="0" g="0" b="0"/>
+      </a:effectRef>
+      <a:fontRef idx="minor"/>
+    </dgm:style>
+  </dgm:styleLbl>
+</dgm:styleDef>
+</file>
+
 <file path=ppt/notesMasters/notesMaster1.xml><?xml version="1.0" encoding="utf-8"?>
 <p:notesMaster xmlns:a="http://schemas.openxmlformats.org/drawingml/2006/main" xmlns:r="http://schemas.openxmlformats.org/officeDocument/2006/relationships" xmlns:p="http://schemas.openxmlformats.org/presentationml/2006/main">
   <p:cSld>
@@ -205,7 +3638,7 @@
           <a:p>
             <a:fld id="{BC6301BB-1CFE-425A-B800-11137A548326}" type="datetimeFigureOut">
               <a:rPr lang="en-US" smtClean="0"/>
-              <a:t>4/13/17</a:t>
+              <a:t>4/14/2017</a:t>
             </a:fld>
             <a:endParaRPr lang="en-US"/>
           </a:p>
@@ -653,7 +4086,7 @@
           <a:p>
             <a:fld id="{4DF559D7-D7EC-4DDD-8B47-9EE4CD397A1F}" type="slidenum">
               <a:rPr lang="en-US" smtClean="0"/>
-              <a:t>6</a:t>
+              <a:t>7</a:t>
             </a:fld>
             <a:endParaRPr lang="en-US"/>
           </a:p>
@@ -745,7 +4178,7 @@
           <a:p>
             <a:fld id="{4DF559D7-D7EC-4DDD-8B47-9EE4CD397A1F}" type="slidenum">
               <a:rPr lang="en-US" smtClean="0"/>
-              <a:t>7</a:t>
+              <a:t>8</a:t>
             </a:fld>
             <a:endParaRPr lang="en-US"/>
           </a:p>
@@ -821,7 +4254,7 @@
           <a:noFill/>
           <a:extLst>
             <a:ext uri="{909E8E84-426E-40dd-AFC4-6F175D3DCCD1}">
-              <a14:hiddenFill xmlns="" xmlns:a14="http://schemas.microsoft.com/office/drawing/2010/main">
+              <a14:hiddenFill xmlns:a14="http://schemas.microsoft.com/office/drawing/2010/main" xmlns="">
                 <a:solidFill>
                   <a:srgbClr val="FFFFFF"/>
                 </a:solidFill>
@@ -881,7 +4314,7 @@
             </a:ln>
             <a:extLst>
               <a:ext uri="{91240B29-F687-4f45-9708-019B960494DF}">
-                <a14:hiddenLine xmlns="" xmlns:a14="http://schemas.microsoft.com/office/drawing/2010/main" w="9525">
+                <a14:hiddenLine xmlns:a14="http://schemas.microsoft.com/office/drawing/2010/main" xmlns="" w="9525">
                   <a:solidFill>
                     <a:srgbClr val="000000"/>
                   </a:solidFill>
@@ -971,7 +4404,7 @@
             </a:ln>
             <a:extLst>
               <a:ext uri="{91240B29-F687-4f45-9708-019B960494DF}">
-                <a14:hiddenLine xmlns="" xmlns:a14="http://schemas.microsoft.com/office/drawing/2010/main" w="9525">
+                <a14:hiddenLine xmlns:a14="http://schemas.microsoft.com/office/drawing/2010/main" xmlns="" w="9525">
                   <a:solidFill>
                     <a:srgbClr val="000000"/>
                   </a:solidFill>
@@ -1061,7 +4494,7 @@
             </a:ln>
             <a:extLst>
               <a:ext uri="{91240B29-F687-4f45-9708-019B960494DF}">
-                <a14:hiddenLine xmlns="" xmlns:a14="http://schemas.microsoft.com/office/drawing/2010/main" w="9525">
+                <a14:hiddenLine xmlns:a14="http://schemas.microsoft.com/office/drawing/2010/main" xmlns="" w="9525">
                   <a:solidFill>
                     <a:srgbClr val="000000"/>
                   </a:solidFill>
@@ -1095,7 +4528,7 @@
             </a:ln>
             <a:extLst>
               <a:ext uri="{91240B29-F687-4f45-9708-019B960494DF}">
-                <a14:hiddenLine xmlns="" xmlns:a14="http://schemas.microsoft.com/office/drawing/2010/main" w="9525">
+                <a14:hiddenLine xmlns:a14="http://schemas.microsoft.com/office/drawing/2010/main" xmlns="" w="9525">
                   <a:solidFill>
                     <a:srgbClr val="000000"/>
                   </a:solidFill>
@@ -1185,7 +4618,7 @@
             </a:ln>
             <a:extLst>
               <a:ext uri="{91240B29-F687-4f45-9708-019B960494DF}">
-                <a14:hiddenLine xmlns="" xmlns:a14="http://schemas.microsoft.com/office/drawing/2010/main" w="9525">
+                <a14:hiddenLine xmlns:a14="http://schemas.microsoft.com/office/drawing/2010/main" xmlns="" w="9525">
                   <a:solidFill>
                     <a:srgbClr val="000000"/>
                   </a:solidFill>
@@ -1247,7 +4680,7 @@
             </a:ln>
             <a:extLst>
               <a:ext uri="{91240B29-F687-4f45-9708-019B960494DF}">
-                <a14:hiddenLine xmlns="" xmlns:a14="http://schemas.microsoft.com/office/drawing/2010/main" w="9525">
+                <a14:hiddenLine xmlns:a14="http://schemas.microsoft.com/office/drawing/2010/main" xmlns="" w="9525">
                   <a:solidFill>
                     <a:srgbClr val="000000"/>
                   </a:solidFill>
@@ -1309,7 +4742,7 @@
             </a:ln>
             <a:extLst>
               <a:ext uri="{91240B29-F687-4f45-9708-019B960494DF}">
-                <a14:hiddenLine xmlns="" xmlns:a14="http://schemas.microsoft.com/office/drawing/2010/main" w="9525">
+                <a14:hiddenLine xmlns:a14="http://schemas.microsoft.com/office/drawing/2010/main" xmlns="" w="9525">
                   <a:solidFill>
                     <a:srgbClr val="000000"/>
                   </a:solidFill>
@@ -1399,7 +4832,7 @@
             </a:ln>
             <a:extLst>
               <a:ext uri="{91240B29-F687-4f45-9708-019B960494DF}">
-                <a14:hiddenLine xmlns="" xmlns:a14="http://schemas.microsoft.com/office/drawing/2010/main" w="9525">
+                <a14:hiddenLine xmlns:a14="http://schemas.microsoft.com/office/drawing/2010/main" xmlns="" w="9525">
                   <a:solidFill>
                     <a:srgbClr val="000000"/>
                   </a:solidFill>
@@ -1461,7 +4894,7 @@
             </a:ln>
             <a:extLst>
               <a:ext uri="{91240B29-F687-4f45-9708-019B960494DF}">
-                <a14:hiddenLine xmlns="" xmlns:a14="http://schemas.microsoft.com/office/drawing/2010/main" w="9525">
+                <a14:hiddenLine xmlns:a14="http://schemas.microsoft.com/office/drawing/2010/main" xmlns="" w="9525">
                   <a:solidFill>
                     <a:srgbClr val="000000"/>
                   </a:solidFill>
@@ -1523,7 +4956,7 @@
             </a:ln>
             <a:extLst>
               <a:ext uri="{91240B29-F687-4f45-9708-019B960494DF}">
-                <a14:hiddenLine xmlns="" xmlns:a14="http://schemas.microsoft.com/office/drawing/2010/main" w="9525">
+                <a14:hiddenLine xmlns:a14="http://schemas.microsoft.com/office/drawing/2010/main" xmlns="" w="9525">
                   <a:solidFill>
                     <a:srgbClr val="000000"/>
                   </a:solidFill>
@@ -1613,7 +5046,7 @@
             </a:ln>
             <a:extLst>
               <a:ext uri="{91240B29-F687-4f45-9708-019B960494DF}">
-                <a14:hiddenLine xmlns="" xmlns:a14="http://schemas.microsoft.com/office/drawing/2010/main" w="9525">
+                <a14:hiddenLine xmlns:a14="http://schemas.microsoft.com/office/drawing/2010/main" xmlns="" w="9525">
                   <a:solidFill>
                     <a:srgbClr val="000000"/>
                   </a:solidFill>
@@ -1703,7 +5136,7 @@
             </a:ln>
             <a:extLst>
               <a:ext uri="{91240B29-F687-4f45-9708-019B960494DF}">
-                <a14:hiddenLine xmlns="" xmlns:a14="http://schemas.microsoft.com/office/drawing/2010/main" w="9525">
+                <a14:hiddenLine xmlns:a14="http://schemas.microsoft.com/office/drawing/2010/main" xmlns="" w="9525">
                   <a:solidFill>
                     <a:srgbClr val="000000"/>
                   </a:solidFill>
@@ -1765,7 +5198,7 @@
             </a:ln>
             <a:extLst>
               <a:ext uri="{91240B29-F687-4f45-9708-019B960494DF}">
-                <a14:hiddenLine xmlns="" xmlns:a14="http://schemas.microsoft.com/office/drawing/2010/main" w="9525">
+                <a14:hiddenLine xmlns:a14="http://schemas.microsoft.com/office/drawing/2010/main" xmlns="" w="9525">
                   <a:solidFill>
                     <a:srgbClr val="000000"/>
                   </a:solidFill>
@@ -1875,7 +5308,7 @@
             </a:ln>
             <a:extLst>
               <a:ext uri="{91240B29-F687-4f45-9708-019B960494DF}">
-                <a14:hiddenLine xmlns="" xmlns:a14="http://schemas.microsoft.com/office/drawing/2010/main" w="9525">
+                <a14:hiddenLine xmlns:a14="http://schemas.microsoft.com/office/drawing/2010/main" xmlns="" w="9525">
                   <a:solidFill>
                     <a:srgbClr val="000000"/>
                   </a:solidFill>
@@ -1937,7 +5370,7 @@
             </a:ln>
             <a:extLst>
               <a:ext uri="{91240B29-F687-4f45-9708-019B960494DF}">
-                <a14:hiddenLine xmlns="" xmlns:a14="http://schemas.microsoft.com/office/drawing/2010/main" w="9525">
+                <a14:hiddenLine xmlns:a14="http://schemas.microsoft.com/office/drawing/2010/main" xmlns="" w="9525">
                   <a:solidFill>
                     <a:srgbClr val="000000"/>
                   </a:solidFill>
@@ -2027,7 +5460,7 @@
             </a:ln>
             <a:extLst>
               <a:ext uri="{91240B29-F687-4f45-9708-019B960494DF}">
-                <a14:hiddenLine xmlns="" xmlns:a14="http://schemas.microsoft.com/office/drawing/2010/main" w="9525">
+                <a14:hiddenLine xmlns:a14="http://schemas.microsoft.com/office/drawing/2010/main" xmlns="" w="9525">
                   <a:solidFill>
                     <a:srgbClr val="000000"/>
                   </a:solidFill>
@@ -2117,7 +5550,7 @@
             </a:ln>
             <a:extLst>
               <a:ext uri="{91240B29-F687-4f45-9708-019B960494DF}">
-                <a14:hiddenLine xmlns="" xmlns:a14="http://schemas.microsoft.com/office/drawing/2010/main" w="9525">
+                <a14:hiddenLine xmlns:a14="http://schemas.microsoft.com/office/drawing/2010/main" xmlns="" w="9525">
                   <a:solidFill>
                     <a:srgbClr val="000000"/>
                   </a:solidFill>
@@ -2179,7 +5612,7 @@
             </a:ln>
             <a:extLst>
               <a:ext uri="{91240B29-F687-4f45-9708-019B960494DF}">
-                <a14:hiddenLine xmlns="" xmlns:a14="http://schemas.microsoft.com/office/drawing/2010/main" w="9525">
+                <a14:hiddenLine xmlns:a14="http://schemas.microsoft.com/office/drawing/2010/main" xmlns="" w="9525">
                   <a:solidFill>
                     <a:srgbClr val="000000"/>
                   </a:solidFill>
@@ -2269,7 +5702,7 @@
             </a:ln>
             <a:extLst>
               <a:ext uri="{91240B29-F687-4f45-9708-019B960494DF}">
-                <a14:hiddenLine xmlns="" xmlns:a14="http://schemas.microsoft.com/office/drawing/2010/main" w="9525">
+                <a14:hiddenLine xmlns:a14="http://schemas.microsoft.com/office/drawing/2010/main" xmlns="" w="9525">
                   <a:solidFill>
                     <a:srgbClr val="000000"/>
                   </a:solidFill>
@@ -2359,7 +5792,7 @@
             </a:ln>
             <a:extLst>
               <a:ext uri="{91240B29-F687-4f45-9708-019B960494DF}">
-                <a14:hiddenLine xmlns="" xmlns:a14="http://schemas.microsoft.com/office/drawing/2010/main" w="9525">
+                <a14:hiddenLine xmlns:a14="http://schemas.microsoft.com/office/drawing/2010/main" xmlns="" w="9525">
                   <a:solidFill>
                     <a:srgbClr val="000000"/>
                   </a:solidFill>
@@ -2415,7 +5848,7 @@
             </a:ln>
             <a:extLst>
               <a:ext uri="{91240B29-F687-4f45-9708-019B960494DF}">
-                <a14:hiddenLine xmlns="" xmlns:a14="http://schemas.microsoft.com/office/drawing/2010/main" w="9525">
+                <a14:hiddenLine xmlns:a14="http://schemas.microsoft.com/office/drawing/2010/main" xmlns="" w="9525">
                   <a:solidFill>
                     <a:srgbClr val="000000"/>
                   </a:solidFill>
@@ -2505,7 +5938,7 @@
             </a:ln>
             <a:extLst>
               <a:ext uri="{91240B29-F687-4f45-9708-019B960494DF}">
-                <a14:hiddenLine xmlns="" xmlns:a14="http://schemas.microsoft.com/office/drawing/2010/main" w="9525">
+                <a14:hiddenLine xmlns:a14="http://schemas.microsoft.com/office/drawing/2010/main" xmlns="" w="9525">
                   <a:solidFill>
                     <a:srgbClr val="000000"/>
                   </a:solidFill>
@@ -2561,7 +5994,7 @@
             </a:ln>
             <a:extLst>
               <a:ext uri="{91240B29-F687-4f45-9708-019B960494DF}">
-                <a14:hiddenLine xmlns="" xmlns:a14="http://schemas.microsoft.com/office/drawing/2010/main" w="9525">
+                <a14:hiddenLine xmlns:a14="http://schemas.microsoft.com/office/drawing/2010/main" xmlns="" w="9525">
                   <a:solidFill>
                     <a:srgbClr val="000000"/>
                   </a:solidFill>
@@ -2651,7 +6084,7 @@
             </a:ln>
             <a:extLst>
               <a:ext uri="{91240B29-F687-4f45-9708-019B960494DF}">
-                <a14:hiddenLine xmlns="" xmlns:a14="http://schemas.microsoft.com/office/drawing/2010/main" w="9525">
+                <a14:hiddenLine xmlns:a14="http://schemas.microsoft.com/office/drawing/2010/main" xmlns="" w="9525">
                   <a:solidFill>
                     <a:srgbClr val="000000"/>
                   </a:solidFill>
@@ -2719,7 +6152,7 @@
             </a:ln>
             <a:extLst>
               <a:ext uri="{91240B29-F687-4f45-9708-019B960494DF}">
-                <a14:hiddenLine xmlns="" xmlns:a14="http://schemas.microsoft.com/office/drawing/2010/main" w="9525">
+                <a14:hiddenLine xmlns:a14="http://schemas.microsoft.com/office/drawing/2010/main" xmlns="" w="9525">
                   <a:solidFill>
                     <a:srgbClr val="000000"/>
                   </a:solidFill>
@@ -2809,7 +6242,7 @@
             </a:ln>
             <a:extLst>
               <a:ext uri="{91240B29-F687-4f45-9708-019B960494DF}">
-                <a14:hiddenLine xmlns="" xmlns:a14="http://schemas.microsoft.com/office/drawing/2010/main" w="9525">
+                <a14:hiddenLine xmlns:a14="http://schemas.microsoft.com/office/drawing/2010/main" xmlns="" w="9525">
                   <a:solidFill>
                     <a:srgbClr val="000000"/>
                   </a:solidFill>
@@ -2877,7 +6310,7 @@
             </a:ln>
             <a:extLst>
               <a:ext uri="{91240B29-F687-4f45-9708-019B960494DF}">
-                <a14:hiddenLine xmlns="" xmlns:a14="http://schemas.microsoft.com/office/drawing/2010/main" w="9525">
+                <a14:hiddenLine xmlns:a14="http://schemas.microsoft.com/office/drawing/2010/main" xmlns="" w="9525">
                   <a:solidFill>
                     <a:srgbClr val="000000"/>
                   </a:solidFill>
@@ -2967,7 +6400,7 @@
             </a:ln>
             <a:extLst>
               <a:ext uri="{91240B29-F687-4f45-9708-019B960494DF}">
-                <a14:hiddenLine xmlns="" xmlns:a14="http://schemas.microsoft.com/office/drawing/2010/main" w="9525">
+                <a14:hiddenLine xmlns:a14="http://schemas.microsoft.com/office/drawing/2010/main" xmlns="" w="9525">
                   <a:solidFill>
                     <a:srgbClr val="000000"/>
                   </a:solidFill>
@@ -3001,7 +6434,7 @@
             </a:ln>
             <a:extLst>
               <a:ext uri="{91240B29-F687-4f45-9708-019B960494DF}">
-                <a14:hiddenLine xmlns="" xmlns:a14="http://schemas.microsoft.com/office/drawing/2010/main" w="9525">
+                <a14:hiddenLine xmlns:a14="http://schemas.microsoft.com/office/drawing/2010/main" xmlns="" w="9525">
                   <a:solidFill>
                     <a:srgbClr val="000000"/>
                   </a:solidFill>
@@ -3091,7 +6524,7 @@
             </a:ln>
             <a:extLst>
               <a:ext uri="{91240B29-F687-4f45-9708-019B960494DF}">
-                <a14:hiddenLine xmlns="" xmlns:a14="http://schemas.microsoft.com/office/drawing/2010/main" w="9525">
+                <a14:hiddenLine xmlns:a14="http://schemas.microsoft.com/office/drawing/2010/main" xmlns="" w="9525">
                   <a:solidFill>
                     <a:srgbClr val="000000"/>
                   </a:solidFill>
@@ -3153,7 +6586,7 @@
             </a:ln>
             <a:extLst>
               <a:ext uri="{91240B29-F687-4f45-9708-019B960494DF}">
-                <a14:hiddenLine xmlns="" xmlns:a14="http://schemas.microsoft.com/office/drawing/2010/main" w="9525">
+                <a14:hiddenLine xmlns:a14="http://schemas.microsoft.com/office/drawing/2010/main" xmlns="" w="9525">
                   <a:solidFill>
                     <a:srgbClr val="000000"/>
                   </a:solidFill>
@@ -3215,7 +6648,7 @@
             </a:ln>
             <a:extLst>
               <a:ext uri="{91240B29-F687-4f45-9708-019B960494DF}">
-                <a14:hiddenLine xmlns="" xmlns:a14="http://schemas.microsoft.com/office/drawing/2010/main" w="9525">
+                <a14:hiddenLine xmlns:a14="http://schemas.microsoft.com/office/drawing/2010/main" xmlns="" w="9525">
                   <a:solidFill>
                     <a:srgbClr val="000000"/>
                   </a:solidFill>
@@ -3305,7 +6738,7 @@
             </a:ln>
             <a:extLst>
               <a:ext uri="{91240B29-F687-4f45-9708-019B960494DF}">
-                <a14:hiddenLine xmlns="" xmlns:a14="http://schemas.microsoft.com/office/drawing/2010/main" w="9525">
+                <a14:hiddenLine xmlns:a14="http://schemas.microsoft.com/office/drawing/2010/main" xmlns="" w="9525">
                   <a:solidFill>
                     <a:srgbClr val="000000"/>
                   </a:solidFill>
@@ -3373,7 +6806,7 @@
             </a:ln>
             <a:extLst>
               <a:ext uri="{91240B29-F687-4f45-9708-019B960494DF}">
-                <a14:hiddenLine xmlns="" xmlns:a14="http://schemas.microsoft.com/office/drawing/2010/main" w="9525">
+                <a14:hiddenLine xmlns:a14="http://schemas.microsoft.com/office/drawing/2010/main" xmlns="" w="9525">
                   <a:solidFill>
                     <a:srgbClr val="000000"/>
                   </a:solidFill>
@@ -3435,7 +6868,7 @@
             </a:ln>
             <a:extLst>
               <a:ext uri="{91240B29-F687-4f45-9708-019B960494DF}">
-                <a14:hiddenLine xmlns="" xmlns:a14="http://schemas.microsoft.com/office/drawing/2010/main" w="9525">
+                <a14:hiddenLine xmlns:a14="http://schemas.microsoft.com/office/drawing/2010/main" xmlns="" w="9525">
                   <a:solidFill>
                     <a:srgbClr val="000000"/>
                   </a:solidFill>
@@ -3525,7 +6958,7 @@
             </a:ln>
             <a:extLst>
               <a:ext uri="{91240B29-F687-4f45-9708-019B960494DF}">
-                <a14:hiddenLine xmlns="" xmlns:a14="http://schemas.microsoft.com/office/drawing/2010/main" w="9525">
+                <a14:hiddenLine xmlns:a14="http://schemas.microsoft.com/office/drawing/2010/main" xmlns="" w="9525">
                   <a:solidFill>
                     <a:srgbClr val="000000"/>
                   </a:solidFill>
@@ -3587,7 +7020,7 @@
             </a:ln>
             <a:extLst>
               <a:ext uri="{91240B29-F687-4f45-9708-019B960494DF}">
-                <a14:hiddenLine xmlns="" xmlns:a14="http://schemas.microsoft.com/office/drawing/2010/main" w="9525">
+                <a14:hiddenLine xmlns:a14="http://schemas.microsoft.com/office/drawing/2010/main" xmlns="" w="9525">
                   <a:solidFill>
                     <a:srgbClr val="000000"/>
                   </a:solidFill>
@@ -3677,7 +7110,7 @@
             </a:ln>
             <a:extLst>
               <a:ext uri="{91240B29-F687-4f45-9708-019B960494DF}">
-                <a14:hiddenLine xmlns="" xmlns:a14="http://schemas.microsoft.com/office/drawing/2010/main" w="9525">
+                <a14:hiddenLine xmlns:a14="http://schemas.microsoft.com/office/drawing/2010/main" xmlns="" w="9525">
                   <a:solidFill>
                     <a:srgbClr val="000000"/>
                   </a:solidFill>
@@ -3739,7 +7172,7 @@
             </a:ln>
             <a:extLst>
               <a:ext uri="{91240B29-F687-4f45-9708-019B960494DF}">
-                <a14:hiddenLine xmlns="" xmlns:a14="http://schemas.microsoft.com/office/drawing/2010/main" w="9525">
+                <a14:hiddenLine xmlns:a14="http://schemas.microsoft.com/office/drawing/2010/main" xmlns="" w="9525">
                   <a:solidFill>
                     <a:srgbClr val="000000"/>
                   </a:solidFill>
@@ -3829,7 +7262,7 @@
             </a:ln>
             <a:extLst>
               <a:ext uri="{91240B29-F687-4f45-9708-019B960494DF}">
-                <a14:hiddenLine xmlns="" xmlns:a14="http://schemas.microsoft.com/office/drawing/2010/main" w="9525">
+                <a14:hiddenLine xmlns:a14="http://schemas.microsoft.com/office/drawing/2010/main" xmlns="" w="9525">
                   <a:solidFill>
                     <a:srgbClr val="000000"/>
                   </a:solidFill>
@@ -3863,7 +7296,7 @@
             </a:ln>
             <a:extLst>
               <a:ext uri="{91240B29-F687-4f45-9708-019B960494DF}">
-                <a14:hiddenLine xmlns="" xmlns:a14="http://schemas.microsoft.com/office/drawing/2010/main" w="9525">
+                <a14:hiddenLine xmlns:a14="http://schemas.microsoft.com/office/drawing/2010/main" xmlns="" w="9525">
                   <a:solidFill>
                     <a:srgbClr val="000000"/>
                   </a:solidFill>
@@ -3928,7 +7361,7 @@
             </a:ln>
             <a:extLst>
               <a:ext uri="{91240B29-F687-4f45-9708-019B960494DF}">
-                <a14:hiddenLine xmlns="" xmlns:a14="http://schemas.microsoft.com/office/drawing/2010/main" w="9525">
+                <a14:hiddenLine xmlns:a14="http://schemas.microsoft.com/office/drawing/2010/main" xmlns="" w="9525">
                   <a:solidFill>
                     <a:srgbClr val="000000"/>
                   </a:solidFill>
@@ -4018,7 +7451,7 @@
             </a:ln>
             <a:extLst>
               <a:ext uri="{91240B29-F687-4f45-9708-019B960494DF}">
-                <a14:hiddenLine xmlns="" xmlns:a14="http://schemas.microsoft.com/office/drawing/2010/main" w="9525">
+                <a14:hiddenLine xmlns:a14="http://schemas.microsoft.com/office/drawing/2010/main" xmlns="" w="9525">
                   <a:solidFill>
                     <a:srgbClr val="000000"/>
                   </a:solidFill>
@@ -4080,7 +7513,7 @@
             </a:ln>
             <a:extLst>
               <a:ext uri="{91240B29-F687-4f45-9708-019B960494DF}">
-                <a14:hiddenLine xmlns="" xmlns:a14="http://schemas.microsoft.com/office/drawing/2010/main" w="9525">
+                <a14:hiddenLine xmlns:a14="http://schemas.microsoft.com/office/drawing/2010/main" xmlns="" w="9525">
                   <a:solidFill>
                     <a:srgbClr val="000000"/>
                   </a:solidFill>
@@ -4170,7 +7603,7 @@
             </a:ln>
             <a:extLst>
               <a:ext uri="{91240B29-F687-4f45-9708-019B960494DF}">
-                <a14:hiddenLine xmlns="" xmlns:a14="http://schemas.microsoft.com/office/drawing/2010/main" w="9525">
+                <a14:hiddenLine xmlns:a14="http://schemas.microsoft.com/office/drawing/2010/main" xmlns="" w="9525">
                   <a:solidFill>
                     <a:srgbClr val="000000"/>
                   </a:solidFill>
@@ -4260,7 +7693,7 @@
             </a:ln>
             <a:extLst>
               <a:ext uri="{91240B29-F687-4f45-9708-019B960494DF}">
-                <a14:hiddenLine xmlns="" xmlns:a14="http://schemas.microsoft.com/office/drawing/2010/main" w="9525">
+                <a14:hiddenLine xmlns:a14="http://schemas.microsoft.com/office/drawing/2010/main" xmlns="" w="9525">
                   <a:solidFill>
                     <a:srgbClr val="000000"/>
                   </a:solidFill>
@@ -4325,7 +7758,7 @@
             </a:ln>
             <a:extLst>
               <a:ext uri="{91240B29-F687-4f45-9708-019B960494DF}">
-                <a14:hiddenLine xmlns="" xmlns:a14="http://schemas.microsoft.com/office/drawing/2010/main" w="9525">
+                <a14:hiddenLine xmlns:a14="http://schemas.microsoft.com/office/drawing/2010/main" xmlns="" w="9525">
                   <a:solidFill>
                     <a:srgbClr val="000000"/>
                   </a:solidFill>
@@ -4387,7 +7820,7 @@
             </a:ln>
             <a:extLst>
               <a:ext uri="{91240B29-F687-4f45-9708-019B960494DF}">
-                <a14:hiddenLine xmlns="" xmlns:a14="http://schemas.microsoft.com/office/drawing/2010/main" w="9525">
+                <a14:hiddenLine xmlns:a14="http://schemas.microsoft.com/office/drawing/2010/main" xmlns="" w="9525">
                   <a:solidFill>
                     <a:srgbClr val="000000"/>
                   </a:solidFill>
@@ -4477,7 +7910,7 @@
             </a:ln>
             <a:extLst>
               <a:ext uri="{91240B29-F687-4f45-9708-019B960494DF}">
-                <a14:hiddenLine xmlns="" xmlns:a14="http://schemas.microsoft.com/office/drawing/2010/main" w="9525">
+                <a14:hiddenLine xmlns:a14="http://schemas.microsoft.com/office/drawing/2010/main" xmlns="" w="9525">
                   <a:solidFill>
                     <a:srgbClr val="000000"/>
                   </a:solidFill>
@@ -4567,7 +8000,7 @@
             </a:ln>
             <a:extLst>
               <a:ext uri="{91240B29-F687-4f45-9708-019B960494DF}">
-                <a14:hiddenLine xmlns="" xmlns:a14="http://schemas.microsoft.com/office/drawing/2010/main" w="9525">
+                <a14:hiddenLine xmlns:a14="http://schemas.microsoft.com/office/drawing/2010/main" xmlns="" w="9525">
                   <a:solidFill>
                     <a:srgbClr val="000000"/>
                   </a:solidFill>
@@ -4629,7 +8062,7 @@
             </a:ln>
             <a:extLst>
               <a:ext uri="{91240B29-F687-4f45-9708-019B960494DF}">
-                <a14:hiddenLine xmlns="" xmlns:a14="http://schemas.microsoft.com/office/drawing/2010/main" w="9525">
+                <a14:hiddenLine xmlns:a14="http://schemas.microsoft.com/office/drawing/2010/main" xmlns="" w="9525">
                   <a:solidFill>
                     <a:srgbClr val="000000"/>
                   </a:solidFill>
@@ -4749,7 +8182,7 @@
             </a:ln>
             <a:extLst>
               <a:ext uri="{91240B29-F687-4f45-9708-019B960494DF}">
-                <a14:hiddenLine xmlns="" xmlns:a14="http://schemas.microsoft.com/office/drawing/2010/main" w="9525">
+                <a14:hiddenLine xmlns:a14="http://schemas.microsoft.com/office/drawing/2010/main" xmlns="" w="9525">
                   <a:solidFill>
                     <a:srgbClr val="000000"/>
                   </a:solidFill>
@@ -4817,7 +8250,7 @@
             </a:ln>
             <a:extLst>
               <a:ext uri="{91240B29-F687-4f45-9708-019B960494DF}">
-                <a14:hiddenLine xmlns="" xmlns:a14="http://schemas.microsoft.com/office/drawing/2010/main" w="9525">
+                <a14:hiddenLine xmlns:a14="http://schemas.microsoft.com/office/drawing/2010/main" xmlns="" w="9525">
                   <a:solidFill>
                     <a:srgbClr val="000000"/>
                   </a:solidFill>
@@ -4907,7 +8340,7 @@
             </a:ln>
             <a:extLst>
               <a:ext uri="{91240B29-F687-4f45-9708-019B960494DF}">
-                <a14:hiddenLine xmlns="" xmlns:a14="http://schemas.microsoft.com/office/drawing/2010/main" w="9525">
+                <a14:hiddenLine xmlns:a14="http://schemas.microsoft.com/office/drawing/2010/main" xmlns="" w="9525">
                   <a:solidFill>
                     <a:srgbClr val="000000"/>
                   </a:solidFill>
@@ -5048,7 +8481,7 @@
             <a:fld id="{B61BEF0D-F0BB-DE4B-95CE-6DB70DBA9567}" type="datetimeFigureOut">
               <a:rPr lang="en-US" smtClean="0"/>
               <a:pPr/>
-              <a:t>4/13/17</a:t>
+              <a:t>4/14/2017</a:t>
             </a:fld>
             <a:endParaRPr lang="en-US" dirty="0"/>
           </a:p>
@@ -5322,7 +8755,7 @@
             <a:fld id="{B61BEF0D-F0BB-DE4B-95CE-6DB70DBA9567}" type="datetimeFigureOut">
               <a:rPr lang="en-US" smtClean="0"/>
               <a:pPr/>
-              <a:t>4/13/17</a:t>
+              <a:t>4/14/2017</a:t>
             </a:fld>
             <a:endParaRPr lang="en-US" dirty="0"/>
           </a:p>
@@ -5520,7 +8953,7 @@
             <a:fld id="{B61BEF0D-F0BB-DE4B-95CE-6DB70DBA9567}" type="datetimeFigureOut">
               <a:rPr lang="en-US" smtClean="0"/>
               <a:pPr/>
-              <a:t>4/13/17</a:t>
+              <a:t>4/14/2017</a:t>
             </a:fld>
             <a:endParaRPr lang="en-US" dirty="0"/>
           </a:p>
@@ -5785,7 +9218,7 @@
             <a:fld id="{B61BEF0D-F0BB-DE4B-95CE-6DB70DBA9567}" type="datetimeFigureOut">
               <a:rPr lang="en-US" smtClean="0"/>
               <a:pPr/>
-              <a:t>4/13/17</a:t>
+              <a:t>4/14/2017</a:t>
             </a:fld>
             <a:endParaRPr lang="en-US" dirty="0"/>
           </a:p>
@@ -6221,7 +9654,7 @@
             <a:fld id="{B61BEF0D-F0BB-DE4B-95CE-6DB70DBA9567}" type="datetimeFigureOut">
               <a:rPr lang="en-US" smtClean="0"/>
               <a:pPr/>
-              <a:t>4/13/17</a:t>
+              <a:t>4/14/2017</a:t>
             </a:fld>
             <a:endParaRPr lang="en-US" dirty="0"/>
           </a:p>
@@ -6769,7 +10202,7 @@
             <a:fld id="{B61BEF0D-F0BB-DE4B-95CE-6DB70DBA9567}" type="datetimeFigureOut">
               <a:rPr lang="en-US" smtClean="0"/>
               <a:pPr/>
-              <a:t>4/13/17</a:t>
+              <a:t>4/14/2017</a:t>
             </a:fld>
             <a:endParaRPr lang="en-US" dirty="0"/>
           </a:p>
@@ -7491,7 +10924,7 @@
             <a:fld id="{B61BEF0D-F0BB-DE4B-95CE-6DB70DBA9567}" type="datetimeFigureOut">
               <a:rPr lang="en-US" smtClean="0"/>
               <a:pPr/>
-              <a:t>4/13/17</a:t>
+              <a:t>4/14/2017</a:t>
             </a:fld>
             <a:endParaRPr lang="en-US" dirty="0"/>
           </a:p>
@@ -7663,7 +11096,7 @@
             <a:fld id="{B61BEF0D-F0BB-DE4B-95CE-6DB70DBA9567}" type="datetimeFigureOut">
               <a:rPr lang="en-US" smtClean="0"/>
               <a:pPr/>
-              <a:t>4/13/17</a:t>
+              <a:t>4/14/2017</a:t>
             </a:fld>
             <a:endParaRPr lang="en-US" dirty="0"/>
           </a:p>
@@ -7845,7 +11278,7 @@
             <a:fld id="{B61BEF0D-F0BB-DE4B-95CE-6DB70DBA9567}" type="datetimeFigureOut">
               <a:rPr lang="en-US" smtClean="0"/>
               <a:pPr/>
-              <a:t>4/13/17</a:t>
+              <a:t>4/14/2017</a:t>
             </a:fld>
             <a:endParaRPr lang="en-US" dirty="0"/>
           </a:p>
@@ -8016,7 +11449,7 @@
           <a:p>
             <a:fld id="{52647F38-B617-4D2F-AE0A-013F0C4D2C57}" type="datetimeFigureOut">
               <a:rPr lang="en-US" smtClean="0"/>
-              <a:t>4/13/17</a:t>
+              <a:t>4/14/2017</a:t>
             </a:fld>
             <a:endParaRPr lang="en-US" dirty="0"/>
           </a:p>
@@ -8267,7 +11700,7 @@
             <a:fld id="{B61BEF0D-F0BB-DE4B-95CE-6DB70DBA9567}" type="datetimeFigureOut">
               <a:rPr lang="en-US" smtClean="0"/>
               <a:pPr/>
-              <a:t>4/13/17</a:t>
+              <a:t>4/14/2017</a:t>
             </a:fld>
             <a:endParaRPr lang="en-US" dirty="0"/>
           </a:p>
@@ -8500,7 +11933,7 @@
           <a:p>
             <a:fld id="{05BFA754-D5C3-4E66-96A6-867B257F58DC}" type="datetimeFigureOut">
               <a:rPr lang="en-US" smtClean="0"/>
-              <a:t>4/13/17</a:t>
+              <a:t>4/14/2017</a:t>
             </a:fld>
             <a:endParaRPr lang="en-US" dirty="0"/>
           </a:p>
@@ -8882,7 +12315,7 @@
             <a:fld id="{B61BEF0D-F0BB-DE4B-95CE-6DB70DBA9567}" type="datetimeFigureOut">
               <a:rPr lang="en-US" smtClean="0"/>
               <a:pPr/>
-              <a:t>4/13/17</a:t>
+              <a:t>4/14/2017</a:t>
             </a:fld>
             <a:endParaRPr lang="en-US" dirty="0"/>
           </a:p>
@@ -9002,7 +12435,7 @@
             <a:fld id="{B61BEF0D-F0BB-DE4B-95CE-6DB70DBA9567}" type="datetimeFigureOut">
               <a:rPr lang="en-US" smtClean="0"/>
               <a:pPr/>
-              <a:t>4/13/17</a:t>
+              <a:t>4/14/2017</a:t>
             </a:fld>
             <a:endParaRPr lang="en-US" dirty="0"/>
           </a:p>
@@ -9099,7 +12532,7 @@
             <a:fld id="{B61BEF0D-F0BB-DE4B-95CE-6DB70DBA9567}" type="datetimeFigureOut">
               <a:rPr lang="en-US" smtClean="0"/>
               <a:pPr/>
-              <a:t>4/13/17</a:t>
+              <a:t>4/14/2017</a:t>
             </a:fld>
             <a:endParaRPr lang="en-US" dirty="0"/>
           </a:p>
@@ -9355,7 +12788,7 @@
             <a:fld id="{B61BEF0D-F0BB-DE4B-95CE-6DB70DBA9567}" type="datetimeFigureOut">
               <a:rPr lang="en-US" smtClean="0"/>
               <a:pPr/>
-              <a:t>4/13/17</a:t>
+              <a:t>4/14/2017</a:t>
             </a:fld>
             <a:endParaRPr lang="en-US" dirty="0"/>
           </a:p>
@@ -9642,7 +13075,7 @@
             <a:fld id="{B61BEF0D-F0BB-DE4B-95CE-6DB70DBA9567}" type="datetimeFigureOut">
               <a:rPr lang="en-US" smtClean="0"/>
               <a:pPr/>
-              <a:t>4/13/17</a:t>
+              <a:t>4/14/2017</a:t>
             </a:fld>
             <a:endParaRPr lang="en-US" dirty="0"/>
           </a:p>
@@ -9766,7 +13199,7 @@
           <a:noFill/>
           <a:extLst>
             <a:ext uri="{909E8E84-426E-40dd-AFC4-6F175D3DCCD1}">
-              <a14:hiddenFill xmlns="" xmlns:a14="http://schemas.microsoft.com/office/drawing/2010/main">
+              <a14:hiddenFill xmlns:a14="http://schemas.microsoft.com/office/drawing/2010/main" xmlns="">
                 <a:solidFill>
                   <a:srgbClr val="FFFFFF"/>
                 </a:solidFill>
@@ -9840,7 +13273,7 @@
               </a:ln>
               <a:extLst>
                 <a:ext uri="{91240B29-F687-4f45-9708-019B960494DF}">
-                  <a14:hiddenLine xmlns="" xmlns:a14="http://schemas.microsoft.com/office/drawing/2010/main" w="9525">
+                  <a14:hiddenLine xmlns:a14="http://schemas.microsoft.com/office/drawing/2010/main" xmlns="" w="9525">
                     <a:solidFill>
                       <a:srgbClr val="000000"/>
                     </a:solidFill>
@@ -9930,7 +13363,7 @@
               </a:ln>
               <a:extLst>
                 <a:ext uri="{91240B29-F687-4f45-9708-019B960494DF}">
-                  <a14:hiddenLine xmlns="" xmlns:a14="http://schemas.microsoft.com/office/drawing/2010/main" w="9525">
+                  <a14:hiddenLine xmlns:a14="http://schemas.microsoft.com/office/drawing/2010/main" xmlns="" w="9525">
                     <a:solidFill>
                       <a:srgbClr val="000000"/>
                     </a:solidFill>
@@ -10020,7 +13453,7 @@
               </a:ln>
               <a:extLst>
                 <a:ext uri="{91240B29-F687-4f45-9708-019B960494DF}">
-                  <a14:hiddenLine xmlns="" xmlns:a14="http://schemas.microsoft.com/office/drawing/2010/main" w="9525">
+                  <a14:hiddenLine xmlns:a14="http://schemas.microsoft.com/office/drawing/2010/main" xmlns="" w="9525">
                     <a:solidFill>
                       <a:srgbClr val="000000"/>
                     </a:solidFill>
@@ -10082,7 +13515,7 @@
               </a:ln>
               <a:extLst>
                 <a:ext uri="{91240B29-F687-4f45-9708-019B960494DF}">
-                  <a14:hiddenLine xmlns="" xmlns:a14="http://schemas.microsoft.com/office/drawing/2010/main" w="9525">
+                  <a14:hiddenLine xmlns:a14="http://schemas.microsoft.com/office/drawing/2010/main" xmlns="" w="9525">
                     <a:solidFill>
                       <a:srgbClr val="000000"/>
                     </a:solidFill>
@@ -10172,7 +13605,7 @@
               </a:ln>
               <a:extLst>
                 <a:ext uri="{91240B29-F687-4f45-9708-019B960494DF}">
-                  <a14:hiddenLine xmlns="" xmlns:a14="http://schemas.microsoft.com/office/drawing/2010/main" w="9525">
+                  <a14:hiddenLine xmlns:a14="http://schemas.microsoft.com/office/drawing/2010/main" xmlns="" w="9525">
                     <a:solidFill>
                       <a:srgbClr val="000000"/>
                     </a:solidFill>
@@ -10234,7 +13667,7 @@
               </a:ln>
               <a:extLst>
                 <a:ext uri="{91240B29-F687-4f45-9708-019B960494DF}">
-                  <a14:hiddenLine xmlns="" xmlns:a14="http://schemas.microsoft.com/office/drawing/2010/main" w="9525">
+                  <a14:hiddenLine xmlns:a14="http://schemas.microsoft.com/office/drawing/2010/main" xmlns="" w="9525">
                     <a:solidFill>
                       <a:srgbClr val="000000"/>
                     </a:solidFill>
@@ -10296,7 +13729,7 @@
               </a:ln>
               <a:extLst>
                 <a:ext uri="{91240B29-F687-4f45-9708-019B960494DF}">
-                  <a14:hiddenLine xmlns="" xmlns:a14="http://schemas.microsoft.com/office/drawing/2010/main" w="9525">
+                  <a14:hiddenLine xmlns:a14="http://schemas.microsoft.com/office/drawing/2010/main" xmlns="" w="9525">
                     <a:solidFill>
                       <a:srgbClr val="000000"/>
                     </a:solidFill>
@@ -10386,7 +13819,7 @@
               </a:ln>
               <a:extLst>
                 <a:ext uri="{91240B29-F687-4f45-9708-019B960494DF}">
-                  <a14:hiddenLine xmlns="" xmlns:a14="http://schemas.microsoft.com/office/drawing/2010/main" w="9525">
+                  <a14:hiddenLine xmlns:a14="http://schemas.microsoft.com/office/drawing/2010/main" xmlns="" w="9525">
                     <a:solidFill>
                       <a:srgbClr val="000000"/>
                     </a:solidFill>
@@ -10476,7 +13909,7 @@
               </a:ln>
               <a:extLst>
                 <a:ext uri="{91240B29-F687-4f45-9708-019B960494DF}">
-                  <a14:hiddenLine xmlns="" xmlns:a14="http://schemas.microsoft.com/office/drawing/2010/main" w="9525">
+                  <a14:hiddenLine xmlns:a14="http://schemas.microsoft.com/office/drawing/2010/main" xmlns="" w="9525">
                     <a:solidFill>
                       <a:srgbClr val="000000"/>
                     </a:solidFill>
@@ -10538,7 +13971,7 @@
               </a:ln>
               <a:extLst>
                 <a:ext uri="{91240B29-F687-4f45-9708-019B960494DF}">
-                  <a14:hiddenLine xmlns="" xmlns:a14="http://schemas.microsoft.com/office/drawing/2010/main" w="9525">
+                  <a14:hiddenLine xmlns:a14="http://schemas.microsoft.com/office/drawing/2010/main" xmlns="" w="9525">
                     <a:solidFill>
                       <a:srgbClr val="000000"/>
                     </a:solidFill>
@@ -10648,7 +14081,7 @@
               </a:ln>
               <a:extLst>
                 <a:ext uri="{91240B29-F687-4f45-9708-019B960494DF}">
-                  <a14:hiddenLine xmlns="" xmlns:a14="http://schemas.microsoft.com/office/drawing/2010/main" w="9525">
+                  <a14:hiddenLine xmlns:a14="http://schemas.microsoft.com/office/drawing/2010/main" xmlns="" w="9525">
                     <a:solidFill>
                       <a:srgbClr val="000000"/>
                     </a:solidFill>
@@ -10732,7 +14165,7 @@
               </a:ln>
               <a:extLst>
                 <a:ext uri="{91240B29-F687-4f45-9708-019B960494DF}">
-                  <a14:hiddenLine xmlns="" xmlns:a14="http://schemas.microsoft.com/office/drawing/2010/main" w="9525">
+                  <a14:hiddenLine xmlns:a14="http://schemas.microsoft.com/office/drawing/2010/main" xmlns="" w="9525">
                     <a:solidFill>
                       <a:srgbClr val="000000"/>
                     </a:solidFill>
@@ -10794,7 +14227,7 @@
               </a:ln>
               <a:extLst>
                 <a:ext uri="{91240B29-F687-4f45-9708-019B960494DF}">
-                  <a14:hiddenLine xmlns="" xmlns:a14="http://schemas.microsoft.com/office/drawing/2010/main" w="9525">
+                  <a14:hiddenLine xmlns:a14="http://schemas.microsoft.com/office/drawing/2010/main" xmlns="" w="9525">
                     <a:solidFill>
                       <a:srgbClr val="000000"/>
                     </a:solidFill>
@@ -10856,7 +14289,7 @@
               </a:ln>
               <a:extLst>
                 <a:ext uri="{91240B29-F687-4f45-9708-019B960494DF}">
-                  <a14:hiddenLine xmlns="" xmlns:a14="http://schemas.microsoft.com/office/drawing/2010/main" w="9525">
+                  <a14:hiddenLine xmlns:a14="http://schemas.microsoft.com/office/drawing/2010/main" xmlns="" w="9525">
                     <a:solidFill>
                       <a:srgbClr val="000000"/>
                     </a:solidFill>
@@ -10946,7 +14379,7 @@
               </a:ln>
               <a:extLst>
                 <a:ext uri="{91240B29-F687-4f45-9708-019B960494DF}">
-                  <a14:hiddenLine xmlns="" xmlns:a14="http://schemas.microsoft.com/office/drawing/2010/main" w="9525">
+                  <a14:hiddenLine xmlns:a14="http://schemas.microsoft.com/office/drawing/2010/main" xmlns="" w="9525">
                     <a:solidFill>
                       <a:srgbClr val="000000"/>
                     </a:solidFill>
@@ -10980,7 +14413,7 @@
               </a:ln>
               <a:extLst>
                 <a:ext uri="{91240B29-F687-4f45-9708-019B960494DF}">
-                  <a14:hiddenLine xmlns="" xmlns:a14="http://schemas.microsoft.com/office/drawing/2010/main" w="9525">
+                  <a14:hiddenLine xmlns:a14="http://schemas.microsoft.com/office/drawing/2010/main" xmlns="" w="9525">
                     <a:solidFill>
                       <a:srgbClr val="000000"/>
                     </a:solidFill>
@@ -11045,7 +14478,7 @@
               </a:ln>
               <a:extLst>
                 <a:ext uri="{91240B29-F687-4f45-9708-019B960494DF}">
-                  <a14:hiddenLine xmlns="" xmlns:a14="http://schemas.microsoft.com/office/drawing/2010/main" w="9525">
+                  <a14:hiddenLine xmlns:a14="http://schemas.microsoft.com/office/drawing/2010/main" xmlns="" w="9525">
                     <a:solidFill>
                       <a:srgbClr val="000000"/>
                     </a:solidFill>
@@ -11135,7 +14568,7 @@
               </a:ln>
               <a:extLst>
                 <a:ext uri="{91240B29-F687-4f45-9708-019B960494DF}">
-                  <a14:hiddenLine xmlns="" xmlns:a14="http://schemas.microsoft.com/office/drawing/2010/main" w="9525">
+                  <a14:hiddenLine xmlns:a14="http://schemas.microsoft.com/office/drawing/2010/main" xmlns="" w="9525">
                     <a:solidFill>
                       <a:srgbClr val="000000"/>
                     </a:solidFill>
@@ -11197,7 +14630,7 @@
               </a:ln>
               <a:extLst>
                 <a:ext uri="{91240B29-F687-4f45-9708-019B960494DF}">
-                  <a14:hiddenLine xmlns="" xmlns:a14="http://schemas.microsoft.com/office/drawing/2010/main" w="9525">
+                  <a14:hiddenLine xmlns:a14="http://schemas.microsoft.com/office/drawing/2010/main" xmlns="" w="9525">
                     <a:solidFill>
                       <a:srgbClr val="000000"/>
                     </a:solidFill>
@@ -11287,7 +14720,7 @@
               </a:ln>
               <a:extLst>
                 <a:ext uri="{91240B29-F687-4f45-9708-019B960494DF}">
-                  <a14:hiddenLine xmlns="" xmlns:a14="http://schemas.microsoft.com/office/drawing/2010/main" w="9525">
+                  <a14:hiddenLine xmlns:a14="http://schemas.microsoft.com/office/drawing/2010/main" xmlns="" w="9525">
                     <a:solidFill>
                       <a:srgbClr val="000000"/>
                     </a:solidFill>
@@ -11352,7 +14785,7 @@
               </a:ln>
               <a:extLst>
                 <a:ext uri="{91240B29-F687-4f45-9708-019B960494DF}">
-                  <a14:hiddenLine xmlns="" xmlns:a14="http://schemas.microsoft.com/office/drawing/2010/main" w="9525">
+                  <a14:hiddenLine xmlns:a14="http://schemas.microsoft.com/office/drawing/2010/main" xmlns="" w="9525">
                     <a:solidFill>
                       <a:srgbClr val="000000"/>
                     </a:solidFill>
@@ -11414,7 +14847,7 @@
               </a:ln>
               <a:extLst>
                 <a:ext uri="{91240B29-F687-4f45-9708-019B960494DF}">
-                  <a14:hiddenLine xmlns="" xmlns:a14="http://schemas.microsoft.com/office/drawing/2010/main" w="9525">
+                  <a14:hiddenLine xmlns:a14="http://schemas.microsoft.com/office/drawing/2010/main" xmlns="" w="9525">
                     <a:solidFill>
                       <a:srgbClr val="000000"/>
                     </a:solidFill>
@@ -11504,7 +14937,7 @@
               </a:ln>
               <a:extLst>
                 <a:ext uri="{91240B29-F687-4f45-9708-019B960494DF}">
-                  <a14:hiddenLine xmlns="" xmlns:a14="http://schemas.microsoft.com/office/drawing/2010/main" w="9525">
+                  <a14:hiddenLine xmlns:a14="http://schemas.microsoft.com/office/drawing/2010/main" xmlns="" w="9525">
                     <a:solidFill>
                       <a:srgbClr val="000000"/>
                     </a:solidFill>
@@ -11594,7 +15027,7 @@
               </a:ln>
               <a:extLst>
                 <a:ext uri="{91240B29-F687-4f45-9708-019B960494DF}">
-                  <a14:hiddenLine xmlns="" xmlns:a14="http://schemas.microsoft.com/office/drawing/2010/main" w="9525">
+                  <a14:hiddenLine xmlns:a14="http://schemas.microsoft.com/office/drawing/2010/main" xmlns="" w="9525">
                     <a:solidFill>
                       <a:srgbClr val="000000"/>
                     </a:solidFill>
@@ -11659,7 +15092,7 @@
               </a:ln>
               <a:extLst>
                 <a:ext uri="{91240B29-F687-4f45-9708-019B960494DF}">
-                  <a14:hiddenLine xmlns="" xmlns:a14="http://schemas.microsoft.com/office/drawing/2010/main" w="9525">
+                  <a14:hiddenLine xmlns:a14="http://schemas.microsoft.com/office/drawing/2010/main" xmlns="" w="9525">
                     <a:solidFill>
                       <a:srgbClr val="000000"/>
                     </a:solidFill>
@@ -11779,7 +15212,7 @@
               </a:ln>
               <a:extLst>
                 <a:ext uri="{91240B29-F687-4f45-9708-019B960494DF}">
-                  <a14:hiddenLine xmlns="" xmlns:a14="http://schemas.microsoft.com/office/drawing/2010/main" w="9525">
+                  <a14:hiddenLine xmlns:a14="http://schemas.microsoft.com/office/drawing/2010/main" xmlns="" w="9525">
                     <a:solidFill>
                       <a:srgbClr val="000000"/>
                     </a:solidFill>
@@ -11877,7 +15310,7 @@
               </a:ln>
               <a:extLst>
                 <a:ext uri="{91240B29-F687-4f45-9708-019B960494DF}">
-                  <a14:hiddenLine xmlns="" xmlns:a14="http://schemas.microsoft.com/office/drawing/2010/main" w="9525">
+                  <a14:hiddenLine xmlns:a14="http://schemas.microsoft.com/office/drawing/2010/main" xmlns="" w="9525">
                     <a:solidFill>
                       <a:srgbClr val="000000"/>
                     </a:solidFill>
@@ -11992,7 +15425,7 @@
               </a:ln>
               <a:extLst>
                 <a:ext uri="{91240B29-F687-4f45-9708-019B960494DF}">
-                  <a14:hiddenLine xmlns="" xmlns:a14="http://schemas.microsoft.com/office/drawing/2010/main" w="9525">
+                  <a14:hiddenLine xmlns:a14="http://schemas.microsoft.com/office/drawing/2010/main" xmlns="" w="9525">
                     <a:solidFill>
                       <a:srgbClr val="000000"/>
                     </a:solidFill>
@@ -12082,7 +15515,7 @@
               </a:ln>
               <a:extLst>
                 <a:ext uri="{91240B29-F687-4f45-9708-019B960494DF}">
-                  <a14:hiddenLine xmlns="" xmlns:a14="http://schemas.microsoft.com/office/drawing/2010/main" w="9525">
+                  <a14:hiddenLine xmlns:a14="http://schemas.microsoft.com/office/drawing/2010/main" xmlns="" w="9525">
                     <a:solidFill>
                       <a:srgbClr val="000000"/>
                     </a:solidFill>
@@ -12147,7 +15580,7 @@
               </a:ln>
               <a:extLst>
                 <a:ext uri="{91240B29-F687-4f45-9708-019B960494DF}">
-                  <a14:hiddenLine xmlns="" xmlns:a14="http://schemas.microsoft.com/office/drawing/2010/main" w="9525">
+                  <a14:hiddenLine xmlns:a14="http://schemas.microsoft.com/office/drawing/2010/main" xmlns="" w="9525">
                     <a:solidFill>
                       <a:srgbClr val="000000"/>
                     </a:solidFill>
@@ -12237,7 +15670,7 @@
               </a:ln>
               <a:extLst>
                 <a:ext uri="{91240B29-F687-4f45-9708-019B960494DF}">
-                  <a14:hiddenLine xmlns="" xmlns:a14="http://schemas.microsoft.com/office/drawing/2010/main" w="9525">
+                  <a14:hiddenLine xmlns:a14="http://schemas.microsoft.com/office/drawing/2010/main" xmlns="" w="9525">
                     <a:solidFill>
                       <a:srgbClr val="000000"/>
                     </a:solidFill>
@@ -12305,7 +15738,7 @@
               </a:ln>
               <a:extLst>
                 <a:ext uri="{91240B29-F687-4f45-9708-019B960494DF}">
-                  <a14:hiddenLine xmlns="" xmlns:a14="http://schemas.microsoft.com/office/drawing/2010/main" w="9525">
+                  <a14:hiddenLine xmlns:a14="http://schemas.microsoft.com/office/drawing/2010/main" xmlns="" w="9525">
                     <a:solidFill>
                       <a:srgbClr val="000000"/>
                     </a:solidFill>
@@ -12395,7 +15828,7 @@
               </a:ln>
               <a:extLst>
                 <a:ext uri="{91240B29-F687-4f45-9708-019B960494DF}">
-                  <a14:hiddenLine xmlns="" xmlns:a14="http://schemas.microsoft.com/office/drawing/2010/main" w="9525">
+                  <a14:hiddenLine xmlns:a14="http://schemas.microsoft.com/office/drawing/2010/main" xmlns="" w="9525">
                     <a:solidFill>
                       <a:srgbClr val="000000"/>
                     </a:solidFill>
@@ -12463,7 +15896,7 @@
               </a:ln>
               <a:extLst>
                 <a:ext uri="{91240B29-F687-4f45-9708-019B960494DF}">
-                  <a14:hiddenLine xmlns="" xmlns:a14="http://schemas.microsoft.com/office/drawing/2010/main" w="9525">
+                  <a14:hiddenLine xmlns:a14="http://schemas.microsoft.com/office/drawing/2010/main" xmlns="" w="9525">
                     <a:solidFill>
                       <a:srgbClr val="000000"/>
                     </a:solidFill>
@@ -12553,7 +15986,7 @@
               </a:ln>
               <a:extLst>
                 <a:ext uri="{91240B29-F687-4f45-9708-019B960494DF}">
-                  <a14:hiddenLine xmlns="" xmlns:a14="http://schemas.microsoft.com/office/drawing/2010/main" w="9525">
+                  <a14:hiddenLine xmlns:a14="http://schemas.microsoft.com/office/drawing/2010/main" xmlns="" w="9525">
                     <a:solidFill>
                       <a:srgbClr val="000000"/>
                     </a:solidFill>
@@ -12587,7 +16020,7 @@
               </a:ln>
               <a:extLst>
                 <a:ext uri="{91240B29-F687-4f45-9708-019B960494DF}">
-                  <a14:hiddenLine xmlns="" xmlns:a14="http://schemas.microsoft.com/office/drawing/2010/main" w="9525">
+                  <a14:hiddenLine xmlns:a14="http://schemas.microsoft.com/office/drawing/2010/main" xmlns="" w="9525">
                     <a:solidFill>
                       <a:srgbClr val="000000"/>
                     </a:solidFill>
@@ -12728,7 +16161,7 @@
             <a:fld id="{B61BEF0D-F0BB-DE4B-95CE-6DB70DBA9567}" type="datetimeFigureOut">
               <a:rPr lang="en-US" smtClean="0"/>
               <a:pPr/>
-              <a:t>4/13/17</a:t>
+              <a:t>4/14/2017</a:t>
             </a:fld>
             <a:endParaRPr lang="en-US" dirty="0"/>
           </a:p>
@@ -13266,6 +16699,100 @@
   <p:clrMapOvr>
     <a:masterClrMapping/>
   </p:clrMapOvr>
+  <mc:AlternateContent xmlns:mc="http://schemas.openxmlformats.org/markup-compatibility/2006">
+    <mc:Choice xmlns:p14="http://schemas.microsoft.com/office/powerpoint/2010/main" Requires="p14">
+      <p:transition spd="med" p14:dur="700">
+        <p:fade/>
+      </p:transition>
+    </mc:Choice>
+    <mc:Fallback>
+      <p:transition spd="med">
+        <p:fade/>
+      </p:transition>
+    </mc:Fallback>
+  </mc:AlternateContent>
+  <p:timing>
+    <p:tnLst>
+      <p:par>
+        <p:cTn id="1" dur="indefinite" restart="never" nodeType="tmRoot"/>
+      </p:par>
+    </p:tnLst>
+  </p:timing>
+</p:sld>
+</file>
+
+<file path=ppt/slides/slide10.xml><?xml version="1.0" encoding="utf-8"?>
+<p:sld xmlns:a="http://schemas.openxmlformats.org/drawingml/2006/main" xmlns:r="http://schemas.openxmlformats.org/officeDocument/2006/relationships" xmlns:p="http://schemas.openxmlformats.org/presentationml/2006/main">
+  <p:cSld>
+    <p:spTree>
+      <p:nvGrpSpPr>
+        <p:cNvPr id="1" name=""/>
+        <p:cNvGrpSpPr/>
+        <p:nvPr/>
+      </p:nvGrpSpPr>
+      <p:grpSpPr>
+        <a:xfrm>
+          <a:off x="0" y="0"/>
+          <a:ext cx="0" cy="0"/>
+          <a:chOff x="0" y="0"/>
+          <a:chExt cx="0" cy="0"/>
+        </a:xfrm>
+      </p:grpSpPr>
+      <p:sp>
+        <p:nvSpPr>
+          <p:cNvPr id="2" name="Title 1"/>
+          <p:cNvSpPr>
+            <a:spLocks noGrp="1"/>
+          </p:cNvSpPr>
+          <p:nvPr>
+            <p:ph type="title"/>
+          </p:nvPr>
+        </p:nvSpPr>
+        <p:spPr/>
+        <p:txBody>
+          <a:bodyPr/>
+          <a:lstStyle/>
+          <a:p>
+            <a:r>
+              <a:rPr lang="en-US" dirty="0" smtClean="0"/>
+              <a:t>References</a:t>
+            </a:r>
+            <a:endParaRPr lang="en-US" dirty="0"/>
+          </a:p>
+        </p:txBody>
+      </p:sp>
+      <p:sp>
+        <p:nvSpPr>
+          <p:cNvPr id="3" name="Content Placeholder 2"/>
+          <p:cNvSpPr>
+            <a:spLocks noGrp="1"/>
+          </p:cNvSpPr>
+          <p:nvPr>
+            <p:ph idx="1"/>
+          </p:nvPr>
+        </p:nvSpPr>
+        <p:spPr/>
+        <p:txBody>
+          <a:bodyPr/>
+          <a:lstStyle/>
+          <a:p>
+            <a:endParaRPr lang="en-US"/>
+          </a:p>
+        </p:txBody>
+      </p:sp>
+    </p:spTree>
+    <p:extLst>
+      <p:ext uri="{BB962C8B-B14F-4D97-AF65-F5344CB8AC3E}">
+        <p14:creationId xmlns:p14="http://schemas.microsoft.com/office/powerpoint/2010/main" val="1091630041"/>
+      </p:ext>
+    </p:extLst>
+  </p:cSld>
+  <p:clrMapOvr>
+    <a:masterClrMapping/>
+  </p:clrMapOvr>
+  <p:transition spd="slow">
+    <p:push dir="u"/>
+  </p:transition>
   <p:timing>
     <p:tnLst>
       <p:par>
@@ -13379,6 +16906,9 @@
   <p:clrMapOvr>
     <a:masterClrMapping/>
   </p:clrMapOvr>
+  <p:transition spd="slow">
+    <p:push dir="u"/>
+  </p:transition>
   <p:timing>
     <p:tnLst>
       <p:par>
@@ -13685,6 +17215,11 @@
             <a:off x="6019799" y="2097088"/>
             <a:ext cx="5879170" cy="4138592"/>
           </a:xfrm>
+          <a:ln>
+            <a:solidFill>
+              <a:schemeClr val="accent5"/>
+            </a:solidFill>
+          </a:ln>
         </p:spPr>
       </p:pic>
     </p:spTree>
@@ -13697,6 +17232,9 @@
   <p:clrMapOvr>
     <a:masterClrMapping/>
   </p:clrMapOvr>
+  <p:transition spd="slow">
+    <p:push dir="u"/>
+  </p:transition>
   <p:timing>
     <p:tnLst>
       <p:par>
@@ -13855,6 +17393,11 @@
             <a:off x="6292035" y="618518"/>
             <a:ext cx="4090418" cy="5349287"/>
           </a:xfrm>
+          <a:ln>
+            <a:solidFill>
+              <a:schemeClr val="accent5"/>
+            </a:solidFill>
+          </a:ln>
         </p:spPr>
       </p:pic>
     </p:spTree>
@@ -13867,6 +17410,9 @@
   <p:clrMapOvr>
     <a:masterClrMapping/>
   </p:clrMapOvr>
+  <p:transition spd="slow">
+    <p:push dir="u"/>
+  </p:transition>
   <p:timing>
     <p:tnLst>
       <p:par>
@@ -13911,49 +17457,47 @@
           <a:p>
             <a:r>
               <a:rPr lang="en-US" dirty="0" smtClean="0"/>
-              <a:t>Demo</a:t>
+              <a:t>Operational Flow</a:t>
             </a:r>
             <a:endParaRPr lang="en-US" dirty="0"/>
           </a:p>
         </p:txBody>
       </p:sp>
-      <p:sp>
-        <p:nvSpPr>
-          <p:cNvPr id="3" name="Content Placeholder 2"/>
-          <p:cNvSpPr>
-            <a:spLocks noGrp="1"/>
-          </p:cNvSpPr>
+      <p:graphicFrame>
+        <p:nvGraphicFramePr>
+          <p:cNvPr id="4" name="Diagram 3"/>
+          <p:cNvGraphicFramePr/>
           <p:nvPr>
-            <p:ph idx="1"/>
+            <p:extLst>
+              <p:ext uri="{D42A27DB-BD31-4B8C-83A1-F6EECF244321}">
+                <p14:modId xmlns:p14="http://schemas.microsoft.com/office/powerpoint/2010/main" val="2446719326"/>
+              </p:ext>
+            </p:extLst>
           </p:nvPr>
-        </p:nvSpPr>
-        <p:spPr/>
-        <p:txBody>
-          <a:bodyPr>
-            <a:normAutofit/>
-          </a:bodyPr>
-          <a:lstStyle/>
-          <a:p>
-            <a:r>
-              <a:rPr lang="en-US" sz="2000" dirty="0" smtClean="0"/>
-              <a:t>Video link</a:t>
-            </a:r>
-          </a:p>
-          <a:p>
-            <a:endParaRPr lang="en-US" sz="2000" dirty="0"/>
-          </a:p>
-        </p:txBody>
-      </p:sp>
+        </p:nvGraphicFramePr>
+        <p:xfrm>
+          <a:off x="2031999" y="1591733"/>
+          <a:ext cx="9015411" cy="4546600"/>
+        </p:xfrm>
+        <a:graphic>
+          <a:graphicData uri="http://schemas.openxmlformats.org/drawingml/2006/diagram">
+            <dgm:relIds xmlns:dgm="http://schemas.openxmlformats.org/drawingml/2006/diagram" xmlns:r="http://schemas.openxmlformats.org/officeDocument/2006/relationships" r:dm="rId2" r:lo="rId3" r:qs="rId4" r:cs="rId5"/>
+          </a:graphicData>
+        </a:graphic>
+      </p:graphicFrame>
     </p:spTree>
     <p:extLst>
       <p:ext uri="{BB962C8B-B14F-4D97-AF65-F5344CB8AC3E}">
-        <p14:creationId xmlns:p14="http://schemas.microsoft.com/office/powerpoint/2010/main" val="331727786"/>
+        <p14:creationId xmlns:p14="http://schemas.microsoft.com/office/powerpoint/2010/main" val="1839704155"/>
       </p:ext>
     </p:extLst>
   </p:cSld>
   <p:clrMapOvr>
     <a:masterClrMapping/>
   </p:clrMapOvr>
+  <p:transition spd="slow">
+    <p:push dir="u"/>
+  </p:transition>
   <p:timing>
     <p:tnLst>
       <p:par>
@@ -13993,6 +17537,96 @@
         </p:nvSpPr>
         <p:spPr/>
         <p:txBody>
+          <a:bodyPr/>
+          <a:lstStyle/>
+          <a:p>
+            <a:r>
+              <a:rPr lang="en-US" dirty="0" smtClean="0"/>
+              <a:t>Demo</a:t>
+            </a:r>
+            <a:endParaRPr lang="en-US" dirty="0"/>
+          </a:p>
+        </p:txBody>
+      </p:sp>
+      <p:sp>
+        <p:nvSpPr>
+          <p:cNvPr id="3" name="Content Placeholder 2"/>
+          <p:cNvSpPr>
+            <a:spLocks noGrp="1"/>
+          </p:cNvSpPr>
+          <p:nvPr>
+            <p:ph idx="1"/>
+          </p:nvPr>
+        </p:nvSpPr>
+        <p:spPr/>
+        <p:txBody>
+          <a:bodyPr>
+            <a:normAutofit/>
+          </a:bodyPr>
+          <a:lstStyle/>
+          <a:p>
+            <a:r>
+              <a:rPr lang="en-US" sz="2000" dirty="0" smtClean="0"/>
+              <a:t>Video link</a:t>
+            </a:r>
+          </a:p>
+          <a:p>
+            <a:endParaRPr lang="en-US" sz="2000" dirty="0"/>
+          </a:p>
+        </p:txBody>
+      </p:sp>
+    </p:spTree>
+    <p:extLst>
+      <p:ext uri="{BB962C8B-B14F-4D97-AF65-F5344CB8AC3E}">
+        <p14:creationId xmlns:p14="http://schemas.microsoft.com/office/powerpoint/2010/main" val="331727786"/>
+      </p:ext>
+    </p:extLst>
+  </p:cSld>
+  <p:clrMapOvr>
+    <a:masterClrMapping/>
+  </p:clrMapOvr>
+  <p:transition spd="slow">
+    <p:push dir="u"/>
+  </p:transition>
+  <p:timing>
+    <p:tnLst>
+      <p:par>
+        <p:cTn id="1" dur="indefinite" restart="never" nodeType="tmRoot"/>
+      </p:par>
+    </p:tnLst>
+  </p:timing>
+</p:sld>
+</file>
+
+<file path=ppt/slides/slide7.xml><?xml version="1.0" encoding="utf-8"?>
+<p:sld xmlns:a="http://schemas.openxmlformats.org/drawingml/2006/main" xmlns:r="http://schemas.openxmlformats.org/officeDocument/2006/relationships" xmlns:p="http://schemas.openxmlformats.org/presentationml/2006/main">
+  <p:cSld>
+    <p:spTree>
+      <p:nvGrpSpPr>
+        <p:cNvPr id="1" name=""/>
+        <p:cNvGrpSpPr/>
+        <p:nvPr/>
+      </p:nvGrpSpPr>
+      <p:grpSpPr>
+        <a:xfrm>
+          <a:off x="0" y="0"/>
+          <a:ext cx="0" cy="0"/>
+          <a:chOff x="0" y="0"/>
+          <a:chExt cx="0" cy="0"/>
+        </a:xfrm>
+      </p:grpSpPr>
+      <p:sp>
+        <p:nvSpPr>
+          <p:cNvPr id="2" name="Title 1"/>
+          <p:cNvSpPr>
+            <a:spLocks noGrp="1"/>
+          </p:cNvSpPr>
+          <p:nvPr>
+            <p:ph type="title"/>
+          </p:nvPr>
+        </p:nvSpPr>
+        <p:spPr/>
+        <p:txBody>
           <a:bodyPr>
             <a:normAutofit/>
           </a:bodyPr>
@@ -14124,6 +17758,9 @@
   <p:clrMapOvr>
     <a:masterClrMapping/>
   </p:clrMapOvr>
+  <p:transition spd="slow">
+    <p:push dir="u"/>
+  </p:transition>
   <p:timing>
     <p:tnLst>
       <p:par>
@@ -14134,7 +17771,7 @@
 </p:sld>
 </file>
 
-<file path=ppt/slides/slide7.xml><?xml version="1.0" encoding="utf-8"?>
+<file path=ppt/slides/slide8.xml><?xml version="1.0" encoding="utf-8"?>
 <p:sld xmlns:a="http://schemas.openxmlformats.org/drawingml/2006/main" xmlns:r="http://schemas.openxmlformats.org/officeDocument/2006/relationships" xmlns:p="http://schemas.openxmlformats.org/presentationml/2006/main">
   <p:cSld>
     <p:spTree>
@@ -14192,8 +17829,8 @@
         </p:nvSpPr>
         <p:spPr>
           <a:xfrm>
-            <a:off x="1255714" y="1026942"/>
-            <a:ext cx="4649783" cy="737882"/>
+            <a:off x="1255711" y="900104"/>
+            <a:ext cx="4649783" cy="760113"/>
           </a:xfrm>
         </p:spPr>
         <p:txBody>
@@ -14235,9 +17872,42 @@
         </p:blipFill>
         <p:spPr>
           <a:xfrm>
-            <a:off x="2180494" y="1974037"/>
-            <a:ext cx="2809904" cy="4272018"/>
+            <a:off x="1255711" y="1764824"/>
+            <a:ext cx="4187391" cy="4481231"/>
           </a:xfrm>
+          <a:prstGeom prst="snip2DiagRect">
+            <a:avLst/>
+          </a:prstGeom>
+          <a:solidFill>
+            <a:srgbClr val="FFFFFF">
+              <a:shade val="85000"/>
+            </a:srgbClr>
+          </a:solidFill>
+          <a:ln w="88900" cap="sq">
+            <a:solidFill>
+              <a:srgbClr val="FFFFFF"/>
+            </a:solidFill>
+            <a:miter lim="800000"/>
+          </a:ln>
+          <a:effectLst>
+            <a:outerShdw blurRad="88900" algn="tl" rotWithShape="0">
+              <a:srgbClr val="000000">
+                <a:alpha val="45000"/>
+              </a:srgbClr>
+            </a:outerShdw>
+          </a:effectLst>
+          <a:scene3d>
+            <a:camera prst="orthographicFront"/>
+            <a:lightRig rig="twoPt" dir="t">
+              <a:rot lat="0" lon="0" rev="7200000"/>
+            </a:lightRig>
+          </a:scene3d>
+          <a:sp3d>
+            <a:bevelT w="25400" h="19050"/>
+            <a:contourClr>
+              <a:srgbClr val="FFFFFF"/>
+            </a:contourClr>
+          </a:sp3d>
         </p:spPr>
       </p:pic>
       <p:sp>
@@ -14252,7 +17922,7 @@
         </p:nvSpPr>
         <p:spPr>
           <a:xfrm>
-            <a:off x="6234772" y="1195349"/>
+            <a:off x="6229212" y="1005929"/>
             <a:ext cx="4483360" cy="654288"/>
           </a:xfrm>
         </p:spPr>
@@ -14283,6 +17953,13 @@
         </p:nvPicPr>
         <p:blipFill>
           <a:blip r:embed="rId4">
+            <a:duotone>
+              <a:prstClr val="black"/>
+              <a:schemeClr val="accent2">
+                <a:tint val="45000"/>
+                <a:satMod val="400000"/>
+              </a:schemeClr>
+            </a:duotone>
             <a:extLst>
               <a:ext uri="{28A0092B-C50C-407E-A947-70E740481C1C}">
                 <a14:useLocalDpi xmlns:a14="http://schemas.microsoft.com/office/drawing/2010/main" val="0"/>
@@ -14295,9 +17972,35 @@
         </p:blipFill>
         <p:spPr>
           <a:xfrm>
-            <a:off x="6517626" y="1972418"/>
-            <a:ext cx="3906533" cy="4273637"/>
+            <a:off x="6229212" y="1764823"/>
+            <a:ext cx="4818198" cy="4481231"/>
           </a:xfrm>
+          <a:prstGeom prst="round2DiagRect">
+            <a:avLst>
+              <a:gd name="adj1" fmla="val 16667"/>
+              <a:gd name="adj2" fmla="val 0"/>
+            </a:avLst>
+          </a:prstGeom>
+          <a:ln w="88900" cap="sq">
+            <a:solidFill>
+              <a:srgbClr val="FFFFFF"/>
+            </a:solidFill>
+            <a:miter lim="800000"/>
+          </a:ln>
+          <a:effectLst>
+            <a:outerShdw blurRad="254000" algn="tl" rotWithShape="0">
+              <a:srgbClr val="000000">
+                <a:alpha val="43000"/>
+              </a:srgbClr>
+            </a:outerShdw>
+          </a:effectLst>
+          <a:scene3d>
+            <a:camera prst="orthographicFront"/>
+            <a:lightRig rig="threePt" dir="t"/>
+          </a:scene3d>
+          <a:sp3d>
+            <a:bevelT/>
+          </a:sp3d>
         </p:spPr>
       </p:pic>
     </p:spTree>
@@ -14310,125 +18013,237 @@
   <p:clrMapOvr>
     <a:masterClrMapping/>
   </p:clrMapOvr>
+  <p:transition spd="slow">
+    <p:push dir="u"/>
+  </p:transition>
   <p:timing>
     <p:tnLst>
       <p:par>
-        <p:cTn id="1" dur="indefinite" restart="never" nodeType="tmRoot"/>
+        <p:cTn id="1" dur="indefinite" restart="never" nodeType="tmRoot">
+          <p:childTnLst>
+            <p:seq concurrent="1" nextAc="seek">
+              <p:cTn id="2" dur="indefinite" nodeType="mainSeq">
+                <p:childTnLst>
+                  <p:par>
+                    <p:cTn id="3" fill="hold">
+                      <p:stCondLst>
+                        <p:cond delay="indefinite"/>
+                      </p:stCondLst>
+                      <p:childTnLst>
+                        <p:par>
+                          <p:cTn id="4" fill="hold">
+                            <p:stCondLst>
+                              <p:cond delay="0"/>
+                            </p:stCondLst>
+                            <p:childTnLst>
+                              <p:par>
+                                <p:cTn id="5" presetID="42" presetClass="entr" presetSubtype="0" fill="hold" nodeType="clickEffect">
+                                  <p:stCondLst>
+                                    <p:cond delay="0"/>
+                                  </p:stCondLst>
+                                  <p:childTnLst>
+                                    <p:set>
+                                      <p:cBhvr>
+                                        <p:cTn id="6" dur="1" fill="hold">
+                                          <p:stCondLst>
+                                            <p:cond delay="0"/>
+                                          </p:stCondLst>
+                                        </p:cTn>
+                                        <p:tgtEl>
+                                          <p:spTgt spid="7"/>
+                                        </p:tgtEl>
+                                        <p:attrNameLst>
+                                          <p:attrName>style.visibility</p:attrName>
+                                        </p:attrNameLst>
+                                      </p:cBhvr>
+                                      <p:to>
+                                        <p:strVal val="visible"/>
+                                      </p:to>
+                                    </p:set>
+                                    <p:animEffect transition="in" filter="fade">
+                                      <p:cBhvr>
+                                        <p:cTn id="7" dur="1000"/>
+                                        <p:tgtEl>
+                                          <p:spTgt spid="7"/>
+                                        </p:tgtEl>
+                                      </p:cBhvr>
+                                    </p:animEffect>
+                                    <p:anim calcmode="lin" valueType="num">
+                                      <p:cBhvr>
+                                        <p:cTn id="8" dur="1000" fill="hold"/>
+                                        <p:tgtEl>
+                                          <p:spTgt spid="7"/>
+                                        </p:tgtEl>
+                                        <p:attrNameLst>
+                                          <p:attrName>ppt_x</p:attrName>
+                                        </p:attrNameLst>
+                                      </p:cBhvr>
+                                      <p:tavLst>
+                                        <p:tav tm="0">
+                                          <p:val>
+                                            <p:strVal val="#ppt_x"/>
+                                          </p:val>
+                                        </p:tav>
+                                        <p:tav tm="100000">
+                                          <p:val>
+                                            <p:strVal val="#ppt_x"/>
+                                          </p:val>
+                                        </p:tav>
+                                      </p:tavLst>
+                                    </p:anim>
+                                    <p:anim calcmode="lin" valueType="num">
+                                      <p:cBhvr>
+                                        <p:cTn id="9" dur="1000" fill="hold"/>
+                                        <p:tgtEl>
+                                          <p:spTgt spid="7"/>
+                                        </p:tgtEl>
+                                        <p:attrNameLst>
+                                          <p:attrName>ppt_y</p:attrName>
+                                        </p:attrNameLst>
+                                      </p:cBhvr>
+                                      <p:tavLst>
+                                        <p:tav tm="0">
+                                          <p:val>
+                                            <p:strVal val="#ppt_y+.1"/>
+                                          </p:val>
+                                        </p:tav>
+                                        <p:tav tm="100000">
+                                          <p:val>
+                                            <p:strVal val="#ppt_y"/>
+                                          </p:val>
+                                        </p:tav>
+                                      </p:tavLst>
+                                    </p:anim>
+                                  </p:childTnLst>
+                                </p:cTn>
+                              </p:par>
+                              <p:par>
+                                <p:cTn id="10" presetID="42" presetClass="entr" presetSubtype="0" fill="hold" grpId="0" nodeType="withEffect">
+                                  <p:stCondLst>
+                                    <p:cond delay="0"/>
+                                  </p:stCondLst>
+                                  <p:childTnLst>
+                                    <p:set>
+                                      <p:cBhvr>
+                                        <p:cTn id="11" dur="1" fill="hold">
+                                          <p:stCondLst>
+                                            <p:cond delay="0"/>
+                                          </p:stCondLst>
+                                        </p:cTn>
+                                        <p:tgtEl>
+                                          <p:spTgt spid="9">
+                                            <p:txEl>
+                                              <p:pRg st="0" end="0"/>
+                                            </p:txEl>
+                                          </p:spTgt>
+                                        </p:tgtEl>
+                                        <p:attrNameLst>
+                                          <p:attrName>style.visibility</p:attrName>
+                                        </p:attrNameLst>
+                                      </p:cBhvr>
+                                      <p:to>
+                                        <p:strVal val="visible"/>
+                                      </p:to>
+                                    </p:set>
+                                    <p:animEffect transition="in" filter="fade">
+                                      <p:cBhvr>
+                                        <p:cTn id="12" dur="1000"/>
+                                        <p:tgtEl>
+                                          <p:spTgt spid="9">
+                                            <p:txEl>
+                                              <p:pRg st="0" end="0"/>
+                                            </p:txEl>
+                                          </p:spTgt>
+                                        </p:tgtEl>
+                                      </p:cBhvr>
+                                    </p:animEffect>
+                                    <p:anim calcmode="lin" valueType="num">
+                                      <p:cBhvr>
+                                        <p:cTn id="13" dur="1000" fill="hold"/>
+                                        <p:tgtEl>
+                                          <p:spTgt spid="9">
+                                            <p:txEl>
+                                              <p:pRg st="0" end="0"/>
+                                            </p:txEl>
+                                          </p:spTgt>
+                                        </p:tgtEl>
+                                        <p:attrNameLst>
+                                          <p:attrName>ppt_x</p:attrName>
+                                        </p:attrNameLst>
+                                      </p:cBhvr>
+                                      <p:tavLst>
+                                        <p:tav tm="0">
+                                          <p:val>
+                                            <p:strVal val="#ppt_x"/>
+                                          </p:val>
+                                        </p:tav>
+                                        <p:tav tm="100000">
+                                          <p:val>
+                                            <p:strVal val="#ppt_x"/>
+                                          </p:val>
+                                        </p:tav>
+                                      </p:tavLst>
+                                    </p:anim>
+                                    <p:anim calcmode="lin" valueType="num">
+                                      <p:cBhvr>
+                                        <p:cTn id="14" dur="1000" fill="hold"/>
+                                        <p:tgtEl>
+                                          <p:spTgt spid="9">
+                                            <p:txEl>
+                                              <p:pRg st="0" end="0"/>
+                                            </p:txEl>
+                                          </p:spTgt>
+                                        </p:tgtEl>
+                                        <p:attrNameLst>
+                                          <p:attrName>ppt_y</p:attrName>
+                                        </p:attrNameLst>
+                                      </p:cBhvr>
+                                      <p:tavLst>
+                                        <p:tav tm="0">
+                                          <p:val>
+                                            <p:strVal val="#ppt_y+.1"/>
+                                          </p:val>
+                                        </p:tav>
+                                        <p:tav tm="100000">
+                                          <p:val>
+                                            <p:strVal val="#ppt_y"/>
+                                          </p:val>
+                                        </p:tav>
+                                      </p:tavLst>
+                                    </p:anim>
+                                  </p:childTnLst>
+                                </p:cTn>
+                              </p:par>
+                            </p:childTnLst>
+                          </p:cTn>
+                        </p:par>
+                      </p:childTnLst>
+                    </p:cTn>
+                  </p:par>
+                </p:childTnLst>
+              </p:cTn>
+              <p:prevCondLst>
+                <p:cond evt="onPrev" delay="0">
+                  <p:tgtEl>
+                    <p:sldTgt/>
+                  </p:tgtEl>
+                </p:cond>
+              </p:prevCondLst>
+              <p:nextCondLst>
+                <p:cond evt="onNext" delay="0">
+                  <p:tgtEl>
+                    <p:sldTgt/>
+                  </p:tgtEl>
+                </p:cond>
+              </p:nextCondLst>
+            </p:seq>
+          </p:childTnLst>
+        </p:cTn>
       </p:par>
     </p:tnLst>
-  </p:timing>
-</p:sld>
-</file>
-
-<file path=ppt/slides/slide8.xml><?xml version="1.0" encoding="utf-8"?>
-<p:sld xmlns:a="http://schemas.openxmlformats.org/drawingml/2006/main" xmlns:r="http://schemas.openxmlformats.org/officeDocument/2006/relationships" xmlns:p="http://schemas.openxmlformats.org/presentationml/2006/main">
-  <p:cSld>
-    <p:spTree>
-      <p:nvGrpSpPr>
-        <p:cNvPr id="1" name=""/>
-        <p:cNvGrpSpPr/>
-        <p:nvPr/>
-      </p:nvGrpSpPr>
-      <p:grpSpPr>
-        <a:xfrm>
-          <a:off x="0" y="0"/>
-          <a:ext cx="0" cy="0"/>
-          <a:chOff x="0" y="0"/>
-          <a:chExt cx="0" cy="0"/>
-        </a:xfrm>
-      </p:grpSpPr>
-      <p:sp>
-        <p:nvSpPr>
-          <p:cNvPr id="2" name="Title 1"/>
-          <p:cNvSpPr>
-            <a:spLocks noGrp="1"/>
-          </p:cNvSpPr>
-          <p:nvPr>
-            <p:ph type="title"/>
-          </p:nvPr>
-        </p:nvSpPr>
-        <p:spPr/>
-        <p:txBody>
-          <a:bodyPr/>
-          <a:lstStyle/>
-          <a:p>
-            <a:pPr algn="ctr"/>
-            <a:r>
-              <a:rPr lang="en-US" dirty="0" smtClean="0"/>
-              <a:t>What’s left?</a:t>
-            </a:r>
-            <a:endParaRPr lang="en-US" dirty="0"/>
-          </a:p>
-        </p:txBody>
-      </p:sp>
-      <p:sp>
-        <p:nvSpPr>
-          <p:cNvPr id="3" name="Content Placeholder 2"/>
-          <p:cNvSpPr>
-            <a:spLocks noGrp="1"/>
-          </p:cNvSpPr>
-          <p:nvPr>
-            <p:ph idx="1"/>
-          </p:nvPr>
-        </p:nvSpPr>
-        <p:spPr>
-          <a:xfrm>
-            <a:off x="1141412" y="1840089"/>
-            <a:ext cx="9905999" cy="3951112"/>
-          </a:xfrm>
-        </p:spPr>
-        <p:txBody>
-          <a:bodyPr>
-            <a:normAutofit/>
-          </a:bodyPr>
-          <a:lstStyle/>
-          <a:p>
-            <a:r>
-              <a:rPr lang="en-US" dirty="0" smtClean="0"/>
-              <a:t>Further development of the line follower sensor</a:t>
-            </a:r>
-          </a:p>
-          <a:p>
-            <a:endParaRPr lang="en-US" dirty="0"/>
-          </a:p>
-          <a:p>
-            <a:r>
-              <a:rPr lang="en-US" dirty="0" smtClean="0"/>
-              <a:t>Optimize the performance of the robotic system based upon discrete performance measures</a:t>
-            </a:r>
-          </a:p>
-          <a:p>
-            <a:pPr lvl="1"/>
-            <a:r>
-              <a:rPr lang="en-US" dirty="0" smtClean="0"/>
-              <a:t>Measure delivery speed</a:t>
-            </a:r>
-          </a:p>
-          <a:p>
-            <a:pPr lvl="1"/>
-            <a:r>
-              <a:rPr lang="en-US" dirty="0" smtClean="0"/>
-              <a:t>Measure percentage of successful deliveries</a:t>
-            </a:r>
-          </a:p>
-        </p:txBody>
-      </p:sp>
-    </p:spTree>
-    <p:extLst>
-      <p:ext uri="{BB962C8B-B14F-4D97-AF65-F5344CB8AC3E}">
-        <p14:creationId xmlns:p14="http://schemas.microsoft.com/office/powerpoint/2010/main" val="481351690"/>
-      </p:ext>
-    </p:extLst>
-  </p:cSld>
-  <p:clrMapOvr>
-    <a:masterClrMapping/>
-  </p:clrMapOvr>
-  <p:timing>
-    <p:tnLst>
-      <p:par>
-        <p:cTn id="1" dur="indefinite" restart="never" nodeType="tmRoot"/>
-      </p:par>
-    </p:tnLst>
+    <p:bldLst>
+      <p:bldP spid="9" grpId="0" build="p"/>
+    </p:bldLst>
   </p:timing>
 </p:sld>
 </file>
@@ -14465,9 +18280,10 @@
           <a:bodyPr/>
           <a:lstStyle/>
           <a:p>
+            <a:pPr algn="ctr"/>
             <a:r>
               <a:rPr lang="en-US" dirty="0" smtClean="0"/>
-              <a:t>References</a:t>
+              <a:t>What’s left?</a:t>
             </a:r>
             <a:endParaRPr lang="en-US" dirty="0"/>
           </a:p>
@@ -14483,25 +18299,61 @@
             <p:ph idx="1"/>
           </p:nvPr>
         </p:nvSpPr>
-        <p:spPr/>
+        <p:spPr>
+          <a:xfrm>
+            <a:off x="1141412" y="1840089"/>
+            <a:ext cx="9905999" cy="3951112"/>
+          </a:xfrm>
+        </p:spPr>
         <p:txBody>
-          <a:bodyPr/>
+          <a:bodyPr>
+            <a:normAutofit/>
+          </a:bodyPr>
           <a:lstStyle/>
           <a:p>
-            <a:endParaRPr lang="en-US"/>
+            <a:r>
+              <a:rPr lang="en-US" dirty="0" smtClean="0"/>
+              <a:t>Further development of the line follower sensor</a:t>
+            </a:r>
+          </a:p>
+          <a:p>
+            <a:endParaRPr lang="en-US" dirty="0"/>
+          </a:p>
+          <a:p>
+            <a:r>
+              <a:rPr lang="en-US" dirty="0" smtClean="0"/>
+              <a:t>Optimize the performance of the robotic system based upon discrete performance measures</a:t>
+            </a:r>
+          </a:p>
+          <a:p>
+            <a:pPr lvl="1"/>
+            <a:r>
+              <a:rPr lang="en-US" dirty="0" smtClean="0"/>
+              <a:t>Measure delivery speed</a:t>
+            </a:r>
+          </a:p>
+          <a:p>
+            <a:pPr lvl="1"/>
+            <a:r>
+              <a:rPr lang="en-US" dirty="0" smtClean="0"/>
+              <a:t>Measure percentage of successful deliveries</a:t>
+            </a:r>
           </a:p>
         </p:txBody>
       </p:sp>
     </p:spTree>
     <p:extLst>
       <p:ext uri="{BB962C8B-B14F-4D97-AF65-F5344CB8AC3E}">
-        <p14:creationId xmlns:p14="http://schemas.microsoft.com/office/powerpoint/2010/main" val="1091630041"/>
+        <p14:creationId xmlns:p14="http://schemas.microsoft.com/office/powerpoint/2010/main" val="481351690"/>
       </p:ext>
     </p:extLst>
   </p:cSld>
   <p:clrMapOvr>
     <a:masterClrMapping/>
   </p:clrMapOvr>
+  <p:transition spd="slow">
+    <p:push dir="u"/>
+  </p:transition>
   <p:timing>
     <p:tnLst>
       <p:par>

--- a/Presentation/conference-presentation.pptx
+++ b/Presentation/conference-presentation.pptx
@@ -5,19 +5,18 @@
     <p:sldMasterId id="2147483782" r:id="rId1"/>
   </p:sldMasterIdLst>
   <p:notesMasterIdLst>
-    <p:notesMasterId r:id="rId12"/>
+    <p:notesMasterId r:id="rId11"/>
   </p:notesMasterIdLst>
   <p:sldIdLst>
     <p:sldId id="256" r:id="rId2"/>
     <p:sldId id="257" r:id="rId3"/>
     <p:sldId id="260" r:id="rId4"/>
     <p:sldId id="266" r:id="rId5"/>
-    <p:sldId id="269" r:id="rId6"/>
-    <p:sldId id="268" r:id="rId7"/>
-    <p:sldId id="262" r:id="rId8"/>
-    <p:sldId id="265" r:id="rId9"/>
-    <p:sldId id="263" r:id="rId10"/>
-    <p:sldId id="267" r:id="rId11"/>
+    <p:sldId id="262" r:id="rId6"/>
+    <p:sldId id="269" r:id="rId7"/>
+    <p:sldId id="265" r:id="rId8"/>
+    <p:sldId id="263" r:id="rId9"/>
+    <p:sldId id="267" r:id="rId10"/>
   </p:sldIdLst>
   <p:sldSz cx="12192000" cy="6858000"/>
   <p:notesSz cx="6858000" cy="9144000"/>
@@ -1618,813 +1617,6 @@
 </dgm:colorsDef>
 </file>
 
-<file path=ppt/diagrams/colors3.xml><?xml version="1.0" encoding="utf-8"?>
-<dgm:colorsDef xmlns:dgm="http://schemas.openxmlformats.org/drawingml/2006/diagram" xmlns:a="http://schemas.openxmlformats.org/drawingml/2006/main" uniqueId="urn:microsoft.com/office/officeart/2005/8/colors/accent0_1">
-  <dgm:title val=""/>
-  <dgm:desc val=""/>
-  <dgm:catLst>
-    <dgm:cat type="mainScheme" pri="10100"/>
-  </dgm:catLst>
-  <dgm:styleLbl name="node0">
-    <dgm:fillClrLst meth="repeat">
-      <a:schemeClr val="lt1"/>
-    </dgm:fillClrLst>
-    <dgm:linClrLst meth="repeat">
-      <a:schemeClr val="dk1">
-        <a:shade val="80000"/>
-      </a:schemeClr>
-    </dgm:linClrLst>
-    <dgm:effectClrLst/>
-    <dgm:txLinClrLst/>
-    <dgm:txFillClrLst meth="repeat">
-      <a:schemeClr val="dk1"/>
-    </dgm:txFillClrLst>
-    <dgm:txEffectClrLst/>
-  </dgm:styleLbl>
-  <dgm:styleLbl name="node1">
-    <dgm:fillClrLst meth="repeat">
-      <a:schemeClr val="lt1"/>
-    </dgm:fillClrLst>
-    <dgm:linClrLst meth="repeat">
-      <a:schemeClr val="dk1">
-        <a:shade val="80000"/>
-      </a:schemeClr>
-    </dgm:linClrLst>
-    <dgm:effectClrLst/>
-    <dgm:txLinClrLst/>
-    <dgm:txFillClrLst meth="repeat">
-      <a:schemeClr val="dk1"/>
-    </dgm:txFillClrLst>
-    <dgm:txEffectClrLst/>
-  </dgm:styleLbl>
-  <dgm:styleLbl name="alignNode1">
-    <dgm:fillClrLst meth="repeat">
-      <a:schemeClr val="lt1"/>
-    </dgm:fillClrLst>
-    <dgm:linClrLst meth="repeat">
-      <a:schemeClr val="dk1">
-        <a:shade val="80000"/>
-      </a:schemeClr>
-    </dgm:linClrLst>
-    <dgm:effectClrLst/>
-    <dgm:txLinClrLst/>
-    <dgm:txFillClrLst meth="repeat">
-      <a:schemeClr val="dk1"/>
-    </dgm:txFillClrLst>
-    <dgm:txEffectClrLst/>
-  </dgm:styleLbl>
-  <dgm:styleLbl name="lnNode1">
-    <dgm:fillClrLst meth="repeat">
-      <a:schemeClr val="lt1"/>
-    </dgm:fillClrLst>
-    <dgm:linClrLst meth="repeat">
-      <a:schemeClr val="dk1">
-        <a:shade val="80000"/>
-      </a:schemeClr>
-    </dgm:linClrLst>
-    <dgm:effectClrLst/>
-    <dgm:txLinClrLst/>
-    <dgm:txFillClrLst meth="repeat">
-      <a:schemeClr val="dk1"/>
-    </dgm:txFillClrLst>
-    <dgm:txEffectClrLst/>
-  </dgm:styleLbl>
-  <dgm:styleLbl name="vennNode1">
-    <dgm:fillClrLst meth="repeat">
-      <a:schemeClr val="lt1">
-        <a:alpha val="50000"/>
-      </a:schemeClr>
-    </dgm:fillClrLst>
-    <dgm:linClrLst meth="repeat">
-      <a:schemeClr val="dk1">
-        <a:shade val="80000"/>
-      </a:schemeClr>
-    </dgm:linClrLst>
-    <dgm:effectClrLst/>
-    <dgm:txLinClrLst/>
-    <dgm:txFillClrLst/>
-    <dgm:txEffectClrLst/>
-  </dgm:styleLbl>
-  <dgm:styleLbl name="node2">
-    <dgm:fillClrLst meth="repeat">
-      <a:schemeClr val="lt1"/>
-    </dgm:fillClrLst>
-    <dgm:linClrLst meth="repeat">
-      <a:schemeClr val="dk1">
-        <a:shade val="80000"/>
-      </a:schemeClr>
-    </dgm:linClrLst>
-    <dgm:effectClrLst/>
-    <dgm:txLinClrLst/>
-    <dgm:txFillClrLst meth="repeat">
-      <a:schemeClr val="dk1"/>
-    </dgm:txFillClrLst>
-    <dgm:txEffectClrLst/>
-  </dgm:styleLbl>
-  <dgm:styleLbl name="node3">
-    <dgm:fillClrLst meth="repeat">
-      <a:schemeClr val="lt1"/>
-    </dgm:fillClrLst>
-    <dgm:linClrLst meth="repeat">
-      <a:schemeClr val="dk1">
-        <a:shade val="80000"/>
-      </a:schemeClr>
-    </dgm:linClrLst>
-    <dgm:effectClrLst/>
-    <dgm:txLinClrLst/>
-    <dgm:txFillClrLst meth="repeat">
-      <a:schemeClr val="dk1"/>
-    </dgm:txFillClrLst>
-    <dgm:txEffectClrLst/>
-  </dgm:styleLbl>
-  <dgm:styleLbl name="node4">
-    <dgm:fillClrLst meth="repeat">
-      <a:schemeClr val="lt1"/>
-    </dgm:fillClrLst>
-    <dgm:linClrLst meth="repeat">
-      <a:schemeClr val="dk1">
-        <a:shade val="80000"/>
-      </a:schemeClr>
-    </dgm:linClrLst>
-    <dgm:effectClrLst/>
-    <dgm:txLinClrLst/>
-    <dgm:txFillClrLst meth="repeat">
-      <a:schemeClr val="dk1"/>
-    </dgm:txFillClrLst>
-    <dgm:txEffectClrLst/>
-  </dgm:styleLbl>
-  <dgm:styleLbl name="fgImgPlace1">
-    <dgm:fillClrLst meth="repeat">
-      <a:schemeClr val="dk1">
-        <a:tint val="40000"/>
-      </a:schemeClr>
-    </dgm:fillClrLst>
-    <dgm:linClrLst meth="repeat">
-      <a:schemeClr val="dk1">
-        <a:shade val="80000"/>
-      </a:schemeClr>
-    </dgm:linClrLst>
-    <dgm:effectClrLst/>
-    <dgm:txLinClrLst/>
-    <dgm:txFillClrLst meth="repeat">
-      <a:schemeClr val="lt1"/>
-    </dgm:txFillClrLst>
-    <dgm:txEffectClrLst/>
-  </dgm:styleLbl>
-  <dgm:styleLbl name="alignImgPlace1">
-    <dgm:fillClrLst meth="repeat">
-      <a:schemeClr val="dk1">
-        <a:tint val="40000"/>
-      </a:schemeClr>
-    </dgm:fillClrLst>
-    <dgm:linClrLst meth="repeat">
-      <a:schemeClr val="dk1">
-        <a:shade val="80000"/>
-      </a:schemeClr>
-    </dgm:linClrLst>
-    <dgm:effectClrLst/>
-    <dgm:txLinClrLst/>
-    <dgm:txFillClrLst meth="repeat">
-      <a:schemeClr val="lt1"/>
-    </dgm:txFillClrLst>
-    <dgm:txEffectClrLst/>
-  </dgm:styleLbl>
-  <dgm:styleLbl name="bgImgPlace1">
-    <dgm:fillClrLst meth="repeat">
-      <a:schemeClr val="dk1">
-        <a:tint val="40000"/>
-      </a:schemeClr>
-    </dgm:fillClrLst>
-    <dgm:linClrLst meth="repeat">
-      <a:schemeClr val="dk1">
-        <a:shade val="80000"/>
-      </a:schemeClr>
-    </dgm:linClrLst>
-    <dgm:effectClrLst/>
-    <dgm:txLinClrLst/>
-    <dgm:txFillClrLst meth="repeat">
-      <a:schemeClr val="lt1"/>
-    </dgm:txFillClrLst>
-    <dgm:txEffectClrLst/>
-  </dgm:styleLbl>
-  <dgm:styleLbl name="sibTrans2D1">
-    <dgm:fillClrLst meth="repeat">
-      <a:schemeClr val="dk1">
-        <a:tint val="60000"/>
-      </a:schemeClr>
-    </dgm:fillClrLst>
-    <dgm:linClrLst meth="repeat">
-      <a:schemeClr val="dk1">
-        <a:tint val="60000"/>
-      </a:schemeClr>
-    </dgm:linClrLst>
-    <dgm:effectClrLst/>
-    <dgm:txLinClrLst/>
-    <dgm:txFillClrLst meth="repeat">
-      <a:schemeClr val="dk1"/>
-    </dgm:txFillClrLst>
-    <dgm:txEffectClrLst/>
-  </dgm:styleLbl>
-  <dgm:styleLbl name="fgSibTrans2D1">
-    <dgm:fillClrLst meth="repeat">
-      <a:schemeClr val="dk1">
-        <a:tint val="60000"/>
-      </a:schemeClr>
-    </dgm:fillClrLst>
-    <dgm:linClrLst meth="repeat">
-      <a:schemeClr val="dk1">
-        <a:tint val="60000"/>
-      </a:schemeClr>
-    </dgm:linClrLst>
-    <dgm:effectClrLst/>
-    <dgm:txLinClrLst/>
-    <dgm:txFillClrLst meth="repeat">
-      <a:schemeClr val="dk1"/>
-    </dgm:txFillClrLst>
-    <dgm:txEffectClrLst/>
-  </dgm:styleLbl>
-  <dgm:styleLbl name="bgSibTrans2D1">
-    <dgm:fillClrLst meth="repeat">
-      <a:schemeClr val="dk1">
-        <a:tint val="60000"/>
-      </a:schemeClr>
-    </dgm:fillClrLst>
-    <dgm:linClrLst meth="repeat">
-      <a:schemeClr val="dk1">
-        <a:tint val="60000"/>
-      </a:schemeClr>
-    </dgm:linClrLst>
-    <dgm:effectClrLst/>
-    <dgm:txLinClrLst/>
-    <dgm:txFillClrLst meth="repeat">
-      <a:schemeClr val="dk1"/>
-    </dgm:txFillClrLst>
-    <dgm:txEffectClrLst/>
-  </dgm:styleLbl>
-  <dgm:styleLbl name="sibTrans1D1">
-    <dgm:fillClrLst meth="repeat">
-      <a:schemeClr val="dk1"/>
-    </dgm:fillClrLst>
-    <dgm:linClrLst meth="repeat">
-      <a:schemeClr val="dk1"/>
-    </dgm:linClrLst>
-    <dgm:effectClrLst/>
-    <dgm:txLinClrLst/>
-    <dgm:txFillClrLst meth="repeat">
-      <a:schemeClr val="tx1"/>
-    </dgm:txFillClrLst>
-    <dgm:txEffectClrLst/>
-  </dgm:styleLbl>
-  <dgm:styleLbl name="callout">
-    <dgm:fillClrLst meth="repeat">
-      <a:schemeClr val="dk1"/>
-    </dgm:fillClrLst>
-    <dgm:linClrLst meth="repeat">
-      <a:schemeClr val="dk1"/>
-    </dgm:linClrLst>
-    <dgm:effectClrLst/>
-    <dgm:txLinClrLst/>
-    <dgm:txFillClrLst meth="repeat">
-      <a:schemeClr val="tx1"/>
-    </dgm:txFillClrLst>
-    <dgm:txEffectClrLst/>
-  </dgm:styleLbl>
-  <dgm:styleLbl name="asst0">
-    <dgm:fillClrLst meth="repeat">
-      <a:schemeClr val="lt1"/>
-    </dgm:fillClrLst>
-    <dgm:linClrLst meth="repeat">
-      <a:schemeClr val="dk1">
-        <a:shade val="80000"/>
-      </a:schemeClr>
-    </dgm:linClrLst>
-    <dgm:effectClrLst/>
-    <dgm:txLinClrLst/>
-    <dgm:txFillClrLst meth="repeat">
-      <a:schemeClr val="dk1"/>
-    </dgm:txFillClrLst>
-    <dgm:txEffectClrLst/>
-  </dgm:styleLbl>
-  <dgm:styleLbl name="asst1">
-    <dgm:fillClrLst meth="repeat">
-      <a:schemeClr val="lt1"/>
-    </dgm:fillClrLst>
-    <dgm:linClrLst meth="repeat">
-      <a:schemeClr val="dk1">
-        <a:shade val="80000"/>
-      </a:schemeClr>
-    </dgm:linClrLst>
-    <dgm:effectClrLst/>
-    <dgm:txLinClrLst/>
-    <dgm:txFillClrLst meth="repeat">
-      <a:schemeClr val="dk1"/>
-    </dgm:txFillClrLst>
-    <dgm:txEffectClrLst/>
-  </dgm:styleLbl>
-  <dgm:styleLbl name="asst2">
-    <dgm:fillClrLst meth="repeat">
-      <a:schemeClr val="lt1"/>
-    </dgm:fillClrLst>
-    <dgm:linClrLst meth="repeat">
-      <a:schemeClr val="dk1">
-        <a:shade val="80000"/>
-      </a:schemeClr>
-    </dgm:linClrLst>
-    <dgm:effectClrLst/>
-    <dgm:txLinClrLst/>
-    <dgm:txFillClrLst meth="repeat">
-      <a:schemeClr val="dk1"/>
-    </dgm:txFillClrLst>
-    <dgm:txEffectClrLst/>
-  </dgm:styleLbl>
-  <dgm:styleLbl name="asst3">
-    <dgm:fillClrLst meth="repeat">
-      <a:schemeClr val="lt1"/>
-    </dgm:fillClrLst>
-    <dgm:linClrLst meth="repeat">
-      <a:schemeClr val="dk1">
-        <a:shade val="80000"/>
-      </a:schemeClr>
-    </dgm:linClrLst>
-    <dgm:effectClrLst/>
-    <dgm:txLinClrLst/>
-    <dgm:txFillClrLst meth="repeat">
-      <a:schemeClr val="dk1"/>
-    </dgm:txFillClrLst>
-    <dgm:txEffectClrLst/>
-  </dgm:styleLbl>
-  <dgm:styleLbl name="asst4">
-    <dgm:fillClrLst meth="repeat">
-      <a:schemeClr val="lt1"/>
-    </dgm:fillClrLst>
-    <dgm:linClrLst meth="repeat">
-      <a:schemeClr val="dk1">
-        <a:shade val="80000"/>
-      </a:schemeClr>
-    </dgm:linClrLst>
-    <dgm:effectClrLst/>
-    <dgm:txLinClrLst/>
-    <dgm:txFillClrLst meth="repeat">
-      <a:schemeClr val="dk1"/>
-    </dgm:txFillClrLst>
-    <dgm:txEffectClrLst/>
-  </dgm:styleLbl>
-  <dgm:styleLbl name="parChTrans2D1">
-    <dgm:fillClrLst meth="repeat">
-      <a:schemeClr val="dk1">
-        <a:tint val="60000"/>
-      </a:schemeClr>
-    </dgm:fillClrLst>
-    <dgm:linClrLst meth="repeat">
-      <a:schemeClr val="dk1">
-        <a:tint val="60000"/>
-      </a:schemeClr>
-    </dgm:linClrLst>
-    <dgm:effectClrLst/>
-    <dgm:txLinClrLst/>
-    <dgm:txFillClrLst/>
-    <dgm:txEffectClrLst/>
-  </dgm:styleLbl>
-  <dgm:styleLbl name="parChTrans2D2">
-    <dgm:fillClrLst meth="repeat">
-      <a:schemeClr val="dk1"/>
-    </dgm:fillClrLst>
-    <dgm:linClrLst meth="repeat">
-      <a:schemeClr val="dk1"/>
-    </dgm:linClrLst>
-    <dgm:effectClrLst/>
-    <dgm:txLinClrLst/>
-    <dgm:txFillClrLst/>
-    <dgm:txEffectClrLst/>
-  </dgm:styleLbl>
-  <dgm:styleLbl name="parChTrans2D3">
-    <dgm:fillClrLst meth="repeat">
-      <a:schemeClr val="dk1"/>
-    </dgm:fillClrLst>
-    <dgm:linClrLst meth="repeat">
-      <a:schemeClr val="dk1"/>
-    </dgm:linClrLst>
-    <dgm:effectClrLst/>
-    <dgm:txLinClrLst/>
-    <dgm:txFillClrLst/>
-    <dgm:txEffectClrLst/>
-  </dgm:styleLbl>
-  <dgm:styleLbl name="parChTrans2D4">
-    <dgm:fillClrLst meth="repeat">
-      <a:schemeClr val="dk1"/>
-    </dgm:fillClrLst>
-    <dgm:linClrLst meth="repeat">
-      <a:schemeClr val="dk1"/>
-    </dgm:linClrLst>
-    <dgm:effectClrLst/>
-    <dgm:txLinClrLst/>
-    <dgm:txFillClrLst meth="repeat">
-      <a:schemeClr val="lt1"/>
-    </dgm:txFillClrLst>
-    <dgm:txEffectClrLst/>
-  </dgm:styleLbl>
-  <dgm:styleLbl name="parChTrans1D1">
-    <dgm:fillClrLst meth="repeat">
-      <a:schemeClr val="dk1"/>
-    </dgm:fillClrLst>
-    <dgm:linClrLst meth="repeat">
-      <a:schemeClr val="dk1">
-        <a:shade val="60000"/>
-      </a:schemeClr>
-    </dgm:linClrLst>
-    <dgm:effectClrLst/>
-    <dgm:txLinClrLst/>
-    <dgm:txFillClrLst meth="repeat">
-      <a:schemeClr val="tx1"/>
-    </dgm:txFillClrLst>
-    <dgm:txEffectClrLst/>
-  </dgm:styleLbl>
-  <dgm:styleLbl name="parChTrans1D2">
-    <dgm:fillClrLst meth="repeat">
-      <a:schemeClr val="dk1"/>
-    </dgm:fillClrLst>
-    <dgm:linClrLst meth="repeat">
-      <a:schemeClr val="dk1">
-        <a:shade val="60000"/>
-      </a:schemeClr>
-    </dgm:linClrLst>
-    <dgm:effectClrLst/>
-    <dgm:txLinClrLst/>
-    <dgm:txFillClrLst meth="repeat">
-      <a:schemeClr val="tx1"/>
-    </dgm:txFillClrLst>
-    <dgm:txEffectClrLst/>
-  </dgm:styleLbl>
-  <dgm:styleLbl name="parChTrans1D3">
-    <dgm:fillClrLst meth="repeat">
-      <a:schemeClr val="dk1"/>
-    </dgm:fillClrLst>
-    <dgm:linClrLst meth="repeat">
-      <a:schemeClr val="dk1">
-        <a:shade val="80000"/>
-      </a:schemeClr>
-    </dgm:linClrLst>
-    <dgm:effectClrLst/>
-    <dgm:txLinClrLst/>
-    <dgm:txFillClrLst meth="repeat">
-      <a:schemeClr val="tx1"/>
-    </dgm:txFillClrLst>
-    <dgm:txEffectClrLst/>
-  </dgm:styleLbl>
-  <dgm:styleLbl name="parChTrans1D4">
-    <dgm:fillClrLst meth="repeat">
-      <a:schemeClr val="dk1"/>
-    </dgm:fillClrLst>
-    <dgm:linClrLst meth="repeat">
-      <a:schemeClr val="dk1">
-        <a:shade val="80000"/>
-      </a:schemeClr>
-    </dgm:linClrLst>
-    <dgm:effectClrLst/>
-    <dgm:txLinClrLst/>
-    <dgm:txFillClrLst meth="repeat">
-      <a:schemeClr val="tx1"/>
-    </dgm:txFillClrLst>
-    <dgm:txEffectClrLst/>
-  </dgm:styleLbl>
-  <dgm:styleLbl name="fgAcc1">
-    <dgm:fillClrLst meth="repeat">
-      <a:schemeClr val="dk1">
-        <a:alpha val="90000"/>
-        <a:tint val="40000"/>
-      </a:schemeClr>
-    </dgm:fillClrLst>
-    <dgm:linClrLst meth="repeat">
-      <a:schemeClr val="dk1"/>
-    </dgm:linClrLst>
-    <dgm:effectClrLst/>
-    <dgm:txLinClrLst/>
-    <dgm:txFillClrLst meth="repeat">
-      <a:schemeClr val="dk1"/>
-    </dgm:txFillClrLst>
-    <dgm:txEffectClrLst/>
-  </dgm:styleLbl>
-  <dgm:styleLbl name="conFgAcc1">
-    <dgm:fillClrLst meth="repeat">
-      <a:schemeClr val="dk1">
-        <a:alpha val="90000"/>
-        <a:tint val="40000"/>
-      </a:schemeClr>
-    </dgm:fillClrLst>
-    <dgm:linClrLst meth="repeat">
-      <a:schemeClr val="dk1"/>
-    </dgm:linClrLst>
-    <dgm:effectClrLst/>
-    <dgm:txLinClrLst/>
-    <dgm:txFillClrLst meth="repeat">
-      <a:schemeClr val="dk1"/>
-    </dgm:txFillClrLst>
-    <dgm:txEffectClrLst/>
-  </dgm:styleLbl>
-  <dgm:styleLbl name="alignAcc1">
-    <dgm:fillClrLst meth="repeat">
-      <a:schemeClr val="dk1">
-        <a:alpha val="90000"/>
-        <a:tint val="40000"/>
-      </a:schemeClr>
-    </dgm:fillClrLst>
-    <dgm:linClrLst meth="repeat">
-      <a:schemeClr val="dk1"/>
-    </dgm:linClrLst>
-    <dgm:effectClrLst/>
-    <dgm:txLinClrLst/>
-    <dgm:txFillClrLst meth="repeat">
-      <a:schemeClr val="dk1"/>
-    </dgm:txFillClrLst>
-    <dgm:txEffectClrLst/>
-  </dgm:styleLbl>
-  <dgm:styleLbl name="trAlignAcc1">
-    <dgm:fillClrLst meth="repeat">
-      <a:schemeClr val="dk1">
-        <a:alpha val="40000"/>
-        <a:tint val="40000"/>
-      </a:schemeClr>
-    </dgm:fillClrLst>
-    <dgm:linClrLst meth="repeat">
-      <a:schemeClr val="dk1"/>
-    </dgm:linClrLst>
-    <dgm:effectClrLst/>
-    <dgm:txLinClrLst/>
-    <dgm:txFillClrLst meth="repeat">
-      <a:schemeClr val="dk1"/>
-    </dgm:txFillClrLst>
-    <dgm:txEffectClrLst/>
-  </dgm:styleLbl>
-  <dgm:styleLbl name="bgAcc1">
-    <dgm:fillClrLst meth="repeat">
-      <a:schemeClr val="dk1">
-        <a:alpha val="90000"/>
-        <a:tint val="40000"/>
-      </a:schemeClr>
-    </dgm:fillClrLst>
-    <dgm:linClrLst meth="repeat">
-      <a:schemeClr val="dk1"/>
-    </dgm:linClrLst>
-    <dgm:effectClrLst/>
-    <dgm:txLinClrLst/>
-    <dgm:txFillClrLst meth="repeat">
-      <a:schemeClr val="dk1"/>
-    </dgm:txFillClrLst>
-    <dgm:txEffectClrLst/>
-  </dgm:styleLbl>
-  <dgm:styleLbl name="solidFgAcc1">
-    <dgm:fillClrLst meth="repeat">
-      <a:schemeClr val="lt1"/>
-    </dgm:fillClrLst>
-    <dgm:linClrLst meth="repeat">
-      <a:schemeClr val="dk1"/>
-    </dgm:linClrLst>
-    <dgm:effectClrLst/>
-    <dgm:txLinClrLst/>
-    <dgm:txFillClrLst meth="repeat">
-      <a:schemeClr val="dk1"/>
-    </dgm:txFillClrLst>
-    <dgm:txEffectClrLst/>
-  </dgm:styleLbl>
-  <dgm:styleLbl name="solidAlignAcc1">
-    <dgm:fillClrLst meth="repeat">
-      <a:schemeClr val="lt1"/>
-    </dgm:fillClrLst>
-    <dgm:linClrLst meth="repeat">
-      <a:schemeClr val="dk1"/>
-    </dgm:linClrLst>
-    <dgm:effectClrLst/>
-    <dgm:txLinClrLst/>
-    <dgm:txFillClrLst meth="repeat">
-      <a:schemeClr val="dk1"/>
-    </dgm:txFillClrLst>
-    <dgm:txEffectClrLst/>
-  </dgm:styleLbl>
-  <dgm:styleLbl name="solidBgAcc1">
-    <dgm:fillClrLst meth="repeat">
-      <a:schemeClr val="lt1"/>
-    </dgm:fillClrLst>
-    <dgm:linClrLst meth="repeat">
-      <a:schemeClr val="dk1"/>
-    </dgm:linClrLst>
-    <dgm:effectClrLst/>
-    <dgm:txLinClrLst/>
-    <dgm:txFillClrLst meth="repeat">
-      <a:schemeClr val="dk1"/>
-    </dgm:txFillClrLst>
-    <dgm:txEffectClrLst/>
-  </dgm:styleLbl>
-  <dgm:styleLbl name="fgAccFollowNode1">
-    <dgm:fillClrLst meth="repeat">
-      <a:schemeClr val="lt1">
-        <a:alpha val="90000"/>
-        <a:tint val="40000"/>
-      </a:schemeClr>
-    </dgm:fillClrLst>
-    <dgm:linClrLst meth="repeat">
-      <a:schemeClr val="dk1">
-        <a:alpha val="90000"/>
-      </a:schemeClr>
-    </dgm:linClrLst>
-    <dgm:effectClrLst/>
-    <dgm:txLinClrLst/>
-    <dgm:txFillClrLst meth="repeat">
-      <a:schemeClr val="dk1"/>
-    </dgm:txFillClrLst>
-    <dgm:txEffectClrLst/>
-  </dgm:styleLbl>
-  <dgm:styleLbl name="alignAccFollowNode1">
-    <dgm:fillClrLst meth="repeat">
-      <a:schemeClr val="lt1">
-        <a:alpha val="90000"/>
-        <a:tint val="40000"/>
-      </a:schemeClr>
-    </dgm:fillClrLst>
-    <dgm:linClrLst meth="repeat">
-      <a:schemeClr val="dk1">
-        <a:alpha val="90000"/>
-      </a:schemeClr>
-    </dgm:linClrLst>
-    <dgm:effectClrLst/>
-    <dgm:txLinClrLst/>
-    <dgm:txFillClrLst meth="repeat">
-      <a:schemeClr val="dk1"/>
-    </dgm:txFillClrLst>
-    <dgm:txEffectClrLst/>
-  </dgm:styleLbl>
-  <dgm:styleLbl name="bgAccFollowNode1">
-    <dgm:fillClrLst meth="repeat">
-      <a:schemeClr val="lt1">
-        <a:alpha val="90000"/>
-        <a:tint val="40000"/>
-      </a:schemeClr>
-    </dgm:fillClrLst>
-    <dgm:linClrLst meth="repeat">
-      <a:schemeClr val="dk1">
-        <a:alpha val="90000"/>
-      </a:schemeClr>
-    </dgm:linClrLst>
-    <dgm:effectClrLst/>
-    <dgm:txLinClrLst/>
-    <dgm:txFillClrLst meth="repeat">
-      <a:schemeClr val="dk1"/>
-    </dgm:txFillClrLst>
-    <dgm:txEffectClrLst/>
-  </dgm:styleLbl>
-  <dgm:styleLbl name="fgAcc0">
-    <dgm:fillClrLst meth="repeat">
-      <a:schemeClr val="dk1">
-        <a:alpha val="90000"/>
-        <a:tint val="40000"/>
-      </a:schemeClr>
-    </dgm:fillClrLst>
-    <dgm:linClrLst meth="repeat">
-      <a:schemeClr val="dk1"/>
-    </dgm:linClrLst>
-    <dgm:effectClrLst/>
-    <dgm:txLinClrLst/>
-    <dgm:txFillClrLst meth="repeat">
-      <a:schemeClr val="dk1"/>
-    </dgm:txFillClrLst>
-    <dgm:txEffectClrLst/>
-  </dgm:styleLbl>
-  <dgm:styleLbl name="fgAcc2">
-    <dgm:fillClrLst meth="repeat">
-      <a:schemeClr val="dk1">
-        <a:alpha val="90000"/>
-        <a:tint val="40000"/>
-      </a:schemeClr>
-    </dgm:fillClrLst>
-    <dgm:linClrLst meth="repeat">
-      <a:schemeClr val="dk1"/>
-    </dgm:linClrLst>
-    <dgm:effectClrLst/>
-    <dgm:txLinClrLst/>
-    <dgm:txFillClrLst meth="repeat">
-      <a:schemeClr val="dk1"/>
-    </dgm:txFillClrLst>
-    <dgm:txEffectClrLst/>
-  </dgm:styleLbl>
-  <dgm:styleLbl name="fgAcc3">
-    <dgm:fillClrLst meth="repeat">
-      <a:schemeClr val="dk1">
-        <a:alpha val="90000"/>
-        <a:tint val="40000"/>
-      </a:schemeClr>
-    </dgm:fillClrLst>
-    <dgm:linClrLst meth="repeat">
-      <a:schemeClr val="dk1"/>
-    </dgm:linClrLst>
-    <dgm:effectClrLst/>
-    <dgm:txLinClrLst/>
-    <dgm:txFillClrLst meth="repeat">
-      <a:schemeClr val="dk1"/>
-    </dgm:txFillClrLst>
-    <dgm:txEffectClrLst/>
-  </dgm:styleLbl>
-  <dgm:styleLbl name="fgAcc4">
-    <dgm:fillClrLst meth="repeat">
-      <a:schemeClr val="dk1">
-        <a:alpha val="90000"/>
-        <a:tint val="40000"/>
-      </a:schemeClr>
-    </dgm:fillClrLst>
-    <dgm:linClrLst meth="repeat">
-      <a:schemeClr val="dk1"/>
-    </dgm:linClrLst>
-    <dgm:effectClrLst/>
-    <dgm:txLinClrLst/>
-    <dgm:txFillClrLst meth="repeat">
-      <a:schemeClr val="dk1"/>
-    </dgm:txFillClrLst>
-    <dgm:txEffectClrLst/>
-  </dgm:styleLbl>
-  <dgm:styleLbl name="bgShp">
-    <dgm:fillClrLst meth="repeat">
-      <a:schemeClr val="dk1">
-        <a:tint val="40000"/>
-      </a:schemeClr>
-    </dgm:fillClrLst>
-    <dgm:linClrLst meth="repeat">
-      <a:schemeClr val="dk1"/>
-    </dgm:linClrLst>
-    <dgm:effectClrLst/>
-    <dgm:txLinClrLst/>
-    <dgm:txFillClrLst meth="repeat">
-      <a:schemeClr val="dk1"/>
-    </dgm:txFillClrLst>
-    <dgm:txEffectClrLst/>
-  </dgm:styleLbl>
-  <dgm:styleLbl name="dkBgShp">
-    <dgm:fillClrLst meth="repeat">
-      <a:schemeClr val="dk1">
-        <a:shade val="80000"/>
-      </a:schemeClr>
-    </dgm:fillClrLst>
-    <dgm:linClrLst meth="repeat">
-      <a:schemeClr val="dk1"/>
-    </dgm:linClrLst>
-    <dgm:effectClrLst/>
-    <dgm:txLinClrLst/>
-    <dgm:txFillClrLst meth="repeat">
-      <a:schemeClr val="lt1"/>
-    </dgm:txFillClrLst>
-    <dgm:txEffectClrLst/>
-  </dgm:styleLbl>
-  <dgm:styleLbl name="trBgShp">
-    <dgm:fillClrLst meth="repeat">
-      <a:schemeClr val="dk1">
-        <a:tint val="50000"/>
-        <a:alpha val="40000"/>
-      </a:schemeClr>
-    </dgm:fillClrLst>
-    <dgm:linClrLst meth="repeat">
-      <a:schemeClr val="dk1"/>
-    </dgm:linClrLst>
-    <dgm:effectClrLst/>
-    <dgm:txLinClrLst/>
-    <dgm:txFillClrLst meth="repeat">
-      <a:schemeClr val="lt1"/>
-    </dgm:txFillClrLst>
-    <dgm:txEffectClrLst/>
-  </dgm:styleLbl>
-  <dgm:styleLbl name="fgShp">
-    <dgm:fillClrLst meth="repeat">
-      <a:schemeClr val="dk1">
-        <a:tint val="60000"/>
-      </a:schemeClr>
-    </dgm:fillClrLst>
-    <dgm:linClrLst meth="repeat">
-      <a:schemeClr val="lt1"/>
-    </dgm:linClrLst>
-    <dgm:effectClrLst/>
-    <dgm:txLinClrLst/>
-    <dgm:txFillClrLst meth="repeat">
-      <a:schemeClr val="dk1"/>
-    </dgm:txFillClrLst>
-    <dgm:txEffectClrLst/>
-  </dgm:styleLbl>
-  <dgm:styleLbl name="revTx">
-    <dgm:fillClrLst meth="repeat">
-      <a:schemeClr val="lt1">
-        <a:alpha val="0"/>
-      </a:schemeClr>
-    </dgm:fillClrLst>
-    <dgm:linClrLst meth="repeat">
-      <a:schemeClr val="dk1">
-        <a:alpha val="0"/>
-      </a:schemeClr>
-    </dgm:linClrLst>
-    <dgm:effectClrLst/>
-    <dgm:txLinClrLst/>
-    <dgm:txFillClrLst meth="repeat">
-      <a:schemeClr val="tx1"/>
-    </dgm:txFillClrLst>
-    <dgm:txEffectClrLst/>
-  </dgm:styleLbl>
-</dgm:colorsDef>
-</file>
-
 <file path=ppt/diagrams/data1.xml><?xml version="1.0" encoding="utf-8"?>
 <dgm:dataModel xmlns:dgm="http://schemas.openxmlformats.org/drawingml/2006/diagram" xmlns:a="http://schemas.openxmlformats.org/drawingml/2006/main">
   <dgm:ptLst>
@@ -2619,6 +1811,13 @@
         </dgm:presLayoutVars>
       </dgm:prSet>
       <dgm:spPr/>
+      <dgm:t>
+        <a:bodyPr/>
+        <a:lstStyle/>
+        <a:p>
+          <a:endParaRPr lang="en-US"/>
+        </a:p>
+      </dgm:t>
     </dgm:pt>
     <dgm:pt modelId="{1C5DD78D-E71E-4D6C-AC14-B71BB76333F8}" type="pres">
       <dgm:prSet presAssocID="{B644AC27-534E-4B54-AC21-B1DACE184BD4}" presName="parentText" presStyleLbl="node1" presStyleIdx="0" presStyleCnt="4">
@@ -2628,6 +1827,13 @@
         </dgm:presLayoutVars>
       </dgm:prSet>
       <dgm:spPr/>
+      <dgm:t>
+        <a:bodyPr/>
+        <a:lstStyle/>
+        <a:p>
+          <a:endParaRPr lang="en-US"/>
+        </a:p>
+      </dgm:t>
     </dgm:pt>
     <dgm:pt modelId="{F45D6A4B-2D65-431F-8823-7CBF4AA2CE32}" type="pres">
       <dgm:prSet presAssocID="{9ABB0889-E2DD-457C-B4DB-4887607813A7}" presName="spacer" presStyleCnt="0"/>
@@ -2641,6 +1847,13 @@
         </dgm:presLayoutVars>
       </dgm:prSet>
       <dgm:spPr/>
+      <dgm:t>
+        <a:bodyPr/>
+        <a:lstStyle/>
+        <a:p>
+          <a:endParaRPr lang="en-US"/>
+        </a:p>
+      </dgm:t>
     </dgm:pt>
     <dgm:pt modelId="{3080AFB1-4966-4320-8836-C69B7DBD7A45}" type="pres">
       <dgm:prSet presAssocID="{81E2D618-1171-4B8F-A877-3752CF291BBE}" presName="spacer" presStyleCnt="0"/>
@@ -2674,6 +1887,13 @@
         </dgm:presLayoutVars>
       </dgm:prSet>
       <dgm:spPr/>
+      <dgm:t>
+        <a:bodyPr/>
+        <a:lstStyle/>
+        <a:p>
+          <a:endParaRPr lang="en-US"/>
+        </a:p>
+      </dgm:t>
     </dgm:pt>
   </dgm:ptLst>
   <dgm:cxnLst>
@@ -2878,6 +2098,13 @@
         </dgm:presLayoutVars>
       </dgm:prSet>
       <dgm:spPr/>
+      <dgm:t>
+        <a:bodyPr/>
+        <a:lstStyle/>
+        <a:p>
+          <a:endParaRPr lang="en-US"/>
+        </a:p>
+      </dgm:t>
     </dgm:pt>
     <dgm:pt modelId="{0C3F2094-2EC9-44C9-87CF-E572ABE7FFDA}" type="pres">
       <dgm:prSet presAssocID="{C97FED34-0FF0-4DE8-8239-2AFFB7627D8C}" presName="parentText" presStyleLbl="node1" presStyleIdx="0" presStyleCnt="4">
@@ -2887,6 +2114,13 @@
         </dgm:presLayoutVars>
       </dgm:prSet>
       <dgm:spPr/>
+      <dgm:t>
+        <a:bodyPr/>
+        <a:lstStyle/>
+        <a:p>
+          <a:endParaRPr lang="en-US"/>
+        </a:p>
+      </dgm:t>
     </dgm:pt>
     <dgm:pt modelId="{F831133F-6541-4FB9-A668-CAF4B7F5E791}" type="pres">
       <dgm:prSet presAssocID="{185437D8-9535-4AF1-B4DF-F536E5A2FF7E}" presName="spacer" presStyleCnt="0"/>
@@ -2900,6 +2134,13 @@
         </dgm:presLayoutVars>
       </dgm:prSet>
       <dgm:spPr/>
+      <dgm:t>
+        <a:bodyPr/>
+        <a:lstStyle/>
+        <a:p>
+          <a:endParaRPr lang="en-US"/>
+        </a:p>
+      </dgm:t>
     </dgm:pt>
     <dgm:pt modelId="{C30D1ACF-680F-41CE-A97E-7359F8BE7B9A}" type="pres">
       <dgm:prSet presAssocID="{7817C346-7BC0-4BEE-981B-188257DE8FD8}" presName="spacer" presStyleCnt="0"/>
@@ -2913,6 +2154,13 @@
         </dgm:presLayoutVars>
       </dgm:prSet>
       <dgm:spPr/>
+      <dgm:t>
+        <a:bodyPr/>
+        <a:lstStyle/>
+        <a:p>
+          <a:endParaRPr lang="en-US"/>
+        </a:p>
+      </dgm:t>
     </dgm:pt>
     <dgm:pt modelId="{13D6FF30-9EDF-4379-9220-F4C4C7D16407}" type="pres">
       <dgm:prSet presAssocID="{0B167F0D-B83A-4F75-BCBA-6190AA8E49A3}" presName="spacer" presStyleCnt="0"/>
@@ -2936,15 +2184,15 @@
     </dgm:pt>
   </dgm:ptLst>
   <dgm:cxnLst>
+    <dgm:cxn modelId="{E49F8530-0DEB-4A70-AA70-F2FBD366E84E}" srcId="{A7A12FE2-A695-49A0-B1E7-4BCE2198C0C1}" destId="{C97FED34-0FF0-4DE8-8239-2AFFB7627D8C}" srcOrd="0" destOrd="0" parTransId="{67C571FC-4DCD-4CCC-A869-0EBDD28B38E2}" sibTransId="{185437D8-9535-4AF1-B4DF-F536E5A2FF7E}"/>
     <dgm:cxn modelId="{2B4CB4E7-AE27-421F-BD68-20D9BCE8FE24}" srcId="{A7A12FE2-A695-49A0-B1E7-4BCE2198C0C1}" destId="{C639AFF8-9495-4B63-ADC4-59C1AA105AFC}" srcOrd="3" destOrd="0" parTransId="{84930904-49BB-4551-AECA-6C84A6005CEB}" sibTransId="{98178C80-57D8-471D-BDB2-DDD5DD8EF286}"/>
     <dgm:cxn modelId="{017A2299-1F0F-4F00-97BA-42085D324431}" type="presOf" srcId="{A7A12FE2-A695-49A0-B1E7-4BCE2198C0C1}" destId="{3FB69F29-4307-4A32-B7B7-1A55EC1FED09}" srcOrd="0" destOrd="0" presId="urn:microsoft.com/office/officeart/2005/8/layout/vList2"/>
-    <dgm:cxn modelId="{E49F8530-0DEB-4A70-AA70-F2FBD366E84E}" srcId="{A7A12FE2-A695-49A0-B1E7-4BCE2198C0C1}" destId="{C97FED34-0FF0-4DE8-8239-2AFFB7627D8C}" srcOrd="0" destOrd="0" parTransId="{67C571FC-4DCD-4CCC-A869-0EBDD28B38E2}" sibTransId="{185437D8-9535-4AF1-B4DF-F536E5A2FF7E}"/>
+    <dgm:cxn modelId="{BDCE5C5E-4C3C-4858-B353-B21558AEBE99}" srcId="{A7A12FE2-A695-49A0-B1E7-4BCE2198C0C1}" destId="{6FDC76B2-22D3-433D-A729-E80B85AAAE07}" srcOrd="2" destOrd="0" parTransId="{1A9BB053-7ED9-437A-8896-FCE78515C7C9}" sibTransId="{0B167F0D-B83A-4F75-BCBA-6190AA8E49A3}"/>
+    <dgm:cxn modelId="{93034F3A-F05A-4901-953F-45570692AF48}" type="presOf" srcId="{C97FED34-0FF0-4DE8-8239-2AFFB7627D8C}" destId="{0C3F2094-2EC9-44C9-87CF-E572ABE7FFDA}" srcOrd="0" destOrd="0" presId="urn:microsoft.com/office/officeart/2005/8/layout/vList2"/>
+    <dgm:cxn modelId="{2B4A5ADB-2CF2-4D41-9EC7-E5B0A93D2CCF}" type="presOf" srcId="{C639AFF8-9495-4B63-ADC4-59C1AA105AFC}" destId="{B9DB7BBC-8FE0-4D09-9D4A-A515320BF080}" srcOrd="0" destOrd="0" presId="urn:microsoft.com/office/officeart/2005/8/layout/vList2"/>
+    <dgm:cxn modelId="{1404A619-7262-49CA-A6FA-82926D512DD1}" type="presOf" srcId="{78B67874-807A-46CE-A783-4BFB11B377B8}" destId="{FD37DC64-FD5B-4276-9395-DE1354DCD5B8}" srcOrd="0" destOrd="0" presId="urn:microsoft.com/office/officeart/2005/8/layout/vList2"/>
+    <dgm:cxn modelId="{E9C335E5-8887-49C1-BD78-DE80E845B19D}" type="presOf" srcId="{6FDC76B2-22D3-433D-A729-E80B85AAAE07}" destId="{1DDDE1CF-272E-4DE5-B4E4-BC2A869AA86E}" srcOrd="0" destOrd="0" presId="urn:microsoft.com/office/officeart/2005/8/layout/vList2"/>
     <dgm:cxn modelId="{26E6C768-4185-449F-BC27-3BC3D91C4DBF}" srcId="{A7A12FE2-A695-49A0-B1E7-4BCE2198C0C1}" destId="{78B67874-807A-46CE-A783-4BFB11B377B8}" srcOrd="1" destOrd="0" parTransId="{FF300C67-0E51-4C3B-A60C-B850DA627BC9}" sibTransId="{7817C346-7BC0-4BEE-981B-188257DE8FD8}"/>
-    <dgm:cxn modelId="{1404A619-7262-49CA-A6FA-82926D512DD1}" type="presOf" srcId="{78B67874-807A-46CE-A783-4BFB11B377B8}" destId="{FD37DC64-FD5B-4276-9395-DE1354DCD5B8}" srcOrd="0" destOrd="0" presId="urn:microsoft.com/office/officeart/2005/8/layout/vList2"/>
-    <dgm:cxn modelId="{93034F3A-F05A-4901-953F-45570692AF48}" type="presOf" srcId="{C97FED34-0FF0-4DE8-8239-2AFFB7627D8C}" destId="{0C3F2094-2EC9-44C9-87CF-E572ABE7FFDA}" srcOrd="0" destOrd="0" presId="urn:microsoft.com/office/officeart/2005/8/layout/vList2"/>
-    <dgm:cxn modelId="{E9C335E5-8887-49C1-BD78-DE80E845B19D}" type="presOf" srcId="{6FDC76B2-22D3-433D-A729-E80B85AAAE07}" destId="{1DDDE1CF-272E-4DE5-B4E4-BC2A869AA86E}" srcOrd="0" destOrd="0" presId="urn:microsoft.com/office/officeart/2005/8/layout/vList2"/>
-    <dgm:cxn modelId="{2B4A5ADB-2CF2-4D41-9EC7-E5B0A93D2CCF}" type="presOf" srcId="{C639AFF8-9495-4B63-ADC4-59C1AA105AFC}" destId="{B9DB7BBC-8FE0-4D09-9D4A-A515320BF080}" srcOrd="0" destOrd="0" presId="urn:microsoft.com/office/officeart/2005/8/layout/vList2"/>
-    <dgm:cxn modelId="{BDCE5C5E-4C3C-4858-B353-B21558AEBE99}" srcId="{A7A12FE2-A695-49A0-B1E7-4BCE2198C0C1}" destId="{6FDC76B2-22D3-433D-A729-E80B85AAAE07}" srcOrd="2" destOrd="0" parTransId="{1A9BB053-7ED9-437A-8896-FCE78515C7C9}" sibTransId="{0B167F0D-B83A-4F75-BCBA-6190AA8E49A3}"/>
     <dgm:cxn modelId="{7AF1F701-AA54-4981-ABCD-0C56AAF9DE48}" type="presParOf" srcId="{3FB69F29-4307-4A32-B7B7-1A55EC1FED09}" destId="{0C3F2094-2EC9-44C9-87CF-E572ABE7FFDA}" srcOrd="0" destOrd="0" presId="urn:microsoft.com/office/officeart/2005/8/layout/vList2"/>
     <dgm:cxn modelId="{2BA4E109-9FFF-456F-9D02-7BF7F41766FB}" type="presParOf" srcId="{3FB69F29-4307-4A32-B7B7-1A55EC1FED09}" destId="{F831133F-6541-4FB9-A668-CAF4B7F5E791}" srcOrd="1" destOrd="0" presId="urn:microsoft.com/office/officeart/2005/8/layout/vList2"/>
     <dgm:cxn modelId="{B8FF6637-0071-461E-8415-6301FDC21B50}" type="presParOf" srcId="{3FB69F29-4307-4A32-B7B7-1A55EC1FED09}" destId="{FD37DC64-FD5B-4276-9395-DE1354DCD5B8}" srcOrd="2" destOrd="0" presId="urn:microsoft.com/office/officeart/2005/8/layout/vList2"/>
@@ -2958,671 +2206,6 @@
   <dgm:extLst>
     <a:ext uri="http://schemas.microsoft.com/office/drawing/2008/diagram">
       <dsp:dataModelExt xmlns:dsp="http://schemas.microsoft.com/office/drawing/2008/diagram" relId="rId12" minVer="http://schemas.openxmlformats.org/drawingml/2006/diagram"/>
-    </a:ext>
-  </dgm:extLst>
-</dgm:dataModel>
-</file>
-
-<file path=ppt/diagrams/data3.xml><?xml version="1.0" encoding="utf-8"?>
-<dgm:dataModel xmlns:dgm="http://schemas.openxmlformats.org/drawingml/2006/diagram" xmlns:a="http://schemas.openxmlformats.org/drawingml/2006/main">
-  <dgm:ptLst>
-    <dgm:pt modelId="{F9D6370B-6FBE-41C3-8CCD-A4B36617155C}" type="doc">
-      <dgm:prSet loTypeId="urn:microsoft.com/office/officeart/2005/8/layout/cycle1" loCatId="cycle" qsTypeId="urn:microsoft.com/office/officeart/2005/8/quickstyle/simple1" qsCatId="simple" csTypeId="urn:microsoft.com/office/officeart/2005/8/colors/accent0_1" csCatId="mainScheme" phldr="1"/>
-      <dgm:spPr/>
-      <dgm:t>
-        <a:bodyPr/>
-        <a:lstStyle/>
-        <a:p>
-          <a:endParaRPr lang="en-US"/>
-        </a:p>
-      </dgm:t>
-    </dgm:pt>
-    <dgm:pt modelId="{3FC1AC79-32E4-4D03-9EF7-DC7A116AB9AF}">
-      <dgm:prSet phldrT="[Text]"/>
-      <dgm:spPr/>
-      <dgm:t>
-        <a:bodyPr/>
-        <a:lstStyle/>
-        <a:p>
-          <a:r>
-            <a:rPr lang="en-US" b="0" cap="none" spc="0" dirty="0" smtClean="0">
-              <a:ln w="0"/>
-              <a:solidFill>
-                <a:schemeClr val="tx1"/>
-              </a:solidFill>
-              <a:effectLst>
-                <a:outerShdw blurRad="38100" dist="19050" dir="2700000" algn="tl" rotWithShape="0">
-                  <a:schemeClr val="dk1">
-                    <a:alpha val="40000"/>
-                  </a:schemeClr>
-                </a:outerShdw>
-              </a:effectLst>
-            </a:rPr>
-            <a:t>Line follower finds the path</a:t>
-          </a:r>
-          <a:endParaRPr lang="en-US" b="0" cap="none" spc="0" dirty="0">
-            <a:ln w="0"/>
-            <a:solidFill>
-              <a:schemeClr val="tx1"/>
-            </a:solidFill>
-            <a:effectLst>
-              <a:outerShdw blurRad="38100" dist="19050" dir="2700000" algn="tl" rotWithShape="0">
-                <a:schemeClr val="dk1">
-                  <a:alpha val="40000"/>
-                </a:schemeClr>
-              </a:outerShdw>
-            </a:effectLst>
-          </a:endParaRPr>
-        </a:p>
-      </dgm:t>
-    </dgm:pt>
-    <dgm:pt modelId="{A072915E-7480-4BE4-9477-F0FAC0A4EA0E}" type="parTrans" cxnId="{DA2CD885-80E9-43FD-A75A-5C7305AC55B3}">
-      <dgm:prSet/>
-      <dgm:spPr/>
-      <dgm:t>
-        <a:bodyPr/>
-        <a:lstStyle/>
-        <a:p>
-          <a:endParaRPr lang="en-US" b="0" cap="none" spc="0">
-            <a:ln w="0"/>
-            <a:solidFill>
-              <a:schemeClr val="tx1"/>
-            </a:solidFill>
-            <a:effectLst>
-              <a:outerShdw blurRad="38100" dist="19050" dir="2700000" algn="tl" rotWithShape="0">
-                <a:schemeClr val="dk1">
-                  <a:alpha val="40000"/>
-                </a:schemeClr>
-              </a:outerShdw>
-            </a:effectLst>
-          </a:endParaRPr>
-        </a:p>
-      </dgm:t>
-    </dgm:pt>
-    <dgm:pt modelId="{FB95D896-E6B3-484E-936A-4FE40DFB430E}" type="sibTrans" cxnId="{DA2CD885-80E9-43FD-A75A-5C7305AC55B3}">
-      <dgm:prSet/>
-      <dgm:spPr/>
-      <dgm:t>
-        <a:bodyPr/>
-        <a:lstStyle/>
-        <a:p>
-          <a:endParaRPr lang="en-US" b="0" cap="none" spc="0">
-            <a:ln w="0"/>
-            <a:solidFill>
-              <a:schemeClr val="tx1"/>
-            </a:solidFill>
-            <a:effectLst>
-              <a:outerShdw blurRad="38100" dist="19050" dir="2700000" algn="tl" rotWithShape="0">
-                <a:schemeClr val="dk1">
-                  <a:alpha val="40000"/>
-                </a:schemeClr>
-              </a:outerShdw>
-            </a:effectLst>
-          </a:endParaRPr>
-        </a:p>
-      </dgm:t>
-    </dgm:pt>
-    <dgm:pt modelId="{A234143F-172F-4BDA-B0FB-AABFFB38B638}">
-      <dgm:prSet phldrT="[Text]"/>
-      <dgm:spPr/>
-      <dgm:t>
-        <a:bodyPr/>
-        <a:lstStyle/>
-        <a:p>
-          <a:r>
-            <a:rPr lang="en-US" b="0" cap="none" spc="0" dirty="0" smtClean="0">
-              <a:ln w="0"/>
-              <a:solidFill>
-                <a:schemeClr val="tx1"/>
-              </a:solidFill>
-              <a:effectLst>
-                <a:outerShdw blurRad="38100" dist="19050" dir="2700000" algn="tl" rotWithShape="0">
-                  <a:schemeClr val="dk1">
-                    <a:alpha val="40000"/>
-                  </a:schemeClr>
-                </a:outerShdw>
-              </a:effectLst>
-            </a:rPr>
-            <a:t>Robot moves </a:t>
-          </a:r>
-          <a:r>
-            <a:rPr lang="en-US" b="0" cap="none" spc="0" dirty="0" smtClean="0">
-              <a:ln w="0"/>
-              <a:solidFill>
-                <a:schemeClr val="tx1"/>
-              </a:solidFill>
-              <a:effectLst>
-                <a:outerShdw blurRad="38100" dist="19050" dir="2700000" algn="tl" rotWithShape="0">
-                  <a:schemeClr val="dk1">
-                    <a:alpha val="40000"/>
-                  </a:schemeClr>
-                </a:outerShdw>
-              </a:effectLst>
-            </a:rPr>
-            <a:t>along path</a:t>
-          </a:r>
-          <a:endParaRPr lang="en-US" b="0" cap="none" spc="0" dirty="0">
-            <a:ln w="0"/>
-            <a:solidFill>
-              <a:schemeClr val="tx1"/>
-            </a:solidFill>
-            <a:effectLst>
-              <a:outerShdw blurRad="38100" dist="19050" dir="2700000" algn="tl" rotWithShape="0">
-                <a:schemeClr val="dk1">
-                  <a:alpha val="40000"/>
-                </a:schemeClr>
-              </a:outerShdw>
-            </a:effectLst>
-          </a:endParaRPr>
-        </a:p>
-      </dgm:t>
-    </dgm:pt>
-    <dgm:pt modelId="{F2149057-8FB7-418A-8A16-FA47D3110EE2}" type="parTrans" cxnId="{C772022F-C1AE-42C5-AA87-7533F24827FA}">
-      <dgm:prSet/>
-      <dgm:spPr/>
-      <dgm:t>
-        <a:bodyPr/>
-        <a:lstStyle/>
-        <a:p>
-          <a:endParaRPr lang="en-US" b="0" cap="none" spc="0">
-            <a:ln w="0"/>
-            <a:solidFill>
-              <a:schemeClr val="tx1"/>
-            </a:solidFill>
-            <a:effectLst>
-              <a:outerShdw blurRad="38100" dist="19050" dir="2700000" algn="tl" rotWithShape="0">
-                <a:schemeClr val="dk1">
-                  <a:alpha val="40000"/>
-                </a:schemeClr>
-              </a:outerShdw>
-            </a:effectLst>
-          </a:endParaRPr>
-        </a:p>
-      </dgm:t>
-    </dgm:pt>
-    <dgm:pt modelId="{95BD9D08-AE43-4593-8703-7771F8B26F98}" type="sibTrans" cxnId="{C772022F-C1AE-42C5-AA87-7533F24827FA}">
-      <dgm:prSet/>
-      <dgm:spPr/>
-      <dgm:t>
-        <a:bodyPr/>
-        <a:lstStyle/>
-        <a:p>
-          <a:endParaRPr lang="en-US" b="0" cap="none" spc="0">
-            <a:ln w="0"/>
-            <a:solidFill>
-              <a:schemeClr val="tx1"/>
-            </a:solidFill>
-            <a:effectLst>
-              <a:outerShdw blurRad="38100" dist="19050" dir="2700000" algn="tl" rotWithShape="0">
-                <a:schemeClr val="dk1">
-                  <a:alpha val="40000"/>
-                </a:schemeClr>
-              </a:outerShdw>
-            </a:effectLst>
-          </a:endParaRPr>
-        </a:p>
-      </dgm:t>
-    </dgm:pt>
-    <dgm:pt modelId="{64B28CF6-128D-483F-B286-B5362C32E002}">
-      <dgm:prSet phldrT="[Text]"/>
-      <dgm:spPr/>
-      <dgm:t>
-        <a:bodyPr/>
-        <a:lstStyle/>
-        <a:p>
-          <a:r>
-            <a:rPr lang="en-US" b="0" cap="none" spc="0" dirty="0" smtClean="0">
-              <a:ln w="0"/>
-              <a:solidFill>
-                <a:schemeClr val="tx1"/>
-              </a:solidFill>
-              <a:effectLst>
-                <a:outerShdw blurRad="38100" dist="19050" dir="2700000" algn="tl" rotWithShape="0">
-                  <a:schemeClr val="dk1">
-                    <a:alpha val="40000"/>
-                  </a:schemeClr>
-                </a:outerShdw>
-              </a:effectLst>
-            </a:rPr>
-            <a:t>RBG sensor detects order and arm activates</a:t>
-          </a:r>
-          <a:endParaRPr lang="en-US" b="0" cap="none" spc="0" dirty="0">
-            <a:ln w="0"/>
-            <a:solidFill>
-              <a:schemeClr val="tx1"/>
-            </a:solidFill>
-            <a:effectLst>
-              <a:outerShdw blurRad="38100" dist="19050" dir="2700000" algn="tl" rotWithShape="0">
-                <a:schemeClr val="dk1">
-                  <a:alpha val="40000"/>
-                </a:schemeClr>
-              </a:outerShdw>
-            </a:effectLst>
-          </a:endParaRPr>
-        </a:p>
-      </dgm:t>
-    </dgm:pt>
-    <dgm:pt modelId="{56B12B33-C4EB-4F0B-91D3-95DF4DC118F4}" type="parTrans" cxnId="{AB70EC50-07E4-4727-B213-35230F7AB777}">
-      <dgm:prSet/>
-      <dgm:spPr/>
-      <dgm:t>
-        <a:bodyPr/>
-        <a:lstStyle/>
-        <a:p>
-          <a:endParaRPr lang="en-US" b="0" cap="none" spc="0">
-            <a:ln w="0"/>
-            <a:solidFill>
-              <a:schemeClr val="tx1"/>
-            </a:solidFill>
-            <a:effectLst>
-              <a:outerShdw blurRad="38100" dist="19050" dir="2700000" algn="tl" rotWithShape="0">
-                <a:schemeClr val="dk1">
-                  <a:alpha val="40000"/>
-                </a:schemeClr>
-              </a:outerShdw>
-            </a:effectLst>
-          </a:endParaRPr>
-        </a:p>
-      </dgm:t>
-    </dgm:pt>
-    <dgm:pt modelId="{865DC9BC-D791-4D2A-B88F-769185813328}" type="sibTrans" cxnId="{AB70EC50-07E4-4727-B213-35230F7AB777}">
-      <dgm:prSet/>
-      <dgm:spPr/>
-      <dgm:t>
-        <a:bodyPr/>
-        <a:lstStyle/>
-        <a:p>
-          <a:endParaRPr lang="en-US" b="0" cap="none" spc="0">
-            <a:ln w="0"/>
-            <a:solidFill>
-              <a:schemeClr val="tx1"/>
-            </a:solidFill>
-            <a:effectLst>
-              <a:outerShdw blurRad="38100" dist="19050" dir="2700000" algn="tl" rotWithShape="0">
-                <a:schemeClr val="dk1">
-                  <a:alpha val="40000"/>
-                </a:schemeClr>
-              </a:outerShdw>
-            </a:effectLst>
-          </a:endParaRPr>
-        </a:p>
-      </dgm:t>
-    </dgm:pt>
-    <dgm:pt modelId="{755B49B8-CB4C-47EF-8B6D-4AE8F296D42C}">
-      <dgm:prSet phldrT="[Text]"/>
-      <dgm:spPr/>
-      <dgm:t>
-        <a:bodyPr/>
-        <a:lstStyle/>
-        <a:p>
-          <a:r>
-            <a:rPr lang="en-US" b="0" cap="none" spc="0" dirty="0" smtClean="0">
-              <a:ln w="0"/>
-              <a:solidFill>
-                <a:schemeClr val="tx1"/>
-              </a:solidFill>
-              <a:effectLst>
-                <a:outerShdw blurRad="38100" dist="19050" dir="2700000" algn="tl" rotWithShape="0">
-                  <a:schemeClr val="dk1">
-                    <a:alpha val="40000"/>
-                  </a:schemeClr>
-                </a:outerShdw>
-              </a:effectLst>
-            </a:rPr>
-            <a:t>Arm moves to grab mints</a:t>
-          </a:r>
-          <a:endParaRPr lang="en-US" b="0" cap="none" spc="0" dirty="0">
-            <a:ln w="0"/>
-            <a:solidFill>
-              <a:schemeClr val="tx1"/>
-            </a:solidFill>
-            <a:effectLst>
-              <a:outerShdw blurRad="38100" dist="19050" dir="2700000" algn="tl" rotWithShape="0">
-                <a:schemeClr val="dk1">
-                  <a:alpha val="40000"/>
-                </a:schemeClr>
-              </a:outerShdw>
-            </a:effectLst>
-          </a:endParaRPr>
-        </a:p>
-      </dgm:t>
-    </dgm:pt>
-    <dgm:pt modelId="{76BB81FA-DFB9-48F3-B5AB-67136CF6A9D6}" type="parTrans" cxnId="{B5EF78D5-E1B9-4B15-ACF7-60922A4C4C95}">
-      <dgm:prSet/>
-      <dgm:spPr/>
-      <dgm:t>
-        <a:bodyPr/>
-        <a:lstStyle/>
-        <a:p>
-          <a:endParaRPr lang="en-US" b="0" cap="none" spc="0">
-            <a:ln w="0"/>
-            <a:solidFill>
-              <a:schemeClr val="tx1"/>
-            </a:solidFill>
-            <a:effectLst>
-              <a:outerShdw blurRad="38100" dist="19050" dir="2700000" algn="tl" rotWithShape="0">
-                <a:schemeClr val="dk1">
-                  <a:alpha val="40000"/>
-                </a:schemeClr>
-              </a:outerShdw>
-            </a:effectLst>
-          </a:endParaRPr>
-        </a:p>
-      </dgm:t>
-    </dgm:pt>
-    <dgm:pt modelId="{F8C97C33-64E4-4F5C-BABA-4A222A086F3A}" type="sibTrans" cxnId="{B5EF78D5-E1B9-4B15-ACF7-60922A4C4C95}">
-      <dgm:prSet/>
-      <dgm:spPr/>
-      <dgm:t>
-        <a:bodyPr/>
-        <a:lstStyle/>
-        <a:p>
-          <a:endParaRPr lang="en-US" b="0" cap="none" spc="0">
-            <a:ln w="0"/>
-            <a:solidFill>
-              <a:schemeClr val="tx1"/>
-            </a:solidFill>
-            <a:effectLst>
-              <a:outerShdw blurRad="38100" dist="19050" dir="2700000" algn="tl" rotWithShape="0">
-                <a:schemeClr val="dk1">
-                  <a:alpha val="40000"/>
-                </a:schemeClr>
-              </a:outerShdw>
-            </a:effectLst>
-          </a:endParaRPr>
-        </a:p>
-      </dgm:t>
-    </dgm:pt>
-    <dgm:pt modelId="{7A05D2E4-69B6-4E98-B546-FF474EA9B8B0}">
-      <dgm:prSet phldrT="[Text]"/>
-      <dgm:spPr/>
-      <dgm:t>
-        <a:bodyPr/>
-        <a:lstStyle/>
-        <a:p>
-          <a:r>
-            <a:rPr lang="en-US" b="0" cap="none" spc="0" dirty="0" smtClean="0">
-              <a:ln w="0"/>
-              <a:solidFill>
-                <a:schemeClr val="tx1"/>
-              </a:solidFill>
-              <a:effectLst>
-                <a:outerShdw blurRad="38100" dist="19050" dir="2700000" algn="tl" rotWithShape="0">
-                  <a:schemeClr val="dk1">
-                    <a:alpha val="40000"/>
-                  </a:schemeClr>
-                </a:outerShdw>
-              </a:effectLst>
-            </a:rPr>
-            <a:t>Robot reverses at the end of the table</a:t>
-          </a:r>
-          <a:endParaRPr lang="en-US" b="0" cap="none" spc="0" dirty="0">
-            <a:ln w="0"/>
-            <a:solidFill>
-              <a:schemeClr val="tx1"/>
-            </a:solidFill>
-            <a:effectLst>
-              <a:outerShdw blurRad="38100" dist="19050" dir="2700000" algn="tl" rotWithShape="0">
-                <a:schemeClr val="dk1">
-                  <a:alpha val="40000"/>
-                </a:schemeClr>
-              </a:outerShdw>
-            </a:effectLst>
-          </a:endParaRPr>
-        </a:p>
-      </dgm:t>
-    </dgm:pt>
-    <dgm:pt modelId="{689981B6-848F-4362-B3C3-FEB16BC5F6B8}" type="parTrans" cxnId="{0ABC6A69-48AE-4D27-A92B-CBBDF0AE92BA}">
-      <dgm:prSet/>
-      <dgm:spPr/>
-      <dgm:t>
-        <a:bodyPr/>
-        <a:lstStyle/>
-        <a:p>
-          <a:endParaRPr lang="en-US" b="0" cap="none" spc="0">
-            <a:ln w="0"/>
-            <a:solidFill>
-              <a:schemeClr val="tx1"/>
-            </a:solidFill>
-            <a:effectLst>
-              <a:outerShdw blurRad="38100" dist="19050" dir="2700000" algn="tl" rotWithShape="0">
-                <a:schemeClr val="dk1">
-                  <a:alpha val="40000"/>
-                </a:schemeClr>
-              </a:outerShdw>
-            </a:effectLst>
-          </a:endParaRPr>
-        </a:p>
-      </dgm:t>
-    </dgm:pt>
-    <dgm:pt modelId="{B32CDD46-DD8D-4049-BBFB-476C86E85241}" type="sibTrans" cxnId="{0ABC6A69-48AE-4D27-A92B-CBBDF0AE92BA}">
-      <dgm:prSet/>
-      <dgm:spPr/>
-      <dgm:t>
-        <a:bodyPr/>
-        <a:lstStyle/>
-        <a:p>
-          <a:endParaRPr lang="en-US" b="0" cap="none" spc="0">
-            <a:ln w="0"/>
-            <a:solidFill>
-              <a:schemeClr val="tx1"/>
-            </a:solidFill>
-            <a:effectLst>
-              <a:outerShdw blurRad="38100" dist="19050" dir="2700000" algn="tl" rotWithShape="0">
-                <a:schemeClr val="dk1">
-                  <a:alpha val="40000"/>
-                </a:schemeClr>
-              </a:outerShdw>
-            </a:effectLst>
-          </a:endParaRPr>
-        </a:p>
-      </dgm:t>
-    </dgm:pt>
-    <dgm:pt modelId="{DC9C8728-5A93-4BE6-971D-F73EE2BDBDEA}" type="pres">
-      <dgm:prSet presAssocID="{F9D6370B-6FBE-41C3-8CCD-A4B36617155C}" presName="cycle" presStyleCnt="0">
-        <dgm:presLayoutVars>
-          <dgm:dir/>
-          <dgm:resizeHandles val="exact"/>
-        </dgm:presLayoutVars>
-      </dgm:prSet>
-      <dgm:spPr/>
-      <dgm:t>
-        <a:bodyPr/>
-        <a:lstStyle/>
-        <a:p>
-          <a:endParaRPr lang="en-US"/>
-        </a:p>
-      </dgm:t>
-    </dgm:pt>
-    <dgm:pt modelId="{04106CE0-7CB5-46C3-98C4-0DC856E6847F}" type="pres">
-      <dgm:prSet presAssocID="{3FC1AC79-32E4-4D03-9EF7-DC7A116AB9AF}" presName="dummy" presStyleCnt="0"/>
-      <dgm:spPr/>
-    </dgm:pt>
-    <dgm:pt modelId="{D8799F19-D33C-4CAD-A148-3D940619DE46}" type="pres">
-      <dgm:prSet presAssocID="{3FC1AC79-32E4-4D03-9EF7-DC7A116AB9AF}" presName="node" presStyleLbl="revTx" presStyleIdx="0" presStyleCnt="5">
-        <dgm:presLayoutVars>
-          <dgm:bulletEnabled val="1"/>
-        </dgm:presLayoutVars>
-      </dgm:prSet>
-      <dgm:spPr/>
-      <dgm:t>
-        <a:bodyPr/>
-        <a:lstStyle/>
-        <a:p>
-          <a:endParaRPr lang="en-US"/>
-        </a:p>
-      </dgm:t>
-    </dgm:pt>
-    <dgm:pt modelId="{6CB845AD-48DC-49A3-A826-BDAAB0F05F45}" type="pres">
-      <dgm:prSet presAssocID="{FB95D896-E6B3-484E-936A-4FE40DFB430E}" presName="sibTrans" presStyleLbl="node1" presStyleIdx="0" presStyleCnt="5"/>
-      <dgm:spPr/>
-      <dgm:t>
-        <a:bodyPr/>
-        <a:lstStyle/>
-        <a:p>
-          <a:endParaRPr lang="en-US"/>
-        </a:p>
-      </dgm:t>
-    </dgm:pt>
-    <dgm:pt modelId="{1940A561-8A6A-4142-ABCF-197858B4F24B}" type="pres">
-      <dgm:prSet presAssocID="{A234143F-172F-4BDA-B0FB-AABFFB38B638}" presName="dummy" presStyleCnt="0"/>
-      <dgm:spPr/>
-    </dgm:pt>
-    <dgm:pt modelId="{6E608025-9C68-48AD-941A-7261D83069D2}" type="pres">
-      <dgm:prSet presAssocID="{A234143F-172F-4BDA-B0FB-AABFFB38B638}" presName="node" presStyleLbl="revTx" presStyleIdx="1" presStyleCnt="5">
-        <dgm:presLayoutVars>
-          <dgm:bulletEnabled val="1"/>
-        </dgm:presLayoutVars>
-      </dgm:prSet>
-      <dgm:spPr/>
-      <dgm:t>
-        <a:bodyPr/>
-        <a:lstStyle/>
-        <a:p>
-          <a:endParaRPr lang="en-US"/>
-        </a:p>
-      </dgm:t>
-    </dgm:pt>
-    <dgm:pt modelId="{1F065AC6-0E82-408A-A482-1DE7770D1F7C}" type="pres">
-      <dgm:prSet presAssocID="{95BD9D08-AE43-4593-8703-7771F8B26F98}" presName="sibTrans" presStyleLbl="node1" presStyleIdx="1" presStyleCnt="5"/>
-      <dgm:spPr/>
-      <dgm:t>
-        <a:bodyPr/>
-        <a:lstStyle/>
-        <a:p>
-          <a:endParaRPr lang="en-US"/>
-        </a:p>
-      </dgm:t>
-    </dgm:pt>
-    <dgm:pt modelId="{AD9EAA7E-F449-45D8-9A54-10A5E311464F}" type="pres">
-      <dgm:prSet presAssocID="{64B28CF6-128D-483F-B286-B5362C32E002}" presName="dummy" presStyleCnt="0"/>
-      <dgm:spPr/>
-    </dgm:pt>
-    <dgm:pt modelId="{0E6912E9-D4F0-47D2-88F3-9976BA670484}" type="pres">
-      <dgm:prSet presAssocID="{64B28CF6-128D-483F-B286-B5362C32E002}" presName="node" presStyleLbl="revTx" presStyleIdx="2" presStyleCnt="5">
-        <dgm:presLayoutVars>
-          <dgm:bulletEnabled val="1"/>
-        </dgm:presLayoutVars>
-      </dgm:prSet>
-      <dgm:spPr/>
-      <dgm:t>
-        <a:bodyPr/>
-        <a:lstStyle/>
-        <a:p>
-          <a:endParaRPr lang="en-US"/>
-        </a:p>
-      </dgm:t>
-    </dgm:pt>
-    <dgm:pt modelId="{EBFF6D8B-96DA-46BA-8C8C-62582B5D6760}" type="pres">
-      <dgm:prSet presAssocID="{865DC9BC-D791-4D2A-B88F-769185813328}" presName="sibTrans" presStyleLbl="node1" presStyleIdx="2" presStyleCnt="5"/>
-      <dgm:spPr/>
-      <dgm:t>
-        <a:bodyPr/>
-        <a:lstStyle/>
-        <a:p>
-          <a:endParaRPr lang="en-US"/>
-        </a:p>
-      </dgm:t>
-    </dgm:pt>
-    <dgm:pt modelId="{3F4AEA8E-256C-4E6D-9B98-FE5E75C8D947}" type="pres">
-      <dgm:prSet presAssocID="{755B49B8-CB4C-47EF-8B6D-4AE8F296D42C}" presName="dummy" presStyleCnt="0"/>
-      <dgm:spPr/>
-    </dgm:pt>
-    <dgm:pt modelId="{B10DA274-C487-442A-9A26-314B9926D95B}" type="pres">
-      <dgm:prSet presAssocID="{755B49B8-CB4C-47EF-8B6D-4AE8F296D42C}" presName="node" presStyleLbl="revTx" presStyleIdx="3" presStyleCnt="5">
-        <dgm:presLayoutVars>
-          <dgm:bulletEnabled val="1"/>
-        </dgm:presLayoutVars>
-      </dgm:prSet>
-      <dgm:spPr/>
-      <dgm:t>
-        <a:bodyPr/>
-        <a:lstStyle/>
-        <a:p>
-          <a:endParaRPr lang="en-US"/>
-        </a:p>
-      </dgm:t>
-    </dgm:pt>
-    <dgm:pt modelId="{CAC16271-26A8-49BC-AD10-CAFE49E1B1AE}" type="pres">
-      <dgm:prSet presAssocID="{F8C97C33-64E4-4F5C-BABA-4A222A086F3A}" presName="sibTrans" presStyleLbl="node1" presStyleIdx="3" presStyleCnt="5"/>
-      <dgm:spPr/>
-      <dgm:t>
-        <a:bodyPr/>
-        <a:lstStyle/>
-        <a:p>
-          <a:endParaRPr lang="en-US"/>
-        </a:p>
-      </dgm:t>
-    </dgm:pt>
-    <dgm:pt modelId="{DF12821F-D22F-4BE8-B0A2-32AAD49601C0}" type="pres">
-      <dgm:prSet presAssocID="{7A05D2E4-69B6-4E98-B546-FF474EA9B8B0}" presName="dummy" presStyleCnt="0"/>
-      <dgm:spPr/>
-    </dgm:pt>
-    <dgm:pt modelId="{93167DCC-6D09-4145-8B25-3F765FA1A07A}" type="pres">
-      <dgm:prSet presAssocID="{7A05D2E4-69B6-4E98-B546-FF474EA9B8B0}" presName="node" presStyleLbl="revTx" presStyleIdx="4" presStyleCnt="5">
-        <dgm:presLayoutVars>
-          <dgm:bulletEnabled val="1"/>
-        </dgm:presLayoutVars>
-      </dgm:prSet>
-      <dgm:spPr/>
-      <dgm:t>
-        <a:bodyPr/>
-        <a:lstStyle/>
-        <a:p>
-          <a:endParaRPr lang="en-US"/>
-        </a:p>
-      </dgm:t>
-    </dgm:pt>
-    <dgm:pt modelId="{B20EC42C-5354-4AED-9A70-DBFF85D7439B}" type="pres">
-      <dgm:prSet presAssocID="{B32CDD46-DD8D-4049-BBFB-476C86E85241}" presName="sibTrans" presStyleLbl="node1" presStyleIdx="4" presStyleCnt="5"/>
-      <dgm:spPr/>
-      <dgm:t>
-        <a:bodyPr/>
-        <a:lstStyle/>
-        <a:p>
-          <a:endParaRPr lang="en-US"/>
-        </a:p>
-      </dgm:t>
-    </dgm:pt>
-  </dgm:ptLst>
-  <dgm:cxnLst>
-    <dgm:cxn modelId="{0ABC6A69-48AE-4D27-A92B-CBBDF0AE92BA}" srcId="{F9D6370B-6FBE-41C3-8CCD-A4B36617155C}" destId="{7A05D2E4-69B6-4E98-B546-FF474EA9B8B0}" srcOrd="4" destOrd="0" parTransId="{689981B6-848F-4362-B3C3-FEB16BC5F6B8}" sibTransId="{B32CDD46-DD8D-4049-BBFB-476C86E85241}"/>
-    <dgm:cxn modelId="{B5037E96-B350-49D4-A224-3A8437E82BAD}" type="presOf" srcId="{B32CDD46-DD8D-4049-BBFB-476C86E85241}" destId="{B20EC42C-5354-4AED-9A70-DBFF85D7439B}" srcOrd="0" destOrd="0" presId="urn:microsoft.com/office/officeart/2005/8/layout/cycle1"/>
-    <dgm:cxn modelId="{F1F84EF8-BAE1-4C13-A998-C47BA023C212}" type="presOf" srcId="{FB95D896-E6B3-484E-936A-4FE40DFB430E}" destId="{6CB845AD-48DC-49A3-A826-BDAAB0F05F45}" srcOrd="0" destOrd="0" presId="urn:microsoft.com/office/officeart/2005/8/layout/cycle1"/>
-    <dgm:cxn modelId="{AB70EC50-07E4-4727-B213-35230F7AB777}" srcId="{F9D6370B-6FBE-41C3-8CCD-A4B36617155C}" destId="{64B28CF6-128D-483F-B286-B5362C32E002}" srcOrd="2" destOrd="0" parTransId="{56B12B33-C4EB-4F0B-91D3-95DF4DC118F4}" sibTransId="{865DC9BC-D791-4D2A-B88F-769185813328}"/>
-    <dgm:cxn modelId="{2892232B-0AED-4A62-B6CB-198B4A848CF0}" type="presOf" srcId="{865DC9BC-D791-4D2A-B88F-769185813328}" destId="{EBFF6D8B-96DA-46BA-8C8C-62582B5D6760}" srcOrd="0" destOrd="0" presId="urn:microsoft.com/office/officeart/2005/8/layout/cycle1"/>
-    <dgm:cxn modelId="{42A472D3-E339-4F50-8647-9A7A07D10253}" type="presOf" srcId="{3FC1AC79-32E4-4D03-9EF7-DC7A116AB9AF}" destId="{D8799F19-D33C-4CAD-A148-3D940619DE46}" srcOrd="0" destOrd="0" presId="urn:microsoft.com/office/officeart/2005/8/layout/cycle1"/>
-    <dgm:cxn modelId="{C772022F-C1AE-42C5-AA87-7533F24827FA}" srcId="{F9D6370B-6FBE-41C3-8CCD-A4B36617155C}" destId="{A234143F-172F-4BDA-B0FB-AABFFB38B638}" srcOrd="1" destOrd="0" parTransId="{F2149057-8FB7-418A-8A16-FA47D3110EE2}" sibTransId="{95BD9D08-AE43-4593-8703-7771F8B26F98}"/>
-    <dgm:cxn modelId="{DA2CD885-80E9-43FD-A75A-5C7305AC55B3}" srcId="{F9D6370B-6FBE-41C3-8CCD-A4B36617155C}" destId="{3FC1AC79-32E4-4D03-9EF7-DC7A116AB9AF}" srcOrd="0" destOrd="0" parTransId="{A072915E-7480-4BE4-9477-F0FAC0A4EA0E}" sibTransId="{FB95D896-E6B3-484E-936A-4FE40DFB430E}"/>
-    <dgm:cxn modelId="{CBE65961-2255-4B8F-92BA-46250024B9D0}" type="presOf" srcId="{755B49B8-CB4C-47EF-8B6D-4AE8F296D42C}" destId="{B10DA274-C487-442A-9A26-314B9926D95B}" srcOrd="0" destOrd="0" presId="urn:microsoft.com/office/officeart/2005/8/layout/cycle1"/>
-    <dgm:cxn modelId="{862B41CB-2557-4621-A6DC-DC80DE106241}" type="presOf" srcId="{95BD9D08-AE43-4593-8703-7771F8B26F98}" destId="{1F065AC6-0E82-408A-A482-1DE7770D1F7C}" srcOrd="0" destOrd="0" presId="urn:microsoft.com/office/officeart/2005/8/layout/cycle1"/>
-    <dgm:cxn modelId="{176F10EE-8373-44AF-B0F0-1887148E8700}" type="presOf" srcId="{64B28CF6-128D-483F-B286-B5362C32E002}" destId="{0E6912E9-D4F0-47D2-88F3-9976BA670484}" srcOrd="0" destOrd="0" presId="urn:microsoft.com/office/officeart/2005/8/layout/cycle1"/>
-    <dgm:cxn modelId="{D80865D6-D65B-4E66-9104-8DB1269A33A6}" type="presOf" srcId="{F8C97C33-64E4-4F5C-BABA-4A222A086F3A}" destId="{CAC16271-26A8-49BC-AD10-CAFE49E1B1AE}" srcOrd="0" destOrd="0" presId="urn:microsoft.com/office/officeart/2005/8/layout/cycle1"/>
-    <dgm:cxn modelId="{4FE9C3A9-CFBE-460A-814A-3E8640F8F786}" type="presOf" srcId="{A234143F-172F-4BDA-B0FB-AABFFB38B638}" destId="{6E608025-9C68-48AD-941A-7261D83069D2}" srcOrd="0" destOrd="0" presId="urn:microsoft.com/office/officeart/2005/8/layout/cycle1"/>
-    <dgm:cxn modelId="{75044594-253B-4794-87A0-2C230327F031}" type="presOf" srcId="{7A05D2E4-69B6-4E98-B546-FF474EA9B8B0}" destId="{93167DCC-6D09-4145-8B25-3F765FA1A07A}" srcOrd="0" destOrd="0" presId="urn:microsoft.com/office/officeart/2005/8/layout/cycle1"/>
-    <dgm:cxn modelId="{7F9CDEE5-9000-48A2-8D51-E30CBF855715}" type="presOf" srcId="{F9D6370B-6FBE-41C3-8CCD-A4B36617155C}" destId="{DC9C8728-5A93-4BE6-971D-F73EE2BDBDEA}" srcOrd="0" destOrd="0" presId="urn:microsoft.com/office/officeart/2005/8/layout/cycle1"/>
-    <dgm:cxn modelId="{B5EF78D5-E1B9-4B15-ACF7-60922A4C4C95}" srcId="{F9D6370B-6FBE-41C3-8CCD-A4B36617155C}" destId="{755B49B8-CB4C-47EF-8B6D-4AE8F296D42C}" srcOrd="3" destOrd="0" parTransId="{76BB81FA-DFB9-48F3-B5AB-67136CF6A9D6}" sibTransId="{F8C97C33-64E4-4F5C-BABA-4A222A086F3A}"/>
-    <dgm:cxn modelId="{86AC5E30-239B-424A-A73C-C3E662A2C4D8}" type="presParOf" srcId="{DC9C8728-5A93-4BE6-971D-F73EE2BDBDEA}" destId="{04106CE0-7CB5-46C3-98C4-0DC856E6847F}" srcOrd="0" destOrd="0" presId="urn:microsoft.com/office/officeart/2005/8/layout/cycle1"/>
-    <dgm:cxn modelId="{5FED811E-A444-418C-97A0-33157AF3A83B}" type="presParOf" srcId="{DC9C8728-5A93-4BE6-971D-F73EE2BDBDEA}" destId="{D8799F19-D33C-4CAD-A148-3D940619DE46}" srcOrd="1" destOrd="0" presId="urn:microsoft.com/office/officeart/2005/8/layout/cycle1"/>
-    <dgm:cxn modelId="{D42DFC84-4FA4-48A2-9023-B2FA2E7AC9D6}" type="presParOf" srcId="{DC9C8728-5A93-4BE6-971D-F73EE2BDBDEA}" destId="{6CB845AD-48DC-49A3-A826-BDAAB0F05F45}" srcOrd="2" destOrd="0" presId="urn:microsoft.com/office/officeart/2005/8/layout/cycle1"/>
-    <dgm:cxn modelId="{9342EEF0-BC33-41AF-8663-2FE4D96DCE9F}" type="presParOf" srcId="{DC9C8728-5A93-4BE6-971D-F73EE2BDBDEA}" destId="{1940A561-8A6A-4142-ABCF-197858B4F24B}" srcOrd="3" destOrd="0" presId="urn:microsoft.com/office/officeart/2005/8/layout/cycle1"/>
-    <dgm:cxn modelId="{0907E7B5-4893-4B95-BCC4-7513C40FAAE3}" type="presParOf" srcId="{DC9C8728-5A93-4BE6-971D-F73EE2BDBDEA}" destId="{6E608025-9C68-48AD-941A-7261D83069D2}" srcOrd="4" destOrd="0" presId="urn:microsoft.com/office/officeart/2005/8/layout/cycle1"/>
-    <dgm:cxn modelId="{634531A0-9513-4B2B-BAB0-1EB62BFAD756}" type="presParOf" srcId="{DC9C8728-5A93-4BE6-971D-F73EE2BDBDEA}" destId="{1F065AC6-0E82-408A-A482-1DE7770D1F7C}" srcOrd="5" destOrd="0" presId="urn:microsoft.com/office/officeart/2005/8/layout/cycle1"/>
-    <dgm:cxn modelId="{962EE14C-4173-4DEE-9917-06192C43E32C}" type="presParOf" srcId="{DC9C8728-5A93-4BE6-971D-F73EE2BDBDEA}" destId="{AD9EAA7E-F449-45D8-9A54-10A5E311464F}" srcOrd="6" destOrd="0" presId="urn:microsoft.com/office/officeart/2005/8/layout/cycle1"/>
-    <dgm:cxn modelId="{0A915981-59CE-4F23-9659-7D55057C5B9A}" type="presParOf" srcId="{DC9C8728-5A93-4BE6-971D-F73EE2BDBDEA}" destId="{0E6912E9-D4F0-47D2-88F3-9976BA670484}" srcOrd="7" destOrd="0" presId="urn:microsoft.com/office/officeart/2005/8/layout/cycle1"/>
-    <dgm:cxn modelId="{5EDBD282-8ADC-459A-86F1-8182DB2CADA4}" type="presParOf" srcId="{DC9C8728-5A93-4BE6-971D-F73EE2BDBDEA}" destId="{EBFF6D8B-96DA-46BA-8C8C-62582B5D6760}" srcOrd="8" destOrd="0" presId="urn:microsoft.com/office/officeart/2005/8/layout/cycle1"/>
-    <dgm:cxn modelId="{36245331-C598-4FC9-B951-9678916F540D}" type="presParOf" srcId="{DC9C8728-5A93-4BE6-971D-F73EE2BDBDEA}" destId="{3F4AEA8E-256C-4E6D-9B98-FE5E75C8D947}" srcOrd="9" destOrd="0" presId="urn:microsoft.com/office/officeart/2005/8/layout/cycle1"/>
-    <dgm:cxn modelId="{DEEF4272-6DA5-4AC3-9A7B-6CD7968979C8}" type="presParOf" srcId="{DC9C8728-5A93-4BE6-971D-F73EE2BDBDEA}" destId="{B10DA274-C487-442A-9A26-314B9926D95B}" srcOrd="10" destOrd="0" presId="urn:microsoft.com/office/officeart/2005/8/layout/cycle1"/>
-    <dgm:cxn modelId="{7E6AFEAB-C1CF-4CC3-8547-9190642D4F64}" type="presParOf" srcId="{DC9C8728-5A93-4BE6-971D-F73EE2BDBDEA}" destId="{CAC16271-26A8-49BC-AD10-CAFE49E1B1AE}" srcOrd="11" destOrd="0" presId="urn:microsoft.com/office/officeart/2005/8/layout/cycle1"/>
-    <dgm:cxn modelId="{91D7CB93-4E19-4E8C-85BB-23E5645590DC}" type="presParOf" srcId="{DC9C8728-5A93-4BE6-971D-F73EE2BDBDEA}" destId="{DF12821F-D22F-4BE8-B0A2-32AAD49601C0}" srcOrd="12" destOrd="0" presId="urn:microsoft.com/office/officeart/2005/8/layout/cycle1"/>
-    <dgm:cxn modelId="{337086ED-4329-4AB7-B175-3F641F5CC876}" type="presParOf" srcId="{DC9C8728-5A93-4BE6-971D-F73EE2BDBDEA}" destId="{93167DCC-6D09-4145-8B25-3F765FA1A07A}" srcOrd="13" destOrd="0" presId="urn:microsoft.com/office/officeart/2005/8/layout/cycle1"/>
-    <dgm:cxn modelId="{EBF3C070-54C4-4F37-A45F-577F0F7EEA2B}" type="presParOf" srcId="{DC9C8728-5A93-4BE6-971D-F73EE2BDBDEA}" destId="{B20EC42C-5354-4AED-9A70-DBFF85D7439B}" srcOrd="14" destOrd="0" presId="urn:microsoft.com/office/officeart/2005/8/layout/cycle1"/>
-  </dgm:cxnLst>
-  <dgm:bg/>
-  <dgm:whole/>
-  <dgm:extLst>
-    <a:ext uri="http://schemas.microsoft.com/office/drawing/2008/diagram">
-      <dsp:dataModelExt xmlns:dsp="http://schemas.microsoft.com/office/drawing/2008/diagram" relId="rId6" minVer="http://schemas.openxmlformats.org/drawingml/2006/diagram"/>
     </a:ext>
   </dgm:extLst>
 </dgm:dataModel>
@@ -4376,734 +2959,6 @@
 </dsp:drawing>
 </file>
 
-<file path=ppt/diagrams/drawing3.xml><?xml version="1.0" encoding="utf-8"?>
-<dsp:drawing xmlns:dgm="http://schemas.openxmlformats.org/drawingml/2006/diagram" xmlns:dsp="http://schemas.microsoft.com/office/drawing/2008/diagram" xmlns:a="http://schemas.openxmlformats.org/drawingml/2006/main">
-  <dsp:spTree>
-    <dsp:nvGrpSpPr>
-      <dsp:cNvPr id="0" name=""/>
-      <dsp:cNvGrpSpPr/>
-    </dsp:nvGrpSpPr>
-    <dsp:grpSpPr/>
-    <dsp:sp modelId="{D8799F19-D33C-4CAD-A148-3D940619DE46}">
-      <dsp:nvSpPr>
-        <dsp:cNvPr id="0" name=""/>
-        <dsp:cNvSpPr/>
-      </dsp:nvSpPr>
-      <dsp:spPr>
-        <a:xfrm>
-          <a:off x="5045596" y="33483"/>
-          <a:ext cx="1124725" cy="1124725"/>
-        </a:xfrm>
-        <a:prstGeom prst="rect">
-          <a:avLst/>
-        </a:prstGeom>
-        <a:noFill/>
-        <a:ln>
-          <a:noFill/>
-        </a:ln>
-        <a:effectLst/>
-      </dsp:spPr>
-      <dsp:style>
-        <a:lnRef idx="0">
-          <a:scrgbClr r="0" g="0" b="0"/>
-        </a:lnRef>
-        <a:fillRef idx="0">
-          <a:scrgbClr r="0" g="0" b="0"/>
-        </a:fillRef>
-        <a:effectRef idx="0">
-          <a:scrgbClr r="0" g="0" b="0"/>
-        </a:effectRef>
-        <a:fontRef idx="minor"/>
-      </dsp:style>
-      <dsp:txBody>
-        <a:bodyPr spcFirstLastPara="0" vert="horz" wrap="square" lIns="21590" tIns="21590" rIns="21590" bIns="21590" numCol="1" spcCol="1270" anchor="ctr" anchorCtr="0">
-          <a:noAutofit/>
-        </a:bodyPr>
-        <a:lstStyle/>
-        <a:p>
-          <a:pPr lvl="0" algn="ctr" defTabSz="755650">
-            <a:lnSpc>
-              <a:spcPct val="90000"/>
-            </a:lnSpc>
-            <a:spcBef>
-              <a:spcPct val="0"/>
-            </a:spcBef>
-            <a:spcAft>
-              <a:spcPct val="35000"/>
-            </a:spcAft>
-          </a:pPr>
-          <a:r>
-            <a:rPr lang="en-US" sz="1700" b="0" kern="1200" cap="none" spc="0" dirty="0" smtClean="0">
-              <a:ln w="0"/>
-              <a:solidFill>
-                <a:schemeClr val="tx1"/>
-              </a:solidFill>
-              <a:effectLst>
-                <a:outerShdw blurRad="38100" dist="19050" dir="2700000" algn="tl" rotWithShape="0">
-                  <a:schemeClr val="dk1">
-                    <a:alpha val="40000"/>
-                  </a:schemeClr>
-                </a:outerShdw>
-              </a:effectLst>
-            </a:rPr>
-            <a:t>Line follower finds the path</a:t>
-          </a:r>
-          <a:endParaRPr lang="en-US" sz="1700" b="0" kern="1200" cap="none" spc="0" dirty="0">
-            <a:ln w="0"/>
-            <a:solidFill>
-              <a:schemeClr val="tx1"/>
-            </a:solidFill>
-            <a:effectLst>
-              <a:outerShdw blurRad="38100" dist="19050" dir="2700000" algn="tl" rotWithShape="0">
-                <a:schemeClr val="dk1">
-                  <a:alpha val="40000"/>
-                </a:schemeClr>
-              </a:outerShdw>
-            </a:effectLst>
-          </a:endParaRPr>
-        </a:p>
-      </dsp:txBody>
-      <dsp:txXfrm>
-        <a:off x="5045596" y="33483"/>
-        <a:ext cx="1124725" cy="1124725"/>
-      </dsp:txXfrm>
-    </dsp:sp>
-    <dsp:sp modelId="{6CB845AD-48DC-49A3-A826-BDAAB0F05F45}">
-      <dsp:nvSpPr>
-        <dsp:cNvPr id="0" name=""/>
-        <dsp:cNvSpPr/>
-      </dsp:nvSpPr>
-      <dsp:spPr>
-        <a:xfrm>
-          <a:off x="2398244" y="754"/>
-          <a:ext cx="4218921" cy="4218921"/>
-        </a:xfrm>
-        <a:prstGeom prst="circularArrow">
-          <a:avLst>
-            <a:gd name="adj1" fmla="val 5199"/>
-            <a:gd name="adj2" fmla="val 335794"/>
-            <a:gd name="adj3" fmla="val 21293728"/>
-            <a:gd name="adj4" fmla="val 19765813"/>
-            <a:gd name="adj5" fmla="val 6065"/>
-          </a:avLst>
-        </a:prstGeom>
-        <a:solidFill>
-          <a:schemeClr val="lt1">
-            <a:hueOff val="0"/>
-            <a:satOff val="0"/>
-            <a:lumOff val="0"/>
-            <a:alphaOff val="0"/>
-          </a:schemeClr>
-        </a:solidFill>
-        <a:ln w="15875" cap="flat" cmpd="sng" algn="ctr">
-          <a:solidFill>
-            <a:schemeClr val="dk1">
-              <a:shade val="80000"/>
-              <a:hueOff val="0"/>
-              <a:satOff val="0"/>
-              <a:lumOff val="0"/>
-              <a:alphaOff val="0"/>
-            </a:schemeClr>
-          </a:solidFill>
-          <a:prstDash val="solid"/>
-        </a:ln>
-        <a:effectLst/>
-      </dsp:spPr>
-      <dsp:style>
-        <a:lnRef idx="2">
-          <a:scrgbClr r="0" g="0" b="0"/>
-        </a:lnRef>
-        <a:fillRef idx="1">
-          <a:scrgbClr r="0" g="0" b="0"/>
-        </a:fillRef>
-        <a:effectRef idx="0">
-          <a:scrgbClr r="0" g="0" b="0"/>
-        </a:effectRef>
-        <a:fontRef idx="minor">
-          <a:schemeClr val="lt1"/>
-        </a:fontRef>
-      </dsp:style>
-    </dsp:sp>
-    <dsp:sp modelId="{6E608025-9C68-48AD-941A-7261D83069D2}">
-      <dsp:nvSpPr>
-        <dsp:cNvPr id="0" name=""/>
-        <dsp:cNvSpPr/>
-      </dsp:nvSpPr>
-      <dsp:spPr>
-        <a:xfrm>
-          <a:off x="5725589" y="2126289"/>
-          <a:ext cx="1124725" cy="1124725"/>
-        </a:xfrm>
-        <a:prstGeom prst="rect">
-          <a:avLst/>
-        </a:prstGeom>
-        <a:noFill/>
-        <a:ln>
-          <a:noFill/>
-        </a:ln>
-        <a:effectLst/>
-      </dsp:spPr>
-      <dsp:style>
-        <a:lnRef idx="0">
-          <a:scrgbClr r="0" g="0" b="0"/>
-        </a:lnRef>
-        <a:fillRef idx="0">
-          <a:scrgbClr r="0" g="0" b="0"/>
-        </a:fillRef>
-        <a:effectRef idx="0">
-          <a:scrgbClr r="0" g="0" b="0"/>
-        </a:effectRef>
-        <a:fontRef idx="minor"/>
-      </dsp:style>
-      <dsp:txBody>
-        <a:bodyPr spcFirstLastPara="0" vert="horz" wrap="square" lIns="21590" tIns="21590" rIns="21590" bIns="21590" numCol="1" spcCol="1270" anchor="ctr" anchorCtr="0">
-          <a:noAutofit/>
-        </a:bodyPr>
-        <a:lstStyle/>
-        <a:p>
-          <a:pPr lvl="0" algn="ctr" defTabSz="755650">
-            <a:lnSpc>
-              <a:spcPct val="90000"/>
-            </a:lnSpc>
-            <a:spcBef>
-              <a:spcPct val="0"/>
-            </a:spcBef>
-            <a:spcAft>
-              <a:spcPct val="35000"/>
-            </a:spcAft>
-          </a:pPr>
-          <a:r>
-            <a:rPr lang="en-US" sz="1700" b="0" kern="1200" cap="none" spc="0" dirty="0" smtClean="0">
-              <a:ln w="0"/>
-              <a:solidFill>
-                <a:schemeClr val="tx1"/>
-              </a:solidFill>
-              <a:effectLst>
-                <a:outerShdw blurRad="38100" dist="19050" dir="2700000" algn="tl" rotWithShape="0">
-                  <a:schemeClr val="dk1">
-                    <a:alpha val="40000"/>
-                  </a:schemeClr>
-                </a:outerShdw>
-              </a:effectLst>
-            </a:rPr>
-            <a:t>Robot moves </a:t>
-          </a:r>
-          <a:r>
-            <a:rPr lang="en-US" sz="1700" b="0" kern="1200" cap="none" spc="0" dirty="0" smtClean="0">
-              <a:ln w="0"/>
-              <a:solidFill>
-                <a:schemeClr val="tx1"/>
-              </a:solidFill>
-              <a:effectLst>
-                <a:outerShdw blurRad="38100" dist="19050" dir="2700000" algn="tl" rotWithShape="0">
-                  <a:schemeClr val="dk1">
-                    <a:alpha val="40000"/>
-                  </a:schemeClr>
-                </a:outerShdw>
-              </a:effectLst>
-            </a:rPr>
-            <a:t>along path</a:t>
-          </a:r>
-          <a:endParaRPr lang="en-US" sz="1700" b="0" kern="1200" cap="none" spc="0" dirty="0">
-            <a:ln w="0"/>
-            <a:solidFill>
-              <a:schemeClr val="tx1"/>
-            </a:solidFill>
-            <a:effectLst>
-              <a:outerShdw blurRad="38100" dist="19050" dir="2700000" algn="tl" rotWithShape="0">
-                <a:schemeClr val="dk1">
-                  <a:alpha val="40000"/>
-                </a:schemeClr>
-              </a:outerShdw>
-            </a:effectLst>
-          </a:endParaRPr>
-        </a:p>
-      </dsp:txBody>
-      <dsp:txXfrm>
-        <a:off x="5725589" y="2126289"/>
-        <a:ext cx="1124725" cy="1124725"/>
-      </dsp:txXfrm>
-    </dsp:sp>
-    <dsp:sp modelId="{1F065AC6-0E82-408A-A482-1DE7770D1F7C}">
-      <dsp:nvSpPr>
-        <dsp:cNvPr id="0" name=""/>
-        <dsp:cNvSpPr/>
-      </dsp:nvSpPr>
-      <dsp:spPr>
-        <a:xfrm>
-          <a:off x="2398244" y="754"/>
-          <a:ext cx="4218921" cy="4218921"/>
-        </a:xfrm>
-        <a:prstGeom prst="circularArrow">
-          <a:avLst>
-            <a:gd name="adj1" fmla="val 5199"/>
-            <a:gd name="adj2" fmla="val 335794"/>
-            <a:gd name="adj3" fmla="val 4015202"/>
-            <a:gd name="adj4" fmla="val 2252969"/>
-            <a:gd name="adj5" fmla="val 6065"/>
-          </a:avLst>
-        </a:prstGeom>
-        <a:solidFill>
-          <a:schemeClr val="lt1">
-            <a:hueOff val="0"/>
-            <a:satOff val="0"/>
-            <a:lumOff val="0"/>
-            <a:alphaOff val="0"/>
-          </a:schemeClr>
-        </a:solidFill>
-        <a:ln w="15875" cap="flat" cmpd="sng" algn="ctr">
-          <a:solidFill>
-            <a:schemeClr val="dk1">
-              <a:shade val="80000"/>
-              <a:hueOff val="0"/>
-              <a:satOff val="0"/>
-              <a:lumOff val="0"/>
-              <a:alphaOff val="0"/>
-            </a:schemeClr>
-          </a:solidFill>
-          <a:prstDash val="solid"/>
-        </a:ln>
-        <a:effectLst/>
-      </dsp:spPr>
-      <dsp:style>
-        <a:lnRef idx="2">
-          <a:scrgbClr r="0" g="0" b="0"/>
-        </a:lnRef>
-        <a:fillRef idx="1">
-          <a:scrgbClr r="0" g="0" b="0"/>
-        </a:fillRef>
-        <a:effectRef idx="0">
-          <a:scrgbClr r="0" g="0" b="0"/>
-        </a:effectRef>
-        <a:fontRef idx="minor">
-          <a:schemeClr val="lt1"/>
-        </a:fontRef>
-      </dsp:style>
-    </dsp:sp>
-    <dsp:sp modelId="{0E6912E9-D4F0-47D2-88F3-9976BA670484}">
-      <dsp:nvSpPr>
-        <dsp:cNvPr id="0" name=""/>
-        <dsp:cNvSpPr/>
-      </dsp:nvSpPr>
-      <dsp:spPr>
-        <a:xfrm>
-          <a:off x="3945342" y="3419714"/>
-          <a:ext cx="1124725" cy="1124725"/>
-        </a:xfrm>
-        <a:prstGeom prst="rect">
-          <a:avLst/>
-        </a:prstGeom>
-        <a:noFill/>
-        <a:ln>
-          <a:noFill/>
-        </a:ln>
-        <a:effectLst/>
-      </dsp:spPr>
-      <dsp:style>
-        <a:lnRef idx="0">
-          <a:scrgbClr r="0" g="0" b="0"/>
-        </a:lnRef>
-        <a:fillRef idx="0">
-          <a:scrgbClr r="0" g="0" b="0"/>
-        </a:fillRef>
-        <a:effectRef idx="0">
-          <a:scrgbClr r="0" g="0" b="0"/>
-        </a:effectRef>
-        <a:fontRef idx="minor"/>
-      </dsp:style>
-      <dsp:txBody>
-        <a:bodyPr spcFirstLastPara="0" vert="horz" wrap="square" lIns="21590" tIns="21590" rIns="21590" bIns="21590" numCol="1" spcCol="1270" anchor="ctr" anchorCtr="0">
-          <a:noAutofit/>
-        </a:bodyPr>
-        <a:lstStyle/>
-        <a:p>
-          <a:pPr lvl="0" algn="ctr" defTabSz="755650">
-            <a:lnSpc>
-              <a:spcPct val="90000"/>
-            </a:lnSpc>
-            <a:spcBef>
-              <a:spcPct val="0"/>
-            </a:spcBef>
-            <a:spcAft>
-              <a:spcPct val="35000"/>
-            </a:spcAft>
-          </a:pPr>
-          <a:r>
-            <a:rPr lang="en-US" sz="1700" b="0" kern="1200" cap="none" spc="0" dirty="0" smtClean="0">
-              <a:ln w="0"/>
-              <a:solidFill>
-                <a:schemeClr val="tx1"/>
-              </a:solidFill>
-              <a:effectLst>
-                <a:outerShdw blurRad="38100" dist="19050" dir="2700000" algn="tl" rotWithShape="0">
-                  <a:schemeClr val="dk1">
-                    <a:alpha val="40000"/>
-                  </a:schemeClr>
-                </a:outerShdw>
-              </a:effectLst>
-            </a:rPr>
-            <a:t>RBG sensor detects order and arm activates</a:t>
-          </a:r>
-          <a:endParaRPr lang="en-US" sz="1700" b="0" kern="1200" cap="none" spc="0" dirty="0">
-            <a:ln w="0"/>
-            <a:solidFill>
-              <a:schemeClr val="tx1"/>
-            </a:solidFill>
-            <a:effectLst>
-              <a:outerShdw blurRad="38100" dist="19050" dir="2700000" algn="tl" rotWithShape="0">
-                <a:schemeClr val="dk1">
-                  <a:alpha val="40000"/>
-                </a:schemeClr>
-              </a:outerShdw>
-            </a:effectLst>
-          </a:endParaRPr>
-        </a:p>
-      </dsp:txBody>
-      <dsp:txXfrm>
-        <a:off x="3945342" y="3419714"/>
-        <a:ext cx="1124725" cy="1124725"/>
-      </dsp:txXfrm>
-    </dsp:sp>
-    <dsp:sp modelId="{EBFF6D8B-96DA-46BA-8C8C-62582B5D6760}">
-      <dsp:nvSpPr>
-        <dsp:cNvPr id="0" name=""/>
-        <dsp:cNvSpPr/>
-      </dsp:nvSpPr>
-      <dsp:spPr>
-        <a:xfrm>
-          <a:off x="2398244" y="754"/>
-          <a:ext cx="4218921" cy="4218921"/>
-        </a:xfrm>
-        <a:prstGeom prst="circularArrow">
-          <a:avLst>
-            <a:gd name="adj1" fmla="val 5199"/>
-            <a:gd name="adj2" fmla="val 335794"/>
-            <a:gd name="adj3" fmla="val 8211237"/>
-            <a:gd name="adj4" fmla="val 6449004"/>
-            <a:gd name="adj5" fmla="val 6065"/>
-          </a:avLst>
-        </a:prstGeom>
-        <a:solidFill>
-          <a:schemeClr val="lt1">
-            <a:hueOff val="0"/>
-            <a:satOff val="0"/>
-            <a:lumOff val="0"/>
-            <a:alphaOff val="0"/>
-          </a:schemeClr>
-        </a:solidFill>
-        <a:ln w="15875" cap="flat" cmpd="sng" algn="ctr">
-          <a:solidFill>
-            <a:schemeClr val="dk1">
-              <a:shade val="80000"/>
-              <a:hueOff val="0"/>
-              <a:satOff val="0"/>
-              <a:lumOff val="0"/>
-              <a:alphaOff val="0"/>
-            </a:schemeClr>
-          </a:solidFill>
-          <a:prstDash val="solid"/>
-        </a:ln>
-        <a:effectLst/>
-      </dsp:spPr>
-      <dsp:style>
-        <a:lnRef idx="2">
-          <a:scrgbClr r="0" g="0" b="0"/>
-        </a:lnRef>
-        <a:fillRef idx="1">
-          <a:scrgbClr r="0" g="0" b="0"/>
-        </a:fillRef>
-        <a:effectRef idx="0">
-          <a:scrgbClr r="0" g="0" b="0"/>
-        </a:effectRef>
-        <a:fontRef idx="minor">
-          <a:schemeClr val="lt1"/>
-        </a:fontRef>
-      </dsp:style>
-    </dsp:sp>
-    <dsp:sp modelId="{B10DA274-C487-442A-9A26-314B9926D95B}">
-      <dsp:nvSpPr>
-        <dsp:cNvPr id="0" name=""/>
-        <dsp:cNvSpPr/>
-      </dsp:nvSpPr>
-      <dsp:spPr>
-        <a:xfrm>
-          <a:off x="2165095" y="2126289"/>
-          <a:ext cx="1124725" cy="1124725"/>
-        </a:xfrm>
-        <a:prstGeom prst="rect">
-          <a:avLst/>
-        </a:prstGeom>
-        <a:noFill/>
-        <a:ln>
-          <a:noFill/>
-        </a:ln>
-        <a:effectLst/>
-      </dsp:spPr>
-      <dsp:style>
-        <a:lnRef idx="0">
-          <a:scrgbClr r="0" g="0" b="0"/>
-        </a:lnRef>
-        <a:fillRef idx="0">
-          <a:scrgbClr r="0" g="0" b="0"/>
-        </a:fillRef>
-        <a:effectRef idx="0">
-          <a:scrgbClr r="0" g="0" b="0"/>
-        </a:effectRef>
-        <a:fontRef idx="minor"/>
-      </dsp:style>
-      <dsp:txBody>
-        <a:bodyPr spcFirstLastPara="0" vert="horz" wrap="square" lIns="21590" tIns="21590" rIns="21590" bIns="21590" numCol="1" spcCol="1270" anchor="ctr" anchorCtr="0">
-          <a:noAutofit/>
-        </a:bodyPr>
-        <a:lstStyle/>
-        <a:p>
-          <a:pPr lvl="0" algn="ctr" defTabSz="755650">
-            <a:lnSpc>
-              <a:spcPct val="90000"/>
-            </a:lnSpc>
-            <a:spcBef>
-              <a:spcPct val="0"/>
-            </a:spcBef>
-            <a:spcAft>
-              <a:spcPct val="35000"/>
-            </a:spcAft>
-          </a:pPr>
-          <a:r>
-            <a:rPr lang="en-US" sz="1700" b="0" kern="1200" cap="none" spc="0" dirty="0" smtClean="0">
-              <a:ln w="0"/>
-              <a:solidFill>
-                <a:schemeClr val="tx1"/>
-              </a:solidFill>
-              <a:effectLst>
-                <a:outerShdw blurRad="38100" dist="19050" dir="2700000" algn="tl" rotWithShape="0">
-                  <a:schemeClr val="dk1">
-                    <a:alpha val="40000"/>
-                  </a:schemeClr>
-                </a:outerShdw>
-              </a:effectLst>
-            </a:rPr>
-            <a:t>Arm moves to grab mints</a:t>
-          </a:r>
-          <a:endParaRPr lang="en-US" sz="1700" b="0" kern="1200" cap="none" spc="0" dirty="0">
-            <a:ln w="0"/>
-            <a:solidFill>
-              <a:schemeClr val="tx1"/>
-            </a:solidFill>
-            <a:effectLst>
-              <a:outerShdw blurRad="38100" dist="19050" dir="2700000" algn="tl" rotWithShape="0">
-                <a:schemeClr val="dk1">
-                  <a:alpha val="40000"/>
-                </a:schemeClr>
-              </a:outerShdw>
-            </a:effectLst>
-          </a:endParaRPr>
-        </a:p>
-      </dsp:txBody>
-      <dsp:txXfrm>
-        <a:off x="2165095" y="2126289"/>
-        <a:ext cx="1124725" cy="1124725"/>
-      </dsp:txXfrm>
-    </dsp:sp>
-    <dsp:sp modelId="{CAC16271-26A8-49BC-AD10-CAFE49E1B1AE}">
-      <dsp:nvSpPr>
-        <dsp:cNvPr id="0" name=""/>
-        <dsp:cNvSpPr/>
-      </dsp:nvSpPr>
-      <dsp:spPr>
-        <a:xfrm>
-          <a:off x="2398244" y="754"/>
-          <a:ext cx="4218921" cy="4218921"/>
-        </a:xfrm>
-        <a:prstGeom prst="circularArrow">
-          <a:avLst>
-            <a:gd name="adj1" fmla="val 5199"/>
-            <a:gd name="adj2" fmla="val 335794"/>
-            <a:gd name="adj3" fmla="val 12298394"/>
-            <a:gd name="adj4" fmla="val 10770478"/>
-            <a:gd name="adj5" fmla="val 6065"/>
-          </a:avLst>
-        </a:prstGeom>
-        <a:solidFill>
-          <a:schemeClr val="lt1">
-            <a:hueOff val="0"/>
-            <a:satOff val="0"/>
-            <a:lumOff val="0"/>
-            <a:alphaOff val="0"/>
-          </a:schemeClr>
-        </a:solidFill>
-        <a:ln w="15875" cap="flat" cmpd="sng" algn="ctr">
-          <a:solidFill>
-            <a:schemeClr val="dk1">
-              <a:shade val="80000"/>
-              <a:hueOff val="0"/>
-              <a:satOff val="0"/>
-              <a:lumOff val="0"/>
-              <a:alphaOff val="0"/>
-            </a:schemeClr>
-          </a:solidFill>
-          <a:prstDash val="solid"/>
-        </a:ln>
-        <a:effectLst/>
-      </dsp:spPr>
-      <dsp:style>
-        <a:lnRef idx="2">
-          <a:scrgbClr r="0" g="0" b="0"/>
-        </a:lnRef>
-        <a:fillRef idx="1">
-          <a:scrgbClr r="0" g="0" b="0"/>
-        </a:fillRef>
-        <a:effectRef idx="0">
-          <a:scrgbClr r="0" g="0" b="0"/>
-        </a:effectRef>
-        <a:fontRef idx="minor">
-          <a:schemeClr val="lt1"/>
-        </a:fontRef>
-      </dsp:style>
-    </dsp:sp>
-    <dsp:sp modelId="{93167DCC-6D09-4145-8B25-3F765FA1A07A}">
-      <dsp:nvSpPr>
-        <dsp:cNvPr id="0" name=""/>
-        <dsp:cNvSpPr/>
-      </dsp:nvSpPr>
-      <dsp:spPr>
-        <a:xfrm>
-          <a:off x="2845089" y="33483"/>
-          <a:ext cx="1124725" cy="1124725"/>
-        </a:xfrm>
-        <a:prstGeom prst="rect">
-          <a:avLst/>
-        </a:prstGeom>
-        <a:noFill/>
-        <a:ln>
-          <a:noFill/>
-        </a:ln>
-        <a:effectLst/>
-      </dsp:spPr>
-      <dsp:style>
-        <a:lnRef idx="0">
-          <a:scrgbClr r="0" g="0" b="0"/>
-        </a:lnRef>
-        <a:fillRef idx="0">
-          <a:scrgbClr r="0" g="0" b="0"/>
-        </a:fillRef>
-        <a:effectRef idx="0">
-          <a:scrgbClr r="0" g="0" b="0"/>
-        </a:effectRef>
-        <a:fontRef idx="minor"/>
-      </dsp:style>
-      <dsp:txBody>
-        <a:bodyPr spcFirstLastPara="0" vert="horz" wrap="square" lIns="21590" tIns="21590" rIns="21590" bIns="21590" numCol="1" spcCol="1270" anchor="ctr" anchorCtr="0">
-          <a:noAutofit/>
-        </a:bodyPr>
-        <a:lstStyle/>
-        <a:p>
-          <a:pPr lvl="0" algn="ctr" defTabSz="755650">
-            <a:lnSpc>
-              <a:spcPct val="90000"/>
-            </a:lnSpc>
-            <a:spcBef>
-              <a:spcPct val="0"/>
-            </a:spcBef>
-            <a:spcAft>
-              <a:spcPct val="35000"/>
-            </a:spcAft>
-          </a:pPr>
-          <a:r>
-            <a:rPr lang="en-US" sz="1700" b="0" kern="1200" cap="none" spc="0" dirty="0" smtClean="0">
-              <a:ln w="0"/>
-              <a:solidFill>
-                <a:schemeClr val="tx1"/>
-              </a:solidFill>
-              <a:effectLst>
-                <a:outerShdw blurRad="38100" dist="19050" dir="2700000" algn="tl" rotWithShape="0">
-                  <a:schemeClr val="dk1">
-                    <a:alpha val="40000"/>
-                  </a:schemeClr>
-                </a:outerShdw>
-              </a:effectLst>
-            </a:rPr>
-            <a:t>Robot reverses at the end of the table</a:t>
-          </a:r>
-          <a:endParaRPr lang="en-US" sz="1700" b="0" kern="1200" cap="none" spc="0" dirty="0">
-            <a:ln w="0"/>
-            <a:solidFill>
-              <a:schemeClr val="tx1"/>
-            </a:solidFill>
-            <a:effectLst>
-              <a:outerShdw blurRad="38100" dist="19050" dir="2700000" algn="tl" rotWithShape="0">
-                <a:schemeClr val="dk1">
-                  <a:alpha val="40000"/>
-                </a:schemeClr>
-              </a:outerShdw>
-            </a:effectLst>
-          </a:endParaRPr>
-        </a:p>
-      </dsp:txBody>
-      <dsp:txXfrm>
-        <a:off x="2845089" y="33483"/>
-        <a:ext cx="1124725" cy="1124725"/>
-      </dsp:txXfrm>
-    </dsp:sp>
-    <dsp:sp modelId="{B20EC42C-5354-4AED-9A70-DBFF85D7439B}">
-      <dsp:nvSpPr>
-        <dsp:cNvPr id="0" name=""/>
-        <dsp:cNvSpPr/>
-      </dsp:nvSpPr>
-      <dsp:spPr>
-        <a:xfrm>
-          <a:off x="2398244" y="754"/>
-          <a:ext cx="4218921" cy="4218921"/>
-        </a:xfrm>
-        <a:prstGeom prst="circularArrow">
-          <a:avLst>
-            <a:gd name="adj1" fmla="val 5199"/>
-            <a:gd name="adj2" fmla="val 335794"/>
-            <a:gd name="adj3" fmla="val 16866189"/>
-            <a:gd name="adj4" fmla="val 15198017"/>
-            <a:gd name="adj5" fmla="val 6065"/>
-          </a:avLst>
-        </a:prstGeom>
-        <a:solidFill>
-          <a:schemeClr val="lt1">
-            <a:hueOff val="0"/>
-            <a:satOff val="0"/>
-            <a:lumOff val="0"/>
-            <a:alphaOff val="0"/>
-          </a:schemeClr>
-        </a:solidFill>
-        <a:ln w="15875" cap="flat" cmpd="sng" algn="ctr">
-          <a:solidFill>
-            <a:schemeClr val="dk1">
-              <a:shade val="80000"/>
-              <a:hueOff val="0"/>
-              <a:satOff val="0"/>
-              <a:lumOff val="0"/>
-              <a:alphaOff val="0"/>
-            </a:schemeClr>
-          </a:solidFill>
-          <a:prstDash val="solid"/>
-        </a:ln>
-        <a:effectLst/>
-      </dsp:spPr>
-      <dsp:style>
-        <a:lnRef idx="2">
-          <a:scrgbClr r="0" g="0" b="0"/>
-        </a:lnRef>
-        <a:fillRef idx="1">
-          <a:scrgbClr r="0" g="0" b="0"/>
-        </a:fillRef>
-        <a:effectRef idx="0">
-          <a:scrgbClr r="0" g="0" b="0"/>
-        </a:effectRef>
-        <a:fontRef idx="minor">
-          <a:schemeClr val="lt1"/>
-        </a:fontRef>
-      </dsp:style>
-    </dsp:sp>
-  </dsp:spTree>
-</dsp:drawing>
-</file>
-
 <file path=ppt/diagrams/layout1.xml><?xml version="1.0" encoding="utf-8"?>
 <dgm:layoutDef xmlns:dgm="http://schemas.openxmlformats.org/drawingml/2006/diagram" xmlns:a="http://schemas.openxmlformats.org/drawingml/2006/main" uniqueId="urn:microsoft.com/office/officeart/2005/8/layout/vList2">
   <dgm:title val=""/>
@@ -5438,204 +3293,6 @@
 </dgm:layoutDef>
 </file>
 
-<file path=ppt/diagrams/layout3.xml><?xml version="1.0" encoding="utf-8"?>
-<dgm:layoutDef xmlns:dgm="http://schemas.openxmlformats.org/drawingml/2006/diagram" xmlns:a="http://schemas.openxmlformats.org/drawingml/2006/main" uniqueId="urn:microsoft.com/office/officeart/2005/8/layout/cycle1">
-  <dgm:title val=""/>
-  <dgm:desc val=""/>
-  <dgm:catLst>
-    <dgm:cat type="cycle" pri="2000"/>
-  </dgm:catLst>
-  <dgm:sampData>
-    <dgm:dataModel>
-      <dgm:ptLst>
-        <dgm:pt modelId="0" type="doc"/>
-        <dgm:pt modelId="1">
-          <dgm:prSet phldr="1"/>
-        </dgm:pt>
-        <dgm:pt modelId="2">
-          <dgm:prSet phldr="1"/>
-        </dgm:pt>
-        <dgm:pt modelId="3">
-          <dgm:prSet phldr="1"/>
-        </dgm:pt>
-        <dgm:pt modelId="4">
-          <dgm:prSet phldr="1"/>
-        </dgm:pt>
-        <dgm:pt modelId="5">
-          <dgm:prSet phldr="1"/>
-        </dgm:pt>
-      </dgm:ptLst>
-      <dgm:cxnLst>
-        <dgm:cxn modelId="6" srcId="0" destId="1" srcOrd="0" destOrd="0"/>
-        <dgm:cxn modelId="7" srcId="0" destId="2" srcOrd="1" destOrd="0"/>
-        <dgm:cxn modelId="8" srcId="0" destId="3" srcOrd="2" destOrd="0"/>
-        <dgm:cxn modelId="9" srcId="0" destId="4" srcOrd="3" destOrd="0"/>
-        <dgm:cxn modelId="10" srcId="0" destId="5" srcOrd="4" destOrd="0"/>
-      </dgm:cxnLst>
-      <dgm:bg/>
-      <dgm:whole/>
-    </dgm:dataModel>
-  </dgm:sampData>
-  <dgm:styleData>
-    <dgm:dataModel>
-      <dgm:ptLst>
-        <dgm:pt modelId="0" type="doc"/>
-        <dgm:pt modelId="1"/>
-        <dgm:pt modelId="2"/>
-        <dgm:pt modelId="3"/>
-      </dgm:ptLst>
-      <dgm:cxnLst>
-        <dgm:cxn modelId="4" srcId="0" destId="1" srcOrd="0" destOrd="0"/>
-        <dgm:cxn modelId="5" srcId="0" destId="2" srcOrd="1" destOrd="0"/>
-        <dgm:cxn modelId="6" srcId="0" destId="3" srcOrd="2" destOrd="0"/>
-      </dgm:cxnLst>
-      <dgm:bg/>
-      <dgm:whole/>
-    </dgm:dataModel>
-  </dgm:styleData>
-  <dgm:clrData>
-    <dgm:dataModel>
-      <dgm:ptLst>
-        <dgm:pt modelId="0" type="doc"/>
-        <dgm:pt modelId="1"/>
-        <dgm:pt modelId="2"/>
-        <dgm:pt modelId="3"/>
-        <dgm:pt modelId="4"/>
-        <dgm:pt modelId="5"/>
-        <dgm:pt modelId="6"/>
-      </dgm:ptLst>
-      <dgm:cxnLst>
-        <dgm:cxn modelId="7" srcId="0" destId="1" srcOrd="0" destOrd="0"/>
-        <dgm:cxn modelId="8" srcId="0" destId="2" srcOrd="1" destOrd="0"/>
-        <dgm:cxn modelId="9" srcId="0" destId="3" srcOrd="2" destOrd="0"/>
-        <dgm:cxn modelId="10" srcId="0" destId="4" srcOrd="3" destOrd="0"/>
-        <dgm:cxn modelId="11" srcId="0" destId="5" srcOrd="4" destOrd="0"/>
-        <dgm:cxn modelId="12" srcId="0" destId="6" srcOrd="5" destOrd="0"/>
-      </dgm:cxnLst>
-      <dgm:bg/>
-      <dgm:whole/>
-    </dgm:dataModel>
-  </dgm:clrData>
-  <dgm:layoutNode name="cycle">
-    <dgm:varLst>
-      <dgm:dir/>
-      <dgm:resizeHandles val="exact"/>
-    </dgm:varLst>
-    <dgm:choose name="Name0">
-      <dgm:if name="Name1" func="var" arg="dir" op="equ" val="norm">
-        <dgm:alg type="cycle">
-          <dgm:param type="stAng" val="0"/>
-          <dgm:param type="spanAng" val="360"/>
-        </dgm:alg>
-      </dgm:if>
-      <dgm:else name="Name2">
-        <dgm:alg type="cycle">
-          <dgm:param type="stAng" val="0"/>
-          <dgm:param type="spanAng" val="-360"/>
-        </dgm:alg>
-      </dgm:else>
-    </dgm:choose>
-    <dgm:shape xmlns:r="http://schemas.openxmlformats.org/officeDocument/2006/relationships" r:blip="">
-      <dgm:adjLst/>
-    </dgm:shape>
-    <dgm:presOf/>
-    <dgm:choose name="Name3">
-      <dgm:if name="Name4" func="var" arg="dir" op="equ" val="norm">
-        <dgm:constrLst>
-          <dgm:constr type="diam" val="1"/>
-          <dgm:constr type="w" for="ch" forName="node" refType="w"/>
-          <dgm:constr type="w" for="ch" ptType="sibTrans" refType="w" refFor="ch" refForName="node" fact="0.5"/>
-          <dgm:constr type="h" for="ch" ptType="sibTrans" op="equ"/>
-          <dgm:constr type="diam" for="ch" ptType="sibTrans" refType="diam" op="equ"/>
-          <dgm:constr type="sibSp" refType="w" refFor="ch" refForName="node" fact="0.15"/>
-          <dgm:constr type="w" for="ch" forName="dummy" refType="sibSp" fact="2.8"/>
-          <dgm:constr type="primFontSz" for="ch" forName="node" op="equ" val="65"/>
-        </dgm:constrLst>
-      </dgm:if>
-      <dgm:else name="Name5">
-        <dgm:constrLst>
-          <dgm:constr type="diam" val="1"/>
-          <dgm:constr type="w" for="ch" forName="node" refType="w"/>
-          <dgm:constr type="w" for="ch" ptType="sibTrans" refType="w" refFor="ch" refForName="node" fact="0.5"/>
-          <dgm:constr type="h" for="ch" ptType="sibTrans" op="equ"/>
-          <dgm:constr type="diam" for="ch" ptType="sibTrans" refType="diam" op="equ" fact="-1"/>
-          <dgm:constr type="sibSp" refType="w" refFor="ch" refForName="node" fact="0.15"/>
-          <dgm:constr type="w" for="ch" forName="dummy" refType="sibSp" fact="2.8"/>
-          <dgm:constr type="primFontSz" for="ch" forName="node" op="equ" val="65"/>
-        </dgm:constrLst>
-      </dgm:else>
-    </dgm:choose>
-    <dgm:ruleLst>
-      <dgm:rule type="diam" val="INF" fact="NaN" max="NaN"/>
-    </dgm:ruleLst>
-    <dgm:forEach name="nodesForEach" axis="ch" ptType="node">
-      <dgm:choose name="Name6">
-        <dgm:if name="Name7" axis="par ch" ptType="doc node" func="cnt" op="gt" val="1">
-          <dgm:layoutNode name="dummy">
-            <dgm:alg type="sp"/>
-            <dgm:shape xmlns:r="http://schemas.openxmlformats.org/officeDocument/2006/relationships" r:blip="">
-              <dgm:adjLst/>
-            </dgm:shape>
-            <dgm:presOf/>
-            <dgm:constrLst>
-              <dgm:constr type="h" refType="w"/>
-            </dgm:constrLst>
-            <dgm:ruleLst/>
-          </dgm:layoutNode>
-        </dgm:if>
-        <dgm:else name="Name8"/>
-      </dgm:choose>
-      <dgm:layoutNode name="node" styleLbl="revTx">
-        <dgm:varLst>
-          <dgm:bulletEnabled val="1"/>
-        </dgm:varLst>
-        <dgm:alg type="tx">
-          <dgm:param type="txAnchorVertCh" val="mid"/>
-        </dgm:alg>
-        <dgm:shape xmlns:r="http://schemas.openxmlformats.org/officeDocument/2006/relationships" type="rect" r:blip="">
-          <dgm:adjLst/>
-        </dgm:shape>
-        <dgm:presOf axis="desOrSelf" ptType="node"/>
-        <dgm:constrLst>
-          <dgm:constr type="h" refType="w"/>
-          <dgm:constr type="lMarg" refType="primFontSz" fact="0.1"/>
-          <dgm:constr type="rMarg" refType="primFontSz" fact="0.1"/>
-          <dgm:constr type="tMarg" refType="primFontSz" fact="0.1"/>
-          <dgm:constr type="bMarg" refType="primFontSz" fact="0.1"/>
-        </dgm:constrLst>
-        <dgm:ruleLst>
-          <dgm:rule type="primFontSz" val="5" fact="NaN" max="NaN"/>
-        </dgm:ruleLst>
-      </dgm:layoutNode>
-      <dgm:choose name="Name9">
-        <dgm:if name="Name10" axis="par ch" ptType="doc node" func="cnt" op="gt" val="1">
-          <dgm:forEach name="Name11" axis="followSib" ptType="sibTrans" hideLastTrans="0" cnt="1">
-            <dgm:layoutNode name="sibTrans" styleLbl="node1">
-              <dgm:alg type="conn">
-                <dgm:param type="connRout" val="curve"/>
-                <dgm:param type="begPts" val="radial"/>
-                <dgm:param type="endPts" val="radial"/>
-              </dgm:alg>
-              <dgm:shape xmlns:r="http://schemas.openxmlformats.org/officeDocument/2006/relationships" type="conn" r:blip="">
-                <dgm:adjLst/>
-              </dgm:shape>
-              <dgm:presOf axis="self"/>
-              <dgm:constrLst>
-                <dgm:constr type="h" refType="w" fact="0.65"/>
-                <dgm:constr type="begPad"/>
-                <dgm:constr type="endPad"/>
-              </dgm:constrLst>
-              <dgm:ruleLst/>
-            </dgm:layoutNode>
-          </dgm:forEach>
-        </dgm:if>
-        <dgm:else name="Name12"/>
-      </dgm:choose>
-    </dgm:forEach>
-  </dgm:layoutNode>
-</dgm:layoutDef>
-</file>
-
 <file path=ppt/diagrams/quickStyle1.xml><?xml version="1.0" encoding="utf-8"?>
 <dgm:styleDef xmlns:dgm="http://schemas.openxmlformats.org/drawingml/2006/diagram" xmlns:a="http://schemas.openxmlformats.org/drawingml/2006/main" uniqueId="urn:microsoft.com/office/officeart/2005/8/quickstyle/simple4">
   <dgm:title val=""/>
@@ -7676,1040 +5333,6 @@
         <a:scrgbClr r="0" g="0" b="0"/>
       </a:fillRef>
       <a:effectRef idx="2">
-        <a:scrgbClr r="0" g="0" b="0"/>
-      </a:effectRef>
-      <a:fontRef idx="minor"/>
-    </dgm:style>
-  </dgm:styleLbl>
-  <dgm:styleLbl name="revTx">
-    <dgm:scene3d>
-      <a:camera prst="orthographicFront"/>
-      <a:lightRig rig="threePt" dir="t"/>
-    </dgm:scene3d>
-    <dgm:sp3d/>
-    <dgm:txPr/>
-    <dgm:style>
-      <a:lnRef idx="0">
-        <a:scrgbClr r="0" g="0" b="0"/>
-      </a:lnRef>
-      <a:fillRef idx="0">
-        <a:scrgbClr r="0" g="0" b="0"/>
-      </a:fillRef>
-      <a:effectRef idx="0">
-        <a:scrgbClr r="0" g="0" b="0"/>
-      </a:effectRef>
-      <a:fontRef idx="minor"/>
-    </dgm:style>
-  </dgm:styleLbl>
-</dgm:styleDef>
-</file>
-
-<file path=ppt/diagrams/quickStyle3.xml><?xml version="1.0" encoding="utf-8"?>
-<dgm:styleDef xmlns:dgm="http://schemas.openxmlformats.org/drawingml/2006/diagram" xmlns:a="http://schemas.openxmlformats.org/drawingml/2006/main" uniqueId="urn:microsoft.com/office/officeart/2005/8/quickstyle/simple1">
-  <dgm:title val=""/>
-  <dgm:desc val=""/>
-  <dgm:catLst>
-    <dgm:cat type="simple" pri="10100"/>
-  </dgm:catLst>
-  <dgm:scene3d>
-    <a:camera prst="orthographicFront"/>
-    <a:lightRig rig="threePt" dir="t"/>
-  </dgm:scene3d>
-  <dgm:styleLbl name="node0">
-    <dgm:scene3d>
-      <a:camera prst="orthographicFront"/>
-      <a:lightRig rig="threePt" dir="t"/>
-    </dgm:scene3d>
-    <dgm:sp3d/>
-    <dgm:txPr/>
-    <dgm:style>
-      <a:lnRef idx="2">
-        <a:scrgbClr r="0" g="0" b="0"/>
-      </a:lnRef>
-      <a:fillRef idx="1">
-        <a:scrgbClr r="0" g="0" b="0"/>
-      </a:fillRef>
-      <a:effectRef idx="0">
-        <a:scrgbClr r="0" g="0" b="0"/>
-      </a:effectRef>
-      <a:fontRef idx="minor">
-        <a:schemeClr val="lt1"/>
-      </a:fontRef>
-    </dgm:style>
-  </dgm:styleLbl>
-  <dgm:styleLbl name="lnNode1">
-    <dgm:scene3d>
-      <a:camera prst="orthographicFront"/>
-      <a:lightRig rig="threePt" dir="t"/>
-    </dgm:scene3d>
-    <dgm:sp3d/>
-    <dgm:txPr/>
-    <dgm:style>
-      <a:lnRef idx="2">
-        <a:scrgbClr r="0" g="0" b="0"/>
-      </a:lnRef>
-      <a:fillRef idx="1">
-        <a:scrgbClr r="0" g="0" b="0"/>
-      </a:fillRef>
-      <a:effectRef idx="0">
-        <a:scrgbClr r="0" g="0" b="0"/>
-      </a:effectRef>
-      <a:fontRef idx="minor">
-        <a:schemeClr val="lt1"/>
-      </a:fontRef>
-    </dgm:style>
-  </dgm:styleLbl>
-  <dgm:styleLbl name="vennNode1">
-    <dgm:scene3d>
-      <a:camera prst="orthographicFront"/>
-      <a:lightRig rig="threePt" dir="t"/>
-    </dgm:scene3d>
-    <dgm:sp3d/>
-    <dgm:txPr/>
-    <dgm:style>
-      <a:lnRef idx="2">
-        <a:scrgbClr r="0" g="0" b="0"/>
-      </a:lnRef>
-      <a:fillRef idx="1">
-        <a:scrgbClr r="0" g="0" b="0"/>
-      </a:fillRef>
-      <a:effectRef idx="0">
-        <a:scrgbClr r="0" g="0" b="0"/>
-      </a:effectRef>
-      <a:fontRef idx="minor">
-        <a:schemeClr val="tx1"/>
-      </a:fontRef>
-    </dgm:style>
-  </dgm:styleLbl>
-  <dgm:styleLbl name="alignNode1">
-    <dgm:scene3d>
-      <a:camera prst="orthographicFront"/>
-      <a:lightRig rig="threePt" dir="t"/>
-    </dgm:scene3d>
-    <dgm:sp3d/>
-    <dgm:txPr/>
-    <dgm:style>
-      <a:lnRef idx="2">
-        <a:scrgbClr r="0" g="0" b="0"/>
-      </a:lnRef>
-      <a:fillRef idx="1">
-        <a:scrgbClr r="0" g="0" b="0"/>
-      </a:fillRef>
-      <a:effectRef idx="0">
-        <a:scrgbClr r="0" g="0" b="0"/>
-      </a:effectRef>
-      <a:fontRef idx="minor">
-        <a:schemeClr val="lt1"/>
-      </a:fontRef>
-    </dgm:style>
-  </dgm:styleLbl>
-  <dgm:styleLbl name="node1">
-    <dgm:scene3d>
-      <a:camera prst="orthographicFront"/>
-      <a:lightRig rig="threePt" dir="t"/>
-    </dgm:scene3d>
-    <dgm:sp3d/>
-    <dgm:txPr/>
-    <dgm:style>
-      <a:lnRef idx="2">
-        <a:scrgbClr r="0" g="0" b="0"/>
-      </a:lnRef>
-      <a:fillRef idx="1">
-        <a:scrgbClr r="0" g="0" b="0"/>
-      </a:fillRef>
-      <a:effectRef idx="0">
-        <a:scrgbClr r="0" g="0" b="0"/>
-      </a:effectRef>
-      <a:fontRef idx="minor">
-        <a:schemeClr val="lt1"/>
-      </a:fontRef>
-    </dgm:style>
-  </dgm:styleLbl>
-  <dgm:styleLbl name="node2">
-    <dgm:scene3d>
-      <a:camera prst="orthographicFront"/>
-      <a:lightRig rig="threePt" dir="t"/>
-    </dgm:scene3d>
-    <dgm:sp3d/>
-    <dgm:txPr/>
-    <dgm:style>
-      <a:lnRef idx="2">
-        <a:scrgbClr r="0" g="0" b="0"/>
-      </a:lnRef>
-      <a:fillRef idx="1">
-        <a:scrgbClr r="0" g="0" b="0"/>
-      </a:fillRef>
-      <a:effectRef idx="0">
-        <a:scrgbClr r="0" g="0" b="0"/>
-      </a:effectRef>
-      <a:fontRef idx="minor">
-        <a:schemeClr val="lt1"/>
-      </a:fontRef>
-    </dgm:style>
-  </dgm:styleLbl>
-  <dgm:styleLbl name="node3">
-    <dgm:scene3d>
-      <a:camera prst="orthographicFront"/>
-      <a:lightRig rig="threePt" dir="t"/>
-    </dgm:scene3d>
-    <dgm:sp3d/>
-    <dgm:txPr/>
-    <dgm:style>
-      <a:lnRef idx="2">
-        <a:scrgbClr r="0" g="0" b="0"/>
-      </a:lnRef>
-      <a:fillRef idx="1">
-        <a:scrgbClr r="0" g="0" b="0"/>
-      </a:fillRef>
-      <a:effectRef idx="0">
-        <a:scrgbClr r="0" g="0" b="0"/>
-      </a:effectRef>
-      <a:fontRef idx="minor">
-        <a:schemeClr val="lt1"/>
-      </a:fontRef>
-    </dgm:style>
-  </dgm:styleLbl>
-  <dgm:styleLbl name="node4">
-    <dgm:scene3d>
-      <a:camera prst="orthographicFront"/>
-      <a:lightRig rig="threePt" dir="t"/>
-    </dgm:scene3d>
-    <dgm:sp3d/>
-    <dgm:txPr/>
-    <dgm:style>
-      <a:lnRef idx="2">
-        <a:scrgbClr r="0" g="0" b="0"/>
-      </a:lnRef>
-      <a:fillRef idx="1">
-        <a:scrgbClr r="0" g="0" b="0"/>
-      </a:fillRef>
-      <a:effectRef idx="0">
-        <a:scrgbClr r="0" g="0" b="0"/>
-      </a:effectRef>
-      <a:fontRef idx="minor">
-        <a:schemeClr val="lt1"/>
-      </a:fontRef>
-    </dgm:style>
-  </dgm:styleLbl>
-  <dgm:styleLbl name="fgImgPlace1">
-    <dgm:scene3d>
-      <a:camera prst="orthographicFront"/>
-      <a:lightRig rig="threePt" dir="t"/>
-    </dgm:scene3d>
-    <dgm:sp3d/>
-    <dgm:txPr/>
-    <dgm:style>
-      <a:lnRef idx="2">
-        <a:scrgbClr r="0" g="0" b="0"/>
-      </a:lnRef>
-      <a:fillRef idx="1">
-        <a:scrgbClr r="0" g="0" b="0"/>
-      </a:fillRef>
-      <a:effectRef idx="0">
-        <a:scrgbClr r="0" g="0" b="0"/>
-      </a:effectRef>
-      <a:fontRef idx="minor"/>
-    </dgm:style>
-  </dgm:styleLbl>
-  <dgm:styleLbl name="alignImgPlace1">
-    <dgm:scene3d>
-      <a:camera prst="orthographicFront"/>
-      <a:lightRig rig="threePt" dir="t"/>
-    </dgm:scene3d>
-    <dgm:sp3d/>
-    <dgm:txPr/>
-    <dgm:style>
-      <a:lnRef idx="2">
-        <a:scrgbClr r="0" g="0" b="0"/>
-      </a:lnRef>
-      <a:fillRef idx="1">
-        <a:scrgbClr r="0" g="0" b="0"/>
-      </a:fillRef>
-      <a:effectRef idx="0">
-        <a:scrgbClr r="0" g="0" b="0"/>
-      </a:effectRef>
-      <a:fontRef idx="minor"/>
-    </dgm:style>
-  </dgm:styleLbl>
-  <dgm:styleLbl name="bgImgPlace1">
-    <dgm:scene3d>
-      <a:camera prst="orthographicFront"/>
-      <a:lightRig rig="threePt" dir="t"/>
-    </dgm:scene3d>
-    <dgm:sp3d/>
-    <dgm:txPr/>
-    <dgm:style>
-      <a:lnRef idx="2">
-        <a:scrgbClr r="0" g="0" b="0"/>
-      </a:lnRef>
-      <a:fillRef idx="1">
-        <a:scrgbClr r="0" g="0" b="0"/>
-      </a:fillRef>
-      <a:effectRef idx="0">
-        <a:scrgbClr r="0" g="0" b="0"/>
-      </a:effectRef>
-      <a:fontRef idx="minor"/>
-    </dgm:style>
-  </dgm:styleLbl>
-  <dgm:styleLbl name="sibTrans2D1">
-    <dgm:scene3d>
-      <a:camera prst="orthographicFront"/>
-      <a:lightRig rig="threePt" dir="t"/>
-    </dgm:scene3d>
-    <dgm:sp3d/>
-    <dgm:txPr/>
-    <dgm:style>
-      <a:lnRef idx="0">
-        <a:scrgbClr r="0" g="0" b="0"/>
-      </a:lnRef>
-      <a:fillRef idx="1">
-        <a:scrgbClr r="0" g="0" b="0"/>
-      </a:fillRef>
-      <a:effectRef idx="0">
-        <a:scrgbClr r="0" g="0" b="0"/>
-      </a:effectRef>
-      <a:fontRef idx="minor">
-        <a:schemeClr val="lt1"/>
-      </a:fontRef>
-    </dgm:style>
-  </dgm:styleLbl>
-  <dgm:styleLbl name="fgSibTrans2D1">
-    <dgm:scene3d>
-      <a:camera prst="orthographicFront"/>
-      <a:lightRig rig="threePt" dir="t"/>
-    </dgm:scene3d>
-    <dgm:sp3d/>
-    <dgm:txPr/>
-    <dgm:style>
-      <a:lnRef idx="0">
-        <a:scrgbClr r="0" g="0" b="0"/>
-      </a:lnRef>
-      <a:fillRef idx="1">
-        <a:scrgbClr r="0" g="0" b="0"/>
-      </a:fillRef>
-      <a:effectRef idx="0">
-        <a:scrgbClr r="0" g="0" b="0"/>
-      </a:effectRef>
-      <a:fontRef idx="minor">
-        <a:schemeClr val="lt1"/>
-      </a:fontRef>
-    </dgm:style>
-  </dgm:styleLbl>
-  <dgm:styleLbl name="bgSibTrans2D1">
-    <dgm:scene3d>
-      <a:camera prst="orthographicFront"/>
-      <a:lightRig rig="threePt" dir="t"/>
-    </dgm:scene3d>
-    <dgm:sp3d/>
-    <dgm:txPr/>
-    <dgm:style>
-      <a:lnRef idx="0">
-        <a:scrgbClr r="0" g="0" b="0"/>
-      </a:lnRef>
-      <a:fillRef idx="1">
-        <a:scrgbClr r="0" g="0" b="0"/>
-      </a:fillRef>
-      <a:effectRef idx="0">
-        <a:scrgbClr r="0" g="0" b="0"/>
-      </a:effectRef>
-      <a:fontRef idx="minor">
-        <a:schemeClr val="lt1"/>
-      </a:fontRef>
-    </dgm:style>
-  </dgm:styleLbl>
-  <dgm:styleLbl name="sibTrans1D1">
-    <dgm:scene3d>
-      <a:camera prst="orthographicFront"/>
-      <a:lightRig rig="threePt" dir="t"/>
-    </dgm:scene3d>
-    <dgm:sp3d/>
-    <dgm:txPr/>
-    <dgm:style>
-      <a:lnRef idx="1">
-        <a:scrgbClr r="0" g="0" b="0"/>
-      </a:lnRef>
-      <a:fillRef idx="0">
-        <a:scrgbClr r="0" g="0" b="0"/>
-      </a:fillRef>
-      <a:effectRef idx="0">
-        <a:scrgbClr r="0" g="0" b="0"/>
-      </a:effectRef>
-      <a:fontRef idx="minor"/>
-    </dgm:style>
-  </dgm:styleLbl>
-  <dgm:styleLbl name="callout">
-    <dgm:scene3d>
-      <a:camera prst="orthographicFront"/>
-      <a:lightRig rig="threePt" dir="t"/>
-    </dgm:scene3d>
-    <dgm:sp3d/>
-    <dgm:txPr/>
-    <dgm:style>
-      <a:lnRef idx="2">
-        <a:scrgbClr r="0" g="0" b="0"/>
-      </a:lnRef>
-      <a:fillRef idx="1">
-        <a:scrgbClr r="0" g="0" b="0"/>
-      </a:fillRef>
-      <a:effectRef idx="0">
-        <a:scrgbClr r="0" g="0" b="0"/>
-      </a:effectRef>
-      <a:fontRef idx="minor"/>
-    </dgm:style>
-  </dgm:styleLbl>
-  <dgm:styleLbl name="asst0">
-    <dgm:scene3d>
-      <a:camera prst="orthographicFront"/>
-      <a:lightRig rig="threePt" dir="t"/>
-    </dgm:scene3d>
-    <dgm:sp3d/>
-    <dgm:txPr/>
-    <dgm:style>
-      <a:lnRef idx="2">
-        <a:scrgbClr r="0" g="0" b="0"/>
-      </a:lnRef>
-      <a:fillRef idx="1">
-        <a:scrgbClr r="0" g="0" b="0"/>
-      </a:fillRef>
-      <a:effectRef idx="0">
-        <a:scrgbClr r="0" g="0" b="0"/>
-      </a:effectRef>
-      <a:fontRef idx="minor">
-        <a:schemeClr val="lt1"/>
-      </a:fontRef>
-    </dgm:style>
-  </dgm:styleLbl>
-  <dgm:styleLbl name="asst1">
-    <dgm:scene3d>
-      <a:camera prst="orthographicFront"/>
-      <a:lightRig rig="threePt" dir="t"/>
-    </dgm:scene3d>
-    <dgm:sp3d/>
-    <dgm:txPr/>
-    <dgm:style>
-      <a:lnRef idx="2">
-        <a:scrgbClr r="0" g="0" b="0"/>
-      </a:lnRef>
-      <a:fillRef idx="1">
-        <a:scrgbClr r="0" g="0" b="0"/>
-      </a:fillRef>
-      <a:effectRef idx="0">
-        <a:scrgbClr r="0" g="0" b="0"/>
-      </a:effectRef>
-      <a:fontRef idx="minor">
-        <a:schemeClr val="lt1"/>
-      </a:fontRef>
-    </dgm:style>
-  </dgm:styleLbl>
-  <dgm:styleLbl name="asst2">
-    <dgm:scene3d>
-      <a:camera prst="orthographicFront"/>
-      <a:lightRig rig="threePt" dir="t"/>
-    </dgm:scene3d>
-    <dgm:sp3d/>
-    <dgm:txPr/>
-    <dgm:style>
-      <a:lnRef idx="2">
-        <a:scrgbClr r="0" g="0" b="0"/>
-      </a:lnRef>
-      <a:fillRef idx="1">
-        <a:scrgbClr r="0" g="0" b="0"/>
-      </a:fillRef>
-      <a:effectRef idx="0">
-        <a:scrgbClr r="0" g="0" b="0"/>
-      </a:effectRef>
-      <a:fontRef idx="minor">
-        <a:schemeClr val="lt1"/>
-      </a:fontRef>
-    </dgm:style>
-  </dgm:styleLbl>
-  <dgm:styleLbl name="asst3">
-    <dgm:scene3d>
-      <a:camera prst="orthographicFront"/>
-      <a:lightRig rig="threePt" dir="t"/>
-    </dgm:scene3d>
-    <dgm:sp3d/>
-    <dgm:txPr/>
-    <dgm:style>
-      <a:lnRef idx="2">
-        <a:scrgbClr r="0" g="0" b="0"/>
-      </a:lnRef>
-      <a:fillRef idx="1">
-        <a:scrgbClr r="0" g="0" b="0"/>
-      </a:fillRef>
-      <a:effectRef idx="0">
-        <a:scrgbClr r="0" g="0" b="0"/>
-      </a:effectRef>
-      <a:fontRef idx="minor">
-        <a:schemeClr val="lt1"/>
-      </a:fontRef>
-    </dgm:style>
-  </dgm:styleLbl>
-  <dgm:styleLbl name="asst4">
-    <dgm:scene3d>
-      <a:camera prst="orthographicFront"/>
-      <a:lightRig rig="threePt" dir="t"/>
-    </dgm:scene3d>
-    <dgm:sp3d/>
-    <dgm:txPr/>
-    <dgm:style>
-      <a:lnRef idx="2">
-        <a:scrgbClr r="0" g="0" b="0"/>
-      </a:lnRef>
-      <a:fillRef idx="1">
-        <a:scrgbClr r="0" g="0" b="0"/>
-      </a:fillRef>
-      <a:effectRef idx="0">
-        <a:scrgbClr r="0" g="0" b="0"/>
-      </a:effectRef>
-      <a:fontRef idx="minor">
-        <a:schemeClr val="lt1"/>
-      </a:fontRef>
-    </dgm:style>
-  </dgm:styleLbl>
-  <dgm:styleLbl name="parChTrans2D1">
-    <dgm:scene3d>
-      <a:camera prst="orthographicFront"/>
-      <a:lightRig rig="threePt" dir="t"/>
-    </dgm:scene3d>
-    <dgm:sp3d/>
-    <dgm:txPr/>
-    <dgm:style>
-      <a:lnRef idx="2">
-        <a:scrgbClr r="0" g="0" b="0"/>
-      </a:lnRef>
-      <a:fillRef idx="1">
-        <a:scrgbClr r="0" g="0" b="0"/>
-      </a:fillRef>
-      <a:effectRef idx="0">
-        <a:scrgbClr r="0" g="0" b="0"/>
-      </a:effectRef>
-      <a:fontRef idx="minor">
-        <a:schemeClr val="lt1"/>
-      </a:fontRef>
-    </dgm:style>
-  </dgm:styleLbl>
-  <dgm:styleLbl name="parChTrans2D2">
-    <dgm:scene3d>
-      <a:camera prst="orthographicFront"/>
-      <a:lightRig rig="threePt" dir="t"/>
-    </dgm:scene3d>
-    <dgm:sp3d/>
-    <dgm:txPr/>
-    <dgm:style>
-      <a:lnRef idx="2">
-        <a:scrgbClr r="0" g="0" b="0"/>
-      </a:lnRef>
-      <a:fillRef idx="1">
-        <a:scrgbClr r="0" g="0" b="0"/>
-      </a:fillRef>
-      <a:effectRef idx="0">
-        <a:scrgbClr r="0" g="0" b="0"/>
-      </a:effectRef>
-      <a:fontRef idx="minor">
-        <a:schemeClr val="lt1"/>
-      </a:fontRef>
-    </dgm:style>
-  </dgm:styleLbl>
-  <dgm:styleLbl name="parChTrans2D3">
-    <dgm:scene3d>
-      <a:camera prst="orthographicFront"/>
-      <a:lightRig rig="threePt" dir="t"/>
-    </dgm:scene3d>
-    <dgm:sp3d/>
-    <dgm:txPr/>
-    <dgm:style>
-      <a:lnRef idx="2">
-        <a:scrgbClr r="0" g="0" b="0"/>
-      </a:lnRef>
-      <a:fillRef idx="1">
-        <a:scrgbClr r="0" g="0" b="0"/>
-      </a:fillRef>
-      <a:effectRef idx="0">
-        <a:scrgbClr r="0" g="0" b="0"/>
-      </a:effectRef>
-      <a:fontRef idx="minor">
-        <a:schemeClr val="lt1"/>
-      </a:fontRef>
-    </dgm:style>
-  </dgm:styleLbl>
-  <dgm:styleLbl name="parChTrans2D4">
-    <dgm:scene3d>
-      <a:camera prst="orthographicFront"/>
-      <a:lightRig rig="threePt" dir="t"/>
-    </dgm:scene3d>
-    <dgm:sp3d/>
-    <dgm:txPr/>
-    <dgm:style>
-      <a:lnRef idx="2">
-        <a:scrgbClr r="0" g="0" b="0"/>
-      </a:lnRef>
-      <a:fillRef idx="1">
-        <a:scrgbClr r="0" g="0" b="0"/>
-      </a:fillRef>
-      <a:effectRef idx="0">
-        <a:scrgbClr r="0" g="0" b="0"/>
-      </a:effectRef>
-      <a:fontRef idx="minor">
-        <a:schemeClr val="lt1"/>
-      </a:fontRef>
-    </dgm:style>
-  </dgm:styleLbl>
-  <dgm:styleLbl name="parChTrans1D1">
-    <dgm:scene3d>
-      <a:camera prst="orthographicFront"/>
-      <a:lightRig rig="threePt" dir="t"/>
-    </dgm:scene3d>
-    <dgm:sp3d/>
-    <dgm:txPr/>
-    <dgm:style>
-      <a:lnRef idx="2">
-        <a:scrgbClr r="0" g="0" b="0"/>
-      </a:lnRef>
-      <a:fillRef idx="0">
-        <a:scrgbClr r="0" g="0" b="0"/>
-      </a:fillRef>
-      <a:effectRef idx="0">
-        <a:scrgbClr r="0" g="0" b="0"/>
-      </a:effectRef>
-      <a:fontRef idx="minor"/>
-    </dgm:style>
-  </dgm:styleLbl>
-  <dgm:styleLbl name="parChTrans1D2">
-    <dgm:scene3d>
-      <a:camera prst="orthographicFront"/>
-      <a:lightRig rig="threePt" dir="t"/>
-    </dgm:scene3d>
-    <dgm:sp3d/>
-    <dgm:txPr/>
-    <dgm:style>
-      <a:lnRef idx="2">
-        <a:scrgbClr r="0" g="0" b="0"/>
-      </a:lnRef>
-      <a:fillRef idx="0">
-        <a:scrgbClr r="0" g="0" b="0"/>
-      </a:fillRef>
-      <a:effectRef idx="0">
-        <a:scrgbClr r="0" g="0" b="0"/>
-      </a:effectRef>
-      <a:fontRef idx="minor"/>
-    </dgm:style>
-  </dgm:styleLbl>
-  <dgm:styleLbl name="parChTrans1D3">
-    <dgm:scene3d>
-      <a:camera prst="orthographicFront"/>
-      <a:lightRig rig="threePt" dir="t"/>
-    </dgm:scene3d>
-    <dgm:sp3d/>
-    <dgm:txPr/>
-    <dgm:style>
-      <a:lnRef idx="2">
-        <a:scrgbClr r="0" g="0" b="0"/>
-      </a:lnRef>
-      <a:fillRef idx="0">
-        <a:scrgbClr r="0" g="0" b="0"/>
-      </a:fillRef>
-      <a:effectRef idx="0">
-        <a:scrgbClr r="0" g="0" b="0"/>
-      </a:effectRef>
-      <a:fontRef idx="minor"/>
-    </dgm:style>
-  </dgm:styleLbl>
-  <dgm:styleLbl name="parChTrans1D4">
-    <dgm:scene3d>
-      <a:camera prst="orthographicFront"/>
-      <a:lightRig rig="threePt" dir="t"/>
-    </dgm:scene3d>
-    <dgm:sp3d/>
-    <dgm:txPr/>
-    <dgm:style>
-      <a:lnRef idx="2">
-        <a:scrgbClr r="0" g="0" b="0"/>
-      </a:lnRef>
-      <a:fillRef idx="0">
-        <a:scrgbClr r="0" g="0" b="0"/>
-      </a:fillRef>
-      <a:effectRef idx="0">
-        <a:scrgbClr r="0" g="0" b="0"/>
-      </a:effectRef>
-      <a:fontRef idx="minor"/>
-    </dgm:style>
-  </dgm:styleLbl>
-  <dgm:styleLbl name="fgAcc1">
-    <dgm:scene3d>
-      <a:camera prst="orthographicFront"/>
-      <a:lightRig rig="threePt" dir="t"/>
-    </dgm:scene3d>
-    <dgm:sp3d/>
-    <dgm:txPr/>
-    <dgm:style>
-      <a:lnRef idx="2">
-        <a:scrgbClr r="0" g="0" b="0"/>
-      </a:lnRef>
-      <a:fillRef idx="1">
-        <a:scrgbClr r="0" g="0" b="0"/>
-      </a:fillRef>
-      <a:effectRef idx="0">
-        <a:scrgbClr r="0" g="0" b="0"/>
-      </a:effectRef>
-      <a:fontRef idx="minor"/>
-    </dgm:style>
-  </dgm:styleLbl>
-  <dgm:styleLbl name="conFgAcc1">
-    <dgm:scene3d>
-      <a:camera prst="orthographicFront"/>
-      <a:lightRig rig="threePt" dir="t"/>
-    </dgm:scene3d>
-    <dgm:sp3d/>
-    <dgm:txPr/>
-    <dgm:style>
-      <a:lnRef idx="2">
-        <a:scrgbClr r="0" g="0" b="0"/>
-      </a:lnRef>
-      <a:fillRef idx="1">
-        <a:scrgbClr r="0" g="0" b="0"/>
-      </a:fillRef>
-      <a:effectRef idx="0">
-        <a:scrgbClr r="0" g="0" b="0"/>
-      </a:effectRef>
-      <a:fontRef idx="minor"/>
-    </dgm:style>
-  </dgm:styleLbl>
-  <dgm:styleLbl name="alignAcc1">
-    <dgm:scene3d>
-      <a:camera prst="orthographicFront"/>
-      <a:lightRig rig="threePt" dir="t"/>
-    </dgm:scene3d>
-    <dgm:sp3d/>
-    <dgm:txPr/>
-    <dgm:style>
-      <a:lnRef idx="2">
-        <a:scrgbClr r="0" g="0" b="0"/>
-      </a:lnRef>
-      <a:fillRef idx="1">
-        <a:scrgbClr r="0" g="0" b="0"/>
-      </a:fillRef>
-      <a:effectRef idx="0">
-        <a:scrgbClr r="0" g="0" b="0"/>
-      </a:effectRef>
-      <a:fontRef idx="minor"/>
-    </dgm:style>
-  </dgm:styleLbl>
-  <dgm:styleLbl name="trAlignAcc1">
-    <dgm:scene3d>
-      <a:camera prst="orthographicFront"/>
-      <a:lightRig rig="threePt" dir="t"/>
-    </dgm:scene3d>
-    <dgm:sp3d/>
-    <dgm:txPr/>
-    <dgm:style>
-      <a:lnRef idx="1">
-        <a:scrgbClr r="0" g="0" b="0"/>
-      </a:lnRef>
-      <a:fillRef idx="1">
-        <a:scrgbClr r="0" g="0" b="0"/>
-      </a:fillRef>
-      <a:effectRef idx="0">
-        <a:scrgbClr r="0" g="0" b="0"/>
-      </a:effectRef>
-      <a:fontRef idx="minor"/>
-    </dgm:style>
-  </dgm:styleLbl>
-  <dgm:styleLbl name="bgAcc1">
-    <dgm:scene3d>
-      <a:camera prst="orthographicFront"/>
-      <a:lightRig rig="threePt" dir="t"/>
-    </dgm:scene3d>
-    <dgm:sp3d/>
-    <dgm:txPr/>
-    <dgm:style>
-      <a:lnRef idx="2">
-        <a:scrgbClr r="0" g="0" b="0"/>
-      </a:lnRef>
-      <a:fillRef idx="1">
-        <a:scrgbClr r="0" g="0" b="0"/>
-      </a:fillRef>
-      <a:effectRef idx="0">
-        <a:scrgbClr r="0" g="0" b="0"/>
-      </a:effectRef>
-      <a:fontRef idx="minor"/>
-    </dgm:style>
-  </dgm:styleLbl>
-  <dgm:styleLbl name="solidFgAcc1">
-    <dgm:scene3d>
-      <a:camera prst="orthographicFront"/>
-      <a:lightRig rig="threePt" dir="t"/>
-    </dgm:scene3d>
-    <dgm:sp3d/>
-    <dgm:txPr/>
-    <dgm:style>
-      <a:lnRef idx="2">
-        <a:scrgbClr r="0" g="0" b="0"/>
-      </a:lnRef>
-      <a:fillRef idx="1">
-        <a:scrgbClr r="0" g="0" b="0"/>
-      </a:fillRef>
-      <a:effectRef idx="0">
-        <a:scrgbClr r="0" g="0" b="0"/>
-      </a:effectRef>
-      <a:fontRef idx="minor"/>
-    </dgm:style>
-  </dgm:styleLbl>
-  <dgm:styleLbl name="solidAlignAcc1">
-    <dgm:scene3d>
-      <a:camera prst="orthographicFront"/>
-      <a:lightRig rig="threePt" dir="t"/>
-    </dgm:scene3d>
-    <dgm:sp3d/>
-    <dgm:txPr/>
-    <dgm:style>
-      <a:lnRef idx="2">
-        <a:scrgbClr r="0" g="0" b="0"/>
-      </a:lnRef>
-      <a:fillRef idx="1">
-        <a:scrgbClr r="0" g="0" b="0"/>
-      </a:fillRef>
-      <a:effectRef idx="0">
-        <a:scrgbClr r="0" g="0" b="0"/>
-      </a:effectRef>
-      <a:fontRef idx="minor"/>
-    </dgm:style>
-  </dgm:styleLbl>
-  <dgm:styleLbl name="solidBgAcc1">
-    <dgm:scene3d>
-      <a:camera prst="orthographicFront"/>
-      <a:lightRig rig="threePt" dir="t"/>
-    </dgm:scene3d>
-    <dgm:sp3d/>
-    <dgm:txPr/>
-    <dgm:style>
-      <a:lnRef idx="2">
-        <a:scrgbClr r="0" g="0" b="0"/>
-      </a:lnRef>
-      <a:fillRef idx="1">
-        <a:scrgbClr r="0" g="0" b="0"/>
-      </a:fillRef>
-      <a:effectRef idx="0">
-        <a:scrgbClr r="0" g="0" b="0"/>
-      </a:effectRef>
-      <a:fontRef idx="minor"/>
-    </dgm:style>
-  </dgm:styleLbl>
-  <dgm:styleLbl name="fgAccFollowNode1">
-    <dgm:scene3d>
-      <a:camera prst="orthographicFront"/>
-      <a:lightRig rig="threePt" dir="t"/>
-    </dgm:scene3d>
-    <dgm:sp3d/>
-    <dgm:txPr/>
-    <dgm:style>
-      <a:lnRef idx="2">
-        <a:scrgbClr r="0" g="0" b="0"/>
-      </a:lnRef>
-      <a:fillRef idx="1">
-        <a:scrgbClr r="0" g="0" b="0"/>
-      </a:fillRef>
-      <a:effectRef idx="0">
-        <a:scrgbClr r="0" g="0" b="0"/>
-      </a:effectRef>
-      <a:fontRef idx="minor"/>
-    </dgm:style>
-  </dgm:styleLbl>
-  <dgm:styleLbl name="alignAccFollowNode1">
-    <dgm:scene3d>
-      <a:camera prst="orthographicFront"/>
-      <a:lightRig rig="threePt" dir="t"/>
-    </dgm:scene3d>
-    <dgm:sp3d/>
-    <dgm:txPr/>
-    <dgm:style>
-      <a:lnRef idx="2">
-        <a:scrgbClr r="0" g="0" b="0"/>
-      </a:lnRef>
-      <a:fillRef idx="1">
-        <a:scrgbClr r="0" g="0" b="0"/>
-      </a:fillRef>
-      <a:effectRef idx="0">
-        <a:scrgbClr r="0" g="0" b="0"/>
-      </a:effectRef>
-      <a:fontRef idx="minor"/>
-    </dgm:style>
-  </dgm:styleLbl>
-  <dgm:styleLbl name="bgAccFollowNode1">
-    <dgm:scene3d>
-      <a:camera prst="orthographicFront"/>
-      <a:lightRig rig="threePt" dir="t"/>
-    </dgm:scene3d>
-    <dgm:sp3d/>
-    <dgm:txPr/>
-    <dgm:style>
-      <a:lnRef idx="2">
-        <a:scrgbClr r="0" g="0" b="0"/>
-      </a:lnRef>
-      <a:fillRef idx="1">
-        <a:scrgbClr r="0" g="0" b="0"/>
-      </a:fillRef>
-      <a:effectRef idx="0">
-        <a:scrgbClr r="0" g="0" b="0"/>
-      </a:effectRef>
-      <a:fontRef idx="minor"/>
-    </dgm:style>
-  </dgm:styleLbl>
-  <dgm:styleLbl name="fgAcc0">
-    <dgm:scene3d>
-      <a:camera prst="orthographicFront"/>
-      <a:lightRig rig="threePt" dir="t"/>
-    </dgm:scene3d>
-    <dgm:sp3d/>
-    <dgm:txPr/>
-    <dgm:style>
-      <a:lnRef idx="2">
-        <a:scrgbClr r="0" g="0" b="0"/>
-      </a:lnRef>
-      <a:fillRef idx="1">
-        <a:scrgbClr r="0" g="0" b="0"/>
-      </a:fillRef>
-      <a:effectRef idx="0">
-        <a:scrgbClr r="0" g="0" b="0"/>
-      </a:effectRef>
-      <a:fontRef idx="minor"/>
-    </dgm:style>
-  </dgm:styleLbl>
-  <dgm:styleLbl name="fgAcc2">
-    <dgm:scene3d>
-      <a:camera prst="orthographicFront"/>
-      <a:lightRig rig="threePt" dir="t"/>
-    </dgm:scene3d>
-    <dgm:sp3d/>
-    <dgm:txPr/>
-    <dgm:style>
-      <a:lnRef idx="2">
-        <a:scrgbClr r="0" g="0" b="0"/>
-      </a:lnRef>
-      <a:fillRef idx="1">
-        <a:scrgbClr r="0" g="0" b="0"/>
-      </a:fillRef>
-      <a:effectRef idx="0">
-        <a:scrgbClr r="0" g="0" b="0"/>
-      </a:effectRef>
-      <a:fontRef idx="minor"/>
-    </dgm:style>
-  </dgm:styleLbl>
-  <dgm:styleLbl name="fgAcc3">
-    <dgm:scene3d>
-      <a:camera prst="orthographicFront"/>
-      <a:lightRig rig="threePt" dir="t"/>
-    </dgm:scene3d>
-    <dgm:sp3d/>
-    <dgm:txPr/>
-    <dgm:style>
-      <a:lnRef idx="2">
-        <a:scrgbClr r="0" g="0" b="0"/>
-      </a:lnRef>
-      <a:fillRef idx="1">
-        <a:scrgbClr r="0" g="0" b="0"/>
-      </a:fillRef>
-      <a:effectRef idx="0">
-        <a:scrgbClr r="0" g="0" b="0"/>
-      </a:effectRef>
-      <a:fontRef idx="minor"/>
-    </dgm:style>
-  </dgm:styleLbl>
-  <dgm:styleLbl name="fgAcc4">
-    <dgm:scene3d>
-      <a:camera prst="orthographicFront"/>
-      <a:lightRig rig="threePt" dir="t"/>
-    </dgm:scene3d>
-    <dgm:sp3d/>
-    <dgm:txPr/>
-    <dgm:style>
-      <a:lnRef idx="2">
-        <a:scrgbClr r="0" g="0" b="0"/>
-      </a:lnRef>
-      <a:fillRef idx="1">
-        <a:scrgbClr r="0" g="0" b="0"/>
-      </a:fillRef>
-      <a:effectRef idx="0">
-        <a:scrgbClr r="0" g="0" b="0"/>
-      </a:effectRef>
-      <a:fontRef idx="minor"/>
-    </dgm:style>
-  </dgm:styleLbl>
-  <dgm:styleLbl name="bgShp">
-    <dgm:scene3d>
-      <a:camera prst="orthographicFront"/>
-      <a:lightRig rig="threePt" dir="t"/>
-    </dgm:scene3d>
-    <dgm:sp3d/>
-    <dgm:txPr/>
-    <dgm:style>
-      <a:lnRef idx="0">
-        <a:scrgbClr r="0" g="0" b="0"/>
-      </a:lnRef>
-      <a:fillRef idx="1">
-        <a:scrgbClr r="0" g="0" b="0"/>
-      </a:fillRef>
-      <a:effectRef idx="0">
-        <a:scrgbClr r="0" g="0" b="0"/>
-      </a:effectRef>
-      <a:fontRef idx="minor"/>
-    </dgm:style>
-  </dgm:styleLbl>
-  <dgm:styleLbl name="dkBgShp">
-    <dgm:scene3d>
-      <a:camera prst="orthographicFront"/>
-      <a:lightRig rig="threePt" dir="t"/>
-    </dgm:scene3d>
-    <dgm:sp3d/>
-    <dgm:txPr/>
-    <dgm:style>
-      <a:lnRef idx="0">
-        <a:scrgbClr r="0" g="0" b="0"/>
-      </a:lnRef>
-      <a:fillRef idx="1">
-        <a:scrgbClr r="0" g="0" b="0"/>
-      </a:fillRef>
-      <a:effectRef idx="0">
-        <a:scrgbClr r="0" g="0" b="0"/>
-      </a:effectRef>
-      <a:fontRef idx="minor"/>
-    </dgm:style>
-  </dgm:styleLbl>
-  <dgm:styleLbl name="trBgShp">
-    <dgm:scene3d>
-      <a:camera prst="orthographicFront"/>
-      <a:lightRig rig="threePt" dir="t"/>
-    </dgm:scene3d>
-    <dgm:sp3d/>
-    <dgm:txPr/>
-    <dgm:style>
-      <a:lnRef idx="0">
-        <a:scrgbClr r="0" g="0" b="0"/>
-      </a:lnRef>
-      <a:fillRef idx="1">
-        <a:scrgbClr r="0" g="0" b="0"/>
-      </a:fillRef>
-      <a:effectRef idx="0">
-        <a:scrgbClr r="0" g="0" b="0"/>
-      </a:effectRef>
-      <a:fontRef idx="minor"/>
-    </dgm:style>
-  </dgm:styleLbl>
-  <dgm:styleLbl name="fgShp">
-    <dgm:scene3d>
-      <a:camera prst="orthographicFront"/>
-      <a:lightRig rig="threePt" dir="t"/>
-    </dgm:scene3d>
-    <dgm:sp3d/>
-    <dgm:txPr/>
-    <dgm:style>
-      <a:lnRef idx="2">
-        <a:scrgbClr r="0" g="0" b="0"/>
-      </a:lnRef>
-      <a:fillRef idx="1">
-        <a:scrgbClr r="0" g="0" b="0"/>
-      </a:fillRef>
-      <a:effectRef idx="0">
         <a:scrgbClr r="0" g="0" b="0"/>
       </a:effectRef>
       <a:fontRef idx="minor"/>
@@ -8820,7 +5443,7 @@
           <a:p>
             <a:fld id="{BC6301BB-1CFE-425A-B800-11137A548326}" type="datetimeFigureOut">
               <a:rPr lang="en-US" smtClean="0"/>
-              <a:t>4/13/2017</a:t>
+              <a:t>4/14/17</a:t>
             </a:fld>
             <a:endParaRPr lang="en-US"/>
           </a:p>
@@ -9331,26 +5954,6 @@
           <a:bodyPr/>
           <a:lstStyle/>
           <a:p>
-            <a:r>
-              <a:rPr lang="en-US" dirty="0" smtClean="0"/>
-              <a:t>This could be a </a:t>
-            </a:r>
-            <a:r>
-              <a:rPr lang="en-US" dirty="0" smtClean="0"/>
-              <a:t>different type</a:t>
-            </a:r>
-            <a:r>
-              <a:rPr lang="en-US" baseline="0" dirty="0" smtClean="0"/>
-              <a:t> of </a:t>
-            </a:r>
-            <a:r>
-              <a:rPr lang="en-US" dirty="0" smtClean="0"/>
-              <a:t>SmartArt list, for instance</a:t>
-            </a:r>
-            <a:r>
-              <a:rPr lang="en-US" baseline="0" dirty="0" smtClean="0"/>
-              <a:t> with thumbnail pictures of the components.</a:t>
-            </a:r>
             <a:endParaRPr lang="en-US" dirty="0"/>
           </a:p>
         </p:txBody>
@@ -9381,7 +5984,7 @@
     </p:spTree>
     <p:extLst>
       <p:ext uri="{BB962C8B-B14F-4D97-AF65-F5344CB8AC3E}">
-        <p14:creationId xmlns:p14="http://schemas.microsoft.com/office/powerpoint/2010/main" val="3489125013"/>
+        <p14:creationId xmlns:p14="http://schemas.microsoft.com/office/powerpoint/2010/main" val="27465262"/>
       </p:ext>
     </p:extLst>
   </p:cSld>
@@ -9435,6 +6038,22 @@
           <a:bodyPr/>
           <a:lstStyle/>
           <a:p>
+            <a:r>
+              <a:rPr lang="en-US" dirty="0" smtClean="0"/>
+              <a:t>This could be a different type</a:t>
+            </a:r>
+            <a:r>
+              <a:rPr lang="en-US" baseline="0" dirty="0" smtClean="0"/>
+              <a:t> of </a:t>
+            </a:r>
+            <a:r>
+              <a:rPr lang="en-US" dirty="0" smtClean="0"/>
+              <a:t>SmartArt list, for instance</a:t>
+            </a:r>
+            <a:r>
+              <a:rPr lang="en-US" baseline="0" dirty="0" smtClean="0"/>
+              <a:t> with thumbnail pictures of the components.</a:t>
+            </a:r>
             <a:endParaRPr lang="en-US" dirty="0"/>
           </a:p>
         </p:txBody>
@@ -9456,7 +6075,7 @@
           <a:p>
             <a:fld id="{4DF559D7-D7EC-4DDD-8B47-9EE4CD397A1F}" type="slidenum">
               <a:rPr lang="en-US" smtClean="0"/>
-              <a:t>7</a:t>
+              <a:t>6</a:t>
             </a:fld>
             <a:endParaRPr lang="en-US"/>
           </a:p>
@@ -9465,7 +6084,7 @@
     </p:spTree>
     <p:extLst>
       <p:ext uri="{BB962C8B-B14F-4D97-AF65-F5344CB8AC3E}">
-        <p14:creationId xmlns:p14="http://schemas.microsoft.com/office/powerpoint/2010/main" val="27465262"/>
+        <p14:creationId xmlns:p14="http://schemas.microsoft.com/office/powerpoint/2010/main" val="3489125013"/>
       </p:ext>
     </p:extLst>
   </p:cSld>
@@ -9548,7 +6167,7 @@
           <a:p>
             <a:fld id="{4DF559D7-D7EC-4DDD-8B47-9EE4CD397A1F}" type="slidenum">
               <a:rPr lang="en-US" smtClean="0"/>
-              <a:t>8</a:t>
+              <a:t>7</a:t>
             </a:fld>
             <a:endParaRPr lang="en-US"/>
           </a:p>
@@ -9624,7 +6243,7 @@
           <a:noFill/>
           <a:extLst>
             <a:ext uri="{909E8E84-426E-40dd-AFC4-6F175D3DCCD1}">
-              <a14:hiddenFill xmlns="" xmlns:a14="http://schemas.microsoft.com/office/drawing/2010/main">
+              <a14:hiddenFill xmlns:a14="http://schemas.microsoft.com/office/drawing/2010/main" xmlns="">
                 <a:solidFill>
                   <a:srgbClr val="FFFFFF"/>
                 </a:solidFill>
@@ -9684,7 +6303,7 @@
             </a:ln>
             <a:extLst>
               <a:ext uri="{91240B29-F687-4f45-9708-019B960494DF}">
-                <a14:hiddenLine xmlns="" xmlns:a14="http://schemas.microsoft.com/office/drawing/2010/main" w="9525">
+                <a14:hiddenLine xmlns:a14="http://schemas.microsoft.com/office/drawing/2010/main" xmlns="" w="9525">
                   <a:solidFill>
                     <a:srgbClr val="000000"/>
                   </a:solidFill>
@@ -9774,7 +6393,7 @@
             </a:ln>
             <a:extLst>
               <a:ext uri="{91240B29-F687-4f45-9708-019B960494DF}">
-                <a14:hiddenLine xmlns="" xmlns:a14="http://schemas.microsoft.com/office/drawing/2010/main" w="9525">
+                <a14:hiddenLine xmlns:a14="http://schemas.microsoft.com/office/drawing/2010/main" xmlns="" w="9525">
                   <a:solidFill>
                     <a:srgbClr val="000000"/>
                   </a:solidFill>
@@ -9864,7 +6483,7 @@
             </a:ln>
             <a:extLst>
               <a:ext uri="{91240B29-F687-4f45-9708-019B960494DF}">
-                <a14:hiddenLine xmlns="" xmlns:a14="http://schemas.microsoft.com/office/drawing/2010/main" w="9525">
+                <a14:hiddenLine xmlns:a14="http://schemas.microsoft.com/office/drawing/2010/main" xmlns="" w="9525">
                   <a:solidFill>
                     <a:srgbClr val="000000"/>
                   </a:solidFill>
@@ -9898,7 +6517,7 @@
             </a:ln>
             <a:extLst>
               <a:ext uri="{91240B29-F687-4f45-9708-019B960494DF}">
-                <a14:hiddenLine xmlns="" xmlns:a14="http://schemas.microsoft.com/office/drawing/2010/main" w="9525">
+                <a14:hiddenLine xmlns:a14="http://schemas.microsoft.com/office/drawing/2010/main" xmlns="" w="9525">
                   <a:solidFill>
                     <a:srgbClr val="000000"/>
                   </a:solidFill>
@@ -9988,7 +6607,7 @@
             </a:ln>
             <a:extLst>
               <a:ext uri="{91240B29-F687-4f45-9708-019B960494DF}">
-                <a14:hiddenLine xmlns="" xmlns:a14="http://schemas.microsoft.com/office/drawing/2010/main" w="9525">
+                <a14:hiddenLine xmlns:a14="http://schemas.microsoft.com/office/drawing/2010/main" xmlns="" w="9525">
                   <a:solidFill>
                     <a:srgbClr val="000000"/>
                   </a:solidFill>
@@ -10050,7 +6669,7 @@
             </a:ln>
             <a:extLst>
               <a:ext uri="{91240B29-F687-4f45-9708-019B960494DF}">
-                <a14:hiddenLine xmlns="" xmlns:a14="http://schemas.microsoft.com/office/drawing/2010/main" w="9525">
+                <a14:hiddenLine xmlns:a14="http://schemas.microsoft.com/office/drawing/2010/main" xmlns="" w="9525">
                   <a:solidFill>
                     <a:srgbClr val="000000"/>
                   </a:solidFill>
@@ -10112,7 +6731,7 @@
             </a:ln>
             <a:extLst>
               <a:ext uri="{91240B29-F687-4f45-9708-019B960494DF}">
-                <a14:hiddenLine xmlns="" xmlns:a14="http://schemas.microsoft.com/office/drawing/2010/main" w="9525">
+                <a14:hiddenLine xmlns:a14="http://schemas.microsoft.com/office/drawing/2010/main" xmlns="" w="9525">
                   <a:solidFill>
                     <a:srgbClr val="000000"/>
                   </a:solidFill>
@@ -10202,7 +6821,7 @@
             </a:ln>
             <a:extLst>
               <a:ext uri="{91240B29-F687-4f45-9708-019B960494DF}">
-                <a14:hiddenLine xmlns="" xmlns:a14="http://schemas.microsoft.com/office/drawing/2010/main" w="9525">
+                <a14:hiddenLine xmlns:a14="http://schemas.microsoft.com/office/drawing/2010/main" xmlns="" w="9525">
                   <a:solidFill>
                     <a:srgbClr val="000000"/>
                   </a:solidFill>
@@ -10264,7 +6883,7 @@
             </a:ln>
             <a:extLst>
               <a:ext uri="{91240B29-F687-4f45-9708-019B960494DF}">
-                <a14:hiddenLine xmlns="" xmlns:a14="http://schemas.microsoft.com/office/drawing/2010/main" w="9525">
+                <a14:hiddenLine xmlns:a14="http://schemas.microsoft.com/office/drawing/2010/main" xmlns="" w="9525">
                   <a:solidFill>
                     <a:srgbClr val="000000"/>
                   </a:solidFill>
@@ -10326,7 +6945,7 @@
             </a:ln>
             <a:extLst>
               <a:ext uri="{91240B29-F687-4f45-9708-019B960494DF}">
-                <a14:hiddenLine xmlns="" xmlns:a14="http://schemas.microsoft.com/office/drawing/2010/main" w="9525">
+                <a14:hiddenLine xmlns:a14="http://schemas.microsoft.com/office/drawing/2010/main" xmlns="" w="9525">
                   <a:solidFill>
                     <a:srgbClr val="000000"/>
                   </a:solidFill>
@@ -10416,7 +7035,7 @@
             </a:ln>
             <a:extLst>
               <a:ext uri="{91240B29-F687-4f45-9708-019B960494DF}">
-                <a14:hiddenLine xmlns="" xmlns:a14="http://schemas.microsoft.com/office/drawing/2010/main" w="9525">
+                <a14:hiddenLine xmlns:a14="http://schemas.microsoft.com/office/drawing/2010/main" xmlns="" w="9525">
                   <a:solidFill>
                     <a:srgbClr val="000000"/>
                   </a:solidFill>
@@ -10506,7 +7125,7 @@
             </a:ln>
             <a:extLst>
               <a:ext uri="{91240B29-F687-4f45-9708-019B960494DF}">
-                <a14:hiddenLine xmlns="" xmlns:a14="http://schemas.microsoft.com/office/drawing/2010/main" w="9525">
+                <a14:hiddenLine xmlns:a14="http://schemas.microsoft.com/office/drawing/2010/main" xmlns="" w="9525">
                   <a:solidFill>
                     <a:srgbClr val="000000"/>
                   </a:solidFill>
@@ -10568,7 +7187,7 @@
             </a:ln>
             <a:extLst>
               <a:ext uri="{91240B29-F687-4f45-9708-019B960494DF}">
-                <a14:hiddenLine xmlns="" xmlns:a14="http://schemas.microsoft.com/office/drawing/2010/main" w="9525">
+                <a14:hiddenLine xmlns:a14="http://schemas.microsoft.com/office/drawing/2010/main" xmlns="" w="9525">
                   <a:solidFill>
                     <a:srgbClr val="000000"/>
                   </a:solidFill>
@@ -10678,7 +7297,7 @@
             </a:ln>
             <a:extLst>
               <a:ext uri="{91240B29-F687-4f45-9708-019B960494DF}">
-                <a14:hiddenLine xmlns="" xmlns:a14="http://schemas.microsoft.com/office/drawing/2010/main" w="9525">
+                <a14:hiddenLine xmlns:a14="http://schemas.microsoft.com/office/drawing/2010/main" xmlns="" w="9525">
                   <a:solidFill>
                     <a:srgbClr val="000000"/>
                   </a:solidFill>
@@ -10740,7 +7359,7 @@
             </a:ln>
             <a:extLst>
               <a:ext uri="{91240B29-F687-4f45-9708-019B960494DF}">
-                <a14:hiddenLine xmlns="" xmlns:a14="http://schemas.microsoft.com/office/drawing/2010/main" w="9525">
+                <a14:hiddenLine xmlns:a14="http://schemas.microsoft.com/office/drawing/2010/main" xmlns="" w="9525">
                   <a:solidFill>
                     <a:srgbClr val="000000"/>
                   </a:solidFill>
@@ -10830,7 +7449,7 @@
             </a:ln>
             <a:extLst>
               <a:ext uri="{91240B29-F687-4f45-9708-019B960494DF}">
-                <a14:hiddenLine xmlns="" xmlns:a14="http://schemas.microsoft.com/office/drawing/2010/main" w="9525">
+                <a14:hiddenLine xmlns:a14="http://schemas.microsoft.com/office/drawing/2010/main" xmlns="" w="9525">
                   <a:solidFill>
                     <a:srgbClr val="000000"/>
                   </a:solidFill>
@@ -10920,7 +7539,7 @@
             </a:ln>
             <a:extLst>
               <a:ext uri="{91240B29-F687-4f45-9708-019B960494DF}">
-                <a14:hiddenLine xmlns="" xmlns:a14="http://schemas.microsoft.com/office/drawing/2010/main" w="9525">
+                <a14:hiddenLine xmlns:a14="http://schemas.microsoft.com/office/drawing/2010/main" xmlns="" w="9525">
                   <a:solidFill>
                     <a:srgbClr val="000000"/>
                   </a:solidFill>
@@ -10982,7 +7601,7 @@
             </a:ln>
             <a:extLst>
               <a:ext uri="{91240B29-F687-4f45-9708-019B960494DF}">
-                <a14:hiddenLine xmlns="" xmlns:a14="http://schemas.microsoft.com/office/drawing/2010/main" w="9525">
+                <a14:hiddenLine xmlns:a14="http://schemas.microsoft.com/office/drawing/2010/main" xmlns="" w="9525">
                   <a:solidFill>
                     <a:srgbClr val="000000"/>
                   </a:solidFill>
@@ -11072,7 +7691,7 @@
             </a:ln>
             <a:extLst>
               <a:ext uri="{91240B29-F687-4f45-9708-019B960494DF}">
-                <a14:hiddenLine xmlns="" xmlns:a14="http://schemas.microsoft.com/office/drawing/2010/main" w="9525">
+                <a14:hiddenLine xmlns:a14="http://schemas.microsoft.com/office/drawing/2010/main" xmlns="" w="9525">
                   <a:solidFill>
                     <a:srgbClr val="000000"/>
                   </a:solidFill>
@@ -11162,7 +7781,7 @@
             </a:ln>
             <a:extLst>
               <a:ext uri="{91240B29-F687-4f45-9708-019B960494DF}">
-                <a14:hiddenLine xmlns="" xmlns:a14="http://schemas.microsoft.com/office/drawing/2010/main" w="9525">
+                <a14:hiddenLine xmlns:a14="http://schemas.microsoft.com/office/drawing/2010/main" xmlns="" w="9525">
                   <a:solidFill>
                     <a:srgbClr val="000000"/>
                   </a:solidFill>
@@ -11218,7 +7837,7 @@
             </a:ln>
             <a:extLst>
               <a:ext uri="{91240B29-F687-4f45-9708-019B960494DF}">
-                <a14:hiddenLine xmlns="" xmlns:a14="http://schemas.microsoft.com/office/drawing/2010/main" w="9525">
+                <a14:hiddenLine xmlns:a14="http://schemas.microsoft.com/office/drawing/2010/main" xmlns="" w="9525">
                   <a:solidFill>
                     <a:srgbClr val="000000"/>
                   </a:solidFill>
@@ -11308,7 +7927,7 @@
             </a:ln>
             <a:extLst>
               <a:ext uri="{91240B29-F687-4f45-9708-019B960494DF}">
-                <a14:hiddenLine xmlns="" xmlns:a14="http://schemas.microsoft.com/office/drawing/2010/main" w="9525">
+                <a14:hiddenLine xmlns:a14="http://schemas.microsoft.com/office/drawing/2010/main" xmlns="" w="9525">
                   <a:solidFill>
                     <a:srgbClr val="000000"/>
                   </a:solidFill>
@@ -11364,7 +7983,7 @@
             </a:ln>
             <a:extLst>
               <a:ext uri="{91240B29-F687-4f45-9708-019B960494DF}">
-                <a14:hiddenLine xmlns="" xmlns:a14="http://schemas.microsoft.com/office/drawing/2010/main" w="9525">
+                <a14:hiddenLine xmlns:a14="http://schemas.microsoft.com/office/drawing/2010/main" xmlns="" w="9525">
                   <a:solidFill>
                     <a:srgbClr val="000000"/>
                   </a:solidFill>
@@ -11454,7 +8073,7 @@
             </a:ln>
             <a:extLst>
               <a:ext uri="{91240B29-F687-4f45-9708-019B960494DF}">
-                <a14:hiddenLine xmlns="" xmlns:a14="http://schemas.microsoft.com/office/drawing/2010/main" w="9525">
+                <a14:hiddenLine xmlns:a14="http://schemas.microsoft.com/office/drawing/2010/main" xmlns="" w="9525">
                   <a:solidFill>
                     <a:srgbClr val="000000"/>
                   </a:solidFill>
@@ -11522,7 +8141,7 @@
             </a:ln>
             <a:extLst>
               <a:ext uri="{91240B29-F687-4f45-9708-019B960494DF}">
-                <a14:hiddenLine xmlns="" xmlns:a14="http://schemas.microsoft.com/office/drawing/2010/main" w="9525">
+                <a14:hiddenLine xmlns:a14="http://schemas.microsoft.com/office/drawing/2010/main" xmlns="" w="9525">
                   <a:solidFill>
                     <a:srgbClr val="000000"/>
                   </a:solidFill>
@@ -11612,7 +8231,7 @@
             </a:ln>
             <a:extLst>
               <a:ext uri="{91240B29-F687-4f45-9708-019B960494DF}">
-                <a14:hiddenLine xmlns="" xmlns:a14="http://schemas.microsoft.com/office/drawing/2010/main" w="9525">
+                <a14:hiddenLine xmlns:a14="http://schemas.microsoft.com/office/drawing/2010/main" xmlns="" w="9525">
                   <a:solidFill>
                     <a:srgbClr val="000000"/>
                   </a:solidFill>
@@ -11680,7 +8299,7 @@
             </a:ln>
             <a:extLst>
               <a:ext uri="{91240B29-F687-4f45-9708-019B960494DF}">
-                <a14:hiddenLine xmlns="" xmlns:a14="http://schemas.microsoft.com/office/drawing/2010/main" w="9525">
+                <a14:hiddenLine xmlns:a14="http://schemas.microsoft.com/office/drawing/2010/main" xmlns="" w="9525">
                   <a:solidFill>
                     <a:srgbClr val="000000"/>
                   </a:solidFill>
@@ -11770,7 +8389,7 @@
             </a:ln>
             <a:extLst>
               <a:ext uri="{91240B29-F687-4f45-9708-019B960494DF}">
-                <a14:hiddenLine xmlns="" xmlns:a14="http://schemas.microsoft.com/office/drawing/2010/main" w="9525">
+                <a14:hiddenLine xmlns:a14="http://schemas.microsoft.com/office/drawing/2010/main" xmlns="" w="9525">
                   <a:solidFill>
                     <a:srgbClr val="000000"/>
                   </a:solidFill>
@@ -11804,7 +8423,7 @@
             </a:ln>
             <a:extLst>
               <a:ext uri="{91240B29-F687-4f45-9708-019B960494DF}">
-                <a14:hiddenLine xmlns="" xmlns:a14="http://schemas.microsoft.com/office/drawing/2010/main" w="9525">
+                <a14:hiddenLine xmlns:a14="http://schemas.microsoft.com/office/drawing/2010/main" xmlns="" w="9525">
                   <a:solidFill>
                     <a:srgbClr val="000000"/>
                   </a:solidFill>
@@ -11894,7 +8513,7 @@
             </a:ln>
             <a:extLst>
               <a:ext uri="{91240B29-F687-4f45-9708-019B960494DF}">
-                <a14:hiddenLine xmlns="" xmlns:a14="http://schemas.microsoft.com/office/drawing/2010/main" w="9525">
+                <a14:hiddenLine xmlns:a14="http://schemas.microsoft.com/office/drawing/2010/main" xmlns="" w="9525">
                   <a:solidFill>
                     <a:srgbClr val="000000"/>
                   </a:solidFill>
@@ -11956,7 +8575,7 @@
             </a:ln>
             <a:extLst>
               <a:ext uri="{91240B29-F687-4f45-9708-019B960494DF}">
-                <a14:hiddenLine xmlns="" xmlns:a14="http://schemas.microsoft.com/office/drawing/2010/main" w="9525">
+                <a14:hiddenLine xmlns:a14="http://schemas.microsoft.com/office/drawing/2010/main" xmlns="" w="9525">
                   <a:solidFill>
                     <a:srgbClr val="000000"/>
                   </a:solidFill>
@@ -12018,7 +8637,7 @@
             </a:ln>
             <a:extLst>
               <a:ext uri="{91240B29-F687-4f45-9708-019B960494DF}">
-                <a14:hiddenLine xmlns="" xmlns:a14="http://schemas.microsoft.com/office/drawing/2010/main" w="9525">
+                <a14:hiddenLine xmlns:a14="http://schemas.microsoft.com/office/drawing/2010/main" xmlns="" w="9525">
                   <a:solidFill>
                     <a:srgbClr val="000000"/>
                   </a:solidFill>
@@ -12108,7 +8727,7 @@
             </a:ln>
             <a:extLst>
               <a:ext uri="{91240B29-F687-4f45-9708-019B960494DF}">
-                <a14:hiddenLine xmlns="" xmlns:a14="http://schemas.microsoft.com/office/drawing/2010/main" w="9525">
+                <a14:hiddenLine xmlns:a14="http://schemas.microsoft.com/office/drawing/2010/main" xmlns="" w="9525">
                   <a:solidFill>
                     <a:srgbClr val="000000"/>
                   </a:solidFill>
@@ -12176,7 +8795,7 @@
             </a:ln>
             <a:extLst>
               <a:ext uri="{91240B29-F687-4f45-9708-019B960494DF}">
-                <a14:hiddenLine xmlns="" xmlns:a14="http://schemas.microsoft.com/office/drawing/2010/main" w="9525">
+                <a14:hiddenLine xmlns:a14="http://schemas.microsoft.com/office/drawing/2010/main" xmlns="" w="9525">
                   <a:solidFill>
                     <a:srgbClr val="000000"/>
                   </a:solidFill>
@@ -12238,7 +8857,7 @@
             </a:ln>
             <a:extLst>
               <a:ext uri="{91240B29-F687-4f45-9708-019B960494DF}">
-                <a14:hiddenLine xmlns="" xmlns:a14="http://schemas.microsoft.com/office/drawing/2010/main" w="9525">
+                <a14:hiddenLine xmlns:a14="http://schemas.microsoft.com/office/drawing/2010/main" xmlns="" w="9525">
                   <a:solidFill>
                     <a:srgbClr val="000000"/>
                   </a:solidFill>
@@ -12328,7 +8947,7 @@
             </a:ln>
             <a:extLst>
               <a:ext uri="{91240B29-F687-4f45-9708-019B960494DF}">
-                <a14:hiddenLine xmlns="" xmlns:a14="http://schemas.microsoft.com/office/drawing/2010/main" w="9525">
+                <a14:hiddenLine xmlns:a14="http://schemas.microsoft.com/office/drawing/2010/main" xmlns="" w="9525">
                   <a:solidFill>
                     <a:srgbClr val="000000"/>
                   </a:solidFill>
@@ -12390,7 +9009,7 @@
             </a:ln>
             <a:extLst>
               <a:ext uri="{91240B29-F687-4f45-9708-019B960494DF}">
-                <a14:hiddenLine xmlns="" xmlns:a14="http://schemas.microsoft.com/office/drawing/2010/main" w="9525">
+                <a14:hiddenLine xmlns:a14="http://schemas.microsoft.com/office/drawing/2010/main" xmlns="" w="9525">
                   <a:solidFill>
                     <a:srgbClr val="000000"/>
                   </a:solidFill>
@@ -12480,7 +9099,7 @@
             </a:ln>
             <a:extLst>
               <a:ext uri="{91240B29-F687-4f45-9708-019B960494DF}">
-                <a14:hiddenLine xmlns="" xmlns:a14="http://schemas.microsoft.com/office/drawing/2010/main" w="9525">
+                <a14:hiddenLine xmlns:a14="http://schemas.microsoft.com/office/drawing/2010/main" xmlns="" w="9525">
                   <a:solidFill>
                     <a:srgbClr val="000000"/>
                   </a:solidFill>
@@ -12542,7 +9161,7 @@
             </a:ln>
             <a:extLst>
               <a:ext uri="{91240B29-F687-4f45-9708-019B960494DF}">
-                <a14:hiddenLine xmlns="" xmlns:a14="http://schemas.microsoft.com/office/drawing/2010/main" w="9525">
+                <a14:hiddenLine xmlns:a14="http://schemas.microsoft.com/office/drawing/2010/main" xmlns="" w="9525">
                   <a:solidFill>
                     <a:srgbClr val="000000"/>
                   </a:solidFill>
@@ -12632,7 +9251,7 @@
             </a:ln>
             <a:extLst>
               <a:ext uri="{91240B29-F687-4f45-9708-019B960494DF}">
-                <a14:hiddenLine xmlns="" xmlns:a14="http://schemas.microsoft.com/office/drawing/2010/main" w="9525">
+                <a14:hiddenLine xmlns:a14="http://schemas.microsoft.com/office/drawing/2010/main" xmlns="" w="9525">
                   <a:solidFill>
                     <a:srgbClr val="000000"/>
                   </a:solidFill>
@@ -12666,7 +9285,7 @@
             </a:ln>
             <a:extLst>
               <a:ext uri="{91240B29-F687-4f45-9708-019B960494DF}">
-                <a14:hiddenLine xmlns="" xmlns:a14="http://schemas.microsoft.com/office/drawing/2010/main" w="9525">
+                <a14:hiddenLine xmlns:a14="http://schemas.microsoft.com/office/drawing/2010/main" xmlns="" w="9525">
                   <a:solidFill>
                     <a:srgbClr val="000000"/>
                   </a:solidFill>
@@ -12731,7 +9350,7 @@
             </a:ln>
             <a:extLst>
               <a:ext uri="{91240B29-F687-4f45-9708-019B960494DF}">
-                <a14:hiddenLine xmlns="" xmlns:a14="http://schemas.microsoft.com/office/drawing/2010/main" w="9525">
+                <a14:hiddenLine xmlns:a14="http://schemas.microsoft.com/office/drawing/2010/main" xmlns="" w="9525">
                   <a:solidFill>
                     <a:srgbClr val="000000"/>
                   </a:solidFill>
@@ -12821,7 +9440,7 @@
             </a:ln>
             <a:extLst>
               <a:ext uri="{91240B29-F687-4f45-9708-019B960494DF}">
-                <a14:hiddenLine xmlns="" xmlns:a14="http://schemas.microsoft.com/office/drawing/2010/main" w="9525">
+                <a14:hiddenLine xmlns:a14="http://schemas.microsoft.com/office/drawing/2010/main" xmlns="" w="9525">
                   <a:solidFill>
                     <a:srgbClr val="000000"/>
                   </a:solidFill>
@@ -12883,7 +9502,7 @@
             </a:ln>
             <a:extLst>
               <a:ext uri="{91240B29-F687-4f45-9708-019B960494DF}">
-                <a14:hiddenLine xmlns="" xmlns:a14="http://schemas.microsoft.com/office/drawing/2010/main" w="9525">
+                <a14:hiddenLine xmlns:a14="http://schemas.microsoft.com/office/drawing/2010/main" xmlns="" w="9525">
                   <a:solidFill>
                     <a:srgbClr val="000000"/>
                   </a:solidFill>
@@ -12973,7 +9592,7 @@
             </a:ln>
             <a:extLst>
               <a:ext uri="{91240B29-F687-4f45-9708-019B960494DF}">
-                <a14:hiddenLine xmlns="" xmlns:a14="http://schemas.microsoft.com/office/drawing/2010/main" w="9525">
+                <a14:hiddenLine xmlns:a14="http://schemas.microsoft.com/office/drawing/2010/main" xmlns="" w="9525">
                   <a:solidFill>
                     <a:srgbClr val="000000"/>
                   </a:solidFill>
@@ -13063,7 +9682,7 @@
             </a:ln>
             <a:extLst>
               <a:ext uri="{91240B29-F687-4f45-9708-019B960494DF}">
-                <a14:hiddenLine xmlns="" xmlns:a14="http://schemas.microsoft.com/office/drawing/2010/main" w="9525">
+                <a14:hiddenLine xmlns:a14="http://schemas.microsoft.com/office/drawing/2010/main" xmlns="" w="9525">
                   <a:solidFill>
                     <a:srgbClr val="000000"/>
                   </a:solidFill>
@@ -13128,7 +9747,7 @@
             </a:ln>
             <a:extLst>
               <a:ext uri="{91240B29-F687-4f45-9708-019B960494DF}">
-                <a14:hiddenLine xmlns="" xmlns:a14="http://schemas.microsoft.com/office/drawing/2010/main" w="9525">
+                <a14:hiddenLine xmlns:a14="http://schemas.microsoft.com/office/drawing/2010/main" xmlns="" w="9525">
                   <a:solidFill>
                     <a:srgbClr val="000000"/>
                   </a:solidFill>
@@ -13190,7 +9809,7 @@
             </a:ln>
             <a:extLst>
               <a:ext uri="{91240B29-F687-4f45-9708-019B960494DF}">
-                <a14:hiddenLine xmlns="" xmlns:a14="http://schemas.microsoft.com/office/drawing/2010/main" w="9525">
+                <a14:hiddenLine xmlns:a14="http://schemas.microsoft.com/office/drawing/2010/main" xmlns="" w="9525">
                   <a:solidFill>
                     <a:srgbClr val="000000"/>
                   </a:solidFill>
@@ -13280,7 +9899,7 @@
             </a:ln>
             <a:extLst>
               <a:ext uri="{91240B29-F687-4f45-9708-019B960494DF}">
-                <a14:hiddenLine xmlns="" xmlns:a14="http://schemas.microsoft.com/office/drawing/2010/main" w="9525">
+                <a14:hiddenLine xmlns:a14="http://schemas.microsoft.com/office/drawing/2010/main" xmlns="" w="9525">
                   <a:solidFill>
                     <a:srgbClr val="000000"/>
                   </a:solidFill>
@@ -13370,7 +9989,7 @@
             </a:ln>
             <a:extLst>
               <a:ext uri="{91240B29-F687-4f45-9708-019B960494DF}">
-                <a14:hiddenLine xmlns="" xmlns:a14="http://schemas.microsoft.com/office/drawing/2010/main" w="9525">
+                <a14:hiddenLine xmlns:a14="http://schemas.microsoft.com/office/drawing/2010/main" xmlns="" w="9525">
                   <a:solidFill>
                     <a:srgbClr val="000000"/>
                   </a:solidFill>
@@ -13432,7 +10051,7 @@
             </a:ln>
             <a:extLst>
               <a:ext uri="{91240B29-F687-4f45-9708-019B960494DF}">
-                <a14:hiddenLine xmlns="" xmlns:a14="http://schemas.microsoft.com/office/drawing/2010/main" w="9525">
+                <a14:hiddenLine xmlns:a14="http://schemas.microsoft.com/office/drawing/2010/main" xmlns="" w="9525">
                   <a:solidFill>
                     <a:srgbClr val="000000"/>
                   </a:solidFill>
@@ -13552,7 +10171,7 @@
             </a:ln>
             <a:extLst>
               <a:ext uri="{91240B29-F687-4f45-9708-019B960494DF}">
-                <a14:hiddenLine xmlns="" xmlns:a14="http://schemas.microsoft.com/office/drawing/2010/main" w="9525">
+                <a14:hiddenLine xmlns:a14="http://schemas.microsoft.com/office/drawing/2010/main" xmlns="" w="9525">
                   <a:solidFill>
                     <a:srgbClr val="000000"/>
                   </a:solidFill>
@@ -13620,7 +10239,7 @@
             </a:ln>
             <a:extLst>
               <a:ext uri="{91240B29-F687-4f45-9708-019B960494DF}">
-                <a14:hiddenLine xmlns="" xmlns:a14="http://schemas.microsoft.com/office/drawing/2010/main" w="9525">
+                <a14:hiddenLine xmlns:a14="http://schemas.microsoft.com/office/drawing/2010/main" xmlns="" w="9525">
                   <a:solidFill>
                     <a:srgbClr val="000000"/>
                   </a:solidFill>
@@ -13710,7 +10329,7 @@
             </a:ln>
             <a:extLst>
               <a:ext uri="{91240B29-F687-4f45-9708-019B960494DF}">
-                <a14:hiddenLine xmlns="" xmlns:a14="http://schemas.microsoft.com/office/drawing/2010/main" w="9525">
+                <a14:hiddenLine xmlns:a14="http://schemas.microsoft.com/office/drawing/2010/main" xmlns="" w="9525">
                   <a:solidFill>
                     <a:srgbClr val="000000"/>
                   </a:solidFill>
@@ -13851,7 +10470,7 @@
             <a:fld id="{B61BEF0D-F0BB-DE4B-95CE-6DB70DBA9567}" type="datetimeFigureOut">
               <a:rPr lang="en-US" smtClean="0"/>
               <a:pPr/>
-              <a:t>4/13/2017</a:t>
+              <a:t>4/14/17</a:t>
             </a:fld>
             <a:endParaRPr lang="en-US" dirty="0"/>
           </a:p>
@@ -14125,7 +10744,7 @@
             <a:fld id="{B61BEF0D-F0BB-DE4B-95CE-6DB70DBA9567}" type="datetimeFigureOut">
               <a:rPr lang="en-US" smtClean="0"/>
               <a:pPr/>
-              <a:t>4/13/2017</a:t>
+              <a:t>4/14/17</a:t>
             </a:fld>
             <a:endParaRPr lang="en-US" dirty="0"/>
           </a:p>
@@ -14323,7 +10942,7 @@
             <a:fld id="{B61BEF0D-F0BB-DE4B-95CE-6DB70DBA9567}" type="datetimeFigureOut">
               <a:rPr lang="en-US" smtClean="0"/>
               <a:pPr/>
-              <a:t>4/13/2017</a:t>
+              <a:t>4/14/17</a:t>
             </a:fld>
             <a:endParaRPr lang="en-US" dirty="0"/>
           </a:p>
@@ -14588,7 +11207,7 @@
             <a:fld id="{B61BEF0D-F0BB-DE4B-95CE-6DB70DBA9567}" type="datetimeFigureOut">
               <a:rPr lang="en-US" smtClean="0"/>
               <a:pPr/>
-              <a:t>4/13/2017</a:t>
+              <a:t>4/14/17</a:t>
             </a:fld>
             <a:endParaRPr lang="en-US" dirty="0"/>
           </a:p>
@@ -15024,7 +11643,7 @@
             <a:fld id="{B61BEF0D-F0BB-DE4B-95CE-6DB70DBA9567}" type="datetimeFigureOut">
               <a:rPr lang="en-US" smtClean="0"/>
               <a:pPr/>
-              <a:t>4/13/2017</a:t>
+              <a:t>4/14/17</a:t>
             </a:fld>
             <a:endParaRPr lang="en-US" dirty="0"/>
           </a:p>
@@ -15572,7 +12191,7 @@
             <a:fld id="{B61BEF0D-F0BB-DE4B-95CE-6DB70DBA9567}" type="datetimeFigureOut">
               <a:rPr lang="en-US" smtClean="0"/>
               <a:pPr/>
-              <a:t>4/13/2017</a:t>
+              <a:t>4/14/17</a:t>
             </a:fld>
             <a:endParaRPr lang="en-US" dirty="0"/>
           </a:p>
@@ -16294,7 +12913,7 @@
             <a:fld id="{B61BEF0D-F0BB-DE4B-95CE-6DB70DBA9567}" type="datetimeFigureOut">
               <a:rPr lang="en-US" smtClean="0"/>
               <a:pPr/>
-              <a:t>4/13/2017</a:t>
+              <a:t>4/14/17</a:t>
             </a:fld>
             <a:endParaRPr lang="en-US" dirty="0"/>
           </a:p>
@@ -16466,7 +13085,7 @@
             <a:fld id="{B61BEF0D-F0BB-DE4B-95CE-6DB70DBA9567}" type="datetimeFigureOut">
               <a:rPr lang="en-US" smtClean="0"/>
               <a:pPr/>
-              <a:t>4/13/2017</a:t>
+              <a:t>4/14/17</a:t>
             </a:fld>
             <a:endParaRPr lang="en-US" dirty="0"/>
           </a:p>
@@ -16648,7 +13267,7 @@
             <a:fld id="{B61BEF0D-F0BB-DE4B-95CE-6DB70DBA9567}" type="datetimeFigureOut">
               <a:rPr lang="en-US" smtClean="0"/>
               <a:pPr/>
-              <a:t>4/13/2017</a:t>
+              <a:t>4/14/17</a:t>
             </a:fld>
             <a:endParaRPr lang="en-US" dirty="0"/>
           </a:p>
@@ -16819,7 +13438,7 @@
           <a:p>
             <a:fld id="{52647F38-B617-4D2F-AE0A-013F0C4D2C57}" type="datetimeFigureOut">
               <a:rPr lang="en-US" smtClean="0"/>
-              <a:t>4/13/2017</a:t>
+              <a:t>4/14/17</a:t>
             </a:fld>
             <a:endParaRPr lang="en-US" dirty="0"/>
           </a:p>
@@ -17070,7 +13689,7 @@
             <a:fld id="{B61BEF0D-F0BB-DE4B-95CE-6DB70DBA9567}" type="datetimeFigureOut">
               <a:rPr lang="en-US" smtClean="0"/>
               <a:pPr/>
-              <a:t>4/13/2017</a:t>
+              <a:t>4/14/17</a:t>
             </a:fld>
             <a:endParaRPr lang="en-US" dirty="0"/>
           </a:p>
@@ -17303,7 +13922,7 @@
           <a:p>
             <a:fld id="{05BFA754-D5C3-4E66-96A6-867B257F58DC}" type="datetimeFigureOut">
               <a:rPr lang="en-US" smtClean="0"/>
-              <a:t>4/13/2017</a:t>
+              <a:t>4/14/17</a:t>
             </a:fld>
             <a:endParaRPr lang="en-US" dirty="0"/>
           </a:p>
@@ -17685,7 +14304,7 @@
             <a:fld id="{B61BEF0D-F0BB-DE4B-95CE-6DB70DBA9567}" type="datetimeFigureOut">
               <a:rPr lang="en-US" smtClean="0"/>
               <a:pPr/>
-              <a:t>4/13/2017</a:t>
+              <a:t>4/14/17</a:t>
             </a:fld>
             <a:endParaRPr lang="en-US" dirty="0"/>
           </a:p>
@@ -17805,7 +14424,7 @@
             <a:fld id="{B61BEF0D-F0BB-DE4B-95CE-6DB70DBA9567}" type="datetimeFigureOut">
               <a:rPr lang="en-US" smtClean="0"/>
               <a:pPr/>
-              <a:t>4/13/2017</a:t>
+              <a:t>4/14/17</a:t>
             </a:fld>
             <a:endParaRPr lang="en-US" dirty="0"/>
           </a:p>
@@ -17902,7 +14521,7 @@
             <a:fld id="{B61BEF0D-F0BB-DE4B-95CE-6DB70DBA9567}" type="datetimeFigureOut">
               <a:rPr lang="en-US" smtClean="0"/>
               <a:pPr/>
-              <a:t>4/13/2017</a:t>
+              <a:t>4/14/17</a:t>
             </a:fld>
             <a:endParaRPr lang="en-US" dirty="0"/>
           </a:p>
@@ -18158,7 +14777,7 @@
             <a:fld id="{B61BEF0D-F0BB-DE4B-95CE-6DB70DBA9567}" type="datetimeFigureOut">
               <a:rPr lang="en-US" smtClean="0"/>
               <a:pPr/>
-              <a:t>4/13/2017</a:t>
+              <a:t>4/14/17</a:t>
             </a:fld>
             <a:endParaRPr lang="en-US" dirty="0"/>
           </a:p>
@@ -18445,7 +15064,7 @@
             <a:fld id="{B61BEF0D-F0BB-DE4B-95CE-6DB70DBA9567}" type="datetimeFigureOut">
               <a:rPr lang="en-US" smtClean="0"/>
               <a:pPr/>
-              <a:t>4/13/2017</a:t>
+              <a:t>4/14/17</a:t>
             </a:fld>
             <a:endParaRPr lang="en-US" dirty="0"/>
           </a:p>
@@ -18569,7 +15188,7 @@
           <a:noFill/>
           <a:extLst>
             <a:ext uri="{909E8E84-426E-40dd-AFC4-6F175D3DCCD1}">
-              <a14:hiddenFill xmlns="" xmlns:a14="http://schemas.microsoft.com/office/drawing/2010/main">
+              <a14:hiddenFill xmlns:a14="http://schemas.microsoft.com/office/drawing/2010/main" xmlns="">
                 <a:solidFill>
                   <a:srgbClr val="FFFFFF"/>
                 </a:solidFill>
@@ -18643,7 +15262,7 @@
               </a:ln>
               <a:extLst>
                 <a:ext uri="{91240B29-F687-4f45-9708-019B960494DF}">
-                  <a14:hiddenLine xmlns="" xmlns:a14="http://schemas.microsoft.com/office/drawing/2010/main" w="9525">
+                  <a14:hiddenLine xmlns:a14="http://schemas.microsoft.com/office/drawing/2010/main" xmlns="" w="9525">
                     <a:solidFill>
                       <a:srgbClr val="000000"/>
                     </a:solidFill>
@@ -18733,7 +15352,7 @@
               </a:ln>
               <a:extLst>
                 <a:ext uri="{91240B29-F687-4f45-9708-019B960494DF}">
-                  <a14:hiddenLine xmlns="" xmlns:a14="http://schemas.microsoft.com/office/drawing/2010/main" w="9525">
+                  <a14:hiddenLine xmlns:a14="http://schemas.microsoft.com/office/drawing/2010/main" xmlns="" w="9525">
                     <a:solidFill>
                       <a:srgbClr val="000000"/>
                     </a:solidFill>
@@ -18823,7 +15442,7 @@
               </a:ln>
               <a:extLst>
                 <a:ext uri="{91240B29-F687-4f45-9708-019B960494DF}">
-                  <a14:hiddenLine xmlns="" xmlns:a14="http://schemas.microsoft.com/office/drawing/2010/main" w="9525">
+                  <a14:hiddenLine xmlns:a14="http://schemas.microsoft.com/office/drawing/2010/main" xmlns="" w="9525">
                     <a:solidFill>
                       <a:srgbClr val="000000"/>
                     </a:solidFill>
@@ -18885,7 +15504,7 @@
               </a:ln>
               <a:extLst>
                 <a:ext uri="{91240B29-F687-4f45-9708-019B960494DF}">
-                  <a14:hiddenLine xmlns="" xmlns:a14="http://schemas.microsoft.com/office/drawing/2010/main" w="9525">
+                  <a14:hiddenLine xmlns:a14="http://schemas.microsoft.com/office/drawing/2010/main" xmlns="" w="9525">
                     <a:solidFill>
                       <a:srgbClr val="000000"/>
                     </a:solidFill>
@@ -18975,7 +15594,7 @@
               </a:ln>
               <a:extLst>
                 <a:ext uri="{91240B29-F687-4f45-9708-019B960494DF}">
-                  <a14:hiddenLine xmlns="" xmlns:a14="http://schemas.microsoft.com/office/drawing/2010/main" w="9525">
+                  <a14:hiddenLine xmlns:a14="http://schemas.microsoft.com/office/drawing/2010/main" xmlns="" w="9525">
                     <a:solidFill>
                       <a:srgbClr val="000000"/>
                     </a:solidFill>
@@ -19037,7 +15656,7 @@
               </a:ln>
               <a:extLst>
                 <a:ext uri="{91240B29-F687-4f45-9708-019B960494DF}">
-                  <a14:hiddenLine xmlns="" xmlns:a14="http://schemas.microsoft.com/office/drawing/2010/main" w="9525">
+                  <a14:hiddenLine xmlns:a14="http://schemas.microsoft.com/office/drawing/2010/main" xmlns="" w="9525">
                     <a:solidFill>
                       <a:srgbClr val="000000"/>
                     </a:solidFill>
@@ -19099,7 +15718,7 @@
               </a:ln>
               <a:extLst>
                 <a:ext uri="{91240B29-F687-4f45-9708-019B960494DF}">
-                  <a14:hiddenLine xmlns="" xmlns:a14="http://schemas.microsoft.com/office/drawing/2010/main" w="9525">
+                  <a14:hiddenLine xmlns:a14="http://schemas.microsoft.com/office/drawing/2010/main" xmlns="" w="9525">
                     <a:solidFill>
                       <a:srgbClr val="000000"/>
                     </a:solidFill>
@@ -19189,7 +15808,7 @@
               </a:ln>
               <a:extLst>
                 <a:ext uri="{91240B29-F687-4f45-9708-019B960494DF}">
-                  <a14:hiddenLine xmlns="" xmlns:a14="http://schemas.microsoft.com/office/drawing/2010/main" w="9525">
+                  <a14:hiddenLine xmlns:a14="http://schemas.microsoft.com/office/drawing/2010/main" xmlns="" w="9525">
                     <a:solidFill>
                       <a:srgbClr val="000000"/>
                     </a:solidFill>
@@ -19279,7 +15898,7 @@
               </a:ln>
               <a:extLst>
                 <a:ext uri="{91240B29-F687-4f45-9708-019B960494DF}">
-                  <a14:hiddenLine xmlns="" xmlns:a14="http://schemas.microsoft.com/office/drawing/2010/main" w="9525">
+                  <a14:hiddenLine xmlns:a14="http://schemas.microsoft.com/office/drawing/2010/main" xmlns="" w="9525">
                     <a:solidFill>
                       <a:srgbClr val="000000"/>
                     </a:solidFill>
@@ -19341,7 +15960,7 @@
               </a:ln>
               <a:extLst>
                 <a:ext uri="{91240B29-F687-4f45-9708-019B960494DF}">
-                  <a14:hiddenLine xmlns="" xmlns:a14="http://schemas.microsoft.com/office/drawing/2010/main" w="9525">
+                  <a14:hiddenLine xmlns:a14="http://schemas.microsoft.com/office/drawing/2010/main" xmlns="" w="9525">
                     <a:solidFill>
                       <a:srgbClr val="000000"/>
                     </a:solidFill>
@@ -19451,7 +16070,7 @@
               </a:ln>
               <a:extLst>
                 <a:ext uri="{91240B29-F687-4f45-9708-019B960494DF}">
-                  <a14:hiddenLine xmlns="" xmlns:a14="http://schemas.microsoft.com/office/drawing/2010/main" w="9525">
+                  <a14:hiddenLine xmlns:a14="http://schemas.microsoft.com/office/drawing/2010/main" xmlns="" w="9525">
                     <a:solidFill>
                       <a:srgbClr val="000000"/>
                     </a:solidFill>
@@ -19535,7 +16154,7 @@
               </a:ln>
               <a:extLst>
                 <a:ext uri="{91240B29-F687-4f45-9708-019B960494DF}">
-                  <a14:hiddenLine xmlns="" xmlns:a14="http://schemas.microsoft.com/office/drawing/2010/main" w="9525">
+                  <a14:hiddenLine xmlns:a14="http://schemas.microsoft.com/office/drawing/2010/main" xmlns="" w="9525">
                     <a:solidFill>
                       <a:srgbClr val="000000"/>
                     </a:solidFill>
@@ -19597,7 +16216,7 @@
               </a:ln>
               <a:extLst>
                 <a:ext uri="{91240B29-F687-4f45-9708-019B960494DF}">
-                  <a14:hiddenLine xmlns="" xmlns:a14="http://schemas.microsoft.com/office/drawing/2010/main" w="9525">
+                  <a14:hiddenLine xmlns:a14="http://schemas.microsoft.com/office/drawing/2010/main" xmlns="" w="9525">
                     <a:solidFill>
                       <a:srgbClr val="000000"/>
                     </a:solidFill>
@@ -19659,7 +16278,7 @@
               </a:ln>
               <a:extLst>
                 <a:ext uri="{91240B29-F687-4f45-9708-019B960494DF}">
-                  <a14:hiddenLine xmlns="" xmlns:a14="http://schemas.microsoft.com/office/drawing/2010/main" w="9525">
+                  <a14:hiddenLine xmlns:a14="http://schemas.microsoft.com/office/drawing/2010/main" xmlns="" w="9525">
                     <a:solidFill>
                       <a:srgbClr val="000000"/>
                     </a:solidFill>
@@ -19749,7 +16368,7 @@
               </a:ln>
               <a:extLst>
                 <a:ext uri="{91240B29-F687-4f45-9708-019B960494DF}">
-                  <a14:hiddenLine xmlns="" xmlns:a14="http://schemas.microsoft.com/office/drawing/2010/main" w="9525">
+                  <a14:hiddenLine xmlns:a14="http://schemas.microsoft.com/office/drawing/2010/main" xmlns="" w="9525">
                     <a:solidFill>
                       <a:srgbClr val="000000"/>
                     </a:solidFill>
@@ -19783,7 +16402,7 @@
               </a:ln>
               <a:extLst>
                 <a:ext uri="{91240B29-F687-4f45-9708-019B960494DF}">
-                  <a14:hiddenLine xmlns="" xmlns:a14="http://schemas.microsoft.com/office/drawing/2010/main" w="9525">
+                  <a14:hiddenLine xmlns:a14="http://schemas.microsoft.com/office/drawing/2010/main" xmlns="" w="9525">
                     <a:solidFill>
                       <a:srgbClr val="000000"/>
                     </a:solidFill>
@@ -19848,7 +16467,7 @@
               </a:ln>
               <a:extLst>
                 <a:ext uri="{91240B29-F687-4f45-9708-019B960494DF}">
-                  <a14:hiddenLine xmlns="" xmlns:a14="http://schemas.microsoft.com/office/drawing/2010/main" w="9525">
+                  <a14:hiddenLine xmlns:a14="http://schemas.microsoft.com/office/drawing/2010/main" xmlns="" w="9525">
                     <a:solidFill>
                       <a:srgbClr val="000000"/>
                     </a:solidFill>
@@ -19938,7 +16557,7 @@
               </a:ln>
               <a:extLst>
                 <a:ext uri="{91240B29-F687-4f45-9708-019B960494DF}">
-                  <a14:hiddenLine xmlns="" xmlns:a14="http://schemas.microsoft.com/office/drawing/2010/main" w="9525">
+                  <a14:hiddenLine xmlns:a14="http://schemas.microsoft.com/office/drawing/2010/main" xmlns="" w="9525">
                     <a:solidFill>
                       <a:srgbClr val="000000"/>
                     </a:solidFill>
@@ -20000,7 +16619,7 @@
               </a:ln>
               <a:extLst>
                 <a:ext uri="{91240B29-F687-4f45-9708-019B960494DF}">
-                  <a14:hiddenLine xmlns="" xmlns:a14="http://schemas.microsoft.com/office/drawing/2010/main" w="9525">
+                  <a14:hiddenLine xmlns:a14="http://schemas.microsoft.com/office/drawing/2010/main" xmlns="" w="9525">
                     <a:solidFill>
                       <a:srgbClr val="000000"/>
                     </a:solidFill>
@@ -20090,7 +16709,7 @@
               </a:ln>
               <a:extLst>
                 <a:ext uri="{91240B29-F687-4f45-9708-019B960494DF}">
-                  <a14:hiddenLine xmlns="" xmlns:a14="http://schemas.microsoft.com/office/drawing/2010/main" w="9525">
+                  <a14:hiddenLine xmlns:a14="http://schemas.microsoft.com/office/drawing/2010/main" xmlns="" w="9525">
                     <a:solidFill>
                       <a:srgbClr val="000000"/>
                     </a:solidFill>
@@ -20155,7 +16774,7 @@
               </a:ln>
               <a:extLst>
                 <a:ext uri="{91240B29-F687-4f45-9708-019B960494DF}">
-                  <a14:hiddenLine xmlns="" xmlns:a14="http://schemas.microsoft.com/office/drawing/2010/main" w="9525">
+                  <a14:hiddenLine xmlns:a14="http://schemas.microsoft.com/office/drawing/2010/main" xmlns="" w="9525">
                     <a:solidFill>
                       <a:srgbClr val="000000"/>
                     </a:solidFill>
@@ -20217,7 +16836,7 @@
               </a:ln>
               <a:extLst>
                 <a:ext uri="{91240B29-F687-4f45-9708-019B960494DF}">
-                  <a14:hiddenLine xmlns="" xmlns:a14="http://schemas.microsoft.com/office/drawing/2010/main" w="9525">
+                  <a14:hiddenLine xmlns:a14="http://schemas.microsoft.com/office/drawing/2010/main" xmlns="" w="9525">
                     <a:solidFill>
                       <a:srgbClr val="000000"/>
                     </a:solidFill>
@@ -20307,7 +16926,7 @@
               </a:ln>
               <a:extLst>
                 <a:ext uri="{91240B29-F687-4f45-9708-019B960494DF}">
-                  <a14:hiddenLine xmlns="" xmlns:a14="http://schemas.microsoft.com/office/drawing/2010/main" w="9525">
+                  <a14:hiddenLine xmlns:a14="http://schemas.microsoft.com/office/drawing/2010/main" xmlns="" w="9525">
                     <a:solidFill>
                       <a:srgbClr val="000000"/>
                     </a:solidFill>
@@ -20397,7 +17016,7 @@
               </a:ln>
               <a:extLst>
                 <a:ext uri="{91240B29-F687-4f45-9708-019B960494DF}">
-                  <a14:hiddenLine xmlns="" xmlns:a14="http://schemas.microsoft.com/office/drawing/2010/main" w="9525">
+                  <a14:hiddenLine xmlns:a14="http://schemas.microsoft.com/office/drawing/2010/main" xmlns="" w="9525">
                     <a:solidFill>
                       <a:srgbClr val="000000"/>
                     </a:solidFill>
@@ -20462,7 +17081,7 @@
               </a:ln>
               <a:extLst>
                 <a:ext uri="{91240B29-F687-4f45-9708-019B960494DF}">
-                  <a14:hiddenLine xmlns="" xmlns:a14="http://schemas.microsoft.com/office/drawing/2010/main" w="9525">
+                  <a14:hiddenLine xmlns:a14="http://schemas.microsoft.com/office/drawing/2010/main" xmlns="" w="9525">
                     <a:solidFill>
                       <a:srgbClr val="000000"/>
                     </a:solidFill>
@@ -20582,7 +17201,7 @@
               </a:ln>
               <a:extLst>
                 <a:ext uri="{91240B29-F687-4f45-9708-019B960494DF}">
-                  <a14:hiddenLine xmlns="" xmlns:a14="http://schemas.microsoft.com/office/drawing/2010/main" w="9525">
+                  <a14:hiddenLine xmlns:a14="http://schemas.microsoft.com/office/drawing/2010/main" xmlns="" w="9525">
                     <a:solidFill>
                       <a:srgbClr val="000000"/>
                     </a:solidFill>
@@ -20680,7 +17299,7 @@
               </a:ln>
               <a:extLst>
                 <a:ext uri="{91240B29-F687-4f45-9708-019B960494DF}">
-                  <a14:hiddenLine xmlns="" xmlns:a14="http://schemas.microsoft.com/office/drawing/2010/main" w="9525">
+                  <a14:hiddenLine xmlns:a14="http://schemas.microsoft.com/office/drawing/2010/main" xmlns="" w="9525">
                     <a:solidFill>
                       <a:srgbClr val="000000"/>
                     </a:solidFill>
@@ -20795,7 +17414,7 @@
               </a:ln>
               <a:extLst>
                 <a:ext uri="{91240B29-F687-4f45-9708-019B960494DF}">
-                  <a14:hiddenLine xmlns="" xmlns:a14="http://schemas.microsoft.com/office/drawing/2010/main" w="9525">
+                  <a14:hiddenLine xmlns:a14="http://schemas.microsoft.com/office/drawing/2010/main" xmlns="" w="9525">
                     <a:solidFill>
                       <a:srgbClr val="000000"/>
                     </a:solidFill>
@@ -20885,7 +17504,7 @@
               </a:ln>
               <a:extLst>
                 <a:ext uri="{91240B29-F687-4f45-9708-019B960494DF}">
-                  <a14:hiddenLine xmlns="" xmlns:a14="http://schemas.microsoft.com/office/drawing/2010/main" w="9525">
+                  <a14:hiddenLine xmlns:a14="http://schemas.microsoft.com/office/drawing/2010/main" xmlns="" w="9525">
                     <a:solidFill>
                       <a:srgbClr val="000000"/>
                     </a:solidFill>
@@ -20950,7 +17569,7 @@
               </a:ln>
               <a:extLst>
                 <a:ext uri="{91240B29-F687-4f45-9708-019B960494DF}">
-                  <a14:hiddenLine xmlns="" xmlns:a14="http://schemas.microsoft.com/office/drawing/2010/main" w="9525">
+                  <a14:hiddenLine xmlns:a14="http://schemas.microsoft.com/office/drawing/2010/main" xmlns="" w="9525">
                     <a:solidFill>
                       <a:srgbClr val="000000"/>
                     </a:solidFill>
@@ -21040,7 +17659,7 @@
               </a:ln>
               <a:extLst>
                 <a:ext uri="{91240B29-F687-4f45-9708-019B960494DF}">
-                  <a14:hiddenLine xmlns="" xmlns:a14="http://schemas.microsoft.com/office/drawing/2010/main" w="9525">
+                  <a14:hiddenLine xmlns:a14="http://schemas.microsoft.com/office/drawing/2010/main" xmlns="" w="9525">
                     <a:solidFill>
                       <a:srgbClr val="000000"/>
                     </a:solidFill>
@@ -21108,7 +17727,7 @@
               </a:ln>
               <a:extLst>
                 <a:ext uri="{91240B29-F687-4f45-9708-019B960494DF}">
-                  <a14:hiddenLine xmlns="" xmlns:a14="http://schemas.microsoft.com/office/drawing/2010/main" w="9525">
+                  <a14:hiddenLine xmlns:a14="http://schemas.microsoft.com/office/drawing/2010/main" xmlns="" w="9525">
                     <a:solidFill>
                       <a:srgbClr val="000000"/>
                     </a:solidFill>
@@ -21198,7 +17817,7 @@
               </a:ln>
               <a:extLst>
                 <a:ext uri="{91240B29-F687-4f45-9708-019B960494DF}">
-                  <a14:hiddenLine xmlns="" xmlns:a14="http://schemas.microsoft.com/office/drawing/2010/main" w="9525">
+                  <a14:hiddenLine xmlns:a14="http://schemas.microsoft.com/office/drawing/2010/main" xmlns="" w="9525">
                     <a:solidFill>
                       <a:srgbClr val="000000"/>
                     </a:solidFill>
@@ -21266,7 +17885,7 @@
               </a:ln>
               <a:extLst>
                 <a:ext uri="{91240B29-F687-4f45-9708-019B960494DF}">
-                  <a14:hiddenLine xmlns="" xmlns:a14="http://schemas.microsoft.com/office/drawing/2010/main" w="9525">
+                  <a14:hiddenLine xmlns:a14="http://schemas.microsoft.com/office/drawing/2010/main" xmlns="" w="9525">
                     <a:solidFill>
                       <a:srgbClr val="000000"/>
                     </a:solidFill>
@@ -21356,7 +17975,7 @@
               </a:ln>
               <a:extLst>
                 <a:ext uri="{91240B29-F687-4f45-9708-019B960494DF}">
-                  <a14:hiddenLine xmlns="" xmlns:a14="http://schemas.microsoft.com/office/drawing/2010/main" w="9525">
+                  <a14:hiddenLine xmlns:a14="http://schemas.microsoft.com/office/drawing/2010/main" xmlns="" w="9525">
                     <a:solidFill>
                       <a:srgbClr val="000000"/>
                     </a:solidFill>
@@ -21390,7 +18009,7 @@
               </a:ln>
               <a:extLst>
                 <a:ext uri="{91240B29-F687-4f45-9708-019B960494DF}">
-                  <a14:hiddenLine xmlns="" xmlns:a14="http://schemas.microsoft.com/office/drawing/2010/main" w="9525">
+                  <a14:hiddenLine xmlns:a14="http://schemas.microsoft.com/office/drawing/2010/main" xmlns="" w="9525">
                     <a:solidFill>
                       <a:srgbClr val="000000"/>
                     </a:solidFill>
@@ -21531,7 +18150,7 @@
             <a:fld id="{B61BEF0D-F0BB-DE4B-95CE-6DB70DBA9567}" type="datetimeFigureOut">
               <a:rPr lang="en-US" smtClean="0"/>
               <a:pPr/>
-              <a:t>4/13/2017</a:t>
+              <a:t>4/14/17</a:t>
             </a:fld>
             <a:endParaRPr lang="en-US" dirty="0"/>
           </a:p>
@@ -22091,88 +18710,6 @@
 </p:sld>
 </file>
 
-<file path=ppt/slides/slide10.xml><?xml version="1.0" encoding="utf-8"?>
-<p:sld xmlns:a="http://schemas.openxmlformats.org/drawingml/2006/main" xmlns:r="http://schemas.openxmlformats.org/officeDocument/2006/relationships" xmlns:p="http://schemas.openxmlformats.org/presentationml/2006/main">
-  <p:cSld>
-    <p:spTree>
-      <p:nvGrpSpPr>
-        <p:cNvPr id="1" name=""/>
-        <p:cNvGrpSpPr/>
-        <p:nvPr/>
-      </p:nvGrpSpPr>
-      <p:grpSpPr>
-        <a:xfrm>
-          <a:off x="0" y="0"/>
-          <a:ext cx="0" cy="0"/>
-          <a:chOff x="0" y="0"/>
-          <a:chExt cx="0" cy="0"/>
-        </a:xfrm>
-      </p:grpSpPr>
-      <p:sp>
-        <p:nvSpPr>
-          <p:cNvPr id="2" name="Title 1"/>
-          <p:cNvSpPr>
-            <a:spLocks noGrp="1"/>
-          </p:cNvSpPr>
-          <p:nvPr>
-            <p:ph type="title"/>
-          </p:nvPr>
-        </p:nvSpPr>
-        <p:spPr/>
-        <p:txBody>
-          <a:bodyPr/>
-          <a:lstStyle/>
-          <a:p>
-            <a:r>
-              <a:rPr lang="en-US" dirty="0" smtClean="0"/>
-              <a:t>References</a:t>
-            </a:r>
-            <a:endParaRPr lang="en-US" dirty="0"/>
-          </a:p>
-        </p:txBody>
-      </p:sp>
-      <p:sp>
-        <p:nvSpPr>
-          <p:cNvPr id="3" name="Content Placeholder 2"/>
-          <p:cNvSpPr>
-            <a:spLocks noGrp="1"/>
-          </p:cNvSpPr>
-          <p:nvPr>
-            <p:ph idx="1"/>
-          </p:nvPr>
-        </p:nvSpPr>
-        <p:spPr/>
-        <p:txBody>
-          <a:bodyPr/>
-          <a:lstStyle/>
-          <a:p>
-            <a:endParaRPr lang="en-US"/>
-          </a:p>
-        </p:txBody>
-      </p:sp>
-    </p:spTree>
-    <p:extLst>
-      <p:ext uri="{BB962C8B-B14F-4D97-AF65-F5344CB8AC3E}">
-        <p14:creationId xmlns:p14="http://schemas.microsoft.com/office/powerpoint/2010/main" val="1091630041"/>
-      </p:ext>
-    </p:extLst>
-  </p:cSld>
-  <p:clrMapOvr>
-    <a:masterClrMapping/>
-  </p:clrMapOvr>
-  <p:transition spd="slow">
-    <p:push dir="u"/>
-  </p:transition>
-  <p:timing>
-    <p:tnLst>
-      <p:par>
-        <p:cTn id="1" dur="indefinite" restart="never" nodeType="tmRoot"/>
-      </p:par>
-    </p:tnLst>
-  </p:timing>
-</p:sld>
-</file>
-
 <file path=ppt/slides/slide2.xml><?xml version="1.0" encoding="utf-8"?>
 <p:sld xmlns:a="http://schemas.openxmlformats.org/drawingml/2006/main" xmlns:r="http://schemas.openxmlformats.org/officeDocument/2006/relationships" xmlns:p="http://schemas.openxmlformats.org/presentationml/2006/main">
   <p:cSld>
@@ -22542,15 +19079,7 @@
             </a:pPr>
             <a:r>
               <a:rPr lang="en-US" sz="2800" dirty="0" smtClean="0"/>
-              <a:t>food </a:t>
-            </a:r>
-            <a:r>
-              <a:rPr lang="en-US" sz="2800" dirty="0" smtClean="0"/>
-              <a:t>items to </a:t>
-            </a:r>
-            <a:r>
-              <a:rPr lang="en-US" sz="2800" dirty="0" smtClean="0"/>
-              <a:t>customers </a:t>
+              <a:t>food items to customers </a:t>
             </a:r>
           </a:p>
           <a:p>
@@ -22733,11 +19262,7 @@
             <a:pPr lvl="1"/>
             <a:r>
               <a:rPr lang="en-US" sz="2400" dirty="0" smtClean="0"/>
-              <a:t>Ability to </a:t>
-            </a:r>
-            <a:r>
-              <a:rPr lang="en-US" sz="2400" dirty="0" smtClean="0"/>
-              <a:t>grab and drop</a:t>
+              <a:t>Ability to grab and drop</a:t>
             </a:r>
           </a:p>
           <a:p>
@@ -22751,11 +19276,7 @@
             <a:pPr lvl="1"/>
             <a:r>
               <a:rPr lang="en-US" sz="2400" dirty="0" smtClean="0"/>
-              <a:t>Path </a:t>
-            </a:r>
-            <a:r>
-              <a:rPr lang="en-US" sz="2400" dirty="0" smtClean="0"/>
-              <a:t>following abilities</a:t>
+              <a:t>Path following abilities</a:t>
             </a:r>
             <a:endParaRPr lang="en-US" dirty="0" smtClean="0"/>
           </a:p>
@@ -22839,6 +19360,96 @@
 </file>
 
 <file path=ppt/slides/slide5.xml><?xml version="1.0" encoding="utf-8"?>
+<p:sld xmlns:a="http://schemas.openxmlformats.org/drawingml/2006/main" xmlns:r="http://schemas.openxmlformats.org/officeDocument/2006/relationships" xmlns:p="http://schemas.openxmlformats.org/presentationml/2006/main">
+  <p:cSld>
+    <p:spTree>
+      <p:nvGrpSpPr>
+        <p:cNvPr id="1" name=""/>
+        <p:cNvGrpSpPr/>
+        <p:nvPr/>
+      </p:nvGrpSpPr>
+      <p:grpSpPr>
+        <a:xfrm>
+          <a:off x="0" y="0"/>
+          <a:ext cx="0" cy="0"/>
+          <a:chOff x="0" y="0"/>
+          <a:chExt cx="0" cy="0"/>
+        </a:xfrm>
+      </p:grpSpPr>
+      <p:sp>
+        <p:nvSpPr>
+          <p:cNvPr id="2" name="Title 1"/>
+          <p:cNvSpPr>
+            <a:spLocks noGrp="1"/>
+          </p:cNvSpPr>
+          <p:nvPr>
+            <p:ph type="title"/>
+          </p:nvPr>
+        </p:nvSpPr>
+        <p:spPr/>
+        <p:txBody>
+          <a:bodyPr/>
+          <a:lstStyle/>
+          <a:p>
+            <a:r>
+              <a:rPr lang="en-US" dirty="0" smtClean="0"/>
+              <a:t>Demo</a:t>
+            </a:r>
+            <a:endParaRPr lang="en-US" dirty="0"/>
+          </a:p>
+        </p:txBody>
+      </p:sp>
+      <p:sp>
+        <p:nvSpPr>
+          <p:cNvPr id="3" name="Content Placeholder 2"/>
+          <p:cNvSpPr>
+            <a:spLocks noGrp="1"/>
+          </p:cNvSpPr>
+          <p:nvPr>
+            <p:ph idx="1"/>
+          </p:nvPr>
+        </p:nvSpPr>
+        <p:spPr/>
+        <p:txBody>
+          <a:bodyPr>
+            <a:normAutofit/>
+          </a:bodyPr>
+          <a:lstStyle/>
+          <a:p>
+            <a:r>
+              <a:rPr lang="en-US" sz="2000" dirty="0" smtClean="0"/>
+              <a:t>Video link</a:t>
+            </a:r>
+          </a:p>
+          <a:p>
+            <a:endParaRPr lang="en-US" sz="2000" dirty="0"/>
+          </a:p>
+        </p:txBody>
+      </p:sp>
+    </p:spTree>
+    <p:extLst>
+      <p:ext uri="{BB962C8B-B14F-4D97-AF65-F5344CB8AC3E}">
+        <p14:creationId xmlns:p14="http://schemas.microsoft.com/office/powerpoint/2010/main" val="331727786"/>
+      </p:ext>
+    </p:extLst>
+  </p:cSld>
+  <p:clrMapOvr>
+    <a:masterClrMapping/>
+  </p:clrMapOvr>
+  <p:transition spd="slow">
+    <p:push dir="u"/>
+  </p:transition>
+  <p:timing>
+    <p:tnLst>
+      <p:par>
+        <p:cTn id="1" dur="indefinite" restart="never" nodeType="tmRoot"/>
+      </p:par>
+    </p:tnLst>
+  </p:timing>
+</p:sld>
+</file>
+
+<file path=ppt/slides/slide6.xml><?xml version="1.0" encoding="utf-8"?>
 <p:sld xmlns:a="http://schemas.openxmlformats.org/drawingml/2006/main" xmlns:r="http://schemas.openxmlformats.org/officeDocument/2006/relationships" xmlns:p="http://schemas.openxmlformats.org/presentationml/2006/main">
   <p:cSld>
     <p:spTree>
@@ -22954,182 +19565,7 @@
 </p:sld>
 </file>
 
-<file path=ppt/slides/slide6.xml><?xml version="1.0" encoding="utf-8"?>
-<p:sld xmlns:a="http://schemas.openxmlformats.org/drawingml/2006/main" xmlns:r="http://schemas.openxmlformats.org/officeDocument/2006/relationships" xmlns:p="http://schemas.openxmlformats.org/presentationml/2006/main">
-  <p:cSld>
-    <p:spTree>
-      <p:nvGrpSpPr>
-        <p:cNvPr id="1" name=""/>
-        <p:cNvGrpSpPr/>
-        <p:nvPr/>
-      </p:nvGrpSpPr>
-      <p:grpSpPr>
-        <a:xfrm>
-          <a:off x="0" y="0"/>
-          <a:ext cx="0" cy="0"/>
-          <a:chOff x="0" y="0"/>
-          <a:chExt cx="0" cy="0"/>
-        </a:xfrm>
-      </p:grpSpPr>
-      <p:sp>
-        <p:nvSpPr>
-          <p:cNvPr id="2" name="Title 1"/>
-          <p:cNvSpPr>
-            <a:spLocks noGrp="1"/>
-          </p:cNvSpPr>
-          <p:nvPr>
-            <p:ph type="title"/>
-          </p:nvPr>
-        </p:nvSpPr>
-        <p:spPr/>
-        <p:txBody>
-          <a:bodyPr/>
-          <a:lstStyle/>
-          <a:p>
-            <a:r>
-              <a:rPr lang="en-US" dirty="0" smtClean="0"/>
-              <a:t>Operational Flow</a:t>
-            </a:r>
-            <a:endParaRPr lang="en-US" dirty="0"/>
-          </a:p>
-        </p:txBody>
-      </p:sp>
-      <p:graphicFrame>
-        <p:nvGraphicFramePr>
-          <p:cNvPr id="4" name="Diagram 3"/>
-          <p:cNvGraphicFramePr/>
-          <p:nvPr>
-            <p:extLst>
-              <p:ext uri="{D42A27DB-BD31-4B8C-83A1-F6EECF244321}">
-                <p14:modId xmlns:p14="http://schemas.microsoft.com/office/powerpoint/2010/main" val="1997135740"/>
-              </p:ext>
-            </p:extLst>
-          </p:nvPr>
-        </p:nvGraphicFramePr>
-        <p:xfrm>
-          <a:off x="2031999" y="1591733"/>
-          <a:ext cx="9015411" cy="4546600"/>
-        </p:xfrm>
-        <a:graphic>
-          <a:graphicData uri="http://schemas.openxmlformats.org/drawingml/2006/diagram">
-            <dgm:relIds xmlns:dgm="http://schemas.openxmlformats.org/drawingml/2006/diagram" xmlns:r="http://schemas.openxmlformats.org/officeDocument/2006/relationships" r:dm="rId2" r:lo="rId3" r:qs="rId4" r:cs="rId5"/>
-          </a:graphicData>
-        </a:graphic>
-      </p:graphicFrame>
-    </p:spTree>
-    <p:extLst>
-      <p:ext uri="{BB962C8B-B14F-4D97-AF65-F5344CB8AC3E}">
-        <p14:creationId xmlns:p14="http://schemas.microsoft.com/office/powerpoint/2010/main" val="1839704155"/>
-      </p:ext>
-    </p:extLst>
-  </p:cSld>
-  <p:clrMapOvr>
-    <a:masterClrMapping/>
-  </p:clrMapOvr>
-  <p:transition spd="slow">
-    <p:push dir="u"/>
-  </p:transition>
-  <p:timing>
-    <p:tnLst>
-      <p:par>
-        <p:cTn id="1" dur="indefinite" restart="never" nodeType="tmRoot"/>
-      </p:par>
-    </p:tnLst>
-  </p:timing>
-</p:sld>
-</file>
-
 <file path=ppt/slides/slide7.xml><?xml version="1.0" encoding="utf-8"?>
-<p:sld xmlns:a="http://schemas.openxmlformats.org/drawingml/2006/main" xmlns:r="http://schemas.openxmlformats.org/officeDocument/2006/relationships" xmlns:p="http://schemas.openxmlformats.org/presentationml/2006/main">
-  <p:cSld>
-    <p:spTree>
-      <p:nvGrpSpPr>
-        <p:cNvPr id="1" name=""/>
-        <p:cNvGrpSpPr/>
-        <p:nvPr/>
-      </p:nvGrpSpPr>
-      <p:grpSpPr>
-        <a:xfrm>
-          <a:off x="0" y="0"/>
-          <a:ext cx="0" cy="0"/>
-          <a:chOff x="0" y="0"/>
-          <a:chExt cx="0" cy="0"/>
-        </a:xfrm>
-      </p:grpSpPr>
-      <p:sp>
-        <p:nvSpPr>
-          <p:cNvPr id="2" name="Title 1"/>
-          <p:cNvSpPr>
-            <a:spLocks noGrp="1"/>
-          </p:cNvSpPr>
-          <p:nvPr>
-            <p:ph type="title"/>
-          </p:nvPr>
-        </p:nvSpPr>
-        <p:spPr/>
-        <p:txBody>
-          <a:bodyPr/>
-          <a:lstStyle/>
-          <a:p>
-            <a:r>
-              <a:rPr lang="en-US" dirty="0" smtClean="0"/>
-              <a:t>Demo</a:t>
-            </a:r>
-            <a:endParaRPr lang="en-US" dirty="0"/>
-          </a:p>
-        </p:txBody>
-      </p:sp>
-      <p:sp>
-        <p:nvSpPr>
-          <p:cNvPr id="3" name="Content Placeholder 2"/>
-          <p:cNvSpPr>
-            <a:spLocks noGrp="1"/>
-          </p:cNvSpPr>
-          <p:nvPr>
-            <p:ph idx="1"/>
-          </p:nvPr>
-        </p:nvSpPr>
-        <p:spPr/>
-        <p:txBody>
-          <a:bodyPr>
-            <a:normAutofit/>
-          </a:bodyPr>
-          <a:lstStyle/>
-          <a:p>
-            <a:r>
-              <a:rPr lang="en-US" sz="2000" dirty="0" smtClean="0"/>
-              <a:t>Video link</a:t>
-            </a:r>
-          </a:p>
-          <a:p>
-            <a:endParaRPr lang="en-US" sz="2000" dirty="0"/>
-          </a:p>
-        </p:txBody>
-      </p:sp>
-    </p:spTree>
-    <p:extLst>
-      <p:ext uri="{BB962C8B-B14F-4D97-AF65-F5344CB8AC3E}">
-        <p14:creationId xmlns:p14="http://schemas.microsoft.com/office/powerpoint/2010/main" val="331727786"/>
-      </p:ext>
-    </p:extLst>
-  </p:cSld>
-  <p:clrMapOvr>
-    <a:masterClrMapping/>
-  </p:clrMapOvr>
-  <p:transition spd="slow">
-    <p:push dir="u"/>
-  </p:transition>
-  <p:timing>
-    <p:tnLst>
-      <p:par>
-        <p:cTn id="1" dur="indefinite" restart="never" nodeType="tmRoot"/>
-      </p:par>
-    </p:tnLst>
-  </p:timing>
-</p:sld>
-</file>
-
-<file path=ppt/slides/slide8.xml><?xml version="1.0" encoding="utf-8"?>
 <p:sld xmlns:a="http://schemas.openxmlformats.org/drawingml/2006/main" xmlns:r="http://schemas.openxmlformats.org/officeDocument/2006/relationships" xmlns:p="http://schemas.openxmlformats.org/presentationml/2006/main">
   <p:cSld>
     <p:spTree>
@@ -23606,7 +20042,7 @@
 </p:sld>
 </file>
 
-<file path=ppt/slides/slide9.xml><?xml version="1.0" encoding="utf-8"?>
+<file path=ppt/slides/slide8.xml><?xml version="1.0" encoding="utf-8"?>
 <p:sld xmlns:a="http://schemas.openxmlformats.org/drawingml/2006/main" xmlns:r="http://schemas.openxmlformats.org/officeDocument/2006/relationships" xmlns:p="http://schemas.openxmlformats.org/presentationml/2006/main">
   <p:cSld>
     <p:spTree>
@@ -23703,6 +20139,312 @@
     <p:extLst>
       <p:ext uri="{BB962C8B-B14F-4D97-AF65-F5344CB8AC3E}">
         <p14:creationId xmlns:p14="http://schemas.microsoft.com/office/powerpoint/2010/main" val="481351690"/>
+      </p:ext>
+    </p:extLst>
+  </p:cSld>
+  <p:clrMapOvr>
+    <a:masterClrMapping/>
+  </p:clrMapOvr>
+  <p:transition spd="slow">
+    <p:push dir="u"/>
+  </p:transition>
+  <p:timing>
+    <p:tnLst>
+      <p:par>
+        <p:cTn id="1" dur="indefinite" restart="never" nodeType="tmRoot"/>
+      </p:par>
+    </p:tnLst>
+  </p:timing>
+</p:sld>
+</file>
+
+<file path=ppt/slides/slide9.xml><?xml version="1.0" encoding="utf-8"?>
+<p:sld xmlns:a="http://schemas.openxmlformats.org/drawingml/2006/main" xmlns:r="http://schemas.openxmlformats.org/officeDocument/2006/relationships" xmlns:p="http://schemas.openxmlformats.org/presentationml/2006/main">
+  <p:cSld>
+    <p:spTree>
+      <p:nvGrpSpPr>
+        <p:cNvPr id="1" name=""/>
+        <p:cNvGrpSpPr/>
+        <p:nvPr/>
+      </p:nvGrpSpPr>
+      <p:grpSpPr>
+        <a:xfrm>
+          <a:off x="0" y="0"/>
+          <a:ext cx="0" cy="0"/>
+          <a:chOff x="0" y="0"/>
+          <a:chExt cx="0" cy="0"/>
+        </a:xfrm>
+      </p:grpSpPr>
+      <p:sp>
+        <p:nvSpPr>
+          <p:cNvPr id="2" name="Title 1"/>
+          <p:cNvSpPr>
+            <a:spLocks noGrp="1"/>
+          </p:cNvSpPr>
+          <p:nvPr>
+            <p:ph type="title"/>
+          </p:nvPr>
+        </p:nvSpPr>
+        <p:spPr/>
+        <p:txBody>
+          <a:bodyPr/>
+          <a:lstStyle/>
+          <a:p>
+            <a:r>
+              <a:rPr lang="en-US" dirty="0" smtClean="0"/>
+              <a:t>References</a:t>
+            </a:r>
+            <a:endParaRPr lang="en-US" dirty="0"/>
+          </a:p>
+        </p:txBody>
+      </p:sp>
+      <p:sp>
+        <p:nvSpPr>
+          <p:cNvPr id="3" name="Content Placeholder 2"/>
+          <p:cNvSpPr>
+            <a:spLocks noGrp="1"/>
+          </p:cNvSpPr>
+          <p:nvPr>
+            <p:ph idx="1"/>
+          </p:nvPr>
+        </p:nvSpPr>
+        <p:spPr/>
+        <p:txBody>
+          <a:bodyPr>
+            <a:normAutofit fontScale="85000" lnSpcReduction="10000"/>
+          </a:bodyPr>
+          <a:lstStyle/>
+          <a:p>
+            <a:r>
+              <a:rPr lang="en-US" b="1" dirty="0">
+                <a:effectLst/>
+              </a:rPr>
+              <a:t>W. I. O. T. Made by Windows </a:t>
+            </a:r>
+            <a:r>
+              <a:rPr lang="en-US" b="1" dirty="0" err="1">
+                <a:effectLst/>
+              </a:rPr>
+              <a:t>IoT</a:t>
+            </a:r>
+            <a:r>
+              <a:rPr lang="en-US" b="1" dirty="0">
+                <a:effectLst/>
+              </a:rPr>
+              <a:t> (Windows </a:t>
+            </a:r>
+            <a:r>
+              <a:rPr lang="en-US" b="1" dirty="0" err="1">
+                <a:effectLst/>
+              </a:rPr>
+              <a:t>IoT</a:t>
+            </a:r>
+            <a:r>
+              <a:rPr lang="en-US" b="1" dirty="0">
+                <a:effectLst/>
+              </a:rPr>
+              <a:t>, </a:t>
+            </a:r>
+            <a:r>
+              <a:rPr lang="en-US" b="1" dirty="0" err="1">
+                <a:effectLst/>
+              </a:rPr>
+              <a:t>Aparajita</a:t>
+            </a:r>
+            <a:r>
+              <a:rPr lang="en-US" b="1" dirty="0">
+                <a:effectLst/>
+              </a:rPr>
+              <a:t> </a:t>
+            </a:r>
+            <a:r>
+              <a:rPr lang="en-US" b="1" dirty="0" smtClean="0">
+                <a:effectLst/>
+              </a:rPr>
+              <a:t>Dutta</a:t>
+            </a:r>
+            <a:r>
+              <a:rPr lang="en-US" b="1" dirty="0">
+                <a:effectLst/>
+              </a:rPr>
+              <a:t> </a:t>
+            </a:r>
+            <a:r>
+              <a:rPr lang="en-US" b="1" dirty="0" smtClean="0">
+                <a:effectLst/>
+              </a:rPr>
+              <a:t>et al), “</a:t>
+            </a:r>
+            <a:r>
+              <a:rPr lang="en-US" b="1" dirty="0">
+                <a:effectLst/>
+              </a:rPr>
+              <a:t>What Color is it?,” </a:t>
+            </a:r>
+            <a:r>
+              <a:rPr lang="en-US" b="1" i="1" dirty="0" err="1">
+                <a:effectLst/>
+              </a:rPr>
+              <a:t>Hackster.io</a:t>
+            </a:r>
+            <a:r>
+              <a:rPr lang="en-US" b="1" dirty="0">
+                <a:effectLst/>
+              </a:rPr>
+              <a:t>, 25-Sep-2015. [Online]. Available: https://</a:t>
+            </a:r>
+            <a:r>
+              <a:rPr lang="en-US" b="1" dirty="0" err="1">
+                <a:effectLst/>
+              </a:rPr>
+              <a:t>www.hackster.io</a:t>
+            </a:r>
+            <a:r>
+              <a:rPr lang="en-US" b="1" dirty="0">
+                <a:effectLst/>
+              </a:rPr>
+              <a:t>/windows-</a:t>
+            </a:r>
+            <a:r>
+              <a:rPr lang="en-US" b="1" dirty="0" err="1">
+                <a:effectLst/>
+              </a:rPr>
+              <a:t>iot</a:t>
+            </a:r>
+            <a:r>
+              <a:rPr lang="en-US" b="1" dirty="0">
+                <a:effectLst/>
+              </a:rPr>
+              <a:t>/what-color-is-it-578fdb. [Accessed: 14-Apr-2017].</a:t>
+            </a:r>
+          </a:p>
+          <a:p>
+            <a:r>
+              <a:rPr lang="en-US" b="1" dirty="0">
+                <a:effectLst/>
+              </a:rPr>
+              <a:t>“</a:t>
+            </a:r>
+            <a:r>
+              <a:rPr lang="en-US" b="1" dirty="0" err="1">
+                <a:effectLst/>
+              </a:rPr>
+              <a:t>Braccio</a:t>
+            </a:r>
+            <a:r>
+              <a:rPr lang="en-US" b="1" dirty="0">
+                <a:effectLst/>
+              </a:rPr>
+              <a:t>,” </a:t>
+            </a:r>
+            <a:r>
+              <a:rPr lang="en-US" b="1" i="1" dirty="0">
+                <a:effectLst/>
+              </a:rPr>
+              <a:t>Arduino Open Source Hardware and Software for electronic projects</a:t>
+            </a:r>
+            <a:r>
+              <a:rPr lang="en-US" b="1" dirty="0">
+                <a:effectLst/>
+              </a:rPr>
+              <a:t>. [Online]. Available: http://</a:t>
+            </a:r>
+            <a:r>
+              <a:rPr lang="en-US" b="1" dirty="0" err="1">
+                <a:effectLst/>
+              </a:rPr>
+              <a:t>www.arduino.org</a:t>
+            </a:r>
+            <a:r>
+              <a:rPr lang="en-US" b="1" dirty="0">
+                <a:effectLst/>
+              </a:rPr>
+              <a:t>/products/</a:t>
+            </a:r>
+            <a:r>
+              <a:rPr lang="en-US" b="1" dirty="0" err="1">
+                <a:effectLst/>
+              </a:rPr>
+              <a:t>tinkerkit</a:t>
+            </a:r>
+            <a:r>
+              <a:rPr lang="en-US" b="1" dirty="0">
+                <a:effectLst/>
+              </a:rPr>
+              <a:t>/</a:t>
+            </a:r>
+            <a:r>
+              <a:rPr lang="en-US" b="1" dirty="0" err="1">
+                <a:effectLst/>
+              </a:rPr>
+              <a:t>arduino-tinkerkit-braccio</a:t>
+            </a:r>
+            <a:r>
+              <a:rPr lang="en-US" b="1" dirty="0">
+                <a:effectLst/>
+              </a:rPr>
+              <a:t>. [Accessed: 14-Apr-2017].</a:t>
+            </a:r>
+          </a:p>
+          <a:p>
+            <a:r>
+              <a:rPr lang="en-US" b="1" dirty="0">
+                <a:effectLst/>
+              </a:rPr>
+              <a:t>“</a:t>
+            </a:r>
+            <a:r>
+              <a:rPr lang="en-US" b="1" dirty="0" err="1">
+                <a:effectLst/>
+              </a:rPr>
+              <a:t>Pololu</a:t>
+            </a:r>
+            <a:r>
+              <a:rPr lang="en-US" b="1" dirty="0">
+                <a:effectLst/>
+              </a:rPr>
+              <a:t> - QTR-8RC Reflectance Sensor Array,” </a:t>
+            </a:r>
+            <a:r>
+              <a:rPr lang="en-US" b="1" i="1" dirty="0" err="1">
+                <a:effectLst/>
+              </a:rPr>
+              <a:t>Pololu</a:t>
+            </a:r>
+            <a:r>
+              <a:rPr lang="en-US" b="1" i="1" dirty="0">
+                <a:effectLst/>
+              </a:rPr>
+              <a:t> Robotics &amp; Electronics</a:t>
+            </a:r>
+            <a:r>
+              <a:rPr lang="en-US" b="1" dirty="0">
+                <a:effectLst/>
+              </a:rPr>
+              <a:t>. [Online]. Available: https://</a:t>
+            </a:r>
+            <a:r>
+              <a:rPr lang="en-US" b="1" dirty="0" err="1">
+                <a:effectLst/>
+              </a:rPr>
+              <a:t>www.pololu.com</a:t>
+            </a:r>
+            <a:r>
+              <a:rPr lang="en-US" b="1" dirty="0">
+                <a:effectLst/>
+              </a:rPr>
+              <a:t>/product/961. [Accessed: 14-Apr-2017].</a:t>
+            </a:r>
+          </a:p>
+          <a:p>
+            <a:endParaRPr lang="en-US" dirty="0"/>
+          </a:p>
+        </p:txBody>
+      </p:sp>
+    </p:spTree>
+    <p:extLst>
+      <p:ext uri="{BB962C8B-B14F-4D97-AF65-F5344CB8AC3E}">
+        <p14:creationId xmlns:p14="http://schemas.microsoft.com/office/powerpoint/2010/main" val="1091630041"/>
       </p:ext>
     </p:extLst>
   </p:cSld>
